--- a/figures/Nouveau Présentation Microsoft PowerPoint.pptx
+++ b/figures/Nouveau Présentation Microsoft PowerPoint.pptx
@@ -7,6 +7,8 @@
   <p:sldIdLst>
     <p:sldId id="256" r:id="rId2"/>
     <p:sldId id="257" r:id="rId3"/>
+    <p:sldId id="258" r:id="rId4"/>
+    <p:sldId id="259" r:id="rId5"/>
   </p:sldIdLst>
   <p:sldSz cx="12192000" cy="6858000"/>
   <p:notesSz cx="6858000" cy="9144000"/>
@@ -113,6 +115,4393 @@
 </p:presentation>
 </file>
 
+<file path=ppt/diagrams/colors1.xml><?xml version="1.0" encoding="utf-8"?>
+<dgm:colorsDef xmlns:dgm="http://schemas.openxmlformats.org/drawingml/2006/diagram" xmlns:a="http://schemas.openxmlformats.org/drawingml/2006/main" uniqueId="urn:microsoft.com/office/officeart/2005/8/colors/accent1_2">
+  <dgm:title val=""/>
+  <dgm:desc val=""/>
+  <dgm:catLst>
+    <dgm:cat type="accent1" pri="11200"/>
+  </dgm:catLst>
+  <dgm:styleLbl name="node0">
+    <dgm:fillClrLst meth="repeat">
+      <a:schemeClr val="accent1"/>
+    </dgm:fillClrLst>
+    <dgm:linClrLst meth="repeat">
+      <a:schemeClr val="lt1"/>
+    </dgm:linClrLst>
+    <dgm:effectClrLst/>
+    <dgm:txLinClrLst/>
+    <dgm:txFillClrLst/>
+    <dgm:txEffectClrLst/>
+  </dgm:styleLbl>
+  <dgm:styleLbl name="alignNode1">
+    <dgm:fillClrLst meth="repeat">
+      <a:schemeClr val="accent1"/>
+    </dgm:fillClrLst>
+    <dgm:linClrLst meth="repeat">
+      <a:schemeClr val="accent1"/>
+    </dgm:linClrLst>
+    <dgm:effectClrLst/>
+    <dgm:txLinClrLst/>
+    <dgm:txFillClrLst/>
+    <dgm:txEffectClrLst/>
+  </dgm:styleLbl>
+  <dgm:styleLbl name="node1">
+    <dgm:fillClrLst meth="repeat">
+      <a:schemeClr val="accent1"/>
+    </dgm:fillClrLst>
+    <dgm:linClrLst meth="repeat">
+      <a:schemeClr val="lt1"/>
+    </dgm:linClrLst>
+    <dgm:effectClrLst/>
+    <dgm:txLinClrLst/>
+    <dgm:txFillClrLst/>
+    <dgm:txEffectClrLst/>
+  </dgm:styleLbl>
+  <dgm:styleLbl name="lnNode1">
+    <dgm:fillClrLst meth="repeat">
+      <a:schemeClr val="accent1"/>
+    </dgm:fillClrLst>
+    <dgm:linClrLst meth="repeat">
+      <a:schemeClr val="lt1"/>
+    </dgm:linClrLst>
+    <dgm:effectClrLst/>
+    <dgm:txLinClrLst/>
+    <dgm:txFillClrLst/>
+    <dgm:txEffectClrLst/>
+  </dgm:styleLbl>
+  <dgm:styleLbl name="vennNode1">
+    <dgm:fillClrLst meth="repeat">
+      <a:schemeClr val="accent1">
+        <a:alpha val="50000"/>
+      </a:schemeClr>
+    </dgm:fillClrLst>
+    <dgm:linClrLst meth="repeat">
+      <a:schemeClr val="lt1"/>
+    </dgm:linClrLst>
+    <dgm:effectClrLst/>
+    <dgm:txLinClrLst/>
+    <dgm:txFillClrLst/>
+    <dgm:txEffectClrLst/>
+  </dgm:styleLbl>
+  <dgm:styleLbl name="node2">
+    <dgm:fillClrLst meth="repeat">
+      <a:schemeClr val="accent1"/>
+    </dgm:fillClrLst>
+    <dgm:linClrLst meth="repeat">
+      <a:schemeClr val="lt1"/>
+    </dgm:linClrLst>
+    <dgm:effectClrLst/>
+    <dgm:txLinClrLst/>
+    <dgm:txFillClrLst/>
+    <dgm:txEffectClrLst/>
+  </dgm:styleLbl>
+  <dgm:styleLbl name="node3">
+    <dgm:fillClrLst meth="repeat">
+      <a:schemeClr val="accent1"/>
+    </dgm:fillClrLst>
+    <dgm:linClrLst meth="repeat">
+      <a:schemeClr val="lt1"/>
+    </dgm:linClrLst>
+    <dgm:effectClrLst/>
+    <dgm:txLinClrLst/>
+    <dgm:txFillClrLst/>
+    <dgm:txEffectClrLst/>
+  </dgm:styleLbl>
+  <dgm:styleLbl name="node4">
+    <dgm:fillClrLst meth="repeat">
+      <a:schemeClr val="accent1"/>
+    </dgm:fillClrLst>
+    <dgm:linClrLst meth="repeat">
+      <a:schemeClr val="lt1"/>
+    </dgm:linClrLst>
+    <dgm:effectClrLst/>
+    <dgm:txLinClrLst/>
+    <dgm:txFillClrLst/>
+    <dgm:txEffectClrLst/>
+  </dgm:styleLbl>
+  <dgm:styleLbl name="fgImgPlace1">
+    <dgm:fillClrLst meth="repeat">
+      <a:schemeClr val="accent1">
+        <a:tint val="50000"/>
+      </a:schemeClr>
+    </dgm:fillClrLst>
+    <dgm:linClrLst meth="repeat">
+      <a:schemeClr val="lt1"/>
+    </dgm:linClrLst>
+    <dgm:effectClrLst/>
+    <dgm:txLinClrLst/>
+    <dgm:txFillClrLst meth="repeat">
+      <a:schemeClr val="lt1"/>
+    </dgm:txFillClrLst>
+    <dgm:txEffectClrLst/>
+  </dgm:styleLbl>
+  <dgm:styleLbl name="alignImgPlace1">
+    <dgm:fillClrLst meth="repeat">
+      <a:schemeClr val="accent1">
+        <a:tint val="50000"/>
+      </a:schemeClr>
+    </dgm:fillClrLst>
+    <dgm:linClrLst meth="repeat">
+      <a:schemeClr val="lt1"/>
+    </dgm:linClrLst>
+    <dgm:effectClrLst/>
+    <dgm:txLinClrLst/>
+    <dgm:txFillClrLst meth="repeat">
+      <a:schemeClr val="lt1"/>
+    </dgm:txFillClrLst>
+    <dgm:txEffectClrLst/>
+  </dgm:styleLbl>
+  <dgm:styleLbl name="bgImgPlace1">
+    <dgm:fillClrLst meth="repeat">
+      <a:schemeClr val="accent1">
+        <a:tint val="50000"/>
+      </a:schemeClr>
+    </dgm:fillClrLst>
+    <dgm:linClrLst meth="repeat">
+      <a:schemeClr val="lt1"/>
+    </dgm:linClrLst>
+    <dgm:effectClrLst/>
+    <dgm:txLinClrLst/>
+    <dgm:txFillClrLst meth="repeat">
+      <a:schemeClr val="lt1"/>
+    </dgm:txFillClrLst>
+    <dgm:txEffectClrLst/>
+  </dgm:styleLbl>
+  <dgm:styleLbl name="sibTrans2D1">
+    <dgm:fillClrLst meth="repeat">
+      <a:schemeClr val="accent1">
+        <a:tint val="60000"/>
+      </a:schemeClr>
+    </dgm:fillClrLst>
+    <dgm:linClrLst meth="repeat">
+      <a:schemeClr val="accent1">
+        <a:tint val="60000"/>
+      </a:schemeClr>
+    </dgm:linClrLst>
+    <dgm:effectClrLst/>
+    <dgm:txLinClrLst/>
+    <dgm:txFillClrLst/>
+    <dgm:txEffectClrLst/>
+  </dgm:styleLbl>
+  <dgm:styleLbl name="fgSibTrans2D1">
+    <dgm:fillClrLst meth="repeat">
+      <a:schemeClr val="accent1">
+        <a:tint val="60000"/>
+      </a:schemeClr>
+    </dgm:fillClrLst>
+    <dgm:linClrLst meth="repeat">
+      <a:schemeClr val="accent1">
+        <a:tint val="60000"/>
+      </a:schemeClr>
+    </dgm:linClrLst>
+    <dgm:effectClrLst/>
+    <dgm:txLinClrLst/>
+    <dgm:txFillClrLst/>
+    <dgm:txEffectClrLst/>
+  </dgm:styleLbl>
+  <dgm:styleLbl name="bgSibTrans2D1">
+    <dgm:fillClrLst meth="repeat">
+      <a:schemeClr val="accent1">
+        <a:tint val="60000"/>
+      </a:schemeClr>
+    </dgm:fillClrLst>
+    <dgm:linClrLst meth="repeat">
+      <a:schemeClr val="accent1">
+        <a:tint val="60000"/>
+      </a:schemeClr>
+    </dgm:linClrLst>
+    <dgm:effectClrLst/>
+    <dgm:txLinClrLst/>
+    <dgm:txFillClrLst/>
+    <dgm:txEffectClrLst/>
+  </dgm:styleLbl>
+  <dgm:styleLbl name="sibTrans1D1">
+    <dgm:fillClrLst meth="repeat">
+      <a:schemeClr val="accent1"/>
+    </dgm:fillClrLst>
+    <dgm:linClrLst meth="repeat">
+      <a:schemeClr val="accent1"/>
+    </dgm:linClrLst>
+    <dgm:effectClrLst/>
+    <dgm:txLinClrLst/>
+    <dgm:txFillClrLst meth="repeat">
+      <a:schemeClr val="tx1"/>
+    </dgm:txFillClrLst>
+    <dgm:txEffectClrLst/>
+  </dgm:styleLbl>
+  <dgm:styleLbl name="callout">
+    <dgm:fillClrLst meth="repeat">
+      <a:schemeClr val="accent1"/>
+    </dgm:fillClrLst>
+    <dgm:linClrLst meth="repeat">
+      <a:schemeClr val="accent1">
+        <a:tint val="50000"/>
+      </a:schemeClr>
+    </dgm:linClrLst>
+    <dgm:effectClrLst/>
+    <dgm:txLinClrLst/>
+    <dgm:txFillClrLst meth="repeat">
+      <a:schemeClr val="tx1"/>
+    </dgm:txFillClrLst>
+    <dgm:txEffectClrLst/>
+  </dgm:styleLbl>
+  <dgm:styleLbl name="asst0">
+    <dgm:fillClrLst meth="repeat">
+      <a:schemeClr val="accent1"/>
+    </dgm:fillClrLst>
+    <dgm:linClrLst meth="repeat">
+      <a:schemeClr val="lt1"/>
+    </dgm:linClrLst>
+    <dgm:effectClrLst/>
+    <dgm:txLinClrLst/>
+    <dgm:txFillClrLst/>
+    <dgm:txEffectClrLst/>
+  </dgm:styleLbl>
+  <dgm:styleLbl name="asst1">
+    <dgm:fillClrLst meth="repeat">
+      <a:schemeClr val="accent1"/>
+    </dgm:fillClrLst>
+    <dgm:linClrLst meth="repeat">
+      <a:schemeClr val="lt1"/>
+    </dgm:linClrLst>
+    <dgm:effectClrLst/>
+    <dgm:txLinClrLst/>
+    <dgm:txFillClrLst/>
+    <dgm:txEffectClrLst/>
+  </dgm:styleLbl>
+  <dgm:styleLbl name="asst2">
+    <dgm:fillClrLst meth="repeat">
+      <a:schemeClr val="accent1"/>
+    </dgm:fillClrLst>
+    <dgm:linClrLst meth="repeat">
+      <a:schemeClr val="lt1"/>
+    </dgm:linClrLst>
+    <dgm:effectClrLst/>
+    <dgm:txLinClrLst/>
+    <dgm:txFillClrLst/>
+    <dgm:txEffectClrLst/>
+  </dgm:styleLbl>
+  <dgm:styleLbl name="asst3">
+    <dgm:fillClrLst meth="repeat">
+      <a:schemeClr val="accent1"/>
+    </dgm:fillClrLst>
+    <dgm:linClrLst meth="repeat">
+      <a:schemeClr val="lt1"/>
+    </dgm:linClrLst>
+    <dgm:effectClrLst/>
+    <dgm:txLinClrLst/>
+    <dgm:txFillClrLst/>
+    <dgm:txEffectClrLst/>
+  </dgm:styleLbl>
+  <dgm:styleLbl name="asst4">
+    <dgm:fillClrLst meth="repeat">
+      <a:schemeClr val="accent1"/>
+    </dgm:fillClrLst>
+    <dgm:linClrLst meth="repeat">
+      <a:schemeClr val="lt1"/>
+    </dgm:linClrLst>
+    <dgm:effectClrLst/>
+    <dgm:txLinClrLst/>
+    <dgm:txFillClrLst/>
+    <dgm:txEffectClrLst/>
+  </dgm:styleLbl>
+  <dgm:styleLbl name="parChTrans2D1">
+    <dgm:fillClrLst meth="repeat">
+      <a:schemeClr val="accent1">
+        <a:tint val="60000"/>
+      </a:schemeClr>
+    </dgm:fillClrLst>
+    <dgm:linClrLst meth="repeat">
+      <a:schemeClr val="accent1">
+        <a:tint val="60000"/>
+      </a:schemeClr>
+    </dgm:linClrLst>
+    <dgm:effectClrLst/>
+    <dgm:txLinClrLst/>
+    <dgm:txFillClrLst meth="repeat">
+      <a:schemeClr val="lt1"/>
+    </dgm:txFillClrLst>
+    <dgm:txEffectClrLst/>
+  </dgm:styleLbl>
+  <dgm:styleLbl name="parChTrans2D2">
+    <dgm:fillClrLst meth="repeat">
+      <a:schemeClr val="accent1"/>
+    </dgm:fillClrLst>
+    <dgm:linClrLst meth="repeat">
+      <a:schemeClr val="accent1"/>
+    </dgm:linClrLst>
+    <dgm:effectClrLst/>
+    <dgm:txLinClrLst/>
+    <dgm:txFillClrLst meth="repeat">
+      <a:schemeClr val="lt1"/>
+    </dgm:txFillClrLst>
+    <dgm:txEffectClrLst/>
+  </dgm:styleLbl>
+  <dgm:styleLbl name="parChTrans2D3">
+    <dgm:fillClrLst meth="repeat">
+      <a:schemeClr val="accent1"/>
+    </dgm:fillClrLst>
+    <dgm:linClrLst meth="repeat">
+      <a:schemeClr val="accent1"/>
+    </dgm:linClrLst>
+    <dgm:effectClrLst/>
+    <dgm:txLinClrLst/>
+    <dgm:txFillClrLst meth="repeat">
+      <a:schemeClr val="lt1"/>
+    </dgm:txFillClrLst>
+    <dgm:txEffectClrLst/>
+  </dgm:styleLbl>
+  <dgm:styleLbl name="parChTrans2D4">
+    <dgm:fillClrLst meth="repeat">
+      <a:schemeClr val="accent1"/>
+    </dgm:fillClrLst>
+    <dgm:linClrLst meth="repeat">
+      <a:schemeClr val="accent1"/>
+    </dgm:linClrLst>
+    <dgm:effectClrLst/>
+    <dgm:txLinClrLst/>
+    <dgm:txFillClrLst meth="repeat">
+      <a:schemeClr val="lt1"/>
+    </dgm:txFillClrLst>
+    <dgm:txEffectClrLst/>
+  </dgm:styleLbl>
+  <dgm:styleLbl name="parChTrans1D1">
+    <dgm:fillClrLst meth="repeat">
+      <a:schemeClr val="accent1"/>
+    </dgm:fillClrLst>
+    <dgm:linClrLst meth="repeat">
+      <a:schemeClr val="accent1">
+        <a:shade val="60000"/>
+      </a:schemeClr>
+    </dgm:linClrLst>
+    <dgm:effectClrLst/>
+    <dgm:txLinClrLst/>
+    <dgm:txFillClrLst meth="repeat">
+      <a:schemeClr val="tx1"/>
+    </dgm:txFillClrLst>
+    <dgm:txEffectClrLst/>
+  </dgm:styleLbl>
+  <dgm:styleLbl name="parChTrans1D2">
+    <dgm:fillClrLst meth="repeat">
+      <a:schemeClr val="accent1"/>
+    </dgm:fillClrLst>
+    <dgm:linClrLst meth="repeat">
+      <a:schemeClr val="accent1">
+        <a:shade val="60000"/>
+      </a:schemeClr>
+    </dgm:linClrLst>
+    <dgm:effectClrLst/>
+    <dgm:txLinClrLst/>
+    <dgm:txFillClrLst meth="repeat">
+      <a:schemeClr val="tx1"/>
+    </dgm:txFillClrLst>
+    <dgm:txEffectClrLst/>
+  </dgm:styleLbl>
+  <dgm:styleLbl name="parChTrans1D3">
+    <dgm:fillClrLst meth="repeat">
+      <a:schemeClr val="accent1"/>
+    </dgm:fillClrLst>
+    <dgm:linClrLst meth="repeat">
+      <a:schemeClr val="accent1">
+        <a:shade val="80000"/>
+      </a:schemeClr>
+    </dgm:linClrLst>
+    <dgm:effectClrLst/>
+    <dgm:txLinClrLst/>
+    <dgm:txFillClrLst meth="repeat">
+      <a:schemeClr val="tx1"/>
+    </dgm:txFillClrLst>
+    <dgm:txEffectClrLst/>
+  </dgm:styleLbl>
+  <dgm:styleLbl name="parChTrans1D4">
+    <dgm:fillClrLst meth="repeat">
+      <a:schemeClr val="accent1"/>
+    </dgm:fillClrLst>
+    <dgm:linClrLst meth="repeat">
+      <a:schemeClr val="accent1">
+        <a:shade val="80000"/>
+      </a:schemeClr>
+    </dgm:linClrLst>
+    <dgm:effectClrLst/>
+    <dgm:txLinClrLst/>
+    <dgm:txFillClrLst meth="repeat">
+      <a:schemeClr val="tx1"/>
+    </dgm:txFillClrLst>
+    <dgm:txEffectClrLst/>
+  </dgm:styleLbl>
+  <dgm:styleLbl name="fgAcc1">
+    <dgm:fillClrLst meth="repeat">
+      <a:schemeClr val="lt1">
+        <a:alpha val="90000"/>
+      </a:schemeClr>
+    </dgm:fillClrLst>
+    <dgm:linClrLst meth="repeat">
+      <a:schemeClr val="accent1"/>
+    </dgm:linClrLst>
+    <dgm:effectClrLst/>
+    <dgm:txLinClrLst/>
+    <dgm:txFillClrLst meth="repeat">
+      <a:schemeClr val="dk1"/>
+    </dgm:txFillClrLst>
+    <dgm:txEffectClrLst/>
+  </dgm:styleLbl>
+  <dgm:styleLbl name="conFgAcc1">
+    <dgm:fillClrLst meth="repeat">
+      <a:schemeClr val="lt1">
+        <a:alpha val="90000"/>
+      </a:schemeClr>
+    </dgm:fillClrLst>
+    <dgm:linClrLst meth="repeat">
+      <a:schemeClr val="accent1"/>
+    </dgm:linClrLst>
+    <dgm:effectClrLst/>
+    <dgm:txLinClrLst/>
+    <dgm:txFillClrLst meth="repeat">
+      <a:schemeClr val="dk1"/>
+    </dgm:txFillClrLst>
+    <dgm:txEffectClrLst/>
+  </dgm:styleLbl>
+  <dgm:styleLbl name="alignAcc1">
+    <dgm:fillClrLst meth="repeat">
+      <a:schemeClr val="lt1">
+        <a:alpha val="90000"/>
+      </a:schemeClr>
+    </dgm:fillClrLst>
+    <dgm:linClrLst meth="repeat">
+      <a:schemeClr val="accent1"/>
+    </dgm:linClrLst>
+    <dgm:effectClrLst/>
+    <dgm:txLinClrLst/>
+    <dgm:txFillClrLst meth="repeat">
+      <a:schemeClr val="dk1"/>
+    </dgm:txFillClrLst>
+    <dgm:txEffectClrLst/>
+  </dgm:styleLbl>
+  <dgm:styleLbl name="trAlignAcc1">
+    <dgm:fillClrLst meth="repeat">
+      <a:schemeClr val="lt1">
+        <a:alpha val="40000"/>
+      </a:schemeClr>
+    </dgm:fillClrLst>
+    <dgm:linClrLst meth="repeat">
+      <a:schemeClr val="accent1"/>
+    </dgm:linClrLst>
+    <dgm:effectClrLst/>
+    <dgm:txLinClrLst/>
+    <dgm:txFillClrLst meth="repeat">
+      <a:schemeClr val="dk1"/>
+    </dgm:txFillClrLst>
+    <dgm:txEffectClrLst/>
+  </dgm:styleLbl>
+  <dgm:styleLbl name="bgAcc1">
+    <dgm:fillClrLst meth="repeat">
+      <a:schemeClr val="lt1">
+        <a:alpha val="90000"/>
+      </a:schemeClr>
+    </dgm:fillClrLst>
+    <dgm:linClrLst meth="repeat">
+      <a:schemeClr val="accent1"/>
+    </dgm:linClrLst>
+    <dgm:effectClrLst/>
+    <dgm:txLinClrLst/>
+    <dgm:txFillClrLst meth="repeat">
+      <a:schemeClr val="dk1"/>
+    </dgm:txFillClrLst>
+    <dgm:txEffectClrLst/>
+  </dgm:styleLbl>
+  <dgm:styleLbl name="solidFgAcc1">
+    <dgm:fillClrLst meth="repeat">
+      <a:schemeClr val="lt1"/>
+    </dgm:fillClrLst>
+    <dgm:linClrLst meth="repeat">
+      <a:schemeClr val="accent1"/>
+    </dgm:linClrLst>
+    <dgm:effectClrLst/>
+    <dgm:txLinClrLst/>
+    <dgm:txFillClrLst meth="repeat">
+      <a:schemeClr val="dk1"/>
+    </dgm:txFillClrLst>
+    <dgm:txEffectClrLst/>
+  </dgm:styleLbl>
+  <dgm:styleLbl name="solidAlignAcc1">
+    <dgm:fillClrLst meth="repeat">
+      <a:schemeClr val="lt1"/>
+    </dgm:fillClrLst>
+    <dgm:linClrLst meth="repeat">
+      <a:schemeClr val="accent1"/>
+    </dgm:linClrLst>
+    <dgm:effectClrLst/>
+    <dgm:txLinClrLst/>
+    <dgm:txFillClrLst meth="repeat">
+      <a:schemeClr val="dk1"/>
+    </dgm:txFillClrLst>
+    <dgm:txEffectClrLst/>
+  </dgm:styleLbl>
+  <dgm:styleLbl name="solidBgAcc1">
+    <dgm:fillClrLst meth="repeat">
+      <a:schemeClr val="lt1"/>
+    </dgm:fillClrLst>
+    <dgm:linClrLst meth="repeat">
+      <a:schemeClr val="accent1"/>
+    </dgm:linClrLst>
+    <dgm:effectClrLst/>
+    <dgm:txLinClrLst/>
+    <dgm:txFillClrLst meth="repeat">
+      <a:schemeClr val="dk1"/>
+    </dgm:txFillClrLst>
+    <dgm:txEffectClrLst/>
+  </dgm:styleLbl>
+  <dgm:styleLbl name="fgAccFollowNode1">
+    <dgm:fillClrLst meth="repeat">
+      <a:schemeClr val="accent1">
+        <a:alpha val="90000"/>
+        <a:tint val="40000"/>
+      </a:schemeClr>
+    </dgm:fillClrLst>
+    <dgm:linClrLst meth="repeat">
+      <a:schemeClr val="accent1">
+        <a:alpha val="90000"/>
+        <a:tint val="40000"/>
+      </a:schemeClr>
+    </dgm:linClrLst>
+    <dgm:effectClrLst/>
+    <dgm:txLinClrLst/>
+    <dgm:txFillClrLst meth="repeat">
+      <a:schemeClr val="dk1"/>
+    </dgm:txFillClrLst>
+    <dgm:txEffectClrLst/>
+  </dgm:styleLbl>
+  <dgm:styleLbl name="alignAccFollowNode1">
+    <dgm:fillClrLst meth="repeat">
+      <a:schemeClr val="accent1">
+        <a:alpha val="90000"/>
+        <a:tint val="40000"/>
+      </a:schemeClr>
+    </dgm:fillClrLst>
+    <dgm:linClrLst meth="repeat">
+      <a:schemeClr val="accent1">
+        <a:alpha val="90000"/>
+        <a:tint val="40000"/>
+      </a:schemeClr>
+    </dgm:linClrLst>
+    <dgm:effectClrLst/>
+    <dgm:txLinClrLst/>
+    <dgm:txFillClrLst meth="repeat">
+      <a:schemeClr val="dk1"/>
+    </dgm:txFillClrLst>
+    <dgm:txEffectClrLst/>
+  </dgm:styleLbl>
+  <dgm:styleLbl name="bgAccFollowNode1">
+    <dgm:fillClrLst meth="repeat">
+      <a:schemeClr val="accent1">
+        <a:alpha val="90000"/>
+        <a:tint val="40000"/>
+      </a:schemeClr>
+    </dgm:fillClrLst>
+    <dgm:linClrLst meth="repeat">
+      <a:schemeClr val="accent1">
+        <a:alpha val="90000"/>
+        <a:tint val="40000"/>
+      </a:schemeClr>
+    </dgm:linClrLst>
+    <dgm:effectClrLst/>
+    <dgm:txLinClrLst/>
+    <dgm:txFillClrLst meth="repeat">
+      <a:schemeClr val="dk1"/>
+    </dgm:txFillClrLst>
+    <dgm:txEffectClrLst/>
+  </dgm:styleLbl>
+  <dgm:styleLbl name="fgAcc0">
+    <dgm:fillClrLst meth="repeat">
+      <a:schemeClr val="lt1">
+        <a:alpha val="90000"/>
+      </a:schemeClr>
+    </dgm:fillClrLst>
+    <dgm:linClrLst meth="repeat">
+      <a:schemeClr val="accent1"/>
+    </dgm:linClrLst>
+    <dgm:effectClrLst/>
+    <dgm:txLinClrLst/>
+    <dgm:txFillClrLst meth="repeat">
+      <a:schemeClr val="dk1"/>
+    </dgm:txFillClrLst>
+    <dgm:txEffectClrLst/>
+  </dgm:styleLbl>
+  <dgm:styleLbl name="fgAcc2">
+    <dgm:fillClrLst meth="repeat">
+      <a:schemeClr val="lt1">
+        <a:alpha val="90000"/>
+      </a:schemeClr>
+    </dgm:fillClrLst>
+    <dgm:linClrLst meth="repeat">
+      <a:schemeClr val="accent1"/>
+    </dgm:linClrLst>
+    <dgm:effectClrLst/>
+    <dgm:txLinClrLst/>
+    <dgm:txFillClrLst meth="repeat">
+      <a:schemeClr val="dk1"/>
+    </dgm:txFillClrLst>
+    <dgm:txEffectClrLst/>
+  </dgm:styleLbl>
+  <dgm:styleLbl name="fgAcc3">
+    <dgm:fillClrLst meth="repeat">
+      <a:schemeClr val="lt1">
+        <a:alpha val="90000"/>
+      </a:schemeClr>
+    </dgm:fillClrLst>
+    <dgm:linClrLst meth="repeat">
+      <a:schemeClr val="accent1"/>
+    </dgm:linClrLst>
+    <dgm:effectClrLst/>
+    <dgm:txLinClrLst/>
+    <dgm:txFillClrLst meth="repeat">
+      <a:schemeClr val="dk1"/>
+    </dgm:txFillClrLst>
+    <dgm:txEffectClrLst/>
+  </dgm:styleLbl>
+  <dgm:styleLbl name="fgAcc4">
+    <dgm:fillClrLst meth="repeat">
+      <a:schemeClr val="lt1">
+        <a:alpha val="90000"/>
+      </a:schemeClr>
+    </dgm:fillClrLst>
+    <dgm:linClrLst meth="repeat">
+      <a:schemeClr val="accent1"/>
+    </dgm:linClrLst>
+    <dgm:effectClrLst/>
+    <dgm:txLinClrLst/>
+    <dgm:txFillClrLst meth="repeat">
+      <a:schemeClr val="dk1"/>
+    </dgm:txFillClrLst>
+    <dgm:txEffectClrLst/>
+  </dgm:styleLbl>
+  <dgm:styleLbl name="bgShp">
+    <dgm:fillClrLst meth="repeat">
+      <a:schemeClr val="accent1">
+        <a:tint val="40000"/>
+      </a:schemeClr>
+    </dgm:fillClrLst>
+    <dgm:linClrLst meth="repeat">
+      <a:schemeClr val="accent1"/>
+    </dgm:linClrLst>
+    <dgm:effectClrLst/>
+    <dgm:txLinClrLst/>
+    <dgm:txFillClrLst meth="repeat">
+      <a:schemeClr val="dk1"/>
+    </dgm:txFillClrLst>
+    <dgm:txEffectClrLst/>
+  </dgm:styleLbl>
+  <dgm:styleLbl name="dkBgShp">
+    <dgm:fillClrLst meth="repeat">
+      <a:schemeClr val="accent1">
+        <a:shade val="80000"/>
+      </a:schemeClr>
+    </dgm:fillClrLst>
+    <dgm:linClrLst meth="repeat">
+      <a:schemeClr val="accent1"/>
+    </dgm:linClrLst>
+    <dgm:effectClrLst/>
+    <dgm:txLinClrLst/>
+    <dgm:txFillClrLst meth="repeat">
+      <a:schemeClr val="lt1"/>
+    </dgm:txFillClrLst>
+    <dgm:txEffectClrLst/>
+  </dgm:styleLbl>
+  <dgm:styleLbl name="trBgShp">
+    <dgm:fillClrLst meth="repeat">
+      <a:schemeClr val="accent1">
+        <a:tint val="50000"/>
+        <a:alpha val="40000"/>
+      </a:schemeClr>
+    </dgm:fillClrLst>
+    <dgm:linClrLst meth="repeat">
+      <a:schemeClr val="accent1"/>
+    </dgm:linClrLst>
+    <dgm:effectClrLst/>
+    <dgm:txLinClrLst/>
+    <dgm:txFillClrLst meth="repeat">
+      <a:schemeClr val="lt1"/>
+    </dgm:txFillClrLst>
+    <dgm:txEffectClrLst/>
+  </dgm:styleLbl>
+  <dgm:styleLbl name="fgShp">
+    <dgm:fillClrLst meth="repeat">
+      <a:schemeClr val="accent1">
+        <a:tint val="60000"/>
+      </a:schemeClr>
+    </dgm:fillClrLst>
+    <dgm:linClrLst meth="repeat">
+      <a:schemeClr val="lt1"/>
+    </dgm:linClrLst>
+    <dgm:effectClrLst/>
+    <dgm:txLinClrLst/>
+    <dgm:txFillClrLst meth="repeat">
+      <a:schemeClr val="dk1"/>
+    </dgm:txFillClrLst>
+    <dgm:txEffectClrLst/>
+  </dgm:styleLbl>
+  <dgm:styleLbl name="revTx">
+    <dgm:fillClrLst meth="repeat">
+      <a:schemeClr val="lt1">
+        <a:alpha val="0"/>
+      </a:schemeClr>
+    </dgm:fillClrLst>
+    <dgm:linClrLst meth="repeat">
+      <a:schemeClr val="dk1">
+        <a:alpha val="0"/>
+      </a:schemeClr>
+    </dgm:linClrLst>
+    <dgm:effectClrLst/>
+    <dgm:txLinClrLst/>
+    <dgm:txFillClrLst meth="repeat">
+      <a:schemeClr val="tx1"/>
+    </dgm:txFillClrLst>
+    <dgm:txEffectClrLst/>
+  </dgm:styleLbl>
+</dgm:colorsDef>
+</file>
+
+<file path=ppt/diagrams/data1.xml><?xml version="1.0" encoding="utf-8"?>
+<dgm:dataModel xmlns:dgm="http://schemas.openxmlformats.org/drawingml/2006/diagram" xmlns:a="http://schemas.openxmlformats.org/drawingml/2006/main">
+  <dgm:ptLst>
+    <dgm:pt modelId="{8F5CE2B1-DD29-4BA7-A30C-666395457548}" type="doc">
+      <dgm:prSet loTypeId="urn:microsoft.com/office/officeart/2005/8/layout/arrow2" loCatId="process" qsTypeId="urn:microsoft.com/office/officeart/2005/8/quickstyle/simple1" qsCatId="simple" csTypeId="urn:microsoft.com/office/officeart/2005/8/colors/accent1_2" csCatId="accent1" phldr="1"/>
+      <dgm:spPr/>
+    </dgm:pt>
+    <dgm:pt modelId="{9C5CDB62-9F0E-4430-A36B-02F5ABCBDB94}">
+      <dgm:prSet phldrT="[Texte]"/>
+      <dgm:spPr/>
+      <dgm:t>
+        <a:bodyPr/>
+        <a:lstStyle/>
+        <a:p>
+          <a:r>
+            <a:rPr lang="fr-FR" b="1" dirty="0" smtClean="0"/>
+            <a:t>Compréhension du concept et définition du projet</a:t>
+          </a:r>
+          <a:r>
+            <a:rPr lang="fr-FR" dirty="0" smtClean="0"/>
+            <a:t> </a:t>
+          </a:r>
+          <a:endParaRPr lang="fr-FR" dirty="0"/>
+        </a:p>
+      </dgm:t>
+    </dgm:pt>
+    <dgm:pt modelId="{E99F3FC2-A1A5-4893-BA1E-A9505D0A1CB2}" type="parTrans" cxnId="{B5C92A87-113A-40E0-859E-FD591AED2C12}">
+      <dgm:prSet/>
+      <dgm:spPr/>
+      <dgm:t>
+        <a:bodyPr/>
+        <a:lstStyle/>
+        <a:p>
+          <a:endParaRPr lang="fr-FR"/>
+        </a:p>
+      </dgm:t>
+    </dgm:pt>
+    <dgm:pt modelId="{BA6F3A34-C9C8-4969-A316-C3183CF05D11}" type="sibTrans" cxnId="{B5C92A87-113A-40E0-859E-FD591AED2C12}">
+      <dgm:prSet/>
+      <dgm:spPr/>
+      <dgm:t>
+        <a:bodyPr/>
+        <a:lstStyle/>
+        <a:p>
+          <a:endParaRPr lang="fr-FR"/>
+        </a:p>
+      </dgm:t>
+    </dgm:pt>
+    <dgm:pt modelId="{94164C6B-152A-4D91-936C-4FC21B06BFFE}">
+      <dgm:prSet phldrT="[Texte]"/>
+      <dgm:spPr/>
+      <dgm:t>
+        <a:bodyPr/>
+        <a:lstStyle/>
+        <a:p>
+          <a:r>
+            <a:rPr lang="fr-FR" b="1" dirty="0" smtClean="0"/>
+            <a:t>Définition du design UX et UI</a:t>
+          </a:r>
+          <a:endParaRPr lang="fr-FR" dirty="0"/>
+        </a:p>
+      </dgm:t>
+    </dgm:pt>
+    <dgm:pt modelId="{56B1E761-D8A1-4725-86EB-8B4AEB380730}" type="parTrans" cxnId="{285D77FC-02D4-4110-80DE-AA8E05DCECCA}">
+      <dgm:prSet/>
+      <dgm:spPr/>
+      <dgm:t>
+        <a:bodyPr/>
+        <a:lstStyle/>
+        <a:p>
+          <a:endParaRPr lang="fr-FR"/>
+        </a:p>
+      </dgm:t>
+    </dgm:pt>
+    <dgm:pt modelId="{7420086A-3DE6-44B7-B86A-3A04C81996E2}" type="sibTrans" cxnId="{285D77FC-02D4-4110-80DE-AA8E05DCECCA}">
+      <dgm:prSet/>
+      <dgm:spPr/>
+      <dgm:t>
+        <a:bodyPr/>
+        <a:lstStyle/>
+        <a:p>
+          <a:endParaRPr lang="fr-FR"/>
+        </a:p>
+      </dgm:t>
+    </dgm:pt>
+    <dgm:pt modelId="{7660965F-E74F-43B1-874A-1DB30F9C29D1}">
+      <dgm:prSet phldrT="[Texte]"/>
+      <dgm:spPr/>
+      <dgm:t>
+        <a:bodyPr/>
+        <a:lstStyle/>
+        <a:p>
+          <a:r>
+            <a:rPr lang="fr-FR" b="1" dirty="0" smtClean="0"/>
+            <a:t>développement du contrat intelligent</a:t>
+          </a:r>
+          <a:endParaRPr lang="fr-FR" dirty="0"/>
+        </a:p>
+      </dgm:t>
+    </dgm:pt>
+    <dgm:pt modelId="{7C064269-BD98-490A-8BC8-4ADBC3B9A523}" type="parTrans" cxnId="{2D6FFE50-6CC0-472E-9906-0F244A6BF968}">
+      <dgm:prSet/>
+      <dgm:spPr/>
+      <dgm:t>
+        <a:bodyPr/>
+        <a:lstStyle/>
+        <a:p>
+          <a:endParaRPr lang="fr-FR"/>
+        </a:p>
+      </dgm:t>
+    </dgm:pt>
+    <dgm:pt modelId="{0AFBDB89-0542-4D9D-BCBF-B669BAD37EF5}" type="sibTrans" cxnId="{2D6FFE50-6CC0-472E-9906-0F244A6BF968}">
+      <dgm:prSet/>
+      <dgm:spPr/>
+      <dgm:t>
+        <a:bodyPr/>
+        <a:lstStyle/>
+        <a:p>
+          <a:endParaRPr lang="fr-FR"/>
+        </a:p>
+      </dgm:t>
+    </dgm:pt>
+    <dgm:pt modelId="{FC6D51E6-5E91-4F82-B5B9-65202081DC16}">
+      <dgm:prSet phldrT="[Texte]"/>
+      <dgm:spPr/>
+      <dgm:t>
+        <a:bodyPr/>
+        <a:lstStyle/>
+        <a:p>
+          <a:r>
+            <a:rPr lang="fr-FR" b="1" dirty="0" smtClean="0"/>
+            <a:t>Intégration aux frontend et backend</a:t>
+          </a:r>
+          <a:endParaRPr lang="fr-FR" dirty="0"/>
+        </a:p>
+      </dgm:t>
+    </dgm:pt>
+    <dgm:pt modelId="{319CA08D-DD2F-427B-B634-D103F7E81FB5}" type="parTrans" cxnId="{1253F719-D562-4047-91B9-5B17088696E7}">
+      <dgm:prSet/>
+      <dgm:spPr/>
+      <dgm:t>
+        <a:bodyPr/>
+        <a:lstStyle/>
+        <a:p>
+          <a:endParaRPr lang="fr-FR"/>
+        </a:p>
+      </dgm:t>
+    </dgm:pt>
+    <dgm:pt modelId="{0268B188-2240-4EC4-913F-3C0C16A3BBFA}" type="sibTrans" cxnId="{1253F719-D562-4047-91B9-5B17088696E7}">
+      <dgm:prSet/>
+      <dgm:spPr/>
+      <dgm:t>
+        <a:bodyPr/>
+        <a:lstStyle/>
+        <a:p>
+          <a:endParaRPr lang="fr-FR"/>
+        </a:p>
+      </dgm:t>
+    </dgm:pt>
+    <dgm:pt modelId="{1F10933C-3412-4AF8-A5AB-FFE86D4DD40A}">
+      <dgm:prSet phldrT="[Texte]"/>
+      <dgm:spPr/>
+      <dgm:t>
+        <a:bodyPr/>
+        <a:lstStyle/>
+        <a:p>
+          <a:r>
+            <a:rPr lang="fr-FR" b="1" dirty="0" smtClean="0"/>
+            <a:t>tests et validations</a:t>
+          </a:r>
+          <a:r>
+            <a:rPr lang="fr-FR" dirty="0" smtClean="0"/>
+            <a:t> </a:t>
+          </a:r>
+          <a:endParaRPr lang="fr-FR" dirty="0"/>
+        </a:p>
+      </dgm:t>
+    </dgm:pt>
+    <dgm:pt modelId="{99FD6AB6-0A0D-463F-9F17-584824A41FD9}" type="parTrans" cxnId="{B241536D-F643-4DBE-A847-FC2828759F03}">
+      <dgm:prSet/>
+      <dgm:spPr/>
+      <dgm:t>
+        <a:bodyPr/>
+        <a:lstStyle/>
+        <a:p>
+          <a:endParaRPr lang="fr-FR"/>
+        </a:p>
+      </dgm:t>
+    </dgm:pt>
+    <dgm:pt modelId="{30F3B34A-E17D-4611-BEB4-D62FF2A70DFC}" type="sibTrans" cxnId="{B241536D-F643-4DBE-A847-FC2828759F03}">
+      <dgm:prSet/>
+      <dgm:spPr/>
+      <dgm:t>
+        <a:bodyPr/>
+        <a:lstStyle/>
+        <a:p>
+          <a:endParaRPr lang="fr-FR"/>
+        </a:p>
+      </dgm:t>
+    </dgm:pt>
+    <dgm:pt modelId="{4A114117-85E0-4890-B9AD-E08B6FD53753}">
+      <dgm:prSet phldrT="[Texte]"/>
+      <dgm:spPr/>
+    </dgm:pt>
+    <dgm:pt modelId="{AAC16E31-C734-43CE-90CC-2962BF8DB533}" type="parTrans" cxnId="{7AF31EE2-AE4C-4B17-B608-B678BB1950FC}">
+      <dgm:prSet/>
+      <dgm:spPr/>
+      <dgm:t>
+        <a:bodyPr/>
+        <a:lstStyle/>
+        <a:p>
+          <a:endParaRPr lang="fr-FR"/>
+        </a:p>
+      </dgm:t>
+    </dgm:pt>
+    <dgm:pt modelId="{F1B5B6C7-8271-4DBF-98BA-F7B37F1F5751}" type="sibTrans" cxnId="{7AF31EE2-AE4C-4B17-B608-B678BB1950FC}">
+      <dgm:prSet/>
+      <dgm:spPr/>
+      <dgm:t>
+        <a:bodyPr/>
+        <a:lstStyle/>
+        <a:p>
+          <a:endParaRPr lang="fr-FR"/>
+        </a:p>
+      </dgm:t>
+    </dgm:pt>
+    <dgm:pt modelId="{1811F31B-49A7-460E-9ED2-C7C48C3BCB06}" type="pres">
+      <dgm:prSet presAssocID="{8F5CE2B1-DD29-4BA7-A30C-666395457548}" presName="arrowDiagram" presStyleCnt="0">
+        <dgm:presLayoutVars>
+          <dgm:chMax val="5"/>
+          <dgm:dir/>
+          <dgm:resizeHandles val="exact"/>
+        </dgm:presLayoutVars>
+      </dgm:prSet>
+      <dgm:spPr/>
+    </dgm:pt>
+    <dgm:pt modelId="{E73C01E6-60C6-4749-8C70-468E63D720B8}" type="pres">
+      <dgm:prSet presAssocID="{8F5CE2B1-DD29-4BA7-A30C-666395457548}" presName="arrow" presStyleLbl="bgShp" presStyleIdx="0" presStyleCnt="1" custScaleX="148930"/>
+      <dgm:spPr/>
+    </dgm:pt>
+    <dgm:pt modelId="{27ADF628-8EDC-45EF-8CCF-AB42EFA24AC7}" type="pres">
+      <dgm:prSet presAssocID="{8F5CE2B1-DD29-4BA7-A30C-666395457548}" presName="arrowDiagram5" presStyleCnt="0"/>
+      <dgm:spPr/>
+    </dgm:pt>
+    <dgm:pt modelId="{FDC30C23-DEE3-45FF-BF9E-B4402D104C17}" type="pres">
+      <dgm:prSet presAssocID="{9C5CDB62-9F0E-4430-A36B-02F5ABCBDB94}" presName="bullet5a" presStyleLbl="node1" presStyleIdx="0" presStyleCnt="5" custLinFactX="-365310" custLinFactNeighborX="-400000" custLinFactNeighborY="-23548"/>
+      <dgm:spPr/>
+    </dgm:pt>
+    <dgm:pt modelId="{89320A3D-DD2D-4B4B-8265-0ED8EDEAB5F9}" type="pres">
+      <dgm:prSet presAssocID="{9C5CDB62-9F0E-4430-A36B-02F5ABCBDB94}" presName="textBox5a" presStyleLbl="revTx" presStyleIdx="0" presStyleCnt="5" custScaleX="222663" custLinFactNeighborX="-24819" custLinFactNeighborY="53705">
+        <dgm:presLayoutVars>
+          <dgm:bulletEnabled val="1"/>
+        </dgm:presLayoutVars>
+      </dgm:prSet>
+      <dgm:spPr/>
+    </dgm:pt>
+    <dgm:pt modelId="{11D30100-3A4E-45EA-8B4D-6C3F6740D5D9}" type="pres">
+      <dgm:prSet presAssocID="{94164C6B-152A-4D91-936C-4FC21B06BFFE}" presName="bullet5b" presStyleLbl="node1" presStyleIdx="1" presStyleCnt="5" custLinFactX="-200000" custLinFactY="20356" custLinFactNeighborX="-247575" custLinFactNeighborY="100000"/>
+      <dgm:spPr/>
+    </dgm:pt>
+    <dgm:pt modelId="{2F386A66-4B76-4328-8C41-68D639F11AF4}" type="pres">
+      <dgm:prSet presAssocID="{94164C6B-152A-4D91-936C-4FC21B06BFFE}" presName="textBox5b" presStyleLbl="revTx" presStyleIdx="1" presStyleCnt="5" custScaleY="29418" custLinFactNeighborX="-76673" custLinFactNeighborY="-11892">
+        <dgm:presLayoutVars>
+          <dgm:bulletEnabled val="1"/>
+        </dgm:presLayoutVars>
+      </dgm:prSet>
+      <dgm:spPr/>
+    </dgm:pt>
+    <dgm:pt modelId="{8F312547-41C1-4964-97A9-91212B09791D}" type="pres">
+      <dgm:prSet presAssocID="{7660965F-E74F-43B1-874A-1DB30F9C29D1}" presName="bullet5c" presStyleLbl="node1" presStyleIdx="2" presStyleCnt="5" custScaleY="100648" custLinFactX="-200000" custLinFactY="63609" custLinFactNeighborX="-259799" custLinFactNeighborY="100000"/>
+      <dgm:spPr/>
+    </dgm:pt>
+    <dgm:pt modelId="{4CC0C0DB-CDBA-455B-B902-F6519F8952BA}" type="pres">
+      <dgm:prSet presAssocID="{7660965F-E74F-43B1-874A-1DB30F9C29D1}" presName="textBox5c" presStyleLbl="revTx" presStyleIdx="2" presStyleCnt="5" custScaleY="36584" custLinFactNeighborX="-96114" custLinFactNeighborY="-6938">
+        <dgm:presLayoutVars>
+          <dgm:bulletEnabled val="1"/>
+        </dgm:presLayoutVars>
+      </dgm:prSet>
+      <dgm:spPr/>
+    </dgm:pt>
+    <dgm:pt modelId="{91070DF2-F79F-44B1-9F58-BAE0D5C329E5}" type="pres">
+      <dgm:prSet presAssocID="{FC6D51E6-5E91-4F82-B5B9-65202081DC16}" presName="bullet5d" presStyleLbl="node1" presStyleIdx="3" presStyleCnt="5" custLinFactX="-200000" custLinFactY="57240" custLinFactNeighborX="-206203" custLinFactNeighborY="100000"/>
+      <dgm:spPr/>
+    </dgm:pt>
+    <dgm:pt modelId="{226F6420-D7F2-48B6-9EC7-FD3E61F260D4}" type="pres">
+      <dgm:prSet presAssocID="{FC6D51E6-5E91-4F82-B5B9-65202081DC16}" presName="textBox5d" presStyleLbl="revTx" presStyleIdx="3" presStyleCnt="5" custScaleY="22232" custLinFactX="-6290" custLinFactNeighborX="-100000" custLinFactNeighborY="-16814">
+        <dgm:presLayoutVars>
+          <dgm:bulletEnabled val="1"/>
+        </dgm:presLayoutVars>
+      </dgm:prSet>
+      <dgm:spPr/>
+    </dgm:pt>
+    <dgm:pt modelId="{211406C8-30D9-4EEE-849F-061CB646CD1F}" type="pres">
+      <dgm:prSet presAssocID="{1F10933C-3412-4AF8-A5AB-FFE86D4DD40A}" presName="bullet5e" presStyleLbl="node1" presStyleIdx="4" presStyleCnt="5"/>
+      <dgm:spPr/>
+    </dgm:pt>
+    <dgm:pt modelId="{A5AA57F7-4E36-49B8-A42F-2DBBE645EB29}" type="pres">
+      <dgm:prSet presAssocID="{1F10933C-3412-4AF8-A5AB-FFE86D4DD40A}" presName="textBox5e" presStyleLbl="revTx" presStyleIdx="4" presStyleCnt="5">
+        <dgm:presLayoutVars>
+          <dgm:bulletEnabled val="1"/>
+        </dgm:presLayoutVars>
+      </dgm:prSet>
+      <dgm:spPr/>
+      <dgm:t>
+        <a:bodyPr/>
+        <a:lstStyle/>
+        <a:p>
+          <a:endParaRPr lang="fr-FR"/>
+        </a:p>
+      </dgm:t>
+    </dgm:pt>
+  </dgm:ptLst>
+  <dgm:cxnLst>
+    <dgm:cxn modelId="{2D6FFE50-6CC0-472E-9906-0F244A6BF968}" srcId="{8F5CE2B1-DD29-4BA7-A30C-666395457548}" destId="{7660965F-E74F-43B1-874A-1DB30F9C29D1}" srcOrd="2" destOrd="0" parTransId="{7C064269-BD98-490A-8BC8-4ADBC3B9A523}" sibTransId="{0AFBDB89-0542-4D9D-BCBF-B669BAD37EF5}"/>
+    <dgm:cxn modelId="{FF1F5498-7348-4F87-A283-D89CA9EF1BA1}" type="presOf" srcId="{9C5CDB62-9F0E-4430-A36B-02F5ABCBDB94}" destId="{89320A3D-DD2D-4B4B-8265-0ED8EDEAB5F9}" srcOrd="0" destOrd="0" presId="urn:microsoft.com/office/officeart/2005/8/layout/arrow2"/>
+    <dgm:cxn modelId="{6B6256D2-9323-49D7-B644-134FA889D901}" type="presOf" srcId="{7660965F-E74F-43B1-874A-1DB30F9C29D1}" destId="{4CC0C0DB-CDBA-455B-B902-F6519F8952BA}" srcOrd="0" destOrd="0" presId="urn:microsoft.com/office/officeart/2005/8/layout/arrow2"/>
+    <dgm:cxn modelId="{B5C92A87-113A-40E0-859E-FD591AED2C12}" srcId="{8F5CE2B1-DD29-4BA7-A30C-666395457548}" destId="{9C5CDB62-9F0E-4430-A36B-02F5ABCBDB94}" srcOrd="0" destOrd="0" parTransId="{E99F3FC2-A1A5-4893-BA1E-A9505D0A1CB2}" sibTransId="{BA6F3A34-C9C8-4969-A316-C3183CF05D11}"/>
+    <dgm:cxn modelId="{609D0EB4-E943-49D2-A80A-BCF71F854D03}" type="presOf" srcId="{FC6D51E6-5E91-4F82-B5B9-65202081DC16}" destId="{226F6420-D7F2-48B6-9EC7-FD3E61F260D4}" srcOrd="0" destOrd="0" presId="urn:microsoft.com/office/officeart/2005/8/layout/arrow2"/>
+    <dgm:cxn modelId="{919C6615-D6D8-4114-BC92-FB6C8AA4913F}" type="presOf" srcId="{1F10933C-3412-4AF8-A5AB-FFE86D4DD40A}" destId="{A5AA57F7-4E36-49B8-A42F-2DBBE645EB29}" srcOrd="0" destOrd="0" presId="urn:microsoft.com/office/officeart/2005/8/layout/arrow2"/>
+    <dgm:cxn modelId="{1253F719-D562-4047-91B9-5B17088696E7}" srcId="{8F5CE2B1-DD29-4BA7-A30C-666395457548}" destId="{FC6D51E6-5E91-4F82-B5B9-65202081DC16}" srcOrd="3" destOrd="0" parTransId="{319CA08D-DD2F-427B-B634-D103F7E81FB5}" sibTransId="{0268B188-2240-4EC4-913F-3C0C16A3BBFA}"/>
+    <dgm:cxn modelId="{285D77FC-02D4-4110-80DE-AA8E05DCECCA}" srcId="{8F5CE2B1-DD29-4BA7-A30C-666395457548}" destId="{94164C6B-152A-4D91-936C-4FC21B06BFFE}" srcOrd="1" destOrd="0" parTransId="{56B1E761-D8A1-4725-86EB-8B4AEB380730}" sibTransId="{7420086A-3DE6-44B7-B86A-3A04C81996E2}"/>
+    <dgm:cxn modelId="{54A287BE-E990-4BCD-8C2D-F8E19DB55777}" type="presOf" srcId="{94164C6B-152A-4D91-936C-4FC21B06BFFE}" destId="{2F386A66-4B76-4328-8C41-68D639F11AF4}" srcOrd="0" destOrd="0" presId="urn:microsoft.com/office/officeart/2005/8/layout/arrow2"/>
+    <dgm:cxn modelId="{B241536D-F643-4DBE-A847-FC2828759F03}" srcId="{8F5CE2B1-DD29-4BA7-A30C-666395457548}" destId="{1F10933C-3412-4AF8-A5AB-FFE86D4DD40A}" srcOrd="4" destOrd="0" parTransId="{99FD6AB6-0A0D-463F-9F17-584824A41FD9}" sibTransId="{30F3B34A-E17D-4611-BEB4-D62FF2A70DFC}"/>
+    <dgm:cxn modelId="{7AF31EE2-AE4C-4B17-B608-B678BB1950FC}" srcId="{8F5CE2B1-DD29-4BA7-A30C-666395457548}" destId="{4A114117-85E0-4890-B9AD-E08B6FD53753}" srcOrd="5" destOrd="0" parTransId="{AAC16E31-C734-43CE-90CC-2962BF8DB533}" sibTransId="{F1B5B6C7-8271-4DBF-98BA-F7B37F1F5751}"/>
+    <dgm:cxn modelId="{B26908EF-6FE5-4115-B6F8-6D15A857D21F}" type="presOf" srcId="{8F5CE2B1-DD29-4BA7-A30C-666395457548}" destId="{1811F31B-49A7-460E-9ED2-C7C48C3BCB06}" srcOrd="0" destOrd="0" presId="urn:microsoft.com/office/officeart/2005/8/layout/arrow2"/>
+    <dgm:cxn modelId="{C3E9CAD8-1ACF-4B93-B22F-F1609580BAA3}" type="presParOf" srcId="{1811F31B-49A7-460E-9ED2-C7C48C3BCB06}" destId="{E73C01E6-60C6-4749-8C70-468E63D720B8}" srcOrd="0" destOrd="0" presId="urn:microsoft.com/office/officeart/2005/8/layout/arrow2"/>
+    <dgm:cxn modelId="{44105755-0214-4622-80E9-EF35E3082089}" type="presParOf" srcId="{1811F31B-49A7-460E-9ED2-C7C48C3BCB06}" destId="{27ADF628-8EDC-45EF-8CCF-AB42EFA24AC7}" srcOrd="1" destOrd="0" presId="urn:microsoft.com/office/officeart/2005/8/layout/arrow2"/>
+    <dgm:cxn modelId="{0E17763E-8F86-449D-8ADA-ABFA043C7A8A}" type="presParOf" srcId="{27ADF628-8EDC-45EF-8CCF-AB42EFA24AC7}" destId="{FDC30C23-DEE3-45FF-BF9E-B4402D104C17}" srcOrd="0" destOrd="0" presId="urn:microsoft.com/office/officeart/2005/8/layout/arrow2"/>
+    <dgm:cxn modelId="{DC5A1C46-4B5E-47B5-9D54-AA06EB872D0A}" type="presParOf" srcId="{27ADF628-8EDC-45EF-8CCF-AB42EFA24AC7}" destId="{89320A3D-DD2D-4B4B-8265-0ED8EDEAB5F9}" srcOrd="1" destOrd="0" presId="urn:microsoft.com/office/officeart/2005/8/layout/arrow2"/>
+    <dgm:cxn modelId="{DBC9424D-6CF6-4935-8600-C646611EDD48}" type="presParOf" srcId="{27ADF628-8EDC-45EF-8CCF-AB42EFA24AC7}" destId="{11D30100-3A4E-45EA-8B4D-6C3F6740D5D9}" srcOrd="2" destOrd="0" presId="urn:microsoft.com/office/officeart/2005/8/layout/arrow2"/>
+    <dgm:cxn modelId="{2BDE841C-407C-4261-889B-047DCE79BCEE}" type="presParOf" srcId="{27ADF628-8EDC-45EF-8CCF-AB42EFA24AC7}" destId="{2F386A66-4B76-4328-8C41-68D639F11AF4}" srcOrd="3" destOrd="0" presId="urn:microsoft.com/office/officeart/2005/8/layout/arrow2"/>
+    <dgm:cxn modelId="{6F90DB2A-F5F9-48DC-9BBA-441402632EB0}" type="presParOf" srcId="{27ADF628-8EDC-45EF-8CCF-AB42EFA24AC7}" destId="{8F312547-41C1-4964-97A9-91212B09791D}" srcOrd="4" destOrd="0" presId="urn:microsoft.com/office/officeart/2005/8/layout/arrow2"/>
+    <dgm:cxn modelId="{3D7481F5-C532-4531-82A4-66B3D6ECD8E5}" type="presParOf" srcId="{27ADF628-8EDC-45EF-8CCF-AB42EFA24AC7}" destId="{4CC0C0DB-CDBA-455B-B902-F6519F8952BA}" srcOrd="5" destOrd="0" presId="urn:microsoft.com/office/officeart/2005/8/layout/arrow2"/>
+    <dgm:cxn modelId="{679BED0B-A1A2-4AD5-A1A5-3260B5C458E1}" type="presParOf" srcId="{27ADF628-8EDC-45EF-8CCF-AB42EFA24AC7}" destId="{91070DF2-F79F-44B1-9F58-BAE0D5C329E5}" srcOrd="6" destOrd="0" presId="urn:microsoft.com/office/officeart/2005/8/layout/arrow2"/>
+    <dgm:cxn modelId="{7E994F5A-4A17-4E40-9AB3-11537A28F750}" type="presParOf" srcId="{27ADF628-8EDC-45EF-8CCF-AB42EFA24AC7}" destId="{226F6420-D7F2-48B6-9EC7-FD3E61F260D4}" srcOrd="7" destOrd="0" presId="urn:microsoft.com/office/officeart/2005/8/layout/arrow2"/>
+    <dgm:cxn modelId="{AEAFBBE8-2030-4E35-AE4E-9A35C86CA841}" type="presParOf" srcId="{27ADF628-8EDC-45EF-8CCF-AB42EFA24AC7}" destId="{211406C8-30D9-4EEE-849F-061CB646CD1F}" srcOrd="8" destOrd="0" presId="urn:microsoft.com/office/officeart/2005/8/layout/arrow2"/>
+    <dgm:cxn modelId="{15CEDD86-EAFF-43AA-A9CF-B50A7B1F8FDD}" type="presParOf" srcId="{27ADF628-8EDC-45EF-8CCF-AB42EFA24AC7}" destId="{A5AA57F7-4E36-49B8-A42F-2DBBE645EB29}" srcOrd="9" destOrd="0" presId="urn:microsoft.com/office/officeart/2005/8/layout/arrow2"/>
+  </dgm:cxnLst>
+  <dgm:bg/>
+  <dgm:whole/>
+  <dgm:extLst>
+    <a:ext uri="http://schemas.microsoft.com/office/drawing/2008/diagram">
+      <dsp:dataModelExt xmlns:dsp="http://schemas.microsoft.com/office/drawing/2008/diagram" relId="rId6" minVer="http://schemas.openxmlformats.org/drawingml/2006/diagram"/>
+    </a:ext>
+  </dgm:extLst>
+</dgm:dataModel>
+</file>
+
+<file path=ppt/diagrams/drawing1.xml><?xml version="1.0" encoding="utf-8"?>
+<dsp:drawing xmlns:dgm="http://schemas.openxmlformats.org/drawingml/2006/diagram" xmlns:dsp="http://schemas.microsoft.com/office/drawing/2008/diagram" xmlns:a="http://schemas.openxmlformats.org/drawingml/2006/main">
+  <dsp:spTree>
+    <dsp:nvGrpSpPr>
+      <dsp:cNvPr id="0" name=""/>
+      <dsp:cNvGrpSpPr/>
+    </dsp:nvGrpSpPr>
+    <dsp:grpSpPr/>
+    <dsp:sp modelId="{E73C01E6-60C6-4749-8C70-468E63D720B8}">
+      <dsp:nvSpPr>
+        <dsp:cNvPr id="0" name=""/>
+        <dsp:cNvSpPr/>
+      </dsp:nvSpPr>
+      <dsp:spPr>
+        <a:xfrm>
+          <a:off x="1018871" y="0"/>
+          <a:ext cx="10368716" cy="4351338"/>
+        </a:xfrm>
+        <a:prstGeom prst="swooshArrow">
+          <a:avLst>
+            <a:gd name="adj1" fmla="val 25000"/>
+            <a:gd name="adj2" fmla="val 25000"/>
+          </a:avLst>
+        </a:prstGeom>
+        <a:solidFill>
+          <a:schemeClr val="accent1">
+            <a:tint val="40000"/>
+            <a:hueOff val="0"/>
+            <a:satOff val="0"/>
+            <a:lumOff val="0"/>
+            <a:alphaOff val="0"/>
+          </a:schemeClr>
+        </a:solidFill>
+        <a:ln>
+          <a:noFill/>
+        </a:ln>
+        <a:effectLst/>
+      </dsp:spPr>
+      <dsp:style>
+        <a:lnRef idx="0">
+          <a:scrgbClr r="0" g="0" b="0"/>
+        </a:lnRef>
+        <a:fillRef idx="1">
+          <a:scrgbClr r="0" g="0" b="0"/>
+        </a:fillRef>
+        <a:effectRef idx="0">
+          <a:scrgbClr r="0" g="0" b="0"/>
+        </a:effectRef>
+        <a:fontRef idx="minor"/>
+      </dsp:style>
+    </dsp:sp>
+    <dsp:sp modelId="{FDC30C23-DEE3-45FF-BF9E-B4402D104C17}">
+      <dsp:nvSpPr>
+        <dsp:cNvPr id="0" name=""/>
+        <dsp:cNvSpPr/>
+      </dsp:nvSpPr>
+      <dsp:spPr>
+        <a:xfrm>
+          <a:off x="2182444" y="3197947"/>
+          <a:ext cx="160129" cy="160129"/>
+        </a:xfrm>
+        <a:prstGeom prst="ellipse">
+          <a:avLst/>
+        </a:prstGeom>
+        <a:solidFill>
+          <a:schemeClr val="accent1">
+            <a:hueOff val="0"/>
+            <a:satOff val="0"/>
+            <a:lumOff val="0"/>
+            <a:alphaOff val="0"/>
+          </a:schemeClr>
+        </a:solidFill>
+        <a:ln w="12700" cap="flat" cmpd="sng" algn="ctr">
+          <a:solidFill>
+            <a:schemeClr val="lt1">
+              <a:hueOff val="0"/>
+              <a:satOff val="0"/>
+              <a:lumOff val="0"/>
+              <a:alphaOff val="0"/>
+            </a:schemeClr>
+          </a:solidFill>
+          <a:prstDash val="solid"/>
+          <a:miter lim="800000"/>
+        </a:ln>
+        <a:effectLst/>
+      </dsp:spPr>
+      <dsp:style>
+        <a:lnRef idx="2">
+          <a:scrgbClr r="0" g="0" b="0"/>
+        </a:lnRef>
+        <a:fillRef idx="1">
+          <a:scrgbClr r="0" g="0" b="0"/>
+        </a:fillRef>
+        <a:effectRef idx="0">
+          <a:scrgbClr r="0" g="0" b="0"/>
+        </a:effectRef>
+        <a:fontRef idx="minor">
+          <a:schemeClr val="lt1"/>
+        </a:fontRef>
+      </dsp:style>
+    </dsp:sp>
+    <dsp:sp modelId="{89320A3D-DD2D-4B4B-8265-0ED8EDEAB5F9}">
+      <dsp:nvSpPr>
+        <dsp:cNvPr id="0" name=""/>
+        <dsp:cNvSpPr/>
+      </dsp:nvSpPr>
+      <dsp:spPr>
+        <a:xfrm>
+          <a:off x="2702267" y="3315719"/>
+          <a:ext cx="2030776" cy="1035618"/>
+        </a:xfrm>
+        <a:prstGeom prst="rect">
+          <a:avLst/>
+        </a:prstGeom>
+        <a:noFill/>
+        <a:ln>
+          <a:noFill/>
+        </a:ln>
+        <a:effectLst/>
+      </dsp:spPr>
+      <dsp:style>
+        <a:lnRef idx="0">
+          <a:scrgbClr r="0" g="0" b="0"/>
+        </a:lnRef>
+        <a:fillRef idx="0">
+          <a:scrgbClr r="0" g="0" b="0"/>
+        </a:fillRef>
+        <a:effectRef idx="0">
+          <a:scrgbClr r="0" g="0" b="0"/>
+        </a:effectRef>
+        <a:fontRef idx="minor"/>
+      </dsp:style>
+      <dsp:txBody>
+        <a:bodyPr spcFirstLastPara="0" vert="horz" wrap="square" lIns="84849" tIns="0" rIns="0" bIns="0" numCol="1" spcCol="1270" anchor="t" anchorCtr="0">
+          <a:noAutofit/>
+        </a:bodyPr>
+        <a:lstStyle/>
+        <a:p>
+          <a:pPr lvl="0" algn="l" defTabSz="488950">
+            <a:lnSpc>
+              <a:spcPct val="90000"/>
+            </a:lnSpc>
+            <a:spcBef>
+              <a:spcPct val="0"/>
+            </a:spcBef>
+            <a:spcAft>
+              <a:spcPct val="35000"/>
+            </a:spcAft>
+          </a:pPr>
+          <a:r>
+            <a:rPr lang="fr-FR" sz="1100" b="1" kern="1200" dirty="0" smtClean="0"/>
+            <a:t>Compréhension du concept et définition du projet</a:t>
+          </a:r>
+          <a:r>
+            <a:rPr lang="fr-FR" sz="1100" kern="1200" dirty="0" smtClean="0"/>
+            <a:t> </a:t>
+          </a:r>
+          <a:endParaRPr lang="fr-FR" sz="1100" kern="1200" dirty="0"/>
+        </a:p>
+      </dsp:txBody>
+      <dsp:txXfrm>
+        <a:off x="2702267" y="3315719"/>
+        <a:ext cx="2030776" cy="1035618"/>
+      </dsp:txXfrm>
+    </dsp:sp>
+    <dsp:sp modelId="{11D30100-3A4E-45EA-8B4D-6C3F6740D5D9}">
+      <dsp:nvSpPr>
+        <dsp:cNvPr id="0" name=""/>
+        <dsp:cNvSpPr/>
+      </dsp:nvSpPr>
+      <dsp:spPr>
+        <a:xfrm>
+          <a:off x="3152927" y="2704465"/>
+          <a:ext cx="250637" cy="250637"/>
+        </a:xfrm>
+        <a:prstGeom prst="ellipse">
+          <a:avLst/>
+        </a:prstGeom>
+        <a:solidFill>
+          <a:schemeClr val="accent1">
+            <a:hueOff val="0"/>
+            <a:satOff val="0"/>
+            <a:lumOff val="0"/>
+            <a:alphaOff val="0"/>
+          </a:schemeClr>
+        </a:solidFill>
+        <a:ln w="12700" cap="flat" cmpd="sng" algn="ctr">
+          <a:solidFill>
+            <a:schemeClr val="lt1">
+              <a:hueOff val="0"/>
+              <a:satOff val="0"/>
+              <a:lumOff val="0"/>
+              <a:alphaOff val="0"/>
+            </a:schemeClr>
+          </a:solidFill>
+          <a:prstDash val="solid"/>
+          <a:miter lim="800000"/>
+        </a:ln>
+        <a:effectLst/>
+      </dsp:spPr>
+      <dsp:style>
+        <a:lnRef idx="2">
+          <a:scrgbClr r="0" g="0" b="0"/>
+        </a:lnRef>
+        <a:fillRef idx="1">
+          <a:scrgbClr r="0" g="0" b="0"/>
+        </a:fillRef>
+        <a:effectRef idx="0">
+          <a:scrgbClr r="0" g="0" b="0"/>
+        </a:effectRef>
+        <a:fontRef idx="minor">
+          <a:schemeClr val="lt1"/>
+        </a:fontRef>
+      </dsp:style>
+    </dsp:sp>
+    <dsp:sp modelId="{2F386A66-4B76-4328-8C41-68D639F11AF4}">
+      <dsp:nvSpPr>
+        <dsp:cNvPr id="0" name=""/>
+        <dsp:cNvSpPr/>
+      </dsp:nvSpPr>
+      <dsp:spPr>
+        <a:xfrm>
+          <a:off x="3513913" y="2954740"/>
+          <a:ext cx="1155715" cy="536352"/>
+        </a:xfrm>
+        <a:prstGeom prst="rect">
+          <a:avLst/>
+        </a:prstGeom>
+        <a:noFill/>
+        <a:ln>
+          <a:noFill/>
+        </a:ln>
+        <a:effectLst/>
+      </dsp:spPr>
+      <dsp:style>
+        <a:lnRef idx="0">
+          <a:scrgbClr r="0" g="0" b="0"/>
+        </a:lnRef>
+        <a:fillRef idx="0">
+          <a:scrgbClr r="0" g="0" b="0"/>
+        </a:fillRef>
+        <a:effectRef idx="0">
+          <a:scrgbClr r="0" g="0" b="0"/>
+        </a:effectRef>
+        <a:fontRef idx="minor"/>
+      </dsp:style>
+      <dsp:txBody>
+        <a:bodyPr spcFirstLastPara="0" vert="horz" wrap="square" lIns="132807" tIns="0" rIns="0" bIns="0" numCol="1" spcCol="1270" anchor="t" anchorCtr="0">
+          <a:noAutofit/>
+        </a:bodyPr>
+        <a:lstStyle/>
+        <a:p>
+          <a:pPr lvl="0" algn="l" defTabSz="488950">
+            <a:lnSpc>
+              <a:spcPct val="90000"/>
+            </a:lnSpc>
+            <a:spcBef>
+              <a:spcPct val="0"/>
+            </a:spcBef>
+            <a:spcAft>
+              <a:spcPct val="35000"/>
+            </a:spcAft>
+          </a:pPr>
+          <a:r>
+            <a:rPr lang="fr-FR" sz="1100" b="1" kern="1200" dirty="0" smtClean="0"/>
+            <a:t>Définition du design UX et UI</a:t>
+          </a:r>
+          <a:endParaRPr lang="fr-FR" sz="1100" kern="1200" dirty="0"/>
+        </a:p>
+      </dsp:txBody>
+      <dsp:txXfrm>
+        <a:off x="3513913" y="2954740"/>
+        <a:ext cx="1155715" cy="536352"/>
+      </dsp:txXfrm>
+    </dsp:sp>
+    <dsp:sp modelId="{8F312547-41C1-4964-97A9-91212B09791D}">
+      <dsp:nvSpPr>
+        <dsp:cNvPr id="0" name=""/>
+        <dsp:cNvSpPr/>
+      </dsp:nvSpPr>
+      <dsp:spPr>
+        <a:xfrm>
+          <a:off x="3852090" y="2284464"/>
+          <a:ext cx="334182" cy="336348"/>
+        </a:xfrm>
+        <a:prstGeom prst="ellipse">
+          <a:avLst/>
+        </a:prstGeom>
+        <a:solidFill>
+          <a:schemeClr val="accent1">
+            <a:hueOff val="0"/>
+            <a:satOff val="0"/>
+            <a:lumOff val="0"/>
+            <a:alphaOff val="0"/>
+          </a:schemeClr>
+        </a:solidFill>
+        <a:ln w="12700" cap="flat" cmpd="sng" algn="ctr">
+          <a:solidFill>
+            <a:schemeClr val="lt1">
+              <a:hueOff val="0"/>
+              <a:satOff val="0"/>
+              <a:lumOff val="0"/>
+              <a:alphaOff val="0"/>
+            </a:schemeClr>
+          </a:solidFill>
+          <a:prstDash val="solid"/>
+          <a:miter lim="800000"/>
+        </a:ln>
+        <a:effectLst/>
+      </dsp:spPr>
+      <dsp:style>
+        <a:lnRef idx="2">
+          <a:scrgbClr r="0" g="0" b="0"/>
+        </a:lnRef>
+        <a:fillRef idx="1">
+          <a:scrgbClr r="0" g="0" b="0"/>
+        </a:fillRef>
+        <a:effectRef idx="0">
+          <a:scrgbClr r="0" g="0" b="0"/>
+        </a:effectRef>
+        <a:fontRef idx="minor">
+          <a:schemeClr val="lt1"/>
+        </a:fontRef>
+      </dsp:style>
+    </dsp:sp>
+    <dsp:sp modelId="{4CC0C0DB-CDBA-455B-B902-F6519F8952BA}">
+      <dsp:nvSpPr>
+        <dsp:cNvPr id="0" name=""/>
+        <dsp:cNvSpPr/>
+      </dsp:nvSpPr>
+      <dsp:spPr>
+        <a:xfrm>
+          <a:off x="4264273" y="2511624"/>
+          <a:ext cx="1343693" cy="894644"/>
+        </a:xfrm>
+        <a:prstGeom prst="rect">
+          <a:avLst/>
+        </a:prstGeom>
+        <a:noFill/>
+        <a:ln>
+          <a:noFill/>
+        </a:ln>
+        <a:effectLst/>
+      </dsp:spPr>
+      <dsp:style>
+        <a:lnRef idx="0">
+          <a:scrgbClr r="0" g="0" b="0"/>
+        </a:lnRef>
+        <a:fillRef idx="0">
+          <a:scrgbClr r="0" g="0" b="0"/>
+        </a:fillRef>
+        <a:effectRef idx="0">
+          <a:scrgbClr r="0" g="0" b="0"/>
+        </a:effectRef>
+        <a:fontRef idx="minor"/>
+      </dsp:style>
+      <dsp:txBody>
+        <a:bodyPr spcFirstLastPara="0" vert="horz" wrap="square" lIns="177077" tIns="0" rIns="0" bIns="0" numCol="1" spcCol="1270" anchor="t" anchorCtr="0">
+          <a:noAutofit/>
+        </a:bodyPr>
+        <a:lstStyle/>
+        <a:p>
+          <a:pPr lvl="0" algn="l" defTabSz="488950">
+            <a:lnSpc>
+              <a:spcPct val="90000"/>
+            </a:lnSpc>
+            <a:spcBef>
+              <a:spcPct val="0"/>
+            </a:spcBef>
+            <a:spcAft>
+              <a:spcPct val="35000"/>
+            </a:spcAft>
+          </a:pPr>
+          <a:r>
+            <a:rPr lang="fr-FR" sz="1100" b="1" kern="1200" dirty="0" smtClean="0"/>
+            <a:t>développement du contrat intelligent</a:t>
+          </a:r>
+          <a:endParaRPr lang="fr-FR" sz="1100" kern="1200" dirty="0"/>
+        </a:p>
+      </dsp:txBody>
+      <dsp:txXfrm>
+        <a:off x="4264273" y="2511624"/>
+        <a:ext cx="1343693" cy="894644"/>
+      </dsp:txXfrm>
+    </dsp:sp>
+    <dsp:sp modelId="{91070DF2-F79F-44B1-9F58-BAE0D5C329E5}">
+      <dsp:nvSpPr>
+        <dsp:cNvPr id="0" name=""/>
+        <dsp:cNvSpPr/>
+      </dsp:nvSpPr>
+      <dsp:spPr>
+        <a:xfrm>
+          <a:off x="4930230" y="1898845"/>
+          <a:ext cx="431652" cy="431652"/>
+        </a:xfrm>
+        <a:prstGeom prst="ellipse">
+          <a:avLst/>
+        </a:prstGeom>
+        <a:solidFill>
+          <a:schemeClr val="accent1">
+            <a:hueOff val="0"/>
+            <a:satOff val="0"/>
+            <a:lumOff val="0"/>
+            <a:alphaOff val="0"/>
+          </a:schemeClr>
+        </a:solidFill>
+        <a:ln w="12700" cap="flat" cmpd="sng" algn="ctr">
+          <a:solidFill>
+            <a:schemeClr val="lt1">
+              <a:hueOff val="0"/>
+              <a:satOff val="0"/>
+              <a:lumOff val="0"/>
+              <a:alphaOff val="0"/>
+            </a:schemeClr>
+          </a:solidFill>
+          <a:prstDash val="solid"/>
+          <a:miter lim="800000"/>
+        </a:ln>
+        <a:effectLst/>
+      </dsp:spPr>
+      <dsp:style>
+        <a:lnRef idx="2">
+          <a:scrgbClr r="0" g="0" b="0"/>
+        </a:lnRef>
+        <a:fillRef idx="1">
+          <a:scrgbClr r="0" g="0" b="0"/>
+        </a:fillRef>
+        <a:effectRef idx="0">
+          <a:scrgbClr r="0" g="0" b="0"/>
+        </a:effectRef>
+        <a:fontRef idx="minor">
+          <a:schemeClr val="lt1"/>
+        </a:fontRef>
+      </dsp:style>
+    </dsp:sp>
+    <dsp:sp modelId="{226F6420-D7F2-48B6-9EC7-FD3E61F260D4}">
+      <dsp:nvSpPr>
+        <dsp:cNvPr id="0" name=""/>
+        <dsp:cNvSpPr/>
+      </dsp:nvSpPr>
+      <dsp:spPr>
+        <a:xfrm>
+          <a:off x="5419431" y="2079369"/>
+          <a:ext cx="1392428" cy="648150"/>
+        </a:xfrm>
+        <a:prstGeom prst="rect">
+          <a:avLst/>
+        </a:prstGeom>
+        <a:noFill/>
+        <a:ln>
+          <a:noFill/>
+        </a:ln>
+        <a:effectLst/>
+      </dsp:spPr>
+      <dsp:style>
+        <a:lnRef idx="0">
+          <a:scrgbClr r="0" g="0" b="0"/>
+        </a:lnRef>
+        <a:fillRef idx="0">
+          <a:scrgbClr r="0" g="0" b="0"/>
+        </a:fillRef>
+        <a:effectRef idx="0">
+          <a:scrgbClr r="0" g="0" b="0"/>
+        </a:effectRef>
+        <a:fontRef idx="minor"/>
+      </dsp:style>
+      <dsp:txBody>
+        <a:bodyPr spcFirstLastPara="0" vert="horz" wrap="square" lIns="228724" tIns="0" rIns="0" bIns="0" numCol="1" spcCol="1270" anchor="t" anchorCtr="0">
+          <a:noAutofit/>
+        </a:bodyPr>
+        <a:lstStyle/>
+        <a:p>
+          <a:pPr lvl="0" algn="l" defTabSz="488950">
+            <a:lnSpc>
+              <a:spcPct val="90000"/>
+            </a:lnSpc>
+            <a:spcBef>
+              <a:spcPct val="0"/>
+            </a:spcBef>
+            <a:spcAft>
+              <a:spcPct val="35000"/>
+            </a:spcAft>
+          </a:pPr>
+          <a:r>
+            <a:rPr lang="fr-FR" sz="1100" b="1" kern="1200" dirty="0" smtClean="0"/>
+            <a:t>Intégration aux frontend et backend</a:t>
+          </a:r>
+          <a:endParaRPr lang="fr-FR" sz="1100" kern="1200" dirty="0"/>
+        </a:p>
+      </dsp:txBody>
+      <dsp:txXfrm>
+        <a:off x="5419431" y="2079369"/>
+        <a:ext cx="1392428" cy="648150"/>
+      </dsp:txXfrm>
+    </dsp:sp>
+    <dsp:sp modelId="{211406C8-30D9-4EEE-849F-061CB646CD1F}">
+      <dsp:nvSpPr>
+        <dsp:cNvPr id="0" name=""/>
+        <dsp:cNvSpPr/>
+      </dsp:nvSpPr>
+      <dsp:spPr>
+        <a:xfrm>
+          <a:off x="8016867" y="873748"/>
+          <a:ext cx="550009" cy="550009"/>
+        </a:xfrm>
+        <a:prstGeom prst="ellipse">
+          <a:avLst/>
+        </a:prstGeom>
+        <a:solidFill>
+          <a:schemeClr val="accent1">
+            <a:hueOff val="0"/>
+            <a:satOff val="0"/>
+            <a:lumOff val="0"/>
+            <a:alphaOff val="0"/>
+          </a:schemeClr>
+        </a:solidFill>
+        <a:ln w="12700" cap="flat" cmpd="sng" algn="ctr">
+          <a:solidFill>
+            <a:schemeClr val="lt1">
+              <a:hueOff val="0"/>
+              <a:satOff val="0"/>
+              <a:lumOff val="0"/>
+              <a:alphaOff val="0"/>
+            </a:schemeClr>
+          </a:solidFill>
+          <a:prstDash val="solid"/>
+          <a:miter lim="800000"/>
+        </a:ln>
+        <a:effectLst/>
+      </dsp:spPr>
+      <dsp:style>
+        <a:lnRef idx="2">
+          <a:scrgbClr r="0" g="0" b="0"/>
+        </a:lnRef>
+        <a:fillRef idx="1">
+          <a:scrgbClr r="0" g="0" b="0"/>
+        </a:fillRef>
+        <a:effectRef idx="0">
+          <a:scrgbClr r="0" g="0" b="0"/>
+        </a:effectRef>
+        <a:fontRef idx="minor">
+          <a:schemeClr val="lt1"/>
+        </a:fontRef>
+      </dsp:style>
+    </dsp:sp>
+    <dsp:sp modelId="{A5AA57F7-4E36-49B8-A42F-2DBBE645EB29}">
+      <dsp:nvSpPr>
+        <dsp:cNvPr id="0" name=""/>
+        <dsp:cNvSpPr/>
+      </dsp:nvSpPr>
+      <dsp:spPr>
+        <a:xfrm>
+          <a:off x="8291871" y="1148753"/>
+          <a:ext cx="1392428" cy="3202584"/>
+        </a:xfrm>
+        <a:prstGeom prst="rect">
+          <a:avLst/>
+        </a:prstGeom>
+        <a:noFill/>
+        <a:ln>
+          <a:noFill/>
+        </a:ln>
+        <a:effectLst/>
+      </dsp:spPr>
+      <dsp:style>
+        <a:lnRef idx="0">
+          <a:scrgbClr r="0" g="0" b="0"/>
+        </a:lnRef>
+        <a:fillRef idx="0">
+          <a:scrgbClr r="0" g="0" b="0"/>
+        </a:fillRef>
+        <a:effectRef idx="0">
+          <a:scrgbClr r="0" g="0" b="0"/>
+        </a:effectRef>
+        <a:fontRef idx="minor"/>
+      </dsp:style>
+      <dsp:txBody>
+        <a:bodyPr spcFirstLastPara="0" vert="horz" wrap="square" lIns="291438" tIns="0" rIns="0" bIns="0" numCol="1" spcCol="1270" anchor="t" anchorCtr="0">
+          <a:noAutofit/>
+        </a:bodyPr>
+        <a:lstStyle/>
+        <a:p>
+          <a:pPr lvl="0" algn="l" defTabSz="488950">
+            <a:lnSpc>
+              <a:spcPct val="90000"/>
+            </a:lnSpc>
+            <a:spcBef>
+              <a:spcPct val="0"/>
+            </a:spcBef>
+            <a:spcAft>
+              <a:spcPct val="35000"/>
+            </a:spcAft>
+          </a:pPr>
+          <a:r>
+            <a:rPr lang="fr-FR" sz="1100" b="1" kern="1200" dirty="0" smtClean="0"/>
+            <a:t>tests et validations</a:t>
+          </a:r>
+          <a:r>
+            <a:rPr lang="fr-FR" sz="1100" kern="1200" dirty="0" smtClean="0"/>
+            <a:t> </a:t>
+          </a:r>
+          <a:endParaRPr lang="fr-FR" sz="1100" kern="1200" dirty="0"/>
+        </a:p>
+      </dsp:txBody>
+      <dsp:txXfrm>
+        <a:off x="8291871" y="1148753"/>
+        <a:ext cx="1392428" cy="3202584"/>
+      </dsp:txXfrm>
+    </dsp:sp>
+  </dsp:spTree>
+</dsp:drawing>
+</file>
+
+<file path=ppt/diagrams/layout1.xml><?xml version="1.0" encoding="utf-8"?>
+<dgm:layoutDef xmlns:dgm="http://schemas.openxmlformats.org/drawingml/2006/diagram" xmlns:a="http://schemas.openxmlformats.org/drawingml/2006/main" uniqueId="urn:microsoft.com/office/officeart/2005/8/layout/arrow2">
+  <dgm:title val=""/>
+  <dgm:desc val=""/>
+  <dgm:catLst>
+    <dgm:cat type="process" pri="23000"/>
+  </dgm:catLst>
+  <dgm:sampData useDef="1">
+    <dgm:dataModel>
+      <dgm:ptLst/>
+      <dgm:bg/>
+      <dgm:whole/>
+    </dgm:dataModel>
+  </dgm:sampData>
+  <dgm:styleData>
+    <dgm:dataModel>
+      <dgm:ptLst>
+        <dgm:pt modelId="0" type="doc"/>
+        <dgm:pt modelId="1"/>
+        <dgm:pt modelId="2"/>
+      </dgm:ptLst>
+      <dgm:cxnLst>
+        <dgm:cxn modelId="3" srcId="0" destId="1" srcOrd="0" destOrd="0"/>
+        <dgm:cxn modelId="4" srcId="0" destId="2" srcOrd="1" destOrd="0"/>
+      </dgm:cxnLst>
+      <dgm:bg/>
+      <dgm:whole/>
+    </dgm:dataModel>
+  </dgm:styleData>
+  <dgm:clrData>
+    <dgm:dataModel>
+      <dgm:ptLst>
+        <dgm:pt modelId="0" type="doc"/>
+        <dgm:pt modelId="1"/>
+        <dgm:pt modelId="2"/>
+        <dgm:pt modelId="3"/>
+        <dgm:pt modelId="4"/>
+      </dgm:ptLst>
+      <dgm:cxnLst>
+        <dgm:cxn modelId="5" srcId="0" destId="1" srcOrd="0" destOrd="0"/>
+        <dgm:cxn modelId="6" srcId="0" destId="2" srcOrd="1" destOrd="0"/>
+        <dgm:cxn modelId="7" srcId="0" destId="3" srcOrd="2" destOrd="0"/>
+        <dgm:cxn modelId="8" srcId="0" destId="4" srcOrd="3" destOrd="0"/>
+      </dgm:cxnLst>
+      <dgm:bg/>
+      <dgm:whole/>
+    </dgm:dataModel>
+  </dgm:clrData>
+  <dgm:layoutNode name="arrowDiagram">
+    <dgm:varLst>
+      <dgm:chMax val="5"/>
+      <dgm:dir/>
+      <dgm:resizeHandles val="exact"/>
+    </dgm:varLst>
+    <dgm:alg type="composite">
+      <dgm:param type="ar" val="1.6"/>
+    </dgm:alg>
+    <dgm:shape xmlns:r="http://schemas.openxmlformats.org/officeDocument/2006/relationships" r:blip="">
+      <dgm:adjLst/>
+    </dgm:shape>
+    <dgm:presOf/>
+    <dgm:constrLst>
+      <dgm:constr type="l" for="ch" forName="arrow"/>
+      <dgm:constr type="t" for="ch" forName="arrow"/>
+      <dgm:constr type="w" for="ch" forName="arrow" refType="w"/>
+      <dgm:constr type="h" for="ch" forName="arrow" refType="h"/>
+      <dgm:constr type="ctrX" for="ch" forName="arrowDiagram1" refType="w" fact="0.5"/>
+      <dgm:constr type="ctrY" for="ch" forName="arrowDiagram1" refType="h" fact="0.5"/>
+      <dgm:constr type="w" for="ch" forName="arrowDiagram1" refType="w"/>
+      <dgm:constr type="h" for="ch" forName="arrowDiagram1" refType="h"/>
+      <dgm:constr type="ctrX" for="ch" forName="arrowDiagram2" refType="w" fact="0.5"/>
+      <dgm:constr type="ctrY" for="ch" forName="arrowDiagram2" refType="h" fact="0.5"/>
+      <dgm:constr type="w" for="ch" forName="arrowDiagram2" refType="w"/>
+      <dgm:constr type="h" for="ch" forName="arrowDiagram2" refType="h"/>
+      <dgm:constr type="ctrX" for="ch" forName="arrowDiagram3" refType="w" fact="0.5"/>
+      <dgm:constr type="ctrY" for="ch" forName="arrowDiagram3" refType="h" fact="0.5"/>
+      <dgm:constr type="w" for="ch" forName="arrowDiagram3" refType="w"/>
+      <dgm:constr type="h" for="ch" forName="arrowDiagram3" refType="h"/>
+      <dgm:constr type="ctrX" for="ch" forName="arrowDiagram4" refType="w" fact="0.5"/>
+      <dgm:constr type="ctrY" for="ch" forName="arrowDiagram4" refType="h" fact="0.5"/>
+      <dgm:constr type="w" for="ch" forName="arrowDiagram4" refType="w"/>
+      <dgm:constr type="h" for="ch" forName="arrowDiagram4" refType="h"/>
+      <dgm:constr type="ctrX" for="ch" forName="arrowDiagram5" refType="w" fact="0.5"/>
+      <dgm:constr type="ctrY" for="ch" forName="arrowDiagram5" refType="h" fact="0.5"/>
+      <dgm:constr type="w" for="ch" forName="arrowDiagram5" refType="w"/>
+      <dgm:constr type="h" for="ch" forName="arrowDiagram5" refType="h"/>
+    </dgm:constrLst>
+    <dgm:ruleLst/>
+    <dgm:choose name="Name0">
+      <dgm:if name="Name1" axis="ch" ptType="node" func="cnt" op="gte" val="1">
+        <dgm:layoutNode name="arrow" styleLbl="bgShp">
+          <dgm:alg type="sp"/>
+          <dgm:shape xmlns:r="http://schemas.openxmlformats.org/officeDocument/2006/relationships" type="swooshArrow" r:blip="">
+            <dgm:adjLst>
+              <dgm:adj idx="2" val="0.25"/>
+            </dgm:adjLst>
+          </dgm:shape>
+          <dgm:presOf/>
+          <dgm:constrLst/>
+          <dgm:ruleLst/>
+        </dgm:layoutNode>
+        <dgm:choose name="Name2">
+          <dgm:if name="Name3" axis="ch" ptType="node" func="cnt" op="lt" val="1"/>
+          <dgm:if name="Name4" axis="ch" ptType="node" func="cnt" op="equ" val="1">
+            <dgm:layoutNode name="arrowDiagram1">
+              <dgm:varLst>
+                <dgm:bulletEnabled val="1"/>
+              </dgm:varLst>
+              <dgm:alg type="composite">
+                <dgm:param type="vertAlign" val="none"/>
+                <dgm:param type="horzAlign" val="none"/>
+              </dgm:alg>
+              <dgm:shape xmlns:r="http://schemas.openxmlformats.org/officeDocument/2006/relationships" r:blip="">
+                <dgm:adjLst/>
+              </dgm:shape>
+              <dgm:presOf/>
+              <dgm:constrLst>
+                <dgm:constr type="ctrX" for="ch" forName="bullet1" refType="w" fact="0.8"/>
+                <dgm:constr type="ctrY" for="ch" forName="bullet1" refType="h" fact="0.262"/>
+                <dgm:constr type="w" for="ch" forName="bullet1" refType="w" fact="0.074"/>
+                <dgm:constr type="h" for="ch" forName="bullet1" refType="w" refFor="ch" refForName="bullet1"/>
+                <dgm:constr type="r" for="ch" forName="textBox1" refType="ctrX" refFor="ch" refForName="bullet1"/>
+                <dgm:constr type="t" for="ch" forName="textBox1" refType="ctrY" refFor="ch" refForName="bullet1"/>
+                <dgm:constr type="w" for="ch" forName="textBox1" refType="w" fact="0.4"/>
+                <dgm:constr type="h" for="ch" forName="textBox1" refType="h" fact="0.738"/>
+                <dgm:constr type="userA" refType="h" refFor="ch" refForName="bullet1" fact="0.53"/>
+                <dgm:constr type="rMarg" for="ch" forName="textBox1" refType="userA" fact="2.834"/>
+                <dgm:constr type="primFontSz" for="ch" ptType="node" op="equ" val="65"/>
+              </dgm:constrLst>
+              <dgm:ruleLst/>
+              <dgm:forEach name="Name5" axis="ch" ptType="node" cnt="1">
+                <dgm:layoutNode name="bullet1" styleLbl="node1">
+                  <dgm:alg type="sp"/>
+                  <dgm:shape xmlns:r="http://schemas.openxmlformats.org/officeDocument/2006/relationships" type="ellipse" r:blip="">
+                    <dgm:adjLst/>
+                  </dgm:shape>
+                  <dgm:presOf/>
+                  <dgm:constrLst/>
+                  <dgm:ruleLst/>
+                </dgm:layoutNode>
+                <dgm:layoutNode name="textBox1" styleLbl="revTx">
+                  <dgm:varLst>
+                    <dgm:bulletEnabled val="1"/>
+                  </dgm:varLst>
+                  <dgm:alg type="tx">
+                    <dgm:param type="txAnchorVert" val="t"/>
+                    <dgm:param type="parTxLTRAlign" val="r"/>
+                    <dgm:param type="parTxRTLAlign" val="r"/>
+                  </dgm:alg>
+                  <dgm:shape xmlns:r="http://schemas.openxmlformats.org/officeDocument/2006/relationships" type="round2DiagRect" r:blip="">
+                    <dgm:adjLst/>
+                  </dgm:shape>
+                  <dgm:presOf axis="desOrSelf" ptType="node"/>
+                  <dgm:constrLst>
+                    <dgm:constr type="lMarg"/>
+                    <dgm:constr type="tMarg"/>
+                    <dgm:constr type="bMarg"/>
+                  </dgm:constrLst>
+                  <dgm:ruleLst>
+                    <dgm:rule type="primFontSz" val="5" fact="NaN" max="NaN"/>
+                  </dgm:ruleLst>
+                </dgm:layoutNode>
+              </dgm:forEach>
+            </dgm:layoutNode>
+          </dgm:if>
+          <dgm:if name="Name6" axis="ch" ptType="node" func="cnt" op="equ" val="2">
+            <dgm:layoutNode name="arrowDiagram2">
+              <dgm:alg type="composite">
+                <dgm:param type="vertAlign" val="none"/>
+                <dgm:param type="horzAlign" val="none"/>
+              </dgm:alg>
+              <dgm:shape xmlns:r="http://schemas.openxmlformats.org/officeDocument/2006/relationships" r:blip="">
+                <dgm:adjLst/>
+              </dgm:shape>
+              <dgm:presOf/>
+              <dgm:choose name="Name7">
+                <dgm:if name="Name8" func="var" arg="dir" op="equ" val="norm">
+                  <dgm:constrLst>
+                    <dgm:constr type="ctrX" for="ch" forName="bullet2a" refType="w" fact="0.25"/>
+                    <dgm:constr type="ctrY" for="ch" forName="bullet2a" refType="h" fact="0.573"/>
+                    <dgm:constr type="w" for="ch" forName="bullet2a" refType="w" fact="0.035"/>
+                    <dgm:constr type="h" for="ch" forName="bullet2a" refType="w" refFor="ch" refForName="bullet2a"/>
+                    <dgm:constr type="l" for="ch" forName="textBox2a" refType="ctrX" refFor="ch" refForName="bullet2a"/>
+                    <dgm:constr type="t" for="ch" forName="textBox2a" refType="ctrY" refFor="ch" refForName="bullet2a"/>
+                    <dgm:constr type="w" for="ch" forName="textBox2a" refType="w" fact="0.325"/>
+                    <dgm:constr type="h" for="ch" forName="textBox2a" refType="h" fact="0.427"/>
+                    <dgm:constr type="userA" refType="h" refFor="ch" refForName="bullet2a" fact="0.53"/>
+                    <dgm:constr type="lMarg" for="ch" forName="textBox2a" refType="userA" fact="2.834"/>
+                    <dgm:constr type="ctrX" for="ch" forName="bullet2b" refType="w" fact="0.585"/>
+                    <dgm:constr type="ctrY" for="ch" forName="bullet2b" refType="h" fact="0.338"/>
+                    <dgm:constr type="w" for="ch" forName="bullet2b" refType="w" fact="0.06"/>
+                    <dgm:constr type="h" for="ch" forName="bullet2b" refType="w" refFor="ch" refForName="bullet2b"/>
+                    <dgm:constr type="l" for="ch" forName="textBox2b" refType="ctrX" refFor="ch" refForName="bullet2b"/>
+                    <dgm:constr type="t" for="ch" forName="textBox2b" refType="ctrY" refFor="ch" refForName="bullet2b"/>
+                    <dgm:constr type="w" for="ch" forName="textBox2b" refType="w" fact="0.325"/>
+                    <dgm:constr type="h" for="ch" forName="textBox2b" refType="h" fact="0.662"/>
+                    <dgm:constr type="userB" refType="h" refFor="ch" refForName="bullet2b" fact="0.53"/>
+                    <dgm:constr type="lMarg" for="ch" forName="textBox2b" refType="userB" fact="2.834"/>
+                    <dgm:constr type="primFontSz" for="ch" ptType="node" op="equ" val="65"/>
+                  </dgm:constrLst>
+                </dgm:if>
+                <dgm:else name="Name9">
+                  <dgm:constrLst>
+                    <dgm:constr type="ctrX" for="ch" forName="bullet2a" refType="w" fact="0.25"/>
+                    <dgm:constr type="ctrY" for="ch" forName="bullet2a" refType="h" fact="0.573"/>
+                    <dgm:constr type="w" for="ch" forName="bullet2a" refType="w" fact="0.035"/>
+                    <dgm:constr type="h" for="ch" forName="bullet2a" refType="w" refFor="ch" refForName="bullet2a"/>
+                    <dgm:constr type="r" for="ch" forName="textBox2a" refType="ctrX" refFor="ch" refForName="bullet2a"/>
+                    <dgm:constr type="b" for="ch" forName="textBox2a" refType="ctrY" refFor="ch" refForName="bullet2a"/>
+                    <dgm:constr type="w" for="ch" forName="textBox2a" refType="w" fact="0.25"/>
+                    <dgm:constr type="h" for="ch" forName="textBox2a" refType="h" fact="0.573"/>
+                    <dgm:constr type="userA" refType="h" refFor="ch" refForName="bullet2a" fact="0.53"/>
+                    <dgm:constr type="rMarg" for="ch" forName="textBox2a" refType="userA" fact="2.834"/>
+                    <dgm:constr type="ctrX" for="ch" forName="bullet2b" refType="w" fact="0.585"/>
+                    <dgm:constr type="ctrY" for="ch" forName="bullet2b" refType="h" fact="0.338"/>
+                    <dgm:constr type="w" for="ch" forName="bullet2b" refType="w" fact="0.06"/>
+                    <dgm:constr type="h" for="ch" forName="bullet2b" refType="w" refFor="ch" refForName="bullet2b"/>
+                    <dgm:constr type="r" for="ch" forName="textBox2b" refType="ctrX" refFor="ch" refForName="bullet2b"/>
+                    <dgm:constr type="b" for="ch" forName="textBox2b" refType="ctrY" refFor="ch" refForName="bullet2b"/>
+                    <dgm:constr type="w" for="ch" forName="textBox2b" refType="w" fact="0.28"/>
+                    <dgm:constr type="h" for="ch" forName="textBox2b" refType="h" fact="0.338"/>
+                    <dgm:constr type="userB" refType="h" refFor="ch" refForName="bullet2b" fact="0.53"/>
+                    <dgm:constr type="rMarg" for="ch" forName="textBox2b" refType="userB" fact="2.834"/>
+                    <dgm:constr type="primFontSz" for="ch" ptType="node" op="equ" val="65"/>
+                  </dgm:constrLst>
+                </dgm:else>
+              </dgm:choose>
+              <dgm:ruleLst/>
+              <dgm:forEach name="Name10" axis="ch" ptType="node" cnt="1">
+                <dgm:layoutNode name="bullet2a" styleLbl="node1">
+                  <dgm:alg type="sp"/>
+                  <dgm:shape xmlns:r="http://schemas.openxmlformats.org/officeDocument/2006/relationships" type="ellipse" r:blip="">
+                    <dgm:adjLst/>
+                  </dgm:shape>
+                  <dgm:presOf/>
+                  <dgm:constrLst/>
+                  <dgm:ruleLst/>
+                </dgm:layoutNode>
+                <dgm:layoutNode name="textBox2a" styleLbl="revTx">
+                  <dgm:varLst>
+                    <dgm:bulletEnabled val="1"/>
+                  </dgm:varLst>
+                  <dgm:choose name="Name11">
+                    <dgm:if name="Name12" func="var" arg="dir" op="equ" val="norm">
+                      <dgm:choose name="Name13">
+                        <dgm:if name="Name14" axis="root des" ptType="all node" func="maxDepth" op="gt" val="1">
+                          <dgm:alg type="tx">
+                            <dgm:param type="txAnchorVert" val="t"/>
+                            <dgm:param type="parTxLTRAlign" val="l"/>
+                            <dgm:param type="parTxRTLAlign" val="r"/>
+                          </dgm:alg>
+                        </dgm:if>
+                        <dgm:else name="Name15">
+                          <dgm:alg type="tx">
+                            <dgm:param type="txAnchorVert" val="t"/>
+                            <dgm:param type="parTxLTRAlign" val="l"/>
+                            <dgm:param type="parTxRTLAlign" val="l"/>
+                          </dgm:alg>
+                        </dgm:else>
+                      </dgm:choose>
+                    </dgm:if>
+                    <dgm:else name="Name16">
+                      <dgm:choose name="Name17">
+                        <dgm:if name="Name18" axis="root des" ptType="all node" func="maxDepth" op="gt" val="1">
+                          <dgm:alg type="tx">
+                            <dgm:param type="txAnchorVert" val="b"/>
+                            <dgm:param type="txAnchorVertCh" val="b"/>
+                            <dgm:param type="parTxLTRAlign" val="l"/>
+                            <dgm:param type="parTxRTLAlign" val="r"/>
+                          </dgm:alg>
+                        </dgm:if>
+                        <dgm:else name="Name19">
+                          <dgm:alg type="tx">
+                            <dgm:param type="txAnchorVert" val="b"/>
+                            <dgm:param type="parTxLTRAlign" val="r"/>
+                            <dgm:param type="parTxRTLAlign" val="r"/>
+                          </dgm:alg>
+                        </dgm:else>
+                      </dgm:choose>
+                    </dgm:else>
+                  </dgm:choose>
+                  <dgm:shape xmlns:r="http://schemas.openxmlformats.org/officeDocument/2006/relationships" type="rect" r:blip="">
+                    <dgm:adjLst/>
+                  </dgm:shape>
+                  <dgm:presOf axis="desOrSelf" ptType="node"/>
+                  <dgm:choose name="Name20">
+                    <dgm:if name="Name21" func="var" arg="dir" op="equ" val="norm">
+                      <dgm:constrLst>
+                        <dgm:constr type="rMarg"/>
+                        <dgm:constr type="tMarg"/>
+                        <dgm:constr type="bMarg"/>
+                      </dgm:constrLst>
+                    </dgm:if>
+                    <dgm:else name="Name22">
+                      <dgm:constrLst>
+                        <dgm:constr type="lMarg"/>
+                        <dgm:constr type="tMarg"/>
+                        <dgm:constr type="bMarg"/>
+                      </dgm:constrLst>
+                    </dgm:else>
+                  </dgm:choose>
+                  <dgm:ruleLst>
+                    <dgm:rule type="primFontSz" val="5" fact="NaN" max="NaN"/>
+                  </dgm:ruleLst>
+                </dgm:layoutNode>
+              </dgm:forEach>
+              <dgm:forEach name="Name23" axis="ch" ptType="node" st="2" cnt="1">
+                <dgm:layoutNode name="bullet2b" styleLbl="node1">
+                  <dgm:alg type="sp"/>
+                  <dgm:shape xmlns:r="http://schemas.openxmlformats.org/officeDocument/2006/relationships" type="ellipse" r:blip="">
+                    <dgm:adjLst/>
+                  </dgm:shape>
+                  <dgm:presOf/>
+                  <dgm:constrLst/>
+                  <dgm:ruleLst/>
+                </dgm:layoutNode>
+                <dgm:layoutNode name="textBox2b" styleLbl="revTx">
+                  <dgm:varLst>
+                    <dgm:bulletEnabled val="1"/>
+                  </dgm:varLst>
+                  <dgm:choose name="Name24">
+                    <dgm:if name="Name25" func="var" arg="dir" op="equ" val="norm">
+                      <dgm:choose name="Name26">
+                        <dgm:if name="Name27" axis="root des" ptType="all node" func="maxDepth" op="gt" val="1">
+                          <dgm:alg type="tx">
+                            <dgm:param type="txAnchorVert" val="t"/>
+                            <dgm:param type="parTxLTRAlign" val="l"/>
+                            <dgm:param type="parTxRTLAlign" val="r"/>
+                          </dgm:alg>
+                        </dgm:if>
+                        <dgm:else name="Name28">
+                          <dgm:alg type="tx">
+                            <dgm:param type="txAnchorVert" val="t"/>
+                            <dgm:param type="parTxLTRAlign" val="l"/>
+                            <dgm:param type="parTxRTLAlign" val="l"/>
+                          </dgm:alg>
+                        </dgm:else>
+                      </dgm:choose>
+                    </dgm:if>
+                    <dgm:else name="Name29">
+                      <dgm:choose name="Name30">
+                        <dgm:if name="Name31" axis="root des" ptType="all node" func="maxDepth" op="gt" val="1">
+                          <dgm:alg type="tx">
+                            <dgm:param type="txAnchorVert" val="b"/>
+                            <dgm:param type="txAnchorVertCh" val="b"/>
+                            <dgm:param type="parTxLTRAlign" val="l"/>
+                            <dgm:param type="parTxRTLAlign" val="r"/>
+                          </dgm:alg>
+                        </dgm:if>
+                        <dgm:else name="Name32">
+                          <dgm:alg type="tx">
+                            <dgm:param type="txAnchorVert" val="b"/>
+                            <dgm:param type="parTxLTRAlign" val="r"/>
+                            <dgm:param type="parTxRTLAlign" val="r"/>
+                          </dgm:alg>
+                        </dgm:else>
+                      </dgm:choose>
+                    </dgm:else>
+                  </dgm:choose>
+                  <dgm:shape xmlns:r="http://schemas.openxmlformats.org/officeDocument/2006/relationships" type="rect" r:blip="">
+                    <dgm:adjLst/>
+                  </dgm:shape>
+                  <dgm:presOf axis="desOrSelf" ptType="node"/>
+                  <dgm:choose name="Name33">
+                    <dgm:if name="Name34" func="var" arg="dir" op="equ" val="norm">
+                      <dgm:constrLst>
+                        <dgm:constr type="rMarg"/>
+                        <dgm:constr type="tMarg"/>
+                        <dgm:constr type="bMarg"/>
+                      </dgm:constrLst>
+                    </dgm:if>
+                    <dgm:else name="Name35">
+                      <dgm:constrLst>
+                        <dgm:constr type="lMarg"/>
+                        <dgm:constr type="tMarg"/>
+                        <dgm:constr type="bMarg"/>
+                      </dgm:constrLst>
+                    </dgm:else>
+                  </dgm:choose>
+                  <dgm:ruleLst>
+                    <dgm:rule type="primFontSz" val="5" fact="NaN" max="NaN"/>
+                  </dgm:ruleLst>
+                </dgm:layoutNode>
+              </dgm:forEach>
+            </dgm:layoutNode>
+          </dgm:if>
+          <dgm:if name="Name36" axis="ch" ptType="node" func="cnt" op="equ" val="3">
+            <dgm:layoutNode name="arrowDiagram3">
+              <dgm:alg type="composite">
+                <dgm:param type="vertAlign" val="none"/>
+                <dgm:param type="horzAlign" val="none"/>
+              </dgm:alg>
+              <dgm:shape xmlns:r="http://schemas.openxmlformats.org/officeDocument/2006/relationships" r:blip="">
+                <dgm:adjLst/>
+              </dgm:shape>
+              <dgm:presOf/>
+              <dgm:choose name="Name37">
+                <dgm:if name="Name38" func="var" arg="dir" op="equ" val="norm">
+                  <dgm:constrLst>
+                    <dgm:constr type="ctrX" for="ch" forName="bullet3a" refType="w" fact="0.14"/>
+                    <dgm:constr type="ctrY" for="ch" forName="bullet3a" refType="h" fact="0.711"/>
+                    <dgm:constr type="w" for="ch" forName="bullet3a" refType="w" fact="0.026"/>
+                    <dgm:constr type="h" for="ch" forName="bullet3a" refType="w" refFor="ch" refForName="bullet3a"/>
+                    <dgm:constr type="l" for="ch" forName="textBox3a" refType="ctrX" refFor="ch" refForName="bullet3a"/>
+                    <dgm:constr type="t" for="ch" forName="textBox3a" refType="ctrY" refFor="ch" refForName="bullet3a"/>
+                    <dgm:constr type="w" for="ch" forName="textBox3a" refType="w" fact="0.233"/>
+                    <dgm:constr type="h" for="ch" forName="textBox3a" refType="h" fact="0.289"/>
+                    <dgm:constr type="userA" refType="h" refFor="ch" refForName="bullet3a" fact="0.53"/>
+                    <dgm:constr type="lMarg" for="ch" forName="textBox3a" refType="userA" fact="2.834"/>
+                    <dgm:constr type="ctrX" for="ch" forName="bullet3b" refType="w" fact="0.38"/>
+                    <dgm:constr type="ctrY" for="ch" forName="bullet3b" refType="h" fact="0.456"/>
+                    <dgm:constr type="w" for="ch" forName="bullet3b" refType="w" fact="0.047"/>
+                    <dgm:constr type="h" for="ch" forName="bullet3b" refType="w" refFor="ch" refForName="bullet3b"/>
+                    <dgm:constr type="l" for="ch" forName="textBox3b" refType="ctrX" refFor="ch" refForName="bullet3b"/>
+                    <dgm:constr type="t" for="ch" forName="textBox3b" refType="ctrY" refFor="ch" refForName="bullet3b"/>
+                    <dgm:constr type="w" for="ch" forName="textBox3b" refType="w" fact="0.24"/>
+                    <dgm:constr type="h" for="ch" forName="textBox3b" refType="h" fact="0.544"/>
+                    <dgm:constr type="userB" refType="h" refFor="ch" refForName="bullet3b" fact="0.53"/>
+                    <dgm:constr type="lMarg" for="ch" forName="textBox3b" refType="userB" fact="2.834"/>
+                    <dgm:constr type="ctrX" for="ch" forName="bullet3c" refType="w" fact="0.665"/>
+                    <dgm:constr type="ctrY" for="ch" forName="bullet3c" refType="h" fact="0.305"/>
+                    <dgm:constr type="w" for="ch" forName="bullet3c" refType="w" fact="0.065"/>
+                    <dgm:constr type="h" for="ch" forName="bullet3c" refType="w" refFor="ch" refForName="bullet3c"/>
+                    <dgm:constr type="l" for="ch" forName="textBox3c" refType="ctrX" refFor="ch" refForName="bullet3c"/>
+                    <dgm:constr type="t" for="ch" forName="textBox3c" refType="ctrY" refFor="ch" refForName="bullet3c"/>
+                    <dgm:constr type="w" for="ch" forName="textBox3c" refType="w" fact="0.24"/>
+                    <dgm:constr type="h" for="ch" forName="textBox3c" refType="h" fact="0.695"/>
+                    <dgm:constr type="userC" refType="h" refFor="ch" refForName="bullet3c" fact="0.53"/>
+                    <dgm:constr type="lMarg" for="ch" forName="textBox3c" refType="userC" fact="2.834"/>
+                    <dgm:constr type="primFontSz" for="ch" ptType="node" op="equ" val="65"/>
+                  </dgm:constrLst>
+                </dgm:if>
+                <dgm:else name="Name39">
+                  <dgm:constrLst>
+                    <dgm:constr type="ctrX" for="ch" forName="bullet3a" refType="w" fact="0.14"/>
+                    <dgm:constr type="ctrY" for="ch" forName="bullet3a" refType="h" fact="0.711"/>
+                    <dgm:constr type="w" for="ch" forName="bullet3a" refType="w" fact="0.026"/>
+                    <dgm:constr type="h" for="ch" forName="bullet3a" refType="w" refFor="ch" refForName="bullet3a"/>
+                    <dgm:constr type="r" for="ch" forName="textBox3a" refType="ctrX" refFor="ch" refForName="bullet3a"/>
+                    <dgm:constr type="b" for="ch" forName="textBox3a" refType="ctrY" refFor="ch" refForName="bullet3a"/>
+                    <dgm:constr type="w" for="ch" forName="textBox3a" refType="w" fact="0.14"/>
+                    <dgm:constr type="h" for="ch" forName="textBox3a" refType="h" fact="0.711"/>
+                    <dgm:constr type="userA" refType="h" refFor="ch" refForName="bullet3a" fact="0.53"/>
+                    <dgm:constr type="rMarg" for="ch" forName="textBox3a" refType="userA" fact="2.834"/>
+                    <dgm:constr type="ctrX" for="ch" forName="bullet3b" refType="w" fact="0.38"/>
+                    <dgm:constr type="ctrY" for="ch" forName="bullet3b" refType="h" fact="0.456"/>
+                    <dgm:constr type="w" for="ch" forName="bullet3b" refType="w" fact="0.047"/>
+                    <dgm:constr type="h" for="ch" forName="bullet3b" refType="w" refFor="ch" refForName="bullet3b"/>
+                    <dgm:constr type="r" for="ch" forName="textBox3b" refType="ctrX" refFor="ch" refForName="bullet3b"/>
+                    <dgm:constr type="b" for="ch" forName="textBox3b" refType="ctrY" refFor="ch" refForName="bullet3b"/>
+                    <dgm:constr type="w" for="ch" forName="textBox3b" refType="w" fact="0.24"/>
+                    <dgm:constr type="h" for="ch" forName="textBox3b" refType="h" fact="0.456"/>
+                    <dgm:constr type="userB" refType="h" refFor="ch" refForName="bullet3b" fact="0.53"/>
+                    <dgm:constr type="rMarg" for="ch" forName="textBox3b" refType="userB" fact="2.834"/>
+                    <dgm:constr type="ctrX" for="ch" forName="bullet3c" refType="w" fact="0.665"/>
+                    <dgm:constr type="ctrY" for="ch" forName="bullet3c" refType="h" fact="0.305"/>
+                    <dgm:constr type="w" for="ch" forName="bullet3c" refType="w" fact="0.065"/>
+                    <dgm:constr type="h" for="ch" forName="bullet3c" refType="w" refFor="ch" refForName="bullet3c"/>
+                    <dgm:constr type="r" for="ch" forName="textBox3c" refType="ctrX" refFor="ch" refForName="bullet3c"/>
+                    <dgm:constr type="b" for="ch" forName="textBox3c" refType="ctrY" refFor="ch" refForName="bullet3c"/>
+                    <dgm:constr type="w" for="ch" forName="textBox3c" refType="w" fact="0.24"/>
+                    <dgm:constr type="h" for="ch" forName="textBox3c" refType="h" fact="0.305"/>
+                    <dgm:constr type="userC" refType="h" refFor="ch" refForName="bullet3c" fact="0.53"/>
+                    <dgm:constr type="rMarg" for="ch" forName="textBox3c" refType="userC" fact="2.834"/>
+                    <dgm:constr type="primFontSz" for="ch" ptType="node" op="equ" val="65"/>
+                  </dgm:constrLst>
+                </dgm:else>
+              </dgm:choose>
+              <dgm:ruleLst/>
+              <dgm:forEach name="Name40" axis="ch" ptType="node" cnt="1">
+                <dgm:layoutNode name="bullet3a" styleLbl="node1">
+                  <dgm:alg type="sp"/>
+                  <dgm:shape xmlns:r="http://schemas.openxmlformats.org/officeDocument/2006/relationships" type="ellipse" r:blip="">
+                    <dgm:adjLst/>
+                  </dgm:shape>
+                  <dgm:presOf/>
+                  <dgm:constrLst/>
+                  <dgm:ruleLst/>
+                </dgm:layoutNode>
+                <dgm:layoutNode name="textBox3a" styleLbl="revTx">
+                  <dgm:varLst>
+                    <dgm:bulletEnabled val="1"/>
+                  </dgm:varLst>
+                  <dgm:choose name="Name41">
+                    <dgm:if name="Name42" func="var" arg="dir" op="equ" val="norm">
+                      <dgm:choose name="Name43">
+                        <dgm:if name="Name44" axis="root des" ptType="all node" func="maxDepth" op="gt" val="1">
+                          <dgm:alg type="tx">
+                            <dgm:param type="txAnchorVert" val="t"/>
+                            <dgm:param type="parTxLTRAlign" val="l"/>
+                            <dgm:param type="parTxRTLAlign" val="r"/>
+                          </dgm:alg>
+                        </dgm:if>
+                        <dgm:else name="Name45">
+                          <dgm:alg type="tx">
+                            <dgm:param type="txAnchorVert" val="t"/>
+                            <dgm:param type="parTxLTRAlign" val="l"/>
+                            <dgm:param type="parTxRTLAlign" val="l"/>
+                          </dgm:alg>
+                        </dgm:else>
+                      </dgm:choose>
+                    </dgm:if>
+                    <dgm:else name="Name46">
+                      <dgm:choose name="Name47">
+                        <dgm:if name="Name48" axis="root des" ptType="all node" func="maxDepth" op="gt" val="1">
+                          <dgm:alg type="tx">
+                            <dgm:param type="txAnchorVert" val="b"/>
+                            <dgm:param type="txAnchorVertCh" val="b"/>
+                            <dgm:param type="parTxLTRAlign" val="l"/>
+                            <dgm:param type="parTxRTLAlign" val="r"/>
+                          </dgm:alg>
+                        </dgm:if>
+                        <dgm:else name="Name49">
+                          <dgm:alg type="tx">
+                            <dgm:param type="txAnchorVert" val="b"/>
+                            <dgm:param type="parTxLTRAlign" val="r"/>
+                            <dgm:param type="parTxRTLAlign" val="r"/>
+                          </dgm:alg>
+                        </dgm:else>
+                      </dgm:choose>
+                    </dgm:else>
+                  </dgm:choose>
+                  <dgm:shape xmlns:r="http://schemas.openxmlformats.org/officeDocument/2006/relationships" type="rect" r:blip="">
+                    <dgm:adjLst/>
+                  </dgm:shape>
+                  <dgm:presOf axis="desOrSelf" ptType="node"/>
+                  <dgm:choose name="Name50">
+                    <dgm:if name="Name51" func="var" arg="dir" op="equ" val="norm">
+                      <dgm:constrLst>
+                        <dgm:constr type="rMarg"/>
+                        <dgm:constr type="tMarg"/>
+                        <dgm:constr type="bMarg"/>
+                      </dgm:constrLst>
+                    </dgm:if>
+                    <dgm:else name="Name52">
+                      <dgm:constrLst>
+                        <dgm:constr type="lMarg"/>
+                        <dgm:constr type="tMarg"/>
+                        <dgm:constr type="bMarg"/>
+                      </dgm:constrLst>
+                    </dgm:else>
+                  </dgm:choose>
+                  <dgm:ruleLst>
+                    <dgm:rule type="primFontSz" val="5" fact="NaN" max="NaN"/>
+                  </dgm:ruleLst>
+                </dgm:layoutNode>
+              </dgm:forEach>
+              <dgm:forEach name="Name53" axis="ch" ptType="node" st="2" cnt="1">
+                <dgm:layoutNode name="bullet3b" styleLbl="node1">
+                  <dgm:alg type="sp"/>
+                  <dgm:shape xmlns:r="http://schemas.openxmlformats.org/officeDocument/2006/relationships" type="ellipse" r:blip="">
+                    <dgm:adjLst/>
+                  </dgm:shape>
+                  <dgm:presOf/>
+                  <dgm:constrLst/>
+                  <dgm:ruleLst/>
+                </dgm:layoutNode>
+                <dgm:layoutNode name="textBox3b" styleLbl="revTx">
+                  <dgm:varLst>
+                    <dgm:bulletEnabled val="1"/>
+                  </dgm:varLst>
+                  <dgm:choose name="Name54">
+                    <dgm:if name="Name55" func="var" arg="dir" op="equ" val="norm">
+                      <dgm:choose name="Name56">
+                        <dgm:if name="Name57" axis="root des" ptType="all node" func="maxDepth" op="gt" val="1">
+                          <dgm:alg type="tx">
+                            <dgm:param type="txAnchorVert" val="t"/>
+                            <dgm:param type="parTxLTRAlign" val="l"/>
+                            <dgm:param type="parTxRTLAlign" val="r"/>
+                          </dgm:alg>
+                        </dgm:if>
+                        <dgm:else name="Name58">
+                          <dgm:alg type="tx">
+                            <dgm:param type="txAnchorVert" val="t"/>
+                            <dgm:param type="parTxLTRAlign" val="l"/>
+                            <dgm:param type="parTxRTLAlign" val="l"/>
+                          </dgm:alg>
+                        </dgm:else>
+                      </dgm:choose>
+                    </dgm:if>
+                    <dgm:else name="Name59">
+                      <dgm:choose name="Name60">
+                        <dgm:if name="Name61" axis="root des" ptType="all node" func="maxDepth" op="gt" val="1">
+                          <dgm:alg type="tx">
+                            <dgm:param type="txAnchorVert" val="b"/>
+                            <dgm:param type="txAnchorVertCh" val="b"/>
+                            <dgm:param type="parTxLTRAlign" val="l"/>
+                            <dgm:param type="parTxRTLAlign" val="r"/>
+                          </dgm:alg>
+                        </dgm:if>
+                        <dgm:else name="Name62">
+                          <dgm:alg type="tx">
+                            <dgm:param type="txAnchorVert" val="b"/>
+                            <dgm:param type="parTxLTRAlign" val="r"/>
+                            <dgm:param type="parTxRTLAlign" val="r"/>
+                          </dgm:alg>
+                        </dgm:else>
+                      </dgm:choose>
+                    </dgm:else>
+                  </dgm:choose>
+                  <dgm:shape xmlns:r="http://schemas.openxmlformats.org/officeDocument/2006/relationships" type="rect" r:blip="">
+                    <dgm:adjLst/>
+                  </dgm:shape>
+                  <dgm:presOf axis="desOrSelf" ptType="node"/>
+                  <dgm:choose name="Name63">
+                    <dgm:if name="Name64" func="var" arg="dir" op="equ" val="norm">
+                      <dgm:constrLst>
+                        <dgm:constr type="rMarg"/>
+                        <dgm:constr type="tMarg"/>
+                        <dgm:constr type="bMarg"/>
+                      </dgm:constrLst>
+                    </dgm:if>
+                    <dgm:else name="Name65">
+                      <dgm:constrLst>
+                        <dgm:constr type="lMarg"/>
+                        <dgm:constr type="tMarg"/>
+                        <dgm:constr type="bMarg"/>
+                      </dgm:constrLst>
+                    </dgm:else>
+                  </dgm:choose>
+                  <dgm:ruleLst>
+                    <dgm:rule type="primFontSz" val="5" fact="NaN" max="NaN"/>
+                  </dgm:ruleLst>
+                </dgm:layoutNode>
+              </dgm:forEach>
+              <dgm:forEach name="Name66" axis="ch" ptType="node" st="3" cnt="1">
+                <dgm:layoutNode name="bullet3c" styleLbl="node1">
+                  <dgm:alg type="sp"/>
+                  <dgm:shape xmlns:r="http://schemas.openxmlformats.org/officeDocument/2006/relationships" type="ellipse" r:blip="">
+                    <dgm:adjLst/>
+                  </dgm:shape>
+                  <dgm:presOf/>
+                  <dgm:constrLst/>
+                  <dgm:ruleLst/>
+                </dgm:layoutNode>
+                <dgm:layoutNode name="textBox3c" styleLbl="revTx">
+                  <dgm:varLst>
+                    <dgm:bulletEnabled val="1"/>
+                  </dgm:varLst>
+                  <dgm:choose name="Name67">
+                    <dgm:if name="Name68" func="var" arg="dir" op="equ" val="norm">
+                      <dgm:choose name="Name69">
+                        <dgm:if name="Name70" axis="root des" ptType="all node" func="maxDepth" op="gt" val="1">
+                          <dgm:alg type="tx">
+                            <dgm:param type="txAnchorVert" val="t"/>
+                            <dgm:param type="parTxLTRAlign" val="l"/>
+                            <dgm:param type="parTxRTLAlign" val="r"/>
+                          </dgm:alg>
+                        </dgm:if>
+                        <dgm:else name="Name71">
+                          <dgm:alg type="tx">
+                            <dgm:param type="txAnchorVert" val="t"/>
+                            <dgm:param type="parTxLTRAlign" val="l"/>
+                            <dgm:param type="parTxRTLAlign" val="l"/>
+                          </dgm:alg>
+                        </dgm:else>
+                      </dgm:choose>
+                    </dgm:if>
+                    <dgm:else name="Name72">
+                      <dgm:choose name="Name73">
+                        <dgm:if name="Name74" axis="root des" ptType="all node" func="maxDepth" op="gt" val="1">
+                          <dgm:alg type="tx">
+                            <dgm:param type="txAnchorVert" val="b"/>
+                            <dgm:param type="txAnchorVertCh" val="b"/>
+                            <dgm:param type="parTxLTRAlign" val="l"/>
+                            <dgm:param type="parTxRTLAlign" val="r"/>
+                          </dgm:alg>
+                        </dgm:if>
+                        <dgm:else name="Name75">
+                          <dgm:alg type="tx">
+                            <dgm:param type="txAnchorVert" val="b"/>
+                            <dgm:param type="parTxLTRAlign" val="r"/>
+                            <dgm:param type="parTxRTLAlign" val="r"/>
+                          </dgm:alg>
+                        </dgm:else>
+                      </dgm:choose>
+                    </dgm:else>
+                  </dgm:choose>
+                  <dgm:shape xmlns:r="http://schemas.openxmlformats.org/officeDocument/2006/relationships" type="rect" r:blip="">
+                    <dgm:adjLst/>
+                  </dgm:shape>
+                  <dgm:presOf axis="desOrSelf" ptType="node"/>
+                  <dgm:choose name="Name76">
+                    <dgm:if name="Name77" func="var" arg="dir" op="equ" val="norm">
+                      <dgm:constrLst>
+                        <dgm:constr type="rMarg"/>
+                        <dgm:constr type="tMarg"/>
+                        <dgm:constr type="bMarg"/>
+                      </dgm:constrLst>
+                    </dgm:if>
+                    <dgm:else name="Name78">
+                      <dgm:constrLst>
+                        <dgm:constr type="lMarg"/>
+                        <dgm:constr type="tMarg"/>
+                        <dgm:constr type="bMarg"/>
+                      </dgm:constrLst>
+                    </dgm:else>
+                  </dgm:choose>
+                  <dgm:ruleLst>
+                    <dgm:rule type="primFontSz" val="5" fact="NaN" max="NaN"/>
+                  </dgm:ruleLst>
+                </dgm:layoutNode>
+              </dgm:forEach>
+            </dgm:layoutNode>
+          </dgm:if>
+          <dgm:if name="Name79" axis="ch" ptType="node" func="cnt" op="equ" val="4">
+            <dgm:layoutNode name="arrowDiagram4">
+              <dgm:alg type="composite">
+                <dgm:param type="vertAlign" val="none"/>
+                <dgm:param type="horzAlign" val="none"/>
+              </dgm:alg>
+              <dgm:shape xmlns:r="http://schemas.openxmlformats.org/officeDocument/2006/relationships" r:blip="">
+                <dgm:adjLst/>
+              </dgm:shape>
+              <dgm:presOf/>
+              <dgm:choose name="Name80">
+                <dgm:if name="Name81" func="var" arg="dir" op="equ" val="norm">
+                  <dgm:constrLst>
+                    <dgm:constr type="ctrX" for="ch" forName="bullet4a" refType="w" fact="0.11"/>
+                    <dgm:constr type="ctrY" for="ch" forName="bullet4a" refType="h" fact="0.762"/>
+                    <dgm:constr type="w" for="ch" forName="bullet4a" refType="w" fact="0.023"/>
+                    <dgm:constr type="h" for="ch" forName="bullet4a" refType="w" refFor="ch" refForName="bullet4a"/>
+                    <dgm:constr type="l" for="ch" forName="textBox4a" refType="ctrX" refFor="ch" refForName="bullet4a"/>
+                    <dgm:constr type="t" for="ch" forName="textBox4a" refType="ctrY" refFor="ch" refForName="bullet4a"/>
+                    <dgm:constr type="w" for="ch" forName="textBox4a" refType="w" fact="0.171"/>
+                    <dgm:constr type="h" for="ch" forName="textBox4a" refType="h" fact="0.238"/>
+                    <dgm:constr type="userA" refType="h" refFor="ch" refForName="bullet4a" fact="0.53"/>
+                    <dgm:constr type="lMarg" for="ch" forName="textBox4a" refType="userA" fact="2.834"/>
+                    <dgm:constr type="ctrX" for="ch" forName="bullet4b" refType="w" fact="0.281"/>
+                    <dgm:constr type="ctrY" for="ch" forName="bullet4b" refType="h" fact="0.543"/>
+                    <dgm:constr type="w" for="ch" forName="bullet4b" refType="w" fact="0.04"/>
+                    <dgm:constr type="h" for="ch" forName="bullet4b" refType="w" refFor="ch" refForName="bullet4b"/>
+                    <dgm:constr type="l" for="ch" forName="textBox4b" refType="ctrX" refFor="ch" refForName="bullet4b"/>
+                    <dgm:constr type="t" for="ch" forName="textBox4b" refType="ctrY" refFor="ch" refForName="bullet4b"/>
+                    <dgm:constr type="w" for="ch" forName="textBox4b" refType="w" fact="0.21"/>
+                    <dgm:constr type="h" for="ch" forName="textBox4b" refType="h" fact="0.457"/>
+                    <dgm:constr type="userB" refType="h" refFor="ch" refForName="bullet4b" fact="0.53"/>
+                    <dgm:constr type="lMarg" for="ch" forName="textBox4b" refType="userB" fact="2.834"/>
+                    <dgm:constr type="ctrX" for="ch" forName="bullet4c" refType="w" fact="0.495"/>
+                    <dgm:constr type="ctrY" for="ch" forName="bullet4c" refType="h" fact="0.382"/>
+                    <dgm:constr type="w" for="ch" forName="bullet4c" refType="w" fact="0.053"/>
+                    <dgm:constr type="h" for="ch" forName="bullet4c" refType="w" refFor="ch" refForName="bullet4c"/>
+                    <dgm:constr type="l" for="ch" forName="textBox4c" refType="ctrX" refFor="ch" refForName="bullet4c"/>
+                    <dgm:constr type="t" for="ch" forName="textBox4c" refType="ctrY" refFor="ch" refForName="bullet4c"/>
+                    <dgm:constr type="w" for="ch" forName="textBox4c" refType="w" fact="0.21"/>
+                    <dgm:constr type="h" for="ch" forName="textBox4c" refType="h" fact="0.618"/>
+                    <dgm:constr type="userC" refType="h" refFor="ch" refForName="bullet4c" fact="0.53"/>
+                    <dgm:constr type="lMarg" for="ch" forName="textBox4c" refType="userC" fact="2.834"/>
+                    <dgm:constr type="ctrX" for="ch" forName="bullet4d" refType="w" fact="0.73"/>
+                    <dgm:constr type="ctrY" for="ch" forName="bullet4d" refType="h" fact="0.283"/>
+                    <dgm:constr type="w" for="ch" forName="bullet4d" refType="w" fact="0.071"/>
+                    <dgm:constr type="h" for="ch" forName="bullet4d" refType="w" refFor="ch" refForName="bullet4d"/>
+                    <dgm:constr type="l" for="ch" forName="textBox4d" refType="ctrX" refFor="ch" refForName="bullet4d"/>
+                    <dgm:constr type="t" for="ch" forName="textBox4d" refType="ctrY" refFor="ch" refForName="bullet4d"/>
+                    <dgm:constr type="w" for="ch" forName="textBox4d" refType="w" fact="0.21"/>
+                    <dgm:constr type="h" for="ch" forName="textBox4d" refType="h" fact="0.717"/>
+                    <dgm:constr type="userD" refType="h" refFor="ch" refForName="bullet4d" fact="0.53"/>
+                    <dgm:constr type="lMarg" for="ch" forName="textBox4d" refType="userD" fact="2.834"/>
+                    <dgm:constr type="primFontSz" for="ch" ptType="node" op="equ" val="65"/>
+                  </dgm:constrLst>
+                </dgm:if>
+                <dgm:else name="Name82">
+                  <dgm:constrLst>
+                    <dgm:constr type="ctrX" for="ch" forName="bullet4a" refType="w" fact="0.11"/>
+                    <dgm:constr type="ctrY" for="ch" forName="bullet4a" refType="h" fact="0.762"/>
+                    <dgm:constr type="w" for="ch" forName="bullet4a" refType="w" fact="0.023"/>
+                    <dgm:constr type="h" for="ch" forName="bullet4a" refType="w" refFor="ch" refForName="bullet4a"/>
+                    <dgm:constr type="r" for="ch" forName="textBox4a" refType="ctrX" refFor="ch" refForName="bullet4a"/>
+                    <dgm:constr type="b" for="ch" forName="textBox4a" refType="ctrY" refFor="ch" refForName="bullet4a"/>
+                    <dgm:constr type="w" for="ch" forName="textBox4a" refType="w" fact="0.11"/>
+                    <dgm:constr type="h" for="ch" forName="textBox4a" refType="h" fact="0.762"/>
+                    <dgm:constr type="userA" refType="h" refFor="ch" refForName="bullet4a" fact="0.53"/>
+                    <dgm:constr type="rMarg" for="ch" forName="textBox4a" refType="userA" fact="2.834"/>
+                    <dgm:constr type="ctrX" for="ch" forName="bullet4b" refType="w" fact="0.281"/>
+                    <dgm:constr type="ctrY" for="ch" forName="bullet4b" refType="h" fact="0.543"/>
+                    <dgm:constr type="w" for="ch" forName="bullet4b" refType="w" fact="0.04"/>
+                    <dgm:constr type="h" for="ch" forName="bullet4b" refType="w" refFor="ch" refForName="bullet4b"/>
+                    <dgm:constr type="r" for="ch" forName="textBox4b" refType="ctrX" refFor="ch" refForName="bullet4b"/>
+                    <dgm:constr type="b" for="ch" forName="textBox4b" refType="ctrY" refFor="ch" refForName="bullet4b"/>
+                    <dgm:constr type="w" for="ch" forName="textBox4b" refType="w" fact="0.171"/>
+                    <dgm:constr type="h" for="ch" forName="textBox4b" refType="h" fact="0.543"/>
+                    <dgm:constr type="userB" refType="h" refFor="ch" refForName="bullet4b" fact="0.53"/>
+                    <dgm:constr type="rMarg" for="ch" forName="textBox4b" refType="userB" fact="2.834"/>
+                    <dgm:constr type="ctrX" for="ch" forName="bullet4c" refType="w" fact="0.495"/>
+                    <dgm:constr type="ctrY" for="ch" forName="bullet4c" refType="h" fact="0.382"/>
+                    <dgm:constr type="w" for="ch" forName="bullet4c" refType="w" fact="0.053"/>
+                    <dgm:constr type="h" for="ch" forName="bullet4c" refType="w" refFor="ch" refForName="bullet4c"/>
+                    <dgm:constr type="r" for="ch" forName="textBox4c" refType="ctrX" refFor="ch" refForName="bullet4c"/>
+                    <dgm:constr type="b" for="ch" forName="textBox4c" refType="ctrY" refFor="ch" refForName="bullet4c"/>
+                    <dgm:constr type="w" for="ch" forName="textBox4c" refType="w" fact="0.21"/>
+                    <dgm:constr type="h" for="ch" forName="textBox4c" refType="h" fact="0.382"/>
+                    <dgm:constr type="userC" refType="h" refFor="ch" refForName="bullet4c" fact="0.53"/>
+                    <dgm:constr type="rMarg" for="ch" forName="textBox4c" refType="userC" fact="2.834"/>
+                    <dgm:constr type="ctrX" for="ch" forName="bullet4d" refType="w" fact="0.73"/>
+                    <dgm:constr type="ctrY" for="ch" forName="bullet4d" refType="h" fact="0.283"/>
+                    <dgm:constr type="w" for="ch" forName="bullet4d" refType="w" fact="0.071"/>
+                    <dgm:constr type="h" for="ch" forName="bullet4d" refType="w" refFor="ch" refForName="bullet4d"/>
+                    <dgm:constr type="r" for="ch" forName="textBox4d" refType="ctrX" refFor="ch" refForName="bullet4d"/>
+                    <dgm:constr type="b" for="ch" forName="textBox4d" refType="ctrY" refFor="ch" refForName="bullet4d"/>
+                    <dgm:constr type="w" for="ch" forName="textBox4d" refType="w" fact="0.21"/>
+                    <dgm:constr type="h" for="ch" forName="textBox4d" refType="h" fact="0.283"/>
+                    <dgm:constr type="userD" refType="h" refFor="ch" refForName="bullet4d" fact="0.53"/>
+                    <dgm:constr type="rMarg" for="ch" forName="textBox4d" refType="userD" fact="2.834"/>
+                    <dgm:constr type="primFontSz" for="ch" ptType="node" op="equ" val="65"/>
+                  </dgm:constrLst>
+                </dgm:else>
+              </dgm:choose>
+              <dgm:ruleLst/>
+              <dgm:forEach name="Name83" axis="ch" ptType="node" cnt="1">
+                <dgm:layoutNode name="bullet4a" styleLbl="node1">
+                  <dgm:alg type="sp"/>
+                  <dgm:shape xmlns:r="http://schemas.openxmlformats.org/officeDocument/2006/relationships" type="ellipse" r:blip="">
+                    <dgm:adjLst/>
+                  </dgm:shape>
+                  <dgm:presOf/>
+                  <dgm:constrLst/>
+                  <dgm:ruleLst/>
+                </dgm:layoutNode>
+                <dgm:layoutNode name="textBox4a" styleLbl="revTx">
+                  <dgm:varLst>
+                    <dgm:bulletEnabled val="1"/>
+                  </dgm:varLst>
+                  <dgm:choose name="Name84">
+                    <dgm:if name="Name85" func="var" arg="dir" op="equ" val="norm">
+                      <dgm:choose name="Name86">
+                        <dgm:if name="Name87" axis="root des" ptType="all node" func="maxDepth" op="gt" val="1">
+                          <dgm:alg type="tx">
+                            <dgm:param type="txAnchorVert" val="t"/>
+                            <dgm:param type="parTxLTRAlign" val="l"/>
+                            <dgm:param type="parTxRTLAlign" val="r"/>
+                          </dgm:alg>
+                        </dgm:if>
+                        <dgm:else name="Name88">
+                          <dgm:alg type="tx">
+                            <dgm:param type="txAnchorVert" val="t"/>
+                            <dgm:param type="parTxLTRAlign" val="l"/>
+                            <dgm:param type="parTxRTLAlign" val="l"/>
+                          </dgm:alg>
+                        </dgm:else>
+                      </dgm:choose>
+                    </dgm:if>
+                    <dgm:else name="Name89">
+                      <dgm:choose name="Name90">
+                        <dgm:if name="Name91" axis="root des" ptType="all node" func="maxDepth" op="gt" val="1">
+                          <dgm:alg type="tx">
+                            <dgm:param type="txAnchorVert" val="b"/>
+                            <dgm:param type="txAnchorVertCh" val="b"/>
+                            <dgm:param type="parTxLTRAlign" val="l"/>
+                            <dgm:param type="parTxRTLAlign" val="r"/>
+                          </dgm:alg>
+                        </dgm:if>
+                        <dgm:else name="Name92">
+                          <dgm:alg type="tx">
+                            <dgm:param type="txAnchorVert" val="b"/>
+                            <dgm:param type="parTxLTRAlign" val="r"/>
+                            <dgm:param type="parTxRTLAlign" val="r"/>
+                          </dgm:alg>
+                        </dgm:else>
+                      </dgm:choose>
+                    </dgm:else>
+                  </dgm:choose>
+                  <dgm:shape xmlns:r="http://schemas.openxmlformats.org/officeDocument/2006/relationships" type="rect" r:blip="">
+                    <dgm:adjLst/>
+                  </dgm:shape>
+                  <dgm:presOf axis="desOrSelf" ptType="node"/>
+                  <dgm:choose name="Name93">
+                    <dgm:if name="Name94" func="var" arg="dir" op="equ" val="norm">
+                      <dgm:constrLst>
+                        <dgm:constr type="rMarg"/>
+                        <dgm:constr type="tMarg"/>
+                        <dgm:constr type="bMarg"/>
+                      </dgm:constrLst>
+                    </dgm:if>
+                    <dgm:else name="Name95">
+                      <dgm:constrLst>
+                        <dgm:constr type="lMarg"/>
+                        <dgm:constr type="tMarg"/>
+                        <dgm:constr type="bMarg"/>
+                      </dgm:constrLst>
+                    </dgm:else>
+                  </dgm:choose>
+                  <dgm:ruleLst>
+                    <dgm:rule type="primFontSz" val="5" fact="NaN" max="NaN"/>
+                  </dgm:ruleLst>
+                </dgm:layoutNode>
+              </dgm:forEach>
+              <dgm:forEach name="Name96" axis="ch" ptType="node" st="2" cnt="1">
+                <dgm:layoutNode name="bullet4b" styleLbl="node1">
+                  <dgm:alg type="sp"/>
+                  <dgm:shape xmlns:r="http://schemas.openxmlformats.org/officeDocument/2006/relationships" type="ellipse" r:blip="">
+                    <dgm:adjLst/>
+                  </dgm:shape>
+                  <dgm:presOf/>
+                  <dgm:constrLst/>
+                  <dgm:ruleLst/>
+                </dgm:layoutNode>
+                <dgm:layoutNode name="textBox4b" styleLbl="revTx">
+                  <dgm:varLst>
+                    <dgm:bulletEnabled val="1"/>
+                  </dgm:varLst>
+                  <dgm:choose name="Name97">
+                    <dgm:if name="Name98" func="var" arg="dir" op="equ" val="norm">
+                      <dgm:choose name="Name99">
+                        <dgm:if name="Name100" axis="root des" ptType="all node" func="maxDepth" op="gt" val="1">
+                          <dgm:alg type="tx">
+                            <dgm:param type="txAnchorVert" val="t"/>
+                            <dgm:param type="parTxLTRAlign" val="l"/>
+                            <dgm:param type="parTxRTLAlign" val="r"/>
+                          </dgm:alg>
+                        </dgm:if>
+                        <dgm:else name="Name101">
+                          <dgm:alg type="tx">
+                            <dgm:param type="txAnchorVert" val="t"/>
+                            <dgm:param type="parTxLTRAlign" val="l"/>
+                            <dgm:param type="parTxRTLAlign" val="l"/>
+                          </dgm:alg>
+                        </dgm:else>
+                      </dgm:choose>
+                    </dgm:if>
+                    <dgm:else name="Name102">
+                      <dgm:choose name="Name103">
+                        <dgm:if name="Name104" axis="root des" ptType="all node" func="maxDepth" op="gt" val="1">
+                          <dgm:alg type="tx">
+                            <dgm:param type="txAnchorVert" val="b"/>
+                            <dgm:param type="txAnchorVertCh" val="b"/>
+                            <dgm:param type="parTxLTRAlign" val="l"/>
+                            <dgm:param type="parTxRTLAlign" val="r"/>
+                          </dgm:alg>
+                        </dgm:if>
+                        <dgm:else name="Name105">
+                          <dgm:alg type="tx">
+                            <dgm:param type="txAnchorVert" val="b"/>
+                            <dgm:param type="parTxLTRAlign" val="r"/>
+                            <dgm:param type="parTxRTLAlign" val="r"/>
+                          </dgm:alg>
+                        </dgm:else>
+                      </dgm:choose>
+                    </dgm:else>
+                  </dgm:choose>
+                  <dgm:shape xmlns:r="http://schemas.openxmlformats.org/officeDocument/2006/relationships" type="rect" r:blip="">
+                    <dgm:adjLst/>
+                  </dgm:shape>
+                  <dgm:presOf axis="desOrSelf" ptType="node"/>
+                  <dgm:choose name="Name106">
+                    <dgm:if name="Name107" func="var" arg="dir" op="equ" val="norm">
+                      <dgm:constrLst>
+                        <dgm:constr type="rMarg"/>
+                        <dgm:constr type="tMarg"/>
+                        <dgm:constr type="bMarg"/>
+                      </dgm:constrLst>
+                    </dgm:if>
+                    <dgm:else name="Name108">
+                      <dgm:constrLst>
+                        <dgm:constr type="lMarg"/>
+                        <dgm:constr type="tMarg"/>
+                        <dgm:constr type="bMarg"/>
+                      </dgm:constrLst>
+                    </dgm:else>
+                  </dgm:choose>
+                  <dgm:ruleLst>
+                    <dgm:rule type="primFontSz" val="5" fact="NaN" max="NaN"/>
+                  </dgm:ruleLst>
+                </dgm:layoutNode>
+              </dgm:forEach>
+              <dgm:forEach name="Name109" axis="ch" ptType="node" st="3" cnt="1">
+                <dgm:layoutNode name="bullet4c" styleLbl="node1">
+                  <dgm:alg type="sp"/>
+                  <dgm:shape xmlns:r="http://schemas.openxmlformats.org/officeDocument/2006/relationships" type="ellipse" r:blip="">
+                    <dgm:adjLst/>
+                  </dgm:shape>
+                  <dgm:presOf/>
+                  <dgm:constrLst/>
+                  <dgm:ruleLst/>
+                </dgm:layoutNode>
+                <dgm:layoutNode name="textBox4c" styleLbl="revTx">
+                  <dgm:varLst>
+                    <dgm:bulletEnabled val="1"/>
+                  </dgm:varLst>
+                  <dgm:choose name="Name110">
+                    <dgm:if name="Name111" func="var" arg="dir" op="equ" val="norm">
+                      <dgm:choose name="Name112">
+                        <dgm:if name="Name113" axis="root des" ptType="all node" func="maxDepth" op="gt" val="1">
+                          <dgm:alg type="tx">
+                            <dgm:param type="txAnchorVert" val="t"/>
+                            <dgm:param type="parTxLTRAlign" val="l"/>
+                            <dgm:param type="parTxRTLAlign" val="r"/>
+                          </dgm:alg>
+                        </dgm:if>
+                        <dgm:else name="Name114">
+                          <dgm:alg type="tx">
+                            <dgm:param type="txAnchorVert" val="t"/>
+                            <dgm:param type="parTxLTRAlign" val="l"/>
+                            <dgm:param type="parTxRTLAlign" val="l"/>
+                          </dgm:alg>
+                        </dgm:else>
+                      </dgm:choose>
+                    </dgm:if>
+                    <dgm:else name="Name115">
+                      <dgm:choose name="Name116">
+                        <dgm:if name="Name117" axis="root des" ptType="all node" func="maxDepth" op="gt" val="1">
+                          <dgm:alg type="tx">
+                            <dgm:param type="txAnchorVert" val="b"/>
+                            <dgm:param type="txAnchorVertCh" val="b"/>
+                            <dgm:param type="parTxLTRAlign" val="l"/>
+                            <dgm:param type="parTxRTLAlign" val="r"/>
+                          </dgm:alg>
+                        </dgm:if>
+                        <dgm:else name="Name118">
+                          <dgm:alg type="tx">
+                            <dgm:param type="txAnchorVert" val="b"/>
+                            <dgm:param type="parTxLTRAlign" val="r"/>
+                            <dgm:param type="parTxRTLAlign" val="r"/>
+                          </dgm:alg>
+                        </dgm:else>
+                      </dgm:choose>
+                    </dgm:else>
+                  </dgm:choose>
+                  <dgm:shape xmlns:r="http://schemas.openxmlformats.org/officeDocument/2006/relationships" type="rect" r:blip="">
+                    <dgm:adjLst/>
+                  </dgm:shape>
+                  <dgm:presOf axis="desOrSelf" ptType="node"/>
+                  <dgm:choose name="Name119">
+                    <dgm:if name="Name120" func="var" arg="dir" op="equ" val="norm">
+                      <dgm:constrLst>
+                        <dgm:constr type="rMarg"/>
+                        <dgm:constr type="tMarg"/>
+                        <dgm:constr type="bMarg"/>
+                      </dgm:constrLst>
+                    </dgm:if>
+                    <dgm:else name="Name121">
+                      <dgm:constrLst>
+                        <dgm:constr type="lMarg"/>
+                        <dgm:constr type="tMarg"/>
+                        <dgm:constr type="bMarg"/>
+                      </dgm:constrLst>
+                    </dgm:else>
+                  </dgm:choose>
+                  <dgm:ruleLst>
+                    <dgm:rule type="primFontSz" val="5" fact="NaN" max="NaN"/>
+                  </dgm:ruleLst>
+                </dgm:layoutNode>
+              </dgm:forEach>
+              <dgm:forEach name="Name122" axis="ch" ptType="node" st="4" cnt="1">
+                <dgm:layoutNode name="bullet4d" styleLbl="node1">
+                  <dgm:alg type="sp"/>
+                  <dgm:shape xmlns:r="http://schemas.openxmlformats.org/officeDocument/2006/relationships" type="ellipse" r:blip="">
+                    <dgm:adjLst/>
+                  </dgm:shape>
+                  <dgm:presOf/>
+                  <dgm:constrLst/>
+                  <dgm:ruleLst/>
+                </dgm:layoutNode>
+                <dgm:layoutNode name="textBox4d" styleLbl="revTx">
+                  <dgm:varLst>
+                    <dgm:bulletEnabled val="1"/>
+                  </dgm:varLst>
+                  <dgm:choose name="Name123">
+                    <dgm:if name="Name124" func="var" arg="dir" op="equ" val="norm">
+                      <dgm:choose name="Name125">
+                        <dgm:if name="Name126" axis="root des" ptType="all node" func="maxDepth" op="gt" val="1">
+                          <dgm:alg type="tx">
+                            <dgm:param type="txAnchorVert" val="t"/>
+                            <dgm:param type="parTxLTRAlign" val="l"/>
+                            <dgm:param type="parTxRTLAlign" val="r"/>
+                          </dgm:alg>
+                        </dgm:if>
+                        <dgm:else name="Name127">
+                          <dgm:alg type="tx">
+                            <dgm:param type="txAnchorVert" val="t"/>
+                            <dgm:param type="parTxLTRAlign" val="l"/>
+                            <dgm:param type="parTxRTLAlign" val="l"/>
+                          </dgm:alg>
+                        </dgm:else>
+                      </dgm:choose>
+                    </dgm:if>
+                    <dgm:else name="Name128">
+                      <dgm:choose name="Name129">
+                        <dgm:if name="Name130" axis="root des" ptType="all node" func="maxDepth" op="gt" val="1">
+                          <dgm:alg type="tx">
+                            <dgm:param type="txAnchorVert" val="b"/>
+                            <dgm:param type="txAnchorVertCh" val="b"/>
+                            <dgm:param type="parTxLTRAlign" val="l"/>
+                            <dgm:param type="parTxRTLAlign" val="r"/>
+                          </dgm:alg>
+                        </dgm:if>
+                        <dgm:else name="Name131">
+                          <dgm:alg type="tx">
+                            <dgm:param type="txAnchorVert" val="b"/>
+                            <dgm:param type="parTxLTRAlign" val="r"/>
+                            <dgm:param type="parTxRTLAlign" val="r"/>
+                          </dgm:alg>
+                        </dgm:else>
+                      </dgm:choose>
+                    </dgm:else>
+                  </dgm:choose>
+                  <dgm:shape xmlns:r="http://schemas.openxmlformats.org/officeDocument/2006/relationships" type="rect" r:blip="">
+                    <dgm:adjLst/>
+                  </dgm:shape>
+                  <dgm:presOf axis="desOrSelf" ptType="node"/>
+                  <dgm:choose name="Name132">
+                    <dgm:if name="Name133" func="var" arg="dir" op="equ" val="norm">
+                      <dgm:constrLst>
+                        <dgm:constr type="rMarg"/>
+                        <dgm:constr type="tMarg"/>
+                        <dgm:constr type="bMarg"/>
+                      </dgm:constrLst>
+                    </dgm:if>
+                    <dgm:else name="Name134">
+                      <dgm:constrLst>
+                        <dgm:constr type="lMarg"/>
+                        <dgm:constr type="tMarg"/>
+                        <dgm:constr type="bMarg"/>
+                      </dgm:constrLst>
+                    </dgm:else>
+                  </dgm:choose>
+                  <dgm:ruleLst>
+                    <dgm:rule type="primFontSz" val="5" fact="NaN" max="NaN"/>
+                  </dgm:ruleLst>
+                </dgm:layoutNode>
+              </dgm:forEach>
+            </dgm:layoutNode>
+          </dgm:if>
+          <dgm:else name="Name135">
+            <dgm:layoutNode name="arrowDiagram5">
+              <dgm:alg type="composite">
+                <dgm:param type="vertAlign" val="none"/>
+                <dgm:param type="horzAlign" val="none"/>
+              </dgm:alg>
+              <dgm:shape xmlns:r="http://schemas.openxmlformats.org/officeDocument/2006/relationships" r:blip="">
+                <dgm:adjLst/>
+              </dgm:shape>
+              <dgm:presOf/>
+              <dgm:choose name="Name136">
+                <dgm:if name="Name137" func="var" arg="dir" op="equ" val="norm">
+                  <dgm:constrLst>
+                    <dgm:constr type="ctrX" for="ch" forName="bullet5a" refType="w" fact="0.11"/>
+                    <dgm:constr type="ctrY" for="ch" forName="bullet5a" refType="h" fact="0.762"/>
+                    <dgm:constr type="w" for="ch" forName="bullet5a" refType="w" fact="0.023"/>
+                    <dgm:constr type="h" for="ch" forName="bullet5a" refType="w" refFor="ch" refForName="bullet5a"/>
+                    <dgm:constr type="l" for="ch" forName="textBox5a" refType="ctrX" refFor="ch" refForName="bullet5a"/>
+                    <dgm:constr type="t" for="ch" forName="textBox5a" refType="ctrY" refFor="ch" refForName="bullet5a"/>
+                    <dgm:constr type="w" for="ch" forName="textBox5a" refType="w" fact="0.131"/>
+                    <dgm:constr type="h" for="ch" forName="textBox5a" refType="h" fact="0.238"/>
+                    <dgm:constr type="userA" refType="h" refFor="ch" refForName="bullet5a" fact="0.53"/>
+                    <dgm:constr type="lMarg" for="ch" forName="textBox5a" refType="userA" fact="2.834"/>
+                    <dgm:constr type="ctrX" for="ch" forName="bullet5b" refType="w" fact="0.241"/>
+                    <dgm:constr type="ctrY" for="ch" forName="bullet5b" refType="h" fact="0.581"/>
+                    <dgm:constr type="w" for="ch" forName="bullet5b" refType="w" fact="0.036"/>
+                    <dgm:constr type="h" for="ch" forName="bullet5b" refType="w" refFor="ch" refForName="bullet5b"/>
+                    <dgm:constr type="l" for="ch" forName="textBox5b" refType="ctrX" refFor="ch" refForName="bullet5b"/>
+                    <dgm:constr type="t" for="ch" forName="textBox5b" refType="ctrY" refFor="ch" refForName="bullet5b"/>
+                    <dgm:constr type="w" for="ch" forName="textBox5b" refType="w" fact="0.166"/>
+                    <dgm:constr type="h" for="ch" forName="textBox5b" refType="h" fact="0.419"/>
+                    <dgm:constr type="userB" refType="h" refFor="ch" refForName="bullet5b" fact="0.53"/>
+                    <dgm:constr type="lMarg" for="ch" forName="textBox5b" refType="userB" fact="2.834"/>
+                    <dgm:constr type="ctrX" for="ch" forName="bullet5c" refType="w" fact="0.407"/>
+                    <dgm:constr type="ctrY" for="ch" forName="bullet5c" refType="h" fact="0.438"/>
+                    <dgm:constr type="w" for="ch" forName="bullet5c" refType="w" fact="0.048"/>
+                    <dgm:constr type="h" for="ch" forName="bullet5c" refType="w" refFor="ch" refForName="bullet5c"/>
+                    <dgm:constr type="l" for="ch" forName="textBox5c" refType="ctrX" refFor="ch" refForName="bullet5c"/>
+                    <dgm:constr type="t" for="ch" forName="textBox5c" refType="ctrY" refFor="ch" refForName="bullet5c"/>
+                    <dgm:constr type="w" for="ch" forName="textBox5c" refType="w" fact="0.193"/>
+                    <dgm:constr type="h" for="ch" forName="textBox5c" refType="h" fact="0.562"/>
+                    <dgm:constr type="userC" refType="h" refFor="ch" refForName="bullet5c" fact="0.53"/>
+                    <dgm:constr type="lMarg" for="ch" forName="textBox5c" refType="userC" fact="2.834"/>
+                    <dgm:constr type="ctrX" for="ch" forName="bullet5d" refType="w" fact="0.6"/>
+                    <dgm:constr type="ctrY" for="ch" forName="bullet5d" refType="h" fact="0.33"/>
+                    <dgm:constr type="w" for="ch" forName="bullet5d" refType="w" fact="0.062"/>
+                    <dgm:constr type="h" for="ch" forName="bullet5d" refType="w" refFor="ch" refForName="bullet5d"/>
+                    <dgm:constr type="l" for="ch" forName="textBox5d" refType="ctrX" refFor="ch" refForName="bullet5d"/>
+                    <dgm:constr type="t" for="ch" forName="textBox5d" refType="ctrY" refFor="ch" refForName="bullet5d"/>
+                    <dgm:constr type="w" for="ch" forName="textBox5d" refType="w" fact="0.2"/>
+                    <dgm:constr type="h" for="ch" forName="textBox5d" refType="h" fact="0.67"/>
+                    <dgm:constr type="userD" refType="h" refFor="ch" refForName="bullet5d" fact="0.53"/>
+                    <dgm:constr type="lMarg" for="ch" forName="textBox5d" refType="userD" fact="2.834"/>
+                    <dgm:constr type="ctrX" for="ch" forName="bullet5e" refType="w" fact="0.8"/>
+                    <dgm:constr type="ctrY" for="ch" forName="bullet5e" refType="h" fact="0.264"/>
+                    <dgm:constr type="w" for="ch" forName="bullet5e" refType="w" fact="0.079"/>
+                    <dgm:constr type="h" for="ch" forName="bullet5e" refType="w" refFor="ch" refForName="bullet5e"/>
+                    <dgm:constr type="l" for="ch" forName="textBox5e" refType="ctrX" refFor="ch" refForName="bullet5e"/>
+                    <dgm:constr type="t" for="ch" forName="textBox5e" refType="ctrY" refFor="ch" refForName="bullet5e"/>
+                    <dgm:constr type="w" for="ch" forName="textBox5e" refType="w" fact="0.2"/>
+                    <dgm:constr type="h" for="ch" forName="textBox5e" refType="h" fact="0.736"/>
+                    <dgm:constr type="userE" refType="h" refFor="ch" refForName="bullet5e" fact="0.53"/>
+                    <dgm:constr type="lMarg" for="ch" forName="textBox5e" refType="userE" fact="2.834"/>
+                    <dgm:constr type="primFontSz" for="ch" ptType="node" op="equ" val="65"/>
+                  </dgm:constrLst>
+                </dgm:if>
+                <dgm:else name="Name138">
+                  <dgm:constrLst>
+                    <dgm:constr type="ctrX" for="ch" forName="bullet5a" refType="w" fact="0.11"/>
+                    <dgm:constr type="ctrY" for="ch" forName="bullet5a" refType="h" fact="0.762"/>
+                    <dgm:constr type="w" for="ch" forName="bullet5a" refType="w" fact="0.023"/>
+                    <dgm:constr type="h" for="ch" forName="bullet5a" refType="w" refFor="ch" refForName="bullet5a"/>
+                    <dgm:constr type="r" for="ch" forName="textBox5a" refType="ctrX" refFor="ch" refForName="bullet5a"/>
+                    <dgm:constr type="b" for="ch" forName="textBox5a" refType="ctrY" refFor="ch" refForName="bullet5a"/>
+                    <dgm:constr type="w" for="ch" forName="textBox5a" refType="w" fact="0.11"/>
+                    <dgm:constr type="h" for="ch" forName="textBox5a" refType="h" fact="0.762"/>
+                    <dgm:constr type="userA" refType="h" refFor="ch" refForName="bullet5a" fact="0.53"/>
+                    <dgm:constr type="rMarg" for="ch" forName="textBox5a" refType="userA" fact="2.834"/>
+                    <dgm:constr type="ctrX" for="ch" forName="bullet5b" refType="w" fact="0.241"/>
+                    <dgm:constr type="ctrY" for="ch" forName="bullet5b" refType="h" fact="0.581"/>
+                    <dgm:constr type="w" for="ch" forName="bullet5b" refType="w" fact="0.036"/>
+                    <dgm:constr type="h" for="ch" forName="bullet5b" refType="w" refFor="ch" refForName="bullet5b"/>
+                    <dgm:constr type="r" for="ch" forName="textBox5b" refType="ctrX" refFor="ch" refForName="bullet5b"/>
+                    <dgm:constr type="b" for="ch" forName="textBox5b" refType="ctrY" refFor="ch" refForName="bullet5b"/>
+                    <dgm:constr type="w" for="ch" forName="textBox5b" refType="w" fact="0.131"/>
+                    <dgm:constr type="h" for="ch" forName="textBox5b" refType="h" fact="0.581"/>
+                    <dgm:constr type="userB" refType="h" refFor="ch" refForName="bullet5b" fact="0.53"/>
+                    <dgm:constr type="rMarg" for="ch" forName="textBox5b" refType="userB" fact="2.834"/>
+                    <dgm:constr type="ctrX" for="ch" forName="bullet5c" refType="w" fact="0.407"/>
+                    <dgm:constr type="ctrY" for="ch" forName="bullet5c" refType="h" fact="0.438"/>
+                    <dgm:constr type="w" for="ch" forName="bullet5c" refType="w" fact="0.048"/>
+                    <dgm:constr type="h" for="ch" forName="bullet5c" refType="w" refFor="ch" refForName="bullet5c"/>
+                    <dgm:constr type="r" for="ch" forName="textBox5c" refType="ctrX" refFor="ch" refForName="bullet5c"/>
+                    <dgm:constr type="b" for="ch" forName="textBox5c" refType="ctrY" refFor="ch" refForName="bullet5c"/>
+                    <dgm:constr type="w" for="ch" forName="textBox5c" refType="w" fact="0.166"/>
+                    <dgm:constr type="h" for="ch" forName="textBox5c" refType="h" fact="0.438"/>
+                    <dgm:constr type="userC" refType="h" refFor="ch" refForName="bullet5c" fact="0.53"/>
+                    <dgm:constr type="rMarg" for="ch" forName="textBox5c" refType="userC" fact="2.834"/>
+                    <dgm:constr type="ctrX" for="ch" forName="bullet5d" refType="w" fact="0.6"/>
+                    <dgm:constr type="ctrY" for="ch" forName="bullet5d" refType="h" fact="0.33"/>
+                    <dgm:constr type="w" for="ch" forName="bullet5d" refType="w" fact="0.062"/>
+                    <dgm:constr type="h" for="ch" forName="bullet5d" refType="w" refFor="ch" refForName="bullet5d"/>
+                    <dgm:constr type="r" for="ch" forName="textBox5d" refType="ctrX" refFor="ch" refForName="bullet5d"/>
+                    <dgm:constr type="b" for="ch" forName="textBox5d" refType="ctrY" refFor="ch" refForName="bullet5d"/>
+                    <dgm:constr type="w" for="ch" forName="textBox5d" refType="w" fact="0.193"/>
+                    <dgm:constr type="h" for="ch" forName="textBox5d" refType="h" fact="0.33"/>
+                    <dgm:constr type="userD" refType="h" refFor="ch" refForName="bullet5d" fact="0.53"/>
+                    <dgm:constr type="rMarg" for="ch" forName="textBox5d" refType="userD" fact="2.834"/>
+                    <dgm:constr type="ctrX" for="ch" forName="bullet5e" refType="w" fact="0.8"/>
+                    <dgm:constr type="ctrY" for="ch" forName="bullet5e" refType="h" fact="0.264"/>
+                    <dgm:constr type="w" for="ch" forName="bullet5e" refType="w" fact="0.079"/>
+                    <dgm:constr type="h" for="ch" forName="bullet5e" refType="w" refFor="ch" refForName="bullet5e"/>
+                    <dgm:constr type="r" for="ch" forName="textBox5e" refType="ctrX" refFor="ch" refForName="bullet5e"/>
+                    <dgm:constr type="b" for="ch" forName="textBox5e" refType="ctrY" refFor="ch" refForName="bullet5e"/>
+                    <dgm:constr type="w" for="ch" forName="textBox5e" refType="w" fact="0.2"/>
+                    <dgm:constr type="h" for="ch" forName="textBox5e" refType="h" fact="0.264"/>
+                    <dgm:constr type="userE" refType="h" refFor="ch" refForName="bullet5e" fact="0.53"/>
+                    <dgm:constr type="rMarg" for="ch" forName="textBox5e" refType="userE" fact="2.834"/>
+                    <dgm:constr type="primFontSz" for="ch" ptType="node" op="equ" val="65"/>
+                  </dgm:constrLst>
+                </dgm:else>
+              </dgm:choose>
+              <dgm:ruleLst/>
+              <dgm:forEach name="Name139" axis="ch" ptType="node" cnt="1">
+                <dgm:layoutNode name="bullet5a" styleLbl="node1">
+                  <dgm:alg type="sp"/>
+                  <dgm:shape xmlns:r="http://schemas.openxmlformats.org/officeDocument/2006/relationships" type="ellipse" r:blip="">
+                    <dgm:adjLst/>
+                  </dgm:shape>
+                  <dgm:presOf/>
+                  <dgm:constrLst/>
+                  <dgm:ruleLst/>
+                </dgm:layoutNode>
+                <dgm:layoutNode name="textBox5a" styleLbl="revTx">
+                  <dgm:varLst>
+                    <dgm:bulletEnabled val="1"/>
+                  </dgm:varLst>
+                  <dgm:choose name="Name140">
+                    <dgm:if name="Name141" func="var" arg="dir" op="equ" val="norm">
+                      <dgm:choose name="Name142">
+                        <dgm:if name="Name143" axis="root des" ptType="all node" func="maxDepth" op="gt" val="1">
+                          <dgm:alg type="tx">
+                            <dgm:param type="txAnchorVert" val="t"/>
+                            <dgm:param type="parTxLTRAlign" val="l"/>
+                            <dgm:param type="parTxRTLAlign" val="r"/>
+                          </dgm:alg>
+                        </dgm:if>
+                        <dgm:else name="Name144">
+                          <dgm:alg type="tx">
+                            <dgm:param type="txAnchorVert" val="t"/>
+                            <dgm:param type="parTxLTRAlign" val="l"/>
+                            <dgm:param type="parTxRTLAlign" val="l"/>
+                          </dgm:alg>
+                        </dgm:else>
+                      </dgm:choose>
+                    </dgm:if>
+                    <dgm:else name="Name145">
+                      <dgm:choose name="Name146">
+                        <dgm:if name="Name147" axis="root des" ptType="all node" func="maxDepth" op="gt" val="1">
+                          <dgm:alg type="tx">
+                            <dgm:param type="txAnchorVert" val="b"/>
+                            <dgm:param type="txAnchorVertCh" val="b"/>
+                            <dgm:param type="parTxLTRAlign" val="l"/>
+                            <dgm:param type="parTxRTLAlign" val="r"/>
+                          </dgm:alg>
+                        </dgm:if>
+                        <dgm:else name="Name148">
+                          <dgm:alg type="tx">
+                            <dgm:param type="txAnchorVert" val="b"/>
+                            <dgm:param type="parTxLTRAlign" val="r"/>
+                            <dgm:param type="parTxRTLAlign" val="r"/>
+                          </dgm:alg>
+                        </dgm:else>
+                      </dgm:choose>
+                    </dgm:else>
+                  </dgm:choose>
+                  <dgm:shape xmlns:r="http://schemas.openxmlformats.org/officeDocument/2006/relationships" type="rect" r:blip="">
+                    <dgm:adjLst/>
+                  </dgm:shape>
+                  <dgm:presOf axis="desOrSelf" ptType="node"/>
+                  <dgm:choose name="Name149">
+                    <dgm:if name="Name150" func="var" arg="dir" op="equ" val="norm">
+                      <dgm:constrLst>
+                        <dgm:constr type="rMarg"/>
+                        <dgm:constr type="tMarg"/>
+                        <dgm:constr type="bMarg"/>
+                      </dgm:constrLst>
+                    </dgm:if>
+                    <dgm:else name="Name151">
+                      <dgm:constrLst>
+                        <dgm:constr type="lMarg"/>
+                        <dgm:constr type="tMarg"/>
+                        <dgm:constr type="bMarg"/>
+                      </dgm:constrLst>
+                    </dgm:else>
+                  </dgm:choose>
+                  <dgm:ruleLst>
+                    <dgm:rule type="primFontSz" val="5" fact="NaN" max="NaN"/>
+                  </dgm:ruleLst>
+                </dgm:layoutNode>
+              </dgm:forEach>
+              <dgm:forEach name="Name152" axis="ch" ptType="node" st="2" cnt="1">
+                <dgm:layoutNode name="bullet5b" styleLbl="node1">
+                  <dgm:alg type="sp"/>
+                  <dgm:shape xmlns:r="http://schemas.openxmlformats.org/officeDocument/2006/relationships" type="ellipse" r:blip="">
+                    <dgm:adjLst/>
+                  </dgm:shape>
+                  <dgm:presOf/>
+                  <dgm:constrLst/>
+                  <dgm:ruleLst/>
+                </dgm:layoutNode>
+                <dgm:layoutNode name="textBox5b" styleLbl="revTx">
+                  <dgm:varLst>
+                    <dgm:bulletEnabled val="1"/>
+                  </dgm:varLst>
+                  <dgm:choose name="Name153">
+                    <dgm:if name="Name154" func="var" arg="dir" op="equ" val="norm">
+                      <dgm:choose name="Name155">
+                        <dgm:if name="Name156" axis="root des" ptType="all node" func="maxDepth" op="gt" val="1">
+                          <dgm:alg type="tx">
+                            <dgm:param type="txAnchorVert" val="t"/>
+                            <dgm:param type="parTxLTRAlign" val="l"/>
+                            <dgm:param type="parTxRTLAlign" val="r"/>
+                          </dgm:alg>
+                        </dgm:if>
+                        <dgm:else name="Name157">
+                          <dgm:alg type="tx">
+                            <dgm:param type="txAnchorVert" val="t"/>
+                            <dgm:param type="parTxLTRAlign" val="l"/>
+                            <dgm:param type="parTxRTLAlign" val="l"/>
+                          </dgm:alg>
+                        </dgm:else>
+                      </dgm:choose>
+                    </dgm:if>
+                    <dgm:else name="Name158">
+                      <dgm:choose name="Name159">
+                        <dgm:if name="Name160" axis="root des" ptType="all node" func="maxDepth" op="gt" val="1">
+                          <dgm:alg type="tx">
+                            <dgm:param type="txAnchorVert" val="b"/>
+                            <dgm:param type="txAnchorVertCh" val="b"/>
+                            <dgm:param type="parTxLTRAlign" val="l"/>
+                            <dgm:param type="parTxRTLAlign" val="r"/>
+                          </dgm:alg>
+                        </dgm:if>
+                        <dgm:else name="Name161">
+                          <dgm:alg type="tx">
+                            <dgm:param type="txAnchorVert" val="b"/>
+                            <dgm:param type="parTxLTRAlign" val="r"/>
+                            <dgm:param type="parTxRTLAlign" val="r"/>
+                          </dgm:alg>
+                        </dgm:else>
+                      </dgm:choose>
+                    </dgm:else>
+                  </dgm:choose>
+                  <dgm:shape xmlns:r="http://schemas.openxmlformats.org/officeDocument/2006/relationships" type="rect" r:blip="">
+                    <dgm:adjLst/>
+                  </dgm:shape>
+                  <dgm:presOf axis="desOrSelf" ptType="node"/>
+                  <dgm:choose name="Name162">
+                    <dgm:if name="Name163" func="var" arg="dir" op="equ" val="norm">
+                      <dgm:constrLst>
+                        <dgm:constr type="rMarg"/>
+                        <dgm:constr type="tMarg"/>
+                        <dgm:constr type="bMarg"/>
+                      </dgm:constrLst>
+                    </dgm:if>
+                    <dgm:else name="Name164">
+                      <dgm:constrLst>
+                        <dgm:constr type="lMarg"/>
+                        <dgm:constr type="tMarg"/>
+                        <dgm:constr type="bMarg"/>
+                      </dgm:constrLst>
+                    </dgm:else>
+                  </dgm:choose>
+                  <dgm:ruleLst>
+                    <dgm:rule type="primFontSz" val="5" fact="NaN" max="NaN"/>
+                  </dgm:ruleLst>
+                </dgm:layoutNode>
+              </dgm:forEach>
+              <dgm:forEach name="Name165" axis="ch" ptType="node" st="3" cnt="1">
+                <dgm:layoutNode name="bullet5c" styleLbl="node1">
+                  <dgm:alg type="sp"/>
+                  <dgm:shape xmlns:r="http://schemas.openxmlformats.org/officeDocument/2006/relationships" type="ellipse" r:blip="">
+                    <dgm:adjLst/>
+                  </dgm:shape>
+                  <dgm:presOf/>
+                  <dgm:constrLst/>
+                  <dgm:ruleLst/>
+                </dgm:layoutNode>
+                <dgm:layoutNode name="textBox5c" styleLbl="revTx">
+                  <dgm:varLst>
+                    <dgm:bulletEnabled val="1"/>
+                  </dgm:varLst>
+                  <dgm:choose name="Name166">
+                    <dgm:if name="Name167" func="var" arg="dir" op="equ" val="norm">
+                      <dgm:choose name="Name168">
+                        <dgm:if name="Name169" axis="root des" ptType="all node" func="maxDepth" op="gt" val="1">
+                          <dgm:alg type="tx">
+                            <dgm:param type="txAnchorVert" val="t"/>
+                            <dgm:param type="parTxLTRAlign" val="l"/>
+                            <dgm:param type="parTxRTLAlign" val="r"/>
+                          </dgm:alg>
+                        </dgm:if>
+                        <dgm:else name="Name170">
+                          <dgm:alg type="tx">
+                            <dgm:param type="txAnchorVert" val="t"/>
+                            <dgm:param type="parTxLTRAlign" val="l"/>
+                            <dgm:param type="parTxRTLAlign" val="l"/>
+                          </dgm:alg>
+                        </dgm:else>
+                      </dgm:choose>
+                    </dgm:if>
+                    <dgm:else name="Name171">
+                      <dgm:choose name="Name172">
+                        <dgm:if name="Name173" axis="root des" ptType="all node" func="maxDepth" op="gt" val="1">
+                          <dgm:alg type="tx">
+                            <dgm:param type="txAnchorVert" val="b"/>
+                            <dgm:param type="txAnchorVertCh" val="b"/>
+                            <dgm:param type="parTxLTRAlign" val="l"/>
+                            <dgm:param type="parTxRTLAlign" val="r"/>
+                          </dgm:alg>
+                        </dgm:if>
+                        <dgm:else name="Name174">
+                          <dgm:alg type="tx">
+                            <dgm:param type="txAnchorVert" val="b"/>
+                            <dgm:param type="parTxLTRAlign" val="r"/>
+                            <dgm:param type="parTxRTLAlign" val="r"/>
+                          </dgm:alg>
+                        </dgm:else>
+                      </dgm:choose>
+                    </dgm:else>
+                  </dgm:choose>
+                  <dgm:shape xmlns:r="http://schemas.openxmlformats.org/officeDocument/2006/relationships" type="rect" r:blip="">
+                    <dgm:adjLst/>
+                  </dgm:shape>
+                  <dgm:presOf axis="desOrSelf" ptType="node"/>
+                  <dgm:choose name="Name175">
+                    <dgm:if name="Name176" func="var" arg="dir" op="equ" val="norm">
+                      <dgm:constrLst>
+                        <dgm:constr type="rMarg"/>
+                        <dgm:constr type="tMarg"/>
+                        <dgm:constr type="bMarg"/>
+                      </dgm:constrLst>
+                    </dgm:if>
+                    <dgm:else name="Name177">
+                      <dgm:constrLst>
+                        <dgm:constr type="lMarg"/>
+                        <dgm:constr type="tMarg"/>
+                        <dgm:constr type="bMarg"/>
+                      </dgm:constrLst>
+                    </dgm:else>
+                  </dgm:choose>
+                  <dgm:ruleLst>
+                    <dgm:rule type="primFontSz" val="5" fact="NaN" max="NaN"/>
+                  </dgm:ruleLst>
+                </dgm:layoutNode>
+              </dgm:forEach>
+              <dgm:forEach name="Name178" axis="ch" ptType="node" st="4" cnt="1">
+                <dgm:layoutNode name="bullet5d" styleLbl="node1">
+                  <dgm:alg type="sp"/>
+                  <dgm:shape xmlns:r="http://schemas.openxmlformats.org/officeDocument/2006/relationships" type="ellipse" r:blip="">
+                    <dgm:adjLst/>
+                  </dgm:shape>
+                  <dgm:presOf/>
+                  <dgm:constrLst/>
+                  <dgm:ruleLst/>
+                </dgm:layoutNode>
+                <dgm:layoutNode name="textBox5d" styleLbl="revTx">
+                  <dgm:varLst>
+                    <dgm:bulletEnabled val="1"/>
+                  </dgm:varLst>
+                  <dgm:choose name="Name179">
+                    <dgm:if name="Name180" func="var" arg="dir" op="equ" val="norm">
+                      <dgm:choose name="Name181">
+                        <dgm:if name="Name182" axis="root des" ptType="all node" func="maxDepth" op="gt" val="1">
+                          <dgm:alg type="tx">
+                            <dgm:param type="txAnchorVert" val="t"/>
+                            <dgm:param type="parTxLTRAlign" val="l"/>
+                            <dgm:param type="parTxRTLAlign" val="r"/>
+                          </dgm:alg>
+                        </dgm:if>
+                        <dgm:else name="Name183">
+                          <dgm:alg type="tx">
+                            <dgm:param type="txAnchorVert" val="t"/>
+                            <dgm:param type="parTxLTRAlign" val="l"/>
+                            <dgm:param type="parTxRTLAlign" val="l"/>
+                          </dgm:alg>
+                        </dgm:else>
+                      </dgm:choose>
+                    </dgm:if>
+                    <dgm:else name="Name184">
+                      <dgm:choose name="Name185">
+                        <dgm:if name="Name186" axis="root des" ptType="all node" func="maxDepth" op="gt" val="1">
+                          <dgm:alg type="tx">
+                            <dgm:param type="txAnchorVert" val="b"/>
+                            <dgm:param type="txAnchorVertCh" val="b"/>
+                            <dgm:param type="parTxLTRAlign" val="l"/>
+                            <dgm:param type="parTxRTLAlign" val="r"/>
+                          </dgm:alg>
+                        </dgm:if>
+                        <dgm:else name="Name187">
+                          <dgm:alg type="tx">
+                            <dgm:param type="txAnchorVert" val="b"/>
+                            <dgm:param type="parTxLTRAlign" val="r"/>
+                            <dgm:param type="parTxRTLAlign" val="r"/>
+                          </dgm:alg>
+                        </dgm:else>
+                      </dgm:choose>
+                    </dgm:else>
+                  </dgm:choose>
+                  <dgm:shape xmlns:r="http://schemas.openxmlformats.org/officeDocument/2006/relationships" type="rect" r:blip="">
+                    <dgm:adjLst/>
+                  </dgm:shape>
+                  <dgm:presOf axis="desOrSelf" ptType="node"/>
+                  <dgm:choose name="Name188">
+                    <dgm:if name="Name189" func="var" arg="dir" op="equ" val="norm">
+                      <dgm:constrLst>
+                        <dgm:constr type="rMarg"/>
+                        <dgm:constr type="tMarg"/>
+                        <dgm:constr type="bMarg"/>
+                      </dgm:constrLst>
+                    </dgm:if>
+                    <dgm:else name="Name190">
+                      <dgm:constrLst>
+                        <dgm:constr type="lMarg"/>
+                        <dgm:constr type="tMarg"/>
+                        <dgm:constr type="bMarg"/>
+                      </dgm:constrLst>
+                    </dgm:else>
+                  </dgm:choose>
+                  <dgm:ruleLst>
+                    <dgm:rule type="primFontSz" val="5" fact="NaN" max="NaN"/>
+                  </dgm:ruleLst>
+                </dgm:layoutNode>
+              </dgm:forEach>
+              <dgm:forEach name="Name191" axis="ch" ptType="node" st="5" cnt="1">
+                <dgm:layoutNode name="bullet5e" styleLbl="node1">
+                  <dgm:alg type="sp"/>
+                  <dgm:shape xmlns:r="http://schemas.openxmlformats.org/officeDocument/2006/relationships" type="ellipse" r:blip="">
+                    <dgm:adjLst/>
+                  </dgm:shape>
+                  <dgm:presOf/>
+                  <dgm:constrLst/>
+                  <dgm:ruleLst/>
+                </dgm:layoutNode>
+                <dgm:layoutNode name="textBox5e" styleLbl="revTx">
+                  <dgm:varLst>
+                    <dgm:bulletEnabled val="1"/>
+                  </dgm:varLst>
+                  <dgm:choose name="Name192">
+                    <dgm:if name="Name193" func="var" arg="dir" op="equ" val="norm">
+                      <dgm:choose name="Name194">
+                        <dgm:if name="Name195" axis="root des" ptType="all node" func="maxDepth" op="gt" val="1">
+                          <dgm:alg type="tx">
+                            <dgm:param type="txAnchorVert" val="t"/>
+                            <dgm:param type="parTxLTRAlign" val="l"/>
+                            <dgm:param type="parTxRTLAlign" val="r"/>
+                          </dgm:alg>
+                        </dgm:if>
+                        <dgm:else name="Name196">
+                          <dgm:alg type="tx">
+                            <dgm:param type="txAnchorVert" val="t"/>
+                            <dgm:param type="parTxLTRAlign" val="l"/>
+                            <dgm:param type="parTxRTLAlign" val="l"/>
+                          </dgm:alg>
+                        </dgm:else>
+                      </dgm:choose>
+                    </dgm:if>
+                    <dgm:else name="Name197">
+                      <dgm:choose name="Name198">
+                        <dgm:if name="Name199" axis="root des" ptType="all node" func="maxDepth" op="gt" val="1">
+                          <dgm:alg type="tx">
+                            <dgm:param type="txAnchorVert" val="b"/>
+                            <dgm:param type="txAnchorVertCh" val="b"/>
+                            <dgm:param type="parTxLTRAlign" val="l"/>
+                            <dgm:param type="parTxRTLAlign" val="r"/>
+                          </dgm:alg>
+                        </dgm:if>
+                        <dgm:else name="Name200">
+                          <dgm:alg type="tx">
+                            <dgm:param type="txAnchorVert" val="b"/>
+                            <dgm:param type="parTxLTRAlign" val="r"/>
+                            <dgm:param type="parTxRTLAlign" val="r"/>
+                          </dgm:alg>
+                        </dgm:else>
+                      </dgm:choose>
+                    </dgm:else>
+                  </dgm:choose>
+                  <dgm:shape xmlns:r="http://schemas.openxmlformats.org/officeDocument/2006/relationships" type="rect" r:blip="">
+                    <dgm:adjLst/>
+                  </dgm:shape>
+                  <dgm:presOf axis="desOrSelf" ptType="node"/>
+                  <dgm:choose name="Name201">
+                    <dgm:if name="Name202" func="var" arg="dir" op="equ" val="norm">
+                      <dgm:constrLst>
+                        <dgm:constr type="rMarg"/>
+                        <dgm:constr type="tMarg"/>
+                        <dgm:constr type="bMarg"/>
+                      </dgm:constrLst>
+                    </dgm:if>
+                    <dgm:else name="Name203">
+                      <dgm:constrLst>
+                        <dgm:constr type="lMarg"/>
+                        <dgm:constr type="tMarg"/>
+                        <dgm:constr type="bMarg"/>
+                      </dgm:constrLst>
+                    </dgm:else>
+                  </dgm:choose>
+                  <dgm:ruleLst>
+                    <dgm:rule type="primFontSz" val="5" fact="NaN" max="NaN"/>
+                  </dgm:ruleLst>
+                </dgm:layoutNode>
+              </dgm:forEach>
+            </dgm:layoutNode>
+          </dgm:else>
+        </dgm:choose>
+      </dgm:if>
+      <dgm:else name="Name204"/>
+    </dgm:choose>
+  </dgm:layoutNode>
+</dgm:layoutDef>
+</file>
+
+<file path=ppt/diagrams/quickStyle1.xml><?xml version="1.0" encoding="utf-8"?>
+<dgm:styleDef xmlns:dgm="http://schemas.openxmlformats.org/drawingml/2006/diagram" xmlns:a="http://schemas.openxmlformats.org/drawingml/2006/main" uniqueId="urn:microsoft.com/office/officeart/2005/8/quickstyle/simple1">
+  <dgm:title val=""/>
+  <dgm:desc val=""/>
+  <dgm:catLst>
+    <dgm:cat type="simple" pri="10100"/>
+  </dgm:catLst>
+  <dgm:scene3d>
+    <a:camera prst="orthographicFront"/>
+    <a:lightRig rig="threePt" dir="t"/>
+  </dgm:scene3d>
+  <dgm:styleLbl name="node0">
+    <dgm:scene3d>
+      <a:camera prst="orthographicFront"/>
+      <a:lightRig rig="threePt" dir="t"/>
+    </dgm:scene3d>
+    <dgm:sp3d/>
+    <dgm:txPr/>
+    <dgm:style>
+      <a:lnRef idx="2">
+        <a:scrgbClr r="0" g="0" b="0"/>
+      </a:lnRef>
+      <a:fillRef idx="1">
+        <a:scrgbClr r="0" g="0" b="0"/>
+      </a:fillRef>
+      <a:effectRef idx="0">
+        <a:scrgbClr r="0" g="0" b="0"/>
+      </a:effectRef>
+      <a:fontRef idx="minor">
+        <a:schemeClr val="lt1"/>
+      </a:fontRef>
+    </dgm:style>
+  </dgm:styleLbl>
+  <dgm:styleLbl name="lnNode1">
+    <dgm:scene3d>
+      <a:camera prst="orthographicFront"/>
+      <a:lightRig rig="threePt" dir="t"/>
+    </dgm:scene3d>
+    <dgm:sp3d/>
+    <dgm:txPr/>
+    <dgm:style>
+      <a:lnRef idx="2">
+        <a:scrgbClr r="0" g="0" b="0"/>
+      </a:lnRef>
+      <a:fillRef idx="1">
+        <a:scrgbClr r="0" g="0" b="0"/>
+      </a:fillRef>
+      <a:effectRef idx="0">
+        <a:scrgbClr r="0" g="0" b="0"/>
+      </a:effectRef>
+      <a:fontRef idx="minor">
+        <a:schemeClr val="lt1"/>
+      </a:fontRef>
+    </dgm:style>
+  </dgm:styleLbl>
+  <dgm:styleLbl name="vennNode1">
+    <dgm:scene3d>
+      <a:camera prst="orthographicFront"/>
+      <a:lightRig rig="threePt" dir="t"/>
+    </dgm:scene3d>
+    <dgm:sp3d/>
+    <dgm:txPr/>
+    <dgm:style>
+      <a:lnRef idx="2">
+        <a:scrgbClr r="0" g="0" b="0"/>
+      </a:lnRef>
+      <a:fillRef idx="1">
+        <a:scrgbClr r="0" g="0" b="0"/>
+      </a:fillRef>
+      <a:effectRef idx="0">
+        <a:scrgbClr r="0" g="0" b="0"/>
+      </a:effectRef>
+      <a:fontRef idx="minor">
+        <a:schemeClr val="tx1"/>
+      </a:fontRef>
+    </dgm:style>
+  </dgm:styleLbl>
+  <dgm:styleLbl name="alignNode1">
+    <dgm:scene3d>
+      <a:camera prst="orthographicFront"/>
+      <a:lightRig rig="threePt" dir="t"/>
+    </dgm:scene3d>
+    <dgm:sp3d/>
+    <dgm:txPr/>
+    <dgm:style>
+      <a:lnRef idx="2">
+        <a:scrgbClr r="0" g="0" b="0"/>
+      </a:lnRef>
+      <a:fillRef idx="1">
+        <a:scrgbClr r="0" g="0" b="0"/>
+      </a:fillRef>
+      <a:effectRef idx="0">
+        <a:scrgbClr r="0" g="0" b="0"/>
+      </a:effectRef>
+      <a:fontRef idx="minor">
+        <a:schemeClr val="lt1"/>
+      </a:fontRef>
+    </dgm:style>
+  </dgm:styleLbl>
+  <dgm:styleLbl name="node1">
+    <dgm:scene3d>
+      <a:camera prst="orthographicFront"/>
+      <a:lightRig rig="threePt" dir="t"/>
+    </dgm:scene3d>
+    <dgm:sp3d/>
+    <dgm:txPr/>
+    <dgm:style>
+      <a:lnRef idx="2">
+        <a:scrgbClr r="0" g="0" b="0"/>
+      </a:lnRef>
+      <a:fillRef idx="1">
+        <a:scrgbClr r="0" g="0" b="0"/>
+      </a:fillRef>
+      <a:effectRef idx="0">
+        <a:scrgbClr r="0" g="0" b="0"/>
+      </a:effectRef>
+      <a:fontRef idx="minor">
+        <a:schemeClr val="lt1"/>
+      </a:fontRef>
+    </dgm:style>
+  </dgm:styleLbl>
+  <dgm:styleLbl name="node2">
+    <dgm:scene3d>
+      <a:camera prst="orthographicFront"/>
+      <a:lightRig rig="threePt" dir="t"/>
+    </dgm:scene3d>
+    <dgm:sp3d/>
+    <dgm:txPr/>
+    <dgm:style>
+      <a:lnRef idx="2">
+        <a:scrgbClr r="0" g="0" b="0"/>
+      </a:lnRef>
+      <a:fillRef idx="1">
+        <a:scrgbClr r="0" g="0" b="0"/>
+      </a:fillRef>
+      <a:effectRef idx="0">
+        <a:scrgbClr r="0" g="0" b="0"/>
+      </a:effectRef>
+      <a:fontRef idx="minor">
+        <a:schemeClr val="lt1"/>
+      </a:fontRef>
+    </dgm:style>
+  </dgm:styleLbl>
+  <dgm:styleLbl name="node3">
+    <dgm:scene3d>
+      <a:camera prst="orthographicFront"/>
+      <a:lightRig rig="threePt" dir="t"/>
+    </dgm:scene3d>
+    <dgm:sp3d/>
+    <dgm:txPr/>
+    <dgm:style>
+      <a:lnRef idx="2">
+        <a:scrgbClr r="0" g="0" b="0"/>
+      </a:lnRef>
+      <a:fillRef idx="1">
+        <a:scrgbClr r="0" g="0" b="0"/>
+      </a:fillRef>
+      <a:effectRef idx="0">
+        <a:scrgbClr r="0" g="0" b="0"/>
+      </a:effectRef>
+      <a:fontRef idx="minor">
+        <a:schemeClr val="lt1"/>
+      </a:fontRef>
+    </dgm:style>
+  </dgm:styleLbl>
+  <dgm:styleLbl name="node4">
+    <dgm:scene3d>
+      <a:camera prst="orthographicFront"/>
+      <a:lightRig rig="threePt" dir="t"/>
+    </dgm:scene3d>
+    <dgm:sp3d/>
+    <dgm:txPr/>
+    <dgm:style>
+      <a:lnRef idx="2">
+        <a:scrgbClr r="0" g="0" b="0"/>
+      </a:lnRef>
+      <a:fillRef idx="1">
+        <a:scrgbClr r="0" g="0" b="0"/>
+      </a:fillRef>
+      <a:effectRef idx="0">
+        <a:scrgbClr r="0" g="0" b="0"/>
+      </a:effectRef>
+      <a:fontRef idx="minor">
+        <a:schemeClr val="lt1"/>
+      </a:fontRef>
+    </dgm:style>
+  </dgm:styleLbl>
+  <dgm:styleLbl name="fgImgPlace1">
+    <dgm:scene3d>
+      <a:camera prst="orthographicFront"/>
+      <a:lightRig rig="threePt" dir="t"/>
+    </dgm:scene3d>
+    <dgm:sp3d/>
+    <dgm:txPr/>
+    <dgm:style>
+      <a:lnRef idx="2">
+        <a:scrgbClr r="0" g="0" b="0"/>
+      </a:lnRef>
+      <a:fillRef idx="1">
+        <a:scrgbClr r="0" g="0" b="0"/>
+      </a:fillRef>
+      <a:effectRef idx="0">
+        <a:scrgbClr r="0" g="0" b="0"/>
+      </a:effectRef>
+      <a:fontRef idx="minor"/>
+    </dgm:style>
+  </dgm:styleLbl>
+  <dgm:styleLbl name="alignImgPlace1">
+    <dgm:scene3d>
+      <a:camera prst="orthographicFront"/>
+      <a:lightRig rig="threePt" dir="t"/>
+    </dgm:scene3d>
+    <dgm:sp3d/>
+    <dgm:txPr/>
+    <dgm:style>
+      <a:lnRef idx="2">
+        <a:scrgbClr r="0" g="0" b="0"/>
+      </a:lnRef>
+      <a:fillRef idx="1">
+        <a:scrgbClr r="0" g="0" b="0"/>
+      </a:fillRef>
+      <a:effectRef idx="0">
+        <a:scrgbClr r="0" g="0" b="0"/>
+      </a:effectRef>
+      <a:fontRef idx="minor"/>
+    </dgm:style>
+  </dgm:styleLbl>
+  <dgm:styleLbl name="bgImgPlace1">
+    <dgm:scene3d>
+      <a:camera prst="orthographicFront"/>
+      <a:lightRig rig="threePt" dir="t"/>
+    </dgm:scene3d>
+    <dgm:sp3d/>
+    <dgm:txPr/>
+    <dgm:style>
+      <a:lnRef idx="2">
+        <a:scrgbClr r="0" g="0" b="0"/>
+      </a:lnRef>
+      <a:fillRef idx="1">
+        <a:scrgbClr r="0" g="0" b="0"/>
+      </a:fillRef>
+      <a:effectRef idx="0">
+        <a:scrgbClr r="0" g="0" b="0"/>
+      </a:effectRef>
+      <a:fontRef idx="minor"/>
+    </dgm:style>
+  </dgm:styleLbl>
+  <dgm:styleLbl name="sibTrans2D1">
+    <dgm:scene3d>
+      <a:camera prst="orthographicFront"/>
+      <a:lightRig rig="threePt" dir="t"/>
+    </dgm:scene3d>
+    <dgm:sp3d/>
+    <dgm:txPr/>
+    <dgm:style>
+      <a:lnRef idx="0">
+        <a:scrgbClr r="0" g="0" b="0"/>
+      </a:lnRef>
+      <a:fillRef idx="1">
+        <a:scrgbClr r="0" g="0" b="0"/>
+      </a:fillRef>
+      <a:effectRef idx="0">
+        <a:scrgbClr r="0" g="0" b="0"/>
+      </a:effectRef>
+      <a:fontRef idx="minor">
+        <a:schemeClr val="lt1"/>
+      </a:fontRef>
+    </dgm:style>
+  </dgm:styleLbl>
+  <dgm:styleLbl name="fgSibTrans2D1">
+    <dgm:scene3d>
+      <a:camera prst="orthographicFront"/>
+      <a:lightRig rig="threePt" dir="t"/>
+    </dgm:scene3d>
+    <dgm:sp3d/>
+    <dgm:txPr/>
+    <dgm:style>
+      <a:lnRef idx="0">
+        <a:scrgbClr r="0" g="0" b="0"/>
+      </a:lnRef>
+      <a:fillRef idx="1">
+        <a:scrgbClr r="0" g="0" b="0"/>
+      </a:fillRef>
+      <a:effectRef idx="0">
+        <a:scrgbClr r="0" g="0" b="0"/>
+      </a:effectRef>
+      <a:fontRef idx="minor">
+        <a:schemeClr val="lt1"/>
+      </a:fontRef>
+    </dgm:style>
+  </dgm:styleLbl>
+  <dgm:styleLbl name="bgSibTrans2D1">
+    <dgm:scene3d>
+      <a:camera prst="orthographicFront"/>
+      <a:lightRig rig="threePt" dir="t"/>
+    </dgm:scene3d>
+    <dgm:sp3d/>
+    <dgm:txPr/>
+    <dgm:style>
+      <a:lnRef idx="0">
+        <a:scrgbClr r="0" g="0" b="0"/>
+      </a:lnRef>
+      <a:fillRef idx="1">
+        <a:scrgbClr r="0" g="0" b="0"/>
+      </a:fillRef>
+      <a:effectRef idx="0">
+        <a:scrgbClr r="0" g="0" b="0"/>
+      </a:effectRef>
+      <a:fontRef idx="minor">
+        <a:schemeClr val="lt1"/>
+      </a:fontRef>
+    </dgm:style>
+  </dgm:styleLbl>
+  <dgm:styleLbl name="sibTrans1D1">
+    <dgm:scene3d>
+      <a:camera prst="orthographicFront"/>
+      <a:lightRig rig="threePt" dir="t"/>
+    </dgm:scene3d>
+    <dgm:sp3d/>
+    <dgm:txPr/>
+    <dgm:style>
+      <a:lnRef idx="1">
+        <a:scrgbClr r="0" g="0" b="0"/>
+      </a:lnRef>
+      <a:fillRef idx="0">
+        <a:scrgbClr r="0" g="0" b="0"/>
+      </a:fillRef>
+      <a:effectRef idx="0">
+        <a:scrgbClr r="0" g="0" b="0"/>
+      </a:effectRef>
+      <a:fontRef idx="minor"/>
+    </dgm:style>
+  </dgm:styleLbl>
+  <dgm:styleLbl name="callout">
+    <dgm:scene3d>
+      <a:camera prst="orthographicFront"/>
+      <a:lightRig rig="threePt" dir="t"/>
+    </dgm:scene3d>
+    <dgm:sp3d/>
+    <dgm:txPr/>
+    <dgm:style>
+      <a:lnRef idx="2">
+        <a:scrgbClr r="0" g="0" b="0"/>
+      </a:lnRef>
+      <a:fillRef idx="1">
+        <a:scrgbClr r="0" g="0" b="0"/>
+      </a:fillRef>
+      <a:effectRef idx="0">
+        <a:scrgbClr r="0" g="0" b="0"/>
+      </a:effectRef>
+      <a:fontRef idx="minor"/>
+    </dgm:style>
+  </dgm:styleLbl>
+  <dgm:styleLbl name="asst0">
+    <dgm:scene3d>
+      <a:camera prst="orthographicFront"/>
+      <a:lightRig rig="threePt" dir="t"/>
+    </dgm:scene3d>
+    <dgm:sp3d/>
+    <dgm:txPr/>
+    <dgm:style>
+      <a:lnRef idx="2">
+        <a:scrgbClr r="0" g="0" b="0"/>
+      </a:lnRef>
+      <a:fillRef idx="1">
+        <a:scrgbClr r="0" g="0" b="0"/>
+      </a:fillRef>
+      <a:effectRef idx="0">
+        <a:scrgbClr r="0" g="0" b="0"/>
+      </a:effectRef>
+      <a:fontRef idx="minor">
+        <a:schemeClr val="lt1"/>
+      </a:fontRef>
+    </dgm:style>
+  </dgm:styleLbl>
+  <dgm:styleLbl name="asst1">
+    <dgm:scene3d>
+      <a:camera prst="orthographicFront"/>
+      <a:lightRig rig="threePt" dir="t"/>
+    </dgm:scene3d>
+    <dgm:sp3d/>
+    <dgm:txPr/>
+    <dgm:style>
+      <a:lnRef idx="2">
+        <a:scrgbClr r="0" g="0" b="0"/>
+      </a:lnRef>
+      <a:fillRef idx="1">
+        <a:scrgbClr r="0" g="0" b="0"/>
+      </a:fillRef>
+      <a:effectRef idx="0">
+        <a:scrgbClr r="0" g="0" b="0"/>
+      </a:effectRef>
+      <a:fontRef idx="minor">
+        <a:schemeClr val="lt1"/>
+      </a:fontRef>
+    </dgm:style>
+  </dgm:styleLbl>
+  <dgm:styleLbl name="asst2">
+    <dgm:scene3d>
+      <a:camera prst="orthographicFront"/>
+      <a:lightRig rig="threePt" dir="t"/>
+    </dgm:scene3d>
+    <dgm:sp3d/>
+    <dgm:txPr/>
+    <dgm:style>
+      <a:lnRef idx="2">
+        <a:scrgbClr r="0" g="0" b="0"/>
+      </a:lnRef>
+      <a:fillRef idx="1">
+        <a:scrgbClr r="0" g="0" b="0"/>
+      </a:fillRef>
+      <a:effectRef idx="0">
+        <a:scrgbClr r="0" g="0" b="0"/>
+      </a:effectRef>
+      <a:fontRef idx="minor">
+        <a:schemeClr val="lt1"/>
+      </a:fontRef>
+    </dgm:style>
+  </dgm:styleLbl>
+  <dgm:styleLbl name="asst3">
+    <dgm:scene3d>
+      <a:camera prst="orthographicFront"/>
+      <a:lightRig rig="threePt" dir="t"/>
+    </dgm:scene3d>
+    <dgm:sp3d/>
+    <dgm:txPr/>
+    <dgm:style>
+      <a:lnRef idx="2">
+        <a:scrgbClr r="0" g="0" b="0"/>
+      </a:lnRef>
+      <a:fillRef idx="1">
+        <a:scrgbClr r="0" g="0" b="0"/>
+      </a:fillRef>
+      <a:effectRef idx="0">
+        <a:scrgbClr r="0" g="0" b="0"/>
+      </a:effectRef>
+      <a:fontRef idx="minor">
+        <a:schemeClr val="lt1"/>
+      </a:fontRef>
+    </dgm:style>
+  </dgm:styleLbl>
+  <dgm:styleLbl name="asst4">
+    <dgm:scene3d>
+      <a:camera prst="orthographicFront"/>
+      <a:lightRig rig="threePt" dir="t"/>
+    </dgm:scene3d>
+    <dgm:sp3d/>
+    <dgm:txPr/>
+    <dgm:style>
+      <a:lnRef idx="2">
+        <a:scrgbClr r="0" g="0" b="0"/>
+      </a:lnRef>
+      <a:fillRef idx="1">
+        <a:scrgbClr r="0" g="0" b="0"/>
+      </a:fillRef>
+      <a:effectRef idx="0">
+        <a:scrgbClr r="0" g="0" b="0"/>
+      </a:effectRef>
+      <a:fontRef idx="minor">
+        <a:schemeClr val="lt1"/>
+      </a:fontRef>
+    </dgm:style>
+  </dgm:styleLbl>
+  <dgm:styleLbl name="parChTrans2D1">
+    <dgm:scene3d>
+      <a:camera prst="orthographicFront"/>
+      <a:lightRig rig="threePt" dir="t"/>
+    </dgm:scene3d>
+    <dgm:sp3d/>
+    <dgm:txPr/>
+    <dgm:style>
+      <a:lnRef idx="2">
+        <a:scrgbClr r="0" g="0" b="0"/>
+      </a:lnRef>
+      <a:fillRef idx="1">
+        <a:scrgbClr r="0" g="0" b="0"/>
+      </a:fillRef>
+      <a:effectRef idx="0">
+        <a:scrgbClr r="0" g="0" b="0"/>
+      </a:effectRef>
+      <a:fontRef idx="minor">
+        <a:schemeClr val="lt1"/>
+      </a:fontRef>
+    </dgm:style>
+  </dgm:styleLbl>
+  <dgm:styleLbl name="parChTrans2D2">
+    <dgm:scene3d>
+      <a:camera prst="orthographicFront"/>
+      <a:lightRig rig="threePt" dir="t"/>
+    </dgm:scene3d>
+    <dgm:sp3d/>
+    <dgm:txPr/>
+    <dgm:style>
+      <a:lnRef idx="2">
+        <a:scrgbClr r="0" g="0" b="0"/>
+      </a:lnRef>
+      <a:fillRef idx="1">
+        <a:scrgbClr r="0" g="0" b="0"/>
+      </a:fillRef>
+      <a:effectRef idx="0">
+        <a:scrgbClr r="0" g="0" b="0"/>
+      </a:effectRef>
+      <a:fontRef idx="minor">
+        <a:schemeClr val="lt1"/>
+      </a:fontRef>
+    </dgm:style>
+  </dgm:styleLbl>
+  <dgm:styleLbl name="parChTrans2D3">
+    <dgm:scene3d>
+      <a:camera prst="orthographicFront"/>
+      <a:lightRig rig="threePt" dir="t"/>
+    </dgm:scene3d>
+    <dgm:sp3d/>
+    <dgm:txPr/>
+    <dgm:style>
+      <a:lnRef idx="2">
+        <a:scrgbClr r="0" g="0" b="0"/>
+      </a:lnRef>
+      <a:fillRef idx="1">
+        <a:scrgbClr r="0" g="0" b="0"/>
+      </a:fillRef>
+      <a:effectRef idx="0">
+        <a:scrgbClr r="0" g="0" b="0"/>
+      </a:effectRef>
+      <a:fontRef idx="minor">
+        <a:schemeClr val="lt1"/>
+      </a:fontRef>
+    </dgm:style>
+  </dgm:styleLbl>
+  <dgm:styleLbl name="parChTrans2D4">
+    <dgm:scene3d>
+      <a:camera prst="orthographicFront"/>
+      <a:lightRig rig="threePt" dir="t"/>
+    </dgm:scene3d>
+    <dgm:sp3d/>
+    <dgm:txPr/>
+    <dgm:style>
+      <a:lnRef idx="2">
+        <a:scrgbClr r="0" g="0" b="0"/>
+      </a:lnRef>
+      <a:fillRef idx="1">
+        <a:scrgbClr r="0" g="0" b="0"/>
+      </a:fillRef>
+      <a:effectRef idx="0">
+        <a:scrgbClr r="0" g="0" b="0"/>
+      </a:effectRef>
+      <a:fontRef idx="minor">
+        <a:schemeClr val="lt1"/>
+      </a:fontRef>
+    </dgm:style>
+  </dgm:styleLbl>
+  <dgm:styleLbl name="parChTrans1D1">
+    <dgm:scene3d>
+      <a:camera prst="orthographicFront"/>
+      <a:lightRig rig="threePt" dir="t"/>
+    </dgm:scene3d>
+    <dgm:sp3d/>
+    <dgm:txPr/>
+    <dgm:style>
+      <a:lnRef idx="2">
+        <a:scrgbClr r="0" g="0" b="0"/>
+      </a:lnRef>
+      <a:fillRef idx="0">
+        <a:scrgbClr r="0" g="0" b="0"/>
+      </a:fillRef>
+      <a:effectRef idx="0">
+        <a:scrgbClr r="0" g="0" b="0"/>
+      </a:effectRef>
+      <a:fontRef idx="minor"/>
+    </dgm:style>
+  </dgm:styleLbl>
+  <dgm:styleLbl name="parChTrans1D2">
+    <dgm:scene3d>
+      <a:camera prst="orthographicFront"/>
+      <a:lightRig rig="threePt" dir="t"/>
+    </dgm:scene3d>
+    <dgm:sp3d/>
+    <dgm:txPr/>
+    <dgm:style>
+      <a:lnRef idx="2">
+        <a:scrgbClr r="0" g="0" b="0"/>
+      </a:lnRef>
+      <a:fillRef idx="0">
+        <a:scrgbClr r="0" g="0" b="0"/>
+      </a:fillRef>
+      <a:effectRef idx="0">
+        <a:scrgbClr r="0" g="0" b="0"/>
+      </a:effectRef>
+      <a:fontRef idx="minor"/>
+    </dgm:style>
+  </dgm:styleLbl>
+  <dgm:styleLbl name="parChTrans1D3">
+    <dgm:scene3d>
+      <a:camera prst="orthographicFront"/>
+      <a:lightRig rig="threePt" dir="t"/>
+    </dgm:scene3d>
+    <dgm:sp3d/>
+    <dgm:txPr/>
+    <dgm:style>
+      <a:lnRef idx="2">
+        <a:scrgbClr r="0" g="0" b="0"/>
+      </a:lnRef>
+      <a:fillRef idx="0">
+        <a:scrgbClr r="0" g="0" b="0"/>
+      </a:fillRef>
+      <a:effectRef idx="0">
+        <a:scrgbClr r="0" g="0" b="0"/>
+      </a:effectRef>
+      <a:fontRef idx="minor"/>
+    </dgm:style>
+  </dgm:styleLbl>
+  <dgm:styleLbl name="parChTrans1D4">
+    <dgm:scene3d>
+      <a:camera prst="orthographicFront"/>
+      <a:lightRig rig="threePt" dir="t"/>
+    </dgm:scene3d>
+    <dgm:sp3d/>
+    <dgm:txPr/>
+    <dgm:style>
+      <a:lnRef idx="2">
+        <a:scrgbClr r="0" g="0" b="0"/>
+      </a:lnRef>
+      <a:fillRef idx="0">
+        <a:scrgbClr r="0" g="0" b="0"/>
+      </a:fillRef>
+      <a:effectRef idx="0">
+        <a:scrgbClr r="0" g="0" b="0"/>
+      </a:effectRef>
+      <a:fontRef idx="minor"/>
+    </dgm:style>
+  </dgm:styleLbl>
+  <dgm:styleLbl name="fgAcc1">
+    <dgm:scene3d>
+      <a:camera prst="orthographicFront"/>
+      <a:lightRig rig="threePt" dir="t"/>
+    </dgm:scene3d>
+    <dgm:sp3d/>
+    <dgm:txPr/>
+    <dgm:style>
+      <a:lnRef idx="2">
+        <a:scrgbClr r="0" g="0" b="0"/>
+      </a:lnRef>
+      <a:fillRef idx="1">
+        <a:scrgbClr r="0" g="0" b="0"/>
+      </a:fillRef>
+      <a:effectRef idx="0">
+        <a:scrgbClr r="0" g="0" b="0"/>
+      </a:effectRef>
+      <a:fontRef idx="minor"/>
+    </dgm:style>
+  </dgm:styleLbl>
+  <dgm:styleLbl name="conFgAcc1">
+    <dgm:scene3d>
+      <a:camera prst="orthographicFront"/>
+      <a:lightRig rig="threePt" dir="t"/>
+    </dgm:scene3d>
+    <dgm:sp3d/>
+    <dgm:txPr/>
+    <dgm:style>
+      <a:lnRef idx="2">
+        <a:scrgbClr r="0" g="0" b="0"/>
+      </a:lnRef>
+      <a:fillRef idx="1">
+        <a:scrgbClr r="0" g="0" b="0"/>
+      </a:fillRef>
+      <a:effectRef idx="0">
+        <a:scrgbClr r="0" g="0" b="0"/>
+      </a:effectRef>
+      <a:fontRef idx="minor"/>
+    </dgm:style>
+  </dgm:styleLbl>
+  <dgm:styleLbl name="alignAcc1">
+    <dgm:scene3d>
+      <a:camera prst="orthographicFront"/>
+      <a:lightRig rig="threePt" dir="t"/>
+    </dgm:scene3d>
+    <dgm:sp3d/>
+    <dgm:txPr/>
+    <dgm:style>
+      <a:lnRef idx="2">
+        <a:scrgbClr r="0" g="0" b="0"/>
+      </a:lnRef>
+      <a:fillRef idx="1">
+        <a:scrgbClr r="0" g="0" b="0"/>
+      </a:fillRef>
+      <a:effectRef idx="0">
+        <a:scrgbClr r="0" g="0" b="0"/>
+      </a:effectRef>
+      <a:fontRef idx="minor"/>
+    </dgm:style>
+  </dgm:styleLbl>
+  <dgm:styleLbl name="trAlignAcc1">
+    <dgm:scene3d>
+      <a:camera prst="orthographicFront"/>
+      <a:lightRig rig="threePt" dir="t"/>
+    </dgm:scene3d>
+    <dgm:sp3d/>
+    <dgm:txPr/>
+    <dgm:style>
+      <a:lnRef idx="1">
+        <a:scrgbClr r="0" g="0" b="0"/>
+      </a:lnRef>
+      <a:fillRef idx="1">
+        <a:scrgbClr r="0" g="0" b="0"/>
+      </a:fillRef>
+      <a:effectRef idx="0">
+        <a:scrgbClr r="0" g="0" b="0"/>
+      </a:effectRef>
+      <a:fontRef idx="minor"/>
+    </dgm:style>
+  </dgm:styleLbl>
+  <dgm:styleLbl name="bgAcc1">
+    <dgm:scene3d>
+      <a:camera prst="orthographicFront"/>
+      <a:lightRig rig="threePt" dir="t"/>
+    </dgm:scene3d>
+    <dgm:sp3d/>
+    <dgm:txPr/>
+    <dgm:style>
+      <a:lnRef idx="2">
+        <a:scrgbClr r="0" g="0" b="0"/>
+      </a:lnRef>
+      <a:fillRef idx="1">
+        <a:scrgbClr r="0" g="0" b="0"/>
+      </a:fillRef>
+      <a:effectRef idx="0">
+        <a:scrgbClr r="0" g="0" b="0"/>
+      </a:effectRef>
+      <a:fontRef idx="minor"/>
+    </dgm:style>
+  </dgm:styleLbl>
+  <dgm:styleLbl name="solidFgAcc1">
+    <dgm:scene3d>
+      <a:camera prst="orthographicFront"/>
+      <a:lightRig rig="threePt" dir="t"/>
+    </dgm:scene3d>
+    <dgm:sp3d/>
+    <dgm:txPr/>
+    <dgm:style>
+      <a:lnRef idx="2">
+        <a:scrgbClr r="0" g="0" b="0"/>
+      </a:lnRef>
+      <a:fillRef idx="1">
+        <a:scrgbClr r="0" g="0" b="0"/>
+      </a:fillRef>
+      <a:effectRef idx="0">
+        <a:scrgbClr r="0" g="0" b="0"/>
+      </a:effectRef>
+      <a:fontRef idx="minor"/>
+    </dgm:style>
+  </dgm:styleLbl>
+  <dgm:styleLbl name="solidAlignAcc1">
+    <dgm:scene3d>
+      <a:camera prst="orthographicFront"/>
+      <a:lightRig rig="threePt" dir="t"/>
+    </dgm:scene3d>
+    <dgm:sp3d/>
+    <dgm:txPr/>
+    <dgm:style>
+      <a:lnRef idx="2">
+        <a:scrgbClr r="0" g="0" b="0"/>
+      </a:lnRef>
+      <a:fillRef idx="1">
+        <a:scrgbClr r="0" g="0" b="0"/>
+      </a:fillRef>
+      <a:effectRef idx="0">
+        <a:scrgbClr r="0" g="0" b="0"/>
+      </a:effectRef>
+      <a:fontRef idx="minor"/>
+    </dgm:style>
+  </dgm:styleLbl>
+  <dgm:styleLbl name="solidBgAcc1">
+    <dgm:scene3d>
+      <a:camera prst="orthographicFront"/>
+      <a:lightRig rig="threePt" dir="t"/>
+    </dgm:scene3d>
+    <dgm:sp3d/>
+    <dgm:txPr/>
+    <dgm:style>
+      <a:lnRef idx="2">
+        <a:scrgbClr r="0" g="0" b="0"/>
+      </a:lnRef>
+      <a:fillRef idx="1">
+        <a:scrgbClr r="0" g="0" b="0"/>
+      </a:fillRef>
+      <a:effectRef idx="0">
+        <a:scrgbClr r="0" g="0" b="0"/>
+      </a:effectRef>
+      <a:fontRef idx="minor"/>
+    </dgm:style>
+  </dgm:styleLbl>
+  <dgm:styleLbl name="fgAccFollowNode1">
+    <dgm:scene3d>
+      <a:camera prst="orthographicFront"/>
+      <a:lightRig rig="threePt" dir="t"/>
+    </dgm:scene3d>
+    <dgm:sp3d/>
+    <dgm:txPr/>
+    <dgm:style>
+      <a:lnRef idx="2">
+        <a:scrgbClr r="0" g="0" b="0"/>
+      </a:lnRef>
+      <a:fillRef idx="1">
+        <a:scrgbClr r="0" g="0" b="0"/>
+      </a:fillRef>
+      <a:effectRef idx="0">
+        <a:scrgbClr r="0" g="0" b="0"/>
+      </a:effectRef>
+      <a:fontRef idx="minor"/>
+    </dgm:style>
+  </dgm:styleLbl>
+  <dgm:styleLbl name="alignAccFollowNode1">
+    <dgm:scene3d>
+      <a:camera prst="orthographicFront"/>
+      <a:lightRig rig="threePt" dir="t"/>
+    </dgm:scene3d>
+    <dgm:sp3d/>
+    <dgm:txPr/>
+    <dgm:style>
+      <a:lnRef idx="2">
+        <a:scrgbClr r="0" g="0" b="0"/>
+      </a:lnRef>
+      <a:fillRef idx="1">
+        <a:scrgbClr r="0" g="0" b="0"/>
+      </a:fillRef>
+      <a:effectRef idx="0">
+        <a:scrgbClr r="0" g="0" b="0"/>
+      </a:effectRef>
+      <a:fontRef idx="minor"/>
+    </dgm:style>
+  </dgm:styleLbl>
+  <dgm:styleLbl name="bgAccFollowNode1">
+    <dgm:scene3d>
+      <a:camera prst="orthographicFront"/>
+      <a:lightRig rig="threePt" dir="t"/>
+    </dgm:scene3d>
+    <dgm:sp3d/>
+    <dgm:txPr/>
+    <dgm:style>
+      <a:lnRef idx="2">
+        <a:scrgbClr r="0" g="0" b="0"/>
+      </a:lnRef>
+      <a:fillRef idx="1">
+        <a:scrgbClr r="0" g="0" b="0"/>
+      </a:fillRef>
+      <a:effectRef idx="0">
+        <a:scrgbClr r="0" g="0" b="0"/>
+      </a:effectRef>
+      <a:fontRef idx="minor"/>
+    </dgm:style>
+  </dgm:styleLbl>
+  <dgm:styleLbl name="fgAcc0">
+    <dgm:scene3d>
+      <a:camera prst="orthographicFront"/>
+      <a:lightRig rig="threePt" dir="t"/>
+    </dgm:scene3d>
+    <dgm:sp3d/>
+    <dgm:txPr/>
+    <dgm:style>
+      <a:lnRef idx="2">
+        <a:scrgbClr r="0" g="0" b="0"/>
+      </a:lnRef>
+      <a:fillRef idx="1">
+        <a:scrgbClr r="0" g="0" b="0"/>
+      </a:fillRef>
+      <a:effectRef idx="0">
+        <a:scrgbClr r="0" g="0" b="0"/>
+      </a:effectRef>
+      <a:fontRef idx="minor"/>
+    </dgm:style>
+  </dgm:styleLbl>
+  <dgm:styleLbl name="fgAcc2">
+    <dgm:scene3d>
+      <a:camera prst="orthographicFront"/>
+      <a:lightRig rig="threePt" dir="t"/>
+    </dgm:scene3d>
+    <dgm:sp3d/>
+    <dgm:txPr/>
+    <dgm:style>
+      <a:lnRef idx="2">
+        <a:scrgbClr r="0" g="0" b="0"/>
+      </a:lnRef>
+      <a:fillRef idx="1">
+        <a:scrgbClr r="0" g="0" b="0"/>
+      </a:fillRef>
+      <a:effectRef idx="0">
+        <a:scrgbClr r="0" g="0" b="0"/>
+      </a:effectRef>
+      <a:fontRef idx="minor"/>
+    </dgm:style>
+  </dgm:styleLbl>
+  <dgm:styleLbl name="fgAcc3">
+    <dgm:scene3d>
+      <a:camera prst="orthographicFront"/>
+      <a:lightRig rig="threePt" dir="t"/>
+    </dgm:scene3d>
+    <dgm:sp3d/>
+    <dgm:txPr/>
+    <dgm:style>
+      <a:lnRef idx="2">
+        <a:scrgbClr r="0" g="0" b="0"/>
+      </a:lnRef>
+      <a:fillRef idx="1">
+        <a:scrgbClr r="0" g="0" b="0"/>
+      </a:fillRef>
+      <a:effectRef idx="0">
+        <a:scrgbClr r="0" g="0" b="0"/>
+      </a:effectRef>
+      <a:fontRef idx="minor"/>
+    </dgm:style>
+  </dgm:styleLbl>
+  <dgm:styleLbl name="fgAcc4">
+    <dgm:scene3d>
+      <a:camera prst="orthographicFront"/>
+      <a:lightRig rig="threePt" dir="t"/>
+    </dgm:scene3d>
+    <dgm:sp3d/>
+    <dgm:txPr/>
+    <dgm:style>
+      <a:lnRef idx="2">
+        <a:scrgbClr r="0" g="0" b="0"/>
+      </a:lnRef>
+      <a:fillRef idx="1">
+        <a:scrgbClr r="0" g="0" b="0"/>
+      </a:fillRef>
+      <a:effectRef idx="0">
+        <a:scrgbClr r="0" g="0" b="0"/>
+      </a:effectRef>
+      <a:fontRef idx="minor"/>
+    </dgm:style>
+  </dgm:styleLbl>
+  <dgm:styleLbl name="bgShp">
+    <dgm:scene3d>
+      <a:camera prst="orthographicFront"/>
+      <a:lightRig rig="threePt" dir="t"/>
+    </dgm:scene3d>
+    <dgm:sp3d/>
+    <dgm:txPr/>
+    <dgm:style>
+      <a:lnRef idx="0">
+        <a:scrgbClr r="0" g="0" b="0"/>
+      </a:lnRef>
+      <a:fillRef idx="1">
+        <a:scrgbClr r="0" g="0" b="0"/>
+      </a:fillRef>
+      <a:effectRef idx="0">
+        <a:scrgbClr r="0" g="0" b="0"/>
+      </a:effectRef>
+      <a:fontRef idx="minor"/>
+    </dgm:style>
+  </dgm:styleLbl>
+  <dgm:styleLbl name="dkBgShp">
+    <dgm:scene3d>
+      <a:camera prst="orthographicFront"/>
+      <a:lightRig rig="threePt" dir="t"/>
+    </dgm:scene3d>
+    <dgm:sp3d/>
+    <dgm:txPr/>
+    <dgm:style>
+      <a:lnRef idx="0">
+        <a:scrgbClr r="0" g="0" b="0"/>
+      </a:lnRef>
+      <a:fillRef idx="1">
+        <a:scrgbClr r="0" g="0" b="0"/>
+      </a:fillRef>
+      <a:effectRef idx="0">
+        <a:scrgbClr r="0" g="0" b="0"/>
+      </a:effectRef>
+      <a:fontRef idx="minor"/>
+    </dgm:style>
+  </dgm:styleLbl>
+  <dgm:styleLbl name="trBgShp">
+    <dgm:scene3d>
+      <a:camera prst="orthographicFront"/>
+      <a:lightRig rig="threePt" dir="t"/>
+    </dgm:scene3d>
+    <dgm:sp3d/>
+    <dgm:txPr/>
+    <dgm:style>
+      <a:lnRef idx="0">
+        <a:scrgbClr r="0" g="0" b="0"/>
+      </a:lnRef>
+      <a:fillRef idx="1">
+        <a:scrgbClr r="0" g="0" b="0"/>
+      </a:fillRef>
+      <a:effectRef idx="0">
+        <a:scrgbClr r="0" g="0" b="0"/>
+      </a:effectRef>
+      <a:fontRef idx="minor"/>
+    </dgm:style>
+  </dgm:styleLbl>
+  <dgm:styleLbl name="fgShp">
+    <dgm:scene3d>
+      <a:camera prst="orthographicFront"/>
+      <a:lightRig rig="threePt" dir="t"/>
+    </dgm:scene3d>
+    <dgm:sp3d/>
+    <dgm:txPr/>
+    <dgm:style>
+      <a:lnRef idx="2">
+        <a:scrgbClr r="0" g="0" b="0"/>
+      </a:lnRef>
+      <a:fillRef idx="1">
+        <a:scrgbClr r="0" g="0" b="0"/>
+      </a:fillRef>
+      <a:effectRef idx="0">
+        <a:scrgbClr r="0" g="0" b="0"/>
+      </a:effectRef>
+      <a:fontRef idx="minor"/>
+    </dgm:style>
+  </dgm:styleLbl>
+  <dgm:styleLbl name="revTx">
+    <dgm:scene3d>
+      <a:camera prst="orthographicFront"/>
+      <a:lightRig rig="threePt" dir="t"/>
+    </dgm:scene3d>
+    <dgm:sp3d/>
+    <dgm:txPr/>
+    <dgm:style>
+      <a:lnRef idx="0">
+        <a:scrgbClr r="0" g="0" b="0"/>
+      </a:lnRef>
+      <a:fillRef idx="0">
+        <a:scrgbClr r="0" g="0" b="0"/>
+      </a:fillRef>
+      <a:effectRef idx="0">
+        <a:scrgbClr r="0" g="0" b="0"/>
+      </a:effectRef>
+      <a:fontRef idx="minor"/>
+    </dgm:style>
+  </dgm:styleLbl>
+</dgm:styleDef>
+</file>
+
 <file path=ppt/slideLayouts/slideLayout1.xml><?xml version="1.0" encoding="utf-8"?>
 <p:sldLayout xmlns:a="http://schemas.openxmlformats.org/drawingml/2006/main" xmlns:r="http://schemas.openxmlformats.org/officeDocument/2006/relationships" xmlns:p="http://schemas.openxmlformats.org/presentationml/2006/main" type="title" preserve="1">
   <p:cSld name="Diapositive de titre">
@@ -244,7 +4633,7 @@
           <a:p>
             <a:fld id="{497B6CEF-B38E-4BEE-905B-6E4AA97D29E7}" type="datetimeFigureOut">
               <a:rPr lang="en-US" smtClean="0"/>
-              <a:t>2/13/2025</a:t>
+              <a:t>6/26/2025</a:t>
             </a:fld>
             <a:endParaRPr lang="en-US"/>
           </a:p>
@@ -414,7 +4803,7 @@
           <a:p>
             <a:fld id="{497B6CEF-B38E-4BEE-905B-6E4AA97D29E7}" type="datetimeFigureOut">
               <a:rPr lang="en-US" smtClean="0"/>
-              <a:t>2/13/2025</a:t>
+              <a:t>6/26/2025</a:t>
             </a:fld>
             <a:endParaRPr lang="en-US"/>
           </a:p>
@@ -594,7 +4983,7 @@
           <a:p>
             <a:fld id="{497B6CEF-B38E-4BEE-905B-6E4AA97D29E7}" type="datetimeFigureOut">
               <a:rPr lang="en-US" smtClean="0"/>
-              <a:t>2/13/2025</a:t>
+              <a:t>6/26/2025</a:t>
             </a:fld>
             <a:endParaRPr lang="en-US"/>
           </a:p>
@@ -764,7 +5153,7 @@
           <a:p>
             <a:fld id="{497B6CEF-B38E-4BEE-905B-6E4AA97D29E7}" type="datetimeFigureOut">
               <a:rPr lang="en-US" smtClean="0"/>
-              <a:t>2/13/2025</a:t>
+              <a:t>6/26/2025</a:t>
             </a:fld>
             <a:endParaRPr lang="en-US"/>
           </a:p>
@@ -1010,7 +5399,7 @@
           <a:p>
             <a:fld id="{497B6CEF-B38E-4BEE-905B-6E4AA97D29E7}" type="datetimeFigureOut">
               <a:rPr lang="en-US" smtClean="0"/>
-              <a:t>2/13/2025</a:t>
+              <a:t>6/26/2025</a:t>
             </a:fld>
             <a:endParaRPr lang="en-US"/>
           </a:p>
@@ -1242,7 +5631,7 @@
           <a:p>
             <a:fld id="{497B6CEF-B38E-4BEE-905B-6E4AA97D29E7}" type="datetimeFigureOut">
               <a:rPr lang="en-US" smtClean="0"/>
-              <a:t>2/13/2025</a:t>
+              <a:t>6/26/2025</a:t>
             </a:fld>
             <a:endParaRPr lang="en-US"/>
           </a:p>
@@ -1609,7 +5998,7 @@
           <a:p>
             <a:fld id="{497B6CEF-B38E-4BEE-905B-6E4AA97D29E7}" type="datetimeFigureOut">
               <a:rPr lang="en-US" smtClean="0"/>
-              <a:t>2/13/2025</a:t>
+              <a:t>6/26/2025</a:t>
             </a:fld>
             <a:endParaRPr lang="en-US"/>
           </a:p>
@@ -1727,7 +6116,7 @@
           <a:p>
             <a:fld id="{497B6CEF-B38E-4BEE-905B-6E4AA97D29E7}" type="datetimeFigureOut">
               <a:rPr lang="en-US" smtClean="0"/>
-              <a:t>2/13/2025</a:t>
+              <a:t>6/26/2025</a:t>
             </a:fld>
             <a:endParaRPr lang="en-US"/>
           </a:p>
@@ -1822,7 +6211,7 @@
           <a:p>
             <a:fld id="{497B6CEF-B38E-4BEE-905B-6E4AA97D29E7}" type="datetimeFigureOut">
               <a:rPr lang="en-US" smtClean="0"/>
-              <a:t>2/13/2025</a:t>
+              <a:t>6/26/2025</a:t>
             </a:fld>
             <a:endParaRPr lang="en-US"/>
           </a:p>
@@ -2099,7 +6488,7 @@
           <a:p>
             <a:fld id="{497B6CEF-B38E-4BEE-905B-6E4AA97D29E7}" type="datetimeFigureOut">
               <a:rPr lang="en-US" smtClean="0"/>
-              <a:t>2/13/2025</a:t>
+              <a:t>6/26/2025</a:t>
             </a:fld>
             <a:endParaRPr lang="en-US"/>
           </a:p>
@@ -2352,7 +6741,7 @@
           <a:p>
             <a:fld id="{497B6CEF-B38E-4BEE-905B-6E4AA97D29E7}" type="datetimeFigureOut">
               <a:rPr lang="en-US" smtClean="0"/>
-              <a:t>2/13/2025</a:t>
+              <a:t>6/26/2025</a:t>
             </a:fld>
             <a:endParaRPr lang="en-US"/>
           </a:p>
@@ -2565,7 +6954,7 @@
           <a:p>
             <a:fld id="{497B6CEF-B38E-4BEE-905B-6E4AA97D29E7}" type="datetimeFigureOut">
               <a:rPr lang="en-US" smtClean="0"/>
-              <a:t>2/13/2025</a:t>
+              <a:t>6/26/2025</a:t>
             </a:fld>
             <a:endParaRPr lang="en-US"/>
           </a:p>
@@ -5199,6 +9588,3914 @@
 </p:sld>
 </file>
 
+<file path=ppt/slides/slide3.xml><?xml version="1.0" encoding="utf-8"?>
+<p:sld xmlns:a="http://schemas.openxmlformats.org/drawingml/2006/main" xmlns:r="http://schemas.openxmlformats.org/officeDocument/2006/relationships" xmlns:p="http://schemas.openxmlformats.org/presentationml/2006/main">
+  <p:cSld>
+    <p:spTree>
+      <p:nvGrpSpPr>
+        <p:cNvPr id="1" name=""/>
+        <p:cNvGrpSpPr/>
+        <p:nvPr/>
+      </p:nvGrpSpPr>
+      <p:grpSpPr>
+        <a:xfrm>
+          <a:off x="0" y="0"/>
+          <a:ext cx="0" cy="0"/>
+          <a:chOff x="0" y="0"/>
+          <a:chExt cx="0" cy="0"/>
+        </a:xfrm>
+      </p:grpSpPr>
+      <p:graphicFrame>
+        <p:nvGraphicFramePr>
+          <p:cNvPr id="4" name="Espace réservé du contenu 3"/>
+          <p:cNvGraphicFramePr>
+            <a:graphicFrameLocks noGrp="1"/>
+          </p:cNvGraphicFramePr>
+          <p:nvPr>
+            <p:ph idx="1"/>
+            <p:extLst>
+              <p:ext uri="{D42A27DB-BD31-4B8C-83A1-F6EECF244321}">
+                <p14:modId xmlns:p14="http://schemas.microsoft.com/office/powerpoint/2010/main" val="2016302924"/>
+              </p:ext>
+            </p:extLst>
+          </p:nvPr>
+        </p:nvGraphicFramePr>
+        <p:xfrm>
+          <a:off x="-340151" y="666128"/>
+          <a:ext cx="12406459" cy="4351338"/>
+        </p:xfrm>
+        <a:graphic>
+          <a:graphicData uri="http://schemas.openxmlformats.org/drawingml/2006/diagram">
+            <dgm:relIds xmlns:dgm="http://schemas.openxmlformats.org/drawingml/2006/diagram" xmlns:r="http://schemas.openxmlformats.org/officeDocument/2006/relationships" r:dm="rId2" r:lo="rId3" r:qs="rId4" r:cs="rId5"/>
+          </a:graphicData>
+        </a:graphic>
+      </p:graphicFrame>
+    </p:spTree>
+    <p:extLst>
+      <p:ext uri="{BB962C8B-B14F-4D97-AF65-F5344CB8AC3E}">
+        <p14:creationId xmlns:p14="http://schemas.microsoft.com/office/powerpoint/2010/main" val="2721106285"/>
+      </p:ext>
+    </p:extLst>
+  </p:cSld>
+  <p:clrMapOvr>
+    <a:masterClrMapping/>
+  </p:clrMapOvr>
+</p:sld>
+</file>
+
+<file path=ppt/slides/slide4.xml><?xml version="1.0" encoding="utf-8"?>
+<p:sld xmlns:a="http://schemas.openxmlformats.org/drawingml/2006/main" xmlns:r="http://schemas.openxmlformats.org/officeDocument/2006/relationships" xmlns:p="http://schemas.openxmlformats.org/presentationml/2006/main">
+  <p:cSld>
+    <p:spTree>
+      <p:nvGrpSpPr>
+        <p:cNvPr id="1" name=""/>
+        <p:cNvGrpSpPr/>
+        <p:nvPr/>
+      </p:nvGrpSpPr>
+      <p:grpSpPr>
+        <a:xfrm>
+          <a:off x="0" y="0"/>
+          <a:ext cx="0" cy="0"/>
+          <a:chOff x="0" y="0"/>
+          <a:chExt cx="0" cy="0"/>
+        </a:xfrm>
+      </p:grpSpPr>
+      <p:sp>
+        <p:nvSpPr>
+          <p:cNvPr id="54" name="Oval 86">
+            <a:extLst>
+              <a:ext uri="{FF2B5EF4-FFF2-40B4-BE49-F238E27FC236}">
+                <a16:creationId xmlns:a16="http://schemas.microsoft.com/office/drawing/2014/main" id="{AC056079-246B-489E-9B87-4D4AA7A02C1A}"/>
+              </a:ext>
+            </a:extLst>
+          </p:cNvPr>
+          <p:cNvSpPr/>
+          <p:nvPr/>
+        </p:nvSpPr>
+        <p:spPr>
+          <a:xfrm>
+            <a:off x="10775482" y="2850846"/>
+            <a:ext cx="861230" cy="843304"/>
+          </a:xfrm>
+          <a:prstGeom prst="ellipse">
+            <a:avLst/>
+          </a:prstGeom>
+          <a:solidFill>
+            <a:schemeClr val="bg1"/>
+          </a:solidFill>
+          <a:ln>
+            <a:noFill/>
+          </a:ln>
+          <a:effectLst>
+            <a:outerShdw blurRad="190500" dist="88900" dir="2700000" algn="tl" rotWithShape="0">
+              <a:prstClr val="black">
+                <a:alpha val="30000"/>
+              </a:prstClr>
+            </a:outerShdw>
+          </a:effectLst>
+        </p:spPr>
+        <p:style>
+          <a:lnRef idx="2">
+            <a:schemeClr val="accent1">
+              <a:shade val="50000"/>
+            </a:schemeClr>
+          </a:lnRef>
+          <a:fillRef idx="1">
+            <a:schemeClr val="accent1"/>
+          </a:fillRef>
+          <a:effectRef idx="0">
+            <a:schemeClr val="accent1"/>
+          </a:effectRef>
+          <a:fontRef idx="minor">
+            <a:schemeClr val="lt1"/>
+          </a:fontRef>
+        </p:style>
+        <p:txBody>
+          <a:bodyPr rtlCol="0" anchor="ctr"/>
+          <a:lstStyle/>
+          <a:p>
+            <a:pPr algn="ctr"/>
+            <a:endParaRPr lang="en-US"/>
+          </a:p>
+        </p:txBody>
+      </p:sp>
+      <p:grpSp>
+        <p:nvGrpSpPr>
+          <p:cNvPr id="55" name="Group 10">
+            <a:extLst>
+              <a:ext uri="{FF2B5EF4-FFF2-40B4-BE49-F238E27FC236}">
+                <a16:creationId xmlns:a16="http://schemas.microsoft.com/office/drawing/2014/main" id="{D63818D3-5EC8-4F42-B20F-C1EFFEBAD3E0}"/>
+              </a:ext>
+            </a:extLst>
+          </p:cNvPr>
+          <p:cNvGrpSpPr/>
+          <p:nvPr/>
+        </p:nvGrpSpPr>
+        <p:grpSpPr>
+          <a:xfrm>
+            <a:off x="254528" y="1269236"/>
+            <a:ext cx="11156536" cy="4496100"/>
+            <a:chOff x="-120328" y="1431574"/>
+            <a:chExt cx="12222045" cy="5078602"/>
+          </a:xfrm>
+        </p:grpSpPr>
+        <p:grpSp>
+          <p:nvGrpSpPr>
+            <p:cNvPr id="56" name="Group 16"/>
+            <p:cNvGrpSpPr/>
+            <p:nvPr>
+              <p:custDataLst>
+                <p:tags r:id="rId4"/>
+              </p:custDataLst>
+            </p:nvPr>
+          </p:nvGrpSpPr>
+          <p:grpSpPr>
+            <a:xfrm>
+              <a:off x="362029" y="2475071"/>
+              <a:ext cx="1096034" cy="2105027"/>
+              <a:chOff x="1031275" y="1781173"/>
+              <a:chExt cx="1371603" cy="2105027"/>
+            </a:xfrm>
+          </p:grpSpPr>
+          <p:sp>
+            <p:nvSpPr>
+              <p:cNvPr id="88" name="Arc 87"/>
+              <p:cNvSpPr/>
+              <p:nvPr/>
+            </p:nvSpPr>
+            <p:spPr>
+              <a:xfrm>
+                <a:off x="1031275" y="2514600"/>
+                <a:ext cx="1371603" cy="1371600"/>
+              </a:xfrm>
+              <a:prstGeom prst="arc">
+                <a:avLst>
+                  <a:gd name="adj1" fmla="val 10812873"/>
+                  <a:gd name="adj2" fmla="val 16131434"/>
+                </a:avLst>
+              </a:prstGeom>
+              <a:ln w="76200" cap="rnd">
+                <a:solidFill>
+                  <a:schemeClr val="accent2"/>
+                </a:solidFill>
+              </a:ln>
+            </p:spPr>
+            <p:style>
+              <a:lnRef idx="1">
+                <a:schemeClr val="accent1"/>
+              </a:lnRef>
+              <a:fillRef idx="0">
+                <a:schemeClr val="accent1"/>
+              </a:fillRef>
+              <a:effectRef idx="0">
+                <a:schemeClr val="accent1"/>
+              </a:effectRef>
+              <a:fontRef idx="minor">
+                <a:schemeClr val="tx1"/>
+              </a:fontRef>
+            </p:style>
+            <p:txBody>
+              <a:bodyPr rtlCol="0" anchor="ctr"/>
+              <a:lstStyle/>
+              <a:p>
+                <a:pPr algn="ctr"/>
+                <a:endParaRPr lang="en-US"/>
+              </a:p>
+            </p:txBody>
+          </p:sp>
+          <p:sp>
+            <p:nvSpPr>
+              <p:cNvPr id="90" name="Freeform 15"/>
+              <p:cNvSpPr/>
+              <p:nvPr/>
+            </p:nvSpPr>
+            <p:spPr>
+              <a:xfrm rot="5400000">
+                <a:off x="1321314" y="2124073"/>
+                <a:ext cx="731520" cy="45719"/>
+              </a:xfrm>
+              <a:custGeom>
+                <a:avLst/>
+                <a:gdLst>
+                  <a:gd name="connsiteX0" fmla="*/ 1403350 w 1403350"/>
+                  <a:gd name="connsiteY0" fmla="*/ 0 h 0"/>
+                  <a:gd name="connsiteX1" fmla="*/ 0 w 1403350"/>
+                  <a:gd name="connsiteY1" fmla="*/ 0 h 0"/>
+                </a:gdLst>
+                <a:ahLst/>
+                <a:cxnLst>
+                  <a:cxn ang="0">
+                    <a:pos x="connsiteX0" y="connsiteY0"/>
+                  </a:cxn>
+                  <a:cxn ang="0">
+                    <a:pos x="connsiteX1" y="connsiteY1"/>
+                  </a:cxn>
+                </a:cxnLst>
+                <a:rect l="l" t="t" r="r" b="b"/>
+                <a:pathLst>
+                  <a:path w="1403350">
+                    <a:moveTo>
+                      <a:pt x="1403350" y="0"/>
+                    </a:moveTo>
+                    <a:lnTo>
+                      <a:pt x="0" y="0"/>
+                    </a:lnTo>
+                  </a:path>
+                </a:pathLst>
+              </a:custGeom>
+              <a:ln w="76200" cap="rnd">
+                <a:solidFill>
+                  <a:schemeClr val="accent2"/>
+                </a:solidFill>
+                <a:headEnd type="none"/>
+                <a:tailEnd type="oval" w="med" len="med"/>
+              </a:ln>
+            </p:spPr>
+            <p:style>
+              <a:lnRef idx="1">
+                <a:schemeClr val="accent1"/>
+              </a:lnRef>
+              <a:fillRef idx="0">
+                <a:schemeClr val="accent1"/>
+              </a:fillRef>
+              <a:effectRef idx="0">
+                <a:schemeClr val="accent1"/>
+              </a:effectRef>
+              <a:fontRef idx="minor">
+                <a:schemeClr val="tx1"/>
+              </a:fontRef>
+            </p:style>
+            <p:txBody>
+              <a:bodyPr rtlCol="0" anchor="ctr"/>
+              <a:lstStyle/>
+              <a:p>
+                <a:pPr algn="ctr"/>
+                <a:endParaRPr lang="en-US"/>
+              </a:p>
+            </p:txBody>
+          </p:sp>
+        </p:grpSp>
+        <p:grpSp>
+          <p:nvGrpSpPr>
+            <p:cNvPr id="57" name="Group 2">
+              <a:extLst>
+                <a:ext uri="{FF2B5EF4-FFF2-40B4-BE49-F238E27FC236}">
+                  <a16:creationId xmlns:a16="http://schemas.microsoft.com/office/drawing/2014/main" id="{21F2F0F7-765F-43D5-A713-A96847DDD660}"/>
+                </a:ext>
+              </a:extLst>
+            </p:cNvPr>
+            <p:cNvGrpSpPr/>
+            <p:nvPr/>
+          </p:nvGrpSpPr>
+          <p:grpSpPr>
+            <a:xfrm>
+              <a:off x="-120328" y="1431574"/>
+              <a:ext cx="12222045" cy="5078602"/>
+              <a:chOff x="-120328" y="1431574"/>
+              <a:chExt cx="12222045" cy="5078602"/>
+            </a:xfrm>
+          </p:grpSpPr>
+          <p:grpSp>
+            <p:nvGrpSpPr>
+              <p:cNvPr id="58" name="Group 17"/>
+              <p:cNvGrpSpPr/>
+              <p:nvPr>
+                <p:custDataLst>
+                  <p:tags r:id="rId5"/>
+                </p:custDataLst>
+              </p:nvPr>
+            </p:nvGrpSpPr>
+            <p:grpSpPr>
+              <a:xfrm flipV="1">
+                <a:off x="1548100" y="3203744"/>
+                <a:ext cx="1900696" cy="2385242"/>
+                <a:chOff x="-44279" y="1432053"/>
+                <a:chExt cx="2410968" cy="2385242"/>
+              </a:xfrm>
+            </p:grpSpPr>
+            <p:sp>
+              <p:nvSpPr>
+                <p:cNvPr id="85" name="Arc 84"/>
+                <p:cNvSpPr/>
+                <p:nvPr/>
+              </p:nvSpPr>
+              <p:spPr>
+                <a:xfrm>
+                  <a:off x="627858" y="2445696"/>
+                  <a:ext cx="1738831" cy="1371599"/>
+                </a:xfrm>
+                <a:prstGeom prst="arc">
+                  <a:avLst>
+                    <a:gd name="adj1" fmla="val 10179004"/>
+                    <a:gd name="adj2" fmla="val 16387281"/>
+                  </a:avLst>
+                </a:prstGeom>
+                <a:ln w="76200" cap="rnd">
+                  <a:solidFill>
+                    <a:srgbClr val="3BA0BB"/>
+                  </a:solidFill>
+                </a:ln>
+              </p:spPr>
+              <p:style>
+                <a:lnRef idx="1">
+                  <a:schemeClr val="accent1"/>
+                </a:lnRef>
+                <a:fillRef idx="0">
+                  <a:schemeClr val="accent1"/>
+                </a:fillRef>
+                <a:effectRef idx="0">
+                  <a:schemeClr val="accent1"/>
+                </a:effectRef>
+                <a:fontRef idx="minor">
+                  <a:schemeClr val="tx1"/>
+                </a:fontRef>
+              </p:style>
+              <p:txBody>
+                <a:bodyPr rtlCol="0" anchor="ctr"/>
+                <a:lstStyle/>
+                <a:p>
+                  <a:pPr algn="ctr"/>
+                  <a:endParaRPr lang="en-US"/>
+                </a:p>
+              </p:txBody>
+            </p:sp>
+            <p:sp>
+              <p:nvSpPr>
+                <p:cNvPr id="86" name="Freeform 19"/>
+                <p:cNvSpPr/>
+                <p:nvPr/>
+              </p:nvSpPr>
+              <p:spPr>
+                <a:xfrm flipV="1">
+                  <a:off x="-44279" y="3128330"/>
+                  <a:ext cx="644416" cy="148624"/>
+                </a:xfrm>
+                <a:custGeom>
+                  <a:avLst/>
+                  <a:gdLst>
+                    <a:gd name="connsiteX0" fmla="*/ 1403350 w 1403350"/>
+                    <a:gd name="connsiteY0" fmla="*/ 0 h 0"/>
+                    <a:gd name="connsiteX1" fmla="*/ 0 w 1403350"/>
+                    <a:gd name="connsiteY1" fmla="*/ 0 h 0"/>
+                  </a:gdLst>
+                  <a:ahLst/>
+                  <a:cxnLst>
+                    <a:cxn ang="0">
+                      <a:pos x="connsiteX0" y="connsiteY0"/>
+                    </a:cxn>
+                    <a:cxn ang="0">
+                      <a:pos x="connsiteX1" y="connsiteY1"/>
+                    </a:cxn>
+                  </a:cxnLst>
+                  <a:rect l="l" t="t" r="r" b="b"/>
+                  <a:pathLst>
+                    <a:path w="1403350">
+                      <a:moveTo>
+                        <a:pt x="1403350" y="0"/>
+                      </a:moveTo>
+                      <a:lnTo>
+                        <a:pt x="0" y="0"/>
+                      </a:lnTo>
+                    </a:path>
+                  </a:pathLst>
+                </a:custGeom>
+                <a:ln w="76200" cap="rnd">
+                  <a:solidFill>
+                    <a:srgbClr val="3BA0BB"/>
+                  </a:solidFill>
+                </a:ln>
+              </p:spPr>
+              <p:style>
+                <a:lnRef idx="1">
+                  <a:schemeClr val="accent1"/>
+                </a:lnRef>
+                <a:fillRef idx="0">
+                  <a:schemeClr val="accent1"/>
+                </a:fillRef>
+                <a:effectRef idx="0">
+                  <a:schemeClr val="accent1"/>
+                </a:effectRef>
+                <a:fontRef idx="minor">
+                  <a:schemeClr val="tx1"/>
+                </a:fontRef>
+              </p:style>
+              <p:txBody>
+                <a:bodyPr rtlCol="0" anchor="ctr"/>
+                <a:lstStyle/>
+                <a:p>
+                  <a:pPr algn="ctr"/>
+                  <a:endParaRPr lang="en-US"/>
+                </a:p>
+              </p:txBody>
+            </p:sp>
+            <p:sp>
+              <p:nvSpPr>
+                <p:cNvPr id="87" name="Freeform 20"/>
+                <p:cNvSpPr/>
+                <p:nvPr/>
+              </p:nvSpPr>
+              <p:spPr>
+                <a:xfrm rot="5400000">
+                  <a:off x="1076784" y="1895081"/>
+                  <a:ext cx="1000417" cy="74361"/>
+                </a:xfrm>
+                <a:custGeom>
+                  <a:avLst/>
+                  <a:gdLst>
+                    <a:gd name="connsiteX0" fmla="*/ 1403350 w 1403350"/>
+                    <a:gd name="connsiteY0" fmla="*/ 0 h 0"/>
+                    <a:gd name="connsiteX1" fmla="*/ 0 w 1403350"/>
+                    <a:gd name="connsiteY1" fmla="*/ 0 h 0"/>
+                  </a:gdLst>
+                  <a:ahLst/>
+                  <a:cxnLst>
+                    <a:cxn ang="0">
+                      <a:pos x="connsiteX0" y="connsiteY0"/>
+                    </a:cxn>
+                    <a:cxn ang="0">
+                      <a:pos x="connsiteX1" y="connsiteY1"/>
+                    </a:cxn>
+                  </a:cxnLst>
+                  <a:rect l="l" t="t" r="r" b="b"/>
+                  <a:pathLst>
+                    <a:path w="1403350">
+                      <a:moveTo>
+                        <a:pt x="1403350" y="0"/>
+                      </a:moveTo>
+                      <a:lnTo>
+                        <a:pt x="0" y="0"/>
+                      </a:lnTo>
+                    </a:path>
+                  </a:pathLst>
+                </a:custGeom>
+                <a:ln w="76200" cap="rnd">
+                  <a:solidFill>
+                    <a:srgbClr val="3BA0BB"/>
+                  </a:solidFill>
+                  <a:headEnd type="none"/>
+                  <a:tailEnd type="oval" w="med" len="med"/>
+                </a:ln>
+              </p:spPr>
+              <p:style>
+                <a:lnRef idx="1">
+                  <a:schemeClr val="accent1"/>
+                </a:lnRef>
+                <a:fillRef idx="0">
+                  <a:schemeClr val="accent1"/>
+                </a:fillRef>
+                <a:effectRef idx="0">
+                  <a:schemeClr val="accent1"/>
+                </a:effectRef>
+                <a:fontRef idx="minor">
+                  <a:schemeClr val="tx1"/>
+                </a:fontRef>
+              </p:style>
+              <p:txBody>
+                <a:bodyPr rtlCol="0" anchor="ctr"/>
+                <a:lstStyle/>
+                <a:p>
+                  <a:pPr algn="ctr"/>
+                  <a:endParaRPr lang="en-US"/>
+                </a:p>
+              </p:txBody>
+            </p:sp>
+          </p:grpSp>
+          <p:grpSp>
+            <p:nvGrpSpPr>
+              <p:cNvPr id="59" name="Group 27"/>
+              <p:cNvGrpSpPr/>
+              <p:nvPr>
+                <p:custDataLst>
+                  <p:tags r:id="rId6"/>
+                </p:custDataLst>
+              </p:nvPr>
+            </p:nvGrpSpPr>
+            <p:grpSpPr>
+              <a:xfrm>
+                <a:off x="3288149" y="2286496"/>
+                <a:ext cx="2106894" cy="2036906"/>
+                <a:chOff x="-297533" y="1564235"/>
+                <a:chExt cx="2505041" cy="2036906"/>
+              </a:xfrm>
+            </p:grpSpPr>
+            <p:sp>
+              <p:nvSpPr>
+                <p:cNvPr id="82" name="Arc 81"/>
+                <p:cNvSpPr/>
+                <p:nvPr/>
+              </p:nvSpPr>
+              <p:spPr>
+                <a:xfrm>
+                  <a:off x="441340" y="2407237"/>
+                  <a:ext cx="1766168" cy="1193904"/>
+                </a:xfrm>
+                <a:prstGeom prst="arc">
+                  <a:avLst>
+                    <a:gd name="adj1" fmla="val 10618756"/>
+                    <a:gd name="adj2" fmla="val 16131434"/>
+                  </a:avLst>
+                </a:prstGeom>
+                <a:ln w="76200" cap="rnd">
+                  <a:solidFill>
+                    <a:srgbClr val="896FA8"/>
+                  </a:solidFill>
+                </a:ln>
+              </p:spPr>
+              <p:style>
+                <a:lnRef idx="1">
+                  <a:schemeClr val="accent1"/>
+                </a:lnRef>
+                <a:fillRef idx="0">
+                  <a:schemeClr val="accent1"/>
+                </a:fillRef>
+                <a:effectRef idx="0">
+                  <a:schemeClr val="accent1"/>
+                </a:effectRef>
+                <a:fontRef idx="minor">
+                  <a:schemeClr val="tx1"/>
+                </a:fontRef>
+              </p:style>
+              <p:txBody>
+                <a:bodyPr rtlCol="0" anchor="ctr"/>
+                <a:lstStyle/>
+                <a:p>
+                  <a:pPr algn="ctr"/>
+                  <a:endParaRPr lang="en-US"/>
+                </a:p>
+              </p:txBody>
+            </p:sp>
+            <p:sp>
+              <p:nvSpPr>
+                <p:cNvPr id="83" name="Freeform 29"/>
+                <p:cNvSpPr/>
+                <p:nvPr/>
+              </p:nvSpPr>
+              <p:spPr>
+                <a:xfrm>
+                  <a:off x="-297533" y="3021825"/>
+                  <a:ext cx="726269" cy="236502"/>
+                </a:xfrm>
+                <a:custGeom>
+                  <a:avLst/>
+                  <a:gdLst>
+                    <a:gd name="connsiteX0" fmla="*/ 1403350 w 1403350"/>
+                    <a:gd name="connsiteY0" fmla="*/ 0 h 0"/>
+                    <a:gd name="connsiteX1" fmla="*/ 0 w 1403350"/>
+                    <a:gd name="connsiteY1" fmla="*/ 0 h 0"/>
+                  </a:gdLst>
+                  <a:ahLst/>
+                  <a:cxnLst>
+                    <a:cxn ang="0">
+                      <a:pos x="connsiteX0" y="connsiteY0"/>
+                    </a:cxn>
+                    <a:cxn ang="0">
+                      <a:pos x="connsiteX1" y="connsiteY1"/>
+                    </a:cxn>
+                  </a:cxnLst>
+                  <a:rect l="l" t="t" r="r" b="b"/>
+                  <a:pathLst>
+                    <a:path w="1403350">
+                      <a:moveTo>
+                        <a:pt x="1403350" y="0"/>
+                      </a:moveTo>
+                      <a:lnTo>
+                        <a:pt x="0" y="0"/>
+                      </a:lnTo>
+                    </a:path>
+                  </a:pathLst>
+                </a:custGeom>
+                <a:ln w="76200" cap="rnd">
+                  <a:solidFill>
+                    <a:srgbClr val="896FA8"/>
+                  </a:solidFill>
+                </a:ln>
+              </p:spPr>
+              <p:style>
+                <a:lnRef idx="1">
+                  <a:schemeClr val="accent1"/>
+                </a:lnRef>
+                <a:fillRef idx="0">
+                  <a:schemeClr val="accent1"/>
+                </a:fillRef>
+                <a:effectRef idx="0">
+                  <a:schemeClr val="accent1"/>
+                </a:effectRef>
+                <a:fontRef idx="minor">
+                  <a:schemeClr val="tx1"/>
+                </a:fontRef>
+              </p:style>
+              <p:txBody>
+                <a:bodyPr rtlCol="0" anchor="ctr"/>
+                <a:lstStyle/>
+                <a:p>
+                  <a:pPr algn="ctr"/>
+                  <a:endParaRPr lang="en-US"/>
+                </a:p>
+              </p:txBody>
+            </p:sp>
+            <p:sp>
+              <p:nvSpPr>
+                <p:cNvPr id="84" name="Freeform 30"/>
+                <p:cNvSpPr/>
+                <p:nvPr/>
+              </p:nvSpPr>
+              <p:spPr>
+                <a:xfrm rot="5400000">
+                  <a:off x="849561" y="1954549"/>
+                  <a:ext cx="850328" cy="69699"/>
+                </a:xfrm>
+                <a:custGeom>
+                  <a:avLst/>
+                  <a:gdLst>
+                    <a:gd name="connsiteX0" fmla="*/ 1403350 w 1403350"/>
+                    <a:gd name="connsiteY0" fmla="*/ 0 h 0"/>
+                    <a:gd name="connsiteX1" fmla="*/ 0 w 1403350"/>
+                    <a:gd name="connsiteY1" fmla="*/ 0 h 0"/>
+                  </a:gdLst>
+                  <a:ahLst/>
+                  <a:cxnLst>
+                    <a:cxn ang="0">
+                      <a:pos x="connsiteX0" y="connsiteY0"/>
+                    </a:cxn>
+                    <a:cxn ang="0">
+                      <a:pos x="connsiteX1" y="connsiteY1"/>
+                    </a:cxn>
+                  </a:cxnLst>
+                  <a:rect l="l" t="t" r="r" b="b"/>
+                  <a:pathLst>
+                    <a:path w="1403350">
+                      <a:moveTo>
+                        <a:pt x="1403350" y="0"/>
+                      </a:moveTo>
+                      <a:lnTo>
+                        <a:pt x="0" y="0"/>
+                      </a:lnTo>
+                    </a:path>
+                  </a:pathLst>
+                </a:custGeom>
+                <a:ln w="76200" cap="rnd">
+                  <a:solidFill>
+                    <a:srgbClr val="896FA8"/>
+                  </a:solidFill>
+                  <a:headEnd type="none"/>
+                  <a:tailEnd type="oval" w="med" len="med"/>
+                </a:ln>
+              </p:spPr>
+              <p:style>
+                <a:lnRef idx="1">
+                  <a:schemeClr val="accent1"/>
+                </a:lnRef>
+                <a:fillRef idx="0">
+                  <a:schemeClr val="accent1"/>
+                </a:fillRef>
+                <a:effectRef idx="0">
+                  <a:schemeClr val="accent1"/>
+                </a:effectRef>
+                <a:fontRef idx="minor">
+                  <a:schemeClr val="tx1"/>
+                </a:fontRef>
+              </p:style>
+              <p:txBody>
+                <a:bodyPr rtlCol="0" anchor="ctr"/>
+                <a:lstStyle/>
+                <a:p>
+                  <a:pPr algn="ctr"/>
+                  <a:endParaRPr lang="en-US"/>
+                </a:p>
+              </p:txBody>
+            </p:sp>
+          </p:grpSp>
+          <p:sp>
+            <p:nvSpPr>
+              <p:cNvPr id="61" name="TextBox 50"/>
+              <p:cNvSpPr txBox="1"/>
+              <p:nvPr>
+                <p:custDataLst>
+                  <p:tags r:id="rId7"/>
+                </p:custDataLst>
+              </p:nvPr>
+            </p:nvSpPr>
+            <p:spPr>
+              <a:xfrm>
+                <a:off x="-120328" y="1431574"/>
+                <a:ext cx="1976266" cy="907964"/>
+              </a:xfrm>
+              <a:prstGeom prst="rect">
+                <a:avLst/>
+              </a:prstGeom>
+              <a:noFill/>
+            </p:spPr>
+            <p:txBody>
+              <a:bodyPr wrap="square" rtlCol="0" anchor="ctr">
+                <a:noAutofit/>
+              </a:bodyPr>
+              <a:lstStyle/>
+              <a:p>
+                <a:pPr algn="ctr"/>
+                <a:r>
+                  <a:rPr lang="fr-FR" sz="1400" b="1" dirty="0">
+                    <a:solidFill>
+                      <a:srgbClr val="E46C0A"/>
+                    </a:solidFill>
+                    <a:latin typeface="Arial" panose="020B0604020202020204" pitchFamily="34" charset="0"/>
+                    <a:cs typeface="Arial" panose="020B0604020202020204" pitchFamily="34" charset="0"/>
+                  </a:rPr>
+                  <a:t>C</a:t>
+                </a:r>
+                <a:r>
+                  <a:rPr lang="fr-FR" sz="1400" b="1" dirty="0" smtClean="0">
+                    <a:solidFill>
+                      <a:srgbClr val="E46C0A"/>
+                    </a:solidFill>
+                    <a:latin typeface="Arial" panose="020B0604020202020204" pitchFamily="34" charset="0"/>
+                    <a:cs typeface="Arial" panose="020B0604020202020204" pitchFamily="34" charset="0"/>
+                  </a:rPr>
+                  <a:t>ompréhension </a:t>
+                </a:r>
+                <a:r>
+                  <a:rPr lang="fr-FR" sz="1400" b="1" dirty="0">
+                    <a:solidFill>
+                      <a:srgbClr val="E46C0A"/>
+                    </a:solidFill>
+                    <a:latin typeface="Arial" panose="020B0604020202020204" pitchFamily="34" charset="0"/>
+                    <a:cs typeface="Arial" panose="020B0604020202020204" pitchFamily="34" charset="0"/>
+                  </a:rPr>
+                  <a:t>du concept et la définition du </a:t>
+                </a:r>
+                <a:r>
+                  <a:rPr lang="fr-FR" sz="1400" b="1" dirty="0" smtClean="0">
+                    <a:solidFill>
+                      <a:srgbClr val="E46C0A"/>
+                    </a:solidFill>
+                    <a:latin typeface="Arial" panose="020B0604020202020204" pitchFamily="34" charset="0"/>
+                    <a:cs typeface="Arial" panose="020B0604020202020204" pitchFamily="34" charset="0"/>
+                  </a:rPr>
+                  <a:t>projet</a:t>
+                </a:r>
+                <a:endParaRPr lang="fr-CA" sz="1400" b="1" dirty="0">
+                  <a:solidFill>
+                    <a:srgbClr val="E46C0A"/>
+                  </a:solidFill>
+                  <a:latin typeface="Arial" panose="020B0604020202020204" pitchFamily="34" charset="0"/>
+                  <a:cs typeface="Arial" panose="020B0604020202020204" pitchFamily="34" charset="0"/>
+                </a:endParaRPr>
+              </a:p>
+            </p:txBody>
+          </p:sp>
+          <p:sp>
+            <p:nvSpPr>
+              <p:cNvPr id="62" name="TextBox 52"/>
+              <p:cNvSpPr txBox="1"/>
+              <p:nvPr>
+                <p:custDataLst>
+                  <p:tags r:id="rId8"/>
+                </p:custDataLst>
+              </p:nvPr>
+            </p:nvSpPr>
+            <p:spPr>
+              <a:xfrm>
+                <a:off x="1855938" y="5602212"/>
+                <a:ext cx="1808540" cy="907964"/>
+              </a:xfrm>
+              <a:prstGeom prst="rect">
+                <a:avLst/>
+              </a:prstGeom>
+              <a:noFill/>
+            </p:spPr>
+            <p:txBody>
+              <a:bodyPr wrap="square" rtlCol="0" anchor="ctr">
+                <a:noAutofit/>
+              </a:bodyPr>
+              <a:lstStyle/>
+              <a:p>
+                <a:pPr algn="ctr"/>
+                <a:r>
+                  <a:rPr lang="en-US" sz="1400" b="1" dirty="0" smtClean="0">
+                    <a:solidFill>
+                      <a:srgbClr val="3BA0BB"/>
+                    </a:solidFill>
+                    <a:latin typeface="Arial" panose="020B0604020202020204" pitchFamily="34" charset="0"/>
+                    <a:cs typeface="Arial" panose="020B0604020202020204" pitchFamily="34" charset="0"/>
+                  </a:rPr>
+                  <a:t>Définition du design UX et UI</a:t>
+                </a:r>
+                <a:endParaRPr lang="en-US" sz="1400" dirty="0">
+                  <a:solidFill>
+                    <a:schemeClr val="tx1">
+                      <a:lumMod val="75000"/>
+                      <a:lumOff val="25000"/>
+                    </a:schemeClr>
+                  </a:solidFill>
+                  <a:latin typeface="Arial" panose="020B0604020202020204" pitchFamily="34" charset="0"/>
+                  <a:cs typeface="Arial" panose="020B0604020202020204" pitchFamily="34" charset="0"/>
+                </a:endParaRPr>
+              </a:p>
+            </p:txBody>
+          </p:sp>
+          <p:sp>
+            <p:nvSpPr>
+              <p:cNvPr id="63" name="TextBox 53"/>
+              <p:cNvSpPr txBox="1"/>
+              <p:nvPr>
+                <p:custDataLst>
+                  <p:tags r:id="rId9"/>
+                </p:custDataLst>
+              </p:nvPr>
+            </p:nvSpPr>
+            <p:spPr>
+              <a:xfrm>
+                <a:off x="3478587" y="1431574"/>
+                <a:ext cx="2326554" cy="690885"/>
+              </a:xfrm>
+              <a:prstGeom prst="rect">
+                <a:avLst/>
+              </a:prstGeom>
+              <a:noFill/>
+            </p:spPr>
+            <p:txBody>
+              <a:bodyPr wrap="square" rtlCol="0" anchor="ctr">
+                <a:noAutofit/>
+              </a:bodyPr>
+              <a:lstStyle/>
+              <a:p>
+                <a:pPr algn="ctr"/>
+                <a:r>
+                  <a:rPr lang="fr-FR" sz="1600" b="1" dirty="0" smtClean="0">
+                    <a:solidFill>
+                      <a:srgbClr val="896FA8"/>
+                    </a:solidFill>
+                    <a:latin typeface="Arial" panose="020B0604020202020204" pitchFamily="34" charset="0"/>
+                    <a:cs typeface="Arial" panose="020B0604020202020204" pitchFamily="34" charset="0"/>
+                  </a:rPr>
+                  <a:t>Développement du </a:t>
+                </a:r>
+                <a:r>
+                  <a:rPr lang="fr-FR" sz="1600" b="1" dirty="0" smtClean="0">
+                    <a:solidFill>
+                      <a:srgbClr val="896FA8"/>
+                    </a:solidFill>
+                    <a:latin typeface="Arial" panose="020B0604020202020204" pitchFamily="34" charset="0"/>
+                    <a:cs typeface="Arial" panose="020B0604020202020204" pitchFamily="34" charset="0"/>
+                  </a:rPr>
+                  <a:t>contrat intelligent</a:t>
+                </a:r>
+                <a:endParaRPr lang="en-US" sz="1200" dirty="0">
+                  <a:solidFill>
+                    <a:srgbClr val="000000"/>
+                  </a:solidFill>
+                  <a:latin typeface="Arial" panose="020B0604020202020204" pitchFamily="34" charset="0"/>
+                  <a:cs typeface="Arial" panose="020B0604020202020204" pitchFamily="34" charset="0"/>
+                </a:endParaRPr>
+              </a:p>
+            </p:txBody>
+          </p:sp>
+          <p:sp>
+            <p:nvSpPr>
+              <p:cNvPr id="64" name="TextBox 54"/>
+              <p:cNvSpPr txBox="1"/>
+              <p:nvPr>
+                <p:custDataLst>
+                  <p:tags r:id="rId10"/>
+                </p:custDataLst>
+              </p:nvPr>
+            </p:nvSpPr>
+            <p:spPr>
+              <a:xfrm>
+                <a:off x="5413533" y="5269638"/>
+                <a:ext cx="1891765" cy="907964"/>
+              </a:xfrm>
+              <a:prstGeom prst="rect">
+                <a:avLst/>
+              </a:prstGeom>
+              <a:noFill/>
+            </p:spPr>
+            <p:txBody>
+              <a:bodyPr wrap="square" rtlCol="0" anchor="ctr">
+                <a:noAutofit/>
+              </a:bodyPr>
+              <a:lstStyle/>
+              <a:p>
+                <a:pPr algn="ctr"/>
+                <a:r>
+                  <a:rPr lang="en-US" sz="1400" b="1" dirty="0" smtClean="0">
+                    <a:solidFill>
+                      <a:srgbClr val="55983A"/>
+                    </a:solidFill>
+                    <a:latin typeface="Arial" panose="020B0604020202020204" pitchFamily="34" charset="0"/>
+                    <a:cs typeface="Arial" panose="020B0604020202020204" pitchFamily="34" charset="0"/>
+                  </a:rPr>
+                  <a:t>Intégration aux frontend et backend</a:t>
+                </a:r>
+                <a:endParaRPr lang="en-US" sz="1400" b="1" dirty="0">
+                  <a:solidFill>
+                    <a:srgbClr val="55983A"/>
+                  </a:solidFill>
+                  <a:latin typeface="Arial" panose="020B0604020202020204" pitchFamily="34" charset="0"/>
+                  <a:cs typeface="Arial" panose="020B0604020202020204" pitchFamily="34" charset="0"/>
+                </a:endParaRPr>
+              </a:p>
+            </p:txBody>
+          </p:sp>
+          <p:grpSp>
+            <p:nvGrpSpPr>
+              <p:cNvPr id="65" name="Groupe 64">
+                <a:extLst>
+                  <a:ext uri="{FF2B5EF4-FFF2-40B4-BE49-F238E27FC236}">
+                    <a16:creationId xmlns:a16="http://schemas.microsoft.com/office/drawing/2014/main" id="{75AA9375-8C2A-4E03-BF64-28AAAEF7A74A}"/>
+                  </a:ext>
+                </a:extLst>
+              </p:cNvPr>
+              <p:cNvGrpSpPr/>
+              <p:nvPr>
+                <p:custDataLst>
+                  <p:tags r:id="rId11"/>
+                </p:custDataLst>
+              </p:nvPr>
+            </p:nvGrpSpPr>
+            <p:grpSpPr>
+              <a:xfrm>
+                <a:off x="443700" y="3292066"/>
+                <a:ext cx="1066800" cy="1066800"/>
+                <a:chOff x="777299" y="3352967"/>
+                <a:chExt cx="1066800" cy="1066800"/>
+              </a:xfrm>
+            </p:grpSpPr>
+            <p:sp>
+              <p:nvSpPr>
+                <p:cNvPr id="80" name="Oval 5"/>
+                <p:cNvSpPr/>
+                <p:nvPr/>
+              </p:nvSpPr>
+              <p:spPr>
+                <a:xfrm>
+                  <a:off x="777299" y="3352967"/>
+                  <a:ext cx="1066800" cy="1066800"/>
+                </a:xfrm>
+                <a:prstGeom prst="ellipse">
+                  <a:avLst/>
+                </a:prstGeom>
+                <a:solidFill>
+                  <a:schemeClr val="bg1"/>
+                </a:solidFill>
+                <a:ln>
+                  <a:noFill/>
+                </a:ln>
+                <a:effectLst>
+                  <a:outerShdw blurRad="190500" dist="88900" dir="2700000" algn="tl" rotWithShape="0">
+                    <a:prstClr val="black">
+                      <a:alpha val="30000"/>
+                    </a:prstClr>
+                  </a:outerShdw>
+                </a:effectLst>
+              </p:spPr>
+              <p:style>
+                <a:lnRef idx="2">
+                  <a:schemeClr val="accent1">
+                    <a:shade val="50000"/>
+                  </a:schemeClr>
+                </a:lnRef>
+                <a:fillRef idx="1">
+                  <a:schemeClr val="accent1"/>
+                </a:fillRef>
+                <a:effectRef idx="0">
+                  <a:schemeClr val="accent1"/>
+                </a:effectRef>
+                <a:fontRef idx="minor">
+                  <a:schemeClr val="lt1"/>
+                </a:fontRef>
+              </p:style>
+              <p:txBody>
+                <a:bodyPr rtlCol="0" anchor="ctr"/>
+                <a:lstStyle/>
+                <a:p>
+                  <a:pPr algn="ctr"/>
+                  <a:endParaRPr lang="en-US"/>
+                </a:p>
+              </p:txBody>
+            </p:sp>
+            <p:sp>
+              <p:nvSpPr>
+                <p:cNvPr id="79" name="Freeform 56"/>
+                <p:cNvSpPr>
+                  <a:spLocks noEditPoints="1"/>
+                </p:cNvSpPr>
+                <p:nvPr/>
+              </p:nvSpPr>
+              <p:spPr bwMode="auto">
+                <a:xfrm>
+                  <a:off x="1091009" y="3624028"/>
+                  <a:ext cx="400778" cy="500474"/>
+                </a:xfrm>
+                <a:custGeom>
+                  <a:avLst/>
+                  <a:gdLst>
+                    <a:gd name="T0" fmla="*/ 9 w 85"/>
+                    <a:gd name="T1" fmla="*/ 0 h 106"/>
+                    <a:gd name="T2" fmla="*/ 0 w 85"/>
+                    <a:gd name="T3" fmla="*/ 9 h 106"/>
+                    <a:gd name="T4" fmla="*/ 0 w 85"/>
+                    <a:gd name="T5" fmla="*/ 98 h 106"/>
+                    <a:gd name="T6" fmla="*/ 9 w 85"/>
+                    <a:gd name="T7" fmla="*/ 106 h 106"/>
+                    <a:gd name="T8" fmla="*/ 76 w 85"/>
+                    <a:gd name="T9" fmla="*/ 106 h 106"/>
+                    <a:gd name="T10" fmla="*/ 85 w 85"/>
+                    <a:gd name="T11" fmla="*/ 98 h 106"/>
+                    <a:gd name="T12" fmla="*/ 85 w 85"/>
+                    <a:gd name="T13" fmla="*/ 31 h 106"/>
+                    <a:gd name="T14" fmla="*/ 81 w 85"/>
+                    <a:gd name="T15" fmla="*/ 23 h 106"/>
+                    <a:gd name="T16" fmla="*/ 61 w 85"/>
+                    <a:gd name="T17" fmla="*/ 3 h 106"/>
+                    <a:gd name="T18" fmla="*/ 54 w 85"/>
+                    <a:gd name="T19" fmla="*/ 0 h 106"/>
+                    <a:gd name="T20" fmla="*/ 9 w 85"/>
+                    <a:gd name="T21" fmla="*/ 0 h 106"/>
+                    <a:gd name="T22" fmla="*/ 40 w 85"/>
+                    <a:gd name="T23" fmla="*/ 16 h 106"/>
+                    <a:gd name="T24" fmla="*/ 45 w 85"/>
+                    <a:gd name="T25" fmla="*/ 11 h 106"/>
+                    <a:gd name="T26" fmla="*/ 49 w 85"/>
+                    <a:gd name="T27" fmla="*/ 16 h 106"/>
+                    <a:gd name="T28" fmla="*/ 49 w 85"/>
+                    <a:gd name="T29" fmla="*/ 32 h 106"/>
+                    <a:gd name="T30" fmla="*/ 52 w 85"/>
+                    <a:gd name="T31" fmla="*/ 36 h 106"/>
+                    <a:gd name="T32" fmla="*/ 69 w 85"/>
+                    <a:gd name="T33" fmla="*/ 36 h 106"/>
+                    <a:gd name="T34" fmla="*/ 73 w 85"/>
+                    <a:gd name="T35" fmla="*/ 40 h 106"/>
+                    <a:gd name="T36" fmla="*/ 69 w 85"/>
+                    <a:gd name="T37" fmla="*/ 44 h 106"/>
+                    <a:gd name="T38" fmla="*/ 49 w 85"/>
+                    <a:gd name="T39" fmla="*/ 44 h 106"/>
+                    <a:gd name="T40" fmla="*/ 40 w 85"/>
+                    <a:gd name="T41" fmla="*/ 36 h 106"/>
+                    <a:gd name="T42" fmla="*/ 40 w 85"/>
+                    <a:gd name="T43" fmla="*/ 16 h 106"/>
+                  </a:gdLst>
+                  <a:ahLst/>
+                  <a:cxnLst>
+                    <a:cxn ang="0">
+                      <a:pos x="T0" y="T1"/>
+                    </a:cxn>
+                    <a:cxn ang="0">
+                      <a:pos x="T2" y="T3"/>
+                    </a:cxn>
+                    <a:cxn ang="0">
+                      <a:pos x="T4" y="T5"/>
+                    </a:cxn>
+                    <a:cxn ang="0">
+                      <a:pos x="T6" y="T7"/>
+                    </a:cxn>
+                    <a:cxn ang="0">
+                      <a:pos x="T8" y="T9"/>
+                    </a:cxn>
+                    <a:cxn ang="0">
+                      <a:pos x="T10" y="T11"/>
+                    </a:cxn>
+                    <a:cxn ang="0">
+                      <a:pos x="T12" y="T13"/>
+                    </a:cxn>
+                    <a:cxn ang="0">
+                      <a:pos x="T14" y="T15"/>
+                    </a:cxn>
+                    <a:cxn ang="0">
+                      <a:pos x="T16" y="T17"/>
+                    </a:cxn>
+                    <a:cxn ang="0">
+                      <a:pos x="T18" y="T19"/>
+                    </a:cxn>
+                    <a:cxn ang="0">
+                      <a:pos x="T20" y="T21"/>
+                    </a:cxn>
+                    <a:cxn ang="0">
+                      <a:pos x="T22" y="T23"/>
+                    </a:cxn>
+                    <a:cxn ang="0">
+                      <a:pos x="T24" y="T25"/>
+                    </a:cxn>
+                    <a:cxn ang="0">
+                      <a:pos x="T26" y="T27"/>
+                    </a:cxn>
+                    <a:cxn ang="0">
+                      <a:pos x="T28" y="T29"/>
+                    </a:cxn>
+                    <a:cxn ang="0">
+                      <a:pos x="T30" y="T31"/>
+                    </a:cxn>
+                    <a:cxn ang="0">
+                      <a:pos x="T32" y="T33"/>
+                    </a:cxn>
+                    <a:cxn ang="0">
+                      <a:pos x="T34" y="T35"/>
+                    </a:cxn>
+                    <a:cxn ang="0">
+                      <a:pos x="T36" y="T37"/>
+                    </a:cxn>
+                    <a:cxn ang="0">
+                      <a:pos x="T38" y="T39"/>
+                    </a:cxn>
+                    <a:cxn ang="0">
+                      <a:pos x="T40" y="T41"/>
+                    </a:cxn>
+                    <a:cxn ang="0">
+                      <a:pos x="T42" y="T43"/>
+                    </a:cxn>
+                  </a:cxnLst>
+                  <a:rect l="0" t="0" r="r" b="b"/>
+                  <a:pathLst>
+                    <a:path w="85" h="106">
+                      <a:moveTo>
+                        <a:pt x="9" y="0"/>
+                      </a:moveTo>
+                      <a:cubicBezTo>
+                        <a:pt x="4" y="0"/>
+                        <a:pt x="0" y="4"/>
+                        <a:pt x="0" y="9"/>
+                      </a:cubicBezTo>
+                      <a:cubicBezTo>
+                        <a:pt x="0" y="98"/>
+                        <a:pt x="0" y="98"/>
+                        <a:pt x="0" y="98"/>
+                      </a:cubicBezTo>
+                      <a:cubicBezTo>
+                        <a:pt x="0" y="103"/>
+                        <a:pt x="4" y="106"/>
+                        <a:pt x="9" y="106"/>
+                      </a:cubicBezTo>
+                      <a:cubicBezTo>
+                        <a:pt x="76" y="106"/>
+                        <a:pt x="76" y="106"/>
+                        <a:pt x="76" y="106"/>
+                      </a:cubicBezTo>
+                      <a:cubicBezTo>
+                        <a:pt x="81" y="106"/>
+                        <a:pt x="85" y="103"/>
+                        <a:pt x="85" y="98"/>
+                      </a:cubicBezTo>
+                      <a:cubicBezTo>
+                        <a:pt x="85" y="31"/>
+                        <a:pt x="85" y="31"/>
+                        <a:pt x="85" y="31"/>
+                      </a:cubicBezTo>
+                      <a:cubicBezTo>
+                        <a:pt x="85" y="28"/>
+                        <a:pt x="83" y="25"/>
+                        <a:pt x="81" y="23"/>
+                      </a:cubicBezTo>
+                      <a:cubicBezTo>
+                        <a:pt x="61" y="3"/>
+                        <a:pt x="61" y="3"/>
+                        <a:pt x="61" y="3"/>
+                      </a:cubicBezTo>
+                      <a:cubicBezTo>
+                        <a:pt x="59" y="1"/>
+                        <a:pt x="57" y="0"/>
+                        <a:pt x="54" y="0"/>
+                      </a:cubicBezTo>
+                      <a:lnTo>
+                        <a:pt x="9" y="0"/>
+                      </a:lnTo>
+                      <a:close/>
+                      <a:moveTo>
+                        <a:pt x="40" y="16"/>
+                      </a:moveTo>
+                      <a:cubicBezTo>
+                        <a:pt x="40" y="13"/>
+                        <a:pt x="42" y="11"/>
+                        <a:pt x="45" y="11"/>
+                      </a:cubicBezTo>
+                      <a:cubicBezTo>
+                        <a:pt x="47" y="11"/>
+                        <a:pt x="49" y="13"/>
+                        <a:pt x="49" y="16"/>
+                      </a:cubicBezTo>
+                      <a:cubicBezTo>
+                        <a:pt x="49" y="32"/>
+                        <a:pt x="49" y="32"/>
+                        <a:pt x="49" y="32"/>
+                      </a:cubicBezTo>
+                      <a:cubicBezTo>
+                        <a:pt x="49" y="34"/>
+                        <a:pt x="51" y="36"/>
+                        <a:pt x="52" y="36"/>
+                      </a:cubicBezTo>
+                      <a:cubicBezTo>
+                        <a:pt x="69" y="36"/>
+                        <a:pt x="69" y="36"/>
+                        <a:pt x="69" y="36"/>
+                      </a:cubicBezTo>
+                      <a:cubicBezTo>
+                        <a:pt x="71" y="36"/>
+                        <a:pt x="73" y="38"/>
+                        <a:pt x="73" y="40"/>
+                      </a:cubicBezTo>
+                      <a:cubicBezTo>
+                        <a:pt x="73" y="42"/>
+                        <a:pt x="71" y="44"/>
+                        <a:pt x="69" y="44"/>
+                      </a:cubicBezTo>
+                      <a:cubicBezTo>
+                        <a:pt x="49" y="44"/>
+                        <a:pt x="49" y="44"/>
+                        <a:pt x="49" y="44"/>
+                      </a:cubicBezTo>
+                      <a:cubicBezTo>
+                        <a:pt x="44" y="44"/>
+                        <a:pt x="40" y="40"/>
+                        <a:pt x="40" y="36"/>
+                      </a:cubicBezTo>
+                      <a:lnTo>
+                        <a:pt x="40" y="16"/>
+                      </a:lnTo>
+                      <a:close/>
+                    </a:path>
+                  </a:pathLst>
+                </a:custGeom>
+                <a:solidFill>
+                  <a:srgbClr val="E46C0A"/>
+                </a:solidFill>
+                <a:ln>
+                  <a:noFill/>
+                </a:ln>
+              </p:spPr>
+              <p:txBody>
+                <a:bodyPr vert="horz" wrap="square" lIns="91440" tIns="45720" rIns="91440" bIns="45720" numCol="1" anchor="t" anchorCtr="0" compatLnSpc="1">
+                  <a:prstTxWarp prst="textNoShape">
+                    <a:avLst/>
+                  </a:prstTxWarp>
+                </a:bodyPr>
+                <a:lstStyle/>
+                <a:p>
+                  <a:endParaRPr lang="en-US"/>
+                </a:p>
+              </p:txBody>
+            </p:sp>
+          </p:grpSp>
+          <p:grpSp>
+            <p:nvGrpSpPr>
+              <p:cNvPr id="66" name="Groupe 65">
+                <a:extLst>
+                  <a:ext uri="{FF2B5EF4-FFF2-40B4-BE49-F238E27FC236}">
+                    <a16:creationId xmlns:a16="http://schemas.microsoft.com/office/drawing/2014/main" id="{086CF2CB-3185-4296-972C-08C69ED5F708}"/>
+                  </a:ext>
+                </a:extLst>
+              </p:cNvPr>
+              <p:cNvGrpSpPr/>
+              <p:nvPr>
+                <p:custDataLst>
+                  <p:tags r:id="rId12"/>
+                </p:custDataLst>
+              </p:nvPr>
+            </p:nvGrpSpPr>
+            <p:grpSpPr>
+              <a:xfrm>
+                <a:off x="4030943" y="3133407"/>
+                <a:ext cx="2718083" cy="2049608"/>
+                <a:chOff x="4277396" y="3123968"/>
+                <a:chExt cx="2718083" cy="2049608"/>
+              </a:xfrm>
+            </p:grpSpPr>
+            <p:grpSp>
+              <p:nvGrpSpPr>
+                <p:cNvPr id="73" name="Group 31"/>
+                <p:cNvGrpSpPr/>
+                <p:nvPr/>
+              </p:nvGrpSpPr>
+              <p:grpSpPr>
+                <a:xfrm flipV="1">
+                  <a:off x="5280053" y="3123968"/>
+                  <a:ext cx="1715426" cy="2049608"/>
+                  <a:chOff x="-690709" y="1885985"/>
+                  <a:chExt cx="1983711" cy="2049608"/>
+                </a:xfrm>
+              </p:grpSpPr>
+              <p:sp>
+                <p:nvSpPr>
+                  <p:cNvPr id="75" name="Arc 74"/>
+                  <p:cNvSpPr/>
+                  <p:nvPr/>
+                </p:nvSpPr>
+                <p:spPr>
+                  <a:xfrm>
+                    <a:off x="80816" y="2745598"/>
+                    <a:ext cx="1212186" cy="1189995"/>
+                  </a:xfrm>
+                  <a:prstGeom prst="arc">
+                    <a:avLst>
+                      <a:gd name="adj1" fmla="val 10867139"/>
+                      <a:gd name="adj2" fmla="val 16661881"/>
+                    </a:avLst>
+                  </a:prstGeom>
+                  <a:ln w="76200" cap="rnd">
+                    <a:solidFill>
+                      <a:srgbClr val="55983A"/>
+                    </a:solidFill>
+                  </a:ln>
+                </p:spPr>
+                <p:style>
+                  <a:lnRef idx="1">
+                    <a:schemeClr val="accent1"/>
+                  </a:lnRef>
+                  <a:fillRef idx="0">
+                    <a:schemeClr val="accent1"/>
+                  </a:fillRef>
+                  <a:effectRef idx="0">
+                    <a:schemeClr val="accent1"/>
+                  </a:effectRef>
+                  <a:fontRef idx="minor">
+                    <a:schemeClr val="tx1"/>
+                  </a:fontRef>
+                </p:style>
+                <p:txBody>
+                  <a:bodyPr rtlCol="0" anchor="ctr"/>
+                  <a:lstStyle/>
+                  <a:p>
+                    <a:pPr algn="ctr"/>
+                    <a:endParaRPr lang="en-US"/>
+                  </a:p>
+                </p:txBody>
+              </p:sp>
+              <p:sp>
+                <p:nvSpPr>
+                  <p:cNvPr id="76" name="Freeform 33"/>
+                  <p:cNvSpPr/>
+                  <p:nvPr/>
+                </p:nvSpPr>
+                <p:spPr>
+                  <a:xfrm>
+                    <a:off x="-690709" y="3324918"/>
+                    <a:ext cx="711521" cy="180956"/>
+                  </a:xfrm>
+                  <a:custGeom>
+                    <a:avLst/>
+                    <a:gdLst>
+                      <a:gd name="connsiteX0" fmla="*/ 1403350 w 1403350"/>
+                      <a:gd name="connsiteY0" fmla="*/ 0 h 0"/>
+                      <a:gd name="connsiteX1" fmla="*/ 0 w 1403350"/>
+                      <a:gd name="connsiteY1" fmla="*/ 0 h 0"/>
+                    </a:gdLst>
+                    <a:ahLst/>
+                    <a:cxnLst>
+                      <a:cxn ang="0">
+                        <a:pos x="connsiteX0" y="connsiteY0"/>
+                      </a:cxn>
+                      <a:cxn ang="0">
+                        <a:pos x="connsiteX1" y="connsiteY1"/>
+                      </a:cxn>
+                    </a:cxnLst>
+                    <a:rect l="l" t="t" r="r" b="b"/>
+                    <a:pathLst>
+                      <a:path w="1403350">
+                        <a:moveTo>
+                          <a:pt x="1403350" y="0"/>
+                        </a:moveTo>
+                        <a:lnTo>
+                          <a:pt x="0" y="0"/>
+                        </a:lnTo>
+                      </a:path>
+                    </a:pathLst>
+                  </a:custGeom>
+                  <a:ln w="76200" cap="rnd">
+                    <a:solidFill>
+                      <a:srgbClr val="55983A"/>
+                    </a:solidFill>
+                  </a:ln>
+                </p:spPr>
+                <p:style>
+                  <a:lnRef idx="1">
+                    <a:schemeClr val="accent1"/>
+                  </a:lnRef>
+                  <a:fillRef idx="0">
+                    <a:schemeClr val="accent1"/>
+                  </a:fillRef>
+                  <a:effectRef idx="0">
+                    <a:schemeClr val="accent1"/>
+                  </a:effectRef>
+                  <a:fontRef idx="minor">
+                    <a:schemeClr val="tx1"/>
+                  </a:fontRef>
+                </p:style>
+                <p:txBody>
+                  <a:bodyPr rtlCol="0" anchor="ctr"/>
+                  <a:lstStyle/>
+                  <a:p>
+                    <a:pPr algn="ctr"/>
+                    <a:endParaRPr lang="en-US" dirty="0"/>
+                  </a:p>
+                </p:txBody>
+              </p:sp>
+              <p:sp>
+                <p:nvSpPr>
+                  <p:cNvPr id="77" name="Freeform 34"/>
+                  <p:cNvSpPr/>
+                  <p:nvPr/>
+                </p:nvSpPr>
+                <p:spPr>
+                  <a:xfrm rot="5400000">
+                    <a:off x="281052" y="2269479"/>
+                    <a:ext cx="834778" cy="67790"/>
+                  </a:xfrm>
+                  <a:custGeom>
+                    <a:avLst/>
+                    <a:gdLst>
+                      <a:gd name="connsiteX0" fmla="*/ 1403350 w 1403350"/>
+                      <a:gd name="connsiteY0" fmla="*/ 0 h 0"/>
+                      <a:gd name="connsiteX1" fmla="*/ 0 w 1403350"/>
+                      <a:gd name="connsiteY1" fmla="*/ 0 h 0"/>
+                    </a:gdLst>
+                    <a:ahLst/>
+                    <a:cxnLst>
+                      <a:cxn ang="0">
+                        <a:pos x="connsiteX0" y="connsiteY0"/>
+                      </a:cxn>
+                      <a:cxn ang="0">
+                        <a:pos x="connsiteX1" y="connsiteY1"/>
+                      </a:cxn>
+                    </a:cxnLst>
+                    <a:rect l="l" t="t" r="r" b="b"/>
+                    <a:pathLst>
+                      <a:path w="1403350">
+                        <a:moveTo>
+                          <a:pt x="1403350" y="0"/>
+                        </a:moveTo>
+                        <a:lnTo>
+                          <a:pt x="0" y="0"/>
+                        </a:lnTo>
+                      </a:path>
+                    </a:pathLst>
+                  </a:custGeom>
+                  <a:ln w="76200" cap="rnd">
+                    <a:solidFill>
+                      <a:srgbClr val="55983A"/>
+                    </a:solidFill>
+                    <a:headEnd type="none"/>
+                    <a:tailEnd type="oval" w="med" len="med"/>
+                  </a:ln>
+                </p:spPr>
+                <p:style>
+                  <a:lnRef idx="1">
+                    <a:schemeClr val="accent1"/>
+                  </a:lnRef>
+                  <a:fillRef idx="0">
+                    <a:schemeClr val="accent1"/>
+                  </a:fillRef>
+                  <a:effectRef idx="0">
+                    <a:schemeClr val="accent1"/>
+                  </a:effectRef>
+                  <a:fontRef idx="minor">
+                    <a:schemeClr val="tx1"/>
+                  </a:fontRef>
+                </p:style>
+                <p:txBody>
+                  <a:bodyPr rtlCol="0" anchor="ctr"/>
+                  <a:lstStyle/>
+                  <a:p>
+                    <a:pPr algn="ctr"/>
+                    <a:endParaRPr lang="en-US"/>
+                  </a:p>
+                </p:txBody>
+              </p:sp>
+            </p:grpSp>
+            <p:sp>
+              <p:nvSpPr>
+                <p:cNvPr id="74" name="Oval 36"/>
+                <p:cNvSpPr/>
+                <p:nvPr/>
+              </p:nvSpPr>
+              <p:spPr>
+                <a:xfrm>
+                  <a:off x="4277396" y="3259086"/>
+                  <a:ext cx="1030431" cy="1025010"/>
+                </a:xfrm>
+                <a:prstGeom prst="ellipse">
+                  <a:avLst/>
+                </a:prstGeom>
+                <a:solidFill>
+                  <a:schemeClr val="bg1"/>
+                </a:solidFill>
+                <a:ln>
+                  <a:noFill/>
+                </a:ln>
+                <a:effectLst>
+                  <a:outerShdw blurRad="190500" dist="88900" dir="2700000" algn="tl" rotWithShape="0">
+                    <a:prstClr val="black">
+                      <a:alpha val="30000"/>
+                    </a:prstClr>
+                  </a:outerShdw>
+                </a:effectLst>
+              </p:spPr>
+              <p:style>
+                <a:lnRef idx="2">
+                  <a:schemeClr val="accent1">
+                    <a:shade val="50000"/>
+                  </a:schemeClr>
+                </a:lnRef>
+                <a:fillRef idx="1">
+                  <a:schemeClr val="accent1"/>
+                </a:fillRef>
+                <a:effectRef idx="0">
+                  <a:schemeClr val="accent1"/>
+                </a:effectRef>
+                <a:fontRef idx="minor">
+                  <a:schemeClr val="lt1"/>
+                </a:fontRef>
+              </p:style>
+              <p:txBody>
+                <a:bodyPr rtlCol="0" anchor="ctr"/>
+                <a:lstStyle/>
+                <a:p>
+                  <a:pPr algn="ctr"/>
+                  <a:endParaRPr lang="en-US"/>
+                </a:p>
+              </p:txBody>
+            </p:sp>
+          </p:grpSp>
+          <p:sp>
+            <p:nvSpPr>
+              <p:cNvPr id="71" name="Oval 22"/>
+              <p:cNvSpPr/>
+              <p:nvPr/>
+            </p:nvSpPr>
+            <p:spPr>
+              <a:xfrm>
+                <a:off x="2208774" y="3292065"/>
+                <a:ext cx="1066798" cy="1066800"/>
+              </a:xfrm>
+              <a:prstGeom prst="ellipse">
+                <a:avLst/>
+              </a:prstGeom>
+              <a:solidFill>
+                <a:schemeClr val="bg1"/>
+              </a:solidFill>
+              <a:ln>
+                <a:noFill/>
+              </a:ln>
+              <a:effectLst>
+                <a:outerShdw blurRad="190500" dist="88900" dir="2700000" algn="tl" rotWithShape="0">
+                  <a:prstClr val="black">
+                    <a:alpha val="30000"/>
+                  </a:prstClr>
+                </a:outerShdw>
+              </a:effectLst>
+            </p:spPr>
+            <p:style>
+              <a:lnRef idx="2">
+                <a:schemeClr val="accent1">
+                  <a:shade val="50000"/>
+                </a:schemeClr>
+              </a:lnRef>
+              <a:fillRef idx="1">
+                <a:schemeClr val="accent1"/>
+              </a:fillRef>
+              <a:effectRef idx="0">
+                <a:schemeClr val="accent1"/>
+              </a:effectRef>
+              <a:fontRef idx="minor">
+                <a:schemeClr val="lt1"/>
+              </a:fontRef>
+            </p:style>
+            <p:txBody>
+              <a:bodyPr rtlCol="0" anchor="ctr"/>
+              <a:lstStyle/>
+              <a:p>
+                <a:pPr algn="ctr"/>
+                <a:endParaRPr lang="en-US"/>
+              </a:p>
+            </p:txBody>
+          </p:sp>
+          <p:sp>
+            <p:nvSpPr>
+              <p:cNvPr id="68" name="Freeform 16">
+                <a:extLst>
+                  <a:ext uri="{FF2B5EF4-FFF2-40B4-BE49-F238E27FC236}">
+                    <a16:creationId xmlns:a16="http://schemas.microsoft.com/office/drawing/2014/main" id="{BA948ED2-9FBF-4AA3-B79F-470F043793BE}"/>
+                  </a:ext>
+                </a:extLst>
+              </p:cNvPr>
+              <p:cNvSpPr>
+                <a:spLocks noEditPoints="1"/>
+              </p:cNvSpPr>
+              <p:nvPr>
+                <p:custDataLst>
+                  <p:tags r:id="rId13"/>
+                </p:custDataLst>
+              </p:nvPr>
+            </p:nvSpPr>
+            <p:spPr bwMode="auto">
+              <a:xfrm>
+                <a:off x="11657162" y="3389568"/>
+                <a:ext cx="444555" cy="482070"/>
+              </a:xfrm>
+              <a:custGeom>
+                <a:avLst/>
+                <a:gdLst>
+                  <a:gd name="T0" fmla="*/ 11 w 100"/>
+                  <a:gd name="T1" fmla="*/ 77 h 106"/>
+                  <a:gd name="T2" fmla="*/ 31 w 100"/>
+                  <a:gd name="T3" fmla="*/ 71 h 106"/>
+                  <a:gd name="T4" fmla="*/ 72 w 100"/>
+                  <a:gd name="T5" fmla="*/ 82 h 106"/>
+                  <a:gd name="T6" fmla="*/ 97 w 100"/>
+                  <a:gd name="T7" fmla="*/ 72 h 106"/>
+                  <a:gd name="T8" fmla="*/ 100 w 100"/>
+                  <a:gd name="T9" fmla="*/ 66 h 106"/>
+                  <a:gd name="T10" fmla="*/ 100 w 100"/>
+                  <a:gd name="T11" fmla="*/ 12 h 106"/>
+                  <a:gd name="T12" fmla="*/ 95 w 100"/>
+                  <a:gd name="T13" fmla="*/ 7 h 106"/>
+                  <a:gd name="T14" fmla="*/ 90 w 100"/>
+                  <a:gd name="T15" fmla="*/ 9 h 106"/>
+                  <a:gd name="T16" fmla="*/ 70 w 100"/>
+                  <a:gd name="T17" fmla="*/ 15 h 106"/>
+                  <a:gd name="T18" fmla="*/ 32 w 100"/>
+                  <a:gd name="T19" fmla="*/ 4 h 106"/>
+                  <a:gd name="T20" fmla="*/ 11 w 100"/>
+                  <a:gd name="T21" fmla="*/ 9 h 106"/>
+                  <a:gd name="T22" fmla="*/ 11 w 100"/>
+                  <a:gd name="T23" fmla="*/ 5 h 106"/>
+                  <a:gd name="T24" fmla="*/ 5 w 100"/>
+                  <a:gd name="T25" fmla="*/ 0 h 106"/>
+                  <a:gd name="T26" fmla="*/ 0 w 100"/>
+                  <a:gd name="T27" fmla="*/ 5 h 106"/>
+                  <a:gd name="T28" fmla="*/ 0 w 100"/>
+                  <a:gd name="T29" fmla="*/ 101 h 106"/>
+                  <a:gd name="T30" fmla="*/ 5 w 100"/>
+                  <a:gd name="T31" fmla="*/ 106 h 106"/>
+                  <a:gd name="T32" fmla="*/ 11 w 100"/>
+                  <a:gd name="T33" fmla="*/ 101 h 106"/>
+                  <a:gd name="T34" fmla="*/ 11 w 100"/>
+                  <a:gd name="T35" fmla="*/ 77 h 106"/>
+                  <a:gd name="T36" fmla="*/ 20 w 100"/>
+                  <a:gd name="T37" fmla="*/ 22 h 106"/>
+                  <a:gd name="T38" fmla="*/ 20 w 100"/>
+                  <a:gd name="T39" fmla="*/ 57 h 106"/>
+                  <a:gd name="T40" fmla="*/ 15 w 100"/>
+                  <a:gd name="T41" fmla="*/ 62 h 106"/>
+                  <a:gd name="T42" fmla="*/ 11 w 100"/>
+                  <a:gd name="T43" fmla="*/ 57 h 106"/>
+                  <a:gd name="T44" fmla="*/ 11 w 100"/>
+                  <a:gd name="T45" fmla="*/ 22 h 106"/>
+                  <a:gd name="T46" fmla="*/ 15 w 100"/>
+                  <a:gd name="T47" fmla="*/ 17 h 106"/>
+                  <a:gd name="T48" fmla="*/ 20 w 100"/>
+                  <a:gd name="T49" fmla="*/ 22 h 106"/>
+                </a:gdLst>
+                <a:ahLst/>
+                <a:cxnLst>
+                  <a:cxn ang="0">
+                    <a:pos x="T0" y="T1"/>
+                  </a:cxn>
+                  <a:cxn ang="0">
+                    <a:pos x="T2" y="T3"/>
+                  </a:cxn>
+                  <a:cxn ang="0">
+                    <a:pos x="T4" y="T5"/>
+                  </a:cxn>
+                  <a:cxn ang="0">
+                    <a:pos x="T6" y="T7"/>
+                  </a:cxn>
+                  <a:cxn ang="0">
+                    <a:pos x="T8" y="T9"/>
+                  </a:cxn>
+                  <a:cxn ang="0">
+                    <a:pos x="T10" y="T11"/>
+                  </a:cxn>
+                  <a:cxn ang="0">
+                    <a:pos x="T12" y="T13"/>
+                  </a:cxn>
+                  <a:cxn ang="0">
+                    <a:pos x="T14" y="T15"/>
+                  </a:cxn>
+                  <a:cxn ang="0">
+                    <a:pos x="T16" y="T17"/>
+                  </a:cxn>
+                  <a:cxn ang="0">
+                    <a:pos x="T18" y="T19"/>
+                  </a:cxn>
+                  <a:cxn ang="0">
+                    <a:pos x="T20" y="T21"/>
+                  </a:cxn>
+                  <a:cxn ang="0">
+                    <a:pos x="T22" y="T23"/>
+                  </a:cxn>
+                  <a:cxn ang="0">
+                    <a:pos x="T24" y="T25"/>
+                  </a:cxn>
+                  <a:cxn ang="0">
+                    <a:pos x="T26" y="T27"/>
+                  </a:cxn>
+                  <a:cxn ang="0">
+                    <a:pos x="T28" y="T29"/>
+                  </a:cxn>
+                  <a:cxn ang="0">
+                    <a:pos x="T30" y="T31"/>
+                  </a:cxn>
+                  <a:cxn ang="0">
+                    <a:pos x="T32" y="T33"/>
+                  </a:cxn>
+                  <a:cxn ang="0">
+                    <a:pos x="T34" y="T35"/>
+                  </a:cxn>
+                  <a:cxn ang="0">
+                    <a:pos x="T36" y="T37"/>
+                  </a:cxn>
+                  <a:cxn ang="0">
+                    <a:pos x="T38" y="T39"/>
+                  </a:cxn>
+                  <a:cxn ang="0">
+                    <a:pos x="T40" y="T41"/>
+                  </a:cxn>
+                  <a:cxn ang="0">
+                    <a:pos x="T42" y="T43"/>
+                  </a:cxn>
+                  <a:cxn ang="0">
+                    <a:pos x="T44" y="T45"/>
+                  </a:cxn>
+                  <a:cxn ang="0">
+                    <a:pos x="T46" y="T47"/>
+                  </a:cxn>
+                  <a:cxn ang="0">
+                    <a:pos x="T48" y="T49"/>
+                  </a:cxn>
+                </a:cxnLst>
+                <a:rect l="0" t="0" r="r" b="b"/>
+                <a:pathLst>
+                  <a:path w="100" h="106">
+                    <a:moveTo>
+                      <a:pt x="11" y="77"/>
+                    </a:moveTo>
+                    <a:cubicBezTo>
+                      <a:pt x="11" y="77"/>
+                      <a:pt x="17" y="71"/>
+                      <a:pt x="31" y="71"/>
+                    </a:cubicBezTo>
+                    <a:cubicBezTo>
+                      <a:pt x="46" y="71"/>
+                      <a:pt x="59" y="82"/>
+                      <a:pt x="72" y="82"/>
+                    </a:cubicBezTo>
+                    <a:cubicBezTo>
+                      <a:pt x="84" y="82"/>
+                      <a:pt x="92" y="77"/>
+                      <a:pt x="97" y="72"/>
+                    </a:cubicBezTo>
+                    <a:cubicBezTo>
+                      <a:pt x="98" y="71"/>
+                      <a:pt x="100" y="68"/>
+                      <a:pt x="100" y="66"/>
+                    </a:cubicBezTo>
+                    <a:cubicBezTo>
+                      <a:pt x="100" y="12"/>
+                      <a:pt x="100" y="12"/>
+                      <a:pt x="100" y="12"/>
+                    </a:cubicBezTo>
+                    <a:cubicBezTo>
+                      <a:pt x="100" y="9"/>
+                      <a:pt x="98" y="7"/>
+                      <a:pt x="95" y="7"/>
+                    </a:cubicBezTo>
+                    <a:cubicBezTo>
+                      <a:pt x="93" y="7"/>
+                      <a:pt x="92" y="8"/>
+                      <a:pt x="90" y="9"/>
+                    </a:cubicBezTo>
+                    <a:cubicBezTo>
+                      <a:pt x="88" y="11"/>
+                      <a:pt x="83" y="15"/>
+                      <a:pt x="70" y="15"/>
+                    </a:cubicBezTo>
+                    <a:cubicBezTo>
+                      <a:pt x="58" y="15"/>
+                      <a:pt x="48" y="4"/>
+                      <a:pt x="32" y="4"/>
+                    </a:cubicBezTo>
+                    <a:cubicBezTo>
+                      <a:pt x="17" y="4"/>
+                      <a:pt x="11" y="9"/>
+                      <a:pt x="11" y="9"/>
+                    </a:cubicBezTo>
+                    <a:cubicBezTo>
+                      <a:pt x="11" y="5"/>
+                      <a:pt x="11" y="5"/>
+                      <a:pt x="11" y="5"/>
+                    </a:cubicBezTo>
+                    <a:cubicBezTo>
+                      <a:pt x="11" y="2"/>
+                      <a:pt x="8" y="0"/>
+                      <a:pt x="5" y="0"/>
+                    </a:cubicBezTo>
+                    <a:cubicBezTo>
+                      <a:pt x="2" y="0"/>
+                      <a:pt x="0" y="2"/>
+                      <a:pt x="0" y="5"/>
+                    </a:cubicBezTo>
+                    <a:cubicBezTo>
+                      <a:pt x="0" y="101"/>
+                      <a:pt x="0" y="101"/>
+                      <a:pt x="0" y="101"/>
+                    </a:cubicBezTo>
+                    <a:cubicBezTo>
+                      <a:pt x="0" y="104"/>
+                      <a:pt x="2" y="106"/>
+                      <a:pt x="5" y="106"/>
+                    </a:cubicBezTo>
+                    <a:cubicBezTo>
+                      <a:pt x="8" y="106"/>
+                      <a:pt x="11" y="104"/>
+                      <a:pt x="11" y="101"/>
+                    </a:cubicBezTo>
+                    <a:lnTo>
+                      <a:pt x="11" y="77"/>
+                    </a:lnTo>
+                    <a:close/>
+                    <a:moveTo>
+                      <a:pt x="20" y="22"/>
+                    </a:moveTo>
+                    <a:cubicBezTo>
+                      <a:pt x="20" y="57"/>
+                      <a:pt x="20" y="57"/>
+                      <a:pt x="20" y="57"/>
+                    </a:cubicBezTo>
+                    <a:cubicBezTo>
+                      <a:pt x="20" y="60"/>
+                      <a:pt x="18" y="62"/>
+                      <a:pt x="15" y="62"/>
+                    </a:cubicBezTo>
+                    <a:cubicBezTo>
+                      <a:pt x="13" y="62"/>
+                      <a:pt x="11" y="60"/>
+                      <a:pt x="11" y="57"/>
+                    </a:cubicBezTo>
+                    <a:cubicBezTo>
+                      <a:pt x="11" y="22"/>
+                      <a:pt x="11" y="22"/>
+                      <a:pt x="11" y="22"/>
+                    </a:cubicBezTo>
+                    <a:cubicBezTo>
+                      <a:pt x="11" y="19"/>
+                      <a:pt x="13" y="17"/>
+                      <a:pt x="15" y="17"/>
+                    </a:cubicBezTo>
+                    <a:cubicBezTo>
+                      <a:pt x="18" y="17"/>
+                      <a:pt x="20" y="19"/>
+                      <a:pt x="20" y="22"/>
+                    </a:cubicBezTo>
+                    <a:close/>
+                  </a:path>
+                </a:pathLst>
+              </a:custGeom>
+              <a:solidFill>
+                <a:srgbClr val="FFC000"/>
+              </a:solidFill>
+              <a:ln>
+                <a:solidFill>
+                  <a:srgbClr val="FFC000"/>
+                </a:solidFill>
+              </a:ln>
+            </p:spPr>
+            <p:txBody>
+              <a:bodyPr vert="horz" wrap="square" lIns="91440" tIns="45720" rIns="91440" bIns="45720" numCol="1" anchor="t" anchorCtr="0" compatLnSpc="1">
+                <a:prstTxWarp prst="textNoShape">
+                  <a:avLst/>
+                </a:prstTxWarp>
+              </a:bodyPr>
+              <a:lstStyle/>
+              <a:p>
+                <a:endParaRPr lang="en-US">
+                  <a:solidFill>
+                    <a:srgbClr val="FFC000"/>
+                  </a:solidFill>
+                </a:endParaRPr>
+              </a:p>
+            </p:txBody>
+          </p:sp>
+        </p:grpSp>
+      </p:grpSp>
+      <p:sp>
+        <p:nvSpPr>
+          <p:cNvPr id="91" name="Freeform 29">
+            <a:extLst>
+              <a:ext uri="{FF2B5EF4-FFF2-40B4-BE49-F238E27FC236}">
+                <a16:creationId xmlns:a16="http://schemas.microsoft.com/office/drawing/2014/main" id="{369D9E4C-93FF-4C0F-831C-AC33AF7434BE}"/>
+              </a:ext>
+            </a:extLst>
+          </p:cNvPr>
+          <p:cNvSpPr/>
+          <p:nvPr/>
+        </p:nvSpPr>
+        <p:spPr>
+          <a:xfrm>
+            <a:off x="6665921" y="3341215"/>
+            <a:ext cx="617952" cy="45719"/>
+          </a:xfrm>
+          <a:custGeom>
+            <a:avLst/>
+            <a:gdLst>
+              <a:gd name="connsiteX0" fmla="*/ 1403350 w 1403350"/>
+              <a:gd name="connsiteY0" fmla="*/ 0 h 0"/>
+              <a:gd name="connsiteX1" fmla="*/ 0 w 1403350"/>
+              <a:gd name="connsiteY1" fmla="*/ 0 h 0"/>
+            </a:gdLst>
+            <a:ahLst/>
+            <a:cxnLst>
+              <a:cxn ang="0">
+                <a:pos x="connsiteX0" y="connsiteY0"/>
+              </a:cxn>
+              <a:cxn ang="0">
+                <a:pos x="connsiteX1" y="connsiteY1"/>
+              </a:cxn>
+            </a:cxnLst>
+            <a:rect l="l" t="t" r="r" b="b"/>
+            <a:pathLst>
+              <a:path w="1403350">
+                <a:moveTo>
+                  <a:pt x="1403350" y="0"/>
+                </a:moveTo>
+                <a:lnTo>
+                  <a:pt x="0" y="0"/>
+                </a:lnTo>
+              </a:path>
+            </a:pathLst>
+          </a:custGeom>
+          <a:ln w="76200" cap="rnd">
+            <a:solidFill>
+              <a:srgbClr val="0070C0"/>
+            </a:solidFill>
+          </a:ln>
+        </p:spPr>
+        <p:style>
+          <a:lnRef idx="1">
+            <a:schemeClr val="accent1"/>
+          </a:lnRef>
+          <a:fillRef idx="0">
+            <a:schemeClr val="accent1"/>
+          </a:fillRef>
+          <a:effectRef idx="0">
+            <a:schemeClr val="accent1"/>
+          </a:effectRef>
+          <a:fontRef idx="minor">
+            <a:schemeClr val="tx1"/>
+          </a:fontRef>
+        </p:style>
+        <p:txBody>
+          <a:bodyPr rtlCol="0" anchor="ctr"/>
+          <a:lstStyle/>
+          <a:p>
+            <a:pPr algn="ctr"/>
+            <a:endParaRPr lang="en-US"/>
+          </a:p>
+        </p:txBody>
+      </p:sp>
+      <p:sp>
+        <p:nvSpPr>
+          <p:cNvPr id="92" name="Freeform 30">
+            <a:extLst>
+              <a:ext uri="{FF2B5EF4-FFF2-40B4-BE49-F238E27FC236}">
+                <a16:creationId xmlns:a16="http://schemas.microsoft.com/office/drawing/2014/main" id="{741EFF7C-6EED-4146-BAC6-E161CBD15585}"/>
+              </a:ext>
+            </a:extLst>
+          </p:cNvPr>
+          <p:cNvSpPr/>
+          <p:nvPr/>
+        </p:nvSpPr>
+        <p:spPr>
+          <a:xfrm rot="5400000" flipV="1">
+            <a:off x="10843292" y="2162183"/>
+            <a:ext cx="932960" cy="202587"/>
+          </a:xfrm>
+          <a:custGeom>
+            <a:avLst/>
+            <a:gdLst>
+              <a:gd name="connsiteX0" fmla="*/ 1403350 w 1403350"/>
+              <a:gd name="connsiteY0" fmla="*/ 0 h 0"/>
+              <a:gd name="connsiteX1" fmla="*/ 0 w 1403350"/>
+              <a:gd name="connsiteY1" fmla="*/ 0 h 0"/>
+            </a:gdLst>
+            <a:ahLst/>
+            <a:cxnLst>
+              <a:cxn ang="0">
+                <a:pos x="connsiteX0" y="connsiteY0"/>
+              </a:cxn>
+              <a:cxn ang="0">
+                <a:pos x="connsiteX1" y="connsiteY1"/>
+              </a:cxn>
+            </a:cxnLst>
+            <a:rect l="l" t="t" r="r" b="b"/>
+            <a:pathLst>
+              <a:path w="1403350">
+                <a:moveTo>
+                  <a:pt x="1403350" y="0"/>
+                </a:moveTo>
+                <a:lnTo>
+                  <a:pt x="0" y="0"/>
+                </a:lnTo>
+              </a:path>
+            </a:pathLst>
+          </a:custGeom>
+          <a:ln w="76200" cap="rnd">
+            <a:solidFill>
+              <a:srgbClr val="FFC000"/>
+            </a:solidFill>
+            <a:headEnd type="none"/>
+            <a:tailEnd type="oval" w="med" len="med"/>
+          </a:ln>
+        </p:spPr>
+        <p:style>
+          <a:lnRef idx="1">
+            <a:schemeClr val="accent1"/>
+          </a:lnRef>
+          <a:fillRef idx="0">
+            <a:schemeClr val="accent1"/>
+          </a:fillRef>
+          <a:effectRef idx="0">
+            <a:schemeClr val="accent1"/>
+          </a:effectRef>
+          <a:fontRef idx="minor">
+            <a:schemeClr val="tx1"/>
+          </a:fontRef>
+        </p:style>
+        <p:txBody>
+          <a:bodyPr rtlCol="0" anchor="ctr"/>
+          <a:lstStyle/>
+          <a:p>
+            <a:pPr algn="ctr"/>
+            <a:endParaRPr lang="en-US"/>
+          </a:p>
+        </p:txBody>
+      </p:sp>
+      <p:sp>
+        <p:nvSpPr>
+          <p:cNvPr id="93" name="Arc 92">
+            <a:extLst>
+              <a:ext uri="{FF2B5EF4-FFF2-40B4-BE49-F238E27FC236}">
+                <a16:creationId xmlns:a16="http://schemas.microsoft.com/office/drawing/2014/main" id="{69357CC2-2535-4527-98CE-94143F4834EC}"/>
+              </a:ext>
+            </a:extLst>
+          </p:cNvPr>
+          <p:cNvSpPr/>
+          <p:nvPr/>
+        </p:nvSpPr>
+        <p:spPr>
+          <a:xfrm>
+            <a:off x="10704506" y="2717662"/>
+            <a:ext cx="1038874" cy="1008706"/>
+          </a:xfrm>
+          <a:prstGeom prst="arc">
+            <a:avLst>
+              <a:gd name="adj1" fmla="val 10102109"/>
+              <a:gd name="adj2" fmla="val 16131434"/>
+            </a:avLst>
+          </a:prstGeom>
+          <a:ln w="76200" cap="rnd">
+            <a:solidFill>
+              <a:srgbClr val="FFC000"/>
+            </a:solidFill>
+          </a:ln>
+        </p:spPr>
+        <p:style>
+          <a:lnRef idx="1">
+            <a:schemeClr val="accent1"/>
+          </a:lnRef>
+          <a:fillRef idx="0">
+            <a:schemeClr val="accent1"/>
+          </a:fillRef>
+          <a:effectRef idx="0">
+            <a:schemeClr val="accent1"/>
+          </a:effectRef>
+          <a:fontRef idx="minor">
+            <a:schemeClr val="tx1"/>
+          </a:fontRef>
+        </p:style>
+        <p:txBody>
+          <a:bodyPr rtlCol="0" anchor="ctr"/>
+          <a:lstStyle/>
+          <a:p>
+            <a:pPr algn="ctr"/>
+            <a:endParaRPr lang="en-US">
+              <a:solidFill>
+                <a:srgbClr val="0070C0"/>
+              </a:solidFill>
+            </a:endParaRPr>
+          </a:p>
+        </p:txBody>
+      </p:sp>
+      <p:sp>
+        <p:nvSpPr>
+          <p:cNvPr id="94" name="TextBox 55">
+            <a:extLst>
+              <a:ext uri="{FF2B5EF4-FFF2-40B4-BE49-F238E27FC236}">
+                <a16:creationId xmlns:a16="http://schemas.microsoft.com/office/drawing/2014/main" id="{64BAFBE8-FEE7-4D8C-AA95-84518CFBF170}"/>
+              </a:ext>
+            </a:extLst>
+          </p:cNvPr>
+          <p:cNvSpPr txBox="1"/>
+          <p:nvPr>
+            <p:custDataLst>
+              <p:tags r:id="rId1"/>
+            </p:custDataLst>
+          </p:nvPr>
+        </p:nvSpPr>
+        <p:spPr>
+          <a:xfrm>
+            <a:off x="7092297" y="971668"/>
+            <a:ext cx="1433619" cy="843303"/>
+          </a:xfrm>
+          <a:prstGeom prst="rect">
+            <a:avLst/>
+          </a:prstGeom>
+          <a:noFill/>
+        </p:spPr>
+        <p:txBody>
+          <a:bodyPr wrap="square" rtlCol="0" anchor="ctr">
+            <a:noAutofit/>
+          </a:bodyPr>
+          <a:lstStyle/>
+          <a:p>
+            <a:pPr algn="ctr"/>
+            <a:r>
+              <a:rPr lang="fr-CA" sz="1600" b="1" dirty="0" smtClean="0">
+                <a:solidFill>
+                  <a:srgbClr val="0070C0"/>
+                </a:solidFill>
+                <a:latin typeface="Arial" panose="020B0604020202020204" pitchFamily="34" charset="0"/>
+                <a:cs typeface="Arial" panose="020B0604020202020204" pitchFamily="34" charset="0"/>
+              </a:rPr>
+              <a:t>Tests et validations</a:t>
+            </a:r>
+            <a:endParaRPr lang="fr-CA" sz="1600" b="1" dirty="0">
+              <a:solidFill>
+                <a:srgbClr val="0070C0"/>
+              </a:solidFill>
+              <a:latin typeface="Arial" panose="020B0604020202020204" pitchFamily="34" charset="0"/>
+              <a:cs typeface="Arial" panose="020B0604020202020204" pitchFamily="34" charset="0"/>
+            </a:endParaRPr>
+          </a:p>
+        </p:txBody>
+      </p:sp>
+      <p:pic>
+        <p:nvPicPr>
+          <p:cNvPr id="96" name="Graphic 61" descr="Internet outline">
+            <a:extLst>
+              <a:ext uri="{FF2B5EF4-FFF2-40B4-BE49-F238E27FC236}">
+                <a16:creationId xmlns:a16="http://schemas.microsoft.com/office/drawing/2014/main" id="{DB81E821-6C2E-12DF-9198-7625C1E5A45C}"/>
+              </a:ext>
+            </a:extLst>
+          </p:cNvPr>
+          <p:cNvPicPr>
+            <a:picLocks noChangeAspect="1"/>
+          </p:cNvPicPr>
+          <p:nvPr/>
+        </p:nvPicPr>
+        <p:blipFill>
+          <a:blip r:embed="rId15" cstate="print">
+            <a:extLst>
+              <a:ext uri="{28A0092B-C50C-407E-A947-70E740481C1C}">
+                <a14:useLocalDpi xmlns:a14="http://schemas.microsoft.com/office/drawing/2010/main" val="0"/>
+              </a:ext>
+              <a:ext uri="{96DAC541-7B7A-43D3-8B79-37D633B846F1}">
+                <asvg:svgBlip xmlns:asvg="http://schemas.microsoft.com/office/drawing/2016/SVG/main" xmlns="" r:embed="rId16"/>
+              </a:ext>
+            </a:extLst>
+          </a:blip>
+          <a:stretch>
+            <a:fillRect/>
+          </a:stretch>
+        </p:blipFill>
+        <p:spPr>
+          <a:xfrm>
+            <a:off x="4247827" y="3097092"/>
+            <a:ext cx="532527" cy="532527"/>
+          </a:xfrm>
+          <a:prstGeom prst="rect">
+            <a:avLst/>
+          </a:prstGeom>
+        </p:spPr>
+      </p:pic>
+      <p:sp>
+        <p:nvSpPr>
+          <p:cNvPr id="97" name="Oval 36"/>
+          <p:cNvSpPr/>
+          <p:nvPr/>
+        </p:nvSpPr>
+        <p:spPr>
+          <a:xfrm>
+            <a:off x="5646691" y="2869416"/>
+            <a:ext cx="944469" cy="907444"/>
+          </a:xfrm>
+          <a:prstGeom prst="ellipse">
+            <a:avLst/>
+          </a:prstGeom>
+          <a:solidFill>
+            <a:schemeClr val="bg1"/>
+          </a:solidFill>
+          <a:ln>
+            <a:noFill/>
+          </a:ln>
+          <a:effectLst>
+            <a:outerShdw blurRad="190500" dist="88900" dir="2700000" algn="tl" rotWithShape="0">
+              <a:prstClr val="black">
+                <a:alpha val="30000"/>
+              </a:prstClr>
+            </a:outerShdw>
+          </a:effectLst>
+        </p:spPr>
+        <p:style>
+          <a:lnRef idx="2">
+            <a:schemeClr val="accent1">
+              <a:shade val="50000"/>
+            </a:schemeClr>
+          </a:lnRef>
+          <a:fillRef idx="1">
+            <a:schemeClr val="accent1"/>
+          </a:fillRef>
+          <a:effectRef idx="0">
+            <a:schemeClr val="accent1"/>
+          </a:effectRef>
+          <a:fontRef idx="minor">
+            <a:schemeClr val="lt1"/>
+          </a:fontRef>
+        </p:style>
+        <p:txBody>
+          <a:bodyPr rtlCol="0" anchor="ctr"/>
+          <a:lstStyle/>
+          <a:p>
+            <a:pPr algn="ctr"/>
+            <a:endParaRPr lang="en-US"/>
+          </a:p>
+        </p:txBody>
+      </p:sp>
+      <p:sp>
+        <p:nvSpPr>
+          <p:cNvPr id="98" name="Freeform 30">
+            <a:extLst>
+              <a:ext uri="{FF2B5EF4-FFF2-40B4-BE49-F238E27FC236}">
+                <a16:creationId xmlns:a16="http://schemas.microsoft.com/office/drawing/2014/main" id="{741EFF7C-6EED-4146-BAC6-E161CBD15585}"/>
+              </a:ext>
+            </a:extLst>
+          </p:cNvPr>
+          <p:cNvSpPr/>
+          <p:nvPr/>
+        </p:nvSpPr>
+        <p:spPr>
+          <a:xfrm rot="5400000" flipV="1">
+            <a:off x="7365486" y="2260773"/>
+            <a:ext cx="932960" cy="45719"/>
+          </a:xfrm>
+          <a:custGeom>
+            <a:avLst/>
+            <a:gdLst>
+              <a:gd name="connsiteX0" fmla="*/ 1403350 w 1403350"/>
+              <a:gd name="connsiteY0" fmla="*/ 0 h 0"/>
+              <a:gd name="connsiteX1" fmla="*/ 0 w 1403350"/>
+              <a:gd name="connsiteY1" fmla="*/ 0 h 0"/>
+            </a:gdLst>
+            <a:ahLst/>
+            <a:cxnLst>
+              <a:cxn ang="0">
+                <a:pos x="connsiteX0" y="connsiteY0"/>
+              </a:cxn>
+              <a:cxn ang="0">
+                <a:pos x="connsiteX1" y="connsiteY1"/>
+              </a:cxn>
+            </a:cxnLst>
+            <a:rect l="l" t="t" r="r" b="b"/>
+            <a:pathLst>
+              <a:path w="1403350">
+                <a:moveTo>
+                  <a:pt x="1403350" y="0"/>
+                </a:moveTo>
+                <a:lnTo>
+                  <a:pt x="0" y="0"/>
+                </a:lnTo>
+              </a:path>
+            </a:pathLst>
+          </a:custGeom>
+          <a:ln w="76200" cap="rnd">
+            <a:solidFill>
+              <a:srgbClr val="0070C0"/>
+            </a:solidFill>
+            <a:headEnd type="none"/>
+            <a:tailEnd type="oval" w="med" len="med"/>
+          </a:ln>
+        </p:spPr>
+        <p:style>
+          <a:lnRef idx="1">
+            <a:schemeClr val="accent1"/>
+          </a:lnRef>
+          <a:fillRef idx="0">
+            <a:schemeClr val="accent1"/>
+          </a:fillRef>
+          <a:effectRef idx="0">
+            <a:schemeClr val="accent1"/>
+          </a:effectRef>
+          <a:fontRef idx="minor">
+            <a:schemeClr val="tx1"/>
+          </a:fontRef>
+        </p:style>
+        <p:txBody>
+          <a:bodyPr rtlCol="0" anchor="ctr"/>
+          <a:lstStyle/>
+          <a:p>
+            <a:pPr algn="ctr"/>
+            <a:endParaRPr lang="en-US"/>
+          </a:p>
+        </p:txBody>
+      </p:sp>
+      <p:sp>
+        <p:nvSpPr>
+          <p:cNvPr id="99" name="Arc 98">
+            <a:extLst>
+              <a:ext uri="{FF2B5EF4-FFF2-40B4-BE49-F238E27FC236}">
+                <a16:creationId xmlns:a16="http://schemas.microsoft.com/office/drawing/2014/main" id="{69357CC2-2535-4527-98CE-94143F4834EC}"/>
+              </a:ext>
+            </a:extLst>
+          </p:cNvPr>
+          <p:cNvSpPr/>
+          <p:nvPr/>
+        </p:nvSpPr>
+        <p:spPr>
+          <a:xfrm>
+            <a:off x="7289670" y="2765619"/>
+            <a:ext cx="1038874" cy="920476"/>
+          </a:xfrm>
+          <a:prstGeom prst="arc">
+            <a:avLst>
+              <a:gd name="adj1" fmla="val 10102109"/>
+              <a:gd name="adj2" fmla="val 16131434"/>
+            </a:avLst>
+          </a:prstGeom>
+          <a:ln w="76200" cap="rnd">
+            <a:solidFill>
+              <a:srgbClr val="0070C0"/>
+            </a:solidFill>
+          </a:ln>
+        </p:spPr>
+        <p:style>
+          <a:lnRef idx="1">
+            <a:schemeClr val="accent1"/>
+          </a:lnRef>
+          <a:fillRef idx="0">
+            <a:schemeClr val="accent1"/>
+          </a:fillRef>
+          <a:effectRef idx="0">
+            <a:schemeClr val="accent1"/>
+          </a:effectRef>
+          <a:fontRef idx="minor">
+            <a:schemeClr val="tx1"/>
+          </a:fontRef>
+        </p:style>
+        <p:txBody>
+          <a:bodyPr rtlCol="0" anchor="ctr"/>
+          <a:lstStyle/>
+          <a:p>
+            <a:pPr algn="ctr"/>
+            <a:endParaRPr lang="en-US"/>
+          </a:p>
+        </p:txBody>
+      </p:sp>
+      <p:sp>
+        <p:nvSpPr>
+          <p:cNvPr id="100" name="Oval 36"/>
+          <p:cNvSpPr/>
+          <p:nvPr/>
+        </p:nvSpPr>
+        <p:spPr>
+          <a:xfrm>
+            <a:off x="7396357" y="2890980"/>
+            <a:ext cx="944469" cy="907444"/>
+          </a:xfrm>
+          <a:prstGeom prst="ellipse">
+            <a:avLst/>
+          </a:prstGeom>
+          <a:solidFill>
+            <a:schemeClr val="bg1"/>
+          </a:solidFill>
+          <a:ln>
+            <a:noFill/>
+          </a:ln>
+          <a:effectLst>
+            <a:outerShdw blurRad="190500" dist="88900" dir="2700000" algn="tl" rotWithShape="0">
+              <a:prstClr val="black">
+                <a:alpha val="30000"/>
+              </a:prstClr>
+            </a:outerShdw>
+          </a:effectLst>
+        </p:spPr>
+        <p:style>
+          <a:lnRef idx="2">
+            <a:schemeClr val="accent1">
+              <a:shade val="50000"/>
+            </a:schemeClr>
+          </a:lnRef>
+          <a:fillRef idx="1">
+            <a:schemeClr val="accent1"/>
+          </a:fillRef>
+          <a:effectRef idx="0">
+            <a:schemeClr val="accent1"/>
+          </a:effectRef>
+          <a:fontRef idx="minor">
+            <a:schemeClr val="lt1"/>
+          </a:fontRef>
+        </p:style>
+        <p:txBody>
+          <a:bodyPr rtlCol="0" anchor="ctr"/>
+          <a:lstStyle/>
+          <a:p>
+            <a:pPr algn="ctr"/>
+            <a:endParaRPr lang="en-US"/>
+          </a:p>
+        </p:txBody>
+      </p:sp>
+      <p:sp>
+        <p:nvSpPr>
+          <p:cNvPr id="134" name="Oval 36"/>
+          <p:cNvSpPr/>
+          <p:nvPr/>
+        </p:nvSpPr>
+        <p:spPr>
+          <a:xfrm>
+            <a:off x="9058832" y="2829366"/>
+            <a:ext cx="944469" cy="907444"/>
+          </a:xfrm>
+          <a:prstGeom prst="ellipse">
+            <a:avLst/>
+          </a:prstGeom>
+          <a:solidFill>
+            <a:schemeClr val="bg1"/>
+          </a:solidFill>
+          <a:ln>
+            <a:noFill/>
+          </a:ln>
+          <a:effectLst>
+            <a:outerShdw blurRad="190500" dist="88900" dir="2700000" algn="tl" rotWithShape="0">
+              <a:prstClr val="black">
+                <a:alpha val="30000"/>
+              </a:prstClr>
+            </a:outerShdw>
+          </a:effectLst>
+        </p:spPr>
+        <p:style>
+          <a:lnRef idx="2">
+            <a:schemeClr val="accent1">
+              <a:shade val="50000"/>
+            </a:schemeClr>
+          </a:lnRef>
+          <a:fillRef idx="1">
+            <a:schemeClr val="accent1"/>
+          </a:fillRef>
+          <a:effectRef idx="0">
+            <a:schemeClr val="accent1"/>
+          </a:effectRef>
+          <a:fontRef idx="minor">
+            <a:schemeClr val="lt1"/>
+          </a:fontRef>
+        </p:style>
+        <p:txBody>
+          <a:bodyPr rtlCol="0" anchor="ctr"/>
+          <a:lstStyle/>
+          <a:p>
+            <a:pPr algn="ctr"/>
+            <a:endParaRPr lang="en-US"/>
+          </a:p>
+        </p:txBody>
+      </p:sp>
+      <p:sp>
+        <p:nvSpPr>
+          <p:cNvPr id="135" name="Freeform 34"/>
+          <p:cNvSpPr/>
+          <p:nvPr/>
+        </p:nvSpPr>
+        <p:spPr>
+          <a:xfrm rot="16200000" flipV="1">
+            <a:off x="9154845" y="4168882"/>
+            <a:ext cx="739031" cy="53731"/>
+          </a:xfrm>
+          <a:custGeom>
+            <a:avLst/>
+            <a:gdLst>
+              <a:gd name="connsiteX0" fmla="*/ 1403350 w 1403350"/>
+              <a:gd name="connsiteY0" fmla="*/ 0 h 0"/>
+              <a:gd name="connsiteX1" fmla="*/ 0 w 1403350"/>
+              <a:gd name="connsiteY1" fmla="*/ 0 h 0"/>
+            </a:gdLst>
+            <a:ahLst/>
+            <a:cxnLst>
+              <a:cxn ang="0">
+                <a:pos x="connsiteX0" y="connsiteY0"/>
+              </a:cxn>
+              <a:cxn ang="0">
+                <a:pos x="connsiteX1" y="connsiteY1"/>
+              </a:cxn>
+            </a:cxnLst>
+            <a:rect l="l" t="t" r="r" b="b"/>
+            <a:pathLst>
+              <a:path w="1403350">
+                <a:moveTo>
+                  <a:pt x="1403350" y="0"/>
+                </a:moveTo>
+                <a:lnTo>
+                  <a:pt x="0" y="0"/>
+                </a:lnTo>
+              </a:path>
+            </a:pathLst>
+          </a:custGeom>
+          <a:ln w="76200" cap="rnd">
+            <a:solidFill>
+              <a:schemeClr val="tx1"/>
+            </a:solidFill>
+            <a:headEnd type="none"/>
+            <a:tailEnd type="oval" w="med" len="med"/>
+          </a:ln>
+        </p:spPr>
+        <p:style>
+          <a:lnRef idx="1">
+            <a:schemeClr val="accent1"/>
+          </a:lnRef>
+          <a:fillRef idx="0">
+            <a:schemeClr val="accent1"/>
+          </a:fillRef>
+          <a:effectRef idx="0">
+            <a:schemeClr val="accent1"/>
+          </a:effectRef>
+          <a:fontRef idx="minor">
+            <a:schemeClr val="tx1"/>
+          </a:fontRef>
+        </p:style>
+        <p:txBody>
+          <a:bodyPr rtlCol="0" anchor="ctr"/>
+          <a:lstStyle/>
+          <a:p>
+            <a:pPr algn="ctr"/>
+            <a:endParaRPr lang="en-US"/>
+          </a:p>
+        </p:txBody>
+      </p:sp>
+      <p:sp>
+        <p:nvSpPr>
+          <p:cNvPr id="136" name="Arc 135"/>
+          <p:cNvSpPr/>
+          <p:nvPr/>
+        </p:nvSpPr>
+        <p:spPr>
+          <a:xfrm flipV="1">
+            <a:off x="8990742" y="2742372"/>
+            <a:ext cx="960797" cy="1053506"/>
+          </a:xfrm>
+          <a:prstGeom prst="arc">
+            <a:avLst>
+              <a:gd name="adj1" fmla="val 10867139"/>
+              <a:gd name="adj2" fmla="val 16661881"/>
+            </a:avLst>
+          </a:prstGeom>
+          <a:ln w="76200" cap="rnd">
+            <a:solidFill>
+              <a:schemeClr val="tx1"/>
+            </a:solidFill>
+          </a:ln>
+        </p:spPr>
+        <p:style>
+          <a:lnRef idx="1">
+            <a:schemeClr val="accent1"/>
+          </a:lnRef>
+          <a:fillRef idx="0">
+            <a:schemeClr val="accent1"/>
+          </a:fillRef>
+          <a:effectRef idx="0">
+            <a:schemeClr val="accent1"/>
+          </a:effectRef>
+          <a:fontRef idx="minor">
+            <a:schemeClr val="tx1"/>
+          </a:fontRef>
+        </p:style>
+        <p:txBody>
+          <a:bodyPr rtlCol="0" anchor="ctr"/>
+          <a:lstStyle/>
+          <a:p>
+            <a:pPr algn="ctr"/>
+            <a:endParaRPr lang="en-US"/>
+          </a:p>
+        </p:txBody>
+      </p:sp>
+      <p:sp>
+        <p:nvSpPr>
+          <p:cNvPr id="137" name="Freeform 29">
+            <a:extLst>
+              <a:ext uri="{FF2B5EF4-FFF2-40B4-BE49-F238E27FC236}">
+                <a16:creationId xmlns:a16="http://schemas.microsoft.com/office/drawing/2014/main" id="{369D9E4C-93FF-4C0F-831C-AC33AF7434BE}"/>
+              </a:ext>
+            </a:extLst>
+          </p:cNvPr>
+          <p:cNvSpPr/>
+          <p:nvPr/>
+        </p:nvSpPr>
+        <p:spPr>
+          <a:xfrm>
+            <a:off x="8366228" y="3220139"/>
+            <a:ext cx="617952" cy="45719"/>
+          </a:xfrm>
+          <a:custGeom>
+            <a:avLst/>
+            <a:gdLst>
+              <a:gd name="connsiteX0" fmla="*/ 1403350 w 1403350"/>
+              <a:gd name="connsiteY0" fmla="*/ 0 h 0"/>
+              <a:gd name="connsiteX1" fmla="*/ 0 w 1403350"/>
+              <a:gd name="connsiteY1" fmla="*/ 0 h 0"/>
+            </a:gdLst>
+            <a:ahLst/>
+            <a:cxnLst>
+              <a:cxn ang="0">
+                <a:pos x="connsiteX0" y="connsiteY0"/>
+              </a:cxn>
+              <a:cxn ang="0">
+                <a:pos x="connsiteX1" y="connsiteY1"/>
+              </a:cxn>
+            </a:cxnLst>
+            <a:rect l="l" t="t" r="r" b="b"/>
+            <a:pathLst>
+              <a:path w="1403350">
+                <a:moveTo>
+                  <a:pt x="1403350" y="0"/>
+                </a:moveTo>
+                <a:lnTo>
+                  <a:pt x="0" y="0"/>
+                </a:lnTo>
+              </a:path>
+            </a:pathLst>
+          </a:custGeom>
+          <a:ln w="76200" cap="rnd">
+            <a:solidFill>
+              <a:schemeClr val="tx1"/>
+            </a:solidFill>
+          </a:ln>
+        </p:spPr>
+        <p:style>
+          <a:lnRef idx="1">
+            <a:schemeClr val="accent1"/>
+          </a:lnRef>
+          <a:fillRef idx="0">
+            <a:schemeClr val="accent1"/>
+          </a:fillRef>
+          <a:effectRef idx="0">
+            <a:schemeClr val="accent1"/>
+          </a:effectRef>
+          <a:fontRef idx="minor">
+            <a:schemeClr val="tx1"/>
+          </a:fontRef>
+        </p:style>
+        <p:txBody>
+          <a:bodyPr rtlCol="0" anchor="ctr"/>
+          <a:lstStyle/>
+          <a:p>
+            <a:pPr algn="ctr"/>
+            <a:endParaRPr lang="en-US"/>
+          </a:p>
+        </p:txBody>
+      </p:sp>
+      <p:sp>
+        <p:nvSpPr>
+          <p:cNvPr id="139" name="TextBox 55">
+            <a:extLst>
+              <a:ext uri="{FF2B5EF4-FFF2-40B4-BE49-F238E27FC236}">
+                <a16:creationId xmlns:a16="http://schemas.microsoft.com/office/drawing/2014/main" id="{64BAFBE8-FEE7-4D8C-AA95-84518CFBF170}"/>
+              </a:ext>
+            </a:extLst>
+          </p:cNvPr>
+          <p:cNvSpPr txBox="1"/>
+          <p:nvPr>
+            <p:custDataLst>
+              <p:tags r:id="rId2"/>
+            </p:custDataLst>
+          </p:nvPr>
+        </p:nvSpPr>
+        <p:spPr>
+          <a:xfrm>
+            <a:off x="10402717" y="991115"/>
+            <a:ext cx="1433619" cy="843303"/>
+          </a:xfrm>
+          <a:prstGeom prst="rect">
+            <a:avLst/>
+          </a:prstGeom>
+          <a:noFill/>
+        </p:spPr>
+        <p:txBody>
+          <a:bodyPr wrap="square" rtlCol="0" anchor="ctr">
+            <a:noAutofit/>
+          </a:bodyPr>
+          <a:lstStyle/>
+          <a:p>
+            <a:pPr algn="ctr"/>
+            <a:r>
+              <a:rPr lang="fr-CA" sz="1600" b="1" dirty="0" smtClean="0">
+                <a:solidFill>
+                  <a:srgbClr val="FFC000"/>
+                </a:solidFill>
+                <a:latin typeface="Arial" panose="020B0604020202020204" pitchFamily="34" charset="0"/>
+                <a:cs typeface="Arial" panose="020B0604020202020204" pitchFamily="34" charset="0"/>
+              </a:rPr>
+              <a:t>Suivi et évolution</a:t>
+            </a:r>
+            <a:endParaRPr lang="fr-CA" sz="1600" b="1" dirty="0">
+              <a:solidFill>
+                <a:srgbClr val="FFC000"/>
+              </a:solidFill>
+              <a:latin typeface="Arial" panose="020B0604020202020204" pitchFamily="34" charset="0"/>
+              <a:cs typeface="Arial" panose="020B0604020202020204" pitchFamily="34" charset="0"/>
+            </a:endParaRPr>
+          </a:p>
+        </p:txBody>
+      </p:sp>
+      <p:sp>
+        <p:nvSpPr>
+          <p:cNvPr id="140" name="Freeform 29">
+            <a:extLst>
+              <a:ext uri="{FF2B5EF4-FFF2-40B4-BE49-F238E27FC236}">
+                <a16:creationId xmlns:a16="http://schemas.microsoft.com/office/drawing/2014/main" id="{369D9E4C-93FF-4C0F-831C-AC33AF7434BE}"/>
+              </a:ext>
+            </a:extLst>
+          </p:cNvPr>
+          <p:cNvSpPr/>
+          <p:nvPr/>
+        </p:nvSpPr>
+        <p:spPr>
+          <a:xfrm>
+            <a:off x="10074887" y="3212424"/>
+            <a:ext cx="617952" cy="45719"/>
+          </a:xfrm>
+          <a:custGeom>
+            <a:avLst/>
+            <a:gdLst>
+              <a:gd name="connsiteX0" fmla="*/ 1403350 w 1403350"/>
+              <a:gd name="connsiteY0" fmla="*/ 0 h 0"/>
+              <a:gd name="connsiteX1" fmla="*/ 0 w 1403350"/>
+              <a:gd name="connsiteY1" fmla="*/ 0 h 0"/>
+            </a:gdLst>
+            <a:ahLst/>
+            <a:cxnLst>
+              <a:cxn ang="0">
+                <a:pos x="connsiteX0" y="connsiteY0"/>
+              </a:cxn>
+              <a:cxn ang="0">
+                <a:pos x="connsiteX1" y="connsiteY1"/>
+              </a:cxn>
+            </a:cxnLst>
+            <a:rect l="l" t="t" r="r" b="b"/>
+            <a:pathLst>
+              <a:path w="1403350">
+                <a:moveTo>
+                  <a:pt x="1403350" y="0"/>
+                </a:moveTo>
+                <a:lnTo>
+                  <a:pt x="0" y="0"/>
+                </a:lnTo>
+              </a:path>
+            </a:pathLst>
+          </a:custGeom>
+          <a:ln w="76200" cap="rnd">
+            <a:solidFill>
+              <a:srgbClr val="FFC000"/>
+            </a:solidFill>
+          </a:ln>
+        </p:spPr>
+        <p:style>
+          <a:lnRef idx="1">
+            <a:schemeClr val="accent1"/>
+          </a:lnRef>
+          <a:fillRef idx="0">
+            <a:schemeClr val="accent1"/>
+          </a:fillRef>
+          <a:effectRef idx="0">
+            <a:schemeClr val="accent1"/>
+          </a:effectRef>
+          <a:fontRef idx="minor">
+            <a:schemeClr val="tx1"/>
+          </a:fontRef>
+        </p:style>
+        <p:txBody>
+          <a:bodyPr rtlCol="0" anchor="ctr"/>
+          <a:lstStyle/>
+          <a:p>
+            <a:pPr algn="ctr"/>
+            <a:endParaRPr lang="en-US"/>
+          </a:p>
+        </p:txBody>
+      </p:sp>
+      <p:sp>
+        <p:nvSpPr>
+          <p:cNvPr id="141" name="TextBox 54"/>
+          <p:cNvSpPr txBox="1"/>
+          <p:nvPr>
+            <p:custDataLst>
+              <p:tags r:id="rId3"/>
+            </p:custDataLst>
+          </p:nvPr>
+        </p:nvSpPr>
+        <p:spPr>
+          <a:xfrm>
+            <a:off x="8667074" y="4525536"/>
+            <a:ext cx="1892916" cy="803823"/>
+          </a:xfrm>
+          <a:prstGeom prst="rect">
+            <a:avLst/>
+          </a:prstGeom>
+          <a:noFill/>
+        </p:spPr>
+        <p:txBody>
+          <a:bodyPr wrap="square" rtlCol="0" anchor="ctr">
+            <a:noAutofit/>
+          </a:bodyPr>
+          <a:lstStyle/>
+          <a:p>
+            <a:pPr algn="ctr"/>
+            <a:r>
+              <a:rPr lang="en-US" sz="1400" b="1" dirty="0" smtClean="0">
+                <a:latin typeface="Arial" panose="020B0604020202020204" pitchFamily="34" charset="0"/>
+                <a:cs typeface="Arial" panose="020B0604020202020204" pitchFamily="34" charset="0"/>
+              </a:rPr>
+              <a:t>Déploiement et mise en production</a:t>
+            </a:r>
+            <a:endParaRPr lang="en-US" sz="1400" b="1" dirty="0">
+              <a:latin typeface="Arial" panose="020B0604020202020204" pitchFamily="34" charset="0"/>
+              <a:cs typeface="Arial" panose="020B0604020202020204" pitchFamily="34" charset="0"/>
+            </a:endParaRPr>
+          </a:p>
+        </p:txBody>
+      </p:sp>
+      <p:sp>
+        <p:nvSpPr>
+          <p:cNvPr id="142" name="Freeform 58"/>
+          <p:cNvSpPr>
+            <a:spLocks noEditPoints="1"/>
+          </p:cNvSpPr>
+          <p:nvPr/>
+        </p:nvSpPr>
+        <p:spPr bwMode="auto">
+          <a:xfrm>
+            <a:off x="9281640" y="3070429"/>
+            <a:ext cx="451381" cy="434245"/>
+          </a:xfrm>
+          <a:custGeom>
+            <a:avLst/>
+            <a:gdLst>
+              <a:gd name="T0" fmla="*/ 52 w 105"/>
+              <a:gd name="T1" fmla="*/ 47 h 104"/>
+              <a:gd name="T2" fmla="*/ 52 w 105"/>
+              <a:gd name="T3" fmla="*/ 58 h 104"/>
+              <a:gd name="T4" fmla="*/ 52 w 105"/>
+              <a:gd name="T5" fmla="*/ 38 h 104"/>
+              <a:gd name="T6" fmla="*/ 52 w 105"/>
+              <a:gd name="T7" fmla="*/ 67 h 104"/>
+              <a:gd name="T8" fmla="*/ 52 w 105"/>
+              <a:gd name="T9" fmla="*/ 38 h 104"/>
+              <a:gd name="T10" fmla="*/ 19 w 105"/>
+              <a:gd name="T11" fmla="*/ 71 h 104"/>
+              <a:gd name="T12" fmla="*/ 12 w 105"/>
+              <a:gd name="T13" fmla="*/ 85 h 104"/>
+              <a:gd name="T14" fmla="*/ 26 w 105"/>
+              <a:gd name="T15" fmla="*/ 93 h 104"/>
+              <a:gd name="T16" fmla="*/ 42 w 105"/>
+              <a:gd name="T17" fmla="*/ 90 h 104"/>
+              <a:gd name="T18" fmla="*/ 47 w 105"/>
+              <a:gd name="T19" fmla="*/ 104 h 104"/>
+              <a:gd name="T20" fmla="*/ 62 w 105"/>
+              <a:gd name="T21" fmla="*/ 99 h 104"/>
+              <a:gd name="T22" fmla="*/ 72 w 105"/>
+              <a:gd name="T23" fmla="*/ 86 h 104"/>
+              <a:gd name="T24" fmla="*/ 86 w 105"/>
+              <a:gd name="T25" fmla="*/ 93 h 104"/>
+              <a:gd name="T26" fmla="*/ 93 w 105"/>
+              <a:gd name="T27" fmla="*/ 79 h 104"/>
+              <a:gd name="T28" fmla="*/ 90 w 105"/>
+              <a:gd name="T29" fmla="*/ 63 h 104"/>
+              <a:gd name="T30" fmla="*/ 105 w 105"/>
+              <a:gd name="T31" fmla="*/ 57 h 104"/>
+              <a:gd name="T32" fmla="*/ 100 w 105"/>
+              <a:gd name="T33" fmla="*/ 42 h 104"/>
+              <a:gd name="T34" fmla="*/ 86 w 105"/>
+              <a:gd name="T35" fmla="*/ 33 h 104"/>
+              <a:gd name="T36" fmla="*/ 93 w 105"/>
+              <a:gd name="T37" fmla="*/ 19 h 104"/>
+              <a:gd name="T38" fmla="*/ 79 w 105"/>
+              <a:gd name="T39" fmla="*/ 12 h 104"/>
+              <a:gd name="T40" fmla="*/ 63 w 105"/>
+              <a:gd name="T41" fmla="*/ 15 h 104"/>
+              <a:gd name="T42" fmla="*/ 58 w 105"/>
+              <a:gd name="T43" fmla="*/ 0 h 104"/>
+              <a:gd name="T44" fmla="*/ 42 w 105"/>
+              <a:gd name="T45" fmla="*/ 5 h 104"/>
+              <a:gd name="T46" fmla="*/ 33 w 105"/>
+              <a:gd name="T47" fmla="*/ 18 h 104"/>
+              <a:gd name="T48" fmla="*/ 19 w 105"/>
+              <a:gd name="T49" fmla="*/ 12 h 104"/>
+              <a:gd name="T50" fmla="*/ 12 w 105"/>
+              <a:gd name="T51" fmla="*/ 26 h 104"/>
+              <a:gd name="T52" fmla="*/ 15 w 105"/>
+              <a:gd name="T53" fmla="*/ 42 h 104"/>
+              <a:gd name="T54" fmla="*/ 0 w 105"/>
+              <a:gd name="T55" fmla="*/ 47 h 104"/>
+              <a:gd name="T56" fmla="*/ 5 w 105"/>
+              <a:gd name="T57" fmla="*/ 62 h 104"/>
+              <a:gd name="T58" fmla="*/ 52 w 105"/>
+              <a:gd name="T59" fmla="*/ 29 h 104"/>
+              <a:gd name="T60" fmla="*/ 52 w 105"/>
+              <a:gd name="T61" fmla="*/ 76 h 104"/>
+              <a:gd name="T62" fmla="*/ 52 w 105"/>
+              <a:gd name="T63" fmla="*/ 29 h 104"/>
+            </a:gdLst>
+            <a:ahLst/>
+            <a:cxnLst>
+              <a:cxn ang="0">
+                <a:pos x="T0" y="T1"/>
+              </a:cxn>
+              <a:cxn ang="0">
+                <a:pos x="T2" y="T3"/>
+              </a:cxn>
+              <a:cxn ang="0">
+                <a:pos x="T4" y="T5"/>
+              </a:cxn>
+              <a:cxn ang="0">
+                <a:pos x="T6" y="T7"/>
+              </a:cxn>
+              <a:cxn ang="0">
+                <a:pos x="T8" y="T9"/>
+              </a:cxn>
+              <a:cxn ang="0">
+                <a:pos x="T10" y="T11"/>
+              </a:cxn>
+              <a:cxn ang="0">
+                <a:pos x="T12" y="T13"/>
+              </a:cxn>
+              <a:cxn ang="0">
+                <a:pos x="T14" y="T15"/>
+              </a:cxn>
+              <a:cxn ang="0">
+                <a:pos x="T16" y="T17"/>
+              </a:cxn>
+              <a:cxn ang="0">
+                <a:pos x="T18" y="T19"/>
+              </a:cxn>
+              <a:cxn ang="0">
+                <a:pos x="T20" y="T21"/>
+              </a:cxn>
+              <a:cxn ang="0">
+                <a:pos x="T22" y="T23"/>
+              </a:cxn>
+              <a:cxn ang="0">
+                <a:pos x="T24" y="T25"/>
+              </a:cxn>
+              <a:cxn ang="0">
+                <a:pos x="T26" y="T27"/>
+              </a:cxn>
+              <a:cxn ang="0">
+                <a:pos x="T28" y="T29"/>
+              </a:cxn>
+              <a:cxn ang="0">
+                <a:pos x="T30" y="T31"/>
+              </a:cxn>
+              <a:cxn ang="0">
+                <a:pos x="T32" y="T33"/>
+              </a:cxn>
+              <a:cxn ang="0">
+                <a:pos x="T34" y="T35"/>
+              </a:cxn>
+              <a:cxn ang="0">
+                <a:pos x="T36" y="T37"/>
+              </a:cxn>
+              <a:cxn ang="0">
+                <a:pos x="T38" y="T39"/>
+              </a:cxn>
+              <a:cxn ang="0">
+                <a:pos x="T40" y="T41"/>
+              </a:cxn>
+              <a:cxn ang="0">
+                <a:pos x="T42" y="T43"/>
+              </a:cxn>
+              <a:cxn ang="0">
+                <a:pos x="T44" y="T45"/>
+              </a:cxn>
+              <a:cxn ang="0">
+                <a:pos x="T46" y="T47"/>
+              </a:cxn>
+              <a:cxn ang="0">
+                <a:pos x="T48" y="T49"/>
+              </a:cxn>
+              <a:cxn ang="0">
+                <a:pos x="T50" y="T51"/>
+              </a:cxn>
+              <a:cxn ang="0">
+                <a:pos x="T52" y="T53"/>
+              </a:cxn>
+              <a:cxn ang="0">
+                <a:pos x="T54" y="T55"/>
+              </a:cxn>
+              <a:cxn ang="0">
+                <a:pos x="T56" y="T57"/>
+              </a:cxn>
+              <a:cxn ang="0">
+                <a:pos x="T58" y="T59"/>
+              </a:cxn>
+              <a:cxn ang="0">
+                <a:pos x="T60" y="T61"/>
+              </a:cxn>
+              <a:cxn ang="0">
+                <a:pos x="T62" y="T63"/>
+              </a:cxn>
+            </a:cxnLst>
+            <a:rect l="0" t="0" r="r" b="b"/>
+            <a:pathLst>
+              <a:path w="105" h="104">
+                <a:moveTo>
+                  <a:pt x="47" y="52"/>
+                </a:moveTo>
+                <a:cubicBezTo>
+                  <a:pt x="47" y="49"/>
+                  <a:pt x="49" y="47"/>
+                  <a:pt x="52" y="47"/>
+                </a:cubicBezTo>
+                <a:cubicBezTo>
+                  <a:pt x="56" y="47"/>
+                  <a:pt x="58" y="49"/>
+                  <a:pt x="58" y="52"/>
+                </a:cubicBezTo>
+                <a:cubicBezTo>
+                  <a:pt x="58" y="55"/>
+                  <a:pt x="56" y="58"/>
+                  <a:pt x="52" y="58"/>
+                </a:cubicBezTo>
+                <a:cubicBezTo>
+                  <a:pt x="49" y="58"/>
+                  <a:pt x="47" y="55"/>
+                  <a:pt x="47" y="52"/>
+                </a:cubicBezTo>
+                <a:close/>
+                <a:moveTo>
+                  <a:pt x="52" y="38"/>
+                </a:moveTo>
+                <a:cubicBezTo>
+                  <a:pt x="44" y="38"/>
+                  <a:pt x="38" y="44"/>
+                  <a:pt x="38" y="52"/>
+                </a:cubicBezTo>
+                <a:cubicBezTo>
+                  <a:pt x="38" y="60"/>
+                  <a:pt x="44" y="67"/>
+                  <a:pt x="52" y="67"/>
+                </a:cubicBezTo>
+                <a:cubicBezTo>
+                  <a:pt x="60" y="67"/>
+                  <a:pt x="67" y="60"/>
+                  <a:pt x="67" y="52"/>
+                </a:cubicBezTo>
+                <a:cubicBezTo>
+                  <a:pt x="67" y="44"/>
+                  <a:pt x="60" y="38"/>
+                  <a:pt x="52" y="38"/>
+                </a:cubicBezTo>
+                <a:close/>
+                <a:moveTo>
+                  <a:pt x="15" y="63"/>
+                </a:moveTo>
+                <a:cubicBezTo>
+                  <a:pt x="16" y="66"/>
+                  <a:pt x="17" y="69"/>
+                  <a:pt x="19" y="71"/>
+                </a:cubicBezTo>
+                <a:cubicBezTo>
+                  <a:pt x="12" y="79"/>
+                  <a:pt x="12" y="79"/>
+                  <a:pt x="12" y="79"/>
+                </a:cubicBezTo>
+                <a:cubicBezTo>
+                  <a:pt x="10" y="80"/>
+                  <a:pt x="10" y="84"/>
+                  <a:pt x="12" y="85"/>
+                </a:cubicBezTo>
+                <a:cubicBezTo>
+                  <a:pt x="19" y="93"/>
+                  <a:pt x="19" y="93"/>
+                  <a:pt x="19" y="93"/>
+                </a:cubicBezTo>
+                <a:cubicBezTo>
+                  <a:pt x="21" y="95"/>
+                  <a:pt x="24" y="95"/>
+                  <a:pt x="26" y="93"/>
+                </a:cubicBezTo>
+                <a:cubicBezTo>
+                  <a:pt x="33" y="86"/>
+                  <a:pt x="33" y="86"/>
+                  <a:pt x="33" y="86"/>
+                </a:cubicBezTo>
+                <a:cubicBezTo>
+                  <a:pt x="36" y="88"/>
+                  <a:pt x="39" y="89"/>
+                  <a:pt x="42" y="90"/>
+                </a:cubicBezTo>
+                <a:cubicBezTo>
+                  <a:pt x="42" y="99"/>
+                  <a:pt x="42" y="99"/>
+                  <a:pt x="42" y="99"/>
+                </a:cubicBezTo>
+                <a:cubicBezTo>
+                  <a:pt x="42" y="102"/>
+                  <a:pt x="45" y="104"/>
+                  <a:pt x="47" y="104"/>
+                </a:cubicBezTo>
+                <a:cubicBezTo>
+                  <a:pt x="58" y="104"/>
+                  <a:pt x="58" y="104"/>
+                  <a:pt x="58" y="104"/>
+                </a:cubicBezTo>
+                <a:cubicBezTo>
+                  <a:pt x="60" y="104"/>
+                  <a:pt x="62" y="102"/>
+                  <a:pt x="62" y="99"/>
+                </a:cubicBezTo>
+                <a:cubicBezTo>
+                  <a:pt x="63" y="90"/>
+                  <a:pt x="63" y="90"/>
+                  <a:pt x="63" y="90"/>
+                </a:cubicBezTo>
+                <a:cubicBezTo>
+                  <a:pt x="66" y="89"/>
+                  <a:pt x="69" y="88"/>
+                  <a:pt x="72" y="86"/>
+                </a:cubicBezTo>
+                <a:cubicBezTo>
+                  <a:pt x="79" y="93"/>
+                  <a:pt x="79" y="93"/>
+                  <a:pt x="79" y="93"/>
+                </a:cubicBezTo>
+                <a:cubicBezTo>
+                  <a:pt x="81" y="95"/>
+                  <a:pt x="84" y="95"/>
+                  <a:pt x="86" y="93"/>
+                </a:cubicBezTo>
+                <a:cubicBezTo>
+                  <a:pt x="93" y="85"/>
+                  <a:pt x="93" y="85"/>
+                  <a:pt x="93" y="85"/>
+                </a:cubicBezTo>
+                <a:cubicBezTo>
+                  <a:pt x="95" y="84"/>
+                  <a:pt x="95" y="80"/>
+                  <a:pt x="93" y="79"/>
+                </a:cubicBezTo>
+                <a:cubicBezTo>
+                  <a:pt x="86" y="71"/>
+                  <a:pt x="86" y="71"/>
+                  <a:pt x="86" y="71"/>
+                </a:cubicBezTo>
+                <a:cubicBezTo>
+                  <a:pt x="88" y="69"/>
+                  <a:pt x="89" y="66"/>
+                  <a:pt x="90" y="63"/>
+                </a:cubicBezTo>
+                <a:cubicBezTo>
+                  <a:pt x="100" y="62"/>
+                  <a:pt x="100" y="62"/>
+                  <a:pt x="100" y="62"/>
+                </a:cubicBezTo>
+                <a:cubicBezTo>
+                  <a:pt x="102" y="62"/>
+                  <a:pt x="105" y="60"/>
+                  <a:pt x="105" y="57"/>
+                </a:cubicBezTo>
+                <a:cubicBezTo>
+                  <a:pt x="105" y="47"/>
+                  <a:pt x="105" y="47"/>
+                  <a:pt x="105" y="47"/>
+                </a:cubicBezTo>
+                <a:cubicBezTo>
+                  <a:pt x="105" y="44"/>
+                  <a:pt x="102" y="42"/>
+                  <a:pt x="100" y="42"/>
+                </a:cubicBezTo>
+                <a:cubicBezTo>
+                  <a:pt x="90" y="42"/>
+                  <a:pt x="90" y="42"/>
+                  <a:pt x="90" y="42"/>
+                </a:cubicBezTo>
+                <a:cubicBezTo>
+                  <a:pt x="89" y="39"/>
+                  <a:pt x="88" y="36"/>
+                  <a:pt x="86" y="33"/>
+                </a:cubicBezTo>
+                <a:cubicBezTo>
+                  <a:pt x="93" y="26"/>
+                  <a:pt x="93" y="26"/>
+                  <a:pt x="93" y="26"/>
+                </a:cubicBezTo>
+                <a:cubicBezTo>
+                  <a:pt x="95" y="24"/>
+                  <a:pt x="95" y="21"/>
+                  <a:pt x="93" y="19"/>
+                </a:cubicBezTo>
+                <a:cubicBezTo>
+                  <a:pt x="86" y="12"/>
+                  <a:pt x="86" y="12"/>
+                  <a:pt x="86" y="12"/>
+                </a:cubicBezTo>
+                <a:cubicBezTo>
+                  <a:pt x="84" y="10"/>
+                  <a:pt x="81" y="10"/>
+                  <a:pt x="79" y="12"/>
+                </a:cubicBezTo>
+                <a:cubicBezTo>
+                  <a:pt x="72" y="18"/>
+                  <a:pt x="72" y="18"/>
+                  <a:pt x="72" y="18"/>
+                </a:cubicBezTo>
+                <a:cubicBezTo>
+                  <a:pt x="69" y="17"/>
+                  <a:pt x="66" y="16"/>
+                  <a:pt x="63" y="15"/>
+                </a:cubicBezTo>
+                <a:cubicBezTo>
+                  <a:pt x="62" y="5"/>
+                  <a:pt x="62" y="5"/>
+                  <a:pt x="62" y="5"/>
+                </a:cubicBezTo>
+                <a:cubicBezTo>
+                  <a:pt x="62" y="2"/>
+                  <a:pt x="60" y="0"/>
+                  <a:pt x="58" y="0"/>
+                </a:cubicBezTo>
+                <a:cubicBezTo>
+                  <a:pt x="47" y="0"/>
+                  <a:pt x="47" y="0"/>
+                  <a:pt x="47" y="0"/>
+                </a:cubicBezTo>
+                <a:cubicBezTo>
+                  <a:pt x="45" y="0"/>
+                  <a:pt x="42" y="2"/>
+                  <a:pt x="42" y="5"/>
+                </a:cubicBezTo>
+                <a:cubicBezTo>
+                  <a:pt x="42" y="15"/>
+                  <a:pt x="42" y="15"/>
+                  <a:pt x="42" y="15"/>
+                </a:cubicBezTo>
+                <a:cubicBezTo>
+                  <a:pt x="39" y="16"/>
+                  <a:pt x="36" y="17"/>
+                  <a:pt x="33" y="18"/>
+                </a:cubicBezTo>
+                <a:cubicBezTo>
+                  <a:pt x="26" y="12"/>
+                  <a:pt x="26" y="12"/>
+                  <a:pt x="26" y="12"/>
+                </a:cubicBezTo>
+                <a:cubicBezTo>
+                  <a:pt x="24" y="10"/>
+                  <a:pt x="21" y="10"/>
+                  <a:pt x="19" y="12"/>
+                </a:cubicBezTo>
+                <a:cubicBezTo>
+                  <a:pt x="12" y="19"/>
+                  <a:pt x="12" y="19"/>
+                  <a:pt x="12" y="19"/>
+                </a:cubicBezTo>
+                <a:cubicBezTo>
+                  <a:pt x="10" y="21"/>
+                  <a:pt x="10" y="24"/>
+                  <a:pt x="12" y="26"/>
+                </a:cubicBezTo>
+                <a:cubicBezTo>
+                  <a:pt x="19" y="33"/>
+                  <a:pt x="19" y="33"/>
+                  <a:pt x="19" y="33"/>
+                </a:cubicBezTo>
+                <a:cubicBezTo>
+                  <a:pt x="17" y="36"/>
+                  <a:pt x="16" y="39"/>
+                  <a:pt x="15" y="42"/>
+                </a:cubicBezTo>
+                <a:cubicBezTo>
+                  <a:pt x="5" y="42"/>
+                  <a:pt x="5" y="42"/>
+                  <a:pt x="5" y="42"/>
+                </a:cubicBezTo>
+                <a:cubicBezTo>
+                  <a:pt x="3" y="42"/>
+                  <a:pt x="0" y="44"/>
+                  <a:pt x="0" y="47"/>
+                </a:cubicBezTo>
+                <a:cubicBezTo>
+                  <a:pt x="0" y="57"/>
+                  <a:pt x="0" y="57"/>
+                  <a:pt x="0" y="57"/>
+                </a:cubicBezTo>
+                <a:cubicBezTo>
+                  <a:pt x="0" y="60"/>
+                  <a:pt x="3" y="62"/>
+                  <a:pt x="5" y="62"/>
+                </a:cubicBezTo>
+                <a:lnTo>
+                  <a:pt x="15" y="63"/>
+                </a:lnTo>
+                <a:close/>
+                <a:moveTo>
+                  <a:pt x="52" y="29"/>
+                </a:moveTo>
+                <a:cubicBezTo>
+                  <a:pt x="65" y="29"/>
+                  <a:pt x="76" y="39"/>
+                  <a:pt x="76" y="52"/>
+                </a:cubicBezTo>
+                <a:cubicBezTo>
+                  <a:pt x="76" y="65"/>
+                  <a:pt x="65" y="76"/>
+                  <a:pt x="52" y="76"/>
+                </a:cubicBezTo>
+                <a:cubicBezTo>
+                  <a:pt x="40" y="76"/>
+                  <a:pt x="29" y="65"/>
+                  <a:pt x="29" y="52"/>
+                </a:cubicBezTo>
+                <a:cubicBezTo>
+                  <a:pt x="29" y="39"/>
+                  <a:pt x="40" y="29"/>
+                  <a:pt x="52" y="29"/>
+                </a:cubicBezTo>
+                <a:close/>
+              </a:path>
+            </a:pathLst>
+          </a:custGeom>
+          <a:solidFill>
+            <a:schemeClr val="tx1"/>
+          </a:solidFill>
+          <a:ln>
+            <a:noFill/>
+          </a:ln>
+        </p:spPr>
+        <p:txBody>
+          <a:bodyPr vert="horz" wrap="square" lIns="91440" tIns="45720" rIns="91440" bIns="45720" numCol="1" anchor="t" anchorCtr="0" compatLnSpc="1">
+            <a:prstTxWarp prst="textNoShape">
+              <a:avLst/>
+            </a:prstTxWarp>
+          </a:bodyPr>
+          <a:lstStyle/>
+          <a:p>
+            <a:endParaRPr lang="en-US"/>
+          </a:p>
+        </p:txBody>
+      </p:sp>
+      <p:sp>
+        <p:nvSpPr>
+          <p:cNvPr id="143" name="Freeform 56"/>
+          <p:cNvSpPr>
+            <a:spLocks noEditPoints="1"/>
+          </p:cNvSpPr>
+          <p:nvPr/>
+        </p:nvSpPr>
+        <p:spPr bwMode="auto">
+          <a:xfrm>
+            <a:off x="2688155" y="3167300"/>
+            <a:ext cx="365838" cy="443071"/>
+          </a:xfrm>
+          <a:custGeom>
+            <a:avLst/>
+            <a:gdLst>
+              <a:gd name="T0" fmla="*/ 9 w 85"/>
+              <a:gd name="T1" fmla="*/ 0 h 106"/>
+              <a:gd name="T2" fmla="*/ 0 w 85"/>
+              <a:gd name="T3" fmla="*/ 9 h 106"/>
+              <a:gd name="T4" fmla="*/ 0 w 85"/>
+              <a:gd name="T5" fmla="*/ 98 h 106"/>
+              <a:gd name="T6" fmla="*/ 9 w 85"/>
+              <a:gd name="T7" fmla="*/ 106 h 106"/>
+              <a:gd name="T8" fmla="*/ 76 w 85"/>
+              <a:gd name="T9" fmla="*/ 106 h 106"/>
+              <a:gd name="T10" fmla="*/ 85 w 85"/>
+              <a:gd name="T11" fmla="*/ 98 h 106"/>
+              <a:gd name="T12" fmla="*/ 85 w 85"/>
+              <a:gd name="T13" fmla="*/ 31 h 106"/>
+              <a:gd name="T14" fmla="*/ 81 w 85"/>
+              <a:gd name="T15" fmla="*/ 23 h 106"/>
+              <a:gd name="T16" fmla="*/ 61 w 85"/>
+              <a:gd name="T17" fmla="*/ 3 h 106"/>
+              <a:gd name="T18" fmla="*/ 54 w 85"/>
+              <a:gd name="T19" fmla="*/ 0 h 106"/>
+              <a:gd name="T20" fmla="*/ 9 w 85"/>
+              <a:gd name="T21" fmla="*/ 0 h 106"/>
+              <a:gd name="T22" fmla="*/ 40 w 85"/>
+              <a:gd name="T23" fmla="*/ 16 h 106"/>
+              <a:gd name="T24" fmla="*/ 45 w 85"/>
+              <a:gd name="T25" fmla="*/ 11 h 106"/>
+              <a:gd name="T26" fmla="*/ 49 w 85"/>
+              <a:gd name="T27" fmla="*/ 16 h 106"/>
+              <a:gd name="T28" fmla="*/ 49 w 85"/>
+              <a:gd name="T29" fmla="*/ 32 h 106"/>
+              <a:gd name="T30" fmla="*/ 52 w 85"/>
+              <a:gd name="T31" fmla="*/ 36 h 106"/>
+              <a:gd name="T32" fmla="*/ 69 w 85"/>
+              <a:gd name="T33" fmla="*/ 36 h 106"/>
+              <a:gd name="T34" fmla="*/ 73 w 85"/>
+              <a:gd name="T35" fmla="*/ 40 h 106"/>
+              <a:gd name="T36" fmla="*/ 69 w 85"/>
+              <a:gd name="T37" fmla="*/ 44 h 106"/>
+              <a:gd name="T38" fmla="*/ 49 w 85"/>
+              <a:gd name="T39" fmla="*/ 44 h 106"/>
+              <a:gd name="T40" fmla="*/ 40 w 85"/>
+              <a:gd name="T41" fmla="*/ 36 h 106"/>
+              <a:gd name="T42" fmla="*/ 40 w 85"/>
+              <a:gd name="T43" fmla="*/ 16 h 106"/>
+            </a:gdLst>
+            <a:ahLst/>
+            <a:cxnLst>
+              <a:cxn ang="0">
+                <a:pos x="T0" y="T1"/>
+              </a:cxn>
+              <a:cxn ang="0">
+                <a:pos x="T2" y="T3"/>
+              </a:cxn>
+              <a:cxn ang="0">
+                <a:pos x="T4" y="T5"/>
+              </a:cxn>
+              <a:cxn ang="0">
+                <a:pos x="T6" y="T7"/>
+              </a:cxn>
+              <a:cxn ang="0">
+                <a:pos x="T8" y="T9"/>
+              </a:cxn>
+              <a:cxn ang="0">
+                <a:pos x="T10" y="T11"/>
+              </a:cxn>
+              <a:cxn ang="0">
+                <a:pos x="T12" y="T13"/>
+              </a:cxn>
+              <a:cxn ang="0">
+                <a:pos x="T14" y="T15"/>
+              </a:cxn>
+              <a:cxn ang="0">
+                <a:pos x="T16" y="T17"/>
+              </a:cxn>
+              <a:cxn ang="0">
+                <a:pos x="T18" y="T19"/>
+              </a:cxn>
+              <a:cxn ang="0">
+                <a:pos x="T20" y="T21"/>
+              </a:cxn>
+              <a:cxn ang="0">
+                <a:pos x="T22" y="T23"/>
+              </a:cxn>
+              <a:cxn ang="0">
+                <a:pos x="T24" y="T25"/>
+              </a:cxn>
+              <a:cxn ang="0">
+                <a:pos x="T26" y="T27"/>
+              </a:cxn>
+              <a:cxn ang="0">
+                <a:pos x="T28" y="T29"/>
+              </a:cxn>
+              <a:cxn ang="0">
+                <a:pos x="T30" y="T31"/>
+              </a:cxn>
+              <a:cxn ang="0">
+                <a:pos x="T32" y="T33"/>
+              </a:cxn>
+              <a:cxn ang="0">
+                <a:pos x="T34" y="T35"/>
+              </a:cxn>
+              <a:cxn ang="0">
+                <a:pos x="T36" y="T37"/>
+              </a:cxn>
+              <a:cxn ang="0">
+                <a:pos x="T38" y="T39"/>
+              </a:cxn>
+              <a:cxn ang="0">
+                <a:pos x="T40" y="T41"/>
+              </a:cxn>
+              <a:cxn ang="0">
+                <a:pos x="T42" y="T43"/>
+              </a:cxn>
+            </a:cxnLst>
+            <a:rect l="0" t="0" r="r" b="b"/>
+            <a:pathLst>
+              <a:path w="85" h="106">
+                <a:moveTo>
+                  <a:pt x="9" y="0"/>
+                </a:moveTo>
+                <a:cubicBezTo>
+                  <a:pt x="4" y="0"/>
+                  <a:pt x="0" y="4"/>
+                  <a:pt x="0" y="9"/>
+                </a:cubicBezTo>
+                <a:cubicBezTo>
+                  <a:pt x="0" y="98"/>
+                  <a:pt x="0" y="98"/>
+                  <a:pt x="0" y="98"/>
+                </a:cubicBezTo>
+                <a:cubicBezTo>
+                  <a:pt x="0" y="103"/>
+                  <a:pt x="4" y="106"/>
+                  <a:pt x="9" y="106"/>
+                </a:cubicBezTo>
+                <a:cubicBezTo>
+                  <a:pt x="76" y="106"/>
+                  <a:pt x="76" y="106"/>
+                  <a:pt x="76" y="106"/>
+                </a:cubicBezTo>
+                <a:cubicBezTo>
+                  <a:pt x="81" y="106"/>
+                  <a:pt x="85" y="103"/>
+                  <a:pt x="85" y="98"/>
+                </a:cubicBezTo>
+                <a:cubicBezTo>
+                  <a:pt x="85" y="31"/>
+                  <a:pt x="85" y="31"/>
+                  <a:pt x="85" y="31"/>
+                </a:cubicBezTo>
+                <a:cubicBezTo>
+                  <a:pt x="85" y="28"/>
+                  <a:pt x="83" y="25"/>
+                  <a:pt x="81" y="23"/>
+                </a:cubicBezTo>
+                <a:cubicBezTo>
+                  <a:pt x="61" y="3"/>
+                  <a:pt x="61" y="3"/>
+                  <a:pt x="61" y="3"/>
+                </a:cubicBezTo>
+                <a:cubicBezTo>
+                  <a:pt x="59" y="1"/>
+                  <a:pt x="57" y="0"/>
+                  <a:pt x="54" y="0"/>
+                </a:cubicBezTo>
+                <a:lnTo>
+                  <a:pt x="9" y="0"/>
+                </a:lnTo>
+                <a:close/>
+                <a:moveTo>
+                  <a:pt x="40" y="16"/>
+                </a:moveTo>
+                <a:cubicBezTo>
+                  <a:pt x="40" y="13"/>
+                  <a:pt x="42" y="11"/>
+                  <a:pt x="45" y="11"/>
+                </a:cubicBezTo>
+                <a:cubicBezTo>
+                  <a:pt x="47" y="11"/>
+                  <a:pt x="49" y="13"/>
+                  <a:pt x="49" y="16"/>
+                </a:cubicBezTo>
+                <a:cubicBezTo>
+                  <a:pt x="49" y="32"/>
+                  <a:pt x="49" y="32"/>
+                  <a:pt x="49" y="32"/>
+                </a:cubicBezTo>
+                <a:cubicBezTo>
+                  <a:pt x="49" y="34"/>
+                  <a:pt x="51" y="36"/>
+                  <a:pt x="52" y="36"/>
+                </a:cubicBezTo>
+                <a:cubicBezTo>
+                  <a:pt x="69" y="36"/>
+                  <a:pt x="69" y="36"/>
+                  <a:pt x="69" y="36"/>
+                </a:cubicBezTo>
+                <a:cubicBezTo>
+                  <a:pt x="71" y="36"/>
+                  <a:pt x="73" y="38"/>
+                  <a:pt x="73" y="40"/>
+                </a:cubicBezTo>
+                <a:cubicBezTo>
+                  <a:pt x="73" y="42"/>
+                  <a:pt x="71" y="44"/>
+                  <a:pt x="69" y="44"/>
+                </a:cubicBezTo>
+                <a:cubicBezTo>
+                  <a:pt x="49" y="44"/>
+                  <a:pt x="49" y="44"/>
+                  <a:pt x="49" y="44"/>
+                </a:cubicBezTo>
+                <a:cubicBezTo>
+                  <a:pt x="44" y="44"/>
+                  <a:pt x="40" y="40"/>
+                  <a:pt x="40" y="36"/>
+                </a:cubicBezTo>
+                <a:lnTo>
+                  <a:pt x="40" y="16"/>
+                </a:lnTo>
+                <a:close/>
+              </a:path>
+            </a:pathLst>
+          </a:custGeom>
+          <a:solidFill>
+            <a:schemeClr val="accent1">
+              <a:lumMod val="75000"/>
+            </a:schemeClr>
+          </a:solidFill>
+          <a:ln>
+            <a:noFill/>
+          </a:ln>
+        </p:spPr>
+        <p:txBody>
+          <a:bodyPr vert="horz" wrap="square" lIns="91440" tIns="45720" rIns="91440" bIns="45720" numCol="1" anchor="t" anchorCtr="0" compatLnSpc="1">
+            <a:prstTxWarp prst="textNoShape">
+              <a:avLst/>
+            </a:prstTxWarp>
+          </a:bodyPr>
+          <a:lstStyle/>
+          <a:p>
+            <a:endParaRPr lang="en-US"/>
+          </a:p>
+        </p:txBody>
+      </p:sp>
+      <p:pic>
+        <p:nvPicPr>
+          <p:cNvPr id="144" name="Graphic 61" descr="Internet outline">
+            <a:extLst>
+              <a:ext uri="{FF2B5EF4-FFF2-40B4-BE49-F238E27FC236}">
+                <a16:creationId xmlns:a16="http://schemas.microsoft.com/office/drawing/2014/main" id="{DB81E821-6C2E-12DF-9198-7625C1E5A45C}"/>
+              </a:ext>
+            </a:extLst>
+          </p:cNvPr>
+          <p:cNvPicPr>
+            <a:picLocks noChangeAspect="1"/>
+          </p:cNvPicPr>
+          <p:nvPr/>
+        </p:nvPicPr>
+        <p:blipFill>
+          <a:blip r:embed="rId17" cstate="print">
+            <a:duotone>
+              <a:schemeClr val="accent6">
+                <a:shade val="45000"/>
+                <a:satMod val="135000"/>
+              </a:schemeClr>
+              <a:prstClr val="white"/>
+            </a:duotone>
+            <a:extLst>
+              <a:ext uri="{BEBA8EAE-BF5A-486C-A8C5-ECC9F3942E4B}">
+                <a14:imgProps xmlns:a14="http://schemas.microsoft.com/office/drawing/2010/main">
+                  <a14:imgLayer r:embed="rId18">
+                    <a14:imgEffect>
+                      <a14:artisticGlowEdges/>
+                    </a14:imgEffect>
+                  </a14:imgLayer>
+                </a14:imgProps>
+              </a:ext>
+              <a:ext uri="{28A0092B-C50C-407E-A947-70E740481C1C}">
+                <a14:useLocalDpi xmlns:a14="http://schemas.microsoft.com/office/drawing/2010/main" val="0"/>
+              </a:ext>
+              <a:ext uri="{96DAC541-7B7A-43D3-8B79-37D633B846F1}">
+                <asvg:svgBlip xmlns:asvg="http://schemas.microsoft.com/office/drawing/2016/SVG/main" xmlns="" r:embed="rId16"/>
+              </a:ext>
+            </a:extLst>
+          </a:blip>
+          <a:stretch>
+            <a:fillRect/>
+          </a:stretch>
+        </p:blipFill>
+        <p:spPr>
+          <a:xfrm>
+            <a:off x="5833104" y="3060955"/>
+            <a:ext cx="532527" cy="532527"/>
+          </a:xfrm>
+          <a:prstGeom prst="rect">
+            <a:avLst/>
+          </a:prstGeom>
+        </p:spPr>
+      </p:pic>
+      <p:pic>
+        <p:nvPicPr>
+          <p:cNvPr id="145" name="Graphic 61">
+            <a:extLst>
+              <a:ext uri="{FF2B5EF4-FFF2-40B4-BE49-F238E27FC236}">
+                <a16:creationId xmlns:a16="http://schemas.microsoft.com/office/drawing/2014/main" id="{DB81E821-6C2E-12DF-9198-7625C1E5A45C}"/>
+              </a:ext>
+            </a:extLst>
+          </p:cNvPr>
+          <p:cNvPicPr>
+            <a:picLocks noChangeAspect="1"/>
+          </p:cNvPicPr>
+          <p:nvPr/>
+        </p:nvPicPr>
+        <p:blipFill>
+          <a:blip r:embed="rId19" cstate="print">
+            <a:extLst>
+              <a:ext uri="{28A0092B-C50C-407E-A947-70E740481C1C}">
+                <a14:useLocalDpi xmlns:a14="http://schemas.microsoft.com/office/drawing/2010/main" val="0"/>
+              </a:ext>
+            </a:extLst>
+          </a:blip>
+          <a:stretch>
+            <a:fillRect/>
+          </a:stretch>
+        </p:blipFill>
+        <p:spPr>
+          <a:xfrm>
+            <a:off x="7520601" y="3061927"/>
+            <a:ext cx="698321" cy="523231"/>
+          </a:xfrm>
+          <a:prstGeom prst="rect">
+            <a:avLst/>
+          </a:prstGeom>
+        </p:spPr>
+      </p:pic>
+      <p:sp>
+        <p:nvSpPr>
+          <p:cNvPr id="146" name="Freeform 15"/>
+          <p:cNvSpPr/>
+          <p:nvPr/>
+        </p:nvSpPr>
+        <p:spPr>
+          <a:xfrm>
+            <a:off x="389038" y="3435005"/>
+            <a:ext cx="334991" cy="45719"/>
+          </a:xfrm>
+          <a:custGeom>
+            <a:avLst/>
+            <a:gdLst>
+              <a:gd name="connsiteX0" fmla="*/ 1403350 w 1403350"/>
+              <a:gd name="connsiteY0" fmla="*/ 0 h 0"/>
+              <a:gd name="connsiteX1" fmla="*/ 0 w 1403350"/>
+              <a:gd name="connsiteY1" fmla="*/ 0 h 0"/>
+            </a:gdLst>
+            <a:ahLst/>
+            <a:cxnLst>
+              <a:cxn ang="0">
+                <a:pos x="connsiteX0" y="connsiteY0"/>
+              </a:cxn>
+              <a:cxn ang="0">
+                <a:pos x="connsiteX1" y="connsiteY1"/>
+              </a:cxn>
+            </a:cxnLst>
+            <a:rect l="l" t="t" r="r" b="b"/>
+            <a:pathLst>
+              <a:path w="1403350">
+                <a:moveTo>
+                  <a:pt x="1403350" y="0"/>
+                </a:moveTo>
+                <a:lnTo>
+                  <a:pt x="0" y="0"/>
+                </a:lnTo>
+              </a:path>
+            </a:pathLst>
+          </a:custGeom>
+          <a:ln w="76200" cap="rnd">
+            <a:solidFill>
+              <a:schemeClr val="accent2"/>
+            </a:solidFill>
+            <a:headEnd type="none"/>
+            <a:tailEnd type="oval" w="med" len="med"/>
+          </a:ln>
+        </p:spPr>
+        <p:style>
+          <a:lnRef idx="1">
+            <a:schemeClr val="accent1"/>
+          </a:lnRef>
+          <a:fillRef idx="0">
+            <a:schemeClr val="accent1"/>
+          </a:fillRef>
+          <a:effectRef idx="0">
+            <a:schemeClr val="accent1"/>
+          </a:effectRef>
+          <a:fontRef idx="minor">
+            <a:schemeClr val="tx1"/>
+          </a:fontRef>
+        </p:style>
+        <p:txBody>
+          <a:bodyPr rtlCol="0" anchor="ctr"/>
+          <a:lstStyle/>
+          <a:p>
+            <a:pPr algn="ctr"/>
+            <a:endParaRPr lang="en-US"/>
+          </a:p>
+        </p:txBody>
+      </p:sp>
+    </p:spTree>
+    <p:extLst>
+      <p:ext uri="{BB962C8B-B14F-4D97-AF65-F5344CB8AC3E}">
+        <p14:creationId xmlns:p14="http://schemas.microsoft.com/office/powerpoint/2010/main" val="3098726810"/>
+      </p:ext>
+    </p:extLst>
+  </p:cSld>
+  <p:clrMapOvr>
+    <a:masterClrMapping/>
+  </p:clrMapOvr>
+</p:sld>
+</file>
+
+<file path=ppt/tags/tag1.xml><?xml version="1.0" encoding="utf-8"?>
+<p:tagLst xmlns:a="http://schemas.openxmlformats.org/drawingml/2006/main" xmlns:r="http://schemas.openxmlformats.org/officeDocument/2006/relationships" xmlns:p="http://schemas.openxmlformats.org/presentationml/2006/main">
+  <p:tag name="NUM" val="21"/>
+</p:tagLst>
+</file>
+
+<file path=ppt/tags/tag10.xml><?xml version="1.0" encoding="utf-8"?>
+<p:tagLst xmlns:a="http://schemas.openxmlformats.org/drawingml/2006/main" xmlns:r="http://schemas.openxmlformats.org/officeDocument/2006/relationships" xmlns:p="http://schemas.openxmlformats.org/presentationml/2006/main">
+  <p:tag name="NUM" val="11"/>
+</p:tagLst>
+</file>
+
+<file path=ppt/tags/tag11.xml><?xml version="1.0" encoding="utf-8"?>
+<p:tagLst xmlns:a="http://schemas.openxmlformats.org/drawingml/2006/main" xmlns:r="http://schemas.openxmlformats.org/officeDocument/2006/relationships" xmlns:p="http://schemas.openxmlformats.org/presentationml/2006/main">
+  <p:tag name="NUM" val="13"/>
+</p:tagLst>
+</file>
+
+<file path=ppt/tags/tag12.xml><?xml version="1.0" encoding="utf-8"?>
+<p:tagLst xmlns:a="http://schemas.openxmlformats.org/drawingml/2006/main" xmlns:r="http://schemas.openxmlformats.org/officeDocument/2006/relationships" xmlns:p="http://schemas.openxmlformats.org/presentationml/2006/main">
+  <p:tag name="NUM" val="14"/>
+</p:tagLst>
+</file>
+
+<file path=ppt/tags/tag13.xml><?xml version="1.0" encoding="utf-8"?>
+<p:tagLst xmlns:a="http://schemas.openxmlformats.org/drawingml/2006/main" xmlns:r="http://schemas.openxmlformats.org/officeDocument/2006/relationships" xmlns:p="http://schemas.openxmlformats.org/presentationml/2006/main">
+  <p:tag name="NUM" val="22"/>
+</p:tagLst>
+</file>
+
+<file path=ppt/tags/tag2.xml><?xml version="1.0" encoding="utf-8"?>
+<p:tagLst xmlns:a="http://schemas.openxmlformats.org/drawingml/2006/main" xmlns:r="http://schemas.openxmlformats.org/officeDocument/2006/relationships" xmlns:p="http://schemas.openxmlformats.org/presentationml/2006/main">
+  <p:tag name="NUM" val="21"/>
+</p:tagLst>
+</file>
+
+<file path=ppt/tags/tag3.xml><?xml version="1.0" encoding="utf-8"?>
+<p:tagLst xmlns:a="http://schemas.openxmlformats.org/drawingml/2006/main" xmlns:r="http://schemas.openxmlformats.org/officeDocument/2006/relationships" xmlns:p="http://schemas.openxmlformats.org/presentationml/2006/main">
+  <p:tag name="NUM" val="11"/>
+</p:tagLst>
+</file>
+
+<file path=ppt/tags/tag4.xml><?xml version="1.0" encoding="utf-8"?>
+<p:tagLst xmlns:a="http://schemas.openxmlformats.org/drawingml/2006/main" xmlns:r="http://schemas.openxmlformats.org/officeDocument/2006/relationships" xmlns:p="http://schemas.openxmlformats.org/presentationml/2006/main">
+  <p:tag name="NUM" val="2"/>
+</p:tagLst>
+</file>
+
+<file path=ppt/tags/tag5.xml><?xml version="1.0" encoding="utf-8"?>
+<p:tagLst xmlns:a="http://schemas.openxmlformats.org/drawingml/2006/main" xmlns:r="http://schemas.openxmlformats.org/officeDocument/2006/relationships" xmlns:p="http://schemas.openxmlformats.org/presentationml/2006/main">
+  <p:tag name="NUM" val="1"/>
+</p:tagLst>
+</file>
+
+<file path=ppt/tags/tag6.xml><?xml version="1.0" encoding="utf-8"?>
+<p:tagLst xmlns:a="http://schemas.openxmlformats.org/drawingml/2006/main" xmlns:r="http://schemas.openxmlformats.org/officeDocument/2006/relationships" xmlns:p="http://schemas.openxmlformats.org/presentationml/2006/main">
+  <p:tag name="NUM" val="3"/>
+</p:tagLst>
+</file>
+
+<file path=ppt/tags/tag7.xml><?xml version="1.0" encoding="utf-8"?>
+<p:tagLst xmlns:a="http://schemas.openxmlformats.org/drawingml/2006/main" xmlns:r="http://schemas.openxmlformats.org/officeDocument/2006/relationships" xmlns:p="http://schemas.openxmlformats.org/presentationml/2006/main">
+  <p:tag name="NUM" val="8"/>
+</p:tagLst>
+</file>
+
+<file path=ppt/tags/tag8.xml><?xml version="1.0" encoding="utf-8"?>
+<p:tagLst xmlns:a="http://schemas.openxmlformats.org/drawingml/2006/main" xmlns:r="http://schemas.openxmlformats.org/officeDocument/2006/relationships" xmlns:p="http://schemas.openxmlformats.org/presentationml/2006/main">
+  <p:tag name="NUM" val="9"/>
+</p:tagLst>
+</file>
+
+<file path=ppt/tags/tag9.xml><?xml version="1.0" encoding="utf-8"?>
+<p:tagLst xmlns:a="http://schemas.openxmlformats.org/drawingml/2006/main" xmlns:r="http://schemas.openxmlformats.org/officeDocument/2006/relationships" xmlns:p="http://schemas.openxmlformats.org/presentationml/2006/main">
+  <p:tag name="NUM" val="10"/>
+</p:tagLst>
+</file>
+
 <file path=ppt/theme/theme1.xml><?xml version="1.0" encoding="utf-8"?>
 <a:theme xmlns:a="http://schemas.openxmlformats.org/drawingml/2006/main" name="Thème Office">
   <a:themeElements>

--- a/figures/Nouveau Présentation Microsoft PowerPoint.pptx
+++ b/figures/Nouveau Présentation Microsoft PowerPoint.pptx
@@ -115,4393 +115,6 @@
 </p:presentation>
 </file>
 
-<file path=ppt/diagrams/colors1.xml><?xml version="1.0" encoding="utf-8"?>
-<dgm:colorsDef xmlns:dgm="http://schemas.openxmlformats.org/drawingml/2006/diagram" xmlns:a="http://schemas.openxmlformats.org/drawingml/2006/main" uniqueId="urn:microsoft.com/office/officeart/2005/8/colors/accent1_2">
-  <dgm:title val=""/>
-  <dgm:desc val=""/>
-  <dgm:catLst>
-    <dgm:cat type="accent1" pri="11200"/>
-  </dgm:catLst>
-  <dgm:styleLbl name="node0">
-    <dgm:fillClrLst meth="repeat">
-      <a:schemeClr val="accent1"/>
-    </dgm:fillClrLst>
-    <dgm:linClrLst meth="repeat">
-      <a:schemeClr val="lt1"/>
-    </dgm:linClrLst>
-    <dgm:effectClrLst/>
-    <dgm:txLinClrLst/>
-    <dgm:txFillClrLst/>
-    <dgm:txEffectClrLst/>
-  </dgm:styleLbl>
-  <dgm:styleLbl name="alignNode1">
-    <dgm:fillClrLst meth="repeat">
-      <a:schemeClr val="accent1"/>
-    </dgm:fillClrLst>
-    <dgm:linClrLst meth="repeat">
-      <a:schemeClr val="accent1"/>
-    </dgm:linClrLst>
-    <dgm:effectClrLst/>
-    <dgm:txLinClrLst/>
-    <dgm:txFillClrLst/>
-    <dgm:txEffectClrLst/>
-  </dgm:styleLbl>
-  <dgm:styleLbl name="node1">
-    <dgm:fillClrLst meth="repeat">
-      <a:schemeClr val="accent1"/>
-    </dgm:fillClrLst>
-    <dgm:linClrLst meth="repeat">
-      <a:schemeClr val="lt1"/>
-    </dgm:linClrLst>
-    <dgm:effectClrLst/>
-    <dgm:txLinClrLst/>
-    <dgm:txFillClrLst/>
-    <dgm:txEffectClrLst/>
-  </dgm:styleLbl>
-  <dgm:styleLbl name="lnNode1">
-    <dgm:fillClrLst meth="repeat">
-      <a:schemeClr val="accent1"/>
-    </dgm:fillClrLst>
-    <dgm:linClrLst meth="repeat">
-      <a:schemeClr val="lt1"/>
-    </dgm:linClrLst>
-    <dgm:effectClrLst/>
-    <dgm:txLinClrLst/>
-    <dgm:txFillClrLst/>
-    <dgm:txEffectClrLst/>
-  </dgm:styleLbl>
-  <dgm:styleLbl name="vennNode1">
-    <dgm:fillClrLst meth="repeat">
-      <a:schemeClr val="accent1">
-        <a:alpha val="50000"/>
-      </a:schemeClr>
-    </dgm:fillClrLst>
-    <dgm:linClrLst meth="repeat">
-      <a:schemeClr val="lt1"/>
-    </dgm:linClrLst>
-    <dgm:effectClrLst/>
-    <dgm:txLinClrLst/>
-    <dgm:txFillClrLst/>
-    <dgm:txEffectClrLst/>
-  </dgm:styleLbl>
-  <dgm:styleLbl name="node2">
-    <dgm:fillClrLst meth="repeat">
-      <a:schemeClr val="accent1"/>
-    </dgm:fillClrLst>
-    <dgm:linClrLst meth="repeat">
-      <a:schemeClr val="lt1"/>
-    </dgm:linClrLst>
-    <dgm:effectClrLst/>
-    <dgm:txLinClrLst/>
-    <dgm:txFillClrLst/>
-    <dgm:txEffectClrLst/>
-  </dgm:styleLbl>
-  <dgm:styleLbl name="node3">
-    <dgm:fillClrLst meth="repeat">
-      <a:schemeClr val="accent1"/>
-    </dgm:fillClrLst>
-    <dgm:linClrLst meth="repeat">
-      <a:schemeClr val="lt1"/>
-    </dgm:linClrLst>
-    <dgm:effectClrLst/>
-    <dgm:txLinClrLst/>
-    <dgm:txFillClrLst/>
-    <dgm:txEffectClrLst/>
-  </dgm:styleLbl>
-  <dgm:styleLbl name="node4">
-    <dgm:fillClrLst meth="repeat">
-      <a:schemeClr val="accent1"/>
-    </dgm:fillClrLst>
-    <dgm:linClrLst meth="repeat">
-      <a:schemeClr val="lt1"/>
-    </dgm:linClrLst>
-    <dgm:effectClrLst/>
-    <dgm:txLinClrLst/>
-    <dgm:txFillClrLst/>
-    <dgm:txEffectClrLst/>
-  </dgm:styleLbl>
-  <dgm:styleLbl name="fgImgPlace1">
-    <dgm:fillClrLst meth="repeat">
-      <a:schemeClr val="accent1">
-        <a:tint val="50000"/>
-      </a:schemeClr>
-    </dgm:fillClrLst>
-    <dgm:linClrLst meth="repeat">
-      <a:schemeClr val="lt1"/>
-    </dgm:linClrLst>
-    <dgm:effectClrLst/>
-    <dgm:txLinClrLst/>
-    <dgm:txFillClrLst meth="repeat">
-      <a:schemeClr val="lt1"/>
-    </dgm:txFillClrLst>
-    <dgm:txEffectClrLst/>
-  </dgm:styleLbl>
-  <dgm:styleLbl name="alignImgPlace1">
-    <dgm:fillClrLst meth="repeat">
-      <a:schemeClr val="accent1">
-        <a:tint val="50000"/>
-      </a:schemeClr>
-    </dgm:fillClrLst>
-    <dgm:linClrLst meth="repeat">
-      <a:schemeClr val="lt1"/>
-    </dgm:linClrLst>
-    <dgm:effectClrLst/>
-    <dgm:txLinClrLst/>
-    <dgm:txFillClrLst meth="repeat">
-      <a:schemeClr val="lt1"/>
-    </dgm:txFillClrLst>
-    <dgm:txEffectClrLst/>
-  </dgm:styleLbl>
-  <dgm:styleLbl name="bgImgPlace1">
-    <dgm:fillClrLst meth="repeat">
-      <a:schemeClr val="accent1">
-        <a:tint val="50000"/>
-      </a:schemeClr>
-    </dgm:fillClrLst>
-    <dgm:linClrLst meth="repeat">
-      <a:schemeClr val="lt1"/>
-    </dgm:linClrLst>
-    <dgm:effectClrLst/>
-    <dgm:txLinClrLst/>
-    <dgm:txFillClrLst meth="repeat">
-      <a:schemeClr val="lt1"/>
-    </dgm:txFillClrLst>
-    <dgm:txEffectClrLst/>
-  </dgm:styleLbl>
-  <dgm:styleLbl name="sibTrans2D1">
-    <dgm:fillClrLst meth="repeat">
-      <a:schemeClr val="accent1">
-        <a:tint val="60000"/>
-      </a:schemeClr>
-    </dgm:fillClrLst>
-    <dgm:linClrLst meth="repeat">
-      <a:schemeClr val="accent1">
-        <a:tint val="60000"/>
-      </a:schemeClr>
-    </dgm:linClrLst>
-    <dgm:effectClrLst/>
-    <dgm:txLinClrLst/>
-    <dgm:txFillClrLst/>
-    <dgm:txEffectClrLst/>
-  </dgm:styleLbl>
-  <dgm:styleLbl name="fgSibTrans2D1">
-    <dgm:fillClrLst meth="repeat">
-      <a:schemeClr val="accent1">
-        <a:tint val="60000"/>
-      </a:schemeClr>
-    </dgm:fillClrLst>
-    <dgm:linClrLst meth="repeat">
-      <a:schemeClr val="accent1">
-        <a:tint val="60000"/>
-      </a:schemeClr>
-    </dgm:linClrLst>
-    <dgm:effectClrLst/>
-    <dgm:txLinClrLst/>
-    <dgm:txFillClrLst/>
-    <dgm:txEffectClrLst/>
-  </dgm:styleLbl>
-  <dgm:styleLbl name="bgSibTrans2D1">
-    <dgm:fillClrLst meth="repeat">
-      <a:schemeClr val="accent1">
-        <a:tint val="60000"/>
-      </a:schemeClr>
-    </dgm:fillClrLst>
-    <dgm:linClrLst meth="repeat">
-      <a:schemeClr val="accent1">
-        <a:tint val="60000"/>
-      </a:schemeClr>
-    </dgm:linClrLst>
-    <dgm:effectClrLst/>
-    <dgm:txLinClrLst/>
-    <dgm:txFillClrLst/>
-    <dgm:txEffectClrLst/>
-  </dgm:styleLbl>
-  <dgm:styleLbl name="sibTrans1D1">
-    <dgm:fillClrLst meth="repeat">
-      <a:schemeClr val="accent1"/>
-    </dgm:fillClrLst>
-    <dgm:linClrLst meth="repeat">
-      <a:schemeClr val="accent1"/>
-    </dgm:linClrLst>
-    <dgm:effectClrLst/>
-    <dgm:txLinClrLst/>
-    <dgm:txFillClrLst meth="repeat">
-      <a:schemeClr val="tx1"/>
-    </dgm:txFillClrLst>
-    <dgm:txEffectClrLst/>
-  </dgm:styleLbl>
-  <dgm:styleLbl name="callout">
-    <dgm:fillClrLst meth="repeat">
-      <a:schemeClr val="accent1"/>
-    </dgm:fillClrLst>
-    <dgm:linClrLst meth="repeat">
-      <a:schemeClr val="accent1">
-        <a:tint val="50000"/>
-      </a:schemeClr>
-    </dgm:linClrLst>
-    <dgm:effectClrLst/>
-    <dgm:txLinClrLst/>
-    <dgm:txFillClrLst meth="repeat">
-      <a:schemeClr val="tx1"/>
-    </dgm:txFillClrLst>
-    <dgm:txEffectClrLst/>
-  </dgm:styleLbl>
-  <dgm:styleLbl name="asst0">
-    <dgm:fillClrLst meth="repeat">
-      <a:schemeClr val="accent1"/>
-    </dgm:fillClrLst>
-    <dgm:linClrLst meth="repeat">
-      <a:schemeClr val="lt1"/>
-    </dgm:linClrLst>
-    <dgm:effectClrLst/>
-    <dgm:txLinClrLst/>
-    <dgm:txFillClrLst/>
-    <dgm:txEffectClrLst/>
-  </dgm:styleLbl>
-  <dgm:styleLbl name="asst1">
-    <dgm:fillClrLst meth="repeat">
-      <a:schemeClr val="accent1"/>
-    </dgm:fillClrLst>
-    <dgm:linClrLst meth="repeat">
-      <a:schemeClr val="lt1"/>
-    </dgm:linClrLst>
-    <dgm:effectClrLst/>
-    <dgm:txLinClrLst/>
-    <dgm:txFillClrLst/>
-    <dgm:txEffectClrLst/>
-  </dgm:styleLbl>
-  <dgm:styleLbl name="asst2">
-    <dgm:fillClrLst meth="repeat">
-      <a:schemeClr val="accent1"/>
-    </dgm:fillClrLst>
-    <dgm:linClrLst meth="repeat">
-      <a:schemeClr val="lt1"/>
-    </dgm:linClrLst>
-    <dgm:effectClrLst/>
-    <dgm:txLinClrLst/>
-    <dgm:txFillClrLst/>
-    <dgm:txEffectClrLst/>
-  </dgm:styleLbl>
-  <dgm:styleLbl name="asst3">
-    <dgm:fillClrLst meth="repeat">
-      <a:schemeClr val="accent1"/>
-    </dgm:fillClrLst>
-    <dgm:linClrLst meth="repeat">
-      <a:schemeClr val="lt1"/>
-    </dgm:linClrLst>
-    <dgm:effectClrLst/>
-    <dgm:txLinClrLst/>
-    <dgm:txFillClrLst/>
-    <dgm:txEffectClrLst/>
-  </dgm:styleLbl>
-  <dgm:styleLbl name="asst4">
-    <dgm:fillClrLst meth="repeat">
-      <a:schemeClr val="accent1"/>
-    </dgm:fillClrLst>
-    <dgm:linClrLst meth="repeat">
-      <a:schemeClr val="lt1"/>
-    </dgm:linClrLst>
-    <dgm:effectClrLst/>
-    <dgm:txLinClrLst/>
-    <dgm:txFillClrLst/>
-    <dgm:txEffectClrLst/>
-  </dgm:styleLbl>
-  <dgm:styleLbl name="parChTrans2D1">
-    <dgm:fillClrLst meth="repeat">
-      <a:schemeClr val="accent1">
-        <a:tint val="60000"/>
-      </a:schemeClr>
-    </dgm:fillClrLst>
-    <dgm:linClrLst meth="repeat">
-      <a:schemeClr val="accent1">
-        <a:tint val="60000"/>
-      </a:schemeClr>
-    </dgm:linClrLst>
-    <dgm:effectClrLst/>
-    <dgm:txLinClrLst/>
-    <dgm:txFillClrLst meth="repeat">
-      <a:schemeClr val="lt1"/>
-    </dgm:txFillClrLst>
-    <dgm:txEffectClrLst/>
-  </dgm:styleLbl>
-  <dgm:styleLbl name="parChTrans2D2">
-    <dgm:fillClrLst meth="repeat">
-      <a:schemeClr val="accent1"/>
-    </dgm:fillClrLst>
-    <dgm:linClrLst meth="repeat">
-      <a:schemeClr val="accent1"/>
-    </dgm:linClrLst>
-    <dgm:effectClrLst/>
-    <dgm:txLinClrLst/>
-    <dgm:txFillClrLst meth="repeat">
-      <a:schemeClr val="lt1"/>
-    </dgm:txFillClrLst>
-    <dgm:txEffectClrLst/>
-  </dgm:styleLbl>
-  <dgm:styleLbl name="parChTrans2D3">
-    <dgm:fillClrLst meth="repeat">
-      <a:schemeClr val="accent1"/>
-    </dgm:fillClrLst>
-    <dgm:linClrLst meth="repeat">
-      <a:schemeClr val="accent1"/>
-    </dgm:linClrLst>
-    <dgm:effectClrLst/>
-    <dgm:txLinClrLst/>
-    <dgm:txFillClrLst meth="repeat">
-      <a:schemeClr val="lt1"/>
-    </dgm:txFillClrLst>
-    <dgm:txEffectClrLst/>
-  </dgm:styleLbl>
-  <dgm:styleLbl name="parChTrans2D4">
-    <dgm:fillClrLst meth="repeat">
-      <a:schemeClr val="accent1"/>
-    </dgm:fillClrLst>
-    <dgm:linClrLst meth="repeat">
-      <a:schemeClr val="accent1"/>
-    </dgm:linClrLst>
-    <dgm:effectClrLst/>
-    <dgm:txLinClrLst/>
-    <dgm:txFillClrLst meth="repeat">
-      <a:schemeClr val="lt1"/>
-    </dgm:txFillClrLst>
-    <dgm:txEffectClrLst/>
-  </dgm:styleLbl>
-  <dgm:styleLbl name="parChTrans1D1">
-    <dgm:fillClrLst meth="repeat">
-      <a:schemeClr val="accent1"/>
-    </dgm:fillClrLst>
-    <dgm:linClrLst meth="repeat">
-      <a:schemeClr val="accent1">
-        <a:shade val="60000"/>
-      </a:schemeClr>
-    </dgm:linClrLst>
-    <dgm:effectClrLst/>
-    <dgm:txLinClrLst/>
-    <dgm:txFillClrLst meth="repeat">
-      <a:schemeClr val="tx1"/>
-    </dgm:txFillClrLst>
-    <dgm:txEffectClrLst/>
-  </dgm:styleLbl>
-  <dgm:styleLbl name="parChTrans1D2">
-    <dgm:fillClrLst meth="repeat">
-      <a:schemeClr val="accent1"/>
-    </dgm:fillClrLst>
-    <dgm:linClrLst meth="repeat">
-      <a:schemeClr val="accent1">
-        <a:shade val="60000"/>
-      </a:schemeClr>
-    </dgm:linClrLst>
-    <dgm:effectClrLst/>
-    <dgm:txLinClrLst/>
-    <dgm:txFillClrLst meth="repeat">
-      <a:schemeClr val="tx1"/>
-    </dgm:txFillClrLst>
-    <dgm:txEffectClrLst/>
-  </dgm:styleLbl>
-  <dgm:styleLbl name="parChTrans1D3">
-    <dgm:fillClrLst meth="repeat">
-      <a:schemeClr val="accent1"/>
-    </dgm:fillClrLst>
-    <dgm:linClrLst meth="repeat">
-      <a:schemeClr val="accent1">
-        <a:shade val="80000"/>
-      </a:schemeClr>
-    </dgm:linClrLst>
-    <dgm:effectClrLst/>
-    <dgm:txLinClrLst/>
-    <dgm:txFillClrLst meth="repeat">
-      <a:schemeClr val="tx1"/>
-    </dgm:txFillClrLst>
-    <dgm:txEffectClrLst/>
-  </dgm:styleLbl>
-  <dgm:styleLbl name="parChTrans1D4">
-    <dgm:fillClrLst meth="repeat">
-      <a:schemeClr val="accent1"/>
-    </dgm:fillClrLst>
-    <dgm:linClrLst meth="repeat">
-      <a:schemeClr val="accent1">
-        <a:shade val="80000"/>
-      </a:schemeClr>
-    </dgm:linClrLst>
-    <dgm:effectClrLst/>
-    <dgm:txLinClrLst/>
-    <dgm:txFillClrLst meth="repeat">
-      <a:schemeClr val="tx1"/>
-    </dgm:txFillClrLst>
-    <dgm:txEffectClrLst/>
-  </dgm:styleLbl>
-  <dgm:styleLbl name="fgAcc1">
-    <dgm:fillClrLst meth="repeat">
-      <a:schemeClr val="lt1">
-        <a:alpha val="90000"/>
-      </a:schemeClr>
-    </dgm:fillClrLst>
-    <dgm:linClrLst meth="repeat">
-      <a:schemeClr val="accent1"/>
-    </dgm:linClrLst>
-    <dgm:effectClrLst/>
-    <dgm:txLinClrLst/>
-    <dgm:txFillClrLst meth="repeat">
-      <a:schemeClr val="dk1"/>
-    </dgm:txFillClrLst>
-    <dgm:txEffectClrLst/>
-  </dgm:styleLbl>
-  <dgm:styleLbl name="conFgAcc1">
-    <dgm:fillClrLst meth="repeat">
-      <a:schemeClr val="lt1">
-        <a:alpha val="90000"/>
-      </a:schemeClr>
-    </dgm:fillClrLst>
-    <dgm:linClrLst meth="repeat">
-      <a:schemeClr val="accent1"/>
-    </dgm:linClrLst>
-    <dgm:effectClrLst/>
-    <dgm:txLinClrLst/>
-    <dgm:txFillClrLst meth="repeat">
-      <a:schemeClr val="dk1"/>
-    </dgm:txFillClrLst>
-    <dgm:txEffectClrLst/>
-  </dgm:styleLbl>
-  <dgm:styleLbl name="alignAcc1">
-    <dgm:fillClrLst meth="repeat">
-      <a:schemeClr val="lt1">
-        <a:alpha val="90000"/>
-      </a:schemeClr>
-    </dgm:fillClrLst>
-    <dgm:linClrLst meth="repeat">
-      <a:schemeClr val="accent1"/>
-    </dgm:linClrLst>
-    <dgm:effectClrLst/>
-    <dgm:txLinClrLst/>
-    <dgm:txFillClrLst meth="repeat">
-      <a:schemeClr val="dk1"/>
-    </dgm:txFillClrLst>
-    <dgm:txEffectClrLst/>
-  </dgm:styleLbl>
-  <dgm:styleLbl name="trAlignAcc1">
-    <dgm:fillClrLst meth="repeat">
-      <a:schemeClr val="lt1">
-        <a:alpha val="40000"/>
-      </a:schemeClr>
-    </dgm:fillClrLst>
-    <dgm:linClrLst meth="repeat">
-      <a:schemeClr val="accent1"/>
-    </dgm:linClrLst>
-    <dgm:effectClrLst/>
-    <dgm:txLinClrLst/>
-    <dgm:txFillClrLst meth="repeat">
-      <a:schemeClr val="dk1"/>
-    </dgm:txFillClrLst>
-    <dgm:txEffectClrLst/>
-  </dgm:styleLbl>
-  <dgm:styleLbl name="bgAcc1">
-    <dgm:fillClrLst meth="repeat">
-      <a:schemeClr val="lt1">
-        <a:alpha val="90000"/>
-      </a:schemeClr>
-    </dgm:fillClrLst>
-    <dgm:linClrLst meth="repeat">
-      <a:schemeClr val="accent1"/>
-    </dgm:linClrLst>
-    <dgm:effectClrLst/>
-    <dgm:txLinClrLst/>
-    <dgm:txFillClrLst meth="repeat">
-      <a:schemeClr val="dk1"/>
-    </dgm:txFillClrLst>
-    <dgm:txEffectClrLst/>
-  </dgm:styleLbl>
-  <dgm:styleLbl name="solidFgAcc1">
-    <dgm:fillClrLst meth="repeat">
-      <a:schemeClr val="lt1"/>
-    </dgm:fillClrLst>
-    <dgm:linClrLst meth="repeat">
-      <a:schemeClr val="accent1"/>
-    </dgm:linClrLst>
-    <dgm:effectClrLst/>
-    <dgm:txLinClrLst/>
-    <dgm:txFillClrLst meth="repeat">
-      <a:schemeClr val="dk1"/>
-    </dgm:txFillClrLst>
-    <dgm:txEffectClrLst/>
-  </dgm:styleLbl>
-  <dgm:styleLbl name="solidAlignAcc1">
-    <dgm:fillClrLst meth="repeat">
-      <a:schemeClr val="lt1"/>
-    </dgm:fillClrLst>
-    <dgm:linClrLst meth="repeat">
-      <a:schemeClr val="accent1"/>
-    </dgm:linClrLst>
-    <dgm:effectClrLst/>
-    <dgm:txLinClrLst/>
-    <dgm:txFillClrLst meth="repeat">
-      <a:schemeClr val="dk1"/>
-    </dgm:txFillClrLst>
-    <dgm:txEffectClrLst/>
-  </dgm:styleLbl>
-  <dgm:styleLbl name="solidBgAcc1">
-    <dgm:fillClrLst meth="repeat">
-      <a:schemeClr val="lt1"/>
-    </dgm:fillClrLst>
-    <dgm:linClrLst meth="repeat">
-      <a:schemeClr val="accent1"/>
-    </dgm:linClrLst>
-    <dgm:effectClrLst/>
-    <dgm:txLinClrLst/>
-    <dgm:txFillClrLst meth="repeat">
-      <a:schemeClr val="dk1"/>
-    </dgm:txFillClrLst>
-    <dgm:txEffectClrLst/>
-  </dgm:styleLbl>
-  <dgm:styleLbl name="fgAccFollowNode1">
-    <dgm:fillClrLst meth="repeat">
-      <a:schemeClr val="accent1">
-        <a:alpha val="90000"/>
-        <a:tint val="40000"/>
-      </a:schemeClr>
-    </dgm:fillClrLst>
-    <dgm:linClrLst meth="repeat">
-      <a:schemeClr val="accent1">
-        <a:alpha val="90000"/>
-        <a:tint val="40000"/>
-      </a:schemeClr>
-    </dgm:linClrLst>
-    <dgm:effectClrLst/>
-    <dgm:txLinClrLst/>
-    <dgm:txFillClrLst meth="repeat">
-      <a:schemeClr val="dk1"/>
-    </dgm:txFillClrLst>
-    <dgm:txEffectClrLst/>
-  </dgm:styleLbl>
-  <dgm:styleLbl name="alignAccFollowNode1">
-    <dgm:fillClrLst meth="repeat">
-      <a:schemeClr val="accent1">
-        <a:alpha val="90000"/>
-        <a:tint val="40000"/>
-      </a:schemeClr>
-    </dgm:fillClrLst>
-    <dgm:linClrLst meth="repeat">
-      <a:schemeClr val="accent1">
-        <a:alpha val="90000"/>
-        <a:tint val="40000"/>
-      </a:schemeClr>
-    </dgm:linClrLst>
-    <dgm:effectClrLst/>
-    <dgm:txLinClrLst/>
-    <dgm:txFillClrLst meth="repeat">
-      <a:schemeClr val="dk1"/>
-    </dgm:txFillClrLst>
-    <dgm:txEffectClrLst/>
-  </dgm:styleLbl>
-  <dgm:styleLbl name="bgAccFollowNode1">
-    <dgm:fillClrLst meth="repeat">
-      <a:schemeClr val="accent1">
-        <a:alpha val="90000"/>
-        <a:tint val="40000"/>
-      </a:schemeClr>
-    </dgm:fillClrLst>
-    <dgm:linClrLst meth="repeat">
-      <a:schemeClr val="accent1">
-        <a:alpha val="90000"/>
-        <a:tint val="40000"/>
-      </a:schemeClr>
-    </dgm:linClrLst>
-    <dgm:effectClrLst/>
-    <dgm:txLinClrLst/>
-    <dgm:txFillClrLst meth="repeat">
-      <a:schemeClr val="dk1"/>
-    </dgm:txFillClrLst>
-    <dgm:txEffectClrLst/>
-  </dgm:styleLbl>
-  <dgm:styleLbl name="fgAcc0">
-    <dgm:fillClrLst meth="repeat">
-      <a:schemeClr val="lt1">
-        <a:alpha val="90000"/>
-      </a:schemeClr>
-    </dgm:fillClrLst>
-    <dgm:linClrLst meth="repeat">
-      <a:schemeClr val="accent1"/>
-    </dgm:linClrLst>
-    <dgm:effectClrLst/>
-    <dgm:txLinClrLst/>
-    <dgm:txFillClrLst meth="repeat">
-      <a:schemeClr val="dk1"/>
-    </dgm:txFillClrLst>
-    <dgm:txEffectClrLst/>
-  </dgm:styleLbl>
-  <dgm:styleLbl name="fgAcc2">
-    <dgm:fillClrLst meth="repeat">
-      <a:schemeClr val="lt1">
-        <a:alpha val="90000"/>
-      </a:schemeClr>
-    </dgm:fillClrLst>
-    <dgm:linClrLst meth="repeat">
-      <a:schemeClr val="accent1"/>
-    </dgm:linClrLst>
-    <dgm:effectClrLst/>
-    <dgm:txLinClrLst/>
-    <dgm:txFillClrLst meth="repeat">
-      <a:schemeClr val="dk1"/>
-    </dgm:txFillClrLst>
-    <dgm:txEffectClrLst/>
-  </dgm:styleLbl>
-  <dgm:styleLbl name="fgAcc3">
-    <dgm:fillClrLst meth="repeat">
-      <a:schemeClr val="lt1">
-        <a:alpha val="90000"/>
-      </a:schemeClr>
-    </dgm:fillClrLst>
-    <dgm:linClrLst meth="repeat">
-      <a:schemeClr val="accent1"/>
-    </dgm:linClrLst>
-    <dgm:effectClrLst/>
-    <dgm:txLinClrLst/>
-    <dgm:txFillClrLst meth="repeat">
-      <a:schemeClr val="dk1"/>
-    </dgm:txFillClrLst>
-    <dgm:txEffectClrLst/>
-  </dgm:styleLbl>
-  <dgm:styleLbl name="fgAcc4">
-    <dgm:fillClrLst meth="repeat">
-      <a:schemeClr val="lt1">
-        <a:alpha val="90000"/>
-      </a:schemeClr>
-    </dgm:fillClrLst>
-    <dgm:linClrLst meth="repeat">
-      <a:schemeClr val="accent1"/>
-    </dgm:linClrLst>
-    <dgm:effectClrLst/>
-    <dgm:txLinClrLst/>
-    <dgm:txFillClrLst meth="repeat">
-      <a:schemeClr val="dk1"/>
-    </dgm:txFillClrLst>
-    <dgm:txEffectClrLst/>
-  </dgm:styleLbl>
-  <dgm:styleLbl name="bgShp">
-    <dgm:fillClrLst meth="repeat">
-      <a:schemeClr val="accent1">
-        <a:tint val="40000"/>
-      </a:schemeClr>
-    </dgm:fillClrLst>
-    <dgm:linClrLst meth="repeat">
-      <a:schemeClr val="accent1"/>
-    </dgm:linClrLst>
-    <dgm:effectClrLst/>
-    <dgm:txLinClrLst/>
-    <dgm:txFillClrLst meth="repeat">
-      <a:schemeClr val="dk1"/>
-    </dgm:txFillClrLst>
-    <dgm:txEffectClrLst/>
-  </dgm:styleLbl>
-  <dgm:styleLbl name="dkBgShp">
-    <dgm:fillClrLst meth="repeat">
-      <a:schemeClr val="accent1">
-        <a:shade val="80000"/>
-      </a:schemeClr>
-    </dgm:fillClrLst>
-    <dgm:linClrLst meth="repeat">
-      <a:schemeClr val="accent1"/>
-    </dgm:linClrLst>
-    <dgm:effectClrLst/>
-    <dgm:txLinClrLst/>
-    <dgm:txFillClrLst meth="repeat">
-      <a:schemeClr val="lt1"/>
-    </dgm:txFillClrLst>
-    <dgm:txEffectClrLst/>
-  </dgm:styleLbl>
-  <dgm:styleLbl name="trBgShp">
-    <dgm:fillClrLst meth="repeat">
-      <a:schemeClr val="accent1">
-        <a:tint val="50000"/>
-        <a:alpha val="40000"/>
-      </a:schemeClr>
-    </dgm:fillClrLst>
-    <dgm:linClrLst meth="repeat">
-      <a:schemeClr val="accent1"/>
-    </dgm:linClrLst>
-    <dgm:effectClrLst/>
-    <dgm:txLinClrLst/>
-    <dgm:txFillClrLst meth="repeat">
-      <a:schemeClr val="lt1"/>
-    </dgm:txFillClrLst>
-    <dgm:txEffectClrLst/>
-  </dgm:styleLbl>
-  <dgm:styleLbl name="fgShp">
-    <dgm:fillClrLst meth="repeat">
-      <a:schemeClr val="accent1">
-        <a:tint val="60000"/>
-      </a:schemeClr>
-    </dgm:fillClrLst>
-    <dgm:linClrLst meth="repeat">
-      <a:schemeClr val="lt1"/>
-    </dgm:linClrLst>
-    <dgm:effectClrLst/>
-    <dgm:txLinClrLst/>
-    <dgm:txFillClrLst meth="repeat">
-      <a:schemeClr val="dk1"/>
-    </dgm:txFillClrLst>
-    <dgm:txEffectClrLst/>
-  </dgm:styleLbl>
-  <dgm:styleLbl name="revTx">
-    <dgm:fillClrLst meth="repeat">
-      <a:schemeClr val="lt1">
-        <a:alpha val="0"/>
-      </a:schemeClr>
-    </dgm:fillClrLst>
-    <dgm:linClrLst meth="repeat">
-      <a:schemeClr val="dk1">
-        <a:alpha val="0"/>
-      </a:schemeClr>
-    </dgm:linClrLst>
-    <dgm:effectClrLst/>
-    <dgm:txLinClrLst/>
-    <dgm:txFillClrLst meth="repeat">
-      <a:schemeClr val="tx1"/>
-    </dgm:txFillClrLst>
-    <dgm:txEffectClrLst/>
-  </dgm:styleLbl>
-</dgm:colorsDef>
-</file>
-
-<file path=ppt/diagrams/data1.xml><?xml version="1.0" encoding="utf-8"?>
-<dgm:dataModel xmlns:dgm="http://schemas.openxmlformats.org/drawingml/2006/diagram" xmlns:a="http://schemas.openxmlformats.org/drawingml/2006/main">
-  <dgm:ptLst>
-    <dgm:pt modelId="{8F5CE2B1-DD29-4BA7-A30C-666395457548}" type="doc">
-      <dgm:prSet loTypeId="urn:microsoft.com/office/officeart/2005/8/layout/arrow2" loCatId="process" qsTypeId="urn:microsoft.com/office/officeart/2005/8/quickstyle/simple1" qsCatId="simple" csTypeId="urn:microsoft.com/office/officeart/2005/8/colors/accent1_2" csCatId="accent1" phldr="1"/>
-      <dgm:spPr/>
-    </dgm:pt>
-    <dgm:pt modelId="{9C5CDB62-9F0E-4430-A36B-02F5ABCBDB94}">
-      <dgm:prSet phldrT="[Texte]"/>
-      <dgm:spPr/>
-      <dgm:t>
-        <a:bodyPr/>
-        <a:lstStyle/>
-        <a:p>
-          <a:r>
-            <a:rPr lang="fr-FR" b="1" dirty="0" smtClean="0"/>
-            <a:t>Compréhension du concept et définition du projet</a:t>
-          </a:r>
-          <a:r>
-            <a:rPr lang="fr-FR" dirty="0" smtClean="0"/>
-            <a:t> </a:t>
-          </a:r>
-          <a:endParaRPr lang="fr-FR" dirty="0"/>
-        </a:p>
-      </dgm:t>
-    </dgm:pt>
-    <dgm:pt modelId="{E99F3FC2-A1A5-4893-BA1E-A9505D0A1CB2}" type="parTrans" cxnId="{B5C92A87-113A-40E0-859E-FD591AED2C12}">
-      <dgm:prSet/>
-      <dgm:spPr/>
-      <dgm:t>
-        <a:bodyPr/>
-        <a:lstStyle/>
-        <a:p>
-          <a:endParaRPr lang="fr-FR"/>
-        </a:p>
-      </dgm:t>
-    </dgm:pt>
-    <dgm:pt modelId="{BA6F3A34-C9C8-4969-A316-C3183CF05D11}" type="sibTrans" cxnId="{B5C92A87-113A-40E0-859E-FD591AED2C12}">
-      <dgm:prSet/>
-      <dgm:spPr/>
-      <dgm:t>
-        <a:bodyPr/>
-        <a:lstStyle/>
-        <a:p>
-          <a:endParaRPr lang="fr-FR"/>
-        </a:p>
-      </dgm:t>
-    </dgm:pt>
-    <dgm:pt modelId="{94164C6B-152A-4D91-936C-4FC21B06BFFE}">
-      <dgm:prSet phldrT="[Texte]"/>
-      <dgm:spPr/>
-      <dgm:t>
-        <a:bodyPr/>
-        <a:lstStyle/>
-        <a:p>
-          <a:r>
-            <a:rPr lang="fr-FR" b="1" dirty="0" smtClean="0"/>
-            <a:t>Définition du design UX et UI</a:t>
-          </a:r>
-          <a:endParaRPr lang="fr-FR" dirty="0"/>
-        </a:p>
-      </dgm:t>
-    </dgm:pt>
-    <dgm:pt modelId="{56B1E761-D8A1-4725-86EB-8B4AEB380730}" type="parTrans" cxnId="{285D77FC-02D4-4110-80DE-AA8E05DCECCA}">
-      <dgm:prSet/>
-      <dgm:spPr/>
-      <dgm:t>
-        <a:bodyPr/>
-        <a:lstStyle/>
-        <a:p>
-          <a:endParaRPr lang="fr-FR"/>
-        </a:p>
-      </dgm:t>
-    </dgm:pt>
-    <dgm:pt modelId="{7420086A-3DE6-44B7-B86A-3A04C81996E2}" type="sibTrans" cxnId="{285D77FC-02D4-4110-80DE-AA8E05DCECCA}">
-      <dgm:prSet/>
-      <dgm:spPr/>
-      <dgm:t>
-        <a:bodyPr/>
-        <a:lstStyle/>
-        <a:p>
-          <a:endParaRPr lang="fr-FR"/>
-        </a:p>
-      </dgm:t>
-    </dgm:pt>
-    <dgm:pt modelId="{7660965F-E74F-43B1-874A-1DB30F9C29D1}">
-      <dgm:prSet phldrT="[Texte]"/>
-      <dgm:spPr/>
-      <dgm:t>
-        <a:bodyPr/>
-        <a:lstStyle/>
-        <a:p>
-          <a:r>
-            <a:rPr lang="fr-FR" b="1" dirty="0" smtClean="0"/>
-            <a:t>développement du contrat intelligent</a:t>
-          </a:r>
-          <a:endParaRPr lang="fr-FR" dirty="0"/>
-        </a:p>
-      </dgm:t>
-    </dgm:pt>
-    <dgm:pt modelId="{7C064269-BD98-490A-8BC8-4ADBC3B9A523}" type="parTrans" cxnId="{2D6FFE50-6CC0-472E-9906-0F244A6BF968}">
-      <dgm:prSet/>
-      <dgm:spPr/>
-      <dgm:t>
-        <a:bodyPr/>
-        <a:lstStyle/>
-        <a:p>
-          <a:endParaRPr lang="fr-FR"/>
-        </a:p>
-      </dgm:t>
-    </dgm:pt>
-    <dgm:pt modelId="{0AFBDB89-0542-4D9D-BCBF-B669BAD37EF5}" type="sibTrans" cxnId="{2D6FFE50-6CC0-472E-9906-0F244A6BF968}">
-      <dgm:prSet/>
-      <dgm:spPr/>
-      <dgm:t>
-        <a:bodyPr/>
-        <a:lstStyle/>
-        <a:p>
-          <a:endParaRPr lang="fr-FR"/>
-        </a:p>
-      </dgm:t>
-    </dgm:pt>
-    <dgm:pt modelId="{FC6D51E6-5E91-4F82-B5B9-65202081DC16}">
-      <dgm:prSet phldrT="[Texte]"/>
-      <dgm:spPr/>
-      <dgm:t>
-        <a:bodyPr/>
-        <a:lstStyle/>
-        <a:p>
-          <a:r>
-            <a:rPr lang="fr-FR" b="1" dirty="0" smtClean="0"/>
-            <a:t>Intégration aux frontend et backend</a:t>
-          </a:r>
-          <a:endParaRPr lang="fr-FR" dirty="0"/>
-        </a:p>
-      </dgm:t>
-    </dgm:pt>
-    <dgm:pt modelId="{319CA08D-DD2F-427B-B634-D103F7E81FB5}" type="parTrans" cxnId="{1253F719-D562-4047-91B9-5B17088696E7}">
-      <dgm:prSet/>
-      <dgm:spPr/>
-      <dgm:t>
-        <a:bodyPr/>
-        <a:lstStyle/>
-        <a:p>
-          <a:endParaRPr lang="fr-FR"/>
-        </a:p>
-      </dgm:t>
-    </dgm:pt>
-    <dgm:pt modelId="{0268B188-2240-4EC4-913F-3C0C16A3BBFA}" type="sibTrans" cxnId="{1253F719-D562-4047-91B9-5B17088696E7}">
-      <dgm:prSet/>
-      <dgm:spPr/>
-      <dgm:t>
-        <a:bodyPr/>
-        <a:lstStyle/>
-        <a:p>
-          <a:endParaRPr lang="fr-FR"/>
-        </a:p>
-      </dgm:t>
-    </dgm:pt>
-    <dgm:pt modelId="{1F10933C-3412-4AF8-A5AB-FFE86D4DD40A}">
-      <dgm:prSet phldrT="[Texte]"/>
-      <dgm:spPr/>
-      <dgm:t>
-        <a:bodyPr/>
-        <a:lstStyle/>
-        <a:p>
-          <a:r>
-            <a:rPr lang="fr-FR" b="1" dirty="0" smtClean="0"/>
-            <a:t>tests et validations</a:t>
-          </a:r>
-          <a:r>
-            <a:rPr lang="fr-FR" dirty="0" smtClean="0"/>
-            <a:t> </a:t>
-          </a:r>
-          <a:endParaRPr lang="fr-FR" dirty="0"/>
-        </a:p>
-      </dgm:t>
-    </dgm:pt>
-    <dgm:pt modelId="{99FD6AB6-0A0D-463F-9F17-584824A41FD9}" type="parTrans" cxnId="{B241536D-F643-4DBE-A847-FC2828759F03}">
-      <dgm:prSet/>
-      <dgm:spPr/>
-      <dgm:t>
-        <a:bodyPr/>
-        <a:lstStyle/>
-        <a:p>
-          <a:endParaRPr lang="fr-FR"/>
-        </a:p>
-      </dgm:t>
-    </dgm:pt>
-    <dgm:pt modelId="{30F3B34A-E17D-4611-BEB4-D62FF2A70DFC}" type="sibTrans" cxnId="{B241536D-F643-4DBE-A847-FC2828759F03}">
-      <dgm:prSet/>
-      <dgm:spPr/>
-      <dgm:t>
-        <a:bodyPr/>
-        <a:lstStyle/>
-        <a:p>
-          <a:endParaRPr lang="fr-FR"/>
-        </a:p>
-      </dgm:t>
-    </dgm:pt>
-    <dgm:pt modelId="{4A114117-85E0-4890-B9AD-E08B6FD53753}">
-      <dgm:prSet phldrT="[Texte]"/>
-      <dgm:spPr/>
-    </dgm:pt>
-    <dgm:pt modelId="{AAC16E31-C734-43CE-90CC-2962BF8DB533}" type="parTrans" cxnId="{7AF31EE2-AE4C-4B17-B608-B678BB1950FC}">
-      <dgm:prSet/>
-      <dgm:spPr/>
-      <dgm:t>
-        <a:bodyPr/>
-        <a:lstStyle/>
-        <a:p>
-          <a:endParaRPr lang="fr-FR"/>
-        </a:p>
-      </dgm:t>
-    </dgm:pt>
-    <dgm:pt modelId="{F1B5B6C7-8271-4DBF-98BA-F7B37F1F5751}" type="sibTrans" cxnId="{7AF31EE2-AE4C-4B17-B608-B678BB1950FC}">
-      <dgm:prSet/>
-      <dgm:spPr/>
-      <dgm:t>
-        <a:bodyPr/>
-        <a:lstStyle/>
-        <a:p>
-          <a:endParaRPr lang="fr-FR"/>
-        </a:p>
-      </dgm:t>
-    </dgm:pt>
-    <dgm:pt modelId="{1811F31B-49A7-460E-9ED2-C7C48C3BCB06}" type="pres">
-      <dgm:prSet presAssocID="{8F5CE2B1-DD29-4BA7-A30C-666395457548}" presName="arrowDiagram" presStyleCnt="0">
-        <dgm:presLayoutVars>
-          <dgm:chMax val="5"/>
-          <dgm:dir/>
-          <dgm:resizeHandles val="exact"/>
-        </dgm:presLayoutVars>
-      </dgm:prSet>
-      <dgm:spPr/>
-    </dgm:pt>
-    <dgm:pt modelId="{E73C01E6-60C6-4749-8C70-468E63D720B8}" type="pres">
-      <dgm:prSet presAssocID="{8F5CE2B1-DD29-4BA7-A30C-666395457548}" presName="arrow" presStyleLbl="bgShp" presStyleIdx="0" presStyleCnt="1" custScaleX="148930"/>
-      <dgm:spPr/>
-    </dgm:pt>
-    <dgm:pt modelId="{27ADF628-8EDC-45EF-8CCF-AB42EFA24AC7}" type="pres">
-      <dgm:prSet presAssocID="{8F5CE2B1-DD29-4BA7-A30C-666395457548}" presName="arrowDiagram5" presStyleCnt="0"/>
-      <dgm:spPr/>
-    </dgm:pt>
-    <dgm:pt modelId="{FDC30C23-DEE3-45FF-BF9E-B4402D104C17}" type="pres">
-      <dgm:prSet presAssocID="{9C5CDB62-9F0E-4430-A36B-02F5ABCBDB94}" presName="bullet5a" presStyleLbl="node1" presStyleIdx="0" presStyleCnt="5" custLinFactX="-365310" custLinFactNeighborX="-400000" custLinFactNeighborY="-23548"/>
-      <dgm:spPr/>
-    </dgm:pt>
-    <dgm:pt modelId="{89320A3D-DD2D-4B4B-8265-0ED8EDEAB5F9}" type="pres">
-      <dgm:prSet presAssocID="{9C5CDB62-9F0E-4430-A36B-02F5ABCBDB94}" presName="textBox5a" presStyleLbl="revTx" presStyleIdx="0" presStyleCnt="5" custScaleX="222663" custLinFactNeighborX="-24819" custLinFactNeighborY="53705">
-        <dgm:presLayoutVars>
-          <dgm:bulletEnabled val="1"/>
-        </dgm:presLayoutVars>
-      </dgm:prSet>
-      <dgm:spPr/>
-    </dgm:pt>
-    <dgm:pt modelId="{11D30100-3A4E-45EA-8B4D-6C3F6740D5D9}" type="pres">
-      <dgm:prSet presAssocID="{94164C6B-152A-4D91-936C-4FC21B06BFFE}" presName="bullet5b" presStyleLbl="node1" presStyleIdx="1" presStyleCnt="5" custLinFactX="-200000" custLinFactY="20356" custLinFactNeighborX="-247575" custLinFactNeighborY="100000"/>
-      <dgm:spPr/>
-    </dgm:pt>
-    <dgm:pt modelId="{2F386A66-4B76-4328-8C41-68D639F11AF4}" type="pres">
-      <dgm:prSet presAssocID="{94164C6B-152A-4D91-936C-4FC21B06BFFE}" presName="textBox5b" presStyleLbl="revTx" presStyleIdx="1" presStyleCnt="5" custScaleY="29418" custLinFactNeighborX="-76673" custLinFactNeighborY="-11892">
-        <dgm:presLayoutVars>
-          <dgm:bulletEnabled val="1"/>
-        </dgm:presLayoutVars>
-      </dgm:prSet>
-      <dgm:spPr/>
-    </dgm:pt>
-    <dgm:pt modelId="{8F312547-41C1-4964-97A9-91212B09791D}" type="pres">
-      <dgm:prSet presAssocID="{7660965F-E74F-43B1-874A-1DB30F9C29D1}" presName="bullet5c" presStyleLbl="node1" presStyleIdx="2" presStyleCnt="5" custScaleY="100648" custLinFactX="-200000" custLinFactY="63609" custLinFactNeighborX="-259799" custLinFactNeighborY="100000"/>
-      <dgm:spPr/>
-    </dgm:pt>
-    <dgm:pt modelId="{4CC0C0DB-CDBA-455B-B902-F6519F8952BA}" type="pres">
-      <dgm:prSet presAssocID="{7660965F-E74F-43B1-874A-1DB30F9C29D1}" presName="textBox5c" presStyleLbl="revTx" presStyleIdx="2" presStyleCnt="5" custScaleY="36584" custLinFactNeighborX="-96114" custLinFactNeighborY="-6938">
-        <dgm:presLayoutVars>
-          <dgm:bulletEnabled val="1"/>
-        </dgm:presLayoutVars>
-      </dgm:prSet>
-      <dgm:spPr/>
-    </dgm:pt>
-    <dgm:pt modelId="{91070DF2-F79F-44B1-9F58-BAE0D5C329E5}" type="pres">
-      <dgm:prSet presAssocID="{FC6D51E6-5E91-4F82-B5B9-65202081DC16}" presName="bullet5d" presStyleLbl="node1" presStyleIdx="3" presStyleCnt="5" custLinFactX="-200000" custLinFactY="57240" custLinFactNeighborX="-206203" custLinFactNeighborY="100000"/>
-      <dgm:spPr/>
-    </dgm:pt>
-    <dgm:pt modelId="{226F6420-D7F2-48B6-9EC7-FD3E61F260D4}" type="pres">
-      <dgm:prSet presAssocID="{FC6D51E6-5E91-4F82-B5B9-65202081DC16}" presName="textBox5d" presStyleLbl="revTx" presStyleIdx="3" presStyleCnt="5" custScaleY="22232" custLinFactX="-6290" custLinFactNeighborX="-100000" custLinFactNeighborY="-16814">
-        <dgm:presLayoutVars>
-          <dgm:bulletEnabled val="1"/>
-        </dgm:presLayoutVars>
-      </dgm:prSet>
-      <dgm:spPr/>
-    </dgm:pt>
-    <dgm:pt modelId="{211406C8-30D9-4EEE-849F-061CB646CD1F}" type="pres">
-      <dgm:prSet presAssocID="{1F10933C-3412-4AF8-A5AB-FFE86D4DD40A}" presName="bullet5e" presStyleLbl="node1" presStyleIdx="4" presStyleCnt="5"/>
-      <dgm:spPr/>
-    </dgm:pt>
-    <dgm:pt modelId="{A5AA57F7-4E36-49B8-A42F-2DBBE645EB29}" type="pres">
-      <dgm:prSet presAssocID="{1F10933C-3412-4AF8-A5AB-FFE86D4DD40A}" presName="textBox5e" presStyleLbl="revTx" presStyleIdx="4" presStyleCnt="5">
-        <dgm:presLayoutVars>
-          <dgm:bulletEnabled val="1"/>
-        </dgm:presLayoutVars>
-      </dgm:prSet>
-      <dgm:spPr/>
-      <dgm:t>
-        <a:bodyPr/>
-        <a:lstStyle/>
-        <a:p>
-          <a:endParaRPr lang="fr-FR"/>
-        </a:p>
-      </dgm:t>
-    </dgm:pt>
-  </dgm:ptLst>
-  <dgm:cxnLst>
-    <dgm:cxn modelId="{2D6FFE50-6CC0-472E-9906-0F244A6BF968}" srcId="{8F5CE2B1-DD29-4BA7-A30C-666395457548}" destId="{7660965F-E74F-43B1-874A-1DB30F9C29D1}" srcOrd="2" destOrd="0" parTransId="{7C064269-BD98-490A-8BC8-4ADBC3B9A523}" sibTransId="{0AFBDB89-0542-4D9D-BCBF-B669BAD37EF5}"/>
-    <dgm:cxn modelId="{FF1F5498-7348-4F87-A283-D89CA9EF1BA1}" type="presOf" srcId="{9C5CDB62-9F0E-4430-A36B-02F5ABCBDB94}" destId="{89320A3D-DD2D-4B4B-8265-0ED8EDEAB5F9}" srcOrd="0" destOrd="0" presId="urn:microsoft.com/office/officeart/2005/8/layout/arrow2"/>
-    <dgm:cxn modelId="{6B6256D2-9323-49D7-B644-134FA889D901}" type="presOf" srcId="{7660965F-E74F-43B1-874A-1DB30F9C29D1}" destId="{4CC0C0DB-CDBA-455B-B902-F6519F8952BA}" srcOrd="0" destOrd="0" presId="urn:microsoft.com/office/officeart/2005/8/layout/arrow2"/>
-    <dgm:cxn modelId="{B5C92A87-113A-40E0-859E-FD591AED2C12}" srcId="{8F5CE2B1-DD29-4BA7-A30C-666395457548}" destId="{9C5CDB62-9F0E-4430-A36B-02F5ABCBDB94}" srcOrd="0" destOrd="0" parTransId="{E99F3FC2-A1A5-4893-BA1E-A9505D0A1CB2}" sibTransId="{BA6F3A34-C9C8-4969-A316-C3183CF05D11}"/>
-    <dgm:cxn modelId="{609D0EB4-E943-49D2-A80A-BCF71F854D03}" type="presOf" srcId="{FC6D51E6-5E91-4F82-B5B9-65202081DC16}" destId="{226F6420-D7F2-48B6-9EC7-FD3E61F260D4}" srcOrd="0" destOrd="0" presId="urn:microsoft.com/office/officeart/2005/8/layout/arrow2"/>
-    <dgm:cxn modelId="{919C6615-D6D8-4114-BC92-FB6C8AA4913F}" type="presOf" srcId="{1F10933C-3412-4AF8-A5AB-FFE86D4DD40A}" destId="{A5AA57F7-4E36-49B8-A42F-2DBBE645EB29}" srcOrd="0" destOrd="0" presId="urn:microsoft.com/office/officeart/2005/8/layout/arrow2"/>
-    <dgm:cxn modelId="{1253F719-D562-4047-91B9-5B17088696E7}" srcId="{8F5CE2B1-DD29-4BA7-A30C-666395457548}" destId="{FC6D51E6-5E91-4F82-B5B9-65202081DC16}" srcOrd="3" destOrd="0" parTransId="{319CA08D-DD2F-427B-B634-D103F7E81FB5}" sibTransId="{0268B188-2240-4EC4-913F-3C0C16A3BBFA}"/>
-    <dgm:cxn modelId="{285D77FC-02D4-4110-80DE-AA8E05DCECCA}" srcId="{8F5CE2B1-DD29-4BA7-A30C-666395457548}" destId="{94164C6B-152A-4D91-936C-4FC21B06BFFE}" srcOrd="1" destOrd="0" parTransId="{56B1E761-D8A1-4725-86EB-8B4AEB380730}" sibTransId="{7420086A-3DE6-44B7-B86A-3A04C81996E2}"/>
-    <dgm:cxn modelId="{54A287BE-E990-4BCD-8C2D-F8E19DB55777}" type="presOf" srcId="{94164C6B-152A-4D91-936C-4FC21B06BFFE}" destId="{2F386A66-4B76-4328-8C41-68D639F11AF4}" srcOrd="0" destOrd="0" presId="urn:microsoft.com/office/officeart/2005/8/layout/arrow2"/>
-    <dgm:cxn modelId="{B241536D-F643-4DBE-A847-FC2828759F03}" srcId="{8F5CE2B1-DD29-4BA7-A30C-666395457548}" destId="{1F10933C-3412-4AF8-A5AB-FFE86D4DD40A}" srcOrd="4" destOrd="0" parTransId="{99FD6AB6-0A0D-463F-9F17-584824A41FD9}" sibTransId="{30F3B34A-E17D-4611-BEB4-D62FF2A70DFC}"/>
-    <dgm:cxn modelId="{7AF31EE2-AE4C-4B17-B608-B678BB1950FC}" srcId="{8F5CE2B1-DD29-4BA7-A30C-666395457548}" destId="{4A114117-85E0-4890-B9AD-E08B6FD53753}" srcOrd="5" destOrd="0" parTransId="{AAC16E31-C734-43CE-90CC-2962BF8DB533}" sibTransId="{F1B5B6C7-8271-4DBF-98BA-F7B37F1F5751}"/>
-    <dgm:cxn modelId="{B26908EF-6FE5-4115-B6F8-6D15A857D21F}" type="presOf" srcId="{8F5CE2B1-DD29-4BA7-A30C-666395457548}" destId="{1811F31B-49A7-460E-9ED2-C7C48C3BCB06}" srcOrd="0" destOrd="0" presId="urn:microsoft.com/office/officeart/2005/8/layout/arrow2"/>
-    <dgm:cxn modelId="{C3E9CAD8-1ACF-4B93-B22F-F1609580BAA3}" type="presParOf" srcId="{1811F31B-49A7-460E-9ED2-C7C48C3BCB06}" destId="{E73C01E6-60C6-4749-8C70-468E63D720B8}" srcOrd="0" destOrd="0" presId="urn:microsoft.com/office/officeart/2005/8/layout/arrow2"/>
-    <dgm:cxn modelId="{44105755-0214-4622-80E9-EF35E3082089}" type="presParOf" srcId="{1811F31B-49A7-460E-9ED2-C7C48C3BCB06}" destId="{27ADF628-8EDC-45EF-8CCF-AB42EFA24AC7}" srcOrd="1" destOrd="0" presId="urn:microsoft.com/office/officeart/2005/8/layout/arrow2"/>
-    <dgm:cxn modelId="{0E17763E-8F86-449D-8ADA-ABFA043C7A8A}" type="presParOf" srcId="{27ADF628-8EDC-45EF-8CCF-AB42EFA24AC7}" destId="{FDC30C23-DEE3-45FF-BF9E-B4402D104C17}" srcOrd="0" destOrd="0" presId="urn:microsoft.com/office/officeart/2005/8/layout/arrow2"/>
-    <dgm:cxn modelId="{DC5A1C46-4B5E-47B5-9D54-AA06EB872D0A}" type="presParOf" srcId="{27ADF628-8EDC-45EF-8CCF-AB42EFA24AC7}" destId="{89320A3D-DD2D-4B4B-8265-0ED8EDEAB5F9}" srcOrd="1" destOrd="0" presId="urn:microsoft.com/office/officeart/2005/8/layout/arrow2"/>
-    <dgm:cxn modelId="{DBC9424D-6CF6-4935-8600-C646611EDD48}" type="presParOf" srcId="{27ADF628-8EDC-45EF-8CCF-AB42EFA24AC7}" destId="{11D30100-3A4E-45EA-8B4D-6C3F6740D5D9}" srcOrd="2" destOrd="0" presId="urn:microsoft.com/office/officeart/2005/8/layout/arrow2"/>
-    <dgm:cxn modelId="{2BDE841C-407C-4261-889B-047DCE79BCEE}" type="presParOf" srcId="{27ADF628-8EDC-45EF-8CCF-AB42EFA24AC7}" destId="{2F386A66-4B76-4328-8C41-68D639F11AF4}" srcOrd="3" destOrd="0" presId="urn:microsoft.com/office/officeart/2005/8/layout/arrow2"/>
-    <dgm:cxn modelId="{6F90DB2A-F5F9-48DC-9BBA-441402632EB0}" type="presParOf" srcId="{27ADF628-8EDC-45EF-8CCF-AB42EFA24AC7}" destId="{8F312547-41C1-4964-97A9-91212B09791D}" srcOrd="4" destOrd="0" presId="urn:microsoft.com/office/officeart/2005/8/layout/arrow2"/>
-    <dgm:cxn modelId="{3D7481F5-C532-4531-82A4-66B3D6ECD8E5}" type="presParOf" srcId="{27ADF628-8EDC-45EF-8CCF-AB42EFA24AC7}" destId="{4CC0C0DB-CDBA-455B-B902-F6519F8952BA}" srcOrd="5" destOrd="0" presId="urn:microsoft.com/office/officeart/2005/8/layout/arrow2"/>
-    <dgm:cxn modelId="{679BED0B-A1A2-4AD5-A1A5-3260B5C458E1}" type="presParOf" srcId="{27ADF628-8EDC-45EF-8CCF-AB42EFA24AC7}" destId="{91070DF2-F79F-44B1-9F58-BAE0D5C329E5}" srcOrd="6" destOrd="0" presId="urn:microsoft.com/office/officeart/2005/8/layout/arrow2"/>
-    <dgm:cxn modelId="{7E994F5A-4A17-4E40-9AB3-11537A28F750}" type="presParOf" srcId="{27ADF628-8EDC-45EF-8CCF-AB42EFA24AC7}" destId="{226F6420-D7F2-48B6-9EC7-FD3E61F260D4}" srcOrd="7" destOrd="0" presId="urn:microsoft.com/office/officeart/2005/8/layout/arrow2"/>
-    <dgm:cxn modelId="{AEAFBBE8-2030-4E35-AE4E-9A35C86CA841}" type="presParOf" srcId="{27ADF628-8EDC-45EF-8CCF-AB42EFA24AC7}" destId="{211406C8-30D9-4EEE-849F-061CB646CD1F}" srcOrd="8" destOrd="0" presId="urn:microsoft.com/office/officeart/2005/8/layout/arrow2"/>
-    <dgm:cxn modelId="{15CEDD86-EAFF-43AA-A9CF-B50A7B1F8FDD}" type="presParOf" srcId="{27ADF628-8EDC-45EF-8CCF-AB42EFA24AC7}" destId="{A5AA57F7-4E36-49B8-A42F-2DBBE645EB29}" srcOrd="9" destOrd="0" presId="urn:microsoft.com/office/officeart/2005/8/layout/arrow2"/>
-  </dgm:cxnLst>
-  <dgm:bg/>
-  <dgm:whole/>
-  <dgm:extLst>
-    <a:ext uri="http://schemas.microsoft.com/office/drawing/2008/diagram">
-      <dsp:dataModelExt xmlns:dsp="http://schemas.microsoft.com/office/drawing/2008/diagram" relId="rId6" minVer="http://schemas.openxmlformats.org/drawingml/2006/diagram"/>
-    </a:ext>
-  </dgm:extLst>
-</dgm:dataModel>
-</file>
-
-<file path=ppt/diagrams/drawing1.xml><?xml version="1.0" encoding="utf-8"?>
-<dsp:drawing xmlns:dgm="http://schemas.openxmlformats.org/drawingml/2006/diagram" xmlns:dsp="http://schemas.microsoft.com/office/drawing/2008/diagram" xmlns:a="http://schemas.openxmlformats.org/drawingml/2006/main">
-  <dsp:spTree>
-    <dsp:nvGrpSpPr>
-      <dsp:cNvPr id="0" name=""/>
-      <dsp:cNvGrpSpPr/>
-    </dsp:nvGrpSpPr>
-    <dsp:grpSpPr/>
-    <dsp:sp modelId="{E73C01E6-60C6-4749-8C70-468E63D720B8}">
-      <dsp:nvSpPr>
-        <dsp:cNvPr id="0" name=""/>
-        <dsp:cNvSpPr/>
-      </dsp:nvSpPr>
-      <dsp:spPr>
-        <a:xfrm>
-          <a:off x="1018871" y="0"/>
-          <a:ext cx="10368716" cy="4351338"/>
-        </a:xfrm>
-        <a:prstGeom prst="swooshArrow">
-          <a:avLst>
-            <a:gd name="adj1" fmla="val 25000"/>
-            <a:gd name="adj2" fmla="val 25000"/>
-          </a:avLst>
-        </a:prstGeom>
-        <a:solidFill>
-          <a:schemeClr val="accent1">
-            <a:tint val="40000"/>
-            <a:hueOff val="0"/>
-            <a:satOff val="0"/>
-            <a:lumOff val="0"/>
-            <a:alphaOff val="0"/>
-          </a:schemeClr>
-        </a:solidFill>
-        <a:ln>
-          <a:noFill/>
-        </a:ln>
-        <a:effectLst/>
-      </dsp:spPr>
-      <dsp:style>
-        <a:lnRef idx="0">
-          <a:scrgbClr r="0" g="0" b="0"/>
-        </a:lnRef>
-        <a:fillRef idx="1">
-          <a:scrgbClr r="0" g="0" b="0"/>
-        </a:fillRef>
-        <a:effectRef idx="0">
-          <a:scrgbClr r="0" g="0" b="0"/>
-        </a:effectRef>
-        <a:fontRef idx="minor"/>
-      </dsp:style>
-    </dsp:sp>
-    <dsp:sp modelId="{FDC30C23-DEE3-45FF-BF9E-B4402D104C17}">
-      <dsp:nvSpPr>
-        <dsp:cNvPr id="0" name=""/>
-        <dsp:cNvSpPr/>
-      </dsp:nvSpPr>
-      <dsp:spPr>
-        <a:xfrm>
-          <a:off x="2182444" y="3197947"/>
-          <a:ext cx="160129" cy="160129"/>
-        </a:xfrm>
-        <a:prstGeom prst="ellipse">
-          <a:avLst/>
-        </a:prstGeom>
-        <a:solidFill>
-          <a:schemeClr val="accent1">
-            <a:hueOff val="0"/>
-            <a:satOff val="0"/>
-            <a:lumOff val="0"/>
-            <a:alphaOff val="0"/>
-          </a:schemeClr>
-        </a:solidFill>
-        <a:ln w="12700" cap="flat" cmpd="sng" algn="ctr">
-          <a:solidFill>
-            <a:schemeClr val="lt1">
-              <a:hueOff val="0"/>
-              <a:satOff val="0"/>
-              <a:lumOff val="0"/>
-              <a:alphaOff val="0"/>
-            </a:schemeClr>
-          </a:solidFill>
-          <a:prstDash val="solid"/>
-          <a:miter lim="800000"/>
-        </a:ln>
-        <a:effectLst/>
-      </dsp:spPr>
-      <dsp:style>
-        <a:lnRef idx="2">
-          <a:scrgbClr r="0" g="0" b="0"/>
-        </a:lnRef>
-        <a:fillRef idx="1">
-          <a:scrgbClr r="0" g="0" b="0"/>
-        </a:fillRef>
-        <a:effectRef idx="0">
-          <a:scrgbClr r="0" g="0" b="0"/>
-        </a:effectRef>
-        <a:fontRef idx="minor">
-          <a:schemeClr val="lt1"/>
-        </a:fontRef>
-      </dsp:style>
-    </dsp:sp>
-    <dsp:sp modelId="{89320A3D-DD2D-4B4B-8265-0ED8EDEAB5F9}">
-      <dsp:nvSpPr>
-        <dsp:cNvPr id="0" name=""/>
-        <dsp:cNvSpPr/>
-      </dsp:nvSpPr>
-      <dsp:spPr>
-        <a:xfrm>
-          <a:off x="2702267" y="3315719"/>
-          <a:ext cx="2030776" cy="1035618"/>
-        </a:xfrm>
-        <a:prstGeom prst="rect">
-          <a:avLst/>
-        </a:prstGeom>
-        <a:noFill/>
-        <a:ln>
-          <a:noFill/>
-        </a:ln>
-        <a:effectLst/>
-      </dsp:spPr>
-      <dsp:style>
-        <a:lnRef idx="0">
-          <a:scrgbClr r="0" g="0" b="0"/>
-        </a:lnRef>
-        <a:fillRef idx="0">
-          <a:scrgbClr r="0" g="0" b="0"/>
-        </a:fillRef>
-        <a:effectRef idx="0">
-          <a:scrgbClr r="0" g="0" b="0"/>
-        </a:effectRef>
-        <a:fontRef idx="minor"/>
-      </dsp:style>
-      <dsp:txBody>
-        <a:bodyPr spcFirstLastPara="0" vert="horz" wrap="square" lIns="84849" tIns="0" rIns="0" bIns="0" numCol="1" spcCol="1270" anchor="t" anchorCtr="0">
-          <a:noAutofit/>
-        </a:bodyPr>
-        <a:lstStyle/>
-        <a:p>
-          <a:pPr lvl="0" algn="l" defTabSz="488950">
-            <a:lnSpc>
-              <a:spcPct val="90000"/>
-            </a:lnSpc>
-            <a:spcBef>
-              <a:spcPct val="0"/>
-            </a:spcBef>
-            <a:spcAft>
-              <a:spcPct val="35000"/>
-            </a:spcAft>
-          </a:pPr>
-          <a:r>
-            <a:rPr lang="fr-FR" sz="1100" b="1" kern="1200" dirty="0" smtClean="0"/>
-            <a:t>Compréhension du concept et définition du projet</a:t>
-          </a:r>
-          <a:r>
-            <a:rPr lang="fr-FR" sz="1100" kern="1200" dirty="0" smtClean="0"/>
-            <a:t> </a:t>
-          </a:r>
-          <a:endParaRPr lang="fr-FR" sz="1100" kern="1200" dirty="0"/>
-        </a:p>
-      </dsp:txBody>
-      <dsp:txXfrm>
-        <a:off x="2702267" y="3315719"/>
-        <a:ext cx="2030776" cy="1035618"/>
-      </dsp:txXfrm>
-    </dsp:sp>
-    <dsp:sp modelId="{11D30100-3A4E-45EA-8B4D-6C3F6740D5D9}">
-      <dsp:nvSpPr>
-        <dsp:cNvPr id="0" name=""/>
-        <dsp:cNvSpPr/>
-      </dsp:nvSpPr>
-      <dsp:spPr>
-        <a:xfrm>
-          <a:off x="3152927" y="2704465"/>
-          <a:ext cx="250637" cy="250637"/>
-        </a:xfrm>
-        <a:prstGeom prst="ellipse">
-          <a:avLst/>
-        </a:prstGeom>
-        <a:solidFill>
-          <a:schemeClr val="accent1">
-            <a:hueOff val="0"/>
-            <a:satOff val="0"/>
-            <a:lumOff val="0"/>
-            <a:alphaOff val="0"/>
-          </a:schemeClr>
-        </a:solidFill>
-        <a:ln w="12700" cap="flat" cmpd="sng" algn="ctr">
-          <a:solidFill>
-            <a:schemeClr val="lt1">
-              <a:hueOff val="0"/>
-              <a:satOff val="0"/>
-              <a:lumOff val="0"/>
-              <a:alphaOff val="0"/>
-            </a:schemeClr>
-          </a:solidFill>
-          <a:prstDash val="solid"/>
-          <a:miter lim="800000"/>
-        </a:ln>
-        <a:effectLst/>
-      </dsp:spPr>
-      <dsp:style>
-        <a:lnRef idx="2">
-          <a:scrgbClr r="0" g="0" b="0"/>
-        </a:lnRef>
-        <a:fillRef idx="1">
-          <a:scrgbClr r="0" g="0" b="0"/>
-        </a:fillRef>
-        <a:effectRef idx="0">
-          <a:scrgbClr r="0" g="0" b="0"/>
-        </a:effectRef>
-        <a:fontRef idx="minor">
-          <a:schemeClr val="lt1"/>
-        </a:fontRef>
-      </dsp:style>
-    </dsp:sp>
-    <dsp:sp modelId="{2F386A66-4B76-4328-8C41-68D639F11AF4}">
-      <dsp:nvSpPr>
-        <dsp:cNvPr id="0" name=""/>
-        <dsp:cNvSpPr/>
-      </dsp:nvSpPr>
-      <dsp:spPr>
-        <a:xfrm>
-          <a:off x="3513913" y="2954740"/>
-          <a:ext cx="1155715" cy="536352"/>
-        </a:xfrm>
-        <a:prstGeom prst="rect">
-          <a:avLst/>
-        </a:prstGeom>
-        <a:noFill/>
-        <a:ln>
-          <a:noFill/>
-        </a:ln>
-        <a:effectLst/>
-      </dsp:spPr>
-      <dsp:style>
-        <a:lnRef idx="0">
-          <a:scrgbClr r="0" g="0" b="0"/>
-        </a:lnRef>
-        <a:fillRef idx="0">
-          <a:scrgbClr r="0" g="0" b="0"/>
-        </a:fillRef>
-        <a:effectRef idx="0">
-          <a:scrgbClr r="0" g="0" b="0"/>
-        </a:effectRef>
-        <a:fontRef idx="minor"/>
-      </dsp:style>
-      <dsp:txBody>
-        <a:bodyPr spcFirstLastPara="0" vert="horz" wrap="square" lIns="132807" tIns="0" rIns="0" bIns="0" numCol="1" spcCol="1270" anchor="t" anchorCtr="0">
-          <a:noAutofit/>
-        </a:bodyPr>
-        <a:lstStyle/>
-        <a:p>
-          <a:pPr lvl="0" algn="l" defTabSz="488950">
-            <a:lnSpc>
-              <a:spcPct val="90000"/>
-            </a:lnSpc>
-            <a:spcBef>
-              <a:spcPct val="0"/>
-            </a:spcBef>
-            <a:spcAft>
-              <a:spcPct val="35000"/>
-            </a:spcAft>
-          </a:pPr>
-          <a:r>
-            <a:rPr lang="fr-FR" sz="1100" b="1" kern="1200" dirty="0" smtClean="0"/>
-            <a:t>Définition du design UX et UI</a:t>
-          </a:r>
-          <a:endParaRPr lang="fr-FR" sz="1100" kern="1200" dirty="0"/>
-        </a:p>
-      </dsp:txBody>
-      <dsp:txXfrm>
-        <a:off x="3513913" y="2954740"/>
-        <a:ext cx="1155715" cy="536352"/>
-      </dsp:txXfrm>
-    </dsp:sp>
-    <dsp:sp modelId="{8F312547-41C1-4964-97A9-91212B09791D}">
-      <dsp:nvSpPr>
-        <dsp:cNvPr id="0" name=""/>
-        <dsp:cNvSpPr/>
-      </dsp:nvSpPr>
-      <dsp:spPr>
-        <a:xfrm>
-          <a:off x="3852090" y="2284464"/>
-          <a:ext cx="334182" cy="336348"/>
-        </a:xfrm>
-        <a:prstGeom prst="ellipse">
-          <a:avLst/>
-        </a:prstGeom>
-        <a:solidFill>
-          <a:schemeClr val="accent1">
-            <a:hueOff val="0"/>
-            <a:satOff val="0"/>
-            <a:lumOff val="0"/>
-            <a:alphaOff val="0"/>
-          </a:schemeClr>
-        </a:solidFill>
-        <a:ln w="12700" cap="flat" cmpd="sng" algn="ctr">
-          <a:solidFill>
-            <a:schemeClr val="lt1">
-              <a:hueOff val="0"/>
-              <a:satOff val="0"/>
-              <a:lumOff val="0"/>
-              <a:alphaOff val="0"/>
-            </a:schemeClr>
-          </a:solidFill>
-          <a:prstDash val="solid"/>
-          <a:miter lim="800000"/>
-        </a:ln>
-        <a:effectLst/>
-      </dsp:spPr>
-      <dsp:style>
-        <a:lnRef idx="2">
-          <a:scrgbClr r="0" g="0" b="0"/>
-        </a:lnRef>
-        <a:fillRef idx="1">
-          <a:scrgbClr r="0" g="0" b="0"/>
-        </a:fillRef>
-        <a:effectRef idx="0">
-          <a:scrgbClr r="0" g="0" b="0"/>
-        </a:effectRef>
-        <a:fontRef idx="minor">
-          <a:schemeClr val="lt1"/>
-        </a:fontRef>
-      </dsp:style>
-    </dsp:sp>
-    <dsp:sp modelId="{4CC0C0DB-CDBA-455B-B902-F6519F8952BA}">
-      <dsp:nvSpPr>
-        <dsp:cNvPr id="0" name=""/>
-        <dsp:cNvSpPr/>
-      </dsp:nvSpPr>
-      <dsp:spPr>
-        <a:xfrm>
-          <a:off x="4264273" y="2511624"/>
-          <a:ext cx="1343693" cy="894644"/>
-        </a:xfrm>
-        <a:prstGeom prst="rect">
-          <a:avLst/>
-        </a:prstGeom>
-        <a:noFill/>
-        <a:ln>
-          <a:noFill/>
-        </a:ln>
-        <a:effectLst/>
-      </dsp:spPr>
-      <dsp:style>
-        <a:lnRef idx="0">
-          <a:scrgbClr r="0" g="0" b="0"/>
-        </a:lnRef>
-        <a:fillRef idx="0">
-          <a:scrgbClr r="0" g="0" b="0"/>
-        </a:fillRef>
-        <a:effectRef idx="0">
-          <a:scrgbClr r="0" g="0" b="0"/>
-        </a:effectRef>
-        <a:fontRef idx="minor"/>
-      </dsp:style>
-      <dsp:txBody>
-        <a:bodyPr spcFirstLastPara="0" vert="horz" wrap="square" lIns="177077" tIns="0" rIns="0" bIns="0" numCol="1" spcCol="1270" anchor="t" anchorCtr="0">
-          <a:noAutofit/>
-        </a:bodyPr>
-        <a:lstStyle/>
-        <a:p>
-          <a:pPr lvl="0" algn="l" defTabSz="488950">
-            <a:lnSpc>
-              <a:spcPct val="90000"/>
-            </a:lnSpc>
-            <a:spcBef>
-              <a:spcPct val="0"/>
-            </a:spcBef>
-            <a:spcAft>
-              <a:spcPct val="35000"/>
-            </a:spcAft>
-          </a:pPr>
-          <a:r>
-            <a:rPr lang="fr-FR" sz="1100" b="1" kern="1200" dirty="0" smtClean="0"/>
-            <a:t>développement du contrat intelligent</a:t>
-          </a:r>
-          <a:endParaRPr lang="fr-FR" sz="1100" kern="1200" dirty="0"/>
-        </a:p>
-      </dsp:txBody>
-      <dsp:txXfrm>
-        <a:off x="4264273" y="2511624"/>
-        <a:ext cx="1343693" cy="894644"/>
-      </dsp:txXfrm>
-    </dsp:sp>
-    <dsp:sp modelId="{91070DF2-F79F-44B1-9F58-BAE0D5C329E5}">
-      <dsp:nvSpPr>
-        <dsp:cNvPr id="0" name=""/>
-        <dsp:cNvSpPr/>
-      </dsp:nvSpPr>
-      <dsp:spPr>
-        <a:xfrm>
-          <a:off x="4930230" y="1898845"/>
-          <a:ext cx="431652" cy="431652"/>
-        </a:xfrm>
-        <a:prstGeom prst="ellipse">
-          <a:avLst/>
-        </a:prstGeom>
-        <a:solidFill>
-          <a:schemeClr val="accent1">
-            <a:hueOff val="0"/>
-            <a:satOff val="0"/>
-            <a:lumOff val="0"/>
-            <a:alphaOff val="0"/>
-          </a:schemeClr>
-        </a:solidFill>
-        <a:ln w="12700" cap="flat" cmpd="sng" algn="ctr">
-          <a:solidFill>
-            <a:schemeClr val="lt1">
-              <a:hueOff val="0"/>
-              <a:satOff val="0"/>
-              <a:lumOff val="0"/>
-              <a:alphaOff val="0"/>
-            </a:schemeClr>
-          </a:solidFill>
-          <a:prstDash val="solid"/>
-          <a:miter lim="800000"/>
-        </a:ln>
-        <a:effectLst/>
-      </dsp:spPr>
-      <dsp:style>
-        <a:lnRef idx="2">
-          <a:scrgbClr r="0" g="0" b="0"/>
-        </a:lnRef>
-        <a:fillRef idx="1">
-          <a:scrgbClr r="0" g="0" b="0"/>
-        </a:fillRef>
-        <a:effectRef idx="0">
-          <a:scrgbClr r="0" g="0" b="0"/>
-        </a:effectRef>
-        <a:fontRef idx="minor">
-          <a:schemeClr val="lt1"/>
-        </a:fontRef>
-      </dsp:style>
-    </dsp:sp>
-    <dsp:sp modelId="{226F6420-D7F2-48B6-9EC7-FD3E61F260D4}">
-      <dsp:nvSpPr>
-        <dsp:cNvPr id="0" name=""/>
-        <dsp:cNvSpPr/>
-      </dsp:nvSpPr>
-      <dsp:spPr>
-        <a:xfrm>
-          <a:off x="5419431" y="2079369"/>
-          <a:ext cx="1392428" cy="648150"/>
-        </a:xfrm>
-        <a:prstGeom prst="rect">
-          <a:avLst/>
-        </a:prstGeom>
-        <a:noFill/>
-        <a:ln>
-          <a:noFill/>
-        </a:ln>
-        <a:effectLst/>
-      </dsp:spPr>
-      <dsp:style>
-        <a:lnRef idx="0">
-          <a:scrgbClr r="0" g="0" b="0"/>
-        </a:lnRef>
-        <a:fillRef idx="0">
-          <a:scrgbClr r="0" g="0" b="0"/>
-        </a:fillRef>
-        <a:effectRef idx="0">
-          <a:scrgbClr r="0" g="0" b="0"/>
-        </a:effectRef>
-        <a:fontRef idx="minor"/>
-      </dsp:style>
-      <dsp:txBody>
-        <a:bodyPr spcFirstLastPara="0" vert="horz" wrap="square" lIns="228724" tIns="0" rIns="0" bIns="0" numCol="1" spcCol="1270" anchor="t" anchorCtr="0">
-          <a:noAutofit/>
-        </a:bodyPr>
-        <a:lstStyle/>
-        <a:p>
-          <a:pPr lvl="0" algn="l" defTabSz="488950">
-            <a:lnSpc>
-              <a:spcPct val="90000"/>
-            </a:lnSpc>
-            <a:spcBef>
-              <a:spcPct val="0"/>
-            </a:spcBef>
-            <a:spcAft>
-              <a:spcPct val="35000"/>
-            </a:spcAft>
-          </a:pPr>
-          <a:r>
-            <a:rPr lang="fr-FR" sz="1100" b="1" kern="1200" dirty="0" smtClean="0"/>
-            <a:t>Intégration aux frontend et backend</a:t>
-          </a:r>
-          <a:endParaRPr lang="fr-FR" sz="1100" kern="1200" dirty="0"/>
-        </a:p>
-      </dsp:txBody>
-      <dsp:txXfrm>
-        <a:off x="5419431" y="2079369"/>
-        <a:ext cx="1392428" cy="648150"/>
-      </dsp:txXfrm>
-    </dsp:sp>
-    <dsp:sp modelId="{211406C8-30D9-4EEE-849F-061CB646CD1F}">
-      <dsp:nvSpPr>
-        <dsp:cNvPr id="0" name=""/>
-        <dsp:cNvSpPr/>
-      </dsp:nvSpPr>
-      <dsp:spPr>
-        <a:xfrm>
-          <a:off x="8016867" y="873748"/>
-          <a:ext cx="550009" cy="550009"/>
-        </a:xfrm>
-        <a:prstGeom prst="ellipse">
-          <a:avLst/>
-        </a:prstGeom>
-        <a:solidFill>
-          <a:schemeClr val="accent1">
-            <a:hueOff val="0"/>
-            <a:satOff val="0"/>
-            <a:lumOff val="0"/>
-            <a:alphaOff val="0"/>
-          </a:schemeClr>
-        </a:solidFill>
-        <a:ln w="12700" cap="flat" cmpd="sng" algn="ctr">
-          <a:solidFill>
-            <a:schemeClr val="lt1">
-              <a:hueOff val="0"/>
-              <a:satOff val="0"/>
-              <a:lumOff val="0"/>
-              <a:alphaOff val="0"/>
-            </a:schemeClr>
-          </a:solidFill>
-          <a:prstDash val="solid"/>
-          <a:miter lim="800000"/>
-        </a:ln>
-        <a:effectLst/>
-      </dsp:spPr>
-      <dsp:style>
-        <a:lnRef idx="2">
-          <a:scrgbClr r="0" g="0" b="0"/>
-        </a:lnRef>
-        <a:fillRef idx="1">
-          <a:scrgbClr r="0" g="0" b="0"/>
-        </a:fillRef>
-        <a:effectRef idx="0">
-          <a:scrgbClr r="0" g="0" b="0"/>
-        </a:effectRef>
-        <a:fontRef idx="minor">
-          <a:schemeClr val="lt1"/>
-        </a:fontRef>
-      </dsp:style>
-    </dsp:sp>
-    <dsp:sp modelId="{A5AA57F7-4E36-49B8-A42F-2DBBE645EB29}">
-      <dsp:nvSpPr>
-        <dsp:cNvPr id="0" name=""/>
-        <dsp:cNvSpPr/>
-      </dsp:nvSpPr>
-      <dsp:spPr>
-        <a:xfrm>
-          <a:off x="8291871" y="1148753"/>
-          <a:ext cx="1392428" cy="3202584"/>
-        </a:xfrm>
-        <a:prstGeom prst="rect">
-          <a:avLst/>
-        </a:prstGeom>
-        <a:noFill/>
-        <a:ln>
-          <a:noFill/>
-        </a:ln>
-        <a:effectLst/>
-      </dsp:spPr>
-      <dsp:style>
-        <a:lnRef idx="0">
-          <a:scrgbClr r="0" g="0" b="0"/>
-        </a:lnRef>
-        <a:fillRef idx="0">
-          <a:scrgbClr r="0" g="0" b="0"/>
-        </a:fillRef>
-        <a:effectRef idx="0">
-          <a:scrgbClr r="0" g="0" b="0"/>
-        </a:effectRef>
-        <a:fontRef idx="minor"/>
-      </dsp:style>
-      <dsp:txBody>
-        <a:bodyPr spcFirstLastPara="0" vert="horz" wrap="square" lIns="291438" tIns="0" rIns="0" bIns="0" numCol="1" spcCol="1270" anchor="t" anchorCtr="0">
-          <a:noAutofit/>
-        </a:bodyPr>
-        <a:lstStyle/>
-        <a:p>
-          <a:pPr lvl="0" algn="l" defTabSz="488950">
-            <a:lnSpc>
-              <a:spcPct val="90000"/>
-            </a:lnSpc>
-            <a:spcBef>
-              <a:spcPct val="0"/>
-            </a:spcBef>
-            <a:spcAft>
-              <a:spcPct val="35000"/>
-            </a:spcAft>
-          </a:pPr>
-          <a:r>
-            <a:rPr lang="fr-FR" sz="1100" b="1" kern="1200" dirty="0" smtClean="0"/>
-            <a:t>tests et validations</a:t>
-          </a:r>
-          <a:r>
-            <a:rPr lang="fr-FR" sz="1100" kern="1200" dirty="0" smtClean="0"/>
-            <a:t> </a:t>
-          </a:r>
-          <a:endParaRPr lang="fr-FR" sz="1100" kern="1200" dirty="0"/>
-        </a:p>
-      </dsp:txBody>
-      <dsp:txXfrm>
-        <a:off x="8291871" y="1148753"/>
-        <a:ext cx="1392428" cy="3202584"/>
-      </dsp:txXfrm>
-    </dsp:sp>
-  </dsp:spTree>
-</dsp:drawing>
-</file>
-
-<file path=ppt/diagrams/layout1.xml><?xml version="1.0" encoding="utf-8"?>
-<dgm:layoutDef xmlns:dgm="http://schemas.openxmlformats.org/drawingml/2006/diagram" xmlns:a="http://schemas.openxmlformats.org/drawingml/2006/main" uniqueId="urn:microsoft.com/office/officeart/2005/8/layout/arrow2">
-  <dgm:title val=""/>
-  <dgm:desc val=""/>
-  <dgm:catLst>
-    <dgm:cat type="process" pri="23000"/>
-  </dgm:catLst>
-  <dgm:sampData useDef="1">
-    <dgm:dataModel>
-      <dgm:ptLst/>
-      <dgm:bg/>
-      <dgm:whole/>
-    </dgm:dataModel>
-  </dgm:sampData>
-  <dgm:styleData>
-    <dgm:dataModel>
-      <dgm:ptLst>
-        <dgm:pt modelId="0" type="doc"/>
-        <dgm:pt modelId="1"/>
-        <dgm:pt modelId="2"/>
-      </dgm:ptLst>
-      <dgm:cxnLst>
-        <dgm:cxn modelId="3" srcId="0" destId="1" srcOrd="0" destOrd="0"/>
-        <dgm:cxn modelId="4" srcId="0" destId="2" srcOrd="1" destOrd="0"/>
-      </dgm:cxnLst>
-      <dgm:bg/>
-      <dgm:whole/>
-    </dgm:dataModel>
-  </dgm:styleData>
-  <dgm:clrData>
-    <dgm:dataModel>
-      <dgm:ptLst>
-        <dgm:pt modelId="0" type="doc"/>
-        <dgm:pt modelId="1"/>
-        <dgm:pt modelId="2"/>
-        <dgm:pt modelId="3"/>
-        <dgm:pt modelId="4"/>
-      </dgm:ptLst>
-      <dgm:cxnLst>
-        <dgm:cxn modelId="5" srcId="0" destId="1" srcOrd="0" destOrd="0"/>
-        <dgm:cxn modelId="6" srcId="0" destId="2" srcOrd="1" destOrd="0"/>
-        <dgm:cxn modelId="7" srcId="0" destId="3" srcOrd="2" destOrd="0"/>
-        <dgm:cxn modelId="8" srcId="0" destId="4" srcOrd="3" destOrd="0"/>
-      </dgm:cxnLst>
-      <dgm:bg/>
-      <dgm:whole/>
-    </dgm:dataModel>
-  </dgm:clrData>
-  <dgm:layoutNode name="arrowDiagram">
-    <dgm:varLst>
-      <dgm:chMax val="5"/>
-      <dgm:dir/>
-      <dgm:resizeHandles val="exact"/>
-    </dgm:varLst>
-    <dgm:alg type="composite">
-      <dgm:param type="ar" val="1.6"/>
-    </dgm:alg>
-    <dgm:shape xmlns:r="http://schemas.openxmlformats.org/officeDocument/2006/relationships" r:blip="">
-      <dgm:adjLst/>
-    </dgm:shape>
-    <dgm:presOf/>
-    <dgm:constrLst>
-      <dgm:constr type="l" for="ch" forName="arrow"/>
-      <dgm:constr type="t" for="ch" forName="arrow"/>
-      <dgm:constr type="w" for="ch" forName="arrow" refType="w"/>
-      <dgm:constr type="h" for="ch" forName="arrow" refType="h"/>
-      <dgm:constr type="ctrX" for="ch" forName="arrowDiagram1" refType="w" fact="0.5"/>
-      <dgm:constr type="ctrY" for="ch" forName="arrowDiagram1" refType="h" fact="0.5"/>
-      <dgm:constr type="w" for="ch" forName="arrowDiagram1" refType="w"/>
-      <dgm:constr type="h" for="ch" forName="arrowDiagram1" refType="h"/>
-      <dgm:constr type="ctrX" for="ch" forName="arrowDiagram2" refType="w" fact="0.5"/>
-      <dgm:constr type="ctrY" for="ch" forName="arrowDiagram2" refType="h" fact="0.5"/>
-      <dgm:constr type="w" for="ch" forName="arrowDiagram2" refType="w"/>
-      <dgm:constr type="h" for="ch" forName="arrowDiagram2" refType="h"/>
-      <dgm:constr type="ctrX" for="ch" forName="arrowDiagram3" refType="w" fact="0.5"/>
-      <dgm:constr type="ctrY" for="ch" forName="arrowDiagram3" refType="h" fact="0.5"/>
-      <dgm:constr type="w" for="ch" forName="arrowDiagram3" refType="w"/>
-      <dgm:constr type="h" for="ch" forName="arrowDiagram3" refType="h"/>
-      <dgm:constr type="ctrX" for="ch" forName="arrowDiagram4" refType="w" fact="0.5"/>
-      <dgm:constr type="ctrY" for="ch" forName="arrowDiagram4" refType="h" fact="0.5"/>
-      <dgm:constr type="w" for="ch" forName="arrowDiagram4" refType="w"/>
-      <dgm:constr type="h" for="ch" forName="arrowDiagram4" refType="h"/>
-      <dgm:constr type="ctrX" for="ch" forName="arrowDiagram5" refType="w" fact="0.5"/>
-      <dgm:constr type="ctrY" for="ch" forName="arrowDiagram5" refType="h" fact="0.5"/>
-      <dgm:constr type="w" for="ch" forName="arrowDiagram5" refType="w"/>
-      <dgm:constr type="h" for="ch" forName="arrowDiagram5" refType="h"/>
-    </dgm:constrLst>
-    <dgm:ruleLst/>
-    <dgm:choose name="Name0">
-      <dgm:if name="Name1" axis="ch" ptType="node" func="cnt" op="gte" val="1">
-        <dgm:layoutNode name="arrow" styleLbl="bgShp">
-          <dgm:alg type="sp"/>
-          <dgm:shape xmlns:r="http://schemas.openxmlformats.org/officeDocument/2006/relationships" type="swooshArrow" r:blip="">
-            <dgm:adjLst>
-              <dgm:adj idx="2" val="0.25"/>
-            </dgm:adjLst>
-          </dgm:shape>
-          <dgm:presOf/>
-          <dgm:constrLst/>
-          <dgm:ruleLst/>
-        </dgm:layoutNode>
-        <dgm:choose name="Name2">
-          <dgm:if name="Name3" axis="ch" ptType="node" func="cnt" op="lt" val="1"/>
-          <dgm:if name="Name4" axis="ch" ptType="node" func="cnt" op="equ" val="1">
-            <dgm:layoutNode name="arrowDiagram1">
-              <dgm:varLst>
-                <dgm:bulletEnabled val="1"/>
-              </dgm:varLst>
-              <dgm:alg type="composite">
-                <dgm:param type="vertAlign" val="none"/>
-                <dgm:param type="horzAlign" val="none"/>
-              </dgm:alg>
-              <dgm:shape xmlns:r="http://schemas.openxmlformats.org/officeDocument/2006/relationships" r:blip="">
-                <dgm:adjLst/>
-              </dgm:shape>
-              <dgm:presOf/>
-              <dgm:constrLst>
-                <dgm:constr type="ctrX" for="ch" forName="bullet1" refType="w" fact="0.8"/>
-                <dgm:constr type="ctrY" for="ch" forName="bullet1" refType="h" fact="0.262"/>
-                <dgm:constr type="w" for="ch" forName="bullet1" refType="w" fact="0.074"/>
-                <dgm:constr type="h" for="ch" forName="bullet1" refType="w" refFor="ch" refForName="bullet1"/>
-                <dgm:constr type="r" for="ch" forName="textBox1" refType="ctrX" refFor="ch" refForName="bullet1"/>
-                <dgm:constr type="t" for="ch" forName="textBox1" refType="ctrY" refFor="ch" refForName="bullet1"/>
-                <dgm:constr type="w" for="ch" forName="textBox1" refType="w" fact="0.4"/>
-                <dgm:constr type="h" for="ch" forName="textBox1" refType="h" fact="0.738"/>
-                <dgm:constr type="userA" refType="h" refFor="ch" refForName="bullet1" fact="0.53"/>
-                <dgm:constr type="rMarg" for="ch" forName="textBox1" refType="userA" fact="2.834"/>
-                <dgm:constr type="primFontSz" for="ch" ptType="node" op="equ" val="65"/>
-              </dgm:constrLst>
-              <dgm:ruleLst/>
-              <dgm:forEach name="Name5" axis="ch" ptType="node" cnt="1">
-                <dgm:layoutNode name="bullet1" styleLbl="node1">
-                  <dgm:alg type="sp"/>
-                  <dgm:shape xmlns:r="http://schemas.openxmlformats.org/officeDocument/2006/relationships" type="ellipse" r:blip="">
-                    <dgm:adjLst/>
-                  </dgm:shape>
-                  <dgm:presOf/>
-                  <dgm:constrLst/>
-                  <dgm:ruleLst/>
-                </dgm:layoutNode>
-                <dgm:layoutNode name="textBox1" styleLbl="revTx">
-                  <dgm:varLst>
-                    <dgm:bulletEnabled val="1"/>
-                  </dgm:varLst>
-                  <dgm:alg type="tx">
-                    <dgm:param type="txAnchorVert" val="t"/>
-                    <dgm:param type="parTxLTRAlign" val="r"/>
-                    <dgm:param type="parTxRTLAlign" val="r"/>
-                  </dgm:alg>
-                  <dgm:shape xmlns:r="http://schemas.openxmlformats.org/officeDocument/2006/relationships" type="round2DiagRect" r:blip="">
-                    <dgm:adjLst/>
-                  </dgm:shape>
-                  <dgm:presOf axis="desOrSelf" ptType="node"/>
-                  <dgm:constrLst>
-                    <dgm:constr type="lMarg"/>
-                    <dgm:constr type="tMarg"/>
-                    <dgm:constr type="bMarg"/>
-                  </dgm:constrLst>
-                  <dgm:ruleLst>
-                    <dgm:rule type="primFontSz" val="5" fact="NaN" max="NaN"/>
-                  </dgm:ruleLst>
-                </dgm:layoutNode>
-              </dgm:forEach>
-            </dgm:layoutNode>
-          </dgm:if>
-          <dgm:if name="Name6" axis="ch" ptType="node" func="cnt" op="equ" val="2">
-            <dgm:layoutNode name="arrowDiagram2">
-              <dgm:alg type="composite">
-                <dgm:param type="vertAlign" val="none"/>
-                <dgm:param type="horzAlign" val="none"/>
-              </dgm:alg>
-              <dgm:shape xmlns:r="http://schemas.openxmlformats.org/officeDocument/2006/relationships" r:blip="">
-                <dgm:adjLst/>
-              </dgm:shape>
-              <dgm:presOf/>
-              <dgm:choose name="Name7">
-                <dgm:if name="Name8" func="var" arg="dir" op="equ" val="norm">
-                  <dgm:constrLst>
-                    <dgm:constr type="ctrX" for="ch" forName="bullet2a" refType="w" fact="0.25"/>
-                    <dgm:constr type="ctrY" for="ch" forName="bullet2a" refType="h" fact="0.573"/>
-                    <dgm:constr type="w" for="ch" forName="bullet2a" refType="w" fact="0.035"/>
-                    <dgm:constr type="h" for="ch" forName="bullet2a" refType="w" refFor="ch" refForName="bullet2a"/>
-                    <dgm:constr type="l" for="ch" forName="textBox2a" refType="ctrX" refFor="ch" refForName="bullet2a"/>
-                    <dgm:constr type="t" for="ch" forName="textBox2a" refType="ctrY" refFor="ch" refForName="bullet2a"/>
-                    <dgm:constr type="w" for="ch" forName="textBox2a" refType="w" fact="0.325"/>
-                    <dgm:constr type="h" for="ch" forName="textBox2a" refType="h" fact="0.427"/>
-                    <dgm:constr type="userA" refType="h" refFor="ch" refForName="bullet2a" fact="0.53"/>
-                    <dgm:constr type="lMarg" for="ch" forName="textBox2a" refType="userA" fact="2.834"/>
-                    <dgm:constr type="ctrX" for="ch" forName="bullet2b" refType="w" fact="0.585"/>
-                    <dgm:constr type="ctrY" for="ch" forName="bullet2b" refType="h" fact="0.338"/>
-                    <dgm:constr type="w" for="ch" forName="bullet2b" refType="w" fact="0.06"/>
-                    <dgm:constr type="h" for="ch" forName="bullet2b" refType="w" refFor="ch" refForName="bullet2b"/>
-                    <dgm:constr type="l" for="ch" forName="textBox2b" refType="ctrX" refFor="ch" refForName="bullet2b"/>
-                    <dgm:constr type="t" for="ch" forName="textBox2b" refType="ctrY" refFor="ch" refForName="bullet2b"/>
-                    <dgm:constr type="w" for="ch" forName="textBox2b" refType="w" fact="0.325"/>
-                    <dgm:constr type="h" for="ch" forName="textBox2b" refType="h" fact="0.662"/>
-                    <dgm:constr type="userB" refType="h" refFor="ch" refForName="bullet2b" fact="0.53"/>
-                    <dgm:constr type="lMarg" for="ch" forName="textBox2b" refType="userB" fact="2.834"/>
-                    <dgm:constr type="primFontSz" for="ch" ptType="node" op="equ" val="65"/>
-                  </dgm:constrLst>
-                </dgm:if>
-                <dgm:else name="Name9">
-                  <dgm:constrLst>
-                    <dgm:constr type="ctrX" for="ch" forName="bullet2a" refType="w" fact="0.25"/>
-                    <dgm:constr type="ctrY" for="ch" forName="bullet2a" refType="h" fact="0.573"/>
-                    <dgm:constr type="w" for="ch" forName="bullet2a" refType="w" fact="0.035"/>
-                    <dgm:constr type="h" for="ch" forName="bullet2a" refType="w" refFor="ch" refForName="bullet2a"/>
-                    <dgm:constr type="r" for="ch" forName="textBox2a" refType="ctrX" refFor="ch" refForName="bullet2a"/>
-                    <dgm:constr type="b" for="ch" forName="textBox2a" refType="ctrY" refFor="ch" refForName="bullet2a"/>
-                    <dgm:constr type="w" for="ch" forName="textBox2a" refType="w" fact="0.25"/>
-                    <dgm:constr type="h" for="ch" forName="textBox2a" refType="h" fact="0.573"/>
-                    <dgm:constr type="userA" refType="h" refFor="ch" refForName="bullet2a" fact="0.53"/>
-                    <dgm:constr type="rMarg" for="ch" forName="textBox2a" refType="userA" fact="2.834"/>
-                    <dgm:constr type="ctrX" for="ch" forName="bullet2b" refType="w" fact="0.585"/>
-                    <dgm:constr type="ctrY" for="ch" forName="bullet2b" refType="h" fact="0.338"/>
-                    <dgm:constr type="w" for="ch" forName="bullet2b" refType="w" fact="0.06"/>
-                    <dgm:constr type="h" for="ch" forName="bullet2b" refType="w" refFor="ch" refForName="bullet2b"/>
-                    <dgm:constr type="r" for="ch" forName="textBox2b" refType="ctrX" refFor="ch" refForName="bullet2b"/>
-                    <dgm:constr type="b" for="ch" forName="textBox2b" refType="ctrY" refFor="ch" refForName="bullet2b"/>
-                    <dgm:constr type="w" for="ch" forName="textBox2b" refType="w" fact="0.28"/>
-                    <dgm:constr type="h" for="ch" forName="textBox2b" refType="h" fact="0.338"/>
-                    <dgm:constr type="userB" refType="h" refFor="ch" refForName="bullet2b" fact="0.53"/>
-                    <dgm:constr type="rMarg" for="ch" forName="textBox2b" refType="userB" fact="2.834"/>
-                    <dgm:constr type="primFontSz" for="ch" ptType="node" op="equ" val="65"/>
-                  </dgm:constrLst>
-                </dgm:else>
-              </dgm:choose>
-              <dgm:ruleLst/>
-              <dgm:forEach name="Name10" axis="ch" ptType="node" cnt="1">
-                <dgm:layoutNode name="bullet2a" styleLbl="node1">
-                  <dgm:alg type="sp"/>
-                  <dgm:shape xmlns:r="http://schemas.openxmlformats.org/officeDocument/2006/relationships" type="ellipse" r:blip="">
-                    <dgm:adjLst/>
-                  </dgm:shape>
-                  <dgm:presOf/>
-                  <dgm:constrLst/>
-                  <dgm:ruleLst/>
-                </dgm:layoutNode>
-                <dgm:layoutNode name="textBox2a" styleLbl="revTx">
-                  <dgm:varLst>
-                    <dgm:bulletEnabled val="1"/>
-                  </dgm:varLst>
-                  <dgm:choose name="Name11">
-                    <dgm:if name="Name12" func="var" arg="dir" op="equ" val="norm">
-                      <dgm:choose name="Name13">
-                        <dgm:if name="Name14" axis="root des" ptType="all node" func="maxDepth" op="gt" val="1">
-                          <dgm:alg type="tx">
-                            <dgm:param type="txAnchorVert" val="t"/>
-                            <dgm:param type="parTxLTRAlign" val="l"/>
-                            <dgm:param type="parTxRTLAlign" val="r"/>
-                          </dgm:alg>
-                        </dgm:if>
-                        <dgm:else name="Name15">
-                          <dgm:alg type="tx">
-                            <dgm:param type="txAnchorVert" val="t"/>
-                            <dgm:param type="parTxLTRAlign" val="l"/>
-                            <dgm:param type="parTxRTLAlign" val="l"/>
-                          </dgm:alg>
-                        </dgm:else>
-                      </dgm:choose>
-                    </dgm:if>
-                    <dgm:else name="Name16">
-                      <dgm:choose name="Name17">
-                        <dgm:if name="Name18" axis="root des" ptType="all node" func="maxDepth" op="gt" val="1">
-                          <dgm:alg type="tx">
-                            <dgm:param type="txAnchorVert" val="b"/>
-                            <dgm:param type="txAnchorVertCh" val="b"/>
-                            <dgm:param type="parTxLTRAlign" val="l"/>
-                            <dgm:param type="parTxRTLAlign" val="r"/>
-                          </dgm:alg>
-                        </dgm:if>
-                        <dgm:else name="Name19">
-                          <dgm:alg type="tx">
-                            <dgm:param type="txAnchorVert" val="b"/>
-                            <dgm:param type="parTxLTRAlign" val="r"/>
-                            <dgm:param type="parTxRTLAlign" val="r"/>
-                          </dgm:alg>
-                        </dgm:else>
-                      </dgm:choose>
-                    </dgm:else>
-                  </dgm:choose>
-                  <dgm:shape xmlns:r="http://schemas.openxmlformats.org/officeDocument/2006/relationships" type="rect" r:blip="">
-                    <dgm:adjLst/>
-                  </dgm:shape>
-                  <dgm:presOf axis="desOrSelf" ptType="node"/>
-                  <dgm:choose name="Name20">
-                    <dgm:if name="Name21" func="var" arg="dir" op="equ" val="norm">
-                      <dgm:constrLst>
-                        <dgm:constr type="rMarg"/>
-                        <dgm:constr type="tMarg"/>
-                        <dgm:constr type="bMarg"/>
-                      </dgm:constrLst>
-                    </dgm:if>
-                    <dgm:else name="Name22">
-                      <dgm:constrLst>
-                        <dgm:constr type="lMarg"/>
-                        <dgm:constr type="tMarg"/>
-                        <dgm:constr type="bMarg"/>
-                      </dgm:constrLst>
-                    </dgm:else>
-                  </dgm:choose>
-                  <dgm:ruleLst>
-                    <dgm:rule type="primFontSz" val="5" fact="NaN" max="NaN"/>
-                  </dgm:ruleLst>
-                </dgm:layoutNode>
-              </dgm:forEach>
-              <dgm:forEach name="Name23" axis="ch" ptType="node" st="2" cnt="1">
-                <dgm:layoutNode name="bullet2b" styleLbl="node1">
-                  <dgm:alg type="sp"/>
-                  <dgm:shape xmlns:r="http://schemas.openxmlformats.org/officeDocument/2006/relationships" type="ellipse" r:blip="">
-                    <dgm:adjLst/>
-                  </dgm:shape>
-                  <dgm:presOf/>
-                  <dgm:constrLst/>
-                  <dgm:ruleLst/>
-                </dgm:layoutNode>
-                <dgm:layoutNode name="textBox2b" styleLbl="revTx">
-                  <dgm:varLst>
-                    <dgm:bulletEnabled val="1"/>
-                  </dgm:varLst>
-                  <dgm:choose name="Name24">
-                    <dgm:if name="Name25" func="var" arg="dir" op="equ" val="norm">
-                      <dgm:choose name="Name26">
-                        <dgm:if name="Name27" axis="root des" ptType="all node" func="maxDepth" op="gt" val="1">
-                          <dgm:alg type="tx">
-                            <dgm:param type="txAnchorVert" val="t"/>
-                            <dgm:param type="parTxLTRAlign" val="l"/>
-                            <dgm:param type="parTxRTLAlign" val="r"/>
-                          </dgm:alg>
-                        </dgm:if>
-                        <dgm:else name="Name28">
-                          <dgm:alg type="tx">
-                            <dgm:param type="txAnchorVert" val="t"/>
-                            <dgm:param type="parTxLTRAlign" val="l"/>
-                            <dgm:param type="parTxRTLAlign" val="l"/>
-                          </dgm:alg>
-                        </dgm:else>
-                      </dgm:choose>
-                    </dgm:if>
-                    <dgm:else name="Name29">
-                      <dgm:choose name="Name30">
-                        <dgm:if name="Name31" axis="root des" ptType="all node" func="maxDepth" op="gt" val="1">
-                          <dgm:alg type="tx">
-                            <dgm:param type="txAnchorVert" val="b"/>
-                            <dgm:param type="txAnchorVertCh" val="b"/>
-                            <dgm:param type="parTxLTRAlign" val="l"/>
-                            <dgm:param type="parTxRTLAlign" val="r"/>
-                          </dgm:alg>
-                        </dgm:if>
-                        <dgm:else name="Name32">
-                          <dgm:alg type="tx">
-                            <dgm:param type="txAnchorVert" val="b"/>
-                            <dgm:param type="parTxLTRAlign" val="r"/>
-                            <dgm:param type="parTxRTLAlign" val="r"/>
-                          </dgm:alg>
-                        </dgm:else>
-                      </dgm:choose>
-                    </dgm:else>
-                  </dgm:choose>
-                  <dgm:shape xmlns:r="http://schemas.openxmlformats.org/officeDocument/2006/relationships" type="rect" r:blip="">
-                    <dgm:adjLst/>
-                  </dgm:shape>
-                  <dgm:presOf axis="desOrSelf" ptType="node"/>
-                  <dgm:choose name="Name33">
-                    <dgm:if name="Name34" func="var" arg="dir" op="equ" val="norm">
-                      <dgm:constrLst>
-                        <dgm:constr type="rMarg"/>
-                        <dgm:constr type="tMarg"/>
-                        <dgm:constr type="bMarg"/>
-                      </dgm:constrLst>
-                    </dgm:if>
-                    <dgm:else name="Name35">
-                      <dgm:constrLst>
-                        <dgm:constr type="lMarg"/>
-                        <dgm:constr type="tMarg"/>
-                        <dgm:constr type="bMarg"/>
-                      </dgm:constrLst>
-                    </dgm:else>
-                  </dgm:choose>
-                  <dgm:ruleLst>
-                    <dgm:rule type="primFontSz" val="5" fact="NaN" max="NaN"/>
-                  </dgm:ruleLst>
-                </dgm:layoutNode>
-              </dgm:forEach>
-            </dgm:layoutNode>
-          </dgm:if>
-          <dgm:if name="Name36" axis="ch" ptType="node" func="cnt" op="equ" val="3">
-            <dgm:layoutNode name="arrowDiagram3">
-              <dgm:alg type="composite">
-                <dgm:param type="vertAlign" val="none"/>
-                <dgm:param type="horzAlign" val="none"/>
-              </dgm:alg>
-              <dgm:shape xmlns:r="http://schemas.openxmlformats.org/officeDocument/2006/relationships" r:blip="">
-                <dgm:adjLst/>
-              </dgm:shape>
-              <dgm:presOf/>
-              <dgm:choose name="Name37">
-                <dgm:if name="Name38" func="var" arg="dir" op="equ" val="norm">
-                  <dgm:constrLst>
-                    <dgm:constr type="ctrX" for="ch" forName="bullet3a" refType="w" fact="0.14"/>
-                    <dgm:constr type="ctrY" for="ch" forName="bullet3a" refType="h" fact="0.711"/>
-                    <dgm:constr type="w" for="ch" forName="bullet3a" refType="w" fact="0.026"/>
-                    <dgm:constr type="h" for="ch" forName="bullet3a" refType="w" refFor="ch" refForName="bullet3a"/>
-                    <dgm:constr type="l" for="ch" forName="textBox3a" refType="ctrX" refFor="ch" refForName="bullet3a"/>
-                    <dgm:constr type="t" for="ch" forName="textBox3a" refType="ctrY" refFor="ch" refForName="bullet3a"/>
-                    <dgm:constr type="w" for="ch" forName="textBox3a" refType="w" fact="0.233"/>
-                    <dgm:constr type="h" for="ch" forName="textBox3a" refType="h" fact="0.289"/>
-                    <dgm:constr type="userA" refType="h" refFor="ch" refForName="bullet3a" fact="0.53"/>
-                    <dgm:constr type="lMarg" for="ch" forName="textBox3a" refType="userA" fact="2.834"/>
-                    <dgm:constr type="ctrX" for="ch" forName="bullet3b" refType="w" fact="0.38"/>
-                    <dgm:constr type="ctrY" for="ch" forName="bullet3b" refType="h" fact="0.456"/>
-                    <dgm:constr type="w" for="ch" forName="bullet3b" refType="w" fact="0.047"/>
-                    <dgm:constr type="h" for="ch" forName="bullet3b" refType="w" refFor="ch" refForName="bullet3b"/>
-                    <dgm:constr type="l" for="ch" forName="textBox3b" refType="ctrX" refFor="ch" refForName="bullet3b"/>
-                    <dgm:constr type="t" for="ch" forName="textBox3b" refType="ctrY" refFor="ch" refForName="bullet3b"/>
-                    <dgm:constr type="w" for="ch" forName="textBox3b" refType="w" fact="0.24"/>
-                    <dgm:constr type="h" for="ch" forName="textBox3b" refType="h" fact="0.544"/>
-                    <dgm:constr type="userB" refType="h" refFor="ch" refForName="bullet3b" fact="0.53"/>
-                    <dgm:constr type="lMarg" for="ch" forName="textBox3b" refType="userB" fact="2.834"/>
-                    <dgm:constr type="ctrX" for="ch" forName="bullet3c" refType="w" fact="0.665"/>
-                    <dgm:constr type="ctrY" for="ch" forName="bullet3c" refType="h" fact="0.305"/>
-                    <dgm:constr type="w" for="ch" forName="bullet3c" refType="w" fact="0.065"/>
-                    <dgm:constr type="h" for="ch" forName="bullet3c" refType="w" refFor="ch" refForName="bullet3c"/>
-                    <dgm:constr type="l" for="ch" forName="textBox3c" refType="ctrX" refFor="ch" refForName="bullet3c"/>
-                    <dgm:constr type="t" for="ch" forName="textBox3c" refType="ctrY" refFor="ch" refForName="bullet3c"/>
-                    <dgm:constr type="w" for="ch" forName="textBox3c" refType="w" fact="0.24"/>
-                    <dgm:constr type="h" for="ch" forName="textBox3c" refType="h" fact="0.695"/>
-                    <dgm:constr type="userC" refType="h" refFor="ch" refForName="bullet3c" fact="0.53"/>
-                    <dgm:constr type="lMarg" for="ch" forName="textBox3c" refType="userC" fact="2.834"/>
-                    <dgm:constr type="primFontSz" for="ch" ptType="node" op="equ" val="65"/>
-                  </dgm:constrLst>
-                </dgm:if>
-                <dgm:else name="Name39">
-                  <dgm:constrLst>
-                    <dgm:constr type="ctrX" for="ch" forName="bullet3a" refType="w" fact="0.14"/>
-                    <dgm:constr type="ctrY" for="ch" forName="bullet3a" refType="h" fact="0.711"/>
-                    <dgm:constr type="w" for="ch" forName="bullet3a" refType="w" fact="0.026"/>
-                    <dgm:constr type="h" for="ch" forName="bullet3a" refType="w" refFor="ch" refForName="bullet3a"/>
-                    <dgm:constr type="r" for="ch" forName="textBox3a" refType="ctrX" refFor="ch" refForName="bullet3a"/>
-                    <dgm:constr type="b" for="ch" forName="textBox3a" refType="ctrY" refFor="ch" refForName="bullet3a"/>
-                    <dgm:constr type="w" for="ch" forName="textBox3a" refType="w" fact="0.14"/>
-                    <dgm:constr type="h" for="ch" forName="textBox3a" refType="h" fact="0.711"/>
-                    <dgm:constr type="userA" refType="h" refFor="ch" refForName="bullet3a" fact="0.53"/>
-                    <dgm:constr type="rMarg" for="ch" forName="textBox3a" refType="userA" fact="2.834"/>
-                    <dgm:constr type="ctrX" for="ch" forName="bullet3b" refType="w" fact="0.38"/>
-                    <dgm:constr type="ctrY" for="ch" forName="bullet3b" refType="h" fact="0.456"/>
-                    <dgm:constr type="w" for="ch" forName="bullet3b" refType="w" fact="0.047"/>
-                    <dgm:constr type="h" for="ch" forName="bullet3b" refType="w" refFor="ch" refForName="bullet3b"/>
-                    <dgm:constr type="r" for="ch" forName="textBox3b" refType="ctrX" refFor="ch" refForName="bullet3b"/>
-                    <dgm:constr type="b" for="ch" forName="textBox3b" refType="ctrY" refFor="ch" refForName="bullet3b"/>
-                    <dgm:constr type="w" for="ch" forName="textBox3b" refType="w" fact="0.24"/>
-                    <dgm:constr type="h" for="ch" forName="textBox3b" refType="h" fact="0.456"/>
-                    <dgm:constr type="userB" refType="h" refFor="ch" refForName="bullet3b" fact="0.53"/>
-                    <dgm:constr type="rMarg" for="ch" forName="textBox3b" refType="userB" fact="2.834"/>
-                    <dgm:constr type="ctrX" for="ch" forName="bullet3c" refType="w" fact="0.665"/>
-                    <dgm:constr type="ctrY" for="ch" forName="bullet3c" refType="h" fact="0.305"/>
-                    <dgm:constr type="w" for="ch" forName="bullet3c" refType="w" fact="0.065"/>
-                    <dgm:constr type="h" for="ch" forName="bullet3c" refType="w" refFor="ch" refForName="bullet3c"/>
-                    <dgm:constr type="r" for="ch" forName="textBox3c" refType="ctrX" refFor="ch" refForName="bullet3c"/>
-                    <dgm:constr type="b" for="ch" forName="textBox3c" refType="ctrY" refFor="ch" refForName="bullet3c"/>
-                    <dgm:constr type="w" for="ch" forName="textBox3c" refType="w" fact="0.24"/>
-                    <dgm:constr type="h" for="ch" forName="textBox3c" refType="h" fact="0.305"/>
-                    <dgm:constr type="userC" refType="h" refFor="ch" refForName="bullet3c" fact="0.53"/>
-                    <dgm:constr type="rMarg" for="ch" forName="textBox3c" refType="userC" fact="2.834"/>
-                    <dgm:constr type="primFontSz" for="ch" ptType="node" op="equ" val="65"/>
-                  </dgm:constrLst>
-                </dgm:else>
-              </dgm:choose>
-              <dgm:ruleLst/>
-              <dgm:forEach name="Name40" axis="ch" ptType="node" cnt="1">
-                <dgm:layoutNode name="bullet3a" styleLbl="node1">
-                  <dgm:alg type="sp"/>
-                  <dgm:shape xmlns:r="http://schemas.openxmlformats.org/officeDocument/2006/relationships" type="ellipse" r:blip="">
-                    <dgm:adjLst/>
-                  </dgm:shape>
-                  <dgm:presOf/>
-                  <dgm:constrLst/>
-                  <dgm:ruleLst/>
-                </dgm:layoutNode>
-                <dgm:layoutNode name="textBox3a" styleLbl="revTx">
-                  <dgm:varLst>
-                    <dgm:bulletEnabled val="1"/>
-                  </dgm:varLst>
-                  <dgm:choose name="Name41">
-                    <dgm:if name="Name42" func="var" arg="dir" op="equ" val="norm">
-                      <dgm:choose name="Name43">
-                        <dgm:if name="Name44" axis="root des" ptType="all node" func="maxDepth" op="gt" val="1">
-                          <dgm:alg type="tx">
-                            <dgm:param type="txAnchorVert" val="t"/>
-                            <dgm:param type="parTxLTRAlign" val="l"/>
-                            <dgm:param type="parTxRTLAlign" val="r"/>
-                          </dgm:alg>
-                        </dgm:if>
-                        <dgm:else name="Name45">
-                          <dgm:alg type="tx">
-                            <dgm:param type="txAnchorVert" val="t"/>
-                            <dgm:param type="parTxLTRAlign" val="l"/>
-                            <dgm:param type="parTxRTLAlign" val="l"/>
-                          </dgm:alg>
-                        </dgm:else>
-                      </dgm:choose>
-                    </dgm:if>
-                    <dgm:else name="Name46">
-                      <dgm:choose name="Name47">
-                        <dgm:if name="Name48" axis="root des" ptType="all node" func="maxDepth" op="gt" val="1">
-                          <dgm:alg type="tx">
-                            <dgm:param type="txAnchorVert" val="b"/>
-                            <dgm:param type="txAnchorVertCh" val="b"/>
-                            <dgm:param type="parTxLTRAlign" val="l"/>
-                            <dgm:param type="parTxRTLAlign" val="r"/>
-                          </dgm:alg>
-                        </dgm:if>
-                        <dgm:else name="Name49">
-                          <dgm:alg type="tx">
-                            <dgm:param type="txAnchorVert" val="b"/>
-                            <dgm:param type="parTxLTRAlign" val="r"/>
-                            <dgm:param type="parTxRTLAlign" val="r"/>
-                          </dgm:alg>
-                        </dgm:else>
-                      </dgm:choose>
-                    </dgm:else>
-                  </dgm:choose>
-                  <dgm:shape xmlns:r="http://schemas.openxmlformats.org/officeDocument/2006/relationships" type="rect" r:blip="">
-                    <dgm:adjLst/>
-                  </dgm:shape>
-                  <dgm:presOf axis="desOrSelf" ptType="node"/>
-                  <dgm:choose name="Name50">
-                    <dgm:if name="Name51" func="var" arg="dir" op="equ" val="norm">
-                      <dgm:constrLst>
-                        <dgm:constr type="rMarg"/>
-                        <dgm:constr type="tMarg"/>
-                        <dgm:constr type="bMarg"/>
-                      </dgm:constrLst>
-                    </dgm:if>
-                    <dgm:else name="Name52">
-                      <dgm:constrLst>
-                        <dgm:constr type="lMarg"/>
-                        <dgm:constr type="tMarg"/>
-                        <dgm:constr type="bMarg"/>
-                      </dgm:constrLst>
-                    </dgm:else>
-                  </dgm:choose>
-                  <dgm:ruleLst>
-                    <dgm:rule type="primFontSz" val="5" fact="NaN" max="NaN"/>
-                  </dgm:ruleLst>
-                </dgm:layoutNode>
-              </dgm:forEach>
-              <dgm:forEach name="Name53" axis="ch" ptType="node" st="2" cnt="1">
-                <dgm:layoutNode name="bullet3b" styleLbl="node1">
-                  <dgm:alg type="sp"/>
-                  <dgm:shape xmlns:r="http://schemas.openxmlformats.org/officeDocument/2006/relationships" type="ellipse" r:blip="">
-                    <dgm:adjLst/>
-                  </dgm:shape>
-                  <dgm:presOf/>
-                  <dgm:constrLst/>
-                  <dgm:ruleLst/>
-                </dgm:layoutNode>
-                <dgm:layoutNode name="textBox3b" styleLbl="revTx">
-                  <dgm:varLst>
-                    <dgm:bulletEnabled val="1"/>
-                  </dgm:varLst>
-                  <dgm:choose name="Name54">
-                    <dgm:if name="Name55" func="var" arg="dir" op="equ" val="norm">
-                      <dgm:choose name="Name56">
-                        <dgm:if name="Name57" axis="root des" ptType="all node" func="maxDepth" op="gt" val="1">
-                          <dgm:alg type="tx">
-                            <dgm:param type="txAnchorVert" val="t"/>
-                            <dgm:param type="parTxLTRAlign" val="l"/>
-                            <dgm:param type="parTxRTLAlign" val="r"/>
-                          </dgm:alg>
-                        </dgm:if>
-                        <dgm:else name="Name58">
-                          <dgm:alg type="tx">
-                            <dgm:param type="txAnchorVert" val="t"/>
-                            <dgm:param type="parTxLTRAlign" val="l"/>
-                            <dgm:param type="parTxRTLAlign" val="l"/>
-                          </dgm:alg>
-                        </dgm:else>
-                      </dgm:choose>
-                    </dgm:if>
-                    <dgm:else name="Name59">
-                      <dgm:choose name="Name60">
-                        <dgm:if name="Name61" axis="root des" ptType="all node" func="maxDepth" op="gt" val="1">
-                          <dgm:alg type="tx">
-                            <dgm:param type="txAnchorVert" val="b"/>
-                            <dgm:param type="txAnchorVertCh" val="b"/>
-                            <dgm:param type="parTxLTRAlign" val="l"/>
-                            <dgm:param type="parTxRTLAlign" val="r"/>
-                          </dgm:alg>
-                        </dgm:if>
-                        <dgm:else name="Name62">
-                          <dgm:alg type="tx">
-                            <dgm:param type="txAnchorVert" val="b"/>
-                            <dgm:param type="parTxLTRAlign" val="r"/>
-                            <dgm:param type="parTxRTLAlign" val="r"/>
-                          </dgm:alg>
-                        </dgm:else>
-                      </dgm:choose>
-                    </dgm:else>
-                  </dgm:choose>
-                  <dgm:shape xmlns:r="http://schemas.openxmlformats.org/officeDocument/2006/relationships" type="rect" r:blip="">
-                    <dgm:adjLst/>
-                  </dgm:shape>
-                  <dgm:presOf axis="desOrSelf" ptType="node"/>
-                  <dgm:choose name="Name63">
-                    <dgm:if name="Name64" func="var" arg="dir" op="equ" val="norm">
-                      <dgm:constrLst>
-                        <dgm:constr type="rMarg"/>
-                        <dgm:constr type="tMarg"/>
-                        <dgm:constr type="bMarg"/>
-                      </dgm:constrLst>
-                    </dgm:if>
-                    <dgm:else name="Name65">
-                      <dgm:constrLst>
-                        <dgm:constr type="lMarg"/>
-                        <dgm:constr type="tMarg"/>
-                        <dgm:constr type="bMarg"/>
-                      </dgm:constrLst>
-                    </dgm:else>
-                  </dgm:choose>
-                  <dgm:ruleLst>
-                    <dgm:rule type="primFontSz" val="5" fact="NaN" max="NaN"/>
-                  </dgm:ruleLst>
-                </dgm:layoutNode>
-              </dgm:forEach>
-              <dgm:forEach name="Name66" axis="ch" ptType="node" st="3" cnt="1">
-                <dgm:layoutNode name="bullet3c" styleLbl="node1">
-                  <dgm:alg type="sp"/>
-                  <dgm:shape xmlns:r="http://schemas.openxmlformats.org/officeDocument/2006/relationships" type="ellipse" r:blip="">
-                    <dgm:adjLst/>
-                  </dgm:shape>
-                  <dgm:presOf/>
-                  <dgm:constrLst/>
-                  <dgm:ruleLst/>
-                </dgm:layoutNode>
-                <dgm:layoutNode name="textBox3c" styleLbl="revTx">
-                  <dgm:varLst>
-                    <dgm:bulletEnabled val="1"/>
-                  </dgm:varLst>
-                  <dgm:choose name="Name67">
-                    <dgm:if name="Name68" func="var" arg="dir" op="equ" val="norm">
-                      <dgm:choose name="Name69">
-                        <dgm:if name="Name70" axis="root des" ptType="all node" func="maxDepth" op="gt" val="1">
-                          <dgm:alg type="tx">
-                            <dgm:param type="txAnchorVert" val="t"/>
-                            <dgm:param type="parTxLTRAlign" val="l"/>
-                            <dgm:param type="parTxRTLAlign" val="r"/>
-                          </dgm:alg>
-                        </dgm:if>
-                        <dgm:else name="Name71">
-                          <dgm:alg type="tx">
-                            <dgm:param type="txAnchorVert" val="t"/>
-                            <dgm:param type="parTxLTRAlign" val="l"/>
-                            <dgm:param type="parTxRTLAlign" val="l"/>
-                          </dgm:alg>
-                        </dgm:else>
-                      </dgm:choose>
-                    </dgm:if>
-                    <dgm:else name="Name72">
-                      <dgm:choose name="Name73">
-                        <dgm:if name="Name74" axis="root des" ptType="all node" func="maxDepth" op="gt" val="1">
-                          <dgm:alg type="tx">
-                            <dgm:param type="txAnchorVert" val="b"/>
-                            <dgm:param type="txAnchorVertCh" val="b"/>
-                            <dgm:param type="parTxLTRAlign" val="l"/>
-                            <dgm:param type="parTxRTLAlign" val="r"/>
-                          </dgm:alg>
-                        </dgm:if>
-                        <dgm:else name="Name75">
-                          <dgm:alg type="tx">
-                            <dgm:param type="txAnchorVert" val="b"/>
-                            <dgm:param type="parTxLTRAlign" val="r"/>
-                            <dgm:param type="parTxRTLAlign" val="r"/>
-                          </dgm:alg>
-                        </dgm:else>
-                      </dgm:choose>
-                    </dgm:else>
-                  </dgm:choose>
-                  <dgm:shape xmlns:r="http://schemas.openxmlformats.org/officeDocument/2006/relationships" type="rect" r:blip="">
-                    <dgm:adjLst/>
-                  </dgm:shape>
-                  <dgm:presOf axis="desOrSelf" ptType="node"/>
-                  <dgm:choose name="Name76">
-                    <dgm:if name="Name77" func="var" arg="dir" op="equ" val="norm">
-                      <dgm:constrLst>
-                        <dgm:constr type="rMarg"/>
-                        <dgm:constr type="tMarg"/>
-                        <dgm:constr type="bMarg"/>
-                      </dgm:constrLst>
-                    </dgm:if>
-                    <dgm:else name="Name78">
-                      <dgm:constrLst>
-                        <dgm:constr type="lMarg"/>
-                        <dgm:constr type="tMarg"/>
-                        <dgm:constr type="bMarg"/>
-                      </dgm:constrLst>
-                    </dgm:else>
-                  </dgm:choose>
-                  <dgm:ruleLst>
-                    <dgm:rule type="primFontSz" val="5" fact="NaN" max="NaN"/>
-                  </dgm:ruleLst>
-                </dgm:layoutNode>
-              </dgm:forEach>
-            </dgm:layoutNode>
-          </dgm:if>
-          <dgm:if name="Name79" axis="ch" ptType="node" func="cnt" op="equ" val="4">
-            <dgm:layoutNode name="arrowDiagram4">
-              <dgm:alg type="composite">
-                <dgm:param type="vertAlign" val="none"/>
-                <dgm:param type="horzAlign" val="none"/>
-              </dgm:alg>
-              <dgm:shape xmlns:r="http://schemas.openxmlformats.org/officeDocument/2006/relationships" r:blip="">
-                <dgm:adjLst/>
-              </dgm:shape>
-              <dgm:presOf/>
-              <dgm:choose name="Name80">
-                <dgm:if name="Name81" func="var" arg="dir" op="equ" val="norm">
-                  <dgm:constrLst>
-                    <dgm:constr type="ctrX" for="ch" forName="bullet4a" refType="w" fact="0.11"/>
-                    <dgm:constr type="ctrY" for="ch" forName="bullet4a" refType="h" fact="0.762"/>
-                    <dgm:constr type="w" for="ch" forName="bullet4a" refType="w" fact="0.023"/>
-                    <dgm:constr type="h" for="ch" forName="bullet4a" refType="w" refFor="ch" refForName="bullet4a"/>
-                    <dgm:constr type="l" for="ch" forName="textBox4a" refType="ctrX" refFor="ch" refForName="bullet4a"/>
-                    <dgm:constr type="t" for="ch" forName="textBox4a" refType="ctrY" refFor="ch" refForName="bullet4a"/>
-                    <dgm:constr type="w" for="ch" forName="textBox4a" refType="w" fact="0.171"/>
-                    <dgm:constr type="h" for="ch" forName="textBox4a" refType="h" fact="0.238"/>
-                    <dgm:constr type="userA" refType="h" refFor="ch" refForName="bullet4a" fact="0.53"/>
-                    <dgm:constr type="lMarg" for="ch" forName="textBox4a" refType="userA" fact="2.834"/>
-                    <dgm:constr type="ctrX" for="ch" forName="bullet4b" refType="w" fact="0.281"/>
-                    <dgm:constr type="ctrY" for="ch" forName="bullet4b" refType="h" fact="0.543"/>
-                    <dgm:constr type="w" for="ch" forName="bullet4b" refType="w" fact="0.04"/>
-                    <dgm:constr type="h" for="ch" forName="bullet4b" refType="w" refFor="ch" refForName="bullet4b"/>
-                    <dgm:constr type="l" for="ch" forName="textBox4b" refType="ctrX" refFor="ch" refForName="bullet4b"/>
-                    <dgm:constr type="t" for="ch" forName="textBox4b" refType="ctrY" refFor="ch" refForName="bullet4b"/>
-                    <dgm:constr type="w" for="ch" forName="textBox4b" refType="w" fact="0.21"/>
-                    <dgm:constr type="h" for="ch" forName="textBox4b" refType="h" fact="0.457"/>
-                    <dgm:constr type="userB" refType="h" refFor="ch" refForName="bullet4b" fact="0.53"/>
-                    <dgm:constr type="lMarg" for="ch" forName="textBox4b" refType="userB" fact="2.834"/>
-                    <dgm:constr type="ctrX" for="ch" forName="bullet4c" refType="w" fact="0.495"/>
-                    <dgm:constr type="ctrY" for="ch" forName="bullet4c" refType="h" fact="0.382"/>
-                    <dgm:constr type="w" for="ch" forName="bullet4c" refType="w" fact="0.053"/>
-                    <dgm:constr type="h" for="ch" forName="bullet4c" refType="w" refFor="ch" refForName="bullet4c"/>
-                    <dgm:constr type="l" for="ch" forName="textBox4c" refType="ctrX" refFor="ch" refForName="bullet4c"/>
-                    <dgm:constr type="t" for="ch" forName="textBox4c" refType="ctrY" refFor="ch" refForName="bullet4c"/>
-                    <dgm:constr type="w" for="ch" forName="textBox4c" refType="w" fact="0.21"/>
-                    <dgm:constr type="h" for="ch" forName="textBox4c" refType="h" fact="0.618"/>
-                    <dgm:constr type="userC" refType="h" refFor="ch" refForName="bullet4c" fact="0.53"/>
-                    <dgm:constr type="lMarg" for="ch" forName="textBox4c" refType="userC" fact="2.834"/>
-                    <dgm:constr type="ctrX" for="ch" forName="bullet4d" refType="w" fact="0.73"/>
-                    <dgm:constr type="ctrY" for="ch" forName="bullet4d" refType="h" fact="0.283"/>
-                    <dgm:constr type="w" for="ch" forName="bullet4d" refType="w" fact="0.071"/>
-                    <dgm:constr type="h" for="ch" forName="bullet4d" refType="w" refFor="ch" refForName="bullet4d"/>
-                    <dgm:constr type="l" for="ch" forName="textBox4d" refType="ctrX" refFor="ch" refForName="bullet4d"/>
-                    <dgm:constr type="t" for="ch" forName="textBox4d" refType="ctrY" refFor="ch" refForName="bullet4d"/>
-                    <dgm:constr type="w" for="ch" forName="textBox4d" refType="w" fact="0.21"/>
-                    <dgm:constr type="h" for="ch" forName="textBox4d" refType="h" fact="0.717"/>
-                    <dgm:constr type="userD" refType="h" refFor="ch" refForName="bullet4d" fact="0.53"/>
-                    <dgm:constr type="lMarg" for="ch" forName="textBox4d" refType="userD" fact="2.834"/>
-                    <dgm:constr type="primFontSz" for="ch" ptType="node" op="equ" val="65"/>
-                  </dgm:constrLst>
-                </dgm:if>
-                <dgm:else name="Name82">
-                  <dgm:constrLst>
-                    <dgm:constr type="ctrX" for="ch" forName="bullet4a" refType="w" fact="0.11"/>
-                    <dgm:constr type="ctrY" for="ch" forName="bullet4a" refType="h" fact="0.762"/>
-                    <dgm:constr type="w" for="ch" forName="bullet4a" refType="w" fact="0.023"/>
-                    <dgm:constr type="h" for="ch" forName="bullet4a" refType="w" refFor="ch" refForName="bullet4a"/>
-                    <dgm:constr type="r" for="ch" forName="textBox4a" refType="ctrX" refFor="ch" refForName="bullet4a"/>
-                    <dgm:constr type="b" for="ch" forName="textBox4a" refType="ctrY" refFor="ch" refForName="bullet4a"/>
-                    <dgm:constr type="w" for="ch" forName="textBox4a" refType="w" fact="0.11"/>
-                    <dgm:constr type="h" for="ch" forName="textBox4a" refType="h" fact="0.762"/>
-                    <dgm:constr type="userA" refType="h" refFor="ch" refForName="bullet4a" fact="0.53"/>
-                    <dgm:constr type="rMarg" for="ch" forName="textBox4a" refType="userA" fact="2.834"/>
-                    <dgm:constr type="ctrX" for="ch" forName="bullet4b" refType="w" fact="0.281"/>
-                    <dgm:constr type="ctrY" for="ch" forName="bullet4b" refType="h" fact="0.543"/>
-                    <dgm:constr type="w" for="ch" forName="bullet4b" refType="w" fact="0.04"/>
-                    <dgm:constr type="h" for="ch" forName="bullet4b" refType="w" refFor="ch" refForName="bullet4b"/>
-                    <dgm:constr type="r" for="ch" forName="textBox4b" refType="ctrX" refFor="ch" refForName="bullet4b"/>
-                    <dgm:constr type="b" for="ch" forName="textBox4b" refType="ctrY" refFor="ch" refForName="bullet4b"/>
-                    <dgm:constr type="w" for="ch" forName="textBox4b" refType="w" fact="0.171"/>
-                    <dgm:constr type="h" for="ch" forName="textBox4b" refType="h" fact="0.543"/>
-                    <dgm:constr type="userB" refType="h" refFor="ch" refForName="bullet4b" fact="0.53"/>
-                    <dgm:constr type="rMarg" for="ch" forName="textBox4b" refType="userB" fact="2.834"/>
-                    <dgm:constr type="ctrX" for="ch" forName="bullet4c" refType="w" fact="0.495"/>
-                    <dgm:constr type="ctrY" for="ch" forName="bullet4c" refType="h" fact="0.382"/>
-                    <dgm:constr type="w" for="ch" forName="bullet4c" refType="w" fact="0.053"/>
-                    <dgm:constr type="h" for="ch" forName="bullet4c" refType="w" refFor="ch" refForName="bullet4c"/>
-                    <dgm:constr type="r" for="ch" forName="textBox4c" refType="ctrX" refFor="ch" refForName="bullet4c"/>
-                    <dgm:constr type="b" for="ch" forName="textBox4c" refType="ctrY" refFor="ch" refForName="bullet4c"/>
-                    <dgm:constr type="w" for="ch" forName="textBox4c" refType="w" fact="0.21"/>
-                    <dgm:constr type="h" for="ch" forName="textBox4c" refType="h" fact="0.382"/>
-                    <dgm:constr type="userC" refType="h" refFor="ch" refForName="bullet4c" fact="0.53"/>
-                    <dgm:constr type="rMarg" for="ch" forName="textBox4c" refType="userC" fact="2.834"/>
-                    <dgm:constr type="ctrX" for="ch" forName="bullet4d" refType="w" fact="0.73"/>
-                    <dgm:constr type="ctrY" for="ch" forName="bullet4d" refType="h" fact="0.283"/>
-                    <dgm:constr type="w" for="ch" forName="bullet4d" refType="w" fact="0.071"/>
-                    <dgm:constr type="h" for="ch" forName="bullet4d" refType="w" refFor="ch" refForName="bullet4d"/>
-                    <dgm:constr type="r" for="ch" forName="textBox4d" refType="ctrX" refFor="ch" refForName="bullet4d"/>
-                    <dgm:constr type="b" for="ch" forName="textBox4d" refType="ctrY" refFor="ch" refForName="bullet4d"/>
-                    <dgm:constr type="w" for="ch" forName="textBox4d" refType="w" fact="0.21"/>
-                    <dgm:constr type="h" for="ch" forName="textBox4d" refType="h" fact="0.283"/>
-                    <dgm:constr type="userD" refType="h" refFor="ch" refForName="bullet4d" fact="0.53"/>
-                    <dgm:constr type="rMarg" for="ch" forName="textBox4d" refType="userD" fact="2.834"/>
-                    <dgm:constr type="primFontSz" for="ch" ptType="node" op="equ" val="65"/>
-                  </dgm:constrLst>
-                </dgm:else>
-              </dgm:choose>
-              <dgm:ruleLst/>
-              <dgm:forEach name="Name83" axis="ch" ptType="node" cnt="1">
-                <dgm:layoutNode name="bullet4a" styleLbl="node1">
-                  <dgm:alg type="sp"/>
-                  <dgm:shape xmlns:r="http://schemas.openxmlformats.org/officeDocument/2006/relationships" type="ellipse" r:blip="">
-                    <dgm:adjLst/>
-                  </dgm:shape>
-                  <dgm:presOf/>
-                  <dgm:constrLst/>
-                  <dgm:ruleLst/>
-                </dgm:layoutNode>
-                <dgm:layoutNode name="textBox4a" styleLbl="revTx">
-                  <dgm:varLst>
-                    <dgm:bulletEnabled val="1"/>
-                  </dgm:varLst>
-                  <dgm:choose name="Name84">
-                    <dgm:if name="Name85" func="var" arg="dir" op="equ" val="norm">
-                      <dgm:choose name="Name86">
-                        <dgm:if name="Name87" axis="root des" ptType="all node" func="maxDepth" op="gt" val="1">
-                          <dgm:alg type="tx">
-                            <dgm:param type="txAnchorVert" val="t"/>
-                            <dgm:param type="parTxLTRAlign" val="l"/>
-                            <dgm:param type="parTxRTLAlign" val="r"/>
-                          </dgm:alg>
-                        </dgm:if>
-                        <dgm:else name="Name88">
-                          <dgm:alg type="tx">
-                            <dgm:param type="txAnchorVert" val="t"/>
-                            <dgm:param type="parTxLTRAlign" val="l"/>
-                            <dgm:param type="parTxRTLAlign" val="l"/>
-                          </dgm:alg>
-                        </dgm:else>
-                      </dgm:choose>
-                    </dgm:if>
-                    <dgm:else name="Name89">
-                      <dgm:choose name="Name90">
-                        <dgm:if name="Name91" axis="root des" ptType="all node" func="maxDepth" op="gt" val="1">
-                          <dgm:alg type="tx">
-                            <dgm:param type="txAnchorVert" val="b"/>
-                            <dgm:param type="txAnchorVertCh" val="b"/>
-                            <dgm:param type="parTxLTRAlign" val="l"/>
-                            <dgm:param type="parTxRTLAlign" val="r"/>
-                          </dgm:alg>
-                        </dgm:if>
-                        <dgm:else name="Name92">
-                          <dgm:alg type="tx">
-                            <dgm:param type="txAnchorVert" val="b"/>
-                            <dgm:param type="parTxLTRAlign" val="r"/>
-                            <dgm:param type="parTxRTLAlign" val="r"/>
-                          </dgm:alg>
-                        </dgm:else>
-                      </dgm:choose>
-                    </dgm:else>
-                  </dgm:choose>
-                  <dgm:shape xmlns:r="http://schemas.openxmlformats.org/officeDocument/2006/relationships" type="rect" r:blip="">
-                    <dgm:adjLst/>
-                  </dgm:shape>
-                  <dgm:presOf axis="desOrSelf" ptType="node"/>
-                  <dgm:choose name="Name93">
-                    <dgm:if name="Name94" func="var" arg="dir" op="equ" val="norm">
-                      <dgm:constrLst>
-                        <dgm:constr type="rMarg"/>
-                        <dgm:constr type="tMarg"/>
-                        <dgm:constr type="bMarg"/>
-                      </dgm:constrLst>
-                    </dgm:if>
-                    <dgm:else name="Name95">
-                      <dgm:constrLst>
-                        <dgm:constr type="lMarg"/>
-                        <dgm:constr type="tMarg"/>
-                        <dgm:constr type="bMarg"/>
-                      </dgm:constrLst>
-                    </dgm:else>
-                  </dgm:choose>
-                  <dgm:ruleLst>
-                    <dgm:rule type="primFontSz" val="5" fact="NaN" max="NaN"/>
-                  </dgm:ruleLst>
-                </dgm:layoutNode>
-              </dgm:forEach>
-              <dgm:forEach name="Name96" axis="ch" ptType="node" st="2" cnt="1">
-                <dgm:layoutNode name="bullet4b" styleLbl="node1">
-                  <dgm:alg type="sp"/>
-                  <dgm:shape xmlns:r="http://schemas.openxmlformats.org/officeDocument/2006/relationships" type="ellipse" r:blip="">
-                    <dgm:adjLst/>
-                  </dgm:shape>
-                  <dgm:presOf/>
-                  <dgm:constrLst/>
-                  <dgm:ruleLst/>
-                </dgm:layoutNode>
-                <dgm:layoutNode name="textBox4b" styleLbl="revTx">
-                  <dgm:varLst>
-                    <dgm:bulletEnabled val="1"/>
-                  </dgm:varLst>
-                  <dgm:choose name="Name97">
-                    <dgm:if name="Name98" func="var" arg="dir" op="equ" val="norm">
-                      <dgm:choose name="Name99">
-                        <dgm:if name="Name100" axis="root des" ptType="all node" func="maxDepth" op="gt" val="1">
-                          <dgm:alg type="tx">
-                            <dgm:param type="txAnchorVert" val="t"/>
-                            <dgm:param type="parTxLTRAlign" val="l"/>
-                            <dgm:param type="parTxRTLAlign" val="r"/>
-                          </dgm:alg>
-                        </dgm:if>
-                        <dgm:else name="Name101">
-                          <dgm:alg type="tx">
-                            <dgm:param type="txAnchorVert" val="t"/>
-                            <dgm:param type="parTxLTRAlign" val="l"/>
-                            <dgm:param type="parTxRTLAlign" val="l"/>
-                          </dgm:alg>
-                        </dgm:else>
-                      </dgm:choose>
-                    </dgm:if>
-                    <dgm:else name="Name102">
-                      <dgm:choose name="Name103">
-                        <dgm:if name="Name104" axis="root des" ptType="all node" func="maxDepth" op="gt" val="1">
-                          <dgm:alg type="tx">
-                            <dgm:param type="txAnchorVert" val="b"/>
-                            <dgm:param type="txAnchorVertCh" val="b"/>
-                            <dgm:param type="parTxLTRAlign" val="l"/>
-                            <dgm:param type="parTxRTLAlign" val="r"/>
-                          </dgm:alg>
-                        </dgm:if>
-                        <dgm:else name="Name105">
-                          <dgm:alg type="tx">
-                            <dgm:param type="txAnchorVert" val="b"/>
-                            <dgm:param type="parTxLTRAlign" val="r"/>
-                            <dgm:param type="parTxRTLAlign" val="r"/>
-                          </dgm:alg>
-                        </dgm:else>
-                      </dgm:choose>
-                    </dgm:else>
-                  </dgm:choose>
-                  <dgm:shape xmlns:r="http://schemas.openxmlformats.org/officeDocument/2006/relationships" type="rect" r:blip="">
-                    <dgm:adjLst/>
-                  </dgm:shape>
-                  <dgm:presOf axis="desOrSelf" ptType="node"/>
-                  <dgm:choose name="Name106">
-                    <dgm:if name="Name107" func="var" arg="dir" op="equ" val="norm">
-                      <dgm:constrLst>
-                        <dgm:constr type="rMarg"/>
-                        <dgm:constr type="tMarg"/>
-                        <dgm:constr type="bMarg"/>
-                      </dgm:constrLst>
-                    </dgm:if>
-                    <dgm:else name="Name108">
-                      <dgm:constrLst>
-                        <dgm:constr type="lMarg"/>
-                        <dgm:constr type="tMarg"/>
-                        <dgm:constr type="bMarg"/>
-                      </dgm:constrLst>
-                    </dgm:else>
-                  </dgm:choose>
-                  <dgm:ruleLst>
-                    <dgm:rule type="primFontSz" val="5" fact="NaN" max="NaN"/>
-                  </dgm:ruleLst>
-                </dgm:layoutNode>
-              </dgm:forEach>
-              <dgm:forEach name="Name109" axis="ch" ptType="node" st="3" cnt="1">
-                <dgm:layoutNode name="bullet4c" styleLbl="node1">
-                  <dgm:alg type="sp"/>
-                  <dgm:shape xmlns:r="http://schemas.openxmlformats.org/officeDocument/2006/relationships" type="ellipse" r:blip="">
-                    <dgm:adjLst/>
-                  </dgm:shape>
-                  <dgm:presOf/>
-                  <dgm:constrLst/>
-                  <dgm:ruleLst/>
-                </dgm:layoutNode>
-                <dgm:layoutNode name="textBox4c" styleLbl="revTx">
-                  <dgm:varLst>
-                    <dgm:bulletEnabled val="1"/>
-                  </dgm:varLst>
-                  <dgm:choose name="Name110">
-                    <dgm:if name="Name111" func="var" arg="dir" op="equ" val="norm">
-                      <dgm:choose name="Name112">
-                        <dgm:if name="Name113" axis="root des" ptType="all node" func="maxDepth" op="gt" val="1">
-                          <dgm:alg type="tx">
-                            <dgm:param type="txAnchorVert" val="t"/>
-                            <dgm:param type="parTxLTRAlign" val="l"/>
-                            <dgm:param type="parTxRTLAlign" val="r"/>
-                          </dgm:alg>
-                        </dgm:if>
-                        <dgm:else name="Name114">
-                          <dgm:alg type="tx">
-                            <dgm:param type="txAnchorVert" val="t"/>
-                            <dgm:param type="parTxLTRAlign" val="l"/>
-                            <dgm:param type="parTxRTLAlign" val="l"/>
-                          </dgm:alg>
-                        </dgm:else>
-                      </dgm:choose>
-                    </dgm:if>
-                    <dgm:else name="Name115">
-                      <dgm:choose name="Name116">
-                        <dgm:if name="Name117" axis="root des" ptType="all node" func="maxDepth" op="gt" val="1">
-                          <dgm:alg type="tx">
-                            <dgm:param type="txAnchorVert" val="b"/>
-                            <dgm:param type="txAnchorVertCh" val="b"/>
-                            <dgm:param type="parTxLTRAlign" val="l"/>
-                            <dgm:param type="parTxRTLAlign" val="r"/>
-                          </dgm:alg>
-                        </dgm:if>
-                        <dgm:else name="Name118">
-                          <dgm:alg type="tx">
-                            <dgm:param type="txAnchorVert" val="b"/>
-                            <dgm:param type="parTxLTRAlign" val="r"/>
-                            <dgm:param type="parTxRTLAlign" val="r"/>
-                          </dgm:alg>
-                        </dgm:else>
-                      </dgm:choose>
-                    </dgm:else>
-                  </dgm:choose>
-                  <dgm:shape xmlns:r="http://schemas.openxmlformats.org/officeDocument/2006/relationships" type="rect" r:blip="">
-                    <dgm:adjLst/>
-                  </dgm:shape>
-                  <dgm:presOf axis="desOrSelf" ptType="node"/>
-                  <dgm:choose name="Name119">
-                    <dgm:if name="Name120" func="var" arg="dir" op="equ" val="norm">
-                      <dgm:constrLst>
-                        <dgm:constr type="rMarg"/>
-                        <dgm:constr type="tMarg"/>
-                        <dgm:constr type="bMarg"/>
-                      </dgm:constrLst>
-                    </dgm:if>
-                    <dgm:else name="Name121">
-                      <dgm:constrLst>
-                        <dgm:constr type="lMarg"/>
-                        <dgm:constr type="tMarg"/>
-                        <dgm:constr type="bMarg"/>
-                      </dgm:constrLst>
-                    </dgm:else>
-                  </dgm:choose>
-                  <dgm:ruleLst>
-                    <dgm:rule type="primFontSz" val="5" fact="NaN" max="NaN"/>
-                  </dgm:ruleLst>
-                </dgm:layoutNode>
-              </dgm:forEach>
-              <dgm:forEach name="Name122" axis="ch" ptType="node" st="4" cnt="1">
-                <dgm:layoutNode name="bullet4d" styleLbl="node1">
-                  <dgm:alg type="sp"/>
-                  <dgm:shape xmlns:r="http://schemas.openxmlformats.org/officeDocument/2006/relationships" type="ellipse" r:blip="">
-                    <dgm:adjLst/>
-                  </dgm:shape>
-                  <dgm:presOf/>
-                  <dgm:constrLst/>
-                  <dgm:ruleLst/>
-                </dgm:layoutNode>
-                <dgm:layoutNode name="textBox4d" styleLbl="revTx">
-                  <dgm:varLst>
-                    <dgm:bulletEnabled val="1"/>
-                  </dgm:varLst>
-                  <dgm:choose name="Name123">
-                    <dgm:if name="Name124" func="var" arg="dir" op="equ" val="norm">
-                      <dgm:choose name="Name125">
-                        <dgm:if name="Name126" axis="root des" ptType="all node" func="maxDepth" op="gt" val="1">
-                          <dgm:alg type="tx">
-                            <dgm:param type="txAnchorVert" val="t"/>
-                            <dgm:param type="parTxLTRAlign" val="l"/>
-                            <dgm:param type="parTxRTLAlign" val="r"/>
-                          </dgm:alg>
-                        </dgm:if>
-                        <dgm:else name="Name127">
-                          <dgm:alg type="tx">
-                            <dgm:param type="txAnchorVert" val="t"/>
-                            <dgm:param type="parTxLTRAlign" val="l"/>
-                            <dgm:param type="parTxRTLAlign" val="l"/>
-                          </dgm:alg>
-                        </dgm:else>
-                      </dgm:choose>
-                    </dgm:if>
-                    <dgm:else name="Name128">
-                      <dgm:choose name="Name129">
-                        <dgm:if name="Name130" axis="root des" ptType="all node" func="maxDepth" op="gt" val="1">
-                          <dgm:alg type="tx">
-                            <dgm:param type="txAnchorVert" val="b"/>
-                            <dgm:param type="txAnchorVertCh" val="b"/>
-                            <dgm:param type="parTxLTRAlign" val="l"/>
-                            <dgm:param type="parTxRTLAlign" val="r"/>
-                          </dgm:alg>
-                        </dgm:if>
-                        <dgm:else name="Name131">
-                          <dgm:alg type="tx">
-                            <dgm:param type="txAnchorVert" val="b"/>
-                            <dgm:param type="parTxLTRAlign" val="r"/>
-                            <dgm:param type="parTxRTLAlign" val="r"/>
-                          </dgm:alg>
-                        </dgm:else>
-                      </dgm:choose>
-                    </dgm:else>
-                  </dgm:choose>
-                  <dgm:shape xmlns:r="http://schemas.openxmlformats.org/officeDocument/2006/relationships" type="rect" r:blip="">
-                    <dgm:adjLst/>
-                  </dgm:shape>
-                  <dgm:presOf axis="desOrSelf" ptType="node"/>
-                  <dgm:choose name="Name132">
-                    <dgm:if name="Name133" func="var" arg="dir" op="equ" val="norm">
-                      <dgm:constrLst>
-                        <dgm:constr type="rMarg"/>
-                        <dgm:constr type="tMarg"/>
-                        <dgm:constr type="bMarg"/>
-                      </dgm:constrLst>
-                    </dgm:if>
-                    <dgm:else name="Name134">
-                      <dgm:constrLst>
-                        <dgm:constr type="lMarg"/>
-                        <dgm:constr type="tMarg"/>
-                        <dgm:constr type="bMarg"/>
-                      </dgm:constrLst>
-                    </dgm:else>
-                  </dgm:choose>
-                  <dgm:ruleLst>
-                    <dgm:rule type="primFontSz" val="5" fact="NaN" max="NaN"/>
-                  </dgm:ruleLst>
-                </dgm:layoutNode>
-              </dgm:forEach>
-            </dgm:layoutNode>
-          </dgm:if>
-          <dgm:else name="Name135">
-            <dgm:layoutNode name="arrowDiagram5">
-              <dgm:alg type="composite">
-                <dgm:param type="vertAlign" val="none"/>
-                <dgm:param type="horzAlign" val="none"/>
-              </dgm:alg>
-              <dgm:shape xmlns:r="http://schemas.openxmlformats.org/officeDocument/2006/relationships" r:blip="">
-                <dgm:adjLst/>
-              </dgm:shape>
-              <dgm:presOf/>
-              <dgm:choose name="Name136">
-                <dgm:if name="Name137" func="var" arg="dir" op="equ" val="norm">
-                  <dgm:constrLst>
-                    <dgm:constr type="ctrX" for="ch" forName="bullet5a" refType="w" fact="0.11"/>
-                    <dgm:constr type="ctrY" for="ch" forName="bullet5a" refType="h" fact="0.762"/>
-                    <dgm:constr type="w" for="ch" forName="bullet5a" refType="w" fact="0.023"/>
-                    <dgm:constr type="h" for="ch" forName="bullet5a" refType="w" refFor="ch" refForName="bullet5a"/>
-                    <dgm:constr type="l" for="ch" forName="textBox5a" refType="ctrX" refFor="ch" refForName="bullet5a"/>
-                    <dgm:constr type="t" for="ch" forName="textBox5a" refType="ctrY" refFor="ch" refForName="bullet5a"/>
-                    <dgm:constr type="w" for="ch" forName="textBox5a" refType="w" fact="0.131"/>
-                    <dgm:constr type="h" for="ch" forName="textBox5a" refType="h" fact="0.238"/>
-                    <dgm:constr type="userA" refType="h" refFor="ch" refForName="bullet5a" fact="0.53"/>
-                    <dgm:constr type="lMarg" for="ch" forName="textBox5a" refType="userA" fact="2.834"/>
-                    <dgm:constr type="ctrX" for="ch" forName="bullet5b" refType="w" fact="0.241"/>
-                    <dgm:constr type="ctrY" for="ch" forName="bullet5b" refType="h" fact="0.581"/>
-                    <dgm:constr type="w" for="ch" forName="bullet5b" refType="w" fact="0.036"/>
-                    <dgm:constr type="h" for="ch" forName="bullet5b" refType="w" refFor="ch" refForName="bullet5b"/>
-                    <dgm:constr type="l" for="ch" forName="textBox5b" refType="ctrX" refFor="ch" refForName="bullet5b"/>
-                    <dgm:constr type="t" for="ch" forName="textBox5b" refType="ctrY" refFor="ch" refForName="bullet5b"/>
-                    <dgm:constr type="w" for="ch" forName="textBox5b" refType="w" fact="0.166"/>
-                    <dgm:constr type="h" for="ch" forName="textBox5b" refType="h" fact="0.419"/>
-                    <dgm:constr type="userB" refType="h" refFor="ch" refForName="bullet5b" fact="0.53"/>
-                    <dgm:constr type="lMarg" for="ch" forName="textBox5b" refType="userB" fact="2.834"/>
-                    <dgm:constr type="ctrX" for="ch" forName="bullet5c" refType="w" fact="0.407"/>
-                    <dgm:constr type="ctrY" for="ch" forName="bullet5c" refType="h" fact="0.438"/>
-                    <dgm:constr type="w" for="ch" forName="bullet5c" refType="w" fact="0.048"/>
-                    <dgm:constr type="h" for="ch" forName="bullet5c" refType="w" refFor="ch" refForName="bullet5c"/>
-                    <dgm:constr type="l" for="ch" forName="textBox5c" refType="ctrX" refFor="ch" refForName="bullet5c"/>
-                    <dgm:constr type="t" for="ch" forName="textBox5c" refType="ctrY" refFor="ch" refForName="bullet5c"/>
-                    <dgm:constr type="w" for="ch" forName="textBox5c" refType="w" fact="0.193"/>
-                    <dgm:constr type="h" for="ch" forName="textBox5c" refType="h" fact="0.562"/>
-                    <dgm:constr type="userC" refType="h" refFor="ch" refForName="bullet5c" fact="0.53"/>
-                    <dgm:constr type="lMarg" for="ch" forName="textBox5c" refType="userC" fact="2.834"/>
-                    <dgm:constr type="ctrX" for="ch" forName="bullet5d" refType="w" fact="0.6"/>
-                    <dgm:constr type="ctrY" for="ch" forName="bullet5d" refType="h" fact="0.33"/>
-                    <dgm:constr type="w" for="ch" forName="bullet5d" refType="w" fact="0.062"/>
-                    <dgm:constr type="h" for="ch" forName="bullet5d" refType="w" refFor="ch" refForName="bullet5d"/>
-                    <dgm:constr type="l" for="ch" forName="textBox5d" refType="ctrX" refFor="ch" refForName="bullet5d"/>
-                    <dgm:constr type="t" for="ch" forName="textBox5d" refType="ctrY" refFor="ch" refForName="bullet5d"/>
-                    <dgm:constr type="w" for="ch" forName="textBox5d" refType="w" fact="0.2"/>
-                    <dgm:constr type="h" for="ch" forName="textBox5d" refType="h" fact="0.67"/>
-                    <dgm:constr type="userD" refType="h" refFor="ch" refForName="bullet5d" fact="0.53"/>
-                    <dgm:constr type="lMarg" for="ch" forName="textBox5d" refType="userD" fact="2.834"/>
-                    <dgm:constr type="ctrX" for="ch" forName="bullet5e" refType="w" fact="0.8"/>
-                    <dgm:constr type="ctrY" for="ch" forName="bullet5e" refType="h" fact="0.264"/>
-                    <dgm:constr type="w" for="ch" forName="bullet5e" refType="w" fact="0.079"/>
-                    <dgm:constr type="h" for="ch" forName="bullet5e" refType="w" refFor="ch" refForName="bullet5e"/>
-                    <dgm:constr type="l" for="ch" forName="textBox5e" refType="ctrX" refFor="ch" refForName="bullet5e"/>
-                    <dgm:constr type="t" for="ch" forName="textBox5e" refType="ctrY" refFor="ch" refForName="bullet5e"/>
-                    <dgm:constr type="w" for="ch" forName="textBox5e" refType="w" fact="0.2"/>
-                    <dgm:constr type="h" for="ch" forName="textBox5e" refType="h" fact="0.736"/>
-                    <dgm:constr type="userE" refType="h" refFor="ch" refForName="bullet5e" fact="0.53"/>
-                    <dgm:constr type="lMarg" for="ch" forName="textBox5e" refType="userE" fact="2.834"/>
-                    <dgm:constr type="primFontSz" for="ch" ptType="node" op="equ" val="65"/>
-                  </dgm:constrLst>
-                </dgm:if>
-                <dgm:else name="Name138">
-                  <dgm:constrLst>
-                    <dgm:constr type="ctrX" for="ch" forName="bullet5a" refType="w" fact="0.11"/>
-                    <dgm:constr type="ctrY" for="ch" forName="bullet5a" refType="h" fact="0.762"/>
-                    <dgm:constr type="w" for="ch" forName="bullet5a" refType="w" fact="0.023"/>
-                    <dgm:constr type="h" for="ch" forName="bullet5a" refType="w" refFor="ch" refForName="bullet5a"/>
-                    <dgm:constr type="r" for="ch" forName="textBox5a" refType="ctrX" refFor="ch" refForName="bullet5a"/>
-                    <dgm:constr type="b" for="ch" forName="textBox5a" refType="ctrY" refFor="ch" refForName="bullet5a"/>
-                    <dgm:constr type="w" for="ch" forName="textBox5a" refType="w" fact="0.11"/>
-                    <dgm:constr type="h" for="ch" forName="textBox5a" refType="h" fact="0.762"/>
-                    <dgm:constr type="userA" refType="h" refFor="ch" refForName="bullet5a" fact="0.53"/>
-                    <dgm:constr type="rMarg" for="ch" forName="textBox5a" refType="userA" fact="2.834"/>
-                    <dgm:constr type="ctrX" for="ch" forName="bullet5b" refType="w" fact="0.241"/>
-                    <dgm:constr type="ctrY" for="ch" forName="bullet5b" refType="h" fact="0.581"/>
-                    <dgm:constr type="w" for="ch" forName="bullet5b" refType="w" fact="0.036"/>
-                    <dgm:constr type="h" for="ch" forName="bullet5b" refType="w" refFor="ch" refForName="bullet5b"/>
-                    <dgm:constr type="r" for="ch" forName="textBox5b" refType="ctrX" refFor="ch" refForName="bullet5b"/>
-                    <dgm:constr type="b" for="ch" forName="textBox5b" refType="ctrY" refFor="ch" refForName="bullet5b"/>
-                    <dgm:constr type="w" for="ch" forName="textBox5b" refType="w" fact="0.131"/>
-                    <dgm:constr type="h" for="ch" forName="textBox5b" refType="h" fact="0.581"/>
-                    <dgm:constr type="userB" refType="h" refFor="ch" refForName="bullet5b" fact="0.53"/>
-                    <dgm:constr type="rMarg" for="ch" forName="textBox5b" refType="userB" fact="2.834"/>
-                    <dgm:constr type="ctrX" for="ch" forName="bullet5c" refType="w" fact="0.407"/>
-                    <dgm:constr type="ctrY" for="ch" forName="bullet5c" refType="h" fact="0.438"/>
-                    <dgm:constr type="w" for="ch" forName="bullet5c" refType="w" fact="0.048"/>
-                    <dgm:constr type="h" for="ch" forName="bullet5c" refType="w" refFor="ch" refForName="bullet5c"/>
-                    <dgm:constr type="r" for="ch" forName="textBox5c" refType="ctrX" refFor="ch" refForName="bullet5c"/>
-                    <dgm:constr type="b" for="ch" forName="textBox5c" refType="ctrY" refFor="ch" refForName="bullet5c"/>
-                    <dgm:constr type="w" for="ch" forName="textBox5c" refType="w" fact="0.166"/>
-                    <dgm:constr type="h" for="ch" forName="textBox5c" refType="h" fact="0.438"/>
-                    <dgm:constr type="userC" refType="h" refFor="ch" refForName="bullet5c" fact="0.53"/>
-                    <dgm:constr type="rMarg" for="ch" forName="textBox5c" refType="userC" fact="2.834"/>
-                    <dgm:constr type="ctrX" for="ch" forName="bullet5d" refType="w" fact="0.6"/>
-                    <dgm:constr type="ctrY" for="ch" forName="bullet5d" refType="h" fact="0.33"/>
-                    <dgm:constr type="w" for="ch" forName="bullet5d" refType="w" fact="0.062"/>
-                    <dgm:constr type="h" for="ch" forName="bullet5d" refType="w" refFor="ch" refForName="bullet5d"/>
-                    <dgm:constr type="r" for="ch" forName="textBox5d" refType="ctrX" refFor="ch" refForName="bullet5d"/>
-                    <dgm:constr type="b" for="ch" forName="textBox5d" refType="ctrY" refFor="ch" refForName="bullet5d"/>
-                    <dgm:constr type="w" for="ch" forName="textBox5d" refType="w" fact="0.193"/>
-                    <dgm:constr type="h" for="ch" forName="textBox5d" refType="h" fact="0.33"/>
-                    <dgm:constr type="userD" refType="h" refFor="ch" refForName="bullet5d" fact="0.53"/>
-                    <dgm:constr type="rMarg" for="ch" forName="textBox5d" refType="userD" fact="2.834"/>
-                    <dgm:constr type="ctrX" for="ch" forName="bullet5e" refType="w" fact="0.8"/>
-                    <dgm:constr type="ctrY" for="ch" forName="bullet5e" refType="h" fact="0.264"/>
-                    <dgm:constr type="w" for="ch" forName="bullet5e" refType="w" fact="0.079"/>
-                    <dgm:constr type="h" for="ch" forName="bullet5e" refType="w" refFor="ch" refForName="bullet5e"/>
-                    <dgm:constr type="r" for="ch" forName="textBox5e" refType="ctrX" refFor="ch" refForName="bullet5e"/>
-                    <dgm:constr type="b" for="ch" forName="textBox5e" refType="ctrY" refFor="ch" refForName="bullet5e"/>
-                    <dgm:constr type="w" for="ch" forName="textBox5e" refType="w" fact="0.2"/>
-                    <dgm:constr type="h" for="ch" forName="textBox5e" refType="h" fact="0.264"/>
-                    <dgm:constr type="userE" refType="h" refFor="ch" refForName="bullet5e" fact="0.53"/>
-                    <dgm:constr type="rMarg" for="ch" forName="textBox5e" refType="userE" fact="2.834"/>
-                    <dgm:constr type="primFontSz" for="ch" ptType="node" op="equ" val="65"/>
-                  </dgm:constrLst>
-                </dgm:else>
-              </dgm:choose>
-              <dgm:ruleLst/>
-              <dgm:forEach name="Name139" axis="ch" ptType="node" cnt="1">
-                <dgm:layoutNode name="bullet5a" styleLbl="node1">
-                  <dgm:alg type="sp"/>
-                  <dgm:shape xmlns:r="http://schemas.openxmlformats.org/officeDocument/2006/relationships" type="ellipse" r:blip="">
-                    <dgm:adjLst/>
-                  </dgm:shape>
-                  <dgm:presOf/>
-                  <dgm:constrLst/>
-                  <dgm:ruleLst/>
-                </dgm:layoutNode>
-                <dgm:layoutNode name="textBox5a" styleLbl="revTx">
-                  <dgm:varLst>
-                    <dgm:bulletEnabled val="1"/>
-                  </dgm:varLst>
-                  <dgm:choose name="Name140">
-                    <dgm:if name="Name141" func="var" arg="dir" op="equ" val="norm">
-                      <dgm:choose name="Name142">
-                        <dgm:if name="Name143" axis="root des" ptType="all node" func="maxDepth" op="gt" val="1">
-                          <dgm:alg type="tx">
-                            <dgm:param type="txAnchorVert" val="t"/>
-                            <dgm:param type="parTxLTRAlign" val="l"/>
-                            <dgm:param type="parTxRTLAlign" val="r"/>
-                          </dgm:alg>
-                        </dgm:if>
-                        <dgm:else name="Name144">
-                          <dgm:alg type="tx">
-                            <dgm:param type="txAnchorVert" val="t"/>
-                            <dgm:param type="parTxLTRAlign" val="l"/>
-                            <dgm:param type="parTxRTLAlign" val="l"/>
-                          </dgm:alg>
-                        </dgm:else>
-                      </dgm:choose>
-                    </dgm:if>
-                    <dgm:else name="Name145">
-                      <dgm:choose name="Name146">
-                        <dgm:if name="Name147" axis="root des" ptType="all node" func="maxDepth" op="gt" val="1">
-                          <dgm:alg type="tx">
-                            <dgm:param type="txAnchorVert" val="b"/>
-                            <dgm:param type="txAnchorVertCh" val="b"/>
-                            <dgm:param type="parTxLTRAlign" val="l"/>
-                            <dgm:param type="parTxRTLAlign" val="r"/>
-                          </dgm:alg>
-                        </dgm:if>
-                        <dgm:else name="Name148">
-                          <dgm:alg type="tx">
-                            <dgm:param type="txAnchorVert" val="b"/>
-                            <dgm:param type="parTxLTRAlign" val="r"/>
-                            <dgm:param type="parTxRTLAlign" val="r"/>
-                          </dgm:alg>
-                        </dgm:else>
-                      </dgm:choose>
-                    </dgm:else>
-                  </dgm:choose>
-                  <dgm:shape xmlns:r="http://schemas.openxmlformats.org/officeDocument/2006/relationships" type="rect" r:blip="">
-                    <dgm:adjLst/>
-                  </dgm:shape>
-                  <dgm:presOf axis="desOrSelf" ptType="node"/>
-                  <dgm:choose name="Name149">
-                    <dgm:if name="Name150" func="var" arg="dir" op="equ" val="norm">
-                      <dgm:constrLst>
-                        <dgm:constr type="rMarg"/>
-                        <dgm:constr type="tMarg"/>
-                        <dgm:constr type="bMarg"/>
-                      </dgm:constrLst>
-                    </dgm:if>
-                    <dgm:else name="Name151">
-                      <dgm:constrLst>
-                        <dgm:constr type="lMarg"/>
-                        <dgm:constr type="tMarg"/>
-                        <dgm:constr type="bMarg"/>
-                      </dgm:constrLst>
-                    </dgm:else>
-                  </dgm:choose>
-                  <dgm:ruleLst>
-                    <dgm:rule type="primFontSz" val="5" fact="NaN" max="NaN"/>
-                  </dgm:ruleLst>
-                </dgm:layoutNode>
-              </dgm:forEach>
-              <dgm:forEach name="Name152" axis="ch" ptType="node" st="2" cnt="1">
-                <dgm:layoutNode name="bullet5b" styleLbl="node1">
-                  <dgm:alg type="sp"/>
-                  <dgm:shape xmlns:r="http://schemas.openxmlformats.org/officeDocument/2006/relationships" type="ellipse" r:blip="">
-                    <dgm:adjLst/>
-                  </dgm:shape>
-                  <dgm:presOf/>
-                  <dgm:constrLst/>
-                  <dgm:ruleLst/>
-                </dgm:layoutNode>
-                <dgm:layoutNode name="textBox5b" styleLbl="revTx">
-                  <dgm:varLst>
-                    <dgm:bulletEnabled val="1"/>
-                  </dgm:varLst>
-                  <dgm:choose name="Name153">
-                    <dgm:if name="Name154" func="var" arg="dir" op="equ" val="norm">
-                      <dgm:choose name="Name155">
-                        <dgm:if name="Name156" axis="root des" ptType="all node" func="maxDepth" op="gt" val="1">
-                          <dgm:alg type="tx">
-                            <dgm:param type="txAnchorVert" val="t"/>
-                            <dgm:param type="parTxLTRAlign" val="l"/>
-                            <dgm:param type="parTxRTLAlign" val="r"/>
-                          </dgm:alg>
-                        </dgm:if>
-                        <dgm:else name="Name157">
-                          <dgm:alg type="tx">
-                            <dgm:param type="txAnchorVert" val="t"/>
-                            <dgm:param type="parTxLTRAlign" val="l"/>
-                            <dgm:param type="parTxRTLAlign" val="l"/>
-                          </dgm:alg>
-                        </dgm:else>
-                      </dgm:choose>
-                    </dgm:if>
-                    <dgm:else name="Name158">
-                      <dgm:choose name="Name159">
-                        <dgm:if name="Name160" axis="root des" ptType="all node" func="maxDepth" op="gt" val="1">
-                          <dgm:alg type="tx">
-                            <dgm:param type="txAnchorVert" val="b"/>
-                            <dgm:param type="txAnchorVertCh" val="b"/>
-                            <dgm:param type="parTxLTRAlign" val="l"/>
-                            <dgm:param type="parTxRTLAlign" val="r"/>
-                          </dgm:alg>
-                        </dgm:if>
-                        <dgm:else name="Name161">
-                          <dgm:alg type="tx">
-                            <dgm:param type="txAnchorVert" val="b"/>
-                            <dgm:param type="parTxLTRAlign" val="r"/>
-                            <dgm:param type="parTxRTLAlign" val="r"/>
-                          </dgm:alg>
-                        </dgm:else>
-                      </dgm:choose>
-                    </dgm:else>
-                  </dgm:choose>
-                  <dgm:shape xmlns:r="http://schemas.openxmlformats.org/officeDocument/2006/relationships" type="rect" r:blip="">
-                    <dgm:adjLst/>
-                  </dgm:shape>
-                  <dgm:presOf axis="desOrSelf" ptType="node"/>
-                  <dgm:choose name="Name162">
-                    <dgm:if name="Name163" func="var" arg="dir" op="equ" val="norm">
-                      <dgm:constrLst>
-                        <dgm:constr type="rMarg"/>
-                        <dgm:constr type="tMarg"/>
-                        <dgm:constr type="bMarg"/>
-                      </dgm:constrLst>
-                    </dgm:if>
-                    <dgm:else name="Name164">
-                      <dgm:constrLst>
-                        <dgm:constr type="lMarg"/>
-                        <dgm:constr type="tMarg"/>
-                        <dgm:constr type="bMarg"/>
-                      </dgm:constrLst>
-                    </dgm:else>
-                  </dgm:choose>
-                  <dgm:ruleLst>
-                    <dgm:rule type="primFontSz" val="5" fact="NaN" max="NaN"/>
-                  </dgm:ruleLst>
-                </dgm:layoutNode>
-              </dgm:forEach>
-              <dgm:forEach name="Name165" axis="ch" ptType="node" st="3" cnt="1">
-                <dgm:layoutNode name="bullet5c" styleLbl="node1">
-                  <dgm:alg type="sp"/>
-                  <dgm:shape xmlns:r="http://schemas.openxmlformats.org/officeDocument/2006/relationships" type="ellipse" r:blip="">
-                    <dgm:adjLst/>
-                  </dgm:shape>
-                  <dgm:presOf/>
-                  <dgm:constrLst/>
-                  <dgm:ruleLst/>
-                </dgm:layoutNode>
-                <dgm:layoutNode name="textBox5c" styleLbl="revTx">
-                  <dgm:varLst>
-                    <dgm:bulletEnabled val="1"/>
-                  </dgm:varLst>
-                  <dgm:choose name="Name166">
-                    <dgm:if name="Name167" func="var" arg="dir" op="equ" val="norm">
-                      <dgm:choose name="Name168">
-                        <dgm:if name="Name169" axis="root des" ptType="all node" func="maxDepth" op="gt" val="1">
-                          <dgm:alg type="tx">
-                            <dgm:param type="txAnchorVert" val="t"/>
-                            <dgm:param type="parTxLTRAlign" val="l"/>
-                            <dgm:param type="parTxRTLAlign" val="r"/>
-                          </dgm:alg>
-                        </dgm:if>
-                        <dgm:else name="Name170">
-                          <dgm:alg type="tx">
-                            <dgm:param type="txAnchorVert" val="t"/>
-                            <dgm:param type="parTxLTRAlign" val="l"/>
-                            <dgm:param type="parTxRTLAlign" val="l"/>
-                          </dgm:alg>
-                        </dgm:else>
-                      </dgm:choose>
-                    </dgm:if>
-                    <dgm:else name="Name171">
-                      <dgm:choose name="Name172">
-                        <dgm:if name="Name173" axis="root des" ptType="all node" func="maxDepth" op="gt" val="1">
-                          <dgm:alg type="tx">
-                            <dgm:param type="txAnchorVert" val="b"/>
-                            <dgm:param type="txAnchorVertCh" val="b"/>
-                            <dgm:param type="parTxLTRAlign" val="l"/>
-                            <dgm:param type="parTxRTLAlign" val="r"/>
-                          </dgm:alg>
-                        </dgm:if>
-                        <dgm:else name="Name174">
-                          <dgm:alg type="tx">
-                            <dgm:param type="txAnchorVert" val="b"/>
-                            <dgm:param type="parTxLTRAlign" val="r"/>
-                            <dgm:param type="parTxRTLAlign" val="r"/>
-                          </dgm:alg>
-                        </dgm:else>
-                      </dgm:choose>
-                    </dgm:else>
-                  </dgm:choose>
-                  <dgm:shape xmlns:r="http://schemas.openxmlformats.org/officeDocument/2006/relationships" type="rect" r:blip="">
-                    <dgm:adjLst/>
-                  </dgm:shape>
-                  <dgm:presOf axis="desOrSelf" ptType="node"/>
-                  <dgm:choose name="Name175">
-                    <dgm:if name="Name176" func="var" arg="dir" op="equ" val="norm">
-                      <dgm:constrLst>
-                        <dgm:constr type="rMarg"/>
-                        <dgm:constr type="tMarg"/>
-                        <dgm:constr type="bMarg"/>
-                      </dgm:constrLst>
-                    </dgm:if>
-                    <dgm:else name="Name177">
-                      <dgm:constrLst>
-                        <dgm:constr type="lMarg"/>
-                        <dgm:constr type="tMarg"/>
-                        <dgm:constr type="bMarg"/>
-                      </dgm:constrLst>
-                    </dgm:else>
-                  </dgm:choose>
-                  <dgm:ruleLst>
-                    <dgm:rule type="primFontSz" val="5" fact="NaN" max="NaN"/>
-                  </dgm:ruleLst>
-                </dgm:layoutNode>
-              </dgm:forEach>
-              <dgm:forEach name="Name178" axis="ch" ptType="node" st="4" cnt="1">
-                <dgm:layoutNode name="bullet5d" styleLbl="node1">
-                  <dgm:alg type="sp"/>
-                  <dgm:shape xmlns:r="http://schemas.openxmlformats.org/officeDocument/2006/relationships" type="ellipse" r:blip="">
-                    <dgm:adjLst/>
-                  </dgm:shape>
-                  <dgm:presOf/>
-                  <dgm:constrLst/>
-                  <dgm:ruleLst/>
-                </dgm:layoutNode>
-                <dgm:layoutNode name="textBox5d" styleLbl="revTx">
-                  <dgm:varLst>
-                    <dgm:bulletEnabled val="1"/>
-                  </dgm:varLst>
-                  <dgm:choose name="Name179">
-                    <dgm:if name="Name180" func="var" arg="dir" op="equ" val="norm">
-                      <dgm:choose name="Name181">
-                        <dgm:if name="Name182" axis="root des" ptType="all node" func="maxDepth" op="gt" val="1">
-                          <dgm:alg type="tx">
-                            <dgm:param type="txAnchorVert" val="t"/>
-                            <dgm:param type="parTxLTRAlign" val="l"/>
-                            <dgm:param type="parTxRTLAlign" val="r"/>
-                          </dgm:alg>
-                        </dgm:if>
-                        <dgm:else name="Name183">
-                          <dgm:alg type="tx">
-                            <dgm:param type="txAnchorVert" val="t"/>
-                            <dgm:param type="parTxLTRAlign" val="l"/>
-                            <dgm:param type="parTxRTLAlign" val="l"/>
-                          </dgm:alg>
-                        </dgm:else>
-                      </dgm:choose>
-                    </dgm:if>
-                    <dgm:else name="Name184">
-                      <dgm:choose name="Name185">
-                        <dgm:if name="Name186" axis="root des" ptType="all node" func="maxDepth" op="gt" val="1">
-                          <dgm:alg type="tx">
-                            <dgm:param type="txAnchorVert" val="b"/>
-                            <dgm:param type="txAnchorVertCh" val="b"/>
-                            <dgm:param type="parTxLTRAlign" val="l"/>
-                            <dgm:param type="parTxRTLAlign" val="r"/>
-                          </dgm:alg>
-                        </dgm:if>
-                        <dgm:else name="Name187">
-                          <dgm:alg type="tx">
-                            <dgm:param type="txAnchorVert" val="b"/>
-                            <dgm:param type="parTxLTRAlign" val="r"/>
-                            <dgm:param type="parTxRTLAlign" val="r"/>
-                          </dgm:alg>
-                        </dgm:else>
-                      </dgm:choose>
-                    </dgm:else>
-                  </dgm:choose>
-                  <dgm:shape xmlns:r="http://schemas.openxmlformats.org/officeDocument/2006/relationships" type="rect" r:blip="">
-                    <dgm:adjLst/>
-                  </dgm:shape>
-                  <dgm:presOf axis="desOrSelf" ptType="node"/>
-                  <dgm:choose name="Name188">
-                    <dgm:if name="Name189" func="var" arg="dir" op="equ" val="norm">
-                      <dgm:constrLst>
-                        <dgm:constr type="rMarg"/>
-                        <dgm:constr type="tMarg"/>
-                        <dgm:constr type="bMarg"/>
-                      </dgm:constrLst>
-                    </dgm:if>
-                    <dgm:else name="Name190">
-                      <dgm:constrLst>
-                        <dgm:constr type="lMarg"/>
-                        <dgm:constr type="tMarg"/>
-                        <dgm:constr type="bMarg"/>
-                      </dgm:constrLst>
-                    </dgm:else>
-                  </dgm:choose>
-                  <dgm:ruleLst>
-                    <dgm:rule type="primFontSz" val="5" fact="NaN" max="NaN"/>
-                  </dgm:ruleLst>
-                </dgm:layoutNode>
-              </dgm:forEach>
-              <dgm:forEach name="Name191" axis="ch" ptType="node" st="5" cnt="1">
-                <dgm:layoutNode name="bullet5e" styleLbl="node1">
-                  <dgm:alg type="sp"/>
-                  <dgm:shape xmlns:r="http://schemas.openxmlformats.org/officeDocument/2006/relationships" type="ellipse" r:blip="">
-                    <dgm:adjLst/>
-                  </dgm:shape>
-                  <dgm:presOf/>
-                  <dgm:constrLst/>
-                  <dgm:ruleLst/>
-                </dgm:layoutNode>
-                <dgm:layoutNode name="textBox5e" styleLbl="revTx">
-                  <dgm:varLst>
-                    <dgm:bulletEnabled val="1"/>
-                  </dgm:varLst>
-                  <dgm:choose name="Name192">
-                    <dgm:if name="Name193" func="var" arg="dir" op="equ" val="norm">
-                      <dgm:choose name="Name194">
-                        <dgm:if name="Name195" axis="root des" ptType="all node" func="maxDepth" op="gt" val="1">
-                          <dgm:alg type="tx">
-                            <dgm:param type="txAnchorVert" val="t"/>
-                            <dgm:param type="parTxLTRAlign" val="l"/>
-                            <dgm:param type="parTxRTLAlign" val="r"/>
-                          </dgm:alg>
-                        </dgm:if>
-                        <dgm:else name="Name196">
-                          <dgm:alg type="tx">
-                            <dgm:param type="txAnchorVert" val="t"/>
-                            <dgm:param type="parTxLTRAlign" val="l"/>
-                            <dgm:param type="parTxRTLAlign" val="l"/>
-                          </dgm:alg>
-                        </dgm:else>
-                      </dgm:choose>
-                    </dgm:if>
-                    <dgm:else name="Name197">
-                      <dgm:choose name="Name198">
-                        <dgm:if name="Name199" axis="root des" ptType="all node" func="maxDepth" op="gt" val="1">
-                          <dgm:alg type="tx">
-                            <dgm:param type="txAnchorVert" val="b"/>
-                            <dgm:param type="txAnchorVertCh" val="b"/>
-                            <dgm:param type="parTxLTRAlign" val="l"/>
-                            <dgm:param type="parTxRTLAlign" val="r"/>
-                          </dgm:alg>
-                        </dgm:if>
-                        <dgm:else name="Name200">
-                          <dgm:alg type="tx">
-                            <dgm:param type="txAnchorVert" val="b"/>
-                            <dgm:param type="parTxLTRAlign" val="r"/>
-                            <dgm:param type="parTxRTLAlign" val="r"/>
-                          </dgm:alg>
-                        </dgm:else>
-                      </dgm:choose>
-                    </dgm:else>
-                  </dgm:choose>
-                  <dgm:shape xmlns:r="http://schemas.openxmlformats.org/officeDocument/2006/relationships" type="rect" r:blip="">
-                    <dgm:adjLst/>
-                  </dgm:shape>
-                  <dgm:presOf axis="desOrSelf" ptType="node"/>
-                  <dgm:choose name="Name201">
-                    <dgm:if name="Name202" func="var" arg="dir" op="equ" val="norm">
-                      <dgm:constrLst>
-                        <dgm:constr type="rMarg"/>
-                        <dgm:constr type="tMarg"/>
-                        <dgm:constr type="bMarg"/>
-                      </dgm:constrLst>
-                    </dgm:if>
-                    <dgm:else name="Name203">
-                      <dgm:constrLst>
-                        <dgm:constr type="lMarg"/>
-                        <dgm:constr type="tMarg"/>
-                        <dgm:constr type="bMarg"/>
-                      </dgm:constrLst>
-                    </dgm:else>
-                  </dgm:choose>
-                  <dgm:ruleLst>
-                    <dgm:rule type="primFontSz" val="5" fact="NaN" max="NaN"/>
-                  </dgm:ruleLst>
-                </dgm:layoutNode>
-              </dgm:forEach>
-            </dgm:layoutNode>
-          </dgm:else>
-        </dgm:choose>
-      </dgm:if>
-      <dgm:else name="Name204"/>
-    </dgm:choose>
-  </dgm:layoutNode>
-</dgm:layoutDef>
-</file>
-
-<file path=ppt/diagrams/quickStyle1.xml><?xml version="1.0" encoding="utf-8"?>
-<dgm:styleDef xmlns:dgm="http://schemas.openxmlformats.org/drawingml/2006/diagram" xmlns:a="http://schemas.openxmlformats.org/drawingml/2006/main" uniqueId="urn:microsoft.com/office/officeart/2005/8/quickstyle/simple1">
-  <dgm:title val=""/>
-  <dgm:desc val=""/>
-  <dgm:catLst>
-    <dgm:cat type="simple" pri="10100"/>
-  </dgm:catLst>
-  <dgm:scene3d>
-    <a:camera prst="orthographicFront"/>
-    <a:lightRig rig="threePt" dir="t"/>
-  </dgm:scene3d>
-  <dgm:styleLbl name="node0">
-    <dgm:scene3d>
-      <a:camera prst="orthographicFront"/>
-      <a:lightRig rig="threePt" dir="t"/>
-    </dgm:scene3d>
-    <dgm:sp3d/>
-    <dgm:txPr/>
-    <dgm:style>
-      <a:lnRef idx="2">
-        <a:scrgbClr r="0" g="0" b="0"/>
-      </a:lnRef>
-      <a:fillRef idx="1">
-        <a:scrgbClr r="0" g="0" b="0"/>
-      </a:fillRef>
-      <a:effectRef idx="0">
-        <a:scrgbClr r="0" g="0" b="0"/>
-      </a:effectRef>
-      <a:fontRef idx="minor">
-        <a:schemeClr val="lt1"/>
-      </a:fontRef>
-    </dgm:style>
-  </dgm:styleLbl>
-  <dgm:styleLbl name="lnNode1">
-    <dgm:scene3d>
-      <a:camera prst="orthographicFront"/>
-      <a:lightRig rig="threePt" dir="t"/>
-    </dgm:scene3d>
-    <dgm:sp3d/>
-    <dgm:txPr/>
-    <dgm:style>
-      <a:lnRef idx="2">
-        <a:scrgbClr r="0" g="0" b="0"/>
-      </a:lnRef>
-      <a:fillRef idx="1">
-        <a:scrgbClr r="0" g="0" b="0"/>
-      </a:fillRef>
-      <a:effectRef idx="0">
-        <a:scrgbClr r="0" g="0" b="0"/>
-      </a:effectRef>
-      <a:fontRef idx="minor">
-        <a:schemeClr val="lt1"/>
-      </a:fontRef>
-    </dgm:style>
-  </dgm:styleLbl>
-  <dgm:styleLbl name="vennNode1">
-    <dgm:scene3d>
-      <a:camera prst="orthographicFront"/>
-      <a:lightRig rig="threePt" dir="t"/>
-    </dgm:scene3d>
-    <dgm:sp3d/>
-    <dgm:txPr/>
-    <dgm:style>
-      <a:lnRef idx="2">
-        <a:scrgbClr r="0" g="0" b="0"/>
-      </a:lnRef>
-      <a:fillRef idx="1">
-        <a:scrgbClr r="0" g="0" b="0"/>
-      </a:fillRef>
-      <a:effectRef idx="0">
-        <a:scrgbClr r="0" g="0" b="0"/>
-      </a:effectRef>
-      <a:fontRef idx="minor">
-        <a:schemeClr val="tx1"/>
-      </a:fontRef>
-    </dgm:style>
-  </dgm:styleLbl>
-  <dgm:styleLbl name="alignNode1">
-    <dgm:scene3d>
-      <a:camera prst="orthographicFront"/>
-      <a:lightRig rig="threePt" dir="t"/>
-    </dgm:scene3d>
-    <dgm:sp3d/>
-    <dgm:txPr/>
-    <dgm:style>
-      <a:lnRef idx="2">
-        <a:scrgbClr r="0" g="0" b="0"/>
-      </a:lnRef>
-      <a:fillRef idx="1">
-        <a:scrgbClr r="0" g="0" b="0"/>
-      </a:fillRef>
-      <a:effectRef idx="0">
-        <a:scrgbClr r="0" g="0" b="0"/>
-      </a:effectRef>
-      <a:fontRef idx="minor">
-        <a:schemeClr val="lt1"/>
-      </a:fontRef>
-    </dgm:style>
-  </dgm:styleLbl>
-  <dgm:styleLbl name="node1">
-    <dgm:scene3d>
-      <a:camera prst="orthographicFront"/>
-      <a:lightRig rig="threePt" dir="t"/>
-    </dgm:scene3d>
-    <dgm:sp3d/>
-    <dgm:txPr/>
-    <dgm:style>
-      <a:lnRef idx="2">
-        <a:scrgbClr r="0" g="0" b="0"/>
-      </a:lnRef>
-      <a:fillRef idx="1">
-        <a:scrgbClr r="0" g="0" b="0"/>
-      </a:fillRef>
-      <a:effectRef idx="0">
-        <a:scrgbClr r="0" g="0" b="0"/>
-      </a:effectRef>
-      <a:fontRef idx="minor">
-        <a:schemeClr val="lt1"/>
-      </a:fontRef>
-    </dgm:style>
-  </dgm:styleLbl>
-  <dgm:styleLbl name="node2">
-    <dgm:scene3d>
-      <a:camera prst="orthographicFront"/>
-      <a:lightRig rig="threePt" dir="t"/>
-    </dgm:scene3d>
-    <dgm:sp3d/>
-    <dgm:txPr/>
-    <dgm:style>
-      <a:lnRef idx="2">
-        <a:scrgbClr r="0" g="0" b="0"/>
-      </a:lnRef>
-      <a:fillRef idx="1">
-        <a:scrgbClr r="0" g="0" b="0"/>
-      </a:fillRef>
-      <a:effectRef idx="0">
-        <a:scrgbClr r="0" g="0" b="0"/>
-      </a:effectRef>
-      <a:fontRef idx="minor">
-        <a:schemeClr val="lt1"/>
-      </a:fontRef>
-    </dgm:style>
-  </dgm:styleLbl>
-  <dgm:styleLbl name="node3">
-    <dgm:scene3d>
-      <a:camera prst="orthographicFront"/>
-      <a:lightRig rig="threePt" dir="t"/>
-    </dgm:scene3d>
-    <dgm:sp3d/>
-    <dgm:txPr/>
-    <dgm:style>
-      <a:lnRef idx="2">
-        <a:scrgbClr r="0" g="0" b="0"/>
-      </a:lnRef>
-      <a:fillRef idx="1">
-        <a:scrgbClr r="0" g="0" b="0"/>
-      </a:fillRef>
-      <a:effectRef idx="0">
-        <a:scrgbClr r="0" g="0" b="0"/>
-      </a:effectRef>
-      <a:fontRef idx="minor">
-        <a:schemeClr val="lt1"/>
-      </a:fontRef>
-    </dgm:style>
-  </dgm:styleLbl>
-  <dgm:styleLbl name="node4">
-    <dgm:scene3d>
-      <a:camera prst="orthographicFront"/>
-      <a:lightRig rig="threePt" dir="t"/>
-    </dgm:scene3d>
-    <dgm:sp3d/>
-    <dgm:txPr/>
-    <dgm:style>
-      <a:lnRef idx="2">
-        <a:scrgbClr r="0" g="0" b="0"/>
-      </a:lnRef>
-      <a:fillRef idx="1">
-        <a:scrgbClr r="0" g="0" b="0"/>
-      </a:fillRef>
-      <a:effectRef idx="0">
-        <a:scrgbClr r="0" g="0" b="0"/>
-      </a:effectRef>
-      <a:fontRef idx="minor">
-        <a:schemeClr val="lt1"/>
-      </a:fontRef>
-    </dgm:style>
-  </dgm:styleLbl>
-  <dgm:styleLbl name="fgImgPlace1">
-    <dgm:scene3d>
-      <a:camera prst="orthographicFront"/>
-      <a:lightRig rig="threePt" dir="t"/>
-    </dgm:scene3d>
-    <dgm:sp3d/>
-    <dgm:txPr/>
-    <dgm:style>
-      <a:lnRef idx="2">
-        <a:scrgbClr r="0" g="0" b="0"/>
-      </a:lnRef>
-      <a:fillRef idx="1">
-        <a:scrgbClr r="0" g="0" b="0"/>
-      </a:fillRef>
-      <a:effectRef idx="0">
-        <a:scrgbClr r="0" g="0" b="0"/>
-      </a:effectRef>
-      <a:fontRef idx="minor"/>
-    </dgm:style>
-  </dgm:styleLbl>
-  <dgm:styleLbl name="alignImgPlace1">
-    <dgm:scene3d>
-      <a:camera prst="orthographicFront"/>
-      <a:lightRig rig="threePt" dir="t"/>
-    </dgm:scene3d>
-    <dgm:sp3d/>
-    <dgm:txPr/>
-    <dgm:style>
-      <a:lnRef idx="2">
-        <a:scrgbClr r="0" g="0" b="0"/>
-      </a:lnRef>
-      <a:fillRef idx="1">
-        <a:scrgbClr r="0" g="0" b="0"/>
-      </a:fillRef>
-      <a:effectRef idx="0">
-        <a:scrgbClr r="0" g="0" b="0"/>
-      </a:effectRef>
-      <a:fontRef idx="minor"/>
-    </dgm:style>
-  </dgm:styleLbl>
-  <dgm:styleLbl name="bgImgPlace1">
-    <dgm:scene3d>
-      <a:camera prst="orthographicFront"/>
-      <a:lightRig rig="threePt" dir="t"/>
-    </dgm:scene3d>
-    <dgm:sp3d/>
-    <dgm:txPr/>
-    <dgm:style>
-      <a:lnRef idx="2">
-        <a:scrgbClr r="0" g="0" b="0"/>
-      </a:lnRef>
-      <a:fillRef idx="1">
-        <a:scrgbClr r="0" g="0" b="0"/>
-      </a:fillRef>
-      <a:effectRef idx="0">
-        <a:scrgbClr r="0" g="0" b="0"/>
-      </a:effectRef>
-      <a:fontRef idx="minor"/>
-    </dgm:style>
-  </dgm:styleLbl>
-  <dgm:styleLbl name="sibTrans2D1">
-    <dgm:scene3d>
-      <a:camera prst="orthographicFront"/>
-      <a:lightRig rig="threePt" dir="t"/>
-    </dgm:scene3d>
-    <dgm:sp3d/>
-    <dgm:txPr/>
-    <dgm:style>
-      <a:lnRef idx="0">
-        <a:scrgbClr r="0" g="0" b="0"/>
-      </a:lnRef>
-      <a:fillRef idx="1">
-        <a:scrgbClr r="0" g="0" b="0"/>
-      </a:fillRef>
-      <a:effectRef idx="0">
-        <a:scrgbClr r="0" g="0" b="0"/>
-      </a:effectRef>
-      <a:fontRef idx="minor">
-        <a:schemeClr val="lt1"/>
-      </a:fontRef>
-    </dgm:style>
-  </dgm:styleLbl>
-  <dgm:styleLbl name="fgSibTrans2D1">
-    <dgm:scene3d>
-      <a:camera prst="orthographicFront"/>
-      <a:lightRig rig="threePt" dir="t"/>
-    </dgm:scene3d>
-    <dgm:sp3d/>
-    <dgm:txPr/>
-    <dgm:style>
-      <a:lnRef idx="0">
-        <a:scrgbClr r="0" g="0" b="0"/>
-      </a:lnRef>
-      <a:fillRef idx="1">
-        <a:scrgbClr r="0" g="0" b="0"/>
-      </a:fillRef>
-      <a:effectRef idx="0">
-        <a:scrgbClr r="0" g="0" b="0"/>
-      </a:effectRef>
-      <a:fontRef idx="minor">
-        <a:schemeClr val="lt1"/>
-      </a:fontRef>
-    </dgm:style>
-  </dgm:styleLbl>
-  <dgm:styleLbl name="bgSibTrans2D1">
-    <dgm:scene3d>
-      <a:camera prst="orthographicFront"/>
-      <a:lightRig rig="threePt" dir="t"/>
-    </dgm:scene3d>
-    <dgm:sp3d/>
-    <dgm:txPr/>
-    <dgm:style>
-      <a:lnRef idx="0">
-        <a:scrgbClr r="0" g="0" b="0"/>
-      </a:lnRef>
-      <a:fillRef idx="1">
-        <a:scrgbClr r="0" g="0" b="0"/>
-      </a:fillRef>
-      <a:effectRef idx="0">
-        <a:scrgbClr r="0" g="0" b="0"/>
-      </a:effectRef>
-      <a:fontRef idx="minor">
-        <a:schemeClr val="lt1"/>
-      </a:fontRef>
-    </dgm:style>
-  </dgm:styleLbl>
-  <dgm:styleLbl name="sibTrans1D1">
-    <dgm:scene3d>
-      <a:camera prst="orthographicFront"/>
-      <a:lightRig rig="threePt" dir="t"/>
-    </dgm:scene3d>
-    <dgm:sp3d/>
-    <dgm:txPr/>
-    <dgm:style>
-      <a:lnRef idx="1">
-        <a:scrgbClr r="0" g="0" b="0"/>
-      </a:lnRef>
-      <a:fillRef idx="0">
-        <a:scrgbClr r="0" g="0" b="0"/>
-      </a:fillRef>
-      <a:effectRef idx="0">
-        <a:scrgbClr r="0" g="0" b="0"/>
-      </a:effectRef>
-      <a:fontRef idx="minor"/>
-    </dgm:style>
-  </dgm:styleLbl>
-  <dgm:styleLbl name="callout">
-    <dgm:scene3d>
-      <a:camera prst="orthographicFront"/>
-      <a:lightRig rig="threePt" dir="t"/>
-    </dgm:scene3d>
-    <dgm:sp3d/>
-    <dgm:txPr/>
-    <dgm:style>
-      <a:lnRef idx="2">
-        <a:scrgbClr r="0" g="0" b="0"/>
-      </a:lnRef>
-      <a:fillRef idx="1">
-        <a:scrgbClr r="0" g="0" b="0"/>
-      </a:fillRef>
-      <a:effectRef idx="0">
-        <a:scrgbClr r="0" g="0" b="0"/>
-      </a:effectRef>
-      <a:fontRef idx="minor"/>
-    </dgm:style>
-  </dgm:styleLbl>
-  <dgm:styleLbl name="asst0">
-    <dgm:scene3d>
-      <a:camera prst="orthographicFront"/>
-      <a:lightRig rig="threePt" dir="t"/>
-    </dgm:scene3d>
-    <dgm:sp3d/>
-    <dgm:txPr/>
-    <dgm:style>
-      <a:lnRef idx="2">
-        <a:scrgbClr r="0" g="0" b="0"/>
-      </a:lnRef>
-      <a:fillRef idx="1">
-        <a:scrgbClr r="0" g="0" b="0"/>
-      </a:fillRef>
-      <a:effectRef idx="0">
-        <a:scrgbClr r="0" g="0" b="0"/>
-      </a:effectRef>
-      <a:fontRef idx="minor">
-        <a:schemeClr val="lt1"/>
-      </a:fontRef>
-    </dgm:style>
-  </dgm:styleLbl>
-  <dgm:styleLbl name="asst1">
-    <dgm:scene3d>
-      <a:camera prst="orthographicFront"/>
-      <a:lightRig rig="threePt" dir="t"/>
-    </dgm:scene3d>
-    <dgm:sp3d/>
-    <dgm:txPr/>
-    <dgm:style>
-      <a:lnRef idx="2">
-        <a:scrgbClr r="0" g="0" b="0"/>
-      </a:lnRef>
-      <a:fillRef idx="1">
-        <a:scrgbClr r="0" g="0" b="0"/>
-      </a:fillRef>
-      <a:effectRef idx="0">
-        <a:scrgbClr r="0" g="0" b="0"/>
-      </a:effectRef>
-      <a:fontRef idx="minor">
-        <a:schemeClr val="lt1"/>
-      </a:fontRef>
-    </dgm:style>
-  </dgm:styleLbl>
-  <dgm:styleLbl name="asst2">
-    <dgm:scene3d>
-      <a:camera prst="orthographicFront"/>
-      <a:lightRig rig="threePt" dir="t"/>
-    </dgm:scene3d>
-    <dgm:sp3d/>
-    <dgm:txPr/>
-    <dgm:style>
-      <a:lnRef idx="2">
-        <a:scrgbClr r="0" g="0" b="0"/>
-      </a:lnRef>
-      <a:fillRef idx="1">
-        <a:scrgbClr r="0" g="0" b="0"/>
-      </a:fillRef>
-      <a:effectRef idx="0">
-        <a:scrgbClr r="0" g="0" b="0"/>
-      </a:effectRef>
-      <a:fontRef idx="minor">
-        <a:schemeClr val="lt1"/>
-      </a:fontRef>
-    </dgm:style>
-  </dgm:styleLbl>
-  <dgm:styleLbl name="asst3">
-    <dgm:scene3d>
-      <a:camera prst="orthographicFront"/>
-      <a:lightRig rig="threePt" dir="t"/>
-    </dgm:scene3d>
-    <dgm:sp3d/>
-    <dgm:txPr/>
-    <dgm:style>
-      <a:lnRef idx="2">
-        <a:scrgbClr r="0" g="0" b="0"/>
-      </a:lnRef>
-      <a:fillRef idx="1">
-        <a:scrgbClr r="0" g="0" b="0"/>
-      </a:fillRef>
-      <a:effectRef idx="0">
-        <a:scrgbClr r="0" g="0" b="0"/>
-      </a:effectRef>
-      <a:fontRef idx="minor">
-        <a:schemeClr val="lt1"/>
-      </a:fontRef>
-    </dgm:style>
-  </dgm:styleLbl>
-  <dgm:styleLbl name="asst4">
-    <dgm:scene3d>
-      <a:camera prst="orthographicFront"/>
-      <a:lightRig rig="threePt" dir="t"/>
-    </dgm:scene3d>
-    <dgm:sp3d/>
-    <dgm:txPr/>
-    <dgm:style>
-      <a:lnRef idx="2">
-        <a:scrgbClr r="0" g="0" b="0"/>
-      </a:lnRef>
-      <a:fillRef idx="1">
-        <a:scrgbClr r="0" g="0" b="0"/>
-      </a:fillRef>
-      <a:effectRef idx="0">
-        <a:scrgbClr r="0" g="0" b="0"/>
-      </a:effectRef>
-      <a:fontRef idx="minor">
-        <a:schemeClr val="lt1"/>
-      </a:fontRef>
-    </dgm:style>
-  </dgm:styleLbl>
-  <dgm:styleLbl name="parChTrans2D1">
-    <dgm:scene3d>
-      <a:camera prst="orthographicFront"/>
-      <a:lightRig rig="threePt" dir="t"/>
-    </dgm:scene3d>
-    <dgm:sp3d/>
-    <dgm:txPr/>
-    <dgm:style>
-      <a:lnRef idx="2">
-        <a:scrgbClr r="0" g="0" b="0"/>
-      </a:lnRef>
-      <a:fillRef idx="1">
-        <a:scrgbClr r="0" g="0" b="0"/>
-      </a:fillRef>
-      <a:effectRef idx="0">
-        <a:scrgbClr r="0" g="0" b="0"/>
-      </a:effectRef>
-      <a:fontRef idx="minor">
-        <a:schemeClr val="lt1"/>
-      </a:fontRef>
-    </dgm:style>
-  </dgm:styleLbl>
-  <dgm:styleLbl name="parChTrans2D2">
-    <dgm:scene3d>
-      <a:camera prst="orthographicFront"/>
-      <a:lightRig rig="threePt" dir="t"/>
-    </dgm:scene3d>
-    <dgm:sp3d/>
-    <dgm:txPr/>
-    <dgm:style>
-      <a:lnRef idx="2">
-        <a:scrgbClr r="0" g="0" b="0"/>
-      </a:lnRef>
-      <a:fillRef idx="1">
-        <a:scrgbClr r="0" g="0" b="0"/>
-      </a:fillRef>
-      <a:effectRef idx="0">
-        <a:scrgbClr r="0" g="0" b="0"/>
-      </a:effectRef>
-      <a:fontRef idx="minor">
-        <a:schemeClr val="lt1"/>
-      </a:fontRef>
-    </dgm:style>
-  </dgm:styleLbl>
-  <dgm:styleLbl name="parChTrans2D3">
-    <dgm:scene3d>
-      <a:camera prst="orthographicFront"/>
-      <a:lightRig rig="threePt" dir="t"/>
-    </dgm:scene3d>
-    <dgm:sp3d/>
-    <dgm:txPr/>
-    <dgm:style>
-      <a:lnRef idx="2">
-        <a:scrgbClr r="0" g="0" b="0"/>
-      </a:lnRef>
-      <a:fillRef idx="1">
-        <a:scrgbClr r="0" g="0" b="0"/>
-      </a:fillRef>
-      <a:effectRef idx="0">
-        <a:scrgbClr r="0" g="0" b="0"/>
-      </a:effectRef>
-      <a:fontRef idx="minor">
-        <a:schemeClr val="lt1"/>
-      </a:fontRef>
-    </dgm:style>
-  </dgm:styleLbl>
-  <dgm:styleLbl name="parChTrans2D4">
-    <dgm:scene3d>
-      <a:camera prst="orthographicFront"/>
-      <a:lightRig rig="threePt" dir="t"/>
-    </dgm:scene3d>
-    <dgm:sp3d/>
-    <dgm:txPr/>
-    <dgm:style>
-      <a:lnRef idx="2">
-        <a:scrgbClr r="0" g="0" b="0"/>
-      </a:lnRef>
-      <a:fillRef idx="1">
-        <a:scrgbClr r="0" g="0" b="0"/>
-      </a:fillRef>
-      <a:effectRef idx="0">
-        <a:scrgbClr r="0" g="0" b="0"/>
-      </a:effectRef>
-      <a:fontRef idx="minor">
-        <a:schemeClr val="lt1"/>
-      </a:fontRef>
-    </dgm:style>
-  </dgm:styleLbl>
-  <dgm:styleLbl name="parChTrans1D1">
-    <dgm:scene3d>
-      <a:camera prst="orthographicFront"/>
-      <a:lightRig rig="threePt" dir="t"/>
-    </dgm:scene3d>
-    <dgm:sp3d/>
-    <dgm:txPr/>
-    <dgm:style>
-      <a:lnRef idx="2">
-        <a:scrgbClr r="0" g="0" b="0"/>
-      </a:lnRef>
-      <a:fillRef idx="0">
-        <a:scrgbClr r="0" g="0" b="0"/>
-      </a:fillRef>
-      <a:effectRef idx="0">
-        <a:scrgbClr r="0" g="0" b="0"/>
-      </a:effectRef>
-      <a:fontRef idx="minor"/>
-    </dgm:style>
-  </dgm:styleLbl>
-  <dgm:styleLbl name="parChTrans1D2">
-    <dgm:scene3d>
-      <a:camera prst="orthographicFront"/>
-      <a:lightRig rig="threePt" dir="t"/>
-    </dgm:scene3d>
-    <dgm:sp3d/>
-    <dgm:txPr/>
-    <dgm:style>
-      <a:lnRef idx="2">
-        <a:scrgbClr r="0" g="0" b="0"/>
-      </a:lnRef>
-      <a:fillRef idx="0">
-        <a:scrgbClr r="0" g="0" b="0"/>
-      </a:fillRef>
-      <a:effectRef idx="0">
-        <a:scrgbClr r="0" g="0" b="0"/>
-      </a:effectRef>
-      <a:fontRef idx="minor"/>
-    </dgm:style>
-  </dgm:styleLbl>
-  <dgm:styleLbl name="parChTrans1D3">
-    <dgm:scene3d>
-      <a:camera prst="orthographicFront"/>
-      <a:lightRig rig="threePt" dir="t"/>
-    </dgm:scene3d>
-    <dgm:sp3d/>
-    <dgm:txPr/>
-    <dgm:style>
-      <a:lnRef idx="2">
-        <a:scrgbClr r="0" g="0" b="0"/>
-      </a:lnRef>
-      <a:fillRef idx="0">
-        <a:scrgbClr r="0" g="0" b="0"/>
-      </a:fillRef>
-      <a:effectRef idx="0">
-        <a:scrgbClr r="0" g="0" b="0"/>
-      </a:effectRef>
-      <a:fontRef idx="minor"/>
-    </dgm:style>
-  </dgm:styleLbl>
-  <dgm:styleLbl name="parChTrans1D4">
-    <dgm:scene3d>
-      <a:camera prst="orthographicFront"/>
-      <a:lightRig rig="threePt" dir="t"/>
-    </dgm:scene3d>
-    <dgm:sp3d/>
-    <dgm:txPr/>
-    <dgm:style>
-      <a:lnRef idx="2">
-        <a:scrgbClr r="0" g="0" b="0"/>
-      </a:lnRef>
-      <a:fillRef idx="0">
-        <a:scrgbClr r="0" g="0" b="0"/>
-      </a:fillRef>
-      <a:effectRef idx="0">
-        <a:scrgbClr r="0" g="0" b="0"/>
-      </a:effectRef>
-      <a:fontRef idx="minor"/>
-    </dgm:style>
-  </dgm:styleLbl>
-  <dgm:styleLbl name="fgAcc1">
-    <dgm:scene3d>
-      <a:camera prst="orthographicFront"/>
-      <a:lightRig rig="threePt" dir="t"/>
-    </dgm:scene3d>
-    <dgm:sp3d/>
-    <dgm:txPr/>
-    <dgm:style>
-      <a:lnRef idx="2">
-        <a:scrgbClr r="0" g="0" b="0"/>
-      </a:lnRef>
-      <a:fillRef idx="1">
-        <a:scrgbClr r="0" g="0" b="0"/>
-      </a:fillRef>
-      <a:effectRef idx="0">
-        <a:scrgbClr r="0" g="0" b="0"/>
-      </a:effectRef>
-      <a:fontRef idx="minor"/>
-    </dgm:style>
-  </dgm:styleLbl>
-  <dgm:styleLbl name="conFgAcc1">
-    <dgm:scene3d>
-      <a:camera prst="orthographicFront"/>
-      <a:lightRig rig="threePt" dir="t"/>
-    </dgm:scene3d>
-    <dgm:sp3d/>
-    <dgm:txPr/>
-    <dgm:style>
-      <a:lnRef idx="2">
-        <a:scrgbClr r="0" g="0" b="0"/>
-      </a:lnRef>
-      <a:fillRef idx="1">
-        <a:scrgbClr r="0" g="0" b="0"/>
-      </a:fillRef>
-      <a:effectRef idx="0">
-        <a:scrgbClr r="0" g="0" b="0"/>
-      </a:effectRef>
-      <a:fontRef idx="minor"/>
-    </dgm:style>
-  </dgm:styleLbl>
-  <dgm:styleLbl name="alignAcc1">
-    <dgm:scene3d>
-      <a:camera prst="orthographicFront"/>
-      <a:lightRig rig="threePt" dir="t"/>
-    </dgm:scene3d>
-    <dgm:sp3d/>
-    <dgm:txPr/>
-    <dgm:style>
-      <a:lnRef idx="2">
-        <a:scrgbClr r="0" g="0" b="0"/>
-      </a:lnRef>
-      <a:fillRef idx="1">
-        <a:scrgbClr r="0" g="0" b="0"/>
-      </a:fillRef>
-      <a:effectRef idx="0">
-        <a:scrgbClr r="0" g="0" b="0"/>
-      </a:effectRef>
-      <a:fontRef idx="minor"/>
-    </dgm:style>
-  </dgm:styleLbl>
-  <dgm:styleLbl name="trAlignAcc1">
-    <dgm:scene3d>
-      <a:camera prst="orthographicFront"/>
-      <a:lightRig rig="threePt" dir="t"/>
-    </dgm:scene3d>
-    <dgm:sp3d/>
-    <dgm:txPr/>
-    <dgm:style>
-      <a:lnRef idx="1">
-        <a:scrgbClr r="0" g="0" b="0"/>
-      </a:lnRef>
-      <a:fillRef idx="1">
-        <a:scrgbClr r="0" g="0" b="0"/>
-      </a:fillRef>
-      <a:effectRef idx="0">
-        <a:scrgbClr r="0" g="0" b="0"/>
-      </a:effectRef>
-      <a:fontRef idx="minor"/>
-    </dgm:style>
-  </dgm:styleLbl>
-  <dgm:styleLbl name="bgAcc1">
-    <dgm:scene3d>
-      <a:camera prst="orthographicFront"/>
-      <a:lightRig rig="threePt" dir="t"/>
-    </dgm:scene3d>
-    <dgm:sp3d/>
-    <dgm:txPr/>
-    <dgm:style>
-      <a:lnRef idx="2">
-        <a:scrgbClr r="0" g="0" b="0"/>
-      </a:lnRef>
-      <a:fillRef idx="1">
-        <a:scrgbClr r="0" g="0" b="0"/>
-      </a:fillRef>
-      <a:effectRef idx="0">
-        <a:scrgbClr r="0" g="0" b="0"/>
-      </a:effectRef>
-      <a:fontRef idx="minor"/>
-    </dgm:style>
-  </dgm:styleLbl>
-  <dgm:styleLbl name="solidFgAcc1">
-    <dgm:scene3d>
-      <a:camera prst="orthographicFront"/>
-      <a:lightRig rig="threePt" dir="t"/>
-    </dgm:scene3d>
-    <dgm:sp3d/>
-    <dgm:txPr/>
-    <dgm:style>
-      <a:lnRef idx="2">
-        <a:scrgbClr r="0" g="0" b="0"/>
-      </a:lnRef>
-      <a:fillRef idx="1">
-        <a:scrgbClr r="0" g="0" b="0"/>
-      </a:fillRef>
-      <a:effectRef idx="0">
-        <a:scrgbClr r="0" g="0" b="0"/>
-      </a:effectRef>
-      <a:fontRef idx="minor"/>
-    </dgm:style>
-  </dgm:styleLbl>
-  <dgm:styleLbl name="solidAlignAcc1">
-    <dgm:scene3d>
-      <a:camera prst="orthographicFront"/>
-      <a:lightRig rig="threePt" dir="t"/>
-    </dgm:scene3d>
-    <dgm:sp3d/>
-    <dgm:txPr/>
-    <dgm:style>
-      <a:lnRef idx="2">
-        <a:scrgbClr r="0" g="0" b="0"/>
-      </a:lnRef>
-      <a:fillRef idx="1">
-        <a:scrgbClr r="0" g="0" b="0"/>
-      </a:fillRef>
-      <a:effectRef idx="0">
-        <a:scrgbClr r="0" g="0" b="0"/>
-      </a:effectRef>
-      <a:fontRef idx="minor"/>
-    </dgm:style>
-  </dgm:styleLbl>
-  <dgm:styleLbl name="solidBgAcc1">
-    <dgm:scene3d>
-      <a:camera prst="orthographicFront"/>
-      <a:lightRig rig="threePt" dir="t"/>
-    </dgm:scene3d>
-    <dgm:sp3d/>
-    <dgm:txPr/>
-    <dgm:style>
-      <a:lnRef idx="2">
-        <a:scrgbClr r="0" g="0" b="0"/>
-      </a:lnRef>
-      <a:fillRef idx="1">
-        <a:scrgbClr r="0" g="0" b="0"/>
-      </a:fillRef>
-      <a:effectRef idx="0">
-        <a:scrgbClr r="0" g="0" b="0"/>
-      </a:effectRef>
-      <a:fontRef idx="minor"/>
-    </dgm:style>
-  </dgm:styleLbl>
-  <dgm:styleLbl name="fgAccFollowNode1">
-    <dgm:scene3d>
-      <a:camera prst="orthographicFront"/>
-      <a:lightRig rig="threePt" dir="t"/>
-    </dgm:scene3d>
-    <dgm:sp3d/>
-    <dgm:txPr/>
-    <dgm:style>
-      <a:lnRef idx="2">
-        <a:scrgbClr r="0" g="0" b="0"/>
-      </a:lnRef>
-      <a:fillRef idx="1">
-        <a:scrgbClr r="0" g="0" b="0"/>
-      </a:fillRef>
-      <a:effectRef idx="0">
-        <a:scrgbClr r="0" g="0" b="0"/>
-      </a:effectRef>
-      <a:fontRef idx="minor"/>
-    </dgm:style>
-  </dgm:styleLbl>
-  <dgm:styleLbl name="alignAccFollowNode1">
-    <dgm:scene3d>
-      <a:camera prst="orthographicFront"/>
-      <a:lightRig rig="threePt" dir="t"/>
-    </dgm:scene3d>
-    <dgm:sp3d/>
-    <dgm:txPr/>
-    <dgm:style>
-      <a:lnRef idx="2">
-        <a:scrgbClr r="0" g="0" b="0"/>
-      </a:lnRef>
-      <a:fillRef idx="1">
-        <a:scrgbClr r="0" g="0" b="0"/>
-      </a:fillRef>
-      <a:effectRef idx="0">
-        <a:scrgbClr r="0" g="0" b="0"/>
-      </a:effectRef>
-      <a:fontRef idx="minor"/>
-    </dgm:style>
-  </dgm:styleLbl>
-  <dgm:styleLbl name="bgAccFollowNode1">
-    <dgm:scene3d>
-      <a:camera prst="orthographicFront"/>
-      <a:lightRig rig="threePt" dir="t"/>
-    </dgm:scene3d>
-    <dgm:sp3d/>
-    <dgm:txPr/>
-    <dgm:style>
-      <a:lnRef idx="2">
-        <a:scrgbClr r="0" g="0" b="0"/>
-      </a:lnRef>
-      <a:fillRef idx="1">
-        <a:scrgbClr r="0" g="0" b="0"/>
-      </a:fillRef>
-      <a:effectRef idx="0">
-        <a:scrgbClr r="0" g="0" b="0"/>
-      </a:effectRef>
-      <a:fontRef idx="minor"/>
-    </dgm:style>
-  </dgm:styleLbl>
-  <dgm:styleLbl name="fgAcc0">
-    <dgm:scene3d>
-      <a:camera prst="orthographicFront"/>
-      <a:lightRig rig="threePt" dir="t"/>
-    </dgm:scene3d>
-    <dgm:sp3d/>
-    <dgm:txPr/>
-    <dgm:style>
-      <a:lnRef idx="2">
-        <a:scrgbClr r="0" g="0" b="0"/>
-      </a:lnRef>
-      <a:fillRef idx="1">
-        <a:scrgbClr r="0" g="0" b="0"/>
-      </a:fillRef>
-      <a:effectRef idx="0">
-        <a:scrgbClr r="0" g="0" b="0"/>
-      </a:effectRef>
-      <a:fontRef idx="minor"/>
-    </dgm:style>
-  </dgm:styleLbl>
-  <dgm:styleLbl name="fgAcc2">
-    <dgm:scene3d>
-      <a:camera prst="orthographicFront"/>
-      <a:lightRig rig="threePt" dir="t"/>
-    </dgm:scene3d>
-    <dgm:sp3d/>
-    <dgm:txPr/>
-    <dgm:style>
-      <a:lnRef idx="2">
-        <a:scrgbClr r="0" g="0" b="0"/>
-      </a:lnRef>
-      <a:fillRef idx="1">
-        <a:scrgbClr r="0" g="0" b="0"/>
-      </a:fillRef>
-      <a:effectRef idx="0">
-        <a:scrgbClr r="0" g="0" b="0"/>
-      </a:effectRef>
-      <a:fontRef idx="minor"/>
-    </dgm:style>
-  </dgm:styleLbl>
-  <dgm:styleLbl name="fgAcc3">
-    <dgm:scene3d>
-      <a:camera prst="orthographicFront"/>
-      <a:lightRig rig="threePt" dir="t"/>
-    </dgm:scene3d>
-    <dgm:sp3d/>
-    <dgm:txPr/>
-    <dgm:style>
-      <a:lnRef idx="2">
-        <a:scrgbClr r="0" g="0" b="0"/>
-      </a:lnRef>
-      <a:fillRef idx="1">
-        <a:scrgbClr r="0" g="0" b="0"/>
-      </a:fillRef>
-      <a:effectRef idx="0">
-        <a:scrgbClr r="0" g="0" b="0"/>
-      </a:effectRef>
-      <a:fontRef idx="minor"/>
-    </dgm:style>
-  </dgm:styleLbl>
-  <dgm:styleLbl name="fgAcc4">
-    <dgm:scene3d>
-      <a:camera prst="orthographicFront"/>
-      <a:lightRig rig="threePt" dir="t"/>
-    </dgm:scene3d>
-    <dgm:sp3d/>
-    <dgm:txPr/>
-    <dgm:style>
-      <a:lnRef idx="2">
-        <a:scrgbClr r="0" g="0" b="0"/>
-      </a:lnRef>
-      <a:fillRef idx="1">
-        <a:scrgbClr r="0" g="0" b="0"/>
-      </a:fillRef>
-      <a:effectRef idx="0">
-        <a:scrgbClr r="0" g="0" b="0"/>
-      </a:effectRef>
-      <a:fontRef idx="minor"/>
-    </dgm:style>
-  </dgm:styleLbl>
-  <dgm:styleLbl name="bgShp">
-    <dgm:scene3d>
-      <a:camera prst="orthographicFront"/>
-      <a:lightRig rig="threePt" dir="t"/>
-    </dgm:scene3d>
-    <dgm:sp3d/>
-    <dgm:txPr/>
-    <dgm:style>
-      <a:lnRef idx="0">
-        <a:scrgbClr r="0" g="0" b="0"/>
-      </a:lnRef>
-      <a:fillRef idx="1">
-        <a:scrgbClr r="0" g="0" b="0"/>
-      </a:fillRef>
-      <a:effectRef idx="0">
-        <a:scrgbClr r="0" g="0" b="0"/>
-      </a:effectRef>
-      <a:fontRef idx="minor"/>
-    </dgm:style>
-  </dgm:styleLbl>
-  <dgm:styleLbl name="dkBgShp">
-    <dgm:scene3d>
-      <a:camera prst="orthographicFront"/>
-      <a:lightRig rig="threePt" dir="t"/>
-    </dgm:scene3d>
-    <dgm:sp3d/>
-    <dgm:txPr/>
-    <dgm:style>
-      <a:lnRef idx="0">
-        <a:scrgbClr r="0" g="0" b="0"/>
-      </a:lnRef>
-      <a:fillRef idx="1">
-        <a:scrgbClr r="0" g="0" b="0"/>
-      </a:fillRef>
-      <a:effectRef idx="0">
-        <a:scrgbClr r="0" g="0" b="0"/>
-      </a:effectRef>
-      <a:fontRef idx="minor"/>
-    </dgm:style>
-  </dgm:styleLbl>
-  <dgm:styleLbl name="trBgShp">
-    <dgm:scene3d>
-      <a:camera prst="orthographicFront"/>
-      <a:lightRig rig="threePt" dir="t"/>
-    </dgm:scene3d>
-    <dgm:sp3d/>
-    <dgm:txPr/>
-    <dgm:style>
-      <a:lnRef idx="0">
-        <a:scrgbClr r="0" g="0" b="0"/>
-      </a:lnRef>
-      <a:fillRef idx="1">
-        <a:scrgbClr r="0" g="0" b="0"/>
-      </a:fillRef>
-      <a:effectRef idx="0">
-        <a:scrgbClr r="0" g="0" b="0"/>
-      </a:effectRef>
-      <a:fontRef idx="minor"/>
-    </dgm:style>
-  </dgm:styleLbl>
-  <dgm:styleLbl name="fgShp">
-    <dgm:scene3d>
-      <a:camera prst="orthographicFront"/>
-      <a:lightRig rig="threePt" dir="t"/>
-    </dgm:scene3d>
-    <dgm:sp3d/>
-    <dgm:txPr/>
-    <dgm:style>
-      <a:lnRef idx="2">
-        <a:scrgbClr r="0" g="0" b="0"/>
-      </a:lnRef>
-      <a:fillRef idx="1">
-        <a:scrgbClr r="0" g="0" b="0"/>
-      </a:fillRef>
-      <a:effectRef idx="0">
-        <a:scrgbClr r="0" g="0" b="0"/>
-      </a:effectRef>
-      <a:fontRef idx="minor"/>
-    </dgm:style>
-  </dgm:styleLbl>
-  <dgm:styleLbl name="revTx">
-    <dgm:scene3d>
-      <a:camera prst="orthographicFront"/>
-      <a:lightRig rig="threePt" dir="t"/>
-    </dgm:scene3d>
-    <dgm:sp3d/>
-    <dgm:txPr/>
-    <dgm:style>
-      <a:lnRef idx="0">
-        <a:scrgbClr r="0" g="0" b="0"/>
-      </a:lnRef>
-      <a:fillRef idx="0">
-        <a:scrgbClr r="0" g="0" b="0"/>
-      </a:fillRef>
-      <a:effectRef idx="0">
-        <a:scrgbClr r="0" g="0" b="0"/>
-      </a:effectRef>
-      <a:fontRef idx="minor"/>
-    </dgm:style>
-  </dgm:styleLbl>
-</dgm:styleDef>
-</file>
-
 <file path=ppt/slideLayouts/slideLayout1.xml><?xml version="1.0" encoding="utf-8"?>
 <p:sldLayout xmlns:a="http://schemas.openxmlformats.org/drawingml/2006/main" xmlns:r="http://schemas.openxmlformats.org/officeDocument/2006/relationships" xmlns:p="http://schemas.openxmlformats.org/presentationml/2006/main" type="title" preserve="1">
   <p:cSld name="Diapositive de titre">
@@ -4633,7 +246,7 @@
           <a:p>
             <a:fld id="{497B6CEF-B38E-4BEE-905B-6E4AA97D29E7}" type="datetimeFigureOut">
               <a:rPr lang="en-US" smtClean="0"/>
-              <a:t>6/26/2025</a:t>
+              <a:t>7/1/2025</a:t>
             </a:fld>
             <a:endParaRPr lang="en-US"/>
           </a:p>
@@ -4803,7 +416,7 @@
           <a:p>
             <a:fld id="{497B6CEF-B38E-4BEE-905B-6E4AA97D29E7}" type="datetimeFigureOut">
               <a:rPr lang="en-US" smtClean="0"/>
-              <a:t>6/26/2025</a:t>
+              <a:t>7/1/2025</a:t>
             </a:fld>
             <a:endParaRPr lang="en-US"/>
           </a:p>
@@ -4983,7 +596,7 @@
           <a:p>
             <a:fld id="{497B6CEF-B38E-4BEE-905B-6E4AA97D29E7}" type="datetimeFigureOut">
               <a:rPr lang="en-US" smtClean="0"/>
-              <a:t>6/26/2025</a:t>
+              <a:t>7/1/2025</a:t>
             </a:fld>
             <a:endParaRPr lang="en-US"/>
           </a:p>
@@ -5153,7 +766,7 @@
           <a:p>
             <a:fld id="{497B6CEF-B38E-4BEE-905B-6E4AA97D29E7}" type="datetimeFigureOut">
               <a:rPr lang="en-US" smtClean="0"/>
-              <a:t>6/26/2025</a:t>
+              <a:t>7/1/2025</a:t>
             </a:fld>
             <a:endParaRPr lang="en-US"/>
           </a:p>
@@ -5399,7 +1012,7 @@
           <a:p>
             <a:fld id="{497B6CEF-B38E-4BEE-905B-6E4AA97D29E7}" type="datetimeFigureOut">
               <a:rPr lang="en-US" smtClean="0"/>
-              <a:t>6/26/2025</a:t>
+              <a:t>7/1/2025</a:t>
             </a:fld>
             <a:endParaRPr lang="en-US"/>
           </a:p>
@@ -5631,7 +1244,7 @@
           <a:p>
             <a:fld id="{497B6CEF-B38E-4BEE-905B-6E4AA97D29E7}" type="datetimeFigureOut">
               <a:rPr lang="en-US" smtClean="0"/>
-              <a:t>6/26/2025</a:t>
+              <a:t>7/1/2025</a:t>
             </a:fld>
             <a:endParaRPr lang="en-US"/>
           </a:p>
@@ -5998,7 +1611,7 @@
           <a:p>
             <a:fld id="{497B6CEF-B38E-4BEE-905B-6E4AA97D29E7}" type="datetimeFigureOut">
               <a:rPr lang="en-US" smtClean="0"/>
-              <a:t>6/26/2025</a:t>
+              <a:t>7/1/2025</a:t>
             </a:fld>
             <a:endParaRPr lang="en-US"/>
           </a:p>
@@ -6116,7 +1729,7 @@
           <a:p>
             <a:fld id="{497B6CEF-B38E-4BEE-905B-6E4AA97D29E7}" type="datetimeFigureOut">
               <a:rPr lang="en-US" smtClean="0"/>
-              <a:t>6/26/2025</a:t>
+              <a:t>7/1/2025</a:t>
             </a:fld>
             <a:endParaRPr lang="en-US"/>
           </a:p>
@@ -6211,7 +1824,7 @@
           <a:p>
             <a:fld id="{497B6CEF-B38E-4BEE-905B-6E4AA97D29E7}" type="datetimeFigureOut">
               <a:rPr lang="en-US" smtClean="0"/>
-              <a:t>6/26/2025</a:t>
+              <a:t>7/1/2025</a:t>
             </a:fld>
             <a:endParaRPr lang="en-US"/>
           </a:p>
@@ -6488,7 +2101,7 @@
           <a:p>
             <a:fld id="{497B6CEF-B38E-4BEE-905B-6E4AA97D29E7}" type="datetimeFigureOut">
               <a:rPr lang="en-US" smtClean="0"/>
-              <a:t>6/26/2025</a:t>
+              <a:t>7/1/2025</a:t>
             </a:fld>
             <a:endParaRPr lang="en-US"/>
           </a:p>
@@ -6741,7 +2354,7 @@
           <a:p>
             <a:fld id="{497B6CEF-B38E-4BEE-905B-6E4AA97D29E7}" type="datetimeFigureOut">
               <a:rPr lang="en-US" smtClean="0"/>
-              <a:t>6/26/2025</a:t>
+              <a:t>7/1/2025</a:t>
             </a:fld>
             <a:endParaRPr lang="en-US"/>
           </a:p>
@@ -6954,7 +2567,7 @@
           <a:p>
             <a:fld id="{497B6CEF-B38E-4BEE-905B-6E4AA97D29E7}" type="datetimeFigureOut">
               <a:rPr lang="en-US" smtClean="0"/>
-              <a:t>6/26/2025</a:t>
+              <a:t>7/1/2025</a:t>
             </a:fld>
             <a:endParaRPr lang="en-US"/>
           </a:p>
@@ -9605,31 +5218,5113 @@
           <a:chExt cx="0" cy="0"/>
         </a:xfrm>
       </p:grpSpPr>
-      <p:graphicFrame>
-        <p:nvGraphicFramePr>
-          <p:cNvPr id="4" name="Espace réservé du contenu 3"/>
-          <p:cNvGraphicFramePr>
-            <a:graphicFrameLocks noGrp="1"/>
-          </p:cNvGraphicFramePr>
+      <p:sp>
+        <p:nvSpPr>
+          <p:cNvPr id="5" name="Oval 86">
+            <a:extLst>
+              <a:ext uri="{FF2B5EF4-FFF2-40B4-BE49-F238E27FC236}">
+                <a16:creationId xmlns:a16="http://schemas.microsoft.com/office/drawing/2014/main" id="{AC056079-246B-489E-9B87-4D4AA7A02C1A}"/>
+              </a:ext>
+            </a:extLst>
+          </p:cNvPr>
+          <p:cNvSpPr/>
+          <p:nvPr/>
+        </p:nvSpPr>
+        <p:spPr>
+          <a:xfrm>
+            <a:off x="10756377" y="2773998"/>
+            <a:ext cx="861230" cy="843304"/>
+          </a:xfrm>
+          <a:prstGeom prst="ellipse">
+            <a:avLst/>
+          </a:prstGeom>
+          <a:solidFill>
+            <a:schemeClr val="bg1"/>
+          </a:solidFill>
+          <a:ln>
+            <a:noFill/>
+          </a:ln>
+          <a:effectLst>
+            <a:outerShdw blurRad="190500" dist="88900" dir="2700000" algn="tl" rotWithShape="0">
+              <a:prstClr val="black">
+                <a:alpha val="30000"/>
+              </a:prstClr>
+            </a:outerShdw>
+          </a:effectLst>
+        </p:spPr>
+        <p:style>
+          <a:lnRef idx="2">
+            <a:schemeClr val="accent1">
+              <a:shade val="50000"/>
+            </a:schemeClr>
+          </a:lnRef>
+          <a:fillRef idx="1">
+            <a:schemeClr val="accent1"/>
+          </a:fillRef>
+          <a:effectRef idx="0">
+            <a:schemeClr val="accent1"/>
+          </a:effectRef>
+          <a:fontRef idx="minor">
+            <a:schemeClr val="lt1"/>
+          </a:fontRef>
+        </p:style>
+        <p:txBody>
+          <a:bodyPr rtlCol="0" anchor="ctr"/>
+          <a:lstStyle/>
+          <a:p>
+            <a:pPr algn="ctr"/>
+            <a:endParaRPr lang="en-US"/>
+          </a:p>
+        </p:txBody>
+      </p:sp>
+      <p:sp>
+        <p:nvSpPr>
+          <p:cNvPr id="6" name="Oval 36"/>
+          <p:cNvSpPr/>
+          <p:nvPr/>
+        </p:nvSpPr>
+        <p:spPr>
+          <a:xfrm>
+            <a:off x="2342481" y="2933212"/>
+            <a:ext cx="944469" cy="907444"/>
+          </a:xfrm>
+          <a:prstGeom prst="ellipse">
+            <a:avLst/>
+          </a:prstGeom>
+          <a:solidFill>
+            <a:schemeClr val="bg1"/>
+          </a:solidFill>
+          <a:ln>
+            <a:noFill/>
+          </a:ln>
+          <a:effectLst>
+            <a:outerShdw blurRad="190500" dist="88900" dir="2700000" algn="tl" rotWithShape="0">
+              <a:prstClr val="black">
+                <a:alpha val="30000"/>
+              </a:prstClr>
+            </a:outerShdw>
+          </a:effectLst>
+        </p:spPr>
+        <p:style>
+          <a:lnRef idx="2">
+            <a:schemeClr val="accent1">
+              <a:shade val="50000"/>
+            </a:schemeClr>
+          </a:lnRef>
+          <a:fillRef idx="1">
+            <a:schemeClr val="accent1"/>
+          </a:fillRef>
+          <a:effectRef idx="0">
+            <a:schemeClr val="accent1"/>
+          </a:effectRef>
+          <a:fontRef idx="minor">
+            <a:schemeClr val="lt1"/>
+          </a:fontRef>
+        </p:style>
+        <p:txBody>
+          <a:bodyPr rtlCol="0" anchor="ctr"/>
+          <a:lstStyle/>
+          <a:p>
+            <a:pPr algn="ctr"/>
+            <a:endParaRPr lang="en-US"/>
+          </a:p>
+        </p:txBody>
+      </p:sp>
+      <p:sp>
+        <p:nvSpPr>
+          <p:cNvPr id="7" name="Oval 36"/>
+          <p:cNvSpPr/>
+          <p:nvPr/>
+        </p:nvSpPr>
+        <p:spPr>
+          <a:xfrm>
+            <a:off x="4039917" y="2914390"/>
+            <a:ext cx="944469" cy="907444"/>
+          </a:xfrm>
+          <a:prstGeom prst="ellipse">
+            <a:avLst/>
+          </a:prstGeom>
+          <a:solidFill>
+            <a:schemeClr val="bg1"/>
+          </a:solidFill>
+          <a:ln>
+            <a:noFill/>
+          </a:ln>
+          <a:effectLst>
+            <a:outerShdw blurRad="190500" dist="88900" dir="2700000" algn="tl" rotWithShape="0">
+              <a:prstClr val="black">
+                <a:alpha val="30000"/>
+              </a:prstClr>
+            </a:outerShdw>
+          </a:effectLst>
+        </p:spPr>
+        <p:style>
+          <a:lnRef idx="2">
+            <a:schemeClr val="accent1">
+              <a:shade val="50000"/>
+            </a:schemeClr>
+          </a:lnRef>
+          <a:fillRef idx="1">
+            <a:schemeClr val="accent1"/>
+          </a:fillRef>
+          <a:effectRef idx="0">
+            <a:schemeClr val="accent1"/>
+          </a:effectRef>
+          <a:fontRef idx="minor">
+            <a:schemeClr val="lt1"/>
+          </a:fontRef>
+        </p:style>
+        <p:txBody>
+          <a:bodyPr rtlCol="0" anchor="ctr"/>
+          <a:lstStyle/>
+          <a:p>
+            <a:pPr algn="ctr"/>
+            <a:endParaRPr lang="en-US"/>
+          </a:p>
+        </p:txBody>
+      </p:sp>
+      <p:sp>
+        <p:nvSpPr>
+          <p:cNvPr id="8" name="Google Shape;278;p4"/>
+          <p:cNvSpPr/>
+          <p:nvPr/>
+        </p:nvSpPr>
+        <p:spPr>
+          <a:xfrm>
+            <a:off x="0" y="6528838"/>
+            <a:ext cx="12192000" cy="329162"/>
+          </a:xfrm>
+          <a:prstGeom prst="rect">
+            <a:avLst/>
+          </a:prstGeom>
+          <a:solidFill>
+            <a:srgbClr val="3C475B"/>
+          </a:solidFill>
+          <a:ln>
+            <a:noFill/>
+          </a:ln>
+        </p:spPr>
+        <p:txBody>
+          <a:bodyPr spcFirstLastPara="1" wrap="square" lIns="91425" tIns="45700" rIns="91425" bIns="45700" anchor="ctr" anchorCtr="0">
+            <a:noAutofit/>
+          </a:bodyPr>
+          <a:lstStyle/>
+          <a:p>
+            <a:pPr marL="0" marR="0" lvl="0" indent="0" algn="ctr" defTabSz="914400" rtl="0" eaLnBrk="1" fontAlgn="auto" latinLnBrk="0" hangingPunct="1">
+              <a:lnSpc>
+                <a:spcPct val="100000"/>
+              </a:lnSpc>
+              <a:spcBef>
+                <a:spcPts val="0"/>
+              </a:spcBef>
+              <a:spcAft>
+                <a:spcPts val="0"/>
+              </a:spcAft>
+              <a:buClrTx/>
+              <a:buSzTx/>
+              <a:buFontTx/>
+              <a:buNone/>
+              <a:tabLst/>
+              <a:defRPr/>
+            </a:pPr>
+            <a:endParaRPr kumimoji="0" sz="1800" b="0" i="0" u="none" strike="noStrike" kern="1200" cap="none" spc="0" normalizeH="0" baseline="0" noProof="0">
+              <a:ln>
+                <a:noFill/>
+              </a:ln>
+              <a:solidFill>
+                <a:prstClr val="white"/>
+              </a:solidFill>
+              <a:effectLst/>
+              <a:uLnTx/>
+              <a:uFillTx/>
+              <a:latin typeface="Calibri"/>
+              <a:ea typeface="Calibri"/>
+              <a:cs typeface="Calibri"/>
+              <a:sym typeface="Calibri"/>
+            </a:endParaRPr>
+          </a:p>
+        </p:txBody>
+      </p:sp>
+      <p:grpSp>
+        <p:nvGrpSpPr>
+          <p:cNvPr id="9" name="Groupe 8">
+            <a:extLst>
+              <a:ext uri="{FF2B5EF4-FFF2-40B4-BE49-F238E27FC236}">
+                <a16:creationId xmlns:a16="http://schemas.microsoft.com/office/drawing/2014/main" id="{97935DAA-1662-4FF8-BE0B-B9A7F6A1AE4B}"/>
+              </a:ext>
+            </a:extLst>
+          </p:cNvPr>
+          <p:cNvGrpSpPr/>
+          <p:nvPr/>
+        </p:nvGrpSpPr>
+        <p:grpSpPr>
+          <a:xfrm>
+            <a:off x="11536380" y="6207347"/>
+            <a:ext cx="613184" cy="576000"/>
+            <a:chOff x="9988695" y="7584849"/>
+            <a:chExt cx="613184" cy="576000"/>
+          </a:xfrm>
+        </p:grpSpPr>
+        <p:sp>
+          <p:nvSpPr>
+            <p:cNvPr id="10" name="Oval 6">
+              <a:extLst>
+                <a:ext uri="{FF2B5EF4-FFF2-40B4-BE49-F238E27FC236}">
+                  <a16:creationId xmlns:a16="http://schemas.microsoft.com/office/drawing/2014/main" id="{E561B357-3F56-4812-BF10-791D4644C189}"/>
+                </a:ext>
+              </a:extLst>
+            </p:cNvPr>
+            <p:cNvSpPr/>
+            <p:nvPr/>
+          </p:nvSpPr>
+          <p:spPr>
+            <a:xfrm>
+              <a:off x="10083192" y="7584849"/>
+              <a:ext cx="481503" cy="576000"/>
+            </a:xfrm>
+            <a:prstGeom prst="ellipse">
+              <a:avLst/>
+            </a:prstGeom>
+            <a:solidFill>
+              <a:srgbClr val="0070C0"/>
+            </a:solidFill>
+            <a:ln>
+              <a:noFill/>
+            </a:ln>
+          </p:spPr>
+          <p:style>
+            <a:lnRef idx="2">
+              <a:schemeClr val="accent1">
+                <a:shade val="50000"/>
+              </a:schemeClr>
+            </a:lnRef>
+            <a:fillRef idx="1">
+              <a:schemeClr val="accent1"/>
+            </a:fillRef>
+            <a:effectRef idx="0">
+              <a:schemeClr val="accent1"/>
+            </a:effectRef>
+            <a:fontRef idx="minor">
+              <a:schemeClr val="lt1"/>
+            </a:fontRef>
+          </p:style>
+          <p:txBody>
+            <a:bodyPr rot="0" spcFirstLastPara="0" vertOverflow="overflow" horzOverflow="overflow" vert="horz" wrap="square" lIns="121920" tIns="60960" rIns="121920" bIns="60960" numCol="1" spcCol="0" rtlCol="0" fromWordArt="0" anchor="ctr" anchorCtr="0" forceAA="0" compatLnSpc="1">
+              <a:prstTxWarp prst="textNoShape">
+                <a:avLst/>
+              </a:prstTxWarp>
+              <a:noAutofit/>
+            </a:bodyPr>
+            <a:lstStyle/>
+            <a:p>
+              <a:pPr algn="ctr"/>
+              <a:endParaRPr lang="ko-KR" altLang="en-US" sz="3200">
+                <a:solidFill>
+                  <a:prstClr val="white"/>
+                </a:solidFill>
+              </a:endParaRPr>
+            </a:p>
+          </p:txBody>
+        </p:sp>
+        <p:sp>
+          <p:nvSpPr>
+            <p:cNvPr id="11" name="TextBox 32">
+              <a:extLst>
+                <a:ext uri="{FF2B5EF4-FFF2-40B4-BE49-F238E27FC236}">
+                  <a16:creationId xmlns:a16="http://schemas.microsoft.com/office/drawing/2014/main" id="{233592E2-73BF-4AB9-B27A-2AFE2B25A82D}"/>
+                </a:ext>
+              </a:extLst>
+            </p:cNvPr>
+            <p:cNvSpPr txBox="1"/>
+            <p:nvPr/>
+          </p:nvSpPr>
+          <p:spPr>
+            <a:xfrm>
+              <a:off x="9988695" y="7692974"/>
+              <a:ext cx="613184" cy="338554"/>
+            </a:xfrm>
+            <a:prstGeom prst="rect">
+              <a:avLst/>
+            </a:prstGeom>
+            <a:noFill/>
+          </p:spPr>
+          <p:txBody>
+            <a:bodyPr wrap="square" rtlCol="0">
+              <a:spAutoFit/>
+            </a:bodyPr>
+            <a:lstStyle/>
+            <a:p>
+              <a:pPr algn="ctr"/>
+              <a:r>
+                <a:rPr lang="en-US" altLang="ko-KR" sz="1600" b="1" dirty="0">
+                  <a:solidFill>
+                    <a:prstClr val="white"/>
+                  </a:solidFill>
+                  <a:cs typeface="Arial" pitchFamily="34" charset="0"/>
+                </a:rPr>
+                <a:t>16</a:t>
+              </a:r>
+              <a:endParaRPr lang="ko-KR" altLang="en-US" sz="1600" b="1" dirty="0">
+                <a:solidFill>
+                  <a:prstClr val="white"/>
+                </a:solidFill>
+                <a:cs typeface="Arial" pitchFamily="34" charset="0"/>
+              </a:endParaRPr>
+            </a:p>
+          </p:txBody>
+        </p:sp>
+      </p:grpSp>
+      <p:sp>
+        <p:nvSpPr>
+          <p:cNvPr id="12" name="Rogner un rectangle avec un coin du même côté 17">
+            <a:extLst>
+              <a:ext uri="{FF2B5EF4-FFF2-40B4-BE49-F238E27FC236}">
+                <a16:creationId xmlns:a16="http://schemas.microsoft.com/office/drawing/2014/main" id="{8CADE3D4-4D40-B727-F10C-4D8423D2AB9B}"/>
+              </a:ext>
+            </a:extLst>
+          </p:cNvPr>
+          <p:cNvSpPr/>
+          <p:nvPr/>
+        </p:nvSpPr>
+        <p:spPr>
+          <a:xfrm flipV="1">
+            <a:off x="5968752" y="-2"/>
+            <a:ext cx="2292891" cy="600464"/>
+          </a:xfrm>
+          <a:prstGeom prst="snip2SameRect">
+            <a:avLst/>
+          </a:prstGeom>
+          <a:solidFill>
+            <a:schemeClr val="tx2"/>
+          </a:solidFill>
+          <a:ln w="9525" cap="flat" cmpd="sng" algn="ctr">
+            <a:noFill/>
+            <a:prstDash val="solid"/>
+          </a:ln>
+          <a:effectLst>
+            <a:outerShdw blurRad="40000" dist="23000" dir="5400000" rotWithShape="0">
+              <a:srgbClr val="000000">
+                <a:alpha val="35000"/>
+              </a:srgbClr>
+            </a:outerShdw>
+          </a:effectLst>
+        </p:spPr>
+        <p:txBody>
+          <a:bodyPr rtlCol="0" anchor="ctr"/>
+          <a:lstStyle/>
+          <a:p>
+            <a:pPr algn="ctr"/>
+            <a:endParaRPr lang="fr-FR" sz="1641" kern="0" dirty="0">
+              <a:solidFill>
+                <a:sysClr val="window" lastClr="FFFFFF"/>
+              </a:solidFill>
+              <a:latin typeface="Calibri"/>
+            </a:endParaRPr>
+          </a:p>
+        </p:txBody>
+      </p:sp>
+      <p:sp>
+        <p:nvSpPr>
+          <p:cNvPr id="13" name="ZoneTexte 19">
+            <a:extLst>
+              <a:ext uri="{FF2B5EF4-FFF2-40B4-BE49-F238E27FC236}">
+                <a16:creationId xmlns:a16="http://schemas.microsoft.com/office/drawing/2014/main" id="{EACE0244-AA82-43A5-13A7-3AA4A14E7E13}"/>
+              </a:ext>
+            </a:extLst>
+          </p:cNvPr>
+          <p:cNvSpPr txBox="1"/>
+          <p:nvPr/>
+        </p:nvSpPr>
+        <p:spPr>
+          <a:xfrm>
+            <a:off x="5998795" y="56269"/>
+            <a:ext cx="2260813" cy="428900"/>
+          </a:xfrm>
+          <a:prstGeom prst="rect">
+            <a:avLst/>
+          </a:prstGeom>
+          <a:solidFill>
+            <a:schemeClr val="tx2"/>
+          </a:solidFill>
+          <a:ln>
+            <a:noFill/>
+          </a:ln>
+        </p:spPr>
+        <p:txBody>
+          <a:bodyPr wrap="square" rtlCol="0">
+            <a:spAutoFit/>
+          </a:bodyPr>
+          <a:lstStyle/>
+          <a:p>
+            <a:pPr algn="ctr" defTabSz="833384"/>
+            <a:r>
+              <a:rPr lang="fr-FR" sz="2187" b="1" kern="0" dirty="0">
+                <a:solidFill>
+                  <a:sysClr val="window" lastClr="FFFFFF"/>
+                </a:solidFill>
+                <a:latin typeface="Trebuchet MS" pitchFamily="34" charset="0"/>
+              </a:rPr>
+              <a:t>Implémentation</a:t>
+            </a:r>
+          </a:p>
+        </p:txBody>
+      </p:sp>
+      <p:sp>
+        <p:nvSpPr>
+          <p:cNvPr id="14" name="Rogner un rectangle avec un coin du même côté 17">
+            <a:extLst>
+              <a:ext uri="{FF2B5EF4-FFF2-40B4-BE49-F238E27FC236}">
+                <a16:creationId xmlns:a16="http://schemas.microsoft.com/office/drawing/2014/main" id="{ACDBC3C5-07AA-E84F-CCCE-5EF70193B65A}"/>
+              </a:ext>
+            </a:extLst>
+          </p:cNvPr>
+          <p:cNvSpPr/>
+          <p:nvPr/>
+        </p:nvSpPr>
+        <p:spPr>
+          <a:xfrm flipV="1">
+            <a:off x="8278930" y="-4914"/>
+            <a:ext cx="2131062" cy="600464"/>
+          </a:xfrm>
+          <a:prstGeom prst="snip2SameRect">
+            <a:avLst/>
+          </a:prstGeom>
+          <a:solidFill>
+            <a:schemeClr val="tx2"/>
+          </a:solidFill>
+          <a:ln w="9525" cap="flat" cmpd="sng" algn="ctr">
+            <a:noFill/>
+            <a:prstDash val="solid"/>
+          </a:ln>
+          <a:effectLst>
+            <a:outerShdw blurRad="40000" dist="23000" dir="5400000" rotWithShape="0">
+              <a:srgbClr val="000000">
+                <a:alpha val="35000"/>
+              </a:srgbClr>
+            </a:outerShdw>
+          </a:effectLst>
+        </p:spPr>
+        <p:txBody>
+          <a:bodyPr rtlCol="0" anchor="ctr"/>
+          <a:lstStyle/>
+          <a:p>
+            <a:pPr algn="ctr"/>
+            <a:endParaRPr lang="fr-FR" sz="1641" kern="0" dirty="0">
+              <a:solidFill>
+                <a:sysClr val="window" lastClr="FFFFFF"/>
+              </a:solidFill>
+              <a:latin typeface="Calibri"/>
+            </a:endParaRPr>
+          </a:p>
+        </p:txBody>
+      </p:sp>
+      <p:sp>
+        <p:nvSpPr>
+          <p:cNvPr id="15" name="Rogner un rectangle avec un coin du même côté 17">
+            <a:extLst>
+              <a:ext uri="{FF2B5EF4-FFF2-40B4-BE49-F238E27FC236}">
+                <a16:creationId xmlns:a16="http://schemas.microsoft.com/office/drawing/2014/main" id="{4D3FBFB2-96EB-770D-388B-2C27A792E638}"/>
+              </a:ext>
+            </a:extLst>
+          </p:cNvPr>
+          <p:cNvSpPr/>
+          <p:nvPr/>
+        </p:nvSpPr>
+        <p:spPr>
+          <a:xfrm flipV="1">
+            <a:off x="3922577" y="-2"/>
+            <a:ext cx="2026853" cy="600464"/>
+          </a:xfrm>
+          <a:prstGeom prst="snip2SameRect">
+            <a:avLst/>
+          </a:prstGeom>
+          <a:solidFill>
+            <a:schemeClr val="accent2">
+              <a:lumMod val="75000"/>
+            </a:schemeClr>
+          </a:solidFill>
+          <a:ln w="9525" cap="flat" cmpd="sng" algn="ctr">
+            <a:noFill/>
+            <a:prstDash val="solid"/>
+          </a:ln>
+          <a:effectLst>
+            <a:outerShdw blurRad="40000" dist="23000" dir="5400000" rotWithShape="0">
+              <a:srgbClr val="000000">
+                <a:alpha val="35000"/>
+              </a:srgbClr>
+            </a:outerShdw>
+          </a:effectLst>
+        </p:spPr>
+        <p:txBody>
+          <a:bodyPr rtlCol="0" anchor="ctr"/>
+          <a:lstStyle/>
+          <a:p>
+            <a:pPr algn="ctr"/>
+            <a:endParaRPr lang="fr-FR" sz="1641" kern="0" dirty="0">
+              <a:solidFill>
+                <a:sysClr val="window" lastClr="FFFFFF"/>
+              </a:solidFill>
+              <a:latin typeface="Calibri"/>
+            </a:endParaRPr>
+          </a:p>
+        </p:txBody>
+      </p:sp>
+      <p:sp>
+        <p:nvSpPr>
+          <p:cNvPr id="16" name="Rogner un rectangle avec un coin du même côté 17">
+            <a:extLst>
+              <a:ext uri="{FF2B5EF4-FFF2-40B4-BE49-F238E27FC236}">
+                <a16:creationId xmlns:a16="http://schemas.microsoft.com/office/drawing/2014/main" id="{F404606F-006C-F877-FD8F-5D89D0601E67}"/>
+              </a:ext>
+            </a:extLst>
+          </p:cNvPr>
+          <p:cNvSpPr/>
+          <p:nvPr/>
+        </p:nvSpPr>
+        <p:spPr>
+          <a:xfrm flipV="1">
+            <a:off x="2049185" y="-2"/>
+            <a:ext cx="1853343" cy="600464"/>
+          </a:xfrm>
+          <a:prstGeom prst="snip2SameRect">
+            <a:avLst/>
+          </a:prstGeom>
+          <a:solidFill>
+            <a:schemeClr val="tx2"/>
+          </a:solidFill>
+          <a:ln w="9525" cap="flat" cmpd="sng" algn="ctr">
+            <a:noFill/>
+            <a:prstDash val="solid"/>
+          </a:ln>
+          <a:effectLst>
+            <a:outerShdw blurRad="40000" dist="23000" dir="5400000" rotWithShape="0">
+              <a:srgbClr val="000000">
+                <a:alpha val="35000"/>
+              </a:srgbClr>
+            </a:outerShdw>
+          </a:effectLst>
+        </p:spPr>
+        <p:txBody>
+          <a:bodyPr rtlCol="0" anchor="ctr"/>
+          <a:lstStyle/>
+          <a:p>
+            <a:pPr algn="ctr"/>
+            <a:endParaRPr lang="fr-FR" sz="1641" kern="0" dirty="0">
+              <a:solidFill>
+                <a:sysClr val="window" lastClr="FFFFFF"/>
+              </a:solidFill>
+              <a:latin typeface="Calibri"/>
+            </a:endParaRPr>
+          </a:p>
+        </p:txBody>
+      </p:sp>
+      <p:sp>
+        <p:nvSpPr>
+          <p:cNvPr id="17" name="ZoneTexte 24">
+            <a:extLst>
+              <a:ext uri="{FF2B5EF4-FFF2-40B4-BE49-F238E27FC236}">
+                <a16:creationId xmlns:a16="http://schemas.microsoft.com/office/drawing/2014/main" id="{7D8176F1-1FB9-76B1-CA60-80A2F8BEFCE4}"/>
+              </a:ext>
+            </a:extLst>
+          </p:cNvPr>
+          <p:cNvSpPr txBox="1"/>
+          <p:nvPr/>
+        </p:nvSpPr>
+        <p:spPr>
+          <a:xfrm>
+            <a:off x="8279278" y="51478"/>
+            <a:ext cx="2098864" cy="428900"/>
+          </a:xfrm>
+          <a:prstGeom prst="rect">
+            <a:avLst/>
+          </a:prstGeom>
+          <a:solidFill>
+            <a:schemeClr val="tx2"/>
+          </a:solidFill>
+          <a:ln>
+            <a:noFill/>
+          </a:ln>
+        </p:spPr>
+        <p:txBody>
+          <a:bodyPr wrap="square" rtlCol="0">
+            <a:spAutoFit/>
+          </a:bodyPr>
+          <a:lstStyle/>
+          <a:p>
+            <a:pPr algn="ctr" defTabSz="833384"/>
+            <a:r>
+              <a:rPr lang="fr-FR" sz="2187" b="1" kern="0" dirty="0">
+                <a:solidFill>
+                  <a:sysClr val="window" lastClr="FFFFFF"/>
+                </a:solidFill>
+                <a:latin typeface="Trebuchet MS" pitchFamily="34" charset="0"/>
+              </a:rPr>
+              <a:t>Démonstration</a:t>
+            </a:r>
+          </a:p>
+        </p:txBody>
+      </p:sp>
+      <p:sp>
+        <p:nvSpPr>
+          <p:cNvPr id="18" name="ZoneTexte 14">
+            <a:extLst>
+              <a:ext uri="{FF2B5EF4-FFF2-40B4-BE49-F238E27FC236}">
+                <a16:creationId xmlns:a16="http://schemas.microsoft.com/office/drawing/2014/main" id="{1F0DAEAE-6F45-9D16-68DF-80F731392ED9}"/>
+              </a:ext>
+            </a:extLst>
+          </p:cNvPr>
+          <p:cNvSpPr txBox="1"/>
+          <p:nvPr/>
+        </p:nvSpPr>
+        <p:spPr>
+          <a:xfrm>
+            <a:off x="3952074" y="55313"/>
+            <a:ext cx="1937931" cy="428900"/>
+          </a:xfrm>
+          <a:prstGeom prst="rect">
+            <a:avLst/>
+          </a:prstGeom>
+          <a:solidFill>
+            <a:schemeClr val="accent2">
+              <a:lumMod val="75000"/>
+            </a:schemeClr>
+          </a:solidFill>
+          <a:ln>
+            <a:noFill/>
+          </a:ln>
+        </p:spPr>
+        <p:txBody>
+          <a:bodyPr wrap="square" rtlCol="0">
+            <a:spAutoFit/>
+          </a:bodyPr>
+          <a:lstStyle/>
+          <a:p>
+            <a:pPr algn="ctr"/>
+            <a:r>
+              <a:rPr lang="fr-FR" sz="2187" b="1" kern="0" dirty="0">
+                <a:solidFill>
+                  <a:schemeClr val="bg1"/>
+                </a:solidFill>
+                <a:latin typeface="Trebuchet MS" pitchFamily="34" charset="0"/>
+              </a:rPr>
+              <a:t>Approche</a:t>
+            </a:r>
+          </a:p>
+        </p:txBody>
+      </p:sp>
+      <p:sp>
+        <p:nvSpPr>
+          <p:cNvPr id="19" name="ZoneTexte 12">
+            <a:extLst>
+              <a:ext uri="{FF2B5EF4-FFF2-40B4-BE49-F238E27FC236}">
+                <a16:creationId xmlns:a16="http://schemas.microsoft.com/office/drawing/2014/main" id="{E1080B11-BC99-EC97-758A-66D48E4E3B0E}"/>
+              </a:ext>
+            </a:extLst>
+          </p:cNvPr>
+          <p:cNvSpPr txBox="1"/>
+          <p:nvPr/>
+        </p:nvSpPr>
+        <p:spPr>
+          <a:xfrm>
+            <a:off x="2081036" y="67018"/>
+            <a:ext cx="1772127" cy="428900"/>
+          </a:xfrm>
+          <a:prstGeom prst="rect">
+            <a:avLst/>
+          </a:prstGeom>
+          <a:solidFill>
+            <a:schemeClr val="tx2"/>
+          </a:solidFill>
+          <a:ln>
+            <a:noFill/>
+          </a:ln>
+        </p:spPr>
+        <p:txBody>
+          <a:bodyPr wrap="square" rtlCol="0">
+            <a:spAutoFit/>
+          </a:bodyPr>
+          <a:lstStyle>
+            <a:defPPr>
+              <a:defRPr lang="fr-FR"/>
+            </a:defPPr>
+            <a:lvl1pPr marR="0" lvl="0" indent="0" algn="ctr" fontAlgn="auto">
+              <a:lnSpc>
+                <a:spcPct val="100000"/>
+              </a:lnSpc>
+              <a:spcBef>
+                <a:spcPts val="0"/>
+              </a:spcBef>
+              <a:spcAft>
+                <a:spcPts val="0"/>
+              </a:spcAft>
+              <a:buClrTx/>
+              <a:buSzTx/>
+              <a:buFontTx/>
+              <a:buNone/>
+              <a:defRPr kumimoji="0" sz="2400" b="0" i="0" u="none" strike="noStrike" kern="0" cap="none" spc="0" normalizeH="0" baseline="0">
+                <a:ln>
+                  <a:noFill/>
+                </a:ln>
+                <a:solidFill>
+                  <a:sysClr val="window" lastClr="FFFFFF">
+                    <a:lumMod val="85000"/>
+                  </a:sysClr>
+                </a:solidFill>
+                <a:effectLst/>
+                <a:uLnTx/>
+                <a:uFillTx/>
+                <a:latin typeface="Trebuchet MS" pitchFamily="34" charset="0"/>
+              </a:defRPr>
+            </a:lvl1pPr>
+          </a:lstStyle>
+          <a:p>
+            <a:r>
+              <a:rPr lang="fr-FR" sz="2187" b="1" dirty="0">
+                <a:solidFill>
+                  <a:schemeClr val="bg1"/>
+                </a:solidFill>
+              </a:rPr>
+              <a:t>État de l’art</a:t>
+            </a:r>
+          </a:p>
+        </p:txBody>
+      </p:sp>
+      <p:sp>
+        <p:nvSpPr>
+          <p:cNvPr id="20" name="Rogner un rectangle avec un coin du même côté 17">
+            <a:extLst>
+              <a:ext uri="{FF2B5EF4-FFF2-40B4-BE49-F238E27FC236}">
+                <a16:creationId xmlns:a16="http://schemas.microsoft.com/office/drawing/2014/main" id="{B4D73B7A-2A3B-CA32-C37E-E7A0CA726CDD}"/>
+              </a:ext>
+            </a:extLst>
+          </p:cNvPr>
+          <p:cNvSpPr/>
+          <p:nvPr/>
+        </p:nvSpPr>
+        <p:spPr>
+          <a:xfrm flipV="1">
+            <a:off x="5742" y="-2"/>
+            <a:ext cx="2019518" cy="600464"/>
+          </a:xfrm>
+          <a:prstGeom prst="snip2SameRect">
+            <a:avLst/>
+          </a:prstGeom>
+          <a:solidFill>
+            <a:schemeClr val="tx2"/>
+          </a:solidFill>
+          <a:ln w="9525" cap="flat" cmpd="sng" algn="ctr">
+            <a:noFill/>
+            <a:prstDash val="solid"/>
+          </a:ln>
+          <a:effectLst>
+            <a:outerShdw blurRad="40000" dist="23000" dir="5400000" rotWithShape="0">
+              <a:srgbClr val="000000">
+                <a:alpha val="35000"/>
+              </a:srgbClr>
+            </a:outerShdw>
+          </a:effectLst>
+        </p:spPr>
+        <p:txBody>
+          <a:bodyPr rtlCol="0" anchor="ctr"/>
+          <a:lstStyle/>
+          <a:p>
+            <a:pPr algn="ctr"/>
+            <a:endParaRPr lang="fr-FR" sz="1641" kern="0" dirty="0">
+              <a:solidFill>
+                <a:sysClr val="window" lastClr="FFFFFF"/>
+              </a:solidFill>
+              <a:latin typeface="Calibri"/>
+            </a:endParaRPr>
+          </a:p>
+        </p:txBody>
+      </p:sp>
+      <p:sp>
+        <p:nvSpPr>
+          <p:cNvPr id="21" name="ZoneTexte 20">
+            <a:extLst>
+              <a:ext uri="{FF2B5EF4-FFF2-40B4-BE49-F238E27FC236}">
+                <a16:creationId xmlns:a16="http://schemas.microsoft.com/office/drawing/2014/main" id="{09107509-B0DE-1B4F-D873-A8DAED37875D}"/>
+              </a:ext>
+            </a:extLst>
+          </p:cNvPr>
+          <p:cNvSpPr txBox="1"/>
+          <p:nvPr/>
+        </p:nvSpPr>
+        <p:spPr>
+          <a:xfrm>
+            <a:off x="553004" y="6014409"/>
+            <a:ext cx="11539470" cy="523220"/>
+          </a:xfrm>
+          <a:prstGeom prst="rect">
+            <a:avLst/>
+          </a:prstGeom>
+          <a:noFill/>
+        </p:spPr>
+        <p:txBody>
+          <a:bodyPr wrap="square" rtlCol="0">
+            <a:spAutoFit/>
+          </a:bodyPr>
+          <a:lstStyle/>
+          <a:p>
+            <a:pPr algn="ctr"/>
+            <a:r>
+              <a:rPr lang="fr-BF" sz="2800" b="1" u="sng" dirty="0">
+                <a:solidFill>
+                  <a:schemeClr val="tx2"/>
+                </a:solidFill>
+              </a:rPr>
+              <a:t>Méthodologie de mise en place de la DApp</a:t>
+            </a:r>
+          </a:p>
+        </p:txBody>
+      </p:sp>
+      <p:sp>
+        <p:nvSpPr>
+          <p:cNvPr id="22" name="Rogner un rectangle avec un coin du même côté 17">
+            <a:extLst>
+              <a:ext uri="{FF2B5EF4-FFF2-40B4-BE49-F238E27FC236}">
+                <a16:creationId xmlns:a16="http://schemas.microsoft.com/office/drawing/2014/main" id="{55141D1B-9650-BD3C-1EB6-38EEEE3FBDA9}"/>
+              </a:ext>
+            </a:extLst>
+          </p:cNvPr>
+          <p:cNvSpPr/>
+          <p:nvPr/>
+        </p:nvSpPr>
+        <p:spPr>
+          <a:xfrm flipV="1">
+            <a:off x="10422194" y="-2605"/>
+            <a:ext cx="1769806" cy="600464"/>
+          </a:xfrm>
+          <a:prstGeom prst="snip2SameRect">
+            <a:avLst/>
+          </a:prstGeom>
+          <a:solidFill>
+            <a:schemeClr val="tx2"/>
+          </a:solidFill>
+          <a:ln w="9525" cap="flat" cmpd="sng" algn="ctr">
+            <a:noFill/>
+            <a:prstDash val="solid"/>
+          </a:ln>
+          <a:effectLst>
+            <a:outerShdw blurRad="40000" dist="23000" dir="5400000" rotWithShape="0">
+              <a:srgbClr val="000000">
+                <a:alpha val="35000"/>
+              </a:srgbClr>
+            </a:outerShdw>
+          </a:effectLst>
+        </p:spPr>
+        <p:txBody>
+          <a:bodyPr rtlCol="0" anchor="ctr"/>
+          <a:lstStyle/>
+          <a:p>
+            <a:pPr algn="ctr"/>
+            <a:endParaRPr lang="fr-FR" sz="1641" kern="0" dirty="0">
+              <a:solidFill>
+                <a:sysClr val="window" lastClr="FFFFFF"/>
+              </a:solidFill>
+              <a:latin typeface="Calibri"/>
+            </a:endParaRPr>
+          </a:p>
+        </p:txBody>
+      </p:sp>
+      <p:sp>
+        <p:nvSpPr>
+          <p:cNvPr id="23" name="ZoneTexte 22">
+            <a:extLst>
+              <a:ext uri="{FF2B5EF4-FFF2-40B4-BE49-F238E27FC236}">
+                <a16:creationId xmlns:a16="http://schemas.microsoft.com/office/drawing/2014/main" id="{CFA3B29F-0C3D-4766-A39A-5D39452AC0B5}"/>
+              </a:ext>
+            </a:extLst>
+          </p:cNvPr>
+          <p:cNvSpPr txBox="1"/>
+          <p:nvPr/>
+        </p:nvSpPr>
+        <p:spPr>
+          <a:xfrm>
+            <a:off x="10496126" y="27285"/>
+            <a:ext cx="1596348" cy="428900"/>
+          </a:xfrm>
+          <a:prstGeom prst="rect">
+            <a:avLst/>
+          </a:prstGeom>
+          <a:solidFill>
+            <a:schemeClr val="tx2"/>
+          </a:solidFill>
+          <a:ln>
+            <a:noFill/>
+          </a:ln>
+        </p:spPr>
+        <p:txBody>
+          <a:bodyPr wrap="square" rtlCol="0">
+            <a:spAutoFit/>
+          </a:bodyPr>
+          <a:lstStyle/>
+          <a:p>
+            <a:pPr algn="ctr" defTabSz="833384"/>
+            <a:r>
+              <a:rPr lang="fr-FR" sz="2187" b="1" kern="0" dirty="0">
+                <a:solidFill>
+                  <a:sysClr val="window" lastClr="FFFFFF"/>
+                </a:solidFill>
+                <a:latin typeface="Trebuchet MS" pitchFamily="34" charset="0"/>
+              </a:rPr>
+              <a:t>Conclusion</a:t>
+            </a:r>
+          </a:p>
+        </p:txBody>
+      </p:sp>
+      <p:sp>
+        <p:nvSpPr>
+          <p:cNvPr id="24" name="ZoneTexte 11">
+            <a:extLst>
+              <a:ext uri="{FF2B5EF4-FFF2-40B4-BE49-F238E27FC236}">
+                <a16:creationId xmlns:a16="http://schemas.microsoft.com/office/drawing/2014/main" id="{F5A8AA14-E3BB-51FA-04F9-A871E9CFBA5C}"/>
+              </a:ext>
+            </a:extLst>
+          </p:cNvPr>
+          <p:cNvSpPr txBox="1"/>
+          <p:nvPr/>
+        </p:nvSpPr>
+        <p:spPr>
+          <a:xfrm>
+            <a:off x="31144" y="54792"/>
+            <a:ext cx="1950365" cy="428900"/>
+          </a:xfrm>
+          <a:prstGeom prst="rect">
+            <a:avLst/>
+          </a:prstGeom>
+          <a:solidFill>
+            <a:schemeClr val="tx2"/>
+          </a:solidFill>
+          <a:ln>
+            <a:noFill/>
+          </a:ln>
+        </p:spPr>
+        <p:txBody>
+          <a:bodyPr wrap="square" rtlCol="0">
+            <a:spAutoFit/>
+          </a:bodyPr>
+          <a:lstStyle/>
+          <a:p>
+            <a:pPr algn="ctr" defTabSz="833384"/>
+            <a:r>
+              <a:rPr lang="fr-FR" sz="2187" b="1" kern="0" dirty="0">
+                <a:solidFill>
+                  <a:srgbClr val="6ED38F"/>
+                </a:solidFill>
+                <a:latin typeface="Trebuchet MS" pitchFamily="34" charset="0"/>
+              </a:rPr>
+              <a:t> </a:t>
+            </a:r>
+            <a:r>
+              <a:rPr lang="fr-FR" sz="2187" b="1" dirty="0">
+                <a:solidFill>
+                  <a:schemeClr val="bg1"/>
+                </a:solidFill>
+                <a:latin typeface="Trebuchet MS" panose="020B0703020202090204" pitchFamily="34" charset="0"/>
+              </a:rPr>
+              <a:t>Introduction</a:t>
+            </a:r>
+            <a:endParaRPr lang="fr-FR" sz="2187" b="1" kern="0" dirty="0">
+              <a:solidFill>
+                <a:srgbClr val="6ED38F"/>
+              </a:solidFill>
+              <a:latin typeface="Trebuchet MS" panose="020B0703020202090204" pitchFamily="34" charset="0"/>
+            </a:endParaRPr>
+          </a:p>
+        </p:txBody>
+      </p:sp>
+      <p:sp>
+        <p:nvSpPr>
+          <p:cNvPr id="25" name="Freeform 29">
+            <a:extLst>
+              <a:ext uri="{FF2B5EF4-FFF2-40B4-BE49-F238E27FC236}">
+                <a16:creationId xmlns:a16="http://schemas.microsoft.com/office/drawing/2014/main" id="{369D9E4C-93FF-4C0F-831C-AC33AF7434BE}"/>
+              </a:ext>
+            </a:extLst>
+          </p:cNvPr>
+          <p:cNvSpPr/>
+          <p:nvPr/>
+        </p:nvSpPr>
+        <p:spPr>
+          <a:xfrm>
+            <a:off x="6665921" y="3341215"/>
+            <a:ext cx="617952" cy="45719"/>
+          </a:xfrm>
+          <a:custGeom>
+            <a:avLst/>
+            <a:gdLst>
+              <a:gd name="connsiteX0" fmla="*/ 1403350 w 1403350"/>
+              <a:gd name="connsiteY0" fmla="*/ 0 h 0"/>
+              <a:gd name="connsiteX1" fmla="*/ 0 w 1403350"/>
+              <a:gd name="connsiteY1" fmla="*/ 0 h 0"/>
+            </a:gdLst>
+            <a:ahLst/>
+            <a:cxnLst>
+              <a:cxn ang="0">
+                <a:pos x="connsiteX0" y="connsiteY0"/>
+              </a:cxn>
+              <a:cxn ang="0">
+                <a:pos x="connsiteX1" y="connsiteY1"/>
+              </a:cxn>
+            </a:cxnLst>
+            <a:rect l="l" t="t" r="r" b="b"/>
+            <a:pathLst>
+              <a:path w="1403350">
+                <a:moveTo>
+                  <a:pt x="1403350" y="0"/>
+                </a:moveTo>
+                <a:lnTo>
+                  <a:pt x="0" y="0"/>
+                </a:lnTo>
+              </a:path>
+            </a:pathLst>
+          </a:custGeom>
+          <a:ln w="76200" cap="rnd">
+            <a:solidFill>
+              <a:srgbClr val="0070C0"/>
+            </a:solidFill>
+          </a:ln>
+        </p:spPr>
+        <p:style>
+          <a:lnRef idx="1">
+            <a:schemeClr val="accent1"/>
+          </a:lnRef>
+          <a:fillRef idx="0">
+            <a:schemeClr val="accent1"/>
+          </a:fillRef>
+          <a:effectRef idx="0">
+            <a:schemeClr val="accent1"/>
+          </a:effectRef>
+          <a:fontRef idx="minor">
+            <a:schemeClr val="tx1"/>
+          </a:fontRef>
+        </p:style>
+        <p:txBody>
+          <a:bodyPr rtlCol="0" anchor="ctr"/>
+          <a:lstStyle/>
+          <a:p>
+            <a:pPr algn="ctr"/>
+            <a:endParaRPr lang="en-US"/>
+          </a:p>
+        </p:txBody>
+      </p:sp>
+      <p:sp>
+        <p:nvSpPr>
+          <p:cNvPr id="26" name="Freeform 30">
+            <a:extLst>
+              <a:ext uri="{FF2B5EF4-FFF2-40B4-BE49-F238E27FC236}">
+                <a16:creationId xmlns:a16="http://schemas.microsoft.com/office/drawing/2014/main" id="{741EFF7C-6EED-4146-BAC6-E161CBD15585}"/>
+              </a:ext>
+            </a:extLst>
+          </p:cNvPr>
+          <p:cNvSpPr/>
+          <p:nvPr/>
+        </p:nvSpPr>
+        <p:spPr>
+          <a:xfrm rot="5400000" flipV="1">
+            <a:off x="10843292" y="2162183"/>
+            <a:ext cx="932960" cy="202587"/>
+          </a:xfrm>
+          <a:custGeom>
+            <a:avLst/>
+            <a:gdLst>
+              <a:gd name="connsiteX0" fmla="*/ 1403350 w 1403350"/>
+              <a:gd name="connsiteY0" fmla="*/ 0 h 0"/>
+              <a:gd name="connsiteX1" fmla="*/ 0 w 1403350"/>
+              <a:gd name="connsiteY1" fmla="*/ 0 h 0"/>
+            </a:gdLst>
+            <a:ahLst/>
+            <a:cxnLst>
+              <a:cxn ang="0">
+                <a:pos x="connsiteX0" y="connsiteY0"/>
+              </a:cxn>
+              <a:cxn ang="0">
+                <a:pos x="connsiteX1" y="connsiteY1"/>
+              </a:cxn>
+            </a:cxnLst>
+            <a:rect l="l" t="t" r="r" b="b"/>
+            <a:pathLst>
+              <a:path w="1403350">
+                <a:moveTo>
+                  <a:pt x="1403350" y="0"/>
+                </a:moveTo>
+                <a:lnTo>
+                  <a:pt x="0" y="0"/>
+                </a:lnTo>
+              </a:path>
+            </a:pathLst>
+          </a:custGeom>
+          <a:ln w="76200" cap="rnd">
+            <a:solidFill>
+              <a:srgbClr val="FFC000"/>
+            </a:solidFill>
+            <a:headEnd type="none"/>
+            <a:tailEnd type="oval" w="med" len="med"/>
+          </a:ln>
+        </p:spPr>
+        <p:style>
+          <a:lnRef idx="1">
+            <a:schemeClr val="accent1"/>
+          </a:lnRef>
+          <a:fillRef idx="0">
+            <a:schemeClr val="accent1"/>
+          </a:fillRef>
+          <a:effectRef idx="0">
+            <a:schemeClr val="accent1"/>
+          </a:effectRef>
+          <a:fontRef idx="minor">
+            <a:schemeClr val="tx1"/>
+          </a:fontRef>
+        </p:style>
+        <p:txBody>
+          <a:bodyPr rtlCol="0" anchor="ctr"/>
+          <a:lstStyle/>
+          <a:p>
+            <a:pPr algn="ctr"/>
+            <a:endParaRPr lang="en-US"/>
+          </a:p>
+        </p:txBody>
+      </p:sp>
+      <p:sp>
+        <p:nvSpPr>
+          <p:cNvPr id="27" name="Arc 26">
+            <a:extLst>
+              <a:ext uri="{FF2B5EF4-FFF2-40B4-BE49-F238E27FC236}">
+                <a16:creationId xmlns:a16="http://schemas.microsoft.com/office/drawing/2014/main" id="{69357CC2-2535-4527-98CE-94143F4834EC}"/>
+              </a:ext>
+            </a:extLst>
+          </p:cNvPr>
+          <p:cNvSpPr/>
+          <p:nvPr/>
+        </p:nvSpPr>
+        <p:spPr>
+          <a:xfrm>
+            <a:off x="10704506" y="2717662"/>
+            <a:ext cx="1038874" cy="818176"/>
+          </a:xfrm>
+          <a:prstGeom prst="arc">
+            <a:avLst>
+              <a:gd name="adj1" fmla="val 10102109"/>
+              <a:gd name="adj2" fmla="val 16131434"/>
+            </a:avLst>
+          </a:prstGeom>
+          <a:ln w="76200" cap="rnd">
+            <a:solidFill>
+              <a:srgbClr val="FFC000"/>
+            </a:solidFill>
+          </a:ln>
+        </p:spPr>
+        <p:style>
+          <a:lnRef idx="1">
+            <a:schemeClr val="accent1"/>
+          </a:lnRef>
+          <a:fillRef idx="0">
+            <a:schemeClr val="accent1"/>
+          </a:fillRef>
+          <a:effectRef idx="0">
+            <a:schemeClr val="accent1"/>
+          </a:effectRef>
+          <a:fontRef idx="minor">
+            <a:schemeClr val="tx1"/>
+          </a:fontRef>
+        </p:style>
+        <p:txBody>
+          <a:bodyPr rtlCol="0" anchor="ctr"/>
+          <a:lstStyle/>
+          <a:p>
+            <a:pPr algn="ctr"/>
+            <a:endParaRPr lang="en-US">
+              <a:solidFill>
+                <a:srgbClr val="0070C0"/>
+              </a:solidFill>
+            </a:endParaRPr>
+          </a:p>
+        </p:txBody>
+      </p:sp>
+      <p:sp>
+        <p:nvSpPr>
+          <p:cNvPr id="28" name="TextBox 55">
+            <a:extLst>
+              <a:ext uri="{FF2B5EF4-FFF2-40B4-BE49-F238E27FC236}">
+                <a16:creationId xmlns:a16="http://schemas.microsoft.com/office/drawing/2014/main" id="{64BAFBE8-FEE7-4D8C-AA95-84518CFBF170}"/>
+              </a:ext>
+            </a:extLst>
+          </p:cNvPr>
+          <p:cNvSpPr txBox="1"/>
           <p:nvPr>
-            <p:ph idx="1"/>
-            <p:extLst>
-              <p:ext uri="{D42A27DB-BD31-4B8C-83A1-F6EECF244321}">
-                <p14:modId xmlns:p14="http://schemas.microsoft.com/office/powerpoint/2010/main" val="2016302924"/>
-              </p:ext>
-            </p:extLst>
+            <p:custDataLst>
+              <p:tags r:id="rId1"/>
+            </p:custDataLst>
           </p:nvPr>
-        </p:nvGraphicFramePr>
-        <p:xfrm>
-          <a:off x="-340151" y="666128"/>
-          <a:ext cx="12406459" cy="4351338"/>
-        </p:xfrm>
-        <a:graphic>
-          <a:graphicData uri="http://schemas.openxmlformats.org/drawingml/2006/diagram">
-            <dgm:relIds xmlns:dgm="http://schemas.openxmlformats.org/drawingml/2006/diagram" xmlns:r="http://schemas.openxmlformats.org/officeDocument/2006/relationships" r:dm="rId2" r:lo="rId3" r:qs="rId4" r:cs="rId5"/>
-          </a:graphicData>
-        </a:graphic>
-      </p:graphicFrame>
+        </p:nvSpPr>
+        <p:spPr>
+          <a:xfrm>
+            <a:off x="7092297" y="971668"/>
+            <a:ext cx="1433619" cy="843303"/>
+          </a:xfrm>
+          <a:prstGeom prst="rect">
+            <a:avLst/>
+          </a:prstGeom>
+          <a:noFill/>
+        </p:spPr>
+        <p:txBody>
+          <a:bodyPr wrap="square" rtlCol="0" anchor="ctr">
+            <a:noAutofit/>
+          </a:bodyPr>
+          <a:lstStyle/>
+          <a:p>
+            <a:pPr algn="ctr"/>
+            <a:r>
+              <a:rPr lang="fr-CA" sz="1600" b="1" dirty="0" smtClean="0">
+                <a:solidFill>
+                  <a:srgbClr val="0070C0"/>
+                </a:solidFill>
+                <a:latin typeface="Arial" panose="020B0604020202020204" pitchFamily="34" charset="0"/>
+                <a:cs typeface="Arial" panose="020B0604020202020204" pitchFamily="34" charset="0"/>
+              </a:rPr>
+              <a:t>Tests et validations</a:t>
+            </a:r>
+            <a:endParaRPr lang="fr-CA" sz="1600" b="1" dirty="0">
+              <a:solidFill>
+                <a:srgbClr val="0070C0"/>
+              </a:solidFill>
+              <a:latin typeface="Arial" panose="020B0604020202020204" pitchFamily="34" charset="0"/>
+              <a:cs typeface="Arial" panose="020B0604020202020204" pitchFamily="34" charset="0"/>
+            </a:endParaRPr>
+          </a:p>
+        </p:txBody>
+      </p:sp>
+      <p:pic>
+        <p:nvPicPr>
+          <p:cNvPr id="29" name="Graphic 61" descr="Internet outline">
+            <a:extLst>
+              <a:ext uri="{FF2B5EF4-FFF2-40B4-BE49-F238E27FC236}">
+                <a16:creationId xmlns:a16="http://schemas.microsoft.com/office/drawing/2014/main" id="{DB81E821-6C2E-12DF-9198-7625C1E5A45C}"/>
+              </a:ext>
+            </a:extLst>
+          </p:cNvPr>
+          <p:cNvPicPr>
+            <a:picLocks noChangeAspect="1"/>
+          </p:cNvPicPr>
+          <p:nvPr/>
+        </p:nvPicPr>
+        <p:blipFill>
+          <a:blip r:embed="rId10" cstate="print">
+            <a:extLst>
+              <a:ext uri="{28A0092B-C50C-407E-A947-70E740481C1C}">
+                <a14:useLocalDpi xmlns:a14="http://schemas.microsoft.com/office/drawing/2010/main" val="0"/>
+              </a:ext>
+              <a:ext uri="{96DAC541-7B7A-43D3-8B79-37D633B846F1}">
+                <asvg:svgBlip xmlns="" xmlns:asvg="http://schemas.microsoft.com/office/drawing/2016/SVG/main" r:embed="rId16"/>
+              </a:ext>
+            </a:extLst>
+          </a:blip>
+          <a:stretch>
+            <a:fillRect/>
+          </a:stretch>
+        </p:blipFill>
+        <p:spPr>
+          <a:xfrm>
+            <a:off x="4247827" y="3097092"/>
+            <a:ext cx="532527" cy="532527"/>
+          </a:xfrm>
+          <a:prstGeom prst="rect">
+            <a:avLst/>
+          </a:prstGeom>
+        </p:spPr>
+      </p:pic>
+      <p:sp>
+        <p:nvSpPr>
+          <p:cNvPr id="30" name="Oval 36"/>
+          <p:cNvSpPr/>
+          <p:nvPr/>
+        </p:nvSpPr>
+        <p:spPr>
+          <a:xfrm>
+            <a:off x="5646691" y="2869416"/>
+            <a:ext cx="944469" cy="907444"/>
+          </a:xfrm>
+          <a:prstGeom prst="ellipse">
+            <a:avLst/>
+          </a:prstGeom>
+          <a:solidFill>
+            <a:schemeClr val="bg1"/>
+          </a:solidFill>
+          <a:ln>
+            <a:noFill/>
+          </a:ln>
+          <a:effectLst>
+            <a:outerShdw blurRad="190500" dist="88900" dir="2700000" algn="tl" rotWithShape="0">
+              <a:prstClr val="black">
+                <a:alpha val="30000"/>
+              </a:prstClr>
+            </a:outerShdw>
+          </a:effectLst>
+        </p:spPr>
+        <p:style>
+          <a:lnRef idx="2">
+            <a:schemeClr val="accent1">
+              <a:shade val="50000"/>
+            </a:schemeClr>
+          </a:lnRef>
+          <a:fillRef idx="1">
+            <a:schemeClr val="accent1"/>
+          </a:fillRef>
+          <a:effectRef idx="0">
+            <a:schemeClr val="accent1"/>
+          </a:effectRef>
+          <a:fontRef idx="minor">
+            <a:schemeClr val="lt1"/>
+          </a:fontRef>
+        </p:style>
+        <p:txBody>
+          <a:bodyPr rtlCol="0" anchor="ctr"/>
+          <a:lstStyle/>
+          <a:p>
+            <a:pPr algn="ctr"/>
+            <a:endParaRPr lang="en-US"/>
+          </a:p>
+        </p:txBody>
+      </p:sp>
+      <p:sp>
+        <p:nvSpPr>
+          <p:cNvPr id="31" name="Freeform 30">
+            <a:extLst>
+              <a:ext uri="{FF2B5EF4-FFF2-40B4-BE49-F238E27FC236}">
+                <a16:creationId xmlns:a16="http://schemas.microsoft.com/office/drawing/2014/main" id="{741EFF7C-6EED-4146-BAC6-E161CBD15585}"/>
+              </a:ext>
+            </a:extLst>
+          </p:cNvPr>
+          <p:cNvSpPr/>
+          <p:nvPr/>
+        </p:nvSpPr>
+        <p:spPr>
+          <a:xfrm rot="5400000" flipV="1">
+            <a:off x="7365486" y="2260773"/>
+            <a:ext cx="932960" cy="45719"/>
+          </a:xfrm>
+          <a:custGeom>
+            <a:avLst/>
+            <a:gdLst>
+              <a:gd name="connsiteX0" fmla="*/ 1403350 w 1403350"/>
+              <a:gd name="connsiteY0" fmla="*/ 0 h 0"/>
+              <a:gd name="connsiteX1" fmla="*/ 0 w 1403350"/>
+              <a:gd name="connsiteY1" fmla="*/ 0 h 0"/>
+            </a:gdLst>
+            <a:ahLst/>
+            <a:cxnLst>
+              <a:cxn ang="0">
+                <a:pos x="connsiteX0" y="connsiteY0"/>
+              </a:cxn>
+              <a:cxn ang="0">
+                <a:pos x="connsiteX1" y="connsiteY1"/>
+              </a:cxn>
+            </a:cxnLst>
+            <a:rect l="l" t="t" r="r" b="b"/>
+            <a:pathLst>
+              <a:path w="1403350">
+                <a:moveTo>
+                  <a:pt x="1403350" y="0"/>
+                </a:moveTo>
+                <a:lnTo>
+                  <a:pt x="0" y="0"/>
+                </a:lnTo>
+              </a:path>
+            </a:pathLst>
+          </a:custGeom>
+          <a:ln w="76200" cap="rnd">
+            <a:solidFill>
+              <a:srgbClr val="0070C0"/>
+            </a:solidFill>
+            <a:headEnd type="none"/>
+            <a:tailEnd type="oval" w="med" len="med"/>
+          </a:ln>
+        </p:spPr>
+        <p:style>
+          <a:lnRef idx="1">
+            <a:schemeClr val="accent1"/>
+          </a:lnRef>
+          <a:fillRef idx="0">
+            <a:schemeClr val="accent1"/>
+          </a:fillRef>
+          <a:effectRef idx="0">
+            <a:schemeClr val="accent1"/>
+          </a:effectRef>
+          <a:fontRef idx="minor">
+            <a:schemeClr val="tx1"/>
+          </a:fontRef>
+        </p:style>
+        <p:txBody>
+          <a:bodyPr rtlCol="0" anchor="ctr"/>
+          <a:lstStyle/>
+          <a:p>
+            <a:pPr algn="ctr"/>
+            <a:endParaRPr lang="en-US"/>
+          </a:p>
+        </p:txBody>
+      </p:sp>
+      <p:sp>
+        <p:nvSpPr>
+          <p:cNvPr id="32" name="Arc 31">
+            <a:extLst>
+              <a:ext uri="{FF2B5EF4-FFF2-40B4-BE49-F238E27FC236}">
+                <a16:creationId xmlns:a16="http://schemas.microsoft.com/office/drawing/2014/main" id="{69357CC2-2535-4527-98CE-94143F4834EC}"/>
+              </a:ext>
+            </a:extLst>
+          </p:cNvPr>
+          <p:cNvSpPr/>
+          <p:nvPr/>
+        </p:nvSpPr>
+        <p:spPr>
+          <a:xfrm>
+            <a:off x="7289670" y="2765619"/>
+            <a:ext cx="1038874" cy="920476"/>
+          </a:xfrm>
+          <a:prstGeom prst="arc">
+            <a:avLst>
+              <a:gd name="adj1" fmla="val 10102109"/>
+              <a:gd name="adj2" fmla="val 16131434"/>
+            </a:avLst>
+          </a:prstGeom>
+          <a:ln w="76200" cap="rnd">
+            <a:solidFill>
+              <a:srgbClr val="0070C0"/>
+            </a:solidFill>
+          </a:ln>
+        </p:spPr>
+        <p:style>
+          <a:lnRef idx="1">
+            <a:schemeClr val="accent1"/>
+          </a:lnRef>
+          <a:fillRef idx="0">
+            <a:schemeClr val="accent1"/>
+          </a:fillRef>
+          <a:effectRef idx="0">
+            <a:schemeClr val="accent1"/>
+          </a:effectRef>
+          <a:fontRef idx="minor">
+            <a:schemeClr val="tx1"/>
+          </a:fontRef>
+        </p:style>
+        <p:txBody>
+          <a:bodyPr rtlCol="0" anchor="ctr"/>
+          <a:lstStyle/>
+          <a:p>
+            <a:pPr algn="ctr"/>
+            <a:endParaRPr lang="en-US"/>
+          </a:p>
+        </p:txBody>
+      </p:sp>
+      <p:sp>
+        <p:nvSpPr>
+          <p:cNvPr id="33" name="Oval 36"/>
+          <p:cNvSpPr/>
+          <p:nvPr/>
+        </p:nvSpPr>
+        <p:spPr>
+          <a:xfrm>
+            <a:off x="7396357" y="2890980"/>
+            <a:ext cx="944469" cy="907444"/>
+          </a:xfrm>
+          <a:prstGeom prst="ellipse">
+            <a:avLst/>
+          </a:prstGeom>
+          <a:solidFill>
+            <a:schemeClr val="bg1"/>
+          </a:solidFill>
+          <a:ln>
+            <a:noFill/>
+          </a:ln>
+          <a:effectLst>
+            <a:outerShdw blurRad="190500" dist="88900" dir="2700000" algn="tl" rotWithShape="0">
+              <a:prstClr val="black">
+                <a:alpha val="30000"/>
+              </a:prstClr>
+            </a:outerShdw>
+          </a:effectLst>
+        </p:spPr>
+        <p:style>
+          <a:lnRef idx="2">
+            <a:schemeClr val="accent1">
+              <a:shade val="50000"/>
+            </a:schemeClr>
+          </a:lnRef>
+          <a:fillRef idx="1">
+            <a:schemeClr val="accent1"/>
+          </a:fillRef>
+          <a:effectRef idx="0">
+            <a:schemeClr val="accent1"/>
+          </a:effectRef>
+          <a:fontRef idx="minor">
+            <a:schemeClr val="lt1"/>
+          </a:fontRef>
+        </p:style>
+        <p:txBody>
+          <a:bodyPr rtlCol="0" anchor="ctr"/>
+          <a:lstStyle/>
+          <a:p>
+            <a:pPr algn="ctr"/>
+            <a:endParaRPr lang="en-US"/>
+          </a:p>
+        </p:txBody>
+      </p:sp>
+      <p:sp>
+        <p:nvSpPr>
+          <p:cNvPr id="34" name="Oval 36"/>
+          <p:cNvSpPr/>
+          <p:nvPr/>
+        </p:nvSpPr>
+        <p:spPr>
+          <a:xfrm>
+            <a:off x="9058832" y="2829366"/>
+            <a:ext cx="944469" cy="907444"/>
+          </a:xfrm>
+          <a:prstGeom prst="ellipse">
+            <a:avLst/>
+          </a:prstGeom>
+          <a:solidFill>
+            <a:schemeClr val="bg1"/>
+          </a:solidFill>
+          <a:ln>
+            <a:noFill/>
+          </a:ln>
+          <a:effectLst>
+            <a:outerShdw blurRad="190500" dist="88900" dir="2700000" algn="tl" rotWithShape="0">
+              <a:prstClr val="black">
+                <a:alpha val="30000"/>
+              </a:prstClr>
+            </a:outerShdw>
+          </a:effectLst>
+        </p:spPr>
+        <p:style>
+          <a:lnRef idx="2">
+            <a:schemeClr val="accent1">
+              <a:shade val="50000"/>
+            </a:schemeClr>
+          </a:lnRef>
+          <a:fillRef idx="1">
+            <a:schemeClr val="accent1"/>
+          </a:fillRef>
+          <a:effectRef idx="0">
+            <a:schemeClr val="accent1"/>
+          </a:effectRef>
+          <a:fontRef idx="minor">
+            <a:schemeClr val="lt1"/>
+          </a:fontRef>
+        </p:style>
+        <p:txBody>
+          <a:bodyPr rtlCol="0" anchor="ctr"/>
+          <a:lstStyle/>
+          <a:p>
+            <a:pPr algn="ctr"/>
+            <a:endParaRPr lang="en-US"/>
+          </a:p>
+        </p:txBody>
+      </p:sp>
+      <p:sp>
+        <p:nvSpPr>
+          <p:cNvPr id="35" name="Freeform 34"/>
+          <p:cNvSpPr/>
+          <p:nvPr/>
+        </p:nvSpPr>
+        <p:spPr>
+          <a:xfrm rot="16200000" flipV="1">
+            <a:off x="9154845" y="4168882"/>
+            <a:ext cx="739031" cy="53731"/>
+          </a:xfrm>
+          <a:custGeom>
+            <a:avLst/>
+            <a:gdLst>
+              <a:gd name="connsiteX0" fmla="*/ 1403350 w 1403350"/>
+              <a:gd name="connsiteY0" fmla="*/ 0 h 0"/>
+              <a:gd name="connsiteX1" fmla="*/ 0 w 1403350"/>
+              <a:gd name="connsiteY1" fmla="*/ 0 h 0"/>
+            </a:gdLst>
+            <a:ahLst/>
+            <a:cxnLst>
+              <a:cxn ang="0">
+                <a:pos x="connsiteX0" y="connsiteY0"/>
+              </a:cxn>
+              <a:cxn ang="0">
+                <a:pos x="connsiteX1" y="connsiteY1"/>
+              </a:cxn>
+            </a:cxnLst>
+            <a:rect l="l" t="t" r="r" b="b"/>
+            <a:pathLst>
+              <a:path w="1403350">
+                <a:moveTo>
+                  <a:pt x="1403350" y="0"/>
+                </a:moveTo>
+                <a:lnTo>
+                  <a:pt x="0" y="0"/>
+                </a:lnTo>
+              </a:path>
+            </a:pathLst>
+          </a:custGeom>
+          <a:ln w="76200" cap="rnd">
+            <a:solidFill>
+              <a:schemeClr val="tx1"/>
+            </a:solidFill>
+            <a:headEnd type="none"/>
+            <a:tailEnd type="oval" w="med" len="med"/>
+          </a:ln>
+        </p:spPr>
+        <p:style>
+          <a:lnRef idx="1">
+            <a:schemeClr val="accent1"/>
+          </a:lnRef>
+          <a:fillRef idx="0">
+            <a:schemeClr val="accent1"/>
+          </a:fillRef>
+          <a:effectRef idx="0">
+            <a:schemeClr val="accent1"/>
+          </a:effectRef>
+          <a:fontRef idx="minor">
+            <a:schemeClr val="tx1"/>
+          </a:fontRef>
+        </p:style>
+        <p:txBody>
+          <a:bodyPr rtlCol="0" anchor="ctr"/>
+          <a:lstStyle/>
+          <a:p>
+            <a:pPr algn="ctr"/>
+            <a:endParaRPr lang="en-US"/>
+          </a:p>
+        </p:txBody>
+      </p:sp>
+      <p:sp>
+        <p:nvSpPr>
+          <p:cNvPr id="36" name="Arc 35"/>
+          <p:cNvSpPr/>
+          <p:nvPr/>
+        </p:nvSpPr>
+        <p:spPr>
+          <a:xfrm flipV="1">
+            <a:off x="8990742" y="2742372"/>
+            <a:ext cx="960797" cy="1053506"/>
+          </a:xfrm>
+          <a:prstGeom prst="arc">
+            <a:avLst>
+              <a:gd name="adj1" fmla="val 10867139"/>
+              <a:gd name="adj2" fmla="val 16661881"/>
+            </a:avLst>
+          </a:prstGeom>
+          <a:ln w="76200" cap="rnd">
+            <a:solidFill>
+              <a:schemeClr val="tx1"/>
+            </a:solidFill>
+          </a:ln>
+        </p:spPr>
+        <p:style>
+          <a:lnRef idx="1">
+            <a:schemeClr val="accent1"/>
+          </a:lnRef>
+          <a:fillRef idx="0">
+            <a:schemeClr val="accent1"/>
+          </a:fillRef>
+          <a:effectRef idx="0">
+            <a:schemeClr val="accent1"/>
+          </a:effectRef>
+          <a:fontRef idx="minor">
+            <a:schemeClr val="tx1"/>
+          </a:fontRef>
+        </p:style>
+        <p:txBody>
+          <a:bodyPr rtlCol="0" anchor="ctr"/>
+          <a:lstStyle/>
+          <a:p>
+            <a:pPr algn="ctr"/>
+            <a:endParaRPr lang="en-US"/>
+          </a:p>
+        </p:txBody>
+      </p:sp>
+      <p:sp>
+        <p:nvSpPr>
+          <p:cNvPr id="37" name="Freeform 29">
+            <a:extLst>
+              <a:ext uri="{FF2B5EF4-FFF2-40B4-BE49-F238E27FC236}">
+                <a16:creationId xmlns:a16="http://schemas.microsoft.com/office/drawing/2014/main" id="{369D9E4C-93FF-4C0F-831C-AC33AF7434BE}"/>
+              </a:ext>
+            </a:extLst>
+          </p:cNvPr>
+          <p:cNvSpPr/>
+          <p:nvPr/>
+        </p:nvSpPr>
+        <p:spPr>
+          <a:xfrm>
+            <a:off x="8366228" y="3220139"/>
+            <a:ext cx="617952" cy="45719"/>
+          </a:xfrm>
+          <a:custGeom>
+            <a:avLst/>
+            <a:gdLst>
+              <a:gd name="connsiteX0" fmla="*/ 1403350 w 1403350"/>
+              <a:gd name="connsiteY0" fmla="*/ 0 h 0"/>
+              <a:gd name="connsiteX1" fmla="*/ 0 w 1403350"/>
+              <a:gd name="connsiteY1" fmla="*/ 0 h 0"/>
+            </a:gdLst>
+            <a:ahLst/>
+            <a:cxnLst>
+              <a:cxn ang="0">
+                <a:pos x="connsiteX0" y="connsiteY0"/>
+              </a:cxn>
+              <a:cxn ang="0">
+                <a:pos x="connsiteX1" y="connsiteY1"/>
+              </a:cxn>
+            </a:cxnLst>
+            <a:rect l="l" t="t" r="r" b="b"/>
+            <a:pathLst>
+              <a:path w="1403350">
+                <a:moveTo>
+                  <a:pt x="1403350" y="0"/>
+                </a:moveTo>
+                <a:lnTo>
+                  <a:pt x="0" y="0"/>
+                </a:lnTo>
+              </a:path>
+            </a:pathLst>
+          </a:custGeom>
+          <a:ln w="76200" cap="rnd">
+            <a:solidFill>
+              <a:schemeClr val="tx1"/>
+            </a:solidFill>
+          </a:ln>
+        </p:spPr>
+        <p:style>
+          <a:lnRef idx="1">
+            <a:schemeClr val="accent1"/>
+          </a:lnRef>
+          <a:fillRef idx="0">
+            <a:schemeClr val="accent1"/>
+          </a:fillRef>
+          <a:effectRef idx="0">
+            <a:schemeClr val="accent1"/>
+          </a:effectRef>
+          <a:fontRef idx="minor">
+            <a:schemeClr val="tx1"/>
+          </a:fontRef>
+        </p:style>
+        <p:txBody>
+          <a:bodyPr rtlCol="0" anchor="ctr"/>
+          <a:lstStyle/>
+          <a:p>
+            <a:pPr algn="ctr"/>
+            <a:endParaRPr lang="en-US"/>
+          </a:p>
+        </p:txBody>
+      </p:sp>
+      <p:sp>
+        <p:nvSpPr>
+          <p:cNvPr id="38" name="TextBox 55">
+            <a:extLst>
+              <a:ext uri="{FF2B5EF4-FFF2-40B4-BE49-F238E27FC236}">
+                <a16:creationId xmlns:a16="http://schemas.microsoft.com/office/drawing/2014/main" id="{64BAFBE8-FEE7-4D8C-AA95-84518CFBF170}"/>
+              </a:ext>
+            </a:extLst>
+          </p:cNvPr>
+          <p:cNvSpPr txBox="1"/>
+          <p:nvPr>
+            <p:custDataLst>
+              <p:tags r:id="rId2"/>
+            </p:custDataLst>
+          </p:nvPr>
+        </p:nvSpPr>
+        <p:spPr>
+          <a:xfrm>
+            <a:off x="10402717" y="991115"/>
+            <a:ext cx="1433619" cy="843303"/>
+          </a:xfrm>
+          <a:prstGeom prst="rect">
+            <a:avLst/>
+          </a:prstGeom>
+          <a:noFill/>
+        </p:spPr>
+        <p:txBody>
+          <a:bodyPr wrap="square" rtlCol="0" anchor="ctr">
+            <a:noAutofit/>
+          </a:bodyPr>
+          <a:lstStyle/>
+          <a:p>
+            <a:pPr algn="ctr"/>
+            <a:r>
+              <a:rPr lang="fr-CA" sz="1600" b="1" dirty="0" smtClean="0">
+                <a:solidFill>
+                  <a:srgbClr val="FFC000"/>
+                </a:solidFill>
+                <a:latin typeface="Arial" panose="020B0604020202020204" pitchFamily="34" charset="0"/>
+                <a:cs typeface="Arial" panose="020B0604020202020204" pitchFamily="34" charset="0"/>
+              </a:rPr>
+              <a:t>Suivi et évolution</a:t>
+            </a:r>
+            <a:endParaRPr lang="fr-CA" sz="1600" b="1" dirty="0">
+              <a:solidFill>
+                <a:srgbClr val="FFC000"/>
+              </a:solidFill>
+              <a:latin typeface="Arial" panose="020B0604020202020204" pitchFamily="34" charset="0"/>
+              <a:cs typeface="Arial" panose="020B0604020202020204" pitchFamily="34" charset="0"/>
+            </a:endParaRPr>
+          </a:p>
+        </p:txBody>
+      </p:sp>
+      <p:sp>
+        <p:nvSpPr>
+          <p:cNvPr id="39" name="Freeform 29">
+            <a:extLst>
+              <a:ext uri="{FF2B5EF4-FFF2-40B4-BE49-F238E27FC236}">
+                <a16:creationId xmlns:a16="http://schemas.microsoft.com/office/drawing/2014/main" id="{369D9E4C-93FF-4C0F-831C-AC33AF7434BE}"/>
+              </a:ext>
+            </a:extLst>
+          </p:cNvPr>
+          <p:cNvSpPr/>
+          <p:nvPr/>
+        </p:nvSpPr>
+        <p:spPr>
+          <a:xfrm>
+            <a:off x="10074887" y="3212424"/>
+            <a:ext cx="617952" cy="45719"/>
+          </a:xfrm>
+          <a:custGeom>
+            <a:avLst/>
+            <a:gdLst>
+              <a:gd name="connsiteX0" fmla="*/ 1403350 w 1403350"/>
+              <a:gd name="connsiteY0" fmla="*/ 0 h 0"/>
+              <a:gd name="connsiteX1" fmla="*/ 0 w 1403350"/>
+              <a:gd name="connsiteY1" fmla="*/ 0 h 0"/>
+            </a:gdLst>
+            <a:ahLst/>
+            <a:cxnLst>
+              <a:cxn ang="0">
+                <a:pos x="connsiteX0" y="connsiteY0"/>
+              </a:cxn>
+              <a:cxn ang="0">
+                <a:pos x="connsiteX1" y="connsiteY1"/>
+              </a:cxn>
+            </a:cxnLst>
+            <a:rect l="l" t="t" r="r" b="b"/>
+            <a:pathLst>
+              <a:path w="1403350">
+                <a:moveTo>
+                  <a:pt x="1403350" y="0"/>
+                </a:moveTo>
+                <a:lnTo>
+                  <a:pt x="0" y="0"/>
+                </a:lnTo>
+              </a:path>
+            </a:pathLst>
+          </a:custGeom>
+          <a:ln w="76200" cap="rnd">
+            <a:solidFill>
+              <a:srgbClr val="FFC000"/>
+            </a:solidFill>
+          </a:ln>
+        </p:spPr>
+        <p:style>
+          <a:lnRef idx="1">
+            <a:schemeClr val="accent1"/>
+          </a:lnRef>
+          <a:fillRef idx="0">
+            <a:schemeClr val="accent1"/>
+          </a:fillRef>
+          <a:effectRef idx="0">
+            <a:schemeClr val="accent1"/>
+          </a:effectRef>
+          <a:fontRef idx="minor">
+            <a:schemeClr val="tx1"/>
+          </a:fontRef>
+        </p:style>
+        <p:txBody>
+          <a:bodyPr rtlCol="0" anchor="ctr"/>
+          <a:lstStyle/>
+          <a:p>
+            <a:pPr algn="ctr"/>
+            <a:endParaRPr lang="en-US"/>
+          </a:p>
+        </p:txBody>
+      </p:sp>
+      <p:sp>
+        <p:nvSpPr>
+          <p:cNvPr id="40" name="TextBox 54"/>
+          <p:cNvSpPr txBox="1"/>
+          <p:nvPr>
+            <p:custDataLst>
+              <p:tags r:id="rId3"/>
+            </p:custDataLst>
+          </p:nvPr>
+        </p:nvSpPr>
+        <p:spPr>
+          <a:xfrm>
+            <a:off x="8667074" y="4525536"/>
+            <a:ext cx="1892916" cy="803823"/>
+          </a:xfrm>
+          <a:prstGeom prst="rect">
+            <a:avLst/>
+          </a:prstGeom>
+          <a:noFill/>
+        </p:spPr>
+        <p:txBody>
+          <a:bodyPr wrap="square" rtlCol="0" anchor="ctr">
+            <a:noAutofit/>
+          </a:bodyPr>
+          <a:lstStyle/>
+          <a:p>
+            <a:pPr algn="ctr"/>
+            <a:r>
+              <a:rPr lang="en-US" sz="1400" b="1" dirty="0" smtClean="0">
+                <a:latin typeface="Arial" panose="020B0604020202020204" pitchFamily="34" charset="0"/>
+                <a:cs typeface="Arial" panose="020B0604020202020204" pitchFamily="34" charset="0"/>
+              </a:rPr>
+              <a:t>Déploiement et mise en production</a:t>
+            </a:r>
+            <a:endParaRPr lang="en-US" sz="1400" b="1" dirty="0">
+              <a:latin typeface="Arial" panose="020B0604020202020204" pitchFamily="34" charset="0"/>
+              <a:cs typeface="Arial" panose="020B0604020202020204" pitchFamily="34" charset="0"/>
+            </a:endParaRPr>
+          </a:p>
+        </p:txBody>
+      </p:sp>
+      <p:sp>
+        <p:nvSpPr>
+          <p:cNvPr id="41" name="Freeform 58"/>
+          <p:cNvSpPr>
+            <a:spLocks noEditPoints="1"/>
+          </p:cNvSpPr>
+          <p:nvPr/>
+        </p:nvSpPr>
+        <p:spPr bwMode="auto">
+          <a:xfrm>
+            <a:off x="9281640" y="3070429"/>
+            <a:ext cx="451381" cy="434245"/>
+          </a:xfrm>
+          <a:custGeom>
+            <a:avLst/>
+            <a:gdLst>
+              <a:gd name="T0" fmla="*/ 52 w 105"/>
+              <a:gd name="T1" fmla="*/ 47 h 104"/>
+              <a:gd name="T2" fmla="*/ 52 w 105"/>
+              <a:gd name="T3" fmla="*/ 58 h 104"/>
+              <a:gd name="T4" fmla="*/ 52 w 105"/>
+              <a:gd name="T5" fmla="*/ 38 h 104"/>
+              <a:gd name="T6" fmla="*/ 52 w 105"/>
+              <a:gd name="T7" fmla="*/ 67 h 104"/>
+              <a:gd name="T8" fmla="*/ 52 w 105"/>
+              <a:gd name="T9" fmla="*/ 38 h 104"/>
+              <a:gd name="T10" fmla="*/ 19 w 105"/>
+              <a:gd name="T11" fmla="*/ 71 h 104"/>
+              <a:gd name="T12" fmla="*/ 12 w 105"/>
+              <a:gd name="T13" fmla="*/ 85 h 104"/>
+              <a:gd name="T14" fmla="*/ 26 w 105"/>
+              <a:gd name="T15" fmla="*/ 93 h 104"/>
+              <a:gd name="T16" fmla="*/ 42 w 105"/>
+              <a:gd name="T17" fmla="*/ 90 h 104"/>
+              <a:gd name="T18" fmla="*/ 47 w 105"/>
+              <a:gd name="T19" fmla="*/ 104 h 104"/>
+              <a:gd name="T20" fmla="*/ 62 w 105"/>
+              <a:gd name="T21" fmla="*/ 99 h 104"/>
+              <a:gd name="T22" fmla="*/ 72 w 105"/>
+              <a:gd name="T23" fmla="*/ 86 h 104"/>
+              <a:gd name="T24" fmla="*/ 86 w 105"/>
+              <a:gd name="T25" fmla="*/ 93 h 104"/>
+              <a:gd name="T26" fmla="*/ 93 w 105"/>
+              <a:gd name="T27" fmla="*/ 79 h 104"/>
+              <a:gd name="T28" fmla="*/ 90 w 105"/>
+              <a:gd name="T29" fmla="*/ 63 h 104"/>
+              <a:gd name="T30" fmla="*/ 105 w 105"/>
+              <a:gd name="T31" fmla="*/ 57 h 104"/>
+              <a:gd name="T32" fmla="*/ 100 w 105"/>
+              <a:gd name="T33" fmla="*/ 42 h 104"/>
+              <a:gd name="T34" fmla="*/ 86 w 105"/>
+              <a:gd name="T35" fmla="*/ 33 h 104"/>
+              <a:gd name="T36" fmla="*/ 93 w 105"/>
+              <a:gd name="T37" fmla="*/ 19 h 104"/>
+              <a:gd name="T38" fmla="*/ 79 w 105"/>
+              <a:gd name="T39" fmla="*/ 12 h 104"/>
+              <a:gd name="T40" fmla="*/ 63 w 105"/>
+              <a:gd name="T41" fmla="*/ 15 h 104"/>
+              <a:gd name="T42" fmla="*/ 58 w 105"/>
+              <a:gd name="T43" fmla="*/ 0 h 104"/>
+              <a:gd name="T44" fmla="*/ 42 w 105"/>
+              <a:gd name="T45" fmla="*/ 5 h 104"/>
+              <a:gd name="T46" fmla="*/ 33 w 105"/>
+              <a:gd name="T47" fmla="*/ 18 h 104"/>
+              <a:gd name="T48" fmla="*/ 19 w 105"/>
+              <a:gd name="T49" fmla="*/ 12 h 104"/>
+              <a:gd name="T50" fmla="*/ 12 w 105"/>
+              <a:gd name="T51" fmla="*/ 26 h 104"/>
+              <a:gd name="T52" fmla="*/ 15 w 105"/>
+              <a:gd name="T53" fmla="*/ 42 h 104"/>
+              <a:gd name="T54" fmla="*/ 0 w 105"/>
+              <a:gd name="T55" fmla="*/ 47 h 104"/>
+              <a:gd name="T56" fmla="*/ 5 w 105"/>
+              <a:gd name="T57" fmla="*/ 62 h 104"/>
+              <a:gd name="T58" fmla="*/ 52 w 105"/>
+              <a:gd name="T59" fmla="*/ 29 h 104"/>
+              <a:gd name="T60" fmla="*/ 52 w 105"/>
+              <a:gd name="T61" fmla="*/ 76 h 104"/>
+              <a:gd name="T62" fmla="*/ 52 w 105"/>
+              <a:gd name="T63" fmla="*/ 29 h 104"/>
+            </a:gdLst>
+            <a:ahLst/>
+            <a:cxnLst>
+              <a:cxn ang="0">
+                <a:pos x="T0" y="T1"/>
+              </a:cxn>
+              <a:cxn ang="0">
+                <a:pos x="T2" y="T3"/>
+              </a:cxn>
+              <a:cxn ang="0">
+                <a:pos x="T4" y="T5"/>
+              </a:cxn>
+              <a:cxn ang="0">
+                <a:pos x="T6" y="T7"/>
+              </a:cxn>
+              <a:cxn ang="0">
+                <a:pos x="T8" y="T9"/>
+              </a:cxn>
+              <a:cxn ang="0">
+                <a:pos x="T10" y="T11"/>
+              </a:cxn>
+              <a:cxn ang="0">
+                <a:pos x="T12" y="T13"/>
+              </a:cxn>
+              <a:cxn ang="0">
+                <a:pos x="T14" y="T15"/>
+              </a:cxn>
+              <a:cxn ang="0">
+                <a:pos x="T16" y="T17"/>
+              </a:cxn>
+              <a:cxn ang="0">
+                <a:pos x="T18" y="T19"/>
+              </a:cxn>
+              <a:cxn ang="0">
+                <a:pos x="T20" y="T21"/>
+              </a:cxn>
+              <a:cxn ang="0">
+                <a:pos x="T22" y="T23"/>
+              </a:cxn>
+              <a:cxn ang="0">
+                <a:pos x="T24" y="T25"/>
+              </a:cxn>
+              <a:cxn ang="0">
+                <a:pos x="T26" y="T27"/>
+              </a:cxn>
+              <a:cxn ang="0">
+                <a:pos x="T28" y="T29"/>
+              </a:cxn>
+              <a:cxn ang="0">
+                <a:pos x="T30" y="T31"/>
+              </a:cxn>
+              <a:cxn ang="0">
+                <a:pos x="T32" y="T33"/>
+              </a:cxn>
+              <a:cxn ang="0">
+                <a:pos x="T34" y="T35"/>
+              </a:cxn>
+              <a:cxn ang="0">
+                <a:pos x="T36" y="T37"/>
+              </a:cxn>
+              <a:cxn ang="0">
+                <a:pos x="T38" y="T39"/>
+              </a:cxn>
+              <a:cxn ang="0">
+                <a:pos x="T40" y="T41"/>
+              </a:cxn>
+              <a:cxn ang="0">
+                <a:pos x="T42" y="T43"/>
+              </a:cxn>
+              <a:cxn ang="0">
+                <a:pos x="T44" y="T45"/>
+              </a:cxn>
+              <a:cxn ang="0">
+                <a:pos x="T46" y="T47"/>
+              </a:cxn>
+              <a:cxn ang="0">
+                <a:pos x="T48" y="T49"/>
+              </a:cxn>
+              <a:cxn ang="0">
+                <a:pos x="T50" y="T51"/>
+              </a:cxn>
+              <a:cxn ang="0">
+                <a:pos x="T52" y="T53"/>
+              </a:cxn>
+              <a:cxn ang="0">
+                <a:pos x="T54" y="T55"/>
+              </a:cxn>
+              <a:cxn ang="0">
+                <a:pos x="T56" y="T57"/>
+              </a:cxn>
+              <a:cxn ang="0">
+                <a:pos x="T58" y="T59"/>
+              </a:cxn>
+              <a:cxn ang="0">
+                <a:pos x="T60" y="T61"/>
+              </a:cxn>
+              <a:cxn ang="0">
+                <a:pos x="T62" y="T63"/>
+              </a:cxn>
+            </a:cxnLst>
+            <a:rect l="0" t="0" r="r" b="b"/>
+            <a:pathLst>
+              <a:path w="105" h="104">
+                <a:moveTo>
+                  <a:pt x="47" y="52"/>
+                </a:moveTo>
+                <a:cubicBezTo>
+                  <a:pt x="47" y="49"/>
+                  <a:pt x="49" y="47"/>
+                  <a:pt x="52" y="47"/>
+                </a:cubicBezTo>
+                <a:cubicBezTo>
+                  <a:pt x="56" y="47"/>
+                  <a:pt x="58" y="49"/>
+                  <a:pt x="58" y="52"/>
+                </a:cubicBezTo>
+                <a:cubicBezTo>
+                  <a:pt x="58" y="55"/>
+                  <a:pt x="56" y="58"/>
+                  <a:pt x="52" y="58"/>
+                </a:cubicBezTo>
+                <a:cubicBezTo>
+                  <a:pt x="49" y="58"/>
+                  <a:pt x="47" y="55"/>
+                  <a:pt x="47" y="52"/>
+                </a:cubicBezTo>
+                <a:close/>
+                <a:moveTo>
+                  <a:pt x="52" y="38"/>
+                </a:moveTo>
+                <a:cubicBezTo>
+                  <a:pt x="44" y="38"/>
+                  <a:pt x="38" y="44"/>
+                  <a:pt x="38" y="52"/>
+                </a:cubicBezTo>
+                <a:cubicBezTo>
+                  <a:pt x="38" y="60"/>
+                  <a:pt x="44" y="67"/>
+                  <a:pt x="52" y="67"/>
+                </a:cubicBezTo>
+                <a:cubicBezTo>
+                  <a:pt x="60" y="67"/>
+                  <a:pt x="67" y="60"/>
+                  <a:pt x="67" y="52"/>
+                </a:cubicBezTo>
+                <a:cubicBezTo>
+                  <a:pt x="67" y="44"/>
+                  <a:pt x="60" y="38"/>
+                  <a:pt x="52" y="38"/>
+                </a:cubicBezTo>
+                <a:close/>
+                <a:moveTo>
+                  <a:pt x="15" y="63"/>
+                </a:moveTo>
+                <a:cubicBezTo>
+                  <a:pt x="16" y="66"/>
+                  <a:pt x="17" y="69"/>
+                  <a:pt x="19" y="71"/>
+                </a:cubicBezTo>
+                <a:cubicBezTo>
+                  <a:pt x="12" y="79"/>
+                  <a:pt x="12" y="79"/>
+                  <a:pt x="12" y="79"/>
+                </a:cubicBezTo>
+                <a:cubicBezTo>
+                  <a:pt x="10" y="80"/>
+                  <a:pt x="10" y="84"/>
+                  <a:pt x="12" y="85"/>
+                </a:cubicBezTo>
+                <a:cubicBezTo>
+                  <a:pt x="19" y="93"/>
+                  <a:pt x="19" y="93"/>
+                  <a:pt x="19" y="93"/>
+                </a:cubicBezTo>
+                <a:cubicBezTo>
+                  <a:pt x="21" y="95"/>
+                  <a:pt x="24" y="95"/>
+                  <a:pt x="26" y="93"/>
+                </a:cubicBezTo>
+                <a:cubicBezTo>
+                  <a:pt x="33" y="86"/>
+                  <a:pt x="33" y="86"/>
+                  <a:pt x="33" y="86"/>
+                </a:cubicBezTo>
+                <a:cubicBezTo>
+                  <a:pt x="36" y="88"/>
+                  <a:pt x="39" y="89"/>
+                  <a:pt x="42" y="90"/>
+                </a:cubicBezTo>
+                <a:cubicBezTo>
+                  <a:pt x="42" y="99"/>
+                  <a:pt x="42" y="99"/>
+                  <a:pt x="42" y="99"/>
+                </a:cubicBezTo>
+                <a:cubicBezTo>
+                  <a:pt x="42" y="102"/>
+                  <a:pt x="45" y="104"/>
+                  <a:pt x="47" y="104"/>
+                </a:cubicBezTo>
+                <a:cubicBezTo>
+                  <a:pt x="58" y="104"/>
+                  <a:pt x="58" y="104"/>
+                  <a:pt x="58" y="104"/>
+                </a:cubicBezTo>
+                <a:cubicBezTo>
+                  <a:pt x="60" y="104"/>
+                  <a:pt x="62" y="102"/>
+                  <a:pt x="62" y="99"/>
+                </a:cubicBezTo>
+                <a:cubicBezTo>
+                  <a:pt x="63" y="90"/>
+                  <a:pt x="63" y="90"/>
+                  <a:pt x="63" y="90"/>
+                </a:cubicBezTo>
+                <a:cubicBezTo>
+                  <a:pt x="66" y="89"/>
+                  <a:pt x="69" y="88"/>
+                  <a:pt x="72" y="86"/>
+                </a:cubicBezTo>
+                <a:cubicBezTo>
+                  <a:pt x="79" y="93"/>
+                  <a:pt x="79" y="93"/>
+                  <a:pt x="79" y="93"/>
+                </a:cubicBezTo>
+                <a:cubicBezTo>
+                  <a:pt x="81" y="95"/>
+                  <a:pt x="84" y="95"/>
+                  <a:pt x="86" y="93"/>
+                </a:cubicBezTo>
+                <a:cubicBezTo>
+                  <a:pt x="93" y="85"/>
+                  <a:pt x="93" y="85"/>
+                  <a:pt x="93" y="85"/>
+                </a:cubicBezTo>
+                <a:cubicBezTo>
+                  <a:pt x="95" y="84"/>
+                  <a:pt x="95" y="80"/>
+                  <a:pt x="93" y="79"/>
+                </a:cubicBezTo>
+                <a:cubicBezTo>
+                  <a:pt x="86" y="71"/>
+                  <a:pt x="86" y="71"/>
+                  <a:pt x="86" y="71"/>
+                </a:cubicBezTo>
+                <a:cubicBezTo>
+                  <a:pt x="88" y="69"/>
+                  <a:pt x="89" y="66"/>
+                  <a:pt x="90" y="63"/>
+                </a:cubicBezTo>
+                <a:cubicBezTo>
+                  <a:pt x="100" y="62"/>
+                  <a:pt x="100" y="62"/>
+                  <a:pt x="100" y="62"/>
+                </a:cubicBezTo>
+                <a:cubicBezTo>
+                  <a:pt x="102" y="62"/>
+                  <a:pt x="105" y="60"/>
+                  <a:pt x="105" y="57"/>
+                </a:cubicBezTo>
+                <a:cubicBezTo>
+                  <a:pt x="105" y="47"/>
+                  <a:pt x="105" y="47"/>
+                  <a:pt x="105" y="47"/>
+                </a:cubicBezTo>
+                <a:cubicBezTo>
+                  <a:pt x="105" y="44"/>
+                  <a:pt x="102" y="42"/>
+                  <a:pt x="100" y="42"/>
+                </a:cubicBezTo>
+                <a:cubicBezTo>
+                  <a:pt x="90" y="42"/>
+                  <a:pt x="90" y="42"/>
+                  <a:pt x="90" y="42"/>
+                </a:cubicBezTo>
+                <a:cubicBezTo>
+                  <a:pt x="89" y="39"/>
+                  <a:pt x="88" y="36"/>
+                  <a:pt x="86" y="33"/>
+                </a:cubicBezTo>
+                <a:cubicBezTo>
+                  <a:pt x="93" y="26"/>
+                  <a:pt x="93" y="26"/>
+                  <a:pt x="93" y="26"/>
+                </a:cubicBezTo>
+                <a:cubicBezTo>
+                  <a:pt x="95" y="24"/>
+                  <a:pt x="95" y="21"/>
+                  <a:pt x="93" y="19"/>
+                </a:cubicBezTo>
+                <a:cubicBezTo>
+                  <a:pt x="86" y="12"/>
+                  <a:pt x="86" y="12"/>
+                  <a:pt x="86" y="12"/>
+                </a:cubicBezTo>
+                <a:cubicBezTo>
+                  <a:pt x="84" y="10"/>
+                  <a:pt x="81" y="10"/>
+                  <a:pt x="79" y="12"/>
+                </a:cubicBezTo>
+                <a:cubicBezTo>
+                  <a:pt x="72" y="18"/>
+                  <a:pt x="72" y="18"/>
+                  <a:pt x="72" y="18"/>
+                </a:cubicBezTo>
+                <a:cubicBezTo>
+                  <a:pt x="69" y="17"/>
+                  <a:pt x="66" y="16"/>
+                  <a:pt x="63" y="15"/>
+                </a:cubicBezTo>
+                <a:cubicBezTo>
+                  <a:pt x="62" y="5"/>
+                  <a:pt x="62" y="5"/>
+                  <a:pt x="62" y="5"/>
+                </a:cubicBezTo>
+                <a:cubicBezTo>
+                  <a:pt x="62" y="2"/>
+                  <a:pt x="60" y="0"/>
+                  <a:pt x="58" y="0"/>
+                </a:cubicBezTo>
+                <a:cubicBezTo>
+                  <a:pt x="47" y="0"/>
+                  <a:pt x="47" y="0"/>
+                  <a:pt x="47" y="0"/>
+                </a:cubicBezTo>
+                <a:cubicBezTo>
+                  <a:pt x="45" y="0"/>
+                  <a:pt x="42" y="2"/>
+                  <a:pt x="42" y="5"/>
+                </a:cubicBezTo>
+                <a:cubicBezTo>
+                  <a:pt x="42" y="15"/>
+                  <a:pt x="42" y="15"/>
+                  <a:pt x="42" y="15"/>
+                </a:cubicBezTo>
+                <a:cubicBezTo>
+                  <a:pt x="39" y="16"/>
+                  <a:pt x="36" y="17"/>
+                  <a:pt x="33" y="18"/>
+                </a:cubicBezTo>
+                <a:cubicBezTo>
+                  <a:pt x="26" y="12"/>
+                  <a:pt x="26" y="12"/>
+                  <a:pt x="26" y="12"/>
+                </a:cubicBezTo>
+                <a:cubicBezTo>
+                  <a:pt x="24" y="10"/>
+                  <a:pt x="21" y="10"/>
+                  <a:pt x="19" y="12"/>
+                </a:cubicBezTo>
+                <a:cubicBezTo>
+                  <a:pt x="12" y="19"/>
+                  <a:pt x="12" y="19"/>
+                  <a:pt x="12" y="19"/>
+                </a:cubicBezTo>
+                <a:cubicBezTo>
+                  <a:pt x="10" y="21"/>
+                  <a:pt x="10" y="24"/>
+                  <a:pt x="12" y="26"/>
+                </a:cubicBezTo>
+                <a:cubicBezTo>
+                  <a:pt x="19" y="33"/>
+                  <a:pt x="19" y="33"/>
+                  <a:pt x="19" y="33"/>
+                </a:cubicBezTo>
+                <a:cubicBezTo>
+                  <a:pt x="17" y="36"/>
+                  <a:pt x="16" y="39"/>
+                  <a:pt x="15" y="42"/>
+                </a:cubicBezTo>
+                <a:cubicBezTo>
+                  <a:pt x="5" y="42"/>
+                  <a:pt x="5" y="42"/>
+                  <a:pt x="5" y="42"/>
+                </a:cubicBezTo>
+                <a:cubicBezTo>
+                  <a:pt x="3" y="42"/>
+                  <a:pt x="0" y="44"/>
+                  <a:pt x="0" y="47"/>
+                </a:cubicBezTo>
+                <a:cubicBezTo>
+                  <a:pt x="0" y="57"/>
+                  <a:pt x="0" y="57"/>
+                  <a:pt x="0" y="57"/>
+                </a:cubicBezTo>
+                <a:cubicBezTo>
+                  <a:pt x="0" y="60"/>
+                  <a:pt x="3" y="62"/>
+                  <a:pt x="5" y="62"/>
+                </a:cubicBezTo>
+                <a:lnTo>
+                  <a:pt x="15" y="63"/>
+                </a:lnTo>
+                <a:close/>
+                <a:moveTo>
+                  <a:pt x="52" y="29"/>
+                </a:moveTo>
+                <a:cubicBezTo>
+                  <a:pt x="65" y="29"/>
+                  <a:pt x="76" y="39"/>
+                  <a:pt x="76" y="52"/>
+                </a:cubicBezTo>
+                <a:cubicBezTo>
+                  <a:pt x="76" y="65"/>
+                  <a:pt x="65" y="76"/>
+                  <a:pt x="52" y="76"/>
+                </a:cubicBezTo>
+                <a:cubicBezTo>
+                  <a:pt x="40" y="76"/>
+                  <a:pt x="29" y="65"/>
+                  <a:pt x="29" y="52"/>
+                </a:cubicBezTo>
+                <a:cubicBezTo>
+                  <a:pt x="29" y="39"/>
+                  <a:pt x="40" y="29"/>
+                  <a:pt x="52" y="29"/>
+                </a:cubicBezTo>
+                <a:close/>
+              </a:path>
+            </a:pathLst>
+          </a:custGeom>
+          <a:solidFill>
+            <a:schemeClr val="tx1"/>
+          </a:solidFill>
+          <a:ln>
+            <a:noFill/>
+          </a:ln>
+        </p:spPr>
+        <p:txBody>
+          <a:bodyPr vert="horz" wrap="square" lIns="91440" tIns="45720" rIns="91440" bIns="45720" numCol="1" anchor="t" anchorCtr="0" compatLnSpc="1">
+            <a:prstTxWarp prst="textNoShape">
+              <a:avLst/>
+            </a:prstTxWarp>
+          </a:bodyPr>
+          <a:lstStyle/>
+          <a:p>
+            <a:endParaRPr lang="en-US"/>
+          </a:p>
+        </p:txBody>
+      </p:sp>
+      <p:sp>
+        <p:nvSpPr>
+          <p:cNvPr id="42" name="Freeform 56"/>
+          <p:cNvSpPr>
+            <a:spLocks noEditPoints="1"/>
+          </p:cNvSpPr>
+          <p:nvPr/>
+        </p:nvSpPr>
+        <p:spPr bwMode="auto">
+          <a:xfrm>
+            <a:off x="2644611" y="3167300"/>
+            <a:ext cx="365838" cy="443071"/>
+          </a:xfrm>
+          <a:custGeom>
+            <a:avLst/>
+            <a:gdLst>
+              <a:gd name="T0" fmla="*/ 9 w 85"/>
+              <a:gd name="T1" fmla="*/ 0 h 106"/>
+              <a:gd name="T2" fmla="*/ 0 w 85"/>
+              <a:gd name="T3" fmla="*/ 9 h 106"/>
+              <a:gd name="T4" fmla="*/ 0 w 85"/>
+              <a:gd name="T5" fmla="*/ 98 h 106"/>
+              <a:gd name="T6" fmla="*/ 9 w 85"/>
+              <a:gd name="T7" fmla="*/ 106 h 106"/>
+              <a:gd name="T8" fmla="*/ 76 w 85"/>
+              <a:gd name="T9" fmla="*/ 106 h 106"/>
+              <a:gd name="T10" fmla="*/ 85 w 85"/>
+              <a:gd name="T11" fmla="*/ 98 h 106"/>
+              <a:gd name="T12" fmla="*/ 85 w 85"/>
+              <a:gd name="T13" fmla="*/ 31 h 106"/>
+              <a:gd name="T14" fmla="*/ 81 w 85"/>
+              <a:gd name="T15" fmla="*/ 23 h 106"/>
+              <a:gd name="T16" fmla="*/ 61 w 85"/>
+              <a:gd name="T17" fmla="*/ 3 h 106"/>
+              <a:gd name="T18" fmla="*/ 54 w 85"/>
+              <a:gd name="T19" fmla="*/ 0 h 106"/>
+              <a:gd name="T20" fmla="*/ 9 w 85"/>
+              <a:gd name="T21" fmla="*/ 0 h 106"/>
+              <a:gd name="T22" fmla="*/ 40 w 85"/>
+              <a:gd name="T23" fmla="*/ 16 h 106"/>
+              <a:gd name="T24" fmla="*/ 45 w 85"/>
+              <a:gd name="T25" fmla="*/ 11 h 106"/>
+              <a:gd name="T26" fmla="*/ 49 w 85"/>
+              <a:gd name="T27" fmla="*/ 16 h 106"/>
+              <a:gd name="T28" fmla="*/ 49 w 85"/>
+              <a:gd name="T29" fmla="*/ 32 h 106"/>
+              <a:gd name="T30" fmla="*/ 52 w 85"/>
+              <a:gd name="T31" fmla="*/ 36 h 106"/>
+              <a:gd name="T32" fmla="*/ 69 w 85"/>
+              <a:gd name="T33" fmla="*/ 36 h 106"/>
+              <a:gd name="T34" fmla="*/ 73 w 85"/>
+              <a:gd name="T35" fmla="*/ 40 h 106"/>
+              <a:gd name="T36" fmla="*/ 69 w 85"/>
+              <a:gd name="T37" fmla="*/ 44 h 106"/>
+              <a:gd name="T38" fmla="*/ 49 w 85"/>
+              <a:gd name="T39" fmla="*/ 44 h 106"/>
+              <a:gd name="T40" fmla="*/ 40 w 85"/>
+              <a:gd name="T41" fmla="*/ 36 h 106"/>
+              <a:gd name="T42" fmla="*/ 40 w 85"/>
+              <a:gd name="T43" fmla="*/ 16 h 106"/>
+            </a:gdLst>
+            <a:ahLst/>
+            <a:cxnLst>
+              <a:cxn ang="0">
+                <a:pos x="T0" y="T1"/>
+              </a:cxn>
+              <a:cxn ang="0">
+                <a:pos x="T2" y="T3"/>
+              </a:cxn>
+              <a:cxn ang="0">
+                <a:pos x="T4" y="T5"/>
+              </a:cxn>
+              <a:cxn ang="0">
+                <a:pos x="T6" y="T7"/>
+              </a:cxn>
+              <a:cxn ang="0">
+                <a:pos x="T8" y="T9"/>
+              </a:cxn>
+              <a:cxn ang="0">
+                <a:pos x="T10" y="T11"/>
+              </a:cxn>
+              <a:cxn ang="0">
+                <a:pos x="T12" y="T13"/>
+              </a:cxn>
+              <a:cxn ang="0">
+                <a:pos x="T14" y="T15"/>
+              </a:cxn>
+              <a:cxn ang="0">
+                <a:pos x="T16" y="T17"/>
+              </a:cxn>
+              <a:cxn ang="0">
+                <a:pos x="T18" y="T19"/>
+              </a:cxn>
+              <a:cxn ang="0">
+                <a:pos x="T20" y="T21"/>
+              </a:cxn>
+              <a:cxn ang="0">
+                <a:pos x="T22" y="T23"/>
+              </a:cxn>
+              <a:cxn ang="0">
+                <a:pos x="T24" y="T25"/>
+              </a:cxn>
+              <a:cxn ang="0">
+                <a:pos x="T26" y="T27"/>
+              </a:cxn>
+              <a:cxn ang="0">
+                <a:pos x="T28" y="T29"/>
+              </a:cxn>
+              <a:cxn ang="0">
+                <a:pos x="T30" y="T31"/>
+              </a:cxn>
+              <a:cxn ang="0">
+                <a:pos x="T32" y="T33"/>
+              </a:cxn>
+              <a:cxn ang="0">
+                <a:pos x="T34" y="T35"/>
+              </a:cxn>
+              <a:cxn ang="0">
+                <a:pos x="T36" y="T37"/>
+              </a:cxn>
+              <a:cxn ang="0">
+                <a:pos x="T38" y="T39"/>
+              </a:cxn>
+              <a:cxn ang="0">
+                <a:pos x="T40" y="T41"/>
+              </a:cxn>
+              <a:cxn ang="0">
+                <a:pos x="T42" y="T43"/>
+              </a:cxn>
+            </a:cxnLst>
+            <a:rect l="0" t="0" r="r" b="b"/>
+            <a:pathLst>
+              <a:path w="85" h="106">
+                <a:moveTo>
+                  <a:pt x="9" y="0"/>
+                </a:moveTo>
+                <a:cubicBezTo>
+                  <a:pt x="4" y="0"/>
+                  <a:pt x="0" y="4"/>
+                  <a:pt x="0" y="9"/>
+                </a:cubicBezTo>
+                <a:cubicBezTo>
+                  <a:pt x="0" y="98"/>
+                  <a:pt x="0" y="98"/>
+                  <a:pt x="0" y="98"/>
+                </a:cubicBezTo>
+                <a:cubicBezTo>
+                  <a:pt x="0" y="103"/>
+                  <a:pt x="4" y="106"/>
+                  <a:pt x="9" y="106"/>
+                </a:cubicBezTo>
+                <a:cubicBezTo>
+                  <a:pt x="76" y="106"/>
+                  <a:pt x="76" y="106"/>
+                  <a:pt x="76" y="106"/>
+                </a:cubicBezTo>
+                <a:cubicBezTo>
+                  <a:pt x="81" y="106"/>
+                  <a:pt x="85" y="103"/>
+                  <a:pt x="85" y="98"/>
+                </a:cubicBezTo>
+                <a:cubicBezTo>
+                  <a:pt x="85" y="31"/>
+                  <a:pt x="85" y="31"/>
+                  <a:pt x="85" y="31"/>
+                </a:cubicBezTo>
+                <a:cubicBezTo>
+                  <a:pt x="85" y="28"/>
+                  <a:pt x="83" y="25"/>
+                  <a:pt x="81" y="23"/>
+                </a:cubicBezTo>
+                <a:cubicBezTo>
+                  <a:pt x="61" y="3"/>
+                  <a:pt x="61" y="3"/>
+                  <a:pt x="61" y="3"/>
+                </a:cubicBezTo>
+                <a:cubicBezTo>
+                  <a:pt x="59" y="1"/>
+                  <a:pt x="57" y="0"/>
+                  <a:pt x="54" y="0"/>
+                </a:cubicBezTo>
+                <a:lnTo>
+                  <a:pt x="9" y="0"/>
+                </a:lnTo>
+                <a:close/>
+                <a:moveTo>
+                  <a:pt x="40" y="16"/>
+                </a:moveTo>
+                <a:cubicBezTo>
+                  <a:pt x="40" y="13"/>
+                  <a:pt x="42" y="11"/>
+                  <a:pt x="45" y="11"/>
+                </a:cubicBezTo>
+                <a:cubicBezTo>
+                  <a:pt x="47" y="11"/>
+                  <a:pt x="49" y="13"/>
+                  <a:pt x="49" y="16"/>
+                </a:cubicBezTo>
+                <a:cubicBezTo>
+                  <a:pt x="49" y="32"/>
+                  <a:pt x="49" y="32"/>
+                  <a:pt x="49" y="32"/>
+                </a:cubicBezTo>
+                <a:cubicBezTo>
+                  <a:pt x="49" y="34"/>
+                  <a:pt x="51" y="36"/>
+                  <a:pt x="52" y="36"/>
+                </a:cubicBezTo>
+                <a:cubicBezTo>
+                  <a:pt x="69" y="36"/>
+                  <a:pt x="69" y="36"/>
+                  <a:pt x="69" y="36"/>
+                </a:cubicBezTo>
+                <a:cubicBezTo>
+                  <a:pt x="71" y="36"/>
+                  <a:pt x="73" y="38"/>
+                  <a:pt x="73" y="40"/>
+                </a:cubicBezTo>
+                <a:cubicBezTo>
+                  <a:pt x="73" y="42"/>
+                  <a:pt x="71" y="44"/>
+                  <a:pt x="69" y="44"/>
+                </a:cubicBezTo>
+                <a:cubicBezTo>
+                  <a:pt x="49" y="44"/>
+                  <a:pt x="49" y="44"/>
+                  <a:pt x="49" y="44"/>
+                </a:cubicBezTo>
+                <a:cubicBezTo>
+                  <a:pt x="44" y="44"/>
+                  <a:pt x="40" y="40"/>
+                  <a:pt x="40" y="36"/>
+                </a:cubicBezTo>
+                <a:lnTo>
+                  <a:pt x="40" y="16"/>
+                </a:lnTo>
+                <a:close/>
+              </a:path>
+            </a:pathLst>
+          </a:custGeom>
+          <a:solidFill>
+            <a:srgbClr val="47B0B7"/>
+          </a:solidFill>
+          <a:ln>
+            <a:noFill/>
+          </a:ln>
+        </p:spPr>
+        <p:txBody>
+          <a:bodyPr vert="horz" wrap="square" lIns="91440" tIns="45720" rIns="91440" bIns="45720" numCol="1" anchor="t" anchorCtr="0" compatLnSpc="1">
+            <a:prstTxWarp prst="textNoShape">
+              <a:avLst/>
+            </a:prstTxWarp>
+          </a:bodyPr>
+          <a:lstStyle/>
+          <a:p>
+            <a:endParaRPr lang="en-US"/>
+          </a:p>
+        </p:txBody>
+      </p:sp>
+      <p:pic>
+        <p:nvPicPr>
+          <p:cNvPr id="43" name="Graphic 61" descr="Internet outline">
+            <a:extLst>
+              <a:ext uri="{FF2B5EF4-FFF2-40B4-BE49-F238E27FC236}">
+                <a16:creationId xmlns:a16="http://schemas.microsoft.com/office/drawing/2014/main" id="{DB81E821-6C2E-12DF-9198-7625C1E5A45C}"/>
+              </a:ext>
+            </a:extLst>
+          </p:cNvPr>
+          <p:cNvPicPr>
+            <a:picLocks noChangeAspect="1"/>
+          </p:cNvPicPr>
+          <p:nvPr/>
+        </p:nvPicPr>
+        <p:blipFill>
+          <a:blip r:embed="rId17" cstate="print">
+            <a:duotone>
+              <a:schemeClr val="accent6">
+                <a:shade val="45000"/>
+                <a:satMod val="135000"/>
+              </a:schemeClr>
+              <a:prstClr val="white"/>
+            </a:duotone>
+            <a:extLst>
+              <a:ext uri="{BEBA8EAE-BF5A-486C-A8C5-ECC9F3942E4B}">
+                <a14:imgProps xmlns:a14="http://schemas.microsoft.com/office/drawing/2010/main">
+                  <a14:imgLayer r:embed="rId18">
+                    <a14:imgEffect>
+                      <a14:artisticGlowEdges/>
+                    </a14:imgEffect>
+                  </a14:imgLayer>
+                </a14:imgProps>
+              </a:ext>
+              <a:ext uri="{28A0092B-C50C-407E-A947-70E740481C1C}">
+                <a14:useLocalDpi xmlns:a14="http://schemas.microsoft.com/office/drawing/2010/main" val="0"/>
+              </a:ext>
+              <a:ext uri="{96DAC541-7B7A-43D3-8B79-37D633B846F1}">
+                <asvg:svgBlip xmlns="" xmlns:asvg="http://schemas.microsoft.com/office/drawing/2016/SVG/main" r:embed="rId16"/>
+              </a:ext>
+            </a:extLst>
+          </a:blip>
+          <a:stretch>
+            <a:fillRect/>
+          </a:stretch>
+        </p:blipFill>
+        <p:spPr>
+          <a:xfrm>
+            <a:off x="5833104" y="3060955"/>
+            <a:ext cx="532527" cy="532527"/>
+          </a:xfrm>
+          <a:prstGeom prst="rect">
+            <a:avLst/>
+          </a:prstGeom>
+        </p:spPr>
+      </p:pic>
+      <p:pic>
+        <p:nvPicPr>
+          <p:cNvPr id="44" name="Graphic 61">
+            <a:extLst>
+              <a:ext uri="{FF2B5EF4-FFF2-40B4-BE49-F238E27FC236}">
+                <a16:creationId xmlns:a16="http://schemas.microsoft.com/office/drawing/2014/main" id="{DB81E821-6C2E-12DF-9198-7625C1E5A45C}"/>
+              </a:ext>
+            </a:extLst>
+          </p:cNvPr>
+          <p:cNvPicPr>
+            <a:picLocks noChangeAspect="1"/>
+          </p:cNvPicPr>
+          <p:nvPr/>
+        </p:nvPicPr>
+        <p:blipFill>
+          <a:blip r:embed="rId19" cstate="print">
+            <a:extLst>
+              <a:ext uri="{28A0092B-C50C-407E-A947-70E740481C1C}">
+                <a14:useLocalDpi xmlns:a14="http://schemas.microsoft.com/office/drawing/2010/main" val="0"/>
+              </a:ext>
+            </a:extLst>
+          </a:blip>
+          <a:stretch>
+            <a:fillRect/>
+          </a:stretch>
+        </p:blipFill>
+        <p:spPr>
+          <a:xfrm>
+            <a:off x="7520601" y="3051041"/>
+            <a:ext cx="698321" cy="523231"/>
+          </a:xfrm>
+          <a:prstGeom prst="rect">
+            <a:avLst/>
+          </a:prstGeom>
+        </p:spPr>
+      </p:pic>
+      <p:sp>
+        <p:nvSpPr>
+          <p:cNvPr id="45" name="Freeform 15"/>
+          <p:cNvSpPr/>
+          <p:nvPr/>
+        </p:nvSpPr>
+        <p:spPr>
+          <a:xfrm>
+            <a:off x="389038" y="3435005"/>
+            <a:ext cx="334991" cy="45719"/>
+          </a:xfrm>
+          <a:custGeom>
+            <a:avLst/>
+            <a:gdLst>
+              <a:gd name="connsiteX0" fmla="*/ 1403350 w 1403350"/>
+              <a:gd name="connsiteY0" fmla="*/ 0 h 0"/>
+              <a:gd name="connsiteX1" fmla="*/ 0 w 1403350"/>
+              <a:gd name="connsiteY1" fmla="*/ 0 h 0"/>
+            </a:gdLst>
+            <a:ahLst/>
+            <a:cxnLst>
+              <a:cxn ang="0">
+                <a:pos x="connsiteX0" y="connsiteY0"/>
+              </a:cxn>
+              <a:cxn ang="0">
+                <a:pos x="connsiteX1" y="connsiteY1"/>
+              </a:cxn>
+            </a:cxnLst>
+            <a:rect l="l" t="t" r="r" b="b"/>
+            <a:pathLst>
+              <a:path w="1403350">
+                <a:moveTo>
+                  <a:pt x="1403350" y="0"/>
+                </a:moveTo>
+                <a:lnTo>
+                  <a:pt x="0" y="0"/>
+                </a:lnTo>
+              </a:path>
+            </a:pathLst>
+          </a:custGeom>
+          <a:ln w="76200" cap="rnd">
+            <a:solidFill>
+              <a:schemeClr val="accent2"/>
+            </a:solidFill>
+            <a:headEnd type="none"/>
+            <a:tailEnd type="oval" w="med" len="med"/>
+          </a:ln>
+        </p:spPr>
+        <p:style>
+          <a:lnRef idx="1">
+            <a:schemeClr val="accent1"/>
+          </a:lnRef>
+          <a:fillRef idx="0">
+            <a:schemeClr val="accent1"/>
+          </a:fillRef>
+          <a:effectRef idx="0">
+            <a:schemeClr val="accent1"/>
+          </a:effectRef>
+          <a:fontRef idx="minor">
+            <a:schemeClr val="tx1"/>
+          </a:fontRef>
+        </p:style>
+        <p:txBody>
+          <a:bodyPr rtlCol="0" anchor="ctr"/>
+          <a:lstStyle/>
+          <a:p>
+            <a:pPr algn="ctr"/>
+            <a:endParaRPr lang="en-US"/>
+          </a:p>
+        </p:txBody>
+      </p:sp>
+      <p:sp>
+        <p:nvSpPr>
+          <p:cNvPr id="46" name="Oval 36"/>
+          <p:cNvSpPr/>
+          <p:nvPr/>
+        </p:nvSpPr>
+        <p:spPr>
+          <a:xfrm>
+            <a:off x="820912" y="2928776"/>
+            <a:ext cx="944469" cy="907444"/>
+          </a:xfrm>
+          <a:prstGeom prst="ellipse">
+            <a:avLst/>
+          </a:prstGeom>
+          <a:solidFill>
+            <a:schemeClr val="bg1"/>
+          </a:solidFill>
+          <a:ln>
+            <a:noFill/>
+          </a:ln>
+          <a:effectLst>
+            <a:outerShdw blurRad="190500" dist="88900" dir="2700000" algn="tl" rotWithShape="0">
+              <a:prstClr val="black">
+                <a:alpha val="30000"/>
+              </a:prstClr>
+            </a:outerShdw>
+          </a:effectLst>
+        </p:spPr>
+        <p:style>
+          <a:lnRef idx="2">
+            <a:schemeClr val="accent1">
+              <a:shade val="50000"/>
+            </a:schemeClr>
+          </a:lnRef>
+          <a:fillRef idx="1">
+            <a:schemeClr val="accent1"/>
+          </a:fillRef>
+          <a:effectRef idx="0">
+            <a:schemeClr val="accent1"/>
+          </a:effectRef>
+          <a:fontRef idx="minor">
+            <a:schemeClr val="lt1"/>
+          </a:fontRef>
+        </p:style>
+        <p:txBody>
+          <a:bodyPr rtlCol="0" anchor="ctr"/>
+          <a:lstStyle/>
+          <a:p>
+            <a:pPr algn="ctr"/>
+            <a:endParaRPr lang="en-US"/>
+          </a:p>
+        </p:txBody>
+      </p:sp>
+      <p:sp>
+        <p:nvSpPr>
+          <p:cNvPr id="47" name="Freeform 56"/>
+          <p:cNvSpPr>
+            <a:spLocks noEditPoints="1"/>
+          </p:cNvSpPr>
+          <p:nvPr/>
+        </p:nvSpPr>
+        <p:spPr bwMode="auto">
+          <a:xfrm>
+            <a:off x="1099226" y="3123756"/>
+            <a:ext cx="365838" cy="443071"/>
+          </a:xfrm>
+          <a:custGeom>
+            <a:avLst/>
+            <a:gdLst>
+              <a:gd name="T0" fmla="*/ 9 w 85"/>
+              <a:gd name="T1" fmla="*/ 0 h 106"/>
+              <a:gd name="T2" fmla="*/ 0 w 85"/>
+              <a:gd name="T3" fmla="*/ 9 h 106"/>
+              <a:gd name="T4" fmla="*/ 0 w 85"/>
+              <a:gd name="T5" fmla="*/ 98 h 106"/>
+              <a:gd name="T6" fmla="*/ 9 w 85"/>
+              <a:gd name="T7" fmla="*/ 106 h 106"/>
+              <a:gd name="T8" fmla="*/ 76 w 85"/>
+              <a:gd name="T9" fmla="*/ 106 h 106"/>
+              <a:gd name="T10" fmla="*/ 85 w 85"/>
+              <a:gd name="T11" fmla="*/ 98 h 106"/>
+              <a:gd name="T12" fmla="*/ 85 w 85"/>
+              <a:gd name="T13" fmla="*/ 31 h 106"/>
+              <a:gd name="T14" fmla="*/ 81 w 85"/>
+              <a:gd name="T15" fmla="*/ 23 h 106"/>
+              <a:gd name="T16" fmla="*/ 61 w 85"/>
+              <a:gd name="T17" fmla="*/ 3 h 106"/>
+              <a:gd name="T18" fmla="*/ 54 w 85"/>
+              <a:gd name="T19" fmla="*/ 0 h 106"/>
+              <a:gd name="T20" fmla="*/ 9 w 85"/>
+              <a:gd name="T21" fmla="*/ 0 h 106"/>
+              <a:gd name="T22" fmla="*/ 40 w 85"/>
+              <a:gd name="T23" fmla="*/ 16 h 106"/>
+              <a:gd name="T24" fmla="*/ 45 w 85"/>
+              <a:gd name="T25" fmla="*/ 11 h 106"/>
+              <a:gd name="T26" fmla="*/ 49 w 85"/>
+              <a:gd name="T27" fmla="*/ 16 h 106"/>
+              <a:gd name="T28" fmla="*/ 49 w 85"/>
+              <a:gd name="T29" fmla="*/ 32 h 106"/>
+              <a:gd name="T30" fmla="*/ 52 w 85"/>
+              <a:gd name="T31" fmla="*/ 36 h 106"/>
+              <a:gd name="T32" fmla="*/ 69 w 85"/>
+              <a:gd name="T33" fmla="*/ 36 h 106"/>
+              <a:gd name="T34" fmla="*/ 73 w 85"/>
+              <a:gd name="T35" fmla="*/ 40 h 106"/>
+              <a:gd name="T36" fmla="*/ 69 w 85"/>
+              <a:gd name="T37" fmla="*/ 44 h 106"/>
+              <a:gd name="T38" fmla="*/ 49 w 85"/>
+              <a:gd name="T39" fmla="*/ 44 h 106"/>
+              <a:gd name="T40" fmla="*/ 40 w 85"/>
+              <a:gd name="T41" fmla="*/ 36 h 106"/>
+              <a:gd name="T42" fmla="*/ 40 w 85"/>
+              <a:gd name="T43" fmla="*/ 16 h 106"/>
+            </a:gdLst>
+            <a:ahLst/>
+            <a:cxnLst>
+              <a:cxn ang="0">
+                <a:pos x="T0" y="T1"/>
+              </a:cxn>
+              <a:cxn ang="0">
+                <a:pos x="T2" y="T3"/>
+              </a:cxn>
+              <a:cxn ang="0">
+                <a:pos x="T4" y="T5"/>
+              </a:cxn>
+              <a:cxn ang="0">
+                <a:pos x="T6" y="T7"/>
+              </a:cxn>
+              <a:cxn ang="0">
+                <a:pos x="T8" y="T9"/>
+              </a:cxn>
+              <a:cxn ang="0">
+                <a:pos x="T10" y="T11"/>
+              </a:cxn>
+              <a:cxn ang="0">
+                <a:pos x="T12" y="T13"/>
+              </a:cxn>
+              <a:cxn ang="0">
+                <a:pos x="T14" y="T15"/>
+              </a:cxn>
+              <a:cxn ang="0">
+                <a:pos x="T16" y="T17"/>
+              </a:cxn>
+              <a:cxn ang="0">
+                <a:pos x="T18" y="T19"/>
+              </a:cxn>
+              <a:cxn ang="0">
+                <a:pos x="T20" y="T21"/>
+              </a:cxn>
+              <a:cxn ang="0">
+                <a:pos x="T22" y="T23"/>
+              </a:cxn>
+              <a:cxn ang="0">
+                <a:pos x="T24" y="T25"/>
+              </a:cxn>
+              <a:cxn ang="0">
+                <a:pos x="T26" y="T27"/>
+              </a:cxn>
+              <a:cxn ang="0">
+                <a:pos x="T28" y="T29"/>
+              </a:cxn>
+              <a:cxn ang="0">
+                <a:pos x="T30" y="T31"/>
+              </a:cxn>
+              <a:cxn ang="0">
+                <a:pos x="T32" y="T33"/>
+              </a:cxn>
+              <a:cxn ang="0">
+                <a:pos x="T34" y="T35"/>
+              </a:cxn>
+              <a:cxn ang="0">
+                <a:pos x="T36" y="T37"/>
+              </a:cxn>
+              <a:cxn ang="0">
+                <a:pos x="T38" y="T39"/>
+              </a:cxn>
+              <a:cxn ang="0">
+                <a:pos x="T40" y="T41"/>
+              </a:cxn>
+              <a:cxn ang="0">
+                <a:pos x="T42" y="T43"/>
+              </a:cxn>
+            </a:cxnLst>
+            <a:rect l="0" t="0" r="r" b="b"/>
+            <a:pathLst>
+              <a:path w="85" h="106">
+                <a:moveTo>
+                  <a:pt x="9" y="0"/>
+                </a:moveTo>
+                <a:cubicBezTo>
+                  <a:pt x="4" y="0"/>
+                  <a:pt x="0" y="4"/>
+                  <a:pt x="0" y="9"/>
+                </a:cubicBezTo>
+                <a:cubicBezTo>
+                  <a:pt x="0" y="98"/>
+                  <a:pt x="0" y="98"/>
+                  <a:pt x="0" y="98"/>
+                </a:cubicBezTo>
+                <a:cubicBezTo>
+                  <a:pt x="0" y="103"/>
+                  <a:pt x="4" y="106"/>
+                  <a:pt x="9" y="106"/>
+                </a:cubicBezTo>
+                <a:cubicBezTo>
+                  <a:pt x="76" y="106"/>
+                  <a:pt x="76" y="106"/>
+                  <a:pt x="76" y="106"/>
+                </a:cubicBezTo>
+                <a:cubicBezTo>
+                  <a:pt x="81" y="106"/>
+                  <a:pt x="85" y="103"/>
+                  <a:pt x="85" y="98"/>
+                </a:cubicBezTo>
+                <a:cubicBezTo>
+                  <a:pt x="85" y="31"/>
+                  <a:pt x="85" y="31"/>
+                  <a:pt x="85" y="31"/>
+                </a:cubicBezTo>
+                <a:cubicBezTo>
+                  <a:pt x="85" y="28"/>
+                  <a:pt x="83" y="25"/>
+                  <a:pt x="81" y="23"/>
+                </a:cubicBezTo>
+                <a:cubicBezTo>
+                  <a:pt x="61" y="3"/>
+                  <a:pt x="61" y="3"/>
+                  <a:pt x="61" y="3"/>
+                </a:cubicBezTo>
+                <a:cubicBezTo>
+                  <a:pt x="59" y="1"/>
+                  <a:pt x="57" y="0"/>
+                  <a:pt x="54" y="0"/>
+                </a:cubicBezTo>
+                <a:lnTo>
+                  <a:pt x="9" y="0"/>
+                </a:lnTo>
+                <a:close/>
+                <a:moveTo>
+                  <a:pt x="40" y="16"/>
+                </a:moveTo>
+                <a:cubicBezTo>
+                  <a:pt x="40" y="13"/>
+                  <a:pt x="42" y="11"/>
+                  <a:pt x="45" y="11"/>
+                </a:cubicBezTo>
+                <a:cubicBezTo>
+                  <a:pt x="47" y="11"/>
+                  <a:pt x="49" y="13"/>
+                  <a:pt x="49" y="16"/>
+                </a:cubicBezTo>
+                <a:cubicBezTo>
+                  <a:pt x="49" y="32"/>
+                  <a:pt x="49" y="32"/>
+                  <a:pt x="49" y="32"/>
+                </a:cubicBezTo>
+                <a:cubicBezTo>
+                  <a:pt x="49" y="34"/>
+                  <a:pt x="51" y="36"/>
+                  <a:pt x="52" y="36"/>
+                </a:cubicBezTo>
+                <a:cubicBezTo>
+                  <a:pt x="69" y="36"/>
+                  <a:pt x="69" y="36"/>
+                  <a:pt x="69" y="36"/>
+                </a:cubicBezTo>
+                <a:cubicBezTo>
+                  <a:pt x="71" y="36"/>
+                  <a:pt x="73" y="38"/>
+                  <a:pt x="73" y="40"/>
+                </a:cubicBezTo>
+                <a:cubicBezTo>
+                  <a:pt x="73" y="42"/>
+                  <a:pt x="71" y="44"/>
+                  <a:pt x="69" y="44"/>
+                </a:cubicBezTo>
+                <a:cubicBezTo>
+                  <a:pt x="49" y="44"/>
+                  <a:pt x="49" y="44"/>
+                  <a:pt x="49" y="44"/>
+                </a:cubicBezTo>
+                <a:cubicBezTo>
+                  <a:pt x="44" y="44"/>
+                  <a:pt x="40" y="40"/>
+                  <a:pt x="40" y="36"/>
+                </a:cubicBezTo>
+                <a:lnTo>
+                  <a:pt x="40" y="16"/>
+                </a:lnTo>
+                <a:close/>
+              </a:path>
+            </a:pathLst>
+          </a:custGeom>
+          <a:solidFill>
+            <a:schemeClr val="accent2"/>
+          </a:solidFill>
+          <a:ln>
+            <a:noFill/>
+          </a:ln>
+        </p:spPr>
+        <p:txBody>
+          <a:bodyPr vert="horz" wrap="square" lIns="91440" tIns="45720" rIns="91440" bIns="45720" numCol="1" anchor="t" anchorCtr="0" compatLnSpc="1">
+            <a:prstTxWarp prst="textNoShape">
+              <a:avLst/>
+            </a:prstTxWarp>
+          </a:bodyPr>
+          <a:lstStyle/>
+          <a:p>
+            <a:endParaRPr lang="en-US"/>
+          </a:p>
+        </p:txBody>
+      </p:sp>
+      <p:sp>
+        <p:nvSpPr>
+          <p:cNvPr id="48" name="TextBox 55">
+            <a:extLst>
+              <a:ext uri="{FF2B5EF4-FFF2-40B4-BE49-F238E27FC236}">
+                <a16:creationId xmlns:a16="http://schemas.microsoft.com/office/drawing/2014/main" id="{64BAFBE8-FEE7-4D8C-AA95-84518CFBF170}"/>
+              </a:ext>
+            </a:extLst>
+          </p:cNvPr>
+          <p:cNvSpPr txBox="1"/>
+          <p:nvPr>
+            <p:custDataLst>
+              <p:tags r:id="rId4"/>
+            </p:custDataLst>
+          </p:nvPr>
+        </p:nvSpPr>
+        <p:spPr>
+          <a:xfrm>
+            <a:off x="98233" y="895980"/>
+            <a:ext cx="2405481" cy="843303"/>
+          </a:xfrm>
+          <a:prstGeom prst="rect">
+            <a:avLst/>
+          </a:prstGeom>
+          <a:noFill/>
+        </p:spPr>
+        <p:txBody>
+          <a:bodyPr wrap="square" rtlCol="0" anchor="ctr">
+            <a:noAutofit/>
+          </a:bodyPr>
+          <a:lstStyle/>
+          <a:p>
+            <a:pPr algn="ctr"/>
+            <a:r>
+              <a:rPr lang="fr-FR" sz="1600" b="1" dirty="0" smtClean="0">
+                <a:solidFill>
+                  <a:srgbClr val="E46C0A"/>
+                </a:solidFill>
+                <a:latin typeface="Arial" panose="020B0604020202020204" pitchFamily="34" charset="0"/>
+                <a:cs typeface="Arial" panose="020B0604020202020204" pitchFamily="34" charset="0"/>
+              </a:rPr>
+              <a:t>Compréhension </a:t>
+            </a:r>
+            <a:r>
+              <a:rPr lang="fr-FR" sz="1600" b="1" dirty="0">
+                <a:solidFill>
+                  <a:srgbClr val="E46C0A"/>
+                </a:solidFill>
+                <a:latin typeface="Arial" panose="020B0604020202020204" pitchFamily="34" charset="0"/>
+                <a:cs typeface="Arial" panose="020B0604020202020204" pitchFamily="34" charset="0"/>
+              </a:rPr>
+              <a:t>du concept et la définition du projet</a:t>
+            </a:r>
+            <a:endParaRPr lang="fr-CA" sz="1600" b="1" dirty="0">
+              <a:solidFill>
+                <a:srgbClr val="E46C0A"/>
+              </a:solidFill>
+              <a:latin typeface="Arial" panose="020B0604020202020204" pitchFamily="34" charset="0"/>
+              <a:cs typeface="Arial" panose="020B0604020202020204" pitchFamily="34" charset="0"/>
+            </a:endParaRPr>
+          </a:p>
+        </p:txBody>
+      </p:sp>
+      <p:sp>
+        <p:nvSpPr>
+          <p:cNvPr id="49" name="TextBox 55">
+            <a:extLst>
+              <a:ext uri="{FF2B5EF4-FFF2-40B4-BE49-F238E27FC236}">
+                <a16:creationId xmlns:a16="http://schemas.microsoft.com/office/drawing/2014/main" id="{64BAFBE8-FEE7-4D8C-AA95-84518CFBF170}"/>
+              </a:ext>
+            </a:extLst>
+          </p:cNvPr>
+          <p:cNvSpPr txBox="1"/>
+          <p:nvPr>
+            <p:custDataLst>
+              <p:tags r:id="rId5"/>
+            </p:custDataLst>
+          </p:nvPr>
+        </p:nvSpPr>
+        <p:spPr>
+          <a:xfrm>
+            <a:off x="1981509" y="4652352"/>
+            <a:ext cx="1820773" cy="843303"/>
+          </a:xfrm>
+          <a:prstGeom prst="rect">
+            <a:avLst/>
+          </a:prstGeom>
+          <a:noFill/>
+        </p:spPr>
+        <p:txBody>
+          <a:bodyPr wrap="square" rtlCol="0" anchor="ctr">
+            <a:noAutofit/>
+          </a:bodyPr>
+          <a:lstStyle/>
+          <a:p>
+            <a:pPr algn="ctr"/>
+            <a:r>
+              <a:rPr lang="en-US" sz="1600" b="1" dirty="0">
+                <a:solidFill>
+                  <a:srgbClr val="47B0B7"/>
+                </a:solidFill>
+                <a:latin typeface="Arial" panose="020B0604020202020204" pitchFamily="34" charset="0"/>
+                <a:cs typeface="Arial" panose="020B0604020202020204" pitchFamily="34" charset="0"/>
+              </a:rPr>
+              <a:t>Définition du design UX et UI</a:t>
+            </a:r>
+            <a:endParaRPr lang="en-US" sz="1600" dirty="0">
+              <a:solidFill>
+                <a:srgbClr val="47B0B7"/>
+              </a:solidFill>
+              <a:latin typeface="Arial" panose="020B0604020202020204" pitchFamily="34" charset="0"/>
+              <a:cs typeface="Arial" panose="020B0604020202020204" pitchFamily="34" charset="0"/>
+            </a:endParaRPr>
+          </a:p>
+        </p:txBody>
+      </p:sp>
+      <p:sp>
+        <p:nvSpPr>
+          <p:cNvPr id="50" name="TextBox 55">
+            <a:extLst>
+              <a:ext uri="{FF2B5EF4-FFF2-40B4-BE49-F238E27FC236}">
+                <a16:creationId xmlns:a16="http://schemas.microsoft.com/office/drawing/2014/main" id="{64BAFBE8-FEE7-4D8C-AA95-84518CFBF170}"/>
+              </a:ext>
+            </a:extLst>
+          </p:cNvPr>
+          <p:cNvSpPr txBox="1"/>
+          <p:nvPr>
+            <p:custDataLst>
+              <p:tags r:id="rId6"/>
+            </p:custDataLst>
+          </p:nvPr>
+        </p:nvSpPr>
+        <p:spPr>
+          <a:xfrm>
+            <a:off x="3220523" y="971668"/>
+            <a:ext cx="2320755" cy="843303"/>
+          </a:xfrm>
+          <a:prstGeom prst="rect">
+            <a:avLst/>
+          </a:prstGeom>
+          <a:noFill/>
+        </p:spPr>
+        <p:txBody>
+          <a:bodyPr wrap="square" rtlCol="0" anchor="ctr">
+            <a:noAutofit/>
+          </a:bodyPr>
+          <a:lstStyle/>
+          <a:p>
+            <a:pPr algn="ctr"/>
+            <a:r>
+              <a:rPr lang="fr-FR" sz="1600" b="1" dirty="0">
+                <a:solidFill>
+                  <a:srgbClr val="7030A0"/>
+                </a:solidFill>
+                <a:latin typeface="Arial" panose="020B0604020202020204" pitchFamily="34" charset="0"/>
+                <a:cs typeface="Arial" panose="020B0604020202020204" pitchFamily="34" charset="0"/>
+              </a:rPr>
+              <a:t>Développement du contrat intelligent</a:t>
+            </a:r>
+            <a:endParaRPr lang="en-US" sz="1200" dirty="0">
+              <a:solidFill>
+                <a:srgbClr val="7030A0"/>
+              </a:solidFill>
+              <a:latin typeface="Arial" panose="020B0604020202020204" pitchFamily="34" charset="0"/>
+              <a:cs typeface="Arial" panose="020B0604020202020204" pitchFamily="34" charset="0"/>
+            </a:endParaRPr>
+          </a:p>
+        </p:txBody>
+      </p:sp>
+      <p:sp>
+        <p:nvSpPr>
+          <p:cNvPr id="51" name="TextBox 55">
+            <a:extLst>
+              <a:ext uri="{FF2B5EF4-FFF2-40B4-BE49-F238E27FC236}">
+                <a16:creationId xmlns:a16="http://schemas.microsoft.com/office/drawing/2014/main" id="{64BAFBE8-FEE7-4D8C-AA95-84518CFBF170}"/>
+              </a:ext>
+            </a:extLst>
+          </p:cNvPr>
+          <p:cNvSpPr txBox="1"/>
+          <p:nvPr>
+            <p:custDataLst>
+              <p:tags r:id="rId7"/>
+            </p:custDataLst>
+          </p:nvPr>
+        </p:nvSpPr>
+        <p:spPr>
+          <a:xfrm>
+            <a:off x="5127170" y="4652352"/>
+            <a:ext cx="2225643" cy="843303"/>
+          </a:xfrm>
+          <a:prstGeom prst="rect">
+            <a:avLst/>
+          </a:prstGeom>
+          <a:noFill/>
+        </p:spPr>
+        <p:txBody>
+          <a:bodyPr wrap="square" rtlCol="0" anchor="ctr">
+            <a:noAutofit/>
+          </a:bodyPr>
+          <a:lstStyle/>
+          <a:p>
+            <a:pPr algn="ctr"/>
+            <a:r>
+              <a:rPr lang="en-US" sz="1600" b="1" dirty="0">
+                <a:solidFill>
+                  <a:srgbClr val="00B050"/>
+                </a:solidFill>
+                <a:latin typeface="Arial" panose="020B0604020202020204" pitchFamily="34" charset="0"/>
+                <a:cs typeface="Arial" panose="020B0604020202020204" pitchFamily="34" charset="0"/>
+              </a:rPr>
+              <a:t>Intégration aux frontend et backend</a:t>
+            </a:r>
+            <a:endParaRPr lang="en-US" sz="1600" b="1" dirty="0">
+              <a:solidFill>
+                <a:srgbClr val="00B050"/>
+              </a:solidFill>
+              <a:latin typeface="Arial" panose="020B0604020202020204" pitchFamily="34" charset="0"/>
+              <a:cs typeface="Arial" panose="020B0604020202020204" pitchFamily="34" charset="0"/>
+            </a:endParaRPr>
+          </a:p>
+        </p:txBody>
+      </p:sp>
+      <p:sp>
+        <p:nvSpPr>
+          <p:cNvPr id="52" name="Freeform 29">
+            <a:extLst>
+              <a:ext uri="{FF2B5EF4-FFF2-40B4-BE49-F238E27FC236}">
+                <a16:creationId xmlns:a16="http://schemas.microsoft.com/office/drawing/2014/main" id="{369D9E4C-93FF-4C0F-831C-AC33AF7434BE}"/>
+              </a:ext>
+            </a:extLst>
+          </p:cNvPr>
+          <p:cNvSpPr/>
+          <p:nvPr/>
+        </p:nvSpPr>
+        <p:spPr>
+          <a:xfrm>
+            <a:off x="6665921" y="3340495"/>
+            <a:ext cx="617952" cy="45719"/>
+          </a:xfrm>
+          <a:custGeom>
+            <a:avLst/>
+            <a:gdLst>
+              <a:gd name="connsiteX0" fmla="*/ 1403350 w 1403350"/>
+              <a:gd name="connsiteY0" fmla="*/ 0 h 0"/>
+              <a:gd name="connsiteX1" fmla="*/ 0 w 1403350"/>
+              <a:gd name="connsiteY1" fmla="*/ 0 h 0"/>
+            </a:gdLst>
+            <a:ahLst/>
+            <a:cxnLst>
+              <a:cxn ang="0">
+                <a:pos x="connsiteX0" y="connsiteY0"/>
+              </a:cxn>
+              <a:cxn ang="0">
+                <a:pos x="connsiteX1" y="connsiteY1"/>
+              </a:cxn>
+            </a:cxnLst>
+            <a:rect l="l" t="t" r="r" b="b"/>
+            <a:pathLst>
+              <a:path w="1403350">
+                <a:moveTo>
+                  <a:pt x="1403350" y="0"/>
+                </a:moveTo>
+                <a:lnTo>
+                  <a:pt x="0" y="0"/>
+                </a:lnTo>
+              </a:path>
+            </a:pathLst>
+          </a:custGeom>
+          <a:ln w="76200" cap="rnd">
+            <a:solidFill>
+              <a:srgbClr val="0070C0"/>
+            </a:solidFill>
+          </a:ln>
+        </p:spPr>
+        <p:style>
+          <a:lnRef idx="1">
+            <a:schemeClr val="accent1"/>
+          </a:lnRef>
+          <a:fillRef idx="0">
+            <a:schemeClr val="accent1"/>
+          </a:fillRef>
+          <a:effectRef idx="0">
+            <a:schemeClr val="accent1"/>
+          </a:effectRef>
+          <a:fontRef idx="minor">
+            <a:schemeClr val="tx1"/>
+          </a:fontRef>
+        </p:style>
+        <p:txBody>
+          <a:bodyPr rtlCol="0" anchor="ctr"/>
+          <a:lstStyle/>
+          <a:p>
+            <a:pPr algn="ctr"/>
+            <a:endParaRPr lang="en-US"/>
+          </a:p>
+        </p:txBody>
+      </p:sp>
+      <p:sp>
+        <p:nvSpPr>
+          <p:cNvPr id="53" name="Arc 52">
+            <a:extLst>
+              <a:ext uri="{FF2B5EF4-FFF2-40B4-BE49-F238E27FC236}">
+                <a16:creationId xmlns:a16="http://schemas.microsoft.com/office/drawing/2014/main" id="{69357CC2-2535-4527-98CE-94143F4834EC}"/>
+              </a:ext>
+            </a:extLst>
+          </p:cNvPr>
+          <p:cNvSpPr/>
+          <p:nvPr/>
+        </p:nvSpPr>
+        <p:spPr>
+          <a:xfrm>
+            <a:off x="7289670" y="2764899"/>
+            <a:ext cx="1038874" cy="920476"/>
+          </a:xfrm>
+          <a:prstGeom prst="arc">
+            <a:avLst>
+              <a:gd name="adj1" fmla="val 10102109"/>
+              <a:gd name="adj2" fmla="val 16131434"/>
+            </a:avLst>
+          </a:prstGeom>
+          <a:ln w="76200" cap="rnd">
+            <a:solidFill>
+              <a:srgbClr val="0070C0"/>
+            </a:solidFill>
+          </a:ln>
+        </p:spPr>
+        <p:style>
+          <a:lnRef idx="1">
+            <a:schemeClr val="accent1"/>
+          </a:lnRef>
+          <a:fillRef idx="0">
+            <a:schemeClr val="accent1"/>
+          </a:fillRef>
+          <a:effectRef idx="0">
+            <a:schemeClr val="accent1"/>
+          </a:effectRef>
+          <a:fontRef idx="minor">
+            <a:schemeClr val="tx1"/>
+          </a:fontRef>
+        </p:style>
+        <p:txBody>
+          <a:bodyPr rtlCol="0" anchor="ctr"/>
+          <a:lstStyle/>
+          <a:p>
+            <a:pPr algn="ctr"/>
+            <a:endParaRPr lang="en-US"/>
+          </a:p>
+        </p:txBody>
+      </p:sp>
+      <p:sp>
+        <p:nvSpPr>
+          <p:cNvPr id="54" name="Freeform 30">
+            <a:extLst>
+              <a:ext uri="{FF2B5EF4-FFF2-40B4-BE49-F238E27FC236}">
+                <a16:creationId xmlns:a16="http://schemas.microsoft.com/office/drawing/2014/main" id="{741EFF7C-6EED-4146-BAC6-E161CBD15585}"/>
+              </a:ext>
+            </a:extLst>
+          </p:cNvPr>
+          <p:cNvSpPr/>
+          <p:nvPr/>
+        </p:nvSpPr>
+        <p:spPr>
+          <a:xfrm rot="5400000" flipV="1">
+            <a:off x="7365487" y="2260774"/>
+            <a:ext cx="932960" cy="45719"/>
+          </a:xfrm>
+          <a:custGeom>
+            <a:avLst/>
+            <a:gdLst>
+              <a:gd name="connsiteX0" fmla="*/ 1403350 w 1403350"/>
+              <a:gd name="connsiteY0" fmla="*/ 0 h 0"/>
+              <a:gd name="connsiteX1" fmla="*/ 0 w 1403350"/>
+              <a:gd name="connsiteY1" fmla="*/ 0 h 0"/>
+            </a:gdLst>
+            <a:ahLst/>
+            <a:cxnLst>
+              <a:cxn ang="0">
+                <a:pos x="connsiteX0" y="connsiteY0"/>
+              </a:cxn>
+              <a:cxn ang="0">
+                <a:pos x="connsiteX1" y="connsiteY1"/>
+              </a:cxn>
+            </a:cxnLst>
+            <a:rect l="l" t="t" r="r" b="b"/>
+            <a:pathLst>
+              <a:path w="1403350">
+                <a:moveTo>
+                  <a:pt x="1403350" y="0"/>
+                </a:moveTo>
+                <a:lnTo>
+                  <a:pt x="0" y="0"/>
+                </a:lnTo>
+              </a:path>
+            </a:pathLst>
+          </a:custGeom>
+          <a:ln w="76200" cap="rnd">
+            <a:solidFill>
+              <a:srgbClr val="0070C0"/>
+            </a:solidFill>
+            <a:headEnd type="none"/>
+            <a:tailEnd type="oval" w="med" len="med"/>
+          </a:ln>
+        </p:spPr>
+        <p:style>
+          <a:lnRef idx="1">
+            <a:schemeClr val="accent1"/>
+          </a:lnRef>
+          <a:fillRef idx="0">
+            <a:schemeClr val="accent1"/>
+          </a:fillRef>
+          <a:effectRef idx="0">
+            <a:schemeClr val="accent1"/>
+          </a:effectRef>
+          <a:fontRef idx="minor">
+            <a:schemeClr val="tx1"/>
+          </a:fontRef>
+        </p:style>
+        <p:txBody>
+          <a:bodyPr rtlCol="0" anchor="ctr"/>
+          <a:lstStyle/>
+          <a:p>
+            <a:pPr algn="ctr"/>
+            <a:endParaRPr lang="en-US"/>
+          </a:p>
+        </p:txBody>
+      </p:sp>
+      <p:sp>
+        <p:nvSpPr>
+          <p:cNvPr id="55" name="Freeform 29">
+            <a:extLst>
+              <a:ext uri="{FF2B5EF4-FFF2-40B4-BE49-F238E27FC236}">
+                <a16:creationId xmlns:a16="http://schemas.microsoft.com/office/drawing/2014/main" id="{369D9E4C-93FF-4C0F-831C-AC33AF7434BE}"/>
+              </a:ext>
+            </a:extLst>
+          </p:cNvPr>
+          <p:cNvSpPr/>
+          <p:nvPr/>
+        </p:nvSpPr>
+        <p:spPr>
+          <a:xfrm>
+            <a:off x="6665922" y="3340496"/>
+            <a:ext cx="617952" cy="45719"/>
+          </a:xfrm>
+          <a:custGeom>
+            <a:avLst/>
+            <a:gdLst>
+              <a:gd name="connsiteX0" fmla="*/ 1403350 w 1403350"/>
+              <a:gd name="connsiteY0" fmla="*/ 0 h 0"/>
+              <a:gd name="connsiteX1" fmla="*/ 0 w 1403350"/>
+              <a:gd name="connsiteY1" fmla="*/ 0 h 0"/>
+            </a:gdLst>
+            <a:ahLst/>
+            <a:cxnLst>
+              <a:cxn ang="0">
+                <a:pos x="connsiteX0" y="connsiteY0"/>
+              </a:cxn>
+              <a:cxn ang="0">
+                <a:pos x="connsiteX1" y="connsiteY1"/>
+              </a:cxn>
+            </a:cxnLst>
+            <a:rect l="l" t="t" r="r" b="b"/>
+            <a:pathLst>
+              <a:path w="1403350">
+                <a:moveTo>
+                  <a:pt x="1403350" y="0"/>
+                </a:moveTo>
+                <a:lnTo>
+                  <a:pt x="0" y="0"/>
+                </a:lnTo>
+              </a:path>
+            </a:pathLst>
+          </a:custGeom>
+          <a:ln w="76200" cap="rnd">
+            <a:solidFill>
+              <a:srgbClr val="0070C0"/>
+            </a:solidFill>
+          </a:ln>
+        </p:spPr>
+        <p:style>
+          <a:lnRef idx="1">
+            <a:schemeClr val="accent1"/>
+          </a:lnRef>
+          <a:fillRef idx="0">
+            <a:schemeClr val="accent1"/>
+          </a:fillRef>
+          <a:effectRef idx="0">
+            <a:schemeClr val="accent1"/>
+          </a:effectRef>
+          <a:fontRef idx="minor">
+            <a:schemeClr val="tx1"/>
+          </a:fontRef>
+        </p:style>
+        <p:txBody>
+          <a:bodyPr rtlCol="0" anchor="ctr"/>
+          <a:lstStyle/>
+          <a:p>
+            <a:pPr algn="ctr"/>
+            <a:endParaRPr lang="en-US"/>
+          </a:p>
+        </p:txBody>
+      </p:sp>
+      <p:sp>
+        <p:nvSpPr>
+          <p:cNvPr id="56" name="Arc 55">
+            <a:extLst>
+              <a:ext uri="{FF2B5EF4-FFF2-40B4-BE49-F238E27FC236}">
+                <a16:creationId xmlns:a16="http://schemas.microsoft.com/office/drawing/2014/main" id="{69357CC2-2535-4527-98CE-94143F4834EC}"/>
+              </a:ext>
+            </a:extLst>
+          </p:cNvPr>
+          <p:cNvSpPr/>
+          <p:nvPr/>
+        </p:nvSpPr>
+        <p:spPr>
+          <a:xfrm>
+            <a:off x="7289671" y="2764900"/>
+            <a:ext cx="1038874" cy="920476"/>
+          </a:xfrm>
+          <a:prstGeom prst="arc">
+            <a:avLst>
+              <a:gd name="adj1" fmla="val 10102109"/>
+              <a:gd name="adj2" fmla="val 16131434"/>
+            </a:avLst>
+          </a:prstGeom>
+          <a:ln w="76200" cap="rnd">
+            <a:solidFill>
+              <a:srgbClr val="0070C0"/>
+            </a:solidFill>
+          </a:ln>
+        </p:spPr>
+        <p:style>
+          <a:lnRef idx="1">
+            <a:schemeClr val="accent1"/>
+          </a:lnRef>
+          <a:fillRef idx="0">
+            <a:schemeClr val="accent1"/>
+          </a:fillRef>
+          <a:effectRef idx="0">
+            <a:schemeClr val="accent1"/>
+          </a:effectRef>
+          <a:fontRef idx="minor">
+            <a:schemeClr val="tx1"/>
+          </a:fontRef>
+        </p:style>
+        <p:txBody>
+          <a:bodyPr rtlCol="0" anchor="ctr"/>
+          <a:lstStyle/>
+          <a:p>
+            <a:pPr algn="ctr"/>
+            <a:endParaRPr lang="en-US"/>
+          </a:p>
+        </p:txBody>
+      </p:sp>
+      <p:sp>
+        <p:nvSpPr>
+          <p:cNvPr id="57" name="Freeform 30">
+            <a:extLst>
+              <a:ext uri="{FF2B5EF4-FFF2-40B4-BE49-F238E27FC236}">
+                <a16:creationId xmlns:a16="http://schemas.microsoft.com/office/drawing/2014/main" id="{741EFF7C-6EED-4146-BAC6-E161CBD15585}"/>
+              </a:ext>
+            </a:extLst>
+          </p:cNvPr>
+          <p:cNvSpPr/>
+          <p:nvPr/>
+        </p:nvSpPr>
+        <p:spPr>
+          <a:xfrm rot="5400000" flipV="1">
+            <a:off x="4056236" y="2271661"/>
+            <a:ext cx="932960" cy="45719"/>
+          </a:xfrm>
+          <a:custGeom>
+            <a:avLst/>
+            <a:gdLst>
+              <a:gd name="connsiteX0" fmla="*/ 1403350 w 1403350"/>
+              <a:gd name="connsiteY0" fmla="*/ 0 h 0"/>
+              <a:gd name="connsiteX1" fmla="*/ 0 w 1403350"/>
+              <a:gd name="connsiteY1" fmla="*/ 0 h 0"/>
+            </a:gdLst>
+            <a:ahLst/>
+            <a:cxnLst>
+              <a:cxn ang="0">
+                <a:pos x="connsiteX0" y="connsiteY0"/>
+              </a:cxn>
+              <a:cxn ang="0">
+                <a:pos x="connsiteX1" y="connsiteY1"/>
+              </a:cxn>
+            </a:cxnLst>
+            <a:rect l="l" t="t" r="r" b="b"/>
+            <a:pathLst>
+              <a:path w="1403350">
+                <a:moveTo>
+                  <a:pt x="1403350" y="0"/>
+                </a:moveTo>
+                <a:lnTo>
+                  <a:pt x="0" y="0"/>
+                </a:lnTo>
+              </a:path>
+            </a:pathLst>
+          </a:custGeom>
+          <a:ln w="76200" cap="rnd">
+            <a:solidFill>
+              <a:srgbClr val="7030A0"/>
+            </a:solidFill>
+            <a:headEnd type="none"/>
+            <a:tailEnd type="oval" w="med" len="med"/>
+          </a:ln>
+        </p:spPr>
+        <p:style>
+          <a:lnRef idx="1">
+            <a:schemeClr val="accent1"/>
+          </a:lnRef>
+          <a:fillRef idx="0">
+            <a:schemeClr val="accent1"/>
+          </a:fillRef>
+          <a:effectRef idx="0">
+            <a:schemeClr val="accent1"/>
+          </a:effectRef>
+          <a:fontRef idx="minor">
+            <a:schemeClr val="tx1"/>
+          </a:fontRef>
+        </p:style>
+        <p:txBody>
+          <a:bodyPr rtlCol="0" anchor="ctr"/>
+          <a:lstStyle/>
+          <a:p>
+            <a:pPr algn="ctr"/>
+            <a:endParaRPr lang="en-US"/>
+          </a:p>
+        </p:txBody>
+      </p:sp>
+      <p:sp>
+        <p:nvSpPr>
+          <p:cNvPr id="58" name="Freeform 29">
+            <a:extLst>
+              <a:ext uri="{FF2B5EF4-FFF2-40B4-BE49-F238E27FC236}">
+                <a16:creationId xmlns:a16="http://schemas.microsoft.com/office/drawing/2014/main" id="{369D9E4C-93FF-4C0F-831C-AC33AF7434BE}"/>
+              </a:ext>
+            </a:extLst>
+          </p:cNvPr>
+          <p:cNvSpPr/>
+          <p:nvPr/>
+        </p:nvSpPr>
+        <p:spPr>
+          <a:xfrm>
+            <a:off x="3356671" y="3351383"/>
+            <a:ext cx="617952" cy="45719"/>
+          </a:xfrm>
+          <a:custGeom>
+            <a:avLst/>
+            <a:gdLst>
+              <a:gd name="connsiteX0" fmla="*/ 1403350 w 1403350"/>
+              <a:gd name="connsiteY0" fmla="*/ 0 h 0"/>
+              <a:gd name="connsiteX1" fmla="*/ 0 w 1403350"/>
+              <a:gd name="connsiteY1" fmla="*/ 0 h 0"/>
+            </a:gdLst>
+            <a:ahLst/>
+            <a:cxnLst>
+              <a:cxn ang="0">
+                <a:pos x="connsiteX0" y="connsiteY0"/>
+              </a:cxn>
+              <a:cxn ang="0">
+                <a:pos x="connsiteX1" y="connsiteY1"/>
+              </a:cxn>
+            </a:cxnLst>
+            <a:rect l="l" t="t" r="r" b="b"/>
+            <a:pathLst>
+              <a:path w="1403350">
+                <a:moveTo>
+                  <a:pt x="1403350" y="0"/>
+                </a:moveTo>
+                <a:lnTo>
+                  <a:pt x="0" y="0"/>
+                </a:lnTo>
+              </a:path>
+            </a:pathLst>
+          </a:custGeom>
+          <a:ln w="76200" cap="rnd">
+            <a:solidFill>
+              <a:srgbClr val="7030A0"/>
+            </a:solidFill>
+          </a:ln>
+        </p:spPr>
+        <p:style>
+          <a:lnRef idx="1">
+            <a:schemeClr val="accent1"/>
+          </a:lnRef>
+          <a:fillRef idx="0">
+            <a:schemeClr val="accent1"/>
+          </a:fillRef>
+          <a:effectRef idx="0">
+            <a:schemeClr val="accent1"/>
+          </a:effectRef>
+          <a:fontRef idx="minor">
+            <a:schemeClr val="tx1"/>
+          </a:fontRef>
+        </p:style>
+        <p:txBody>
+          <a:bodyPr rtlCol="0" anchor="ctr"/>
+          <a:lstStyle/>
+          <a:p>
+            <a:pPr algn="ctr"/>
+            <a:endParaRPr lang="en-US"/>
+          </a:p>
+        </p:txBody>
+      </p:sp>
+      <p:sp>
+        <p:nvSpPr>
+          <p:cNvPr id="59" name="Arc 58">
+            <a:extLst>
+              <a:ext uri="{FF2B5EF4-FFF2-40B4-BE49-F238E27FC236}">
+                <a16:creationId xmlns:a16="http://schemas.microsoft.com/office/drawing/2014/main" id="{69357CC2-2535-4527-98CE-94143F4834EC}"/>
+              </a:ext>
+            </a:extLst>
+          </p:cNvPr>
+          <p:cNvSpPr/>
+          <p:nvPr/>
+        </p:nvSpPr>
+        <p:spPr>
+          <a:xfrm>
+            <a:off x="3980420" y="2775787"/>
+            <a:ext cx="1038874" cy="920476"/>
+          </a:xfrm>
+          <a:prstGeom prst="arc">
+            <a:avLst>
+              <a:gd name="adj1" fmla="val 10102109"/>
+              <a:gd name="adj2" fmla="val 16131434"/>
+            </a:avLst>
+          </a:prstGeom>
+          <a:ln w="76200" cap="rnd">
+            <a:solidFill>
+              <a:srgbClr val="7030A0"/>
+            </a:solidFill>
+          </a:ln>
+        </p:spPr>
+        <p:style>
+          <a:lnRef idx="1">
+            <a:schemeClr val="accent1"/>
+          </a:lnRef>
+          <a:fillRef idx="0">
+            <a:schemeClr val="accent1"/>
+          </a:fillRef>
+          <a:effectRef idx="0">
+            <a:schemeClr val="accent1"/>
+          </a:effectRef>
+          <a:fontRef idx="minor">
+            <a:schemeClr val="tx1"/>
+          </a:fontRef>
+        </p:style>
+        <p:txBody>
+          <a:bodyPr rtlCol="0" anchor="ctr"/>
+          <a:lstStyle/>
+          <a:p>
+            <a:pPr algn="ctr"/>
+            <a:endParaRPr lang="en-US"/>
+          </a:p>
+        </p:txBody>
+      </p:sp>
+      <p:sp>
+        <p:nvSpPr>
+          <p:cNvPr id="60" name="Freeform 30">
+            <a:extLst>
+              <a:ext uri="{FF2B5EF4-FFF2-40B4-BE49-F238E27FC236}">
+                <a16:creationId xmlns:a16="http://schemas.microsoft.com/office/drawing/2014/main" id="{741EFF7C-6EED-4146-BAC6-E161CBD15585}"/>
+              </a:ext>
+            </a:extLst>
+          </p:cNvPr>
+          <p:cNvSpPr/>
+          <p:nvPr/>
+        </p:nvSpPr>
+        <p:spPr>
+          <a:xfrm rot="5400000" flipV="1">
+            <a:off x="877606" y="2347861"/>
+            <a:ext cx="932960" cy="45719"/>
+          </a:xfrm>
+          <a:custGeom>
+            <a:avLst/>
+            <a:gdLst>
+              <a:gd name="connsiteX0" fmla="*/ 1403350 w 1403350"/>
+              <a:gd name="connsiteY0" fmla="*/ 0 h 0"/>
+              <a:gd name="connsiteX1" fmla="*/ 0 w 1403350"/>
+              <a:gd name="connsiteY1" fmla="*/ 0 h 0"/>
+            </a:gdLst>
+            <a:ahLst/>
+            <a:cxnLst>
+              <a:cxn ang="0">
+                <a:pos x="connsiteX0" y="connsiteY0"/>
+              </a:cxn>
+              <a:cxn ang="0">
+                <a:pos x="connsiteX1" y="connsiteY1"/>
+              </a:cxn>
+            </a:cxnLst>
+            <a:rect l="l" t="t" r="r" b="b"/>
+            <a:pathLst>
+              <a:path w="1403350">
+                <a:moveTo>
+                  <a:pt x="1403350" y="0"/>
+                </a:moveTo>
+                <a:lnTo>
+                  <a:pt x="0" y="0"/>
+                </a:lnTo>
+              </a:path>
+            </a:pathLst>
+          </a:custGeom>
+          <a:ln w="76200" cap="rnd">
+            <a:solidFill>
+              <a:schemeClr val="accent2"/>
+            </a:solidFill>
+            <a:headEnd type="none"/>
+            <a:tailEnd type="oval" w="med" len="med"/>
+          </a:ln>
+        </p:spPr>
+        <p:style>
+          <a:lnRef idx="1">
+            <a:schemeClr val="accent1"/>
+          </a:lnRef>
+          <a:fillRef idx="0">
+            <a:schemeClr val="accent1"/>
+          </a:fillRef>
+          <a:effectRef idx="0">
+            <a:schemeClr val="accent1"/>
+          </a:effectRef>
+          <a:fontRef idx="minor">
+            <a:schemeClr val="tx1"/>
+          </a:fontRef>
+        </p:style>
+        <p:txBody>
+          <a:bodyPr rtlCol="0" anchor="ctr"/>
+          <a:lstStyle/>
+          <a:p>
+            <a:pPr algn="ctr"/>
+            <a:endParaRPr lang="en-US"/>
+          </a:p>
+        </p:txBody>
+      </p:sp>
+      <p:sp>
+        <p:nvSpPr>
+          <p:cNvPr id="61" name="Arc 60">
+            <a:extLst>
+              <a:ext uri="{FF2B5EF4-FFF2-40B4-BE49-F238E27FC236}">
+                <a16:creationId xmlns:a16="http://schemas.microsoft.com/office/drawing/2014/main" id="{69357CC2-2535-4527-98CE-94143F4834EC}"/>
+              </a:ext>
+            </a:extLst>
+          </p:cNvPr>
+          <p:cNvSpPr/>
+          <p:nvPr/>
+        </p:nvSpPr>
+        <p:spPr>
+          <a:xfrm>
+            <a:off x="730591" y="2851986"/>
+            <a:ext cx="1110072" cy="920476"/>
+          </a:xfrm>
+          <a:prstGeom prst="arc">
+            <a:avLst>
+              <a:gd name="adj1" fmla="val 10102109"/>
+              <a:gd name="adj2" fmla="val 16131434"/>
+            </a:avLst>
+          </a:prstGeom>
+          <a:ln w="76200" cap="rnd">
+            <a:solidFill>
+              <a:schemeClr val="accent2"/>
+            </a:solidFill>
+          </a:ln>
+        </p:spPr>
+        <p:style>
+          <a:lnRef idx="1">
+            <a:schemeClr val="accent1"/>
+          </a:lnRef>
+          <a:fillRef idx="0">
+            <a:schemeClr val="accent1"/>
+          </a:fillRef>
+          <a:effectRef idx="0">
+            <a:schemeClr val="accent1"/>
+          </a:effectRef>
+          <a:fontRef idx="minor">
+            <a:schemeClr val="tx1"/>
+          </a:fontRef>
+        </p:style>
+        <p:txBody>
+          <a:bodyPr rtlCol="0" anchor="ctr"/>
+          <a:lstStyle/>
+          <a:p>
+            <a:pPr algn="ctr"/>
+            <a:endParaRPr lang="en-US"/>
+          </a:p>
+        </p:txBody>
+      </p:sp>
+      <p:sp>
+        <p:nvSpPr>
+          <p:cNvPr id="62" name="Arc 61"/>
+          <p:cNvSpPr/>
+          <p:nvPr/>
+        </p:nvSpPr>
+        <p:spPr>
+          <a:xfrm flipV="1">
+            <a:off x="8989131" y="2742237"/>
+            <a:ext cx="960797" cy="1053506"/>
+          </a:xfrm>
+          <a:prstGeom prst="arc">
+            <a:avLst>
+              <a:gd name="adj1" fmla="val 10867139"/>
+              <a:gd name="adj2" fmla="val 16661881"/>
+            </a:avLst>
+          </a:prstGeom>
+          <a:ln w="76200" cap="rnd">
+            <a:solidFill>
+              <a:schemeClr val="tx1"/>
+            </a:solidFill>
+          </a:ln>
+        </p:spPr>
+        <p:style>
+          <a:lnRef idx="1">
+            <a:schemeClr val="accent1"/>
+          </a:lnRef>
+          <a:fillRef idx="0">
+            <a:schemeClr val="accent1"/>
+          </a:fillRef>
+          <a:effectRef idx="0">
+            <a:schemeClr val="accent1"/>
+          </a:effectRef>
+          <a:fontRef idx="minor">
+            <a:schemeClr val="tx1"/>
+          </a:fontRef>
+        </p:style>
+        <p:txBody>
+          <a:bodyPr rtlCol="0" anchor="ctr"/>
+          <a:lstStyle/>
+          <a:p>
+            <a:pPr algn="ctr"/>
+            <a:endParaRPr lang="en-US"/>
+          </a:p>
+        </p:txBody>
+      </p:sp>
+      <p:sp>
+        <p:nvSpPr>
+          <p:cNvPr id="63" name="Freeform 29">
+            <a:extLst>
+              <a:ext uri="{FF2B5EF4-FFF2-40B4-BE49-F238E27FC236}">
+                <a16:creationId xmlns:a16="http://schemas.microsoft.com/office/drawing/2014/main" id="{369D9E4C-93FF-4C0F-831C-AC33AF7434BE}"/>
+              </a:ext>
+            </a:extLst>
+          </p:cNvPr>
+          <p:cNvSpPr/>
+          <p:nvPr/>
+        </p:nvSpPr>
+        <p:spPr>
+          <a:xfrm>
+            <a:off x="8364617" y="3220004"/>
+            <a:ext cx="617952" cy="45719"/>
+          </a:xfrm>
+          <a:custGeom>
+            <a:avLst/>
+            <a:gdLst>
+              <a:gd name="connsiteX0" fmla="*/ 1403350 w 1403350"/>
+              <a:gd name="connsiteY0" fmla="*/ 0 h 0"/>
+              <a:gd name="connsiteX1" fmla="*/ 0 w 1403350"/>
+              <a:gd name="connsiteY1" fmla="*/ 0 h 0"/>
+            </a:gdLst>
+            <a:ahLst/>
+            <a:cxnLst>
+              <a:cxn ang="0">
+                <a:pos x="connsiteX0" y="connsiteY0"/>
+              </a:cxn>
+              <a:cxn ang="0">
+                <a:pos x="connsiteX1" y="connsiteY1"/>
+              </a:cxn>
+            </a:cxnLst>
+            <a:rect l="l" t="t" r="r" b="b"/>
+            <a:pathLst>
+              <a:path w="1403350">
+                <a:moveTo>
+                  <a:pt x="1403350" y="0"/>
+                </a:moveTo>
+                <a:lnTo>
+                  <a:pt x="0" y="0"/>
+                </a:lnTo>
+              </a:path>
+            </a:pathLst>
+          </a:custGeom>
+          <a:ln w="76200" cap="rnd">
+            <a:solidFill>
+              <a:schemeClr val="tx1"/>
+            </a:solidFill>
+          </a:ln>
+        </p:spPr>
+        <p:style>
+          <a:lnRef idx="1">
+            <a:schemeClr val="accent1"/>
+          </a:lnRef>
+          <a:fillRef idx="0">
+            <a:schemeClr val="accent1"/>
+          </a:fillRef>
+          <a:effectRef idx="0">
+            <a:schemeClr val="accent1"/>
+          </a:effectRef>
+          <a:fontRef idx="minor">
+            <a:schemeClr val="tx1"/>
+          </a:fontRef>
+        </p:style>
+        <p:txBody>
+          <a:bodyPr rtlCol="0" anchor="ctr"/>
+          <a:lstStyle/>
+          <a:p>
+            <a:pPr algn="ctr"/>
+            <a:endParaRPr lang="en-US"/>
+          </a:p>
+        </p:txBody>
+      </p:sp>
+      <p:sp>
+        <p:nvSpPr>
+          <p:cNvPr id="64" name="Freeform 34"/>
+          <p:cNvSpPr/>
+          <p:nvPr/>
+        </p:nvSpPr>
+        <p:spPr>
+          <a:xfrm rot="16200000" flipV="1">
+            <a:off x="5802046" y="4223313"/>
+            <a:ext cx="739031" cy="53731"/>
+          </a:xfrm>
+          <a:custGeom>
+            <a:avLst/>
+            <a:gdLst>
+              <a:gd name="connsiteX0" fmla="*/ 1403350 w 1403350"/>
+              <a:gd name="connsiteY0" fmla="*/ 0 h 0"/>
+              <a:gd name="connsiteX1" fmla="*/ 0 w 1403350"/>
+              <a:gd name="connsiteY1" fmla="*/ 0 h 0"/>
+            </a:gdLst>
+            <a:ahLst/>
+            <a:cxnLst>
+              <a:cxn ang="0">
+                <a:pos x="connsiteX0" y="connsiteY0"/>
+              </a:cxn>
+              <a:cxn ang="0">
+                <a:pos x="connsiteX1" y="connsiteY1"/>
+              </a:cxn>
+            </a:cxnLst>
+            <a:rect l="l" t="t" r="r" b="b"/>
+            <a:pathLst>
+              <a:path w="1403350">
+                <a:moveTo>
+                  <a:pt x="1403350" y="0"/>
+                </a:moveTo>
+                <a:lnTo>
+                  <a:pt x="0" y="0"/>
+                </a:lnTo>
+              </a:path>
+            </a:pathLst>
+          </a:custGeom>
+          <a:ln w="76200" cap="rnd">
+            <a:solidFill>
+              <a:schemeClr val="tx1"/>
+            </a:solidFill>
+            <a:headEnd type="none"/>
+            <a:tailEnd type="oval" w="med" len="med"/>
+          </a:ln>
+        </p:spPr>
+        <p:style>
+          <a:lnRef idx="1">
+            <a:schemeClr val="accent1"/>
+          </a:lnRef>
+          <a:fillRef idx="0">
+            <a:schemeClr val="accent1"/>
+          </a:fillRef>
+          <a:effectRef idx="0">
+            <a:schemeClr val="accent1"/>
+          </a:effectRef>
+          <a:fontRef idx="minor">
+            <a:schemeClr val="tx1"/>
+          </a:fontRef>
+        </p:style>
+        <p:txBody>
+          <a:bodyPr rtlCol="0" anchor="ctr"/>
+          <a:lstStyle/>
+          <a:p>
+            <a:pPr algn="ctr"/>
+            <a:endParaRPr lang="en-US"/>
+          </a:p>
+        </p:txBody>
+      </p:sp>
+      <p:sp>
+        <p:nvSpPr>
+          <p:cNvPr id="65" name="Arc 64"/>
+          <p:cNvSpPr/>
+          <p:nvPr/>
+        </p:nvSpPr>
+        <p:spPr>
+          <a:xfrm flipV="1">
+            <a:off x="5636332" y="2796668"/>
+            <a:ext cx="960797" cy="1053506"/>
+          </a:xfrm>
+          <a:prstGeom prst="arc">
+            <a:avLst>
+              <a:gd name="adj1" fmla="val 10867139"/>
+              <a:gd name="adj2" fmla="val 16661881"/>
+            </a:avLst>
+          </a:prstGeom>
+          <a:ln w="76200" cap="rnd">
+            <a:solidFill>
+              <a:schemeClr val="tx1"/>
+            </a:solidFill>
+          </a:ln>
+        </p:spPr>
+        <p:style>
+          <a:lnRef idx="1">
+            <a:schemeClr val="accent1"/>
+          </a:lnRef>
+          <a:fillRef idx="0">
+            <a:schemeClr val="accent1"/>
+          </a:fillRef>
+          <a:effectRef idx="0">
+            <a:schemeClr val="accent1"/>
+          </a:effectRef>
+          <a:fontRef idx="minor">
+            <a:schemeClr val="tx1"/>
+          </a:fontRef>
+        </p:style>
+        <p:txBody>
+          <a:bodyPr rtlCol="0" anchor="ctr"/>
+          <a:lstStyle/>
+          <a:p>
+            <a:pPr algn="ctr"/>
+            <a:endParaRPr lang="en-US"/>
+          </a:p>
+        </p:txBody>
+      </p:sp>
+      <p:sp>
+        <p:nvSpPr>
+          <p:cNvPr id="66" name="Freeform 29">
+            <a:extLst>
+              <a:ext uri="{FF2B5EF4-FFF2-40B4-BE49-F238E27FC236}">
+                <a16:creationId xmlns:a16="http://schemas.microsoft.com/office/drawing/2014/main" id="{369D9E4C-93FF-4C0F-831C-AC33AF7434BE}"/>
+              </a:ext>
+            </a:extLst>
+          </p:cNvPr>
+          <p:cNvSpPr/>
+          <p:nvPr/>
+        </p:nvSpPr>
+        <p:spPr>
+          <a:xfrm>
+            <a:off x="5011818" y="3274435"/>
+            <a:ext cx="617952" cy="45719"/>
+          </a:xfrm>
+          <a:custGeom>
+            <a:avLst/>
+            <a:gdLst>
+              <a:gd name="connsiteX0" fmla="*/ 1403350 w 1403350"/>
+              <a:gd name="connsiteY0" fmla="*/ 0 h 0"/>
+              <a:gd name="connsiteX1" fmla="*/ 0 w 1403350"/>
+              <a:gd name="connsiteY1" fmla="*/ 0 h 0"/>
+            </a:gdLst>
+            <a:ahLst/>
+            <a:cxnLst>
+              <a:cxn ang="0">
+                <a:pos x="connsiteX0" y="connsiteY0"/>
+              </a:cxn>
+              <a:cxn ang="0">
+                <a:pos x="connsiteX1" y="connsiteY1"/>
+              </a:cxn>
+            </a:cxnLst>
+            <a:rect l="l" t="t" r="r" b="b"/>
+            <a:pathLst>
+              <a:path w="1403350">
+                <a:moveTo>
+                  <a:pt x="1403350" y="0"/>
+                </a:moveTo>
+                <a:lnTo>
+                  <a:pt x="0" y="0"/>
+                </a:lnTo>
+              </a:path>
+            </a:pathLst>
+          </a:custGeom>
+          <a:ln w="76200" cap="rnd">
+            <a:solidFill>
+              <a:schemeClr val="tx1"/>
+            </a:solidFill>
+          </a:ln>
+        </p:spPr>
+        <p:style>
+          <a:lnRef idx="1">
+            <a:schemeClr val="accent1"/>
+          </a:lnRef>
+          <a:fillRef idx="0">
+            <a:schemeClr val="accent1"/>
+          </a:fillRef>
+          <a:effectRef idx="0">
+            <a:schemeClr val="accent1"/>
+          </a:effectRef>
+          <a:fontRef idx="minor">
+            <a:schemeClr val="tx1"/>
+          </a:fontRef>
+        </p:style>
+        <p:txBody>
+          <a:bodyPr rtlCol="0" anchor="ctr"/>
+          <a:lstStyle/>
+          <a:p>
+            <a:pPr algn="ctr"/>
+            <a:endParaRPr lang="en-US"/>
+          </a:p>
+        </p:txBody>
+      </p:sp>
+      <p:sp>
+        <p:nvSpPr>
+          <p:cNvPr id="67" name="Freeform 34"/>
+          <p:cNvSpPr/>
+          <p:nvPr/>
+        </p:nvSpPr>
+        <p:spPr>
+          <a:xfrm rot="16200000" flipV="1">
+            <a:off x="2525446" y="4245083"/>
+            <a:ext cx="739031" cy="53731"/>
+          </a:xfrm>
+          <a:custGeom>
+            <a:avLst/>
+            <a:gdLst>
+              <a:gd name="connsiteX0" fmla="*/ 1403350 w 1403350"/>
+              <a:gd name="connsiteY0" fmla="*/ 0 h 0"/>
+              <a:gd name="connsiteX1" fmla="*/ 0 w 1403350"/>
+              <a:gd name="connsiteY1" fmla="*/ 0 h 0"/>
+            </a:gdLst>
+            <a:ahLst/>
+            <a:cxnLst>
+              <a:cxn ang="0">
+                <a:pos x="connsiteX0" y="connsiteY0"/>
+              </a:cxn>
+              <a:cxn ang="0">
+                <a:pos x="connsiteX1" y="connsiteY1"/>
+              </a:cxn>
+            </a:cxnLst>
+            <a:rect l="l" t="t" r="r" b="b"/>
+            <a:pathLst>
+              <a:path w="1403350">
+                <a:moveTo>
+                  <a:pt x="1403350" y="0"/>
+                </a:moveTo>
+                <a:lnTo>
+                  <a:pt x="0" y="0"/>
+                </a:lnTo>
+              </a:path>
+            </a:pathLst>
+          </a:custGeom>
+          <a:ln w="76200" cap="rnd">
+            <a:solidFill>
+              <a:srgbClr val="47B0B7"/>
+            </a:solidFill>
+            <a:headEnd type="none"/>
+            <a:tailEnd type="oval" w="med" len="med"/>
+          </a:ln>
+        </p:spPr>
+        <p:style>
+          <a:lnRef idx="1">
+            <a:schemeClr val="accent1"/>
+          </a:lnRef>
+          <a:fillRef idx="0">
+            <a:schemeClr val="accent1"/>
+          </a:fillRef>
+          <a:effectRef idx="0">
+            <a:schemeClr val="accent1"/>
+          </a:effectRef>
+          <a:fontRef idx="minor">
+            <a:schemeClr val="tx1"/>
+          </a:fontRef>
+        </p:style>
+        <p:txBody>
+          <a:bodyPr rtlCol="0" anchor="ctr"/>
+          <a:lstStyle/>
+          <a:p>
+            <a:pPr algn="ctr"/>
+            <a:endParaRPr lang="en-US"/>
+          </a:p>
+        </p:txBody>
+      </p:sp>
+      <p:sp>
+        <p:nvSpPr>
+          <p:cNvPr id="68" name="Arc 67"/>
+          <p:cNvSpPr/>
+          <p:nvPr/>
+        </p:nvSpPr>
+        <p:spPr>
+          <a:xfrm flipV="1">
+            <a:off x="2348151" y="2858320"/>
+            <a:ext cx="985352" cy="983387"/>
+          </a:xfrm>
+          <a:prstGeom prst="arc">
+            <a:avLst>
+              <a:gd name="adj1" fmla="val 10867139"/>
+              <a:gd name="adj2" fmla="val 16661881"/>
+            </a:avLst>
+          </a:prstGeom>
+          <a:ln w="76200" cap="rnd">
+            <a:solidFill>
+              <a:srgbClr val="47B0B7"/>
+            </a:solidFill>
+          </a:ln>
+        </p:spPr>
+        <p:style>
+          <a:lnRef idx="1">
+            <a:schemeClr val="accent1"/>
+          </a:lnRef>
+          <a:fillRef idx="0">
+            <a:schemeClr val="accent1"/>
+          </a:fillRef>
+          <a:effectRef idx="0">
+            <a:schemeClr val="accent1"/>
+          </a:effectRef>
+          <a:fontRef idx="minor">
+            <a:schemeClr val="tx1"/>
+          </a:fontRef>
+        </p:style>
+        <p:txBody>
+          <a:bodyPr rtlCol="0" anchor="ctr"/>
+          <a:lstStyle/>
+          <a:p>
+            <a:pPr algn="ctr"/>
+            <a:endParaRPr lang="en-US"/>
+          </a:p>
+        </p:txBody>
+      </p:sp>
+      <p:sp>
+        <p:nvSpPr>
+          <p:cNvPr id="69" name="Freeform 29">
+            <a:extLst>
+              <a:ext uri="{FF2B5EF4-FFF2-40B4-BE49-F238E27FC236}">
+                <a16:creationId xmlns:a16="http://schemas.microsoft.com/office/drawing/2014/main" id="{369D9E4C-93FF-4C0F-831C-AC33AF7434BE}"/>
+              </a:ext>
+            </a:extLst>
+          </p:cNvPr>
+          <p:cNvSpPr/>
+          <p:nvPr/>
+        </p:nvSpPr>
+        <p:spPr>
+          <a:xfrm>
+            <a:off x="1792812" y="3294717"/>
+            <a:ext cx="560357" cy="47207"/>
+          </a:xfrm>
+          <a:custGeom>
+            <a:avLst/>
+            <a:gdLst>
+              <a:gd name="connsiteX0" fmla="*/ 1403350 w 1403350"/>
+              <a:gd name="connsiteY0" fmla="*/ 0 h 0"/>
+              <a:gd name="connsiteX1" fmla="*/ 0 w 1403350"/>
+              <a:gd name="connsiteY1" fmla="*/ 0 h 0"/>
+            </a:gdLst>
+            <a:ahLst/>
+            <a:cxnLst>
+              <a:cxn ang="0">
+                <a:pos x="connsiteX0" y="connsiteY0"/>
+              </a:cxn>
+              <a:cxn ang="0">
+                <a:pos x="connsiteX1" y="connsiteY1"/>
+              </a:cxn>
+            </a:cxnLst>
+            <a:rect l="l" t="t" r="r" b="b"/>
+            <a:pathLst>
+              <a:path w="1403350">
+                <a:moveTo>
+                  <a:pt x="1403350" y="0"/>
+                </a:moveTo>
+                <a:lnTo>
+                  <a:pt x="0" y="0"/>
+                </a:lnTo>
+              </a:path>
+            </a:pathLst>
+          </a:custGeom>
+          <a:ln w="76200" cap="rnd">
+            <a:solidFill>
+              <a:srgbClr val="47B0B7"/>
+            </a:solidFill>
+          </a:ln>
+        </p:spPr>
+        <p:style>
+          <a:lnRef idx="1">
+            <a:schemeClr val="accent1"/>
+          </a:lnRef>
+          <a:fillRef idx="0">
+            <a:schemeClr val="accent1"/>
+          </a:fillRef>
+          <a:effectRef idx="0">
+            <a:schemeClr val="accent1"/>
+          </a:effectRef>
+          <a:fontRef idx="minor">
+            <a:schemeClr val="tx1"/>
+          </a:fontRef>
+        </p:style>
+        <p:txBody>
+          <a:bodyPr rtlCol="0" anchor="ctr"/>
+          <a:lstStyle/>
+          <a:p>
+            <a:pPr algn="ctr"/>
+            <a:endParaRPr lang="en-US"/>
+          </a:p>
+        </p:txBody>
+      </p:sp>
+      <p:sp>
+        <p:nvSpPr>
+          <p:cNvPr id="70" name="Freeform 34"/>
+          <p:cNvSpPr/>
+          <p:nvPr/>
+        </p:nvSpPr>
+        <p:spPr>
+          <a:xfrm rot="16200000" flipV="1">
+            <a:off x="5800016" y="4223313"/>
+            <a:ext cx="739031" cy="53731"/>
+          </a:xfrm>
+          <a:custGeom>
+            <a:avLst/>
+            <a:gdLst>
+              <a:gd name="connsiteX0" fmla="*/ 1403350 w 1403350"/>
+              <a:gd name="connsiteY0" fmla="*/ 0 h 0"/>
+              <a:gd name="connsiteX1" fmla="*/ 0 w 1403350"/>
+              <a:gd name="connsiteY1" fmla="*/ 0 h 0"/>
+            </a:gdLst>
+            <a:ahLst/>
+            <a:cxnLst>
+              <a:cxn ang="0">
+                <a:pos x="connsiteX0" y="connsiteY0"/>
+              </a:cxn>
+              <a:cxn ang="0">
+                <a:pos x="connsiteX1" y="connsiteY1"/>
+              </a:cxn>
+            </a:cxnLst>
+            <a:rect l="l" t="t" r="r" b="b"/>
+            <a:pathLst>
+              <a:path w="1403350">
+                <a:moveTo>
+                  <a:pt x="1403350" y="0"/>
+                </a:moveTo>
+                <a:lnTo>
+                  <a:pt x="0" y="0"/>
+                </a:lnTo>
+              </a:path>
+            </a:pathLst>
+          </a:custGeom>
+          <a:ln w="76200" cap="rnd">
+            <a:solidFill>
+              <a:srgbClr val="00B050"/>
+            </a:solidFill>
+            <a:headEnd type="none"/>
+            <a:tailEnd type="oval" w="med" len="med"/>
+          </a:ln>
+        </p:spPr>
+        <p:style>
+          <a:lnRef idx="1">
+            <a:schemeClr val="accent1"/>
+          </a:lnRef>
+          <a:fillRef idx="0">
+            <a:schemeClr val="accent1"/>
+          </a:fillRef>
+          <a:effectRef idx="0">
+            <a:schemeClr val="accent1"/>
+          </a:effectRef>
+          <a:fontRef idx="minor">
+            <a:schemeClr val="tx1"/>
+          </a:fontRef>
+        </p:style>
+        <p:txBody>
+          <a:bodyPr rtlCol="0" anchor="ctr"/>
+          <a:lstStyle/>
+          <a:p>
+            <a:pPr algn="ctr"/>
+            <a:endParaRPr lang="en-US"/>
+          </a:p>
+        </p:txBody>
+      </p:sp>
+      <p:sp>
+        <p:nvSpPr>
+          <p:cNvPr id="71" name="Arc 70"/>
+          <p:cNvSpPr/>
+          <p:nvPr/>
+        </p:nvSpPr>
+        <p:spPr>
+          <a:xfrm flipV="1">
+            <a:off x="5634302" y="2796668"/>
+            <a:ext cx="960797" cy="1053506"/>
+          </a:xfrm>
+          <a:prstGeom prst="arc">
+            <a:avLst>
+              <a:gd name="adj1" fmla="val 10867139"/>
+              <a:gd name="adj2" fmla="val 16661881"/>
+            </a:avLst>
+          </a:prstGeom>
+          <a:ln w="76200" cap="rnd">
+            <a:solidFill>
+              <a:srgbClr val="00B050"/>
+            </a:solidFill>
+          </a:ln>
+        </p:spPr>
+        <p:style>
+          <a:lnRef idx="1">
+            <a:schemeClr val="accent1"/>
+          </a:lnRef>
+          <a:fillRef idx="0">
+            <a:schemeClr val="accent1"/>
+          </a:fillRef>
+          <a:effectRef idx="0">
+            <a:schemeClr val="accent1"/>
+          </a:effectRef>
+          <a:fontRef idx="minor">
+            <a:schemeClr val="tx1"/>
+          </a:fontRef>
+        </p:style>
+        <p:txBody>
+          <a:bodyPr rtlCol="0" anchor="ctr"/>
+          <a:lstStyle/>
+          <a:p>
+            <a:pPr algn="ctr"/>
+            <a:endParaRPr lang="en-US"/>
+          </a:p>
+        </p:txBody>
+      </p:sp>
+      <p:sp>
+        <p:nvSpPr>
+          <p:cNvPr id="72" name="Freeform 29">
+            <a:extLst>
+              <a:ext uri="{FF2B5EF4-FFF2-40B4-BE49-F238E27FC236}">
+                <a16:creationId xmlns:a16="http://schemas.microsoft.com/office/drawing/2014/main" id="{369D9E4C-93FF-4C0F-831C-AC33AF7434BE}"/>
+              </a:ext>
+            </a:extLst>
+          </p:cNvPr>
+          <p:cNvSpPr/>
+          <p:nvPr/>
+        </p:nvSpPr>
+        <p:spPr>
+          <a:xfrm>
+            <a:off x="5009788" y="3274435"/>
+            <a:ext cx="617952" cy="45719"/>
+          </a:xfrm>
+          <a:custGeom>
+            <a:avLst/>
+            <a:gdLst>
+              <a:gd name="connsiteX0" fmla="*/ 1403350 w 1403350"/>
+              <a:gd name="connsiteY0" fmla="*/ 0 h 0"/>
+              <a:gd name="connsiteX1" fmla="*/ 0 w 1403350"/>
+              <a:gd name="connsiteY1" fmla="*/ 0 h 0"/>
+            </a:gdLst>
+            <a:ahLst/>
+            <a:cxnLst>
+              <a:cxn ang="0">
+                <a:pos x="connsiteX0" y="connsiteY0"/>
+              </a:cxn>
+              <a:cxn ang="0">
+                <a:pos x="connsiteX1" y="connsiteY1"/>
+              </a:cxn>
+            </a:cxnLst>
+            <a:rect l="l" t="t" r="r" b="b"/>
+            <a:pathLst>
+              <a:path w="1403350">
+                <a:moveTo>
+                  <a:pt x="1403350" y="0"/>
+                </a:moveTo>
+                <a:lnTo>
+                  <a:pt x="0" y="0"/>
+                </a:lnTo>
+              </a:path>
+            </a:pathLst>
+          </a:custGeom>
+          <a:ln w="76200" cap="rnd">
+            <a:solidFill>
+              <a:srgbClr val="00B050"/>
+            </a:solidFill>
+          </a:ln>
+        </p:spPr>
+        <p:style>
+          <a:lnRef idx="1">
+            <a:schemeClr val="accent1"/>
+          </a:lnRef>
+          <a:fillRef idx="0">
+            <a:schemeClr val="accent1"/>
+          </a:fillRef>
+          <a:effectRef idx="0">
+            <a:schemeClr val="accent1"/>
+          </a:effectRef>
+          <a:fontRef idx="minor">
+            <a:schemeClr val="tx1"/>
+          </a:fontRef>
+        </p:style>
+        <p:txBody>
+          <a:bodyPr rtlCol="0" anchor="ctr"/>
+          <a:lstStyle/>
+          <a:p>
+            <a:pPr algn="ctr"/>
+            <a:endParaRPr lang="en-US"/>
+          </a:p>
+        </p:txBody>
+      </p:sp>
+      <p:sp>
+        <p:nvSpPr>
+          <p:cNvPr id="73" name="Freeform 16">
+            <a:extLst>
+              <a:ext uri="{FF2B5EF4-FFF2-40B4-BE49-F238E27FC236}">
+                <a16:creationId xmlns:a16="http://schemas.microsoft.com/office/drawing/2014/main" id="{BA948ED2-9FBF-4AA3-B79F-470F043793BE}"/>
+              </a:ext>
+            </a:extLst>
+          </p:cNvPr>
+          <p:cNvSpPr>
+            <a:spLocks noEditPoints="1"/>
+          </p:cNvSpPr>
+          <p:nvPr>
+            <p:custDataLst>
+              <p:tags r:id="rId8"/>
+            </p:custDataLst>
+          </p:nvPr>
+        </p:nvSpPr>
+        <p:spPr bwMode="auto">
+          <a:xfrm>
+            <a:off x="10983495" y="2946497"/>
+            <a:ext cx="405799" cy="426778"/>
+          </a:xfrm>
+          <a:custGeom>
+            <a:avLst/>
+            <a:gdLst>
+              <a:gd name="T0" fmla="*/ 11 w 100"/>
+              <a:gd name="T1" fmla="*/ 77 h 106"/>
+              <a:gd name="T2" fmla="*/ 31 w 100"/>
+              <a:gd name="T3" fmla="*/ 71 h 106"/>
+              <a:gd name="T4" fmla="*/ 72 w 100"/>
+              <a:gd name="T5" fmla="*/ 82 h 106"/>
+              <a:gd name="T6" fmla="*/ 97 w 100"/>
+              <a:gd name="T7" fmla="*/ 72 h 106"/>
+              <a:gd name="T8" fmla="*/ 100 w 100"/>
+              <a:gd name="T9" fmla="*/ 66 h 106"/>
+              <a:gd name="T10" fmla="*/ 100 w 100"/>
+              <a:gd name="T11" fmla="*/ 12 h 106"/>
+              <a:gd name="T12" fmla="*/ 95 w 100"/>
+              <a:gd name="T13" fmla="*/ 7 h 106"/>
+              <a:gd name="T14" fmla="*/ 90 w 100"/>
+              <a:gd name="T15" fmla="*/ 9 h 106"/>
+              <a:gd name="T16" fmla="*/ 70 w 100"/>
+              <a:gd name="T17" fmla="*/ 15 h 106"/>
+              <a:gd name="T18" fmla="*/ 32 w 100"/>
+              <a:gd name="T19" fmla="*/ 4 h 106"/>
+              <a:gd name="T20" fmla="*/ 11 w 100"/>
+              <a:gd name="T21" fmla="*/ 9 h 106"/>
+              <a:gd name="T22" fmla="*/ 11 w 100"/>
+              <a:gd name="T23" fmla="*/ 5 h 106"/>
+              <a:gd name="T24" fmla="*/ 5 w 100"/>
+              <a:gd name="T25" fmla="*/ 0 h 106"/>
+              <a:gd name="T26" fmla="*/ 0 w 100"/>
+              <a:gd name="T27" fmla="*/ 5 h 106"/>
+              <a:gd name="T28" fmla="*/ 0 w 100"/>
+              <a:gd name="T29" fmla="*/ 101 h 106"/>
+              <a:gd name="T30" fmla="*/ 5 w 100"/>
+              <a:gd name="T31" fmla="*/ 106 h 106"/>
+              <a:gd name="T32" fmla="*/ 11 w 100"/>
+              <a:gd name="T33" fmla="*/ 101 h 106"/>
+              <a:gd name="T34" fmla="*/ 11 w 100"/>
+              <a:gd name="T35" fmla="*/ 77 h 106"/>
+              <a:gd name="T36" fmla="*/ 20 w 100"/>
+              <a:gd name="T37" fmla="*/ 22 h 106"/>
+              <a:gd name="T38" fmla="*/ 20 w 100"/>
+              <a:gd name="T39" fmla="*/ 57 h 106"/>
+              <a:gd name="T40" fmla="*/ 15 w 100"/>
+              <a:gd name="T41" fmla="*/ 62 h 106"/>
+              <a:gd name="T42" fmla="*/ 11 w 100"/>
+              <a:gd name="T43" fmla="*/ 57 h 106"/>
+              <a:gd name="T44" fmla="*/ 11 w 100"/>
+              <a:gd name="T45" fmla="*/ 22 h 106"/>
+              <a:gd name="T46" fmla="*/ 15 w 100"/>
+              <a:gd name="T47" fmla="*/ 17 h 106"/>
+              <a:gd name="T48" fmla="*/ 20 w 100"/>
+              <a:gd name="T49" fmla="*/ 22 h 106"/>
+            </a:gdLst>
+            <a:ahLst/>
+            <a:cxnLst>
+              <a:cxn ang="0">
+                <a:pos x="T0" y="T1"/>
+              </a:cxn>
+              <a:cxn ang="0">
+                <a:pos x="T2" y="T3"/>
+              </a:cxn>
+              <a:cxn ang="0">
+                <a:pos x="T4" y="T5"/>
+              </a:cxn>
+              <a:cxn ang="0">
+                <a:pos x="T6" y="T7"/>
+              </a:cxn>
+              <a:cxn ang="0">
+                <a:pos x="T8" y="T9"/>
+              </a:cxn>
+              <a:cxn ang="0">
+                <a:pos x="T10" y="T11"/>
+              </a:cxn>
+              <a:cxn ang="0">
+                <a:pos x="T12" y="T13"/>
+              </a:cxn>
+              <a:cxn ang="0">
+                <a:pos x="T14" y="T15"/>
+              </a:cxn>
+              <a:cxn ang="0">
+                <a:pos x="T16" y="T17"/>
+              </a:cxn>
+              <a:cxn ang="0">
+                <a:pos x="T18" y="T19"/>
+              </a:cxn>
+              <a:cxn ang="0">
+                <a:pos x="T20" y="T21"/>
+              </a:cxn>
+              <a:cxn ang="0">
+                <a:pos x="T22" y="T23"/>
+              </a:cxn>
+              <a:cxn ang="0">
+                <a:pos x="T24" y="T25"/>
+              </a:cxn>
+              <a:cxn ang="0">
+                <a:pos x="T26" y="T27"/>
+              </a:cxn>
+              <a:cxn ang="0">
+                <a:pos x="T28" y="T29"/>
+              </a:cxn>
+              <a:cxn ang="0">
+                <a:pos x="T30" y="T31"/>
+              </a:cxn>
+              <a:cxn ang="0">
+                <a:pos x="T32" y="T33"/>
+              </a:cxn>
+              <a:cxn ang="0">
+                <a:pos x="T34" y="T35"/>
+              </a:cxn>
+              <a:cxn ang="0">
+                <a:pos x="T36" y="T37"/>
+              </a:cxn>
+              <a:cxn ang="0">
+                <a:pos x="T38" y="T39"/>
+              </a:cxn>
+              <a:cxn ang="0">
+                <a:pos x="T40" y="T41"/>
+              </a:cxn>
+              <a:cxn ang="0">
+                <a:pos x="T42" y="T43"/>
+              </a:cxn>
+              <a:cxn ang="0">
+                <a:pos x="T44" y="T45"/>
+              </a:cxn>
+              <a:cxn ang="0">
+                <a:pos x="T46" y="T47"/>
+              </a:cxn>
+              <a:cxn ang="0">
+                <a:pos x="T48" y="T49"/>
+              </a:cxn>
+            </a:cxnLst>
+            <a:rect l="0" t="0" r="r" b="b"/>
+            <a:pathLst>
+              <a:path w="100" h="106">
+                <a:moveTo>
+                  <a:pt x="11" y="77"/>
+                </a:moveTo>
+                <a:cubicBezTo>
+                  <a:pt x="11" y="77"/>
+                  <a:pt x="17" y="71"/>
+                  <a:pt x="31" y="71"/>
+                </a:cubicBezTo>
+                <a:cubicBezTo>
+                  <a:pt x="46" y="71"/>
+                  <a:pt x="59" y="82"/>
+                  <a:pt x="72" y="82"/>
+                </a:cubicBezTo>
+                <a:cubicBezTo>
+                  <a:pt x="84" y="82"/>
+                  <a:pt x="92" y="77"/>
+                  <a:pt x="97" y="72"/>
+                </a:cubicBezTo>
+                <a:cubicBezTo>
+                  <a:pt x="98" y="71"/>
+                  <a:pt x="100" y="68"/>
+                  <a:pt x="100" y="66"/>
+                </a:cubicBezTo>
+                <a:cubicBezTo>
+                  <a:pt x="100" y="12"/>
+                  <a:pt x="100" y="12"/>
+                  <a:pt x="100" y="12"/>
+                </a:cubicBezTo>
+                <a:cubicBezTo>
+                  <a:pt x="100" y="9"/>
+                  <a:pt x="98" y="7"/>
+                  <a:pt x="95" y="7"/>
+                </a:cubicBezTo>
+                <a:cubicBezTo>
+                  <a:pt x="93" y="7"/>
+                  <a:pt x="92" y="8"/>
+                  <a:pt x="90" y="9"/>
+                </a:cubicBezTo>
+                <a:cubicBezTo>
+                  <a:pt x="88" y="11"/>
+                  <a:pt x="83" y="15"/>
+                  <a:pt x="70" y="15"/>
+                </a:cubicBezTo>
+                <a:cubicBezTo>
+                  <a:pt x="58" y="15"/>
+                  <a:pt x="48" y="4"/>
+                  <a:pt x="32" y="4"/>
+                </a:cubicBezTo>
+                <a:cubicBezTo>
+                  <a:pt x="17" y="4"/>
+                  <a:pt x="11" y="9"/>
+                  <a:pt x="11" y="9"/>
+                </a:cubicBezTo>
+                <a:cubicBezTo>
+                  <a:pt x="11" y="5"/>
+                  <a:pt x="11" y="5"/>
+                  <a:pt x="11" y="5"/>
+                </a:cubicBezTo>
+                <a:cubicBezTo>
+                  <a:pt x="11" y="2"/>
+                  <a:pt x="8" y="0"/>
+                  <a:pt x="5" y="0"/>
+                </a:cubicBezTo>
+                <a:cubicBezTo>
+                  <a:pt x="2" y="0"/>
+                  <a:pt x="0" y="2"/>
+                  <a:pt x="0" y="5"/>
+                </a:cubicBezTo>
+                <a:cubicBezTo>
+                  <a:pt x="0" y="101"/>
+                  <a:pt x="0" y="101"/>
+                  <a:pt x="0" y="101"/>
+                </a:cubicBezTo>
+                <a:cubicBezTo>
+                  <a:pt x="0" y="104"/>
+                  <a:pt x="2" y="106"/>
+                  <a:pt x="5" y="106"/>
+                </a:cubicBezTo>
+                <a:cubicBezTo>
+                  <a:pt x="8" y="106"/>
+                  <a:pt x="11" y="104"/>
+                  <a:pt x="11" y="101"/>
+                </a:cubicBezTo>
+                <a:lnTo>
+                  <a:pt x="11" y="77"/>
+                </a:lnTo>
+                <a:close/>
+                <a:moveTo>
+                  <a:pt x="20" y="22"/>
+                </a:moveTo>
+                <a:cubicBezTo>
+                  <a:pt x="20" y="57"/>
+                  <a:pt x="20" y="57"/>
+                  <a:pt x="20" y="57"/>
+                </a:cubicBezTo>
+                <a:cubicBezTo>
+                  <a:pt x="20" y="60"/>
+                  <a:pt x="18" y="62"/>
+                  <a:pt x="15" y="62"/>
+                </a:cubicBezTo>
+                <a:cubicBezTo>
+                  <a:pt x="13" y="62"/>
+                  <a:pt x="11" y="60"/>
+                  <a:pt x="11" y="57"/>
+                </a:cubicBezTo>
+                <a:cubicBezTo>
+                  <a:pt x="11" y="22"/>
+                  <a:pt x="11" y="22"/>
+                  <a:pt x="11" y="22"/>
+                </a:cubicBezTo>
+                <a:cubicBezTo>
+                  <a:pt x="11" y="19"/>
+                  <a:pt x="13" y="17"/>
+                  <a:pt x="15" y="17"/>
+                </a:cubicBezTo>
+                <a:cubicBezTo>
+                  <a:pt x="18" y="17"/>
+                  <a:pt x="20" y="19"/>
+                  <a:pt x="20" y="22"/>
+                </a:cubicBezTo>
+                <a:close/>
+              </a:path>
+            </a:pathLst>
+          </a:custGeom>
+          <a:solidFill>
+            <a:srgbClr val="FFC000"/>
+          </a:solidFill>
+          <a:ln>
+            <a:solidFill>
+              <a:srgbClr val="FFC000"/>
+            </a:solidFill>
+          </a:ln>
+        </p:spPr>
+        <p:txBody>
+          <a:bodyPr vert="horz" wrap="square" lIns="91440" tIns="45720" rIns="91440" bIns="45720" numCol="1" anchor="t" anchorCtr="0" compatLnSpc="1">
+            <a:prstTxWarp prst="textNoShape">
+              <a:avLst/>
+            </a:prstTxWarp>
+          </a:bodyPr>
+          <a:lstStyle/>
+          <a:p>
+            <a:endParaRPr lang="en-US">
+              <a:solidFill>
+                <a:srgbClr val="FFC000"/>
+              </a:solidFill>
+            </a:endParaRPr>
+          </a:p>
+        </p:txBody>
+      </p:sp>
     </p:spTree>
     <p:extLst>
       <p:ext uri="{BB962C8B-B14F-4D97-AF65-F5344CB8AC3E}">
@@ -9674,7 +10369,7 @@
         </p:nvSpPr>
         <p:spPr>
           <a:xfrm>
-            <a:off x="10775482" y="2850846"/>
+            <a:off x="10777551" y="2847271"/>
             <a:ext cx="861230" cy="843304"/>
           </a:xfrm>
           <a:prstGeom prst="ellipse">
@@ -9733,7 +10428,7 @@
         </p:nvGrpSpPr>
         <p:grpSpPr>
           <a:xfrm>
-            <a:off x="254528" y="1269236"/>
+            <a:off x="254530" y="1256624"/>
             <a:ext cx="11156536" cy="4496100"/>
             <a:chOff x="-120328" y="1431574"/>
             <a:chExt cx="12222045" cy="5078602"/>
@@ -10467,17 +11162,7 @@
                     <a:latin typeface="Arial" panose="020B0604020202020204" pitchFamily="34" charset="0"/>
                     <a:cs typeface="Arial" panose="020B0604020202020204" pitchFamily="34" charset="0"/>
                   </a:rPr>
-                  <a:t>Développement du </a:t>
-                </a:r>
-                <a:r>
-                  <a:rPr lang="fr-FR" sz="1600" b="1" dirty="0" smtClean="0">
-                    <a:solidFill>
-                      <a:srgbClr val="896FA8"/>
-                    </a:solidFill>
-                    <a:latin typeface="Arial" panose="020B0604020202020204" pitchFamily="34" charset="0"/>
-                    <a:cs typeface="Arial" panose="020B0604020202020204" pitchFamily="34" charset="0"/>
-                  </a:rPr>
-                  <a:t>contrat intelligent</a:t>
+                  <a:t>Développement du contrat intelligent</a:t>
                 </a:r>
                 <a:endParaRPr lang="en-US" sz="1200" dirty="0">
                   <a:solidFill>
@@ -11796,7 +12481,7 @@
                 <a14:useLocalDpi xmlns:a14="http://schemas.microsoft.com/office/drawing/2010/main" val="0"/>
               </a:ext>
               <a:ext uri="{96DAC541-7B7A-43D3-8B79-37D633B846F1}">
-                <asvg:svgBlip xmlns:asvg="http://schemas.microsoft.com/office/drawing/2016/SVG/main" xmlns="" r:embed="rId16"/>
+                <asvg:svgBlip xmlns="" xmlns:asvg="http://schemas.microsoft.com/office/drawing/2016/SVG/main" r:embed="rId16"/>
               </a:ext>
             </a:extLst>
           </a:blip>
@@ -12992,7 +13677,7 @@
         </p:nvSpPr>
         <p:spPr bwMode="auto">
           <a:xfrm>
-            <a:off x="2688155" y="3167300"/>
+            <a:off x="2688157" y="3154688"/>
             <a:ext cx="365838" cy="443071"/>
           </a:xfrm>
           <a:custGeom>
@@ -13280,7 +13965,7 @@
                 <a14:useLocalDpi xmlns:a14="http://schemas.microsoft.com/office/drawing/2010/main" val="0"/>
               </a:ext>
               <a:ext uri="{96DAC541-7B7A-43D3-8B79-37D633B846F1}">
-                <asvg:svgBlip xmlns:asvg="http://schemas.microsoft.com/office/drawing/2016/SVG/main" xmlns="" r:embed="rId16"/>
+                <asvg:svgBlip xmlns="" xmlns:asvg="http://schemas.microsoft.com/office/drawing/2016/SVG/main" r:embed="rId16"/>
               </a:ext>
             </a:extLst>
           </a:blip>
@@ -13426,31 +14111,79 @@
 
 <file path=ppt/tags/tag10.xml><?xml version="1.0" encoding="utf-8"?>
 <p:tagLst xmlns:a="http://schemas.openxmlformats.org/drawingml/2006/main" xmlns:r="http://schemas.openxmlformats.org/officeDocument/2006/relationships" xmlns:p="http://schemas.openxmlformats.org/presentationml/2006/main">
-  <p:tag name="NUM" val="11"/>
+  <p:tag name="NUM" val="21"/>
 </p:tagLst>
 </file>
 
 <file path=ppt/tags/tag11.xml><?xml version="1.0" encoding="utf-8"?>
 <p:tagLst xmlns:a="http://schemas.openxmlformats.org/drawingml/2006/main" xmlns:r="http://schemas.openxmlformats.org/officeDocument/2006/relationships" xmlns:p="http://schemas.openxmlformats.org/presentationml/2006/main">
-  <p:tag name="NUM" val="13"/>
+  <p:tag name="NUM" val="11"/>
 </p:tagLst>
 </file>
 
 <file path=ppt/tags/tag12.xml><?xml version="1.0" encoding="utf-8"?>
 <p:tagLst xmlns:a="http://schemas.openxmlformats.org/drawingml/2006/main" xmlns:r="http://schemas.openxmlformats.org/officeDocument/2006/relationships" xmlns:p="http://schemas.openxmlformats.org/presentationml/2006/main">
-  <p:tag name="NUM" val="14"/>
+  <p:tag name="NUM" val="2"/>
 </p:tagLst>
 </file>
 
 <file path=ppt/tags/tag13.xml><?xml version="1.0" encoding="utf-8"?>
 <p:tagLst xmlns:a="http://schemas.openxmlformats.org/drawingml/2006/main" xmlns:r="http://schemas.openxmlformats.org/officeDocument/2006/relationships" xmlns:p="http://schemas.openxmlformats.org/presentationml/2006/main">
-  <p:tag name="NUM" val="22"/>
+  <p:tag name="NUM" val="1"/>
+</p:tagLst>
+</file>
+
+<file path=ppt/tags/tag14.xml><?xml version="1.0" encoding="utf-8"?>
+<p:tagLst xmlns:a="http://schemas.openxmlformats.org/drawingml/2006/main" xmlns:r="http://schemas.openxmlformats.org/officeDocument/2006/relationships" xmlns:p="http://schemas.openxmlformats.org/presentationml/2006/main">
+  <p:tag name="NUM" val="3"/>
+</p:tagLst>
+</file>
+
+<file path=ppt/tags/tag15.xml><?xml version="1.0" encoding="utf-8"?>
+<p:tagLst xmlns:a="http://schemas.openxmlformats.org/drawingml/2006/main" xmlns:r="http://schemas.openxmlformats.org/officeDocument/2006/relationships" xmlns:p="http://schemas.openxmlformats.org/presentationml/2006/main">
+  <p:tag name="NUM" val="8"/>
+</p:tagLst>
+</file>
+
+<file path=ppt/tags/tag16.xml><?xml version="1.0" encoding="utf-8"?>
+<p:tagLst xmlns:a="http://schemas.openxmlformats.org/drawingml/2006/main" xmlns:r="http://schemas.openxmlformats.org/officeDocument/2006/relationships" xmlns:p="http://schemas.openxmlformats.org/presentationml/2006/main">
+  <p:tag name="NUM" val="9"/>
+</p:tagLst>
+</file>
+
+<file path=ppt/tags/tag17.xml><?xml version="1.0" encoding="utf-8"?>
+<p:tagLst xmlns:a="http://schemas.openxmlformats.org/drawingml/2006/main" xmlns:r="http://schemas.openxmlformats.org/officeDocument/2006/relationships" xmlns:p="http://schemas.openxmlformats.org/presentationml/2006/main">
+  <p:tag name="NUM" val="10"/>
+</p:tagLst>
+</file>
+
+<file path=ppt/tags/tag18.xml><?xml version="1.0" encoding="utf-8"?>
+<p:tagLst xmlns:a="http://schemas.openxmlformats.org/drawingml/2006/main" xmlns:r="http://schemas.openxmlformats.org/officeDocument/2006/relationships" xmlns:p="http://schemas.openxmlformats.org/presentationml/2006/main">
+  <p:tag name="NUM" val="11"/>
+</p:tagLst>
+</file>
+
+<file path=ppt/tags/tag19.xml><?xml version="1.0" encoding="utf-8"?>
+<p:tagLst xmlns:a="http://schemas.openxmlformats.org/drawingml/2006/main" xmlns:r="http://schemas.openxmlformats.org/officeDocument/2006/relationships" xmlns:p="http://schemas.openxmlformats.org/presentationml/2006/main">
+  <p:tag name="NUM" val="13"/>
 </p:tagLst>
 </file>
 
 <file path=ppt/tags/tag2.xml><?xml version="1.0" encoding="utf-8"?>
 <p:tagLst xmlns:a="http://schemas.openxmlformats.org/drawingml/2006/main" xmlns:r="http://schemas.openxmlformats.org/officeDocument/2006/relationships" xmlns:p="http://schemas.openxmlformats.org/presentationml/2006/main">
   <p:tag name="NUM" val="21"/>
+</p:tagLst>
+</file>
+
+<file path=ppt/tags/tag20.xml><?xml version="1.0" encoding="utf-8"?>
+<p:tagLst xmlns:a="http://schemas.openxmlformats.org/drawingml/2006/main" xmlns:r="http://schemas.openxmlformats.org/officeDocument/2006/relationships" xmlns:p="http://schemas.openxmlformats.org/presentationml/2006/main">
+  <p:tag name="NUM" val="14"/>
+</p:tagLst>
+</file>
+
+<file path=ppt/tags/tag21.xml><?xml version="1.0" encoding="utf-8"?>
+<p:tagLst xmlns:a="http://schemas.openxmlformats.org/drawingml/2006/main" xmlns:r="http://schemas.openxmlformats.org/officeDocument/2006/relationships" xmlns:p="http://schemas.openxmlformats.org/presentationml/2006/main">
+  <p:tag name="NUM" val="22"/>
 </p:tagLst>
 </file>
 
@@ -13462,37 +14195,37 @@
 
 <file path=ppt/tags/tag4.xml><?xml version="1.0" encoding="utf-8"?>
 <p:tagLst xmlns:a="http://schemas.openxmlformats.org/drawingml/2006/main" xmlns:r="http://schemas.openxmlformats.org/officeDocument/2006/relationships" xmlns:p="http://schemas.openxmlformats.org/presentationml/2006/main">
-  <p:tag name="NUM" val="2"/>
+  <p:tag name="NUM" val="21"/>
 </p:tagLst>
 </file>
 
 <file path=ppt/tags/tag5.xml><?xml version="1.0" encoding="utf-8"?>
 <p:tagLst xmlns:a="http://schemas.openxmlformats.org/drawingml/2006/main" xmlns:r="http://schemas.openxmlformats.org/officeDocument/2006/relationships" xmlns:p="http://schemas.openxmlformats.org/presentationml/2006/main">
-  <p:tag name="NUM" val="1"/>
+  <p:tag name="NUM" val="21"/>
 </p:tagLst>
 </file>
 
 <file path=ppt/tags/tag6.xml><?xml version="1.0" encoding="utf-8"?>
 <p:tagLst xmlns:a="http://schemas.openxmlformats.org/drawingml/2006/main" xmlns:r="http://schemas.openxmlformats.org/officeDocument/2006/relationships" xmlns:p="http://schemas.openxmlformats.org/presentationml/2006/main">
-  <p:tag name="NUM" val="3"/>
+  <p:tag name="NUM" val="21"/>
 </p:tagLst>
 </file>
 
 <file path=ppt/tags/tag7.xml><?xml version="1.0" encoding="utf-8"?>
 <p:tagLst xmlns:a="http://schemas.openxmlformats.org/drawingml/2006/main" xmlns:r="http://schemas.openxmlformats.org/officeDocument/2006/relationships" xmlns:p="http://schemas.openxmlformats.org/presentationml/2006/main">
-  <p:tag name="NUM" val="8"/>
+  <p:tag name="NUM" val="21"/>
 </p:tagLst>
 </file>
 
 <file path=ppt/tags/tag8.xml><?xml version="1.0" encoding="utf-8"?>
 <p:tagLst xmlns:a="http://schemas.openxmlformats.org/drawingml/2006/main" xmlns:r="http://schemas.openxmlformats.org/officeDocument/2006/relationships" xmlns:p="http://schemas.openxmlformats.org/presentationml/2006/main">
-  <p:tag name="NUM" val="9"/>
+  <p:tag name="NUM" val="22"/>
 </p:tagLst>
 </file>
 
 <file path=ppt/tags/tag9.xml><?xml version="1.0" encoding="utf-8"?>
 <p:tagLst xmlns:a="http://schemas.openxmlformats.org/drawingml/2006/main" xmlns:r="http://schemas.openxmlformats.org/officeDocument/2006/relationships" xmlns:p="http://schemas.openxmlformats.org/presentationml/2006/main">
-  <p:tag name="NUM" val="10"/>
+  <p:tag name="NUM" val="21"/>
 </p:tagLst>
 </file>
 
